--- a/pssif/doc/PSSIF.pptx
+++ b/pssif/doc/PSSIF.pptx
@@ -5,10 +5,10 @@
     <p:sldMasterId id="2147483837" r:id="rId1"/>
   </p:sldMasterIdLst>
   <p:notesMasterIdLst>
-    <p:notesMasterId r:id="rId23"/>
+    <p:notesMasterId r:id="rId32"/>
   </p:notesMasterIdLst>
   <p:handoutMasterIdLst>
-    <p:handoutMasterId r:id="rId24"/>
+    <p:handoutMasterId r:id="rId33"/>
   </p:handoutMasterIdLst>
   <p:sldIdLst>
     <p:sldId id="256" r:id="rId2"/>
@@ -27,16 +27,25 @@
     <p:sldId id="270" r:id="rId15"/>
     <p:sldId id="271" r:id="rId16"/>
     <p:sldId id="272" r:id="rId17"/>
-    <p:sldId id="276" r:id="rId18"/>
-    <p:sldId id="265" r:id="rId19"/>
-    <p:sldId id="266" r:id="rId20"/>
-    <p:sldId id="268" r:id="rId21"/>
-    <p:sldId id="267" r:id="rId22"/>
+    <p:sldId id="277" r:id="rId18"/>
+    <p:sldId id="278" r:id="rId19"/>
+    <p:sldId id="279" r:id="rId20"/>
+    <p:sldId id="280" r:id="rId21"/>
+    <p:sldId id="281" r:id="rId22"/>
+    <p:sldId id="282" r:id="rId23"/>
+    <p:sldId id="283" r:id="rId24"/>
+    <p:sldId id="276" r:id="rId25"/>
+    <p:sldId id="265" r:id="rId26"/>
+    <p:sldId id="286" r:id="rId27"/>
+    <p:sldId id="266" r:id="rId28"/>
+    <p:sldId id="268" r:id="rId29"/>
+    <p:sldId id="285" r:id="rId30"/>
+    <p:sldId id="267" r:id="rId31"/>
   </p:sldIdLst>
   <p:sldSz cx="9144000" cy="6858000" type="screen4x3"/>
   <p:notesSz cx="6797675" cy="9926638"/>
   <p:custDataLst>
-    <p:tags r:id="rId25"/>
+    <p:tags r:id="rId34"/>
   </p:custDataLst>
   <p:defaultTextStyle>
     <a:defPPr>
@@ -165,7 +174,7 @@
   </p:defaultTextStyle>
   <p:extLst>
     <p:ext uri="{EFAFB233-063F-42B5-8137-9DF3F51BA10A}">
-      <p15:sldGuideLst xmlns:p15="http://schemas.microsoft.com/office/powerpoint/2012/main" xmlns="">
+      <p15:sldGuideLst xmlns:p15="http://schemas.microsoft.com/office/powerpoint/2012/main">
         <p15:guide id="1" orient="horz" pos="3612">
           <p15:clr>
             <a:srgbClr val="A4A3A4"/>
@@ -239,7 +248,7 @@
       </p15:sldGuideLst>
     </p:ext>
     <p:ext uri="{2D200454-40CA-4A62-9FC3-DE9A4176ACB9}">
-      <p15:notesGuideLst xmlns:p15="http://schemas.microsoft.com/office/powerpoint/2012/main" xmlns="">
+      <p15:notesGuideLst xmlns:p15="http://schemas.microsoft.com/office/powerpoint/2012/main">
         <p15:guide id="1" orient="horz" pos="3128">
           <p15:clr>
             <a:srgbClr val="A4A3A4"/>
@@ -485,7 +494,7 @@
     </p:spTree>
     <p:extLst>
       <p:ext uri="{BB962C8B-B14F-4D97-AF65-F5344CB8AC3E}">
-        <p14:creationId xmlns:p14="http://schemas.microsoft.com/office/powerpoint/2010/main" xmlns="" val="164483809"/>
+        <p14:creationId xmlns:p14="http://schemas.microsoft.com/office/powerpoint/2010/main" val="164483809"/>
       </p:ext>
     </p:extLst>
   </p:cSld>
@@ -827,7 +836,7 @@
     </p:spTree>
     <p:extLst>
       <p:ext uri="{BB962C8B-B14F-4D97-AF65-F5344CB8AC3E}">
-        <p14:creationId xmlns:p14="http://schemas.microsoft.com/office/powerpoint/2010/main" xmlns="" val="220946427"/>
+        <p14:creationId xmlns:p14="http://schemas.microsoft.com/office/powerpoint/2010/main" val="220946427"/>
       </p:ext>
     </p:extLst>
   </p:cSld>
@@ -1260,7 +1269,7 @@
           <a:blip r:embed="rId3" cstate="print">
             <a:extLst>
               <a:ext uri="{28A0092B-C50C-407E-A947-70E740481C1C}">
-                <a14:useLocalDpi xmlns:a14="http://schemas.microsoft.com/office/drawing/2010/main" xmlns="" val="0"/>
+                <a14:useLocalDpi xmlns:a14="http://schemas.microsoft.com/office/drawing/2010/main" val="0"/>
               </a:ext>
             </a:extLst>
           </a:blip>
@@ -1290,7 +1299,7 @@
           <a:blip r:embed="rId4" cstate="print">
             <a:extLst>
               <a:ext uri="{28A0092B-C50C-407E-A947-70E740481C1C}">
-                <a14:useLocalDpi xmlns:a14="http://schemas.microsoft.com/office/drawing/2010/main" xmlns="" val="0"/>
+                <a14:useLocalDpi xmlns:a14="http://schemas.microsoft.com/office/drawing/2010/main" val="0"/>
               </a:ext>
             </a:extLst>
           </a:blip>
@@ -1320,7 +1329,7 @@
           <a:blip r:embed="rId5" cstate="print">
             <a:extLst>
               <a:ext uri="{28A0092B-C50C-407E-A947-70E740481C1C}">
-                <a14:useLocalDpi xmlns:a14="http://schemas.microsoft.com/office/drawing/2010/main" xmlns="" val="0"/>
+                <a14:useLocalDpi xmlns:a14="http://schemas.microsoft.com/office/drawing/2010/main" val="0"/>
               </a:ext>
             </a:extLst>
           </a:blip>
@@ -1615,7 +1624,7 @@
           <a:blip r:embed="rId2" cstate="print">
             <a:extLst>
               <a:ext uri="{28A0092B-C50C-407E-A947-70E740481C1C}">
-                <a14:useLocalDpi xmlns:a14="http://schemas.microsoft.com/office/drawing/2010/main" xmlns="" val="0"/>
+                <a14:useLocalDpi xmlns:a14="http://schemas.microsoft.com/office/drawing/2010/main" val="0"/>
               </a:ext>
             </a:extLst>
           </a:blip>
@@ -1645,7 +1654,7 @@
           <a:blip r:embed="rId3" cstate="print">
             <a:extLst>
               <a:ext uri="{28A0092B-C50C-407E-A947-70E740481C1C}">
-                <a14:useLocalDpi xmlns:a14="http://schemas.microsoft.com/office/drawing/2010/main" xmlns="" val="0"/>
+                <a14:useLocalDpi xmlns:a14="http://schemas.microsoft.com/office/drawing/2010/main" val="0"/>
               </a:ext>
             </a:extLst>
           </a:blip>
@@ -1675,7 +1684,7 @@
           <a:blip r:embed="rId4" cstate="print">
             <a:extLst>
               <a:ext uri="{28A0092B-C50C-407E-A947-70E740481C1C}">
-                <a14:useLocalDpi xmlns:a14="http://schemas.microsoft.com/office/drawing/2010/main" xmlns="" val="0"/>
+                <a14:useLocalDpi xmlns:a14="http://schemas.microsoft.com/office/drawing/2010/main" val="0"/>
               </a:ext>
             </a:extLst>
           </a:blip>
@@ -2360,8 +2369,9 @@
           <a:p>
             <a:r>
               <a:rPr lang="de-DE" b="1" dirty="0" smtClean="0"/>
-              <a:t>Visualisierungen</a:t>
-            </a:r>
+              <a:t>Visualisierung</a:t>
+            </a:r>
+            <a:endParaRPr lang="de-DE" b="1" dirty="0" smtClean="0"/>
           </a:p>
           <a:p>
             <a:r>
@@ -2374,14 +2384,12 @@
               <a:rPr lang="de-DE" dirty="0" smtClean="0"/>
               <a:t>DEMO</a:t>
             </a:r>
-            <a:endParaRPr lang="de-DE" dirty="0" smtClean="0"/>
           </a:p>
           <a:p>
             <a:r>
               <a:rPr lang="de-DE" dirty="0" smtClean="0"/>
               <a:t>Ausblick</a:t>
             </a:r>
-            <a:endParaRPr lang="de-DE" dirty="0" smtClean="0"/>
           </a:p>
           <a:p>
             <a:endParaRPr lang="de-DE" dirty="0"/>
@@ -2466,8 +2474,9 @@
           <a:p>
             <a:r>
               <a:rPr lang="de-DE" dirty="0" smtClean="0"/>
-              <a:t>Design</a:t>
-            </a:r>
+              <a:t>Realisierung der Ziele</a:t>
+            </a:r>
+            <a:endParaRPr lang="de-DE" dirty="0" smtClean="0"/>
           </a:p>
           <a:p>
             <a:r>
@@ -2480,7 +2489,60 @@
               <a:rPr lang="de-DE" dirty="0" smtClean="0"/>
               <a:t>Implementierung</a:t>
             </a:r>
+          </a:p>
+          <a:p>
+            <a:pPr lvl="1"/>
+            <a:r>
+              <a:rPr lang="de-DE" dirty="0" smtClean="0"/>
+              <a:t>Architektur </a:t>
+            </a:r>
+            <a:r>
+              <a:rPr lang="de-DE" dirty="0" err="1" smtClean="0"/>
+              <a:t>Viz</a:t>
+            </a:r>
+            <a:r>
+              <a:rPr lang="de-DE" dirty="0" smtClean="0"/>
+              <a:t>-Modell</a:t>
+            </a:r>
+          </a:p>
+          <a:p>
+            <a:pPr lvl="1"/>
+            <a:r>
+              <a:rPr lang="de-DE" dirty="0"/>
+              <a:t>Einlesen von </a:t>
+            </a:r>
+            <a:r>
+              <a:rPr lang="de-DE" dirty="0" smtClean="0"/>
+              <a:t>Daten</a:t>
+            </a:r>
             <a:endParaRPr lang="de-DE" dirty="0"/>
+          </a:p>
+          <a:p>
+            <a:pPr lvl="1"/>
+            <a:r>
+              <a:rPr lang="de-DE" dirty="0"/>
+              <a:t>Grafische </a:t>
+            </a:r>
+            <a:r>
+              <a:rPr lang="de-DE" dirty="0" smtClean="0"/>
+              <a:t>Darstellung</a:t>
+            </a:r>
+          </a:p>
+          <a:p>
+            <a:pPr lvl="1"/>
+            <a:r>
+              <a:rPr lang="de-DE" dirty="0" err="1" smtClean="0"/>
+              <a:t>GraphView</a:t>
+            </a:r>
+            <a:endParaRPr lang="de-DE" dirty="0"/>
+          </a:p>
+          <a:p>
+            <a:pPr lvl="1"/>
+            <a:r>
+              <a:rPr lang="de-DE" dirty="0" err="1" smtClean="0"/>
+              <a:t>MatrixView</a:t>
+            </a:r>
+            <a:endParaRPr lang="de-DE" dirty="0" smtClean="0"/>
           </a:p>
         </p:txBody>
       </p:sp>
@@ -2501,7 +2563,7 @@
           <a:p>
             <a:r>
               <a:rPr lang="de-DE" dirty="0" smtClean="0"/>
-              <a:t>Visualisierungen</a:t>
+              <a:t>Visualisierung</a:t>
             </a:r>
             <a:endParaRPr lang="de-DE" dirty="0"/>
           </a:p>
@@ -2549,12 +2611,41 @@
             <p:ph type="body" sz="quarter" idx="10"/>
           </p:nvPr>
         </p:nvSpPr>
-        <p:spPr/>
+        <p:spPr>
+          <a:xfrm>
+            <a:off x="250824" y="933450"/>
+            <a:ext cx="8031164" cy="4495813"/>
+          </a:xfrm>
+        </p:spPr>
         <p:txBody>
           <a:bodyPr/>
           <a:lstStyle/>
           <a:p>
-            <a:endParaRPr lang="de-DE"/>
+            <a:r>
+              <a:rPr lang="de-DE" dirty="0"/>
+              <a:t>Import und Export aus verschiedenen Quellformaten</a:t>
+            </a:r>
+          </a:p>
+          <a:p>
+            <a:r>
+              <a:rPr lang="de-DE" dirty="0"/>
+              <a:t>Visualisierung des Gesamtmodells</a:t>
+            </a:r>
+          </a:p>
+          <a:p>
+            <a:r>
+              <a:rPr lang="de-DE" dirty="0"/>
+              <a:t>Bearbeitung des Gesamtmodells</a:t>
+            </a:r>
+          </a:p>
+          <a:p>
+            <a:r>
+              <a:rPr lang="de-DE" dirty="0"/>
+              <a:t>Analysen auf dem Gesamtmodell</a:t>
+            </a:r>
+          </a:p>
+          <a:p>
+            <a:endParaRPr lang="de-DE" dirty="0"/>
           </a:p>
         </p:txBody>
       </p:sp>
@@ -2581,6 +2672,30 @@
           </a:p>
         </p:txBody>
       </p:sp>
+      <p:pic>
+        <p:nvPicPr>
+          <p:cNvPr id="4" name="Grafik 3"/>
+          <p:cNvPicPr>
+            <a:picLocks noChangeAspect="1"/>
+          </p:cNvPicPr>
+          <p:nvPr/>
+        </p:nvPicPr>
+        <p:blipFill>
+          <a:blip r:embed="rId2"/>
+          <a:stretch>
+            <a:fillRect/>
+          </a:stretch>
+        </p:blipFill>
+        <p:spPr>
+          <a:xfrm>
+            <a:off x="2987824" y="2412198"/>
+            <a:ext cx="5291738" cy="3396495"/>
+          </a:xfrm>
+          <a:prstGeom prst="rect">
+            <a:avLst/>
+          </a:prstGeom>
+        </p:spPr>
+      </p:pic>
     </p:spTree>
   </p:cSld>
   <p:clrMapOvr>
@@ -2623,12 +2738,98 @@
             <p:ph type="body" sz="quarter" idx="10"/>
           </p:nvPr>
         </p:nvSpPr>
-        <p:spPr/>
+        <p:spPr>
+          <a:xfrm>
+            <a:off x="250824" y="933450"/>
+            <a:ext cx="8031164" cy="4495813"/>
+          </a:xfrm>
+        </p:spPr>
         <p:txBody>
           <a:bodyPr/>
           <a:lstStyle/>
           <a:p>
-            <a:endParaRPr lang="de-DE"/>
+            <a:r>
+              <a:rPr lang="de-DE" dirty="0"/>
+              <a:t>Import und Export aus verschiedenen Quellformaten</a:t>
+            </a:r>
+          </a:p>
+          <a:p>
+            <a:pPr lvl="1"/>
+            <a:r>
+              <a:rPr lang="de-DE" dirty="0"/>
+              <a:t>Automatischer Import &amp; Export mit PSS-IF Transform</a:t>
+            </a:r>
+          </a:p>
+          <a:p>
+            <a:r>
+              <a:rPr lang="de-DE" dirty="0"/>
+              <a:t>Visualisierung des Gesamtmodells</a:t>
+            </a:r>
+          </a:p>
+          <a:p>
+            <a:pPr lvl="1"/>
+            <a:r>
+              <a:rPr lang="de-DE" dirty="0"/>
+              <a:t>Unterschiedliche Visualisierungen der Elemente  (Farbe, Form, Inhalt)</a:t>
+            </a:r>
+          </a:p>
+          <a:p>
+            <a:pPr lvl="1"/>
+            <a:r>
+              <a:rPr lang="de-DE" dirty="0"/>
+              <a:t>Verschiedene Ansichten auf das Modell (Graph, Matrix)</a:t>
+            </a:r>
+          </a:p>
+          <a:p>
+            <a:r>
+              <a:rPr lang="de-DE" dirty="0"/>
+              <a:t>Bearbeitung des Gesamtmodells</a:t>
+            </a:r>
+          </a:p>
+          <a:p>
+            <a:pPr lvl="1"/>
+            <a:r>
+              <a:rPr lang="de-DE" dirty="0"/>
+              <a:t>Modifikation der Element Attribute</a:t>
+            </a:r>
+          </a:p>
+          <a:p>
+            <a:pPr lvl="1"/>
+            <a:r>
+              <a:rPr lang="de-DE" dirty="0"/>
+              <a:t>Einfaches Einfügen und Löschen von Elementen</a:t>
+            </a:r>
+          </a:p>
+          <a:p>
+            <a:r>
+              <a:rPr lang="de-DE" dirty="0"/>
+              <a:t>Analysen auf dem Gesamtmodell</a:t>
+            </a:r>
+          </a:p>
+          <a:p>
+            <a:pPr lvl="1"/>
+            <a:r>
+              <a:rPr lang="de-DE" dirty="0"/>
+              <a:t>Hervorheben von Zusammenhängen</a:t>
+            </a:r>
+          </a:p>
+          <a:p>
+            <a:pPr lvl="1"/>
+            <a:r>
+              <a:rPr lang="de-DE" dirty="0"/>
+              <a:t>Filtern </a:t>
+            </a:r>
+            <a:r>
+              <a:rPr lang="de-DE" dirty="0" smtClean="0"/>
+              <a:t>mittels </a:t>
+            </a:r>
+            <a:r>
+              <a:rPr lang="de-DE" dirty="0"/>
+              <a:t>Attribute und Elementtypen</a:t>
+            </a:r>
+          </a:p>
+          <a:p>
+            <a:endParaRPr lang="de-DE" dirty="0"/>
           </a:p>
         </p:txBody>
       </p:sp>
@@ -2649,7 +2850,7 @@
           <a:p>
             <a:r>
               <a:rPr lang="de-DE" dirty="0" smtClean="0"/>
-              <a:t>Design</a:t>
+              <a:t>Realisierung der Ziele</a:t>
             </a:r>
             <a:endParaRPr lang="de-DE" dirty="0"/>
           </a:p>
@@ -2697,12 +2898,84 @@
             <p:ph type="body" sz="quarter" idx="10"/>
           </p:nvPr>
         </p:nvSpPr>
-        <p:spPr/>
+        <p:spPr>
+          <a:xfrm>
+            <a:off x="250824" y="933450"/>
+            <a:ext cx="8031164" cy="4495813"/>
+          </a:xfrm>
+        </p:spPr>
         <p:txBody>
           <a:bodyPr/>
           <a:lstStyle/>
           <a:p>
-            <a:endParaRPr lang="de-DE"/>
+            <a:r>
+              <a:rPr lang="de-DE" dirty="0"/>
+              <a:t>PSS-IF Core</a:t>
+            </a:r>
+          </a:p>
+          <a:p>
+            <a:pPr lvl="1"/>
+            <a:r>
+              <a:rPr lang="de-DE" dirty="0"/>
+              <a:t>Modellierungssprache des Gesamtmodells</a:t>
+            </a:r>
+          </a:p>
+          <a:p>
+            <a:pPr lvl="1"/>
+            <a:r>
+              <a:rPr lang="de-DE" dirty="0"/>
+              <a:t>Stellt Metamodell und Modell bereit</a:t>
+            </a:r>
+          </a:p>
+          <a:p>
+            <a:r>
+              <a:rPr lang="de-DE" dirty="0"/>
+              <a:t>PSS-IF Transform</a:t>
+            </a:r>
+          </a:p>
+          <a:p>
+            <a:pPr lvl="1"/>
+            <a:r>
+              <a:rPr lang="de-DE" dirty="0"/>
+              <a:t>Transformiert das Eingabeformat zu einem PSS-IF Modell</a:t>
+            </a:r>
+          </a:p>
+          <a:p>
+            <a:pPr lvl="1"/>
+            <a:r>
+              <a:rPr lang="de-DE" dirty="0"/>
+              <a:t>Transformiert das PSS-IF Modell in ein Ausgabemodell</a:t>
+            </a:r>
+          </a:p>
+          <a:p>
+            <a:r>
+              <a:rPr lang="de-DE" dirty="0"/>
+              <a:t>Jung2 Framework</a:t>
+            </a:r>
+          </a:p>
+          <a:p>
+            <a:pPr lvl="1"/>
+            <a:r>
+              <a:rPr lang="de-DE" dirty="0"/>
+              <a:t>Framework zur Visualisierung von Graphen und Netzwerken</a:t>
+            </a:r>
+          </a:p>
+          <a:p>
+            <a:pPr lvl="1"/>
+            <a:r>
+              <a:rPr lang="de-DE" dirty="0"/>
+              <a:t>Open Source</a:t>
+            </a:r>
+          </a:p>
+          <a:p>
+            <a:endParaRPr lang="de-DE" dirty="0" smtClean="0"/>
+          </a:p>
+          <a:p>
+            <a:r>
+              <a:rPr lang="de-DE" dirty="0" smtClean="0"/>
+              <a:t>? Kann wohl gestrichen werden</a:t>
+            </a:r>
+            <a:endParaRPr lang="de-DE" dirty="0"/>
           </a:p>
         </p:txBody>
       </p:sp>
@@ -2763,25 +3036,6 @@
       </p:grpSpPr>
       <p:sp>
         <p:nvSpPr>
-          <p:cNvPr id="2" name="Textplatzhalter 1"/>
-          <p:cNvSpPr>
-            <a:spLocks noGrp="1"/>
-          </p:cNvSpPr>
-          <p:nvPr>
-            <p:ph type="body" sz="quarter" idx="10"/>
-          </p:nvPr>
-        </p:nvSpPr>
-        <p:spPr/>
-        <p:txBody>
-          <a:bodyPr/>
-          <a:lstStyle/>
-          <a:p>
-            <a:endParaRPr lang="de-DE"/>
-          </a:p>
-        </p:txBody>
-      </p:sp>
-      <p:sp>
-        <p:nvSpPr>
           <p:cNvPr id="3" name="Titel 2"/>
           <p:cNvSpPr>
             <a:spLocks noGrp="1"/>
@@ -2790,7 +3044,12 @@
             <p:ph type="title"/>
           </p:nvPr>
         </p:nvSpPr>
-        <p:spPr/>
+        <p:spPr>
+          <a:xfrm>
+            <a:off x="250825" y="195526"/>
+            <a:ext cx="8031163" cy="600164"/>
+          </a:xfrm>
+        </p:spPr>
         <p:txBody>
           <a:bodyPr/>
           <a:lstStyle/>
@@ -2799,10 +3058,49 @@
               <a:rPr lang="de-DE" dirty="0" smtClean="0"/>
               <a:t>Implementierung</a:t>
             </a:r>
-            <a:endParaRPr lang="de-DE" dirty="0"/>
-          </a:p>
-        </p:txBody>
-      </p:sp>
+            <a:br>
+              <a:rPr lang="de-DE" dirty="0" smtClean="0"/>
+            </a:br>
+            <a:r>
+              <a:rPr lang="de-DE" sz="1400" b="0" dirty="0" smtClean="0"/>
+              <a:t>Architektur </a:t>
+            </a:r>
+            <a:r>
+              <a:rPr lang="de-DE" sz="1400" b="0" dirty="0" err="1" smtClean="0"/>
+              <a:t>Viz</a:t>
+            </a:r>
+            <a:r>
+              <a:rPr lang="de-DE" sz="1400" b="0" dirty="0" smtClean="0"/>
+              <a:t>-Modell</a:t>
+            </a:r>
+            <a:endParaRPr lang="de-DE" sz="1400" b="0" dirty="0"/>
+          </a:p>
+        </p:txBody>
+      </p:sp>
+      <p:pic>
+        <p:nvPicPr>
+          <p:cNvPr id="4" name="Grafik 3"/>
+          <p:cNvPicPr>
+            <a:picLocks noChangeAspect="1"/>
+          </p:cNvPicPr>
+          <p:nvPr/>
+        </p:nvPicPr>
+        <p:blipFill>
+          <a:blip r:embed="rId2"/>
+          <a:stretch>
+            <a:fillRect/>
+          </a:stretch>
+        </p:blipFill>
+        <p:spPr>
+          <a:xfrm>
+            <a:off x="1835696" y="908720"/>
+            <a:ext cx="4288551" cy="4883454"/>
+          </a:xfrm>
+          <a:prstGeom prst="rect">
+            <a:avLst/>
+          </a:prstGeom>
+        </p:spPr>
+      </p:pic>
     </p:spTree>
   </p:cSld>
   <p:clrMapOvr>
@@ -2837,68 +3135,6 @@
       </p:grpSpPr>
       <p:sp>
         <p:nvSpPr>
-          <p:cNvPr id="2" name="Textplatzhalter 1"/>
-          <p:cNvSpPr>
-            <a:spLocks noGrp="1"/>
-          </p:cNvSpPr>
-          <p:nvPr>
-            <p:ph type="body" sz="quarter" idx="10"/>
-          </p:nvPr>
-        </p:nvSpPr>
-        <p:spPr/>
-        <p:txBody>
-          <a:bodyPr/>
-          <a:lstStyle/>
-          <a:p>
-            <a:r>
-              <a:rPr lang="de-DE" dirty="0" smtClean="0"/>
-              <a:t>Motivation</a:t>
-            </a:r>
-          </a:p>
-          <a:p>
-            <a:r>
-              <a:rPr lang="de-DE" dirty="0" smtClean="0"/>
-              <a:t>Forschungsrichtungen</a:t>
-            </a:r>
-          </a:p>
-          <a:p>
-            <a:r>
-              <a:rPr lang="de-DE" dirty="0" smtClean="0"/>
-              <a:t>Transformationen</a:t>
-            </a:r>
-          </a:p>
-          <a:p>
-            <a:r>
-              <a:rPr lang="de-DE" dirty="0" smtClean="0"/>
-              <a:t>Visualisierungen</a:t>
-            </a:r>
-          </a:p>
-          <a:p>
-            <a:r>
-              <a:rPr lang="de-DE" b="1" dirty="0" smtClean="0"/>
-              <a:t>Ergebnisse</a:t>
-            </a:r>
-            <a:endParaRPr lang="de-DE" dirty="0" smtClean="0"/>
-          </a:p>
-          <a:p>
-            <a:r>
-              <a:rPr lang="de-DE" dirty="0" smtClean="0"/>
-              <a:t>DEMO</a:t>
-            </a:r>
-          </a:p>
-          <a:p>
-            <a:r>
-              <a:rPr lang="de-DE" dirty="0" smtClean="0"/>
-              <a:t>Ausblick</a:t>
-            </a:r>
-          </a:p>
-          <a:p>
-            <a:endParaRPr lang="de-DE" dirty="0"/>
-          </a:p>
-        </p:txBody>
-      </p:sp>
-      <p:sp>
-        <p:nvSpPr>
           <p:cNvPr id="3" name="Titel 2"/>
           <p:cNvSpPr>
             <a:spLocks noGrp="1"/>
@@ -2907,20 +3143,61 @@
             <p:ph type="title"/>
           </p:nvPr>
         </p:nvSpPr>
-        <p:spPr/>
+        <p:spPr>
+          <a:xfrm>
+            <a:off x="250825" y="195526"/>
+            <a:ext cx="8031163" cy="600164"/>
+          </a:xfrm>
+        </p:spPr>
         <p:txBody>
           <a:bodyPr/>
           <a:lstStyle/>
           <a:p>
             <a:r>
-              <a:rPr lang="de-DE" dirty="0" smtClean="0"/>
-              <a:t>Agenda</a:t>
-            </a:r>
-            <a:endParaRPr lang="de-DE" dirty="0"/>
-          </a:p>
-        </p:txBody>
-      </p:sp>
+              <a:rPr lang="de-DE" dirty="0"/>
+              <a:t>Implementierung</a:t>
+            </a:r>
+            <a:br>
+              <a:rPr lang="de-DE" dirty="0"/>
+            </a:br>
+            <a:r>
+              <a:rPr lang="de-DE" sz="1400" b="0" dirty="0" smtClean="0"/>
+              <a:t>Einlesen von Daten</a:t>
+            </a:r>
+            <a:endParaRPr lang="de-DE" sz="1400" dirty="0"/>
+          </a:p>
+        </p:txBody>
+      </p:sp>
+      <p:pic>
+        <p:nvPicPr>
+          <p:cNvPr id="4" name="Grafik 3"/>
+          <p:cNvPicPr>
+            <a:picLocks noChangeAspect="1"/>
+          </p:cNvPicPr>
+          <p:nvPr/>
+        </p:nvPicPr>
+        <p:blipFill>
+          <a:blip r:embed="rId2"/>
+          <a:stretch>
+            <a:fillRect/>
+          </a:stretch>
+        </p:blipFill>
+        <p:spPr>
+          <a:xfrm>
+            <a:off x="1872000" y="993579"/>
+            <a:ext cx="5400000" cy="4870841"/>
+          </a:xfrm>
+          <a:prstGeom prst="rect">
+            <a:avLst/>
+          </a:prstGeom>
+        </p:spPr>
+      </p:pic>
     </p:spTree>
+    <p:extLst>
+      <p:ext uri="{BB962C8B-B14F-4D97-AF65-F5344CB8AC3E}">
+        <p14:creationId xmlns:p14="http://schemas.microsoft.com/office/powerpoint/2010/main" val="427906190"/>
+      </p:ext>
+    </p:extLst>
   </p:cSld>
   <p:clrMapOvr>
     <a:masterClrMapping/>
@@ -2954,35 +3231,6 @@
       </p:grpSpPr>
       <p:sp>
         <p:nvSpPr>
-          <p:cNvPr id="2" name="Textplatzhalter 1"/>
-          <p:cNvSpPr>
-            <a:spLocks noGrp="1"/>
-          </p:cNvSpPr>
-          <p:nvPr>
-            <p:ph type="body" sz="quarter" idx="10"/>
-          </p:nvPr>
-        </p:nvSpPr>
-        <p:spPr/>
-        <p:txBody>
-          <a:bodyPr/>
-          <a:lstStyle/>
-          <a:p>
-            <a:r>
-              <a:rPr lang="de-DE" dirty="0" smtClean="0"/>
-              <a:t>Transformationen (3 aus 4)</a:t>
-            </a:r>
-          </a:p>
-          <a:p>
-            <a:r>
-              <a:rPr lang="de-DE" dirty="0" smtClean="0"/>
-              <a:t>Visualisierungen</a:t>
-            </a:r>
-            <a:endParaRPr lang="de-DE" dirty="0"/>
-          </a:p>
-        </p:txBody>
-      </p:sp>
-      <p:sp>
-        <p:nvSpPr>
           <p:cNvPr id="3" name="Titel 2"/>
           <p:cNvSpPr>
             <a:spLocks noGrp="1"/>
@@ -2991,20 +3239,65 @@
             <p:ph type="title"/>
           </p:nvPr>
         </p:nvSpPr>
-        <p:spPr/>
+        <p:spPr>
+          <a:xfrm>
+            <a:off x="250825" y="195526"/>
+            <a:ext cx="8031163" cy="600164"/>
+          </a:xfrm>
+        </p:spPr>
         <p:txBody>
           <a:bodyPr/>
           <a:lstStyle/>
           <a:p>
             <a:r>
-              <a:rPr lang="de-DE" dirty="0" smtClean="0"/>
-              <a:t>Ergebnisse</a:t>
-            </a:r>
-            <a:endParaRPr lang="de-DE" dirty="0"/>
-          </a:p>
-        </p:txBody>
-      </p:sp>
+              <a:rPr lang="de-DE" dirty="0" err="1" smtClean="0"/>
+              <a:t>GraphView</a:t>
+            </a:r>
+            <a:r>
+              <a:rPr lang="de-DE" b="0" dirty="0" smtClean="0"/>
+              <a:t/>
+            </a:r>
+            <a:br>
+              <a:rPr lang="de-DE" b="0" dirty="0" smtClean="0"/>
+            </a:br>
+            <a:r>
+              <a:rPr lang="de-DE" sz="1400" b="0" dirty="0" smtClean="0"/>
+              <a:t>Visualisierung</a:t>
+            </a:r>
+            <a:endParaRPr lang="de-DE" sz="1400" dirty="0"/>
+          </a:p>
+        </p:txBody>
+      </p:sp>
+      <p:pic>
+        <p:nvPicPr>
+          <p:cNvPr id="4" name="Grafik 3"/>
+          <p:cNvPicPr>
+            <a:picLocks noChangeAspect="1"/>
+          </p:cNvPicPr>
+          <p:nvPr/>
+        </p:nvPicPr>
+        <p:blipFill>
+          <a:blip r:embed="rId2"/>
+          <a:stretch>
+            <a:fillRect/>
+          </a:stretch>
+        </p:blipFill>
+        <p:spPr>
+          <a:xfrm>
+            <a:off x="250824" y="1120125"/>
+            <a:ext cx="8031163" cy="4515943"/>
+          </a:xfrm>
+          <a:prstGeom prst="rect">
+            <a:avLst/>
+          </a:prstGeom>
+        </p:spPr>
+      </p:pic>
     </p:spTree>
+    <p:extLst>
+      <p:ext uri="{BB962C8B-B14F-4D97-AF65-F5344CB8AC3E}">
+        <p14:creationId xmlns:p14="http://schemas.microsoft.com/office/powerpoint/2010/main" val="3871759119"/>
+      </p:ext>
+    </p:extLst>
   </p:cSld>
   <p:clrMapOvr>
     <a:masterClrMapping/>
@@ -3038,36 +3331,534 @@
       </p:grpSpPr>
       <p:sp>
         <p:nvSpPr>
-          <p:cNvPr id="5" name="Textfeld 4"/>
-          <p:cNvSpPr txBox="1"/>
-          <p:nvPr/>
+          <p:cNvPr id="3" name="Titel 2"/>
+          <p:cNvSpPr>
+            <a:spLocks noGrp="1"/>
+          </p:cNvSpPr>
+          <p:nvPr>
+            <p:ph type="title"/>
+          </p:nvPr>
         </p:nvSpPr>
         <p:spPr>
           <a:xfrm>
-            <a:off x="2195736" y="2420888"/>
-            <a:ext cx="4752528" cy="1200329"/>
+            <a:off x="250825" y="195526"/>
+            <a:ext cx="8031163" cy="600164"/>
+          </a:xfrm>
+        </p:spPr>
+        <p:txBody>
+          <a:bodyPr/>
+          <a:lstStyle/>
+          <a:p>
+            <a:r>
+              <a:rPr lang="de-DE" dirty="0" err="1" smtClean="0"/>
+              <a:t>GraphView</a:t>
+            </a:r>
+            <a:r>
+              <a:rPr lang="de-DE" b="0" dirty="0" smtClean="0"/>
+              <a:t/>
+            </a:r>
+            <a:br>
+              <a:rPr lang="de-DE" b="0" dirty="0" smtClean="0"/>
+            </a:br>
+            <a:r>
+              <a:rPr lang="de-DE" sz="1400" b="0" dirty="0" smtClean="0"/>
+              <a:t>Modifikation</a:t>
+            </a:r>
+            <a:endParaRPr lang="de-DE" dirty="0"/>
+          </a:p>
+        </p:txBody>
+      </p:sp>
+      <p:pic>
+        <p:nvPicPr>
+          <p:cNvPr id="4" name="Grafik 3"/>
+          <p:cNvPicPr>
+            <a:picLocks noChangeAspect="1"/>
+          </p:cNvPicPr>
+          <p:nvPr/>
+        </p:nvPicPr>
+        <p:blipFill>
+          <a:blip r:embed="rId2"/>
+          <a:stretch>
+            <a:fillRect/>
+          </a:stretch>
+        </p:blipFill>
+        <p:spPr>
+          <a:xfrm>
+            <a:off x="250825" y="1556792"/>
+            <a:ext cx="2520420" cy="2476968"/>
           </a:xfrm>
           <a:prstGeom prst="rect">
             <a:avLst/>
           </a:prstGeom>
-          <a:noFill/>
         </p:spPr>
-        <p:txBody>
-          <a:bodyPr wrap="square" rtlCol="0">
-            <a:spAutoFit/>
-          </a:bodyPr>
+      </p:pic>
+      <p:pic>
+        <p:nvPicPr>
+          <p:cNvPr id="5" name="Grafik 4"/>
+          <p:cNvPicPr>
+            <a:picLocks noChangeAspect="1"/>
+          </p:cNvPicPr>
+          <p:nvPr/>
+        </p:nvPicPr>
+        <p:blipFill>
+          <a:blip r:embed="rId3"/>
+          <a:stretch>
+            <a:fillRect/>
+          </a:stretch>
+        </p:blipFill>
+        <p:spPr>
+          <a:xfrm>
+            <a:off x="3347865" y="1484784"/>
+            <a:ext cx="2369190" cy="2304256"/>
+          </a:xfrm>
+          <a:prstGeom prst="rect">
+            <a:avLst/>
+          </a:prstGeom>
+        </p:spPr>
+      </p:pic>
+      <p:pic>
+        <p:nvPicPr>
+          <p:cNvPr id="6" name="Grafik 5"/>
+          <p:cNvPicPr>
+            <a:picLocks noChangeAspect="1"/>
+          </p:cNvPicPr>
+          <p:nvPr/>
+        </p:nvPicPr>
+        <p:blipFill>
+          <a:blip r:embed="rId4"/>
+          <a:stretch>
+            <a:fillRect/>
+          </a:stretch>
+        </p:blipFill>
+        <p:spPr>
+          <a:xfrm>
+            <a:off x="5761627" y="2492896"/>
+            <a:ext cx="2520361" cy="2909164"/>
+          </a:xfrm>
+          <a:prstGeom prst="rect">
+            <a:avLst/>
+          </a:prstGeom>
+        </p:spPr>
+      </p:pic>
+      <p:sp>
+        <p:nvSpPr>
+          <p:cNvPr id="8" name="Textplatzhalter 1"/>
+          <p:cNvSpPr>
+            <a:spLocks noGrp="1"/>
+          </p:cNvSpPr>
+          <p:nvPr>
+            <p:ph type="body" sz="quarter" idx="10"/>
+          </p:nvPr>
+        </p:nvSpPr>
+        <p:spPr>
+          <a:xfrm>
+            <a:off x="250824" y="933451"/>
+            <a:ext cx="8031164" cy="407318"/>
+          </a:xfrm>
+        </p:spPr>
+        <p:txBody>
+          <a:bodyPr/>
           <a:lstStyle/>
           <a:p>
-            <a:pPr algn="ctr"/>
-            <a:r>
-              <a:rPr lang="de-DE" sz="7200" b="1" dirty="0" smtClean="0"/>
-              <a:t>DEMO</a:t>
-            </a:r>
-            <a:endParaRPr lang="de-DE" sz="7200" b="1" dirty="0"/>
+            <a:pPr marL="0" indent="0">
+              <a:buNone/>
+            </a:pPr>
+            <a:r>
+              <a:rPr lang="de-DE" dirty="0" smtClean="0"/>
+              <a:t>Einfügen von Knoten				Einfügen von Kanten</a:t>
+            </a:r>
+            <a:endParaRPr lang="de-DE" dirty="0"/>
+          </a:p>
+        </p:txBody>
+      </p:sp>
+      <p:sp>
+        <p:nvSpPr>
+          <p:cNvPr id="9" name="Textplatzhalter 1"/>
+          <p:cNvSpPr txBox="1">
+            <a:spLocks/>
+          </p:cNvSpPr>
+          <p:nvPr/>
+        </p:nvSpPr>
+        <p:spPr>
+          <a:xfrm>
+            <a:off x="4292611" y="3830101"/>
+            <a:ext cx="479698" cy="407318"/>
+          </a:xfrm>
+          <a:prstGeom prst="rect">
+            <a:avLst/>
+          </a:prstGeom>
+        </p:spPr>
+        <p:txBody>
+          <a:bodyPr/>
+          <a:lstStyle>
+            <a:lvl1pPr marL="266700" indent="-266700" algn="l" rtl="0" eaLnBrk="1" fontAlgn="base" hangingPunct="1">
+              <a:spcBef>
+                <a:spcPct val="20000"/>
+              </a:spcBef>
+              <a:spcAft>
+                <a:spcPct val="0"/>
+              </a:spcAft>
+              <a:buClr>
+                <a:srgbClr val="0065BD"/>
+              </a:buClr>
+              <a:buFont typeface="Arial" charset="0"/>
+              <a:buChar char="●"/>
+              <a:defRPr sz="1800">
+                <a:solidFill>
+                  <a:schemeClr val="tx1"/>
+                </a:solidFill>
+                <a:latin typeface="Arial" charset="0"/>
+                <a:ea typeface="+mn-ea"/>
+                <a:cs typeface="+mn-cs"/>
+              </a:defRPr>
+            </a:lvl1pPr>
+            <a:lvl2pPr marL="538163" indent="-268288" algn="l" rtl="0" eaLnBrk="1" fontAlgn="base" hangingPunct="1">
+              <a:spcBef>
+                <a:spcPct val="20000"/>
+              </a:spcBef>
+              <a:spcAft>
+                <a:spcPct val="0"/>
+              </a:spcAft>
+              <a:buClr>
+                <a:srgbClr val="0065BD"/>
+              </a:buClr>
+              <a:buFont typeface="Symbol" pitchFamily="18" charset="2"/>
+              <a:buChar char="-"/>
+              <a:defRPr sz="1800">
+                <a:solidFill>
+                  <a:schemeClr val="tx1"/>
+                </a:solidFill>
+                <a:latin typeface="Arial" charset="0"/>
+              </a:defRPr>
+            </a:lvl2pPr>
+            <a:lvl3pPr marL="798513" indent="-268288" algn="l" rtl="0" eaLnBrk="1" fontAlgn="base" hangingPunct="1">
+              <a:spcBef>
+                <a:spcPct val="20000"/>
+              </a:spcBef>
+              <a:spcAft>
+                <a:spcPct val="0"/>
+              </a:spcAft>
+              <a:buClr>
+                <a:srgbClr val="0065BD"/>
+              </a:buClr>
+              <a:buFont typeface="Courier New" pitchFamily="49" charset="0"/>
+              <a:buChar char="o"/>
+              <a:defRPr sz="1800">
+                <a:solidFill>
+                  <a:schemeClr val="tx1"/>
+                </a:solidFill>
+                <a:latin typeface="Arial" charset="0"/>
+              </a:defRPr>
+            </a:lvl3pPr>
+            <a:lvl4pPr marL="1619250" indent="-277813" algn="l" rtl="0" eaLnBrk="1" fontAlgn="base" hangingPunct="1">
+              <a:spcBef>
+                <a:spcPct val="20000"/>
+              </a:spcBef>
+              <a:spcAft>
+                <a:spcPct val="0"/>
+              </a:spcAft>
+              <a:buClr>
+                <a:srgbClr val="0065BD"/>
+              </a:buClr>
+              <a:buFont typeface="Arial" charset="0"/>
+              <a:buChar char="●"/>
+              <a:defRPr sz="1800">
+                <a:solidFill>
+                  <a:schemeClr val="tx1"/>
+                </a:solidFill>
+                <a:latin typeface="Arial" charset="0"/>
+              </a:defRPr>
+            </a:lvl4pPr>
+            <a:lvl5pPr marL="2066925" indent="-268288" algn="l" rtl="0" eaLnBrk="1" fontAlgn="base" hangingPunct="1">
+              <a:spcBef>
+                <a:spcPct val="20000"/>
+              </a:spcBef>
+              <a:spcAft>
+                <a:spcPct val="0"/>
+              </a:spcAft>
+              <a:buClr>
+                <a:srgbClr val="0065BD"/>
+              </a:buClr>
+              <a:buFont typeface="Arial" charset="0"/>
+              <a:buChar char="●"/>
+              <a:defRPr sz="1800">
+                <a:solidFill>
+                  <a:schemeClr val="tx1"/>
+                </a:solidFill>
+                <a:latin typeface="Arial" charset="0"/>
+              </a:defRPr>
+            </a:lvl5pPr>
+            <a:lvl6pPr marL="2436813" indent="-227013" algn="l" rtl="0" eaLnBrk="1" fontAlgn="base" hangingPunct="1">
+              <a:spcBef>
+                <a:spcPct val="20000"/>
+              </a:spcBef>
+              <a:spcAft>
+                <a:spcPct val="0"/>
+              </a:spcAft>
+              <a:buChar char="»"/>
+              <a:defRPr>
+                <a:solidFill>
+                  <a:schemeClr val="tx1"/>
+                </a:solidFill>
+                <a:latin typeface="+mn-lt"/>
+              </a:defRPr>
+            </a:lvl6pPr>
+            <a:lvl7pPr marL="2894013" indent="-227013" algn="l" rtl="0" eaLnBrk="1" fontAlgn="base" hangingPunct="1">
+              <a:spcBef>
+                <a:spcPct val="20000"/>
+              </a:spcBef>
+              <a:spcAft>
+                <a:spcPct val="0"/>
+              </a:spcAft>
+              <a:buChar char="»"/>
+              <a:defRPr>
+                <a:solidFill>
+                  <a:schemeClr val="tx1"/>
+                </a:solidFill>
+                <a:latin typeface="+mn-lt"/>
+              </a:defRPr>
+            </a:lvl7pPr>
+            <a:lvl8pPr marL="3351213" indent="-227013" algn="l" rtl="0" eaLnBrk="1" fontAlgn="base" hangingPunct="1">
+              <a:spcBef>
+                <a:spcPct val="20000"/>
+              </a:spcBef>
+              <a:spcAft>
+                <a:spcPct val="0"/>
+              </a:spcAft>
+              <a:buChar char="»"/>
+              <a:defRPr>
+                <a:solidFill>
+                  <a:schemeClr val="tx1"/>
+                </a:solidFill>
+                <a:latin typeface="+mn-lt"/>
+              </a:defRPr>
+            </a:lvl8pPr>
+            <a:lvl9pPr marL="3808413" indent="-227013" algn="l" rtl="0" eaLnBrk="1" fontAlgn="base" hangingPunct="1">
+              <a:spcBef>
+                <a:spcPct val="20000"/>
+              </a:spcBef>
+              <a:spcAft>
+                <a:spcPct val="0"/>
+              </a:spcAft>
+              <a:buChar char="»"/>
+              <a:defRPr>
+                <a:solidFill>
+                  <a:schemeClr val="tx1"/>
+                </a:solidFill>
+                <a:latin typeface="+mn-lt"/>
+              </a:defRPr>
+            </a:lvl9pPr>
+          </a:lstStyle>
+          <a:p>
+            <a:pPr marL="0" indent="0">
+              <a:buFont typeface="Arial" charset="0"/>
+              <a:buNone/>
+            </a:pPr>
+            <a:r>
+              <a:rPr lang="de-DE" kern="0" dirty="0" smtClean="0"/>
+              <a:t>(1)</a:t>
+            </a:r>
+            <a:endParaRPr lang="de-DE" kern="0" dirty="0"/>
+          </a:p>
+        </p:txBody>
+      </p:sp>
+      <p:sp>
+        <p:nvSpPr>
+          <p:cNvPr id="10" name="Textplatzhalter 1"/>
+          <p:cNvSpPr txBox="1">
+            <a:spLocks/>
+          </p:cNvSpPr>
+          <p:nvPr/>
+        </p:nvSpPr>
+        <p:spPr>
+          <a:xfrm>
+            <a:off x="6781958" y="5517232"/>
+            <a:ext cx="479698" cy="407318"/>
+          </a:xfrm>
+          <a:prstGeom prst="rect">
+            <a:avLst/>
+          </a:prstGeom>
+        </p:spPr>
+        <p:txBody>
+          <a:bodyPr/>
+          <a:lstStyle>
+            <a:lvl1pPr marL="266700" indent="-266700" algn="l" rtl="0" eaLnBrk="1" fontAlgn="base" hangingPunct="1">
+              <a:spcBef>
+                <a:spcPct val="20000"/>
+              </a:spcBef>
+              <a:spcAft>
+                <a:spcPct val="0"/>
+              </a:spcAft>
+              <a:buClr>
+                <a:srgbClr val="0065BD"/>
+              </a:buClr>
+              <a:buFont typeface="Arial" charset="0"/>
+              <a:buChar char="●"/>
+              <a:defRPr sz="1800">
+                <a:solidFill>
+                  <a:schemeClr val="tx1"/>
+                </a:solidFill>
+                <a:latin typeface="Arial" charset="0"/>
+                <a:ea typeface="+mn-ea"/>
+                <a:cs typeface="+mn-cs"/>
+              </a:defRPr>
+            </a:lvl1pPr>
+            <a:lvl2pPr marL="538163" indent="-268288" algn="l" rtl="0" eaLnBrk="1" fontAlgn="base" hangingPunct="1">
+              <a:spcBef>
+                <a:spcPct val="20000"/>
+              </a:spcBef>
+              <a:spcAft>
+                <a:spcPct val="0"/>
+              </a:spcAft>
+              <a:buClr>
+                <a:srgbClr val="0065BD"/>
+              </a:buClr>
+              <a:buFont typeface="Symbol" pitchFamily="18" charset="2"/>
+              <a:buChar char="-"/>
+              <a:defRPr sz="1800">
+                <a:solidFill>
+                  <a:schemeClr val="tx1"/>
+                </a:solidFill>
+                <a:latin typeface="Arial" charset="0"/>
+              </a:defRPr>
+            </a:lvl2pPr>
+            <a:lvl3pPr marL="798513" indent="-268288" algn="l" rtl="0" eaLnBrk="1" fontAlgn="base" hangingPunct="1">
+              <a:spcBef>
+                <a:spcPct val="20000"/>
+              </a:spcBef>
+              <a:spcAft>
+                <a:spcPct val="0"/>
+              </a:spcAft>
+              <a:buClr>
+                <a:srgbClr val="0065BD"/>
+              </a:buClr>
+              <a:buFont typeface="Courier New" pitchFamily="49" charset="0"/>
+              <a:buChar char="o"/>
+              <a:defRPr sz="1800">
+                <a:solidFill>
+                  <a:schemeClr val="tx1"/>
+                </a:solidFill>
+                <a:latin typeface="Arial" charset="0"/>
+              </a:defRPr>
+            </a:lvl3pPr>
+            <a:lvl4pPr marL="1619250" indent="-277813" algn="l" rtl="0" eaLnBrk="1" fontAlgn="base" hangingPunct="1">
+              <a:spcBef>
+                <a:spcPct val="20000"/>
+              </a:spcBef>
+              <a:spcAft>
+                <a:spcPct val="0"/>
+              </a:spcAft>
+              <a:buClr>
+                <a:srgbClr val="0065BD"/>
+              </a:buClr>
+              <a:buFont typeface="Arial" charset="0"/>
+              <a:buChar char="●"/>
+              <a:defRPr sz="1800">
+                <a:solidFill>
+                  <a:schemeClr val="tx1"/>
+                </a:solidFill>
+                <a:latin typeface="Arial" charset="0"/>
+              </a:defRPr>
+            </a:lvl4pPr>
+            <a:lvl5pPr marL="2066925" indent="-268288" algn="l" rtl="0" eaLnBrk="1" fontAlgn="base" hangingPunct="1">
+              <a:spcBef>
+                <a:spcPct val="20000"/>
+              </a:spcBef>
+              <a:spcAft>
+                <a:spcPct val="0"/>
+              </a:spcAft>
+              <a:buClr>
+                <a:srgbClr val="0065BD"/>
+              </a:buClr>
+              <a:buFont typeface="Arial" charset="0"/>
+              <a:buChar char="●"/>
+              <a:defRPr sz="1800">
+                <a:solidFill>
+                  <a:schemeClr val="tx1"/>
+                </a:solidFill>
+                <a:latin typeface="Arial" charset="0"/>
+              </a:defRPr>
+            </a:lvl5pPr>
+            <a:lvl6pPr marL="2436813" indent="-227013" algn="l" rtl="0" eaLnBrk="1" fontAlgn="base" hangingPunct="1">
+              <a:spcBef>
+                <a:spcPct val="20000"/>
+              </a:spcBef>
+              <a:spcAft>
+                <a:spcPct val="0"/>
+              </a:spcAft>
+              <a:buChar char="»"/>
+              <a:defRPr>
+                <a:solidFill>
+                  <a:schemeClr val="tx1"/>
+                </a:solidFill>
+                <a:latin typeface="+mn-lt"/>
+              </a:defRPr>
+            </a:lvl6pPr>
+            <a:lvl7pPr marL="2894013" indent="-227013" algn="l" rtl="0" eaLnBrk="1" fontAlgn="base" hangingPunct="1">
+              <a:spcBef>
+                <a:spcPct val="20000"/>
+              </a:spcBef>
+              <a:spcAft>
+                <a:spcPct val="0"/>
+              </a:spcAft>
+              <a:buChar char="»"/>
+              <a:defRPr>
+                <a:solidFill>
+                  <a:schemeClr val="tx1"/>
+                </a:solidFill>
+                <a:latin typeface="+mn-lt"/>
+              </a:defRPr>
+            </a:lvl7pPr>
+            <a:lvl8pPr marL="3351213" indent="-227013" algn="l" rtl="0" eaLnBrk="1" fontAlgn="base" hangingPunct="1">
+              <a:spcBef>
+                <a:spcPct val="20000"/>
+              </a:spcBef>
+              <a:spcAft>
+                <a:spcPct val="0"/>
+              </a:spcAft>
+              <a:buChar char="»"/>
+              <a:defRPr>
+                <a:solidFill>
+                  <a:schemeClr val="tx1"/>
+                </a:solidFill>
+                <a:latin typeface="+mn-lt"/>
+              </a:defRPr>
+            </a:lvl8pPr>
+            <a:lvl9pPr marL="3808413" indent="-227013" algn="l" rtl="0" eaLnBrk="1" fontAlgn="base" hangingPunct="1">
+              <a:spcBef>
+                <a:spcPct val="20000"/>
+              </a:spcBef>
+              <a:spcAft>
+                <a:spcPct val="0"/>
+              </a:spcAft>
+              <a:buChar char="»"/>
+              <a:defRPr>
+                <a:solidFill>
+                  <a:schemeClr val="tx1"/>
+                </a:solidFill>
+                <a:latin typeface="+mn-lt"/>
+              </a:defRPr>
+            </a:lvl9pPr>
+          </a:lstStyle>
+          <a:p>
+            <a:pPr marL="0" indent="0">
+              <a:buFont typeface="Arial" charset="0"/>
+              <a:buNone/>
+            </a:pPr>
+            <a:r>
+              <a:rPr lang="de-DE" kern="0" dirty="0" smtClean="0"/>
+              <a:t>(2)</a:t>
+            </a:r>
+            <a:endParaRPr lang="de-DE" kern="0" dirty="0"/>
           </a:p>
         </p:txBody>
       </p:sp>
     </p:spTree>
+    <p:extLst>
+      <p:ext uri="{BB962C8B-B14F-4D97-AF65-F5344CB8AC3E}">
+        <p14:creationId xmlns:p14="http://schemas.microsoft.com/office/powerpoint/2010/main" val="492424617"/>
+      </p:ext>
+    </p:extLst>
   </p:cSld>
   <p:clrMapOvr>
     <a:masterClrMapping/>
@@ -3115,8 +3906,8 @@
           </a:prstGeom>
           <a:noFill/>
           <a:ln>
-            <a:headEnd type="triangle" w="sm" len="med"/>
-            <a:tailEnd type="triangle" w="med" len="med"/>
+            <a:headEnd type="none" w="sm" len="med"/>
+            <a:tailEnd type="none" w="med" len="med"/>
           </a:ln>
         </p:spPr>
         <p:style>
@@ -3214,7 +4005,6 @@
               <a:rPr lang="de-DE" sz="1600" dirty="0" smtClean="0"/>
               <a:t>Mechanik</a:t>
             </a:r>
-            <a:endParaRPr lang="de-DE" sz="1600" dirty="0" smtClean="0"/>
           </a:p>
         </p:txBody>
       </p:sp>
@@ -3309,7 +4099,6 @@
               <a:rPr lang="de-DE" sz="1600" dirty="0" smtClean="0"/>
               <a:t>Informatik</a:t>
             </a:r>
-            <a:endParaRPr lang="de-DE" sz="1600" dirty="0" smtClean="0"/>
           </a:p>
         </p:txBody>
       </p:sp>
@@ -3461,29 +4250,6 @@
       </p:grpSpPr>
       <p:sp>
         <p:nvSpPr>
-          <p:cNvPr id="2" name="Textplatzhalter 1"/>
-          <p:cNvSpPr>
-            <a:spLocks noGrp="1"/>
-          </p:cNvSpPr>
-          <p:nvPr>
-            <p:ph type="body" sz="quarter" idx="10"/>
-          </p:nvPr>
-        </p:nvSpPr>
-        <p:spPr/>
-        <p:txBody>
-          <a:bodyPr/>
-          <a:lstStyle/>
-          <a:p>
-            <a:r>
-              <a:rPr lang="de-DE" dirty="0" smtClean="0"/>
-              <a:t>Repository etc.</a:t>
-            </a:r>
-            <a:endParaRPr lang="de-DE" dirty="0"/>
-          </a:p>
-        </p:txBody>
-      </p:sp>
-      <p:sp>
-        <p:nvSpPr>
           <p:cNvPr id="3" name="Titel 2"/>
           <p:cNvSpPr>
             <a:spLocks noGrp="1"/>
@@ -3492,20 +4258,107 @@
             <p:ph type="title"/>
           </p:nvPr>
         </p:nvSpPr>
-        <p:spPr/>
+        <p:spPr>
+          <a:xfrm>
+            <a:off x="250825" y="195526"/>
+            <a:ext cx="8031163" cy="600164"/>
+          </a:xfrm>
+        </p:spPr>
         <p:txBody>
           <a:bodyPr/>
           <a:lstStyle/>
           <a:p>
             <a:r>
-              <a:rPr lang="de-DE" dirty="0" smtClean="0"/>
-              <a:t>Ausblick</a:t>
+              <a:rPr lang="de-DE" dirty="0" err="1" smtClean="0"/>
+              <a:t>GraphView</a:t>
+            </a:r>
+            <a:r>
+              <a:rPr lang="de-DE" b="0" dirty="0" smtClean="0"/>
+              <a:t/>
+            </a:r>
+            <a:br>
+              <a:rPr lang="de-DE" b="0" dirty="0" smtClean="0"/>
+            </a:br>
+            <a:r>
+              <a:rPr lang="de-DE" sz="1400" b="0" dirty="0" smtClean="0"/>
+              <a:t>Analysen</a:t>
             </a:r>
             <a:endParaRPr lang="de-DE" dirty="0"/>
           </a:p>
         </p:txBody>
       </p:sp>
+      <p:pic>
+        <p:nvPicPr>
+          <p:cNvPr id="4" name="Grafik 3"/>
+          <p:cNvPicPr>
+            <a:picLocks noChangeAspect="1"/>
+          </p:cNvPicPr>
+          <p:nvPr/>
+        </p:nvPicPr>
+        <p:blipFill>
+          <a:blip r:embed="rId2"/>
+          <a:stretch>
+            <a:fillRect/>
+          </a:stretch>
+        </p:blipFill>
+        <p:spPr>
+          <a:xfrm>
+            <a:off x="250825" y="1412776"/>
+            <a:ext cx="7987706" cy="3861530"/>
+          </a:xfrm>
+          <a:prstGeom prst="rect">
+            <a:avLst/>
+          </a:prstGeom>
+        </p:spPr>
+      </p:pic>
+      <p:sp>
+        <p:nvSpPr>
+          <p:cNvPr id="5" name="Textfeld 4"/>
+          <p:cNvSpPr txBox="1"/>
+          <p:nvPr/>
+        </p:nvSpPr>
+        <p:spPr>
+          <a:xfrm>
+            <a:off x="250825" y="904178"/>
+            <a:ext cx="6168676" cy="400110"/>
+          </a:xfrm>
+          <a:prstGeom prst="rect">
+            <a:avLst/>
+          </a:prstGeom>
+          <a:noFill/>
+        </p:spPr>
+        <p:txBody>
+          <a:bodyPr wrap="none" rtlCol="0">
+            <a:spAutoFit/>
+          </a:bodyPr>
+          <a:lstStyle/>
+          <a:p>
+            <a:r>
+              <a:rPr lang="de-DE" dirty="0"/>
+              <a:t>Hervorheben von Zusammenhängen (</a:t>
+            </a:r>
+            <a:r>
+              <a:rPr lang="de-DE" dirty="0" err="1"/>
+              <a:t>Depth</a:t>
+            </a:r>
+            <a:r>
+              <a:rPr lang="de-DE" dirty="0"/>
+              <a:t> Search</a:t>
+            </a:r>
+            <a:r>
+              <a:rPr lang="de-DE" dirty="0" smtClean="0"/>
+              <a:t>)</a:t>
+            </a:r>
+            <a:endParaRPr lang="de-DE" dirty="0"/>
+          </a:p>
+        </p:txBody>
+      </p:sp>
     </p:spTree>
+    <p:extLst>
+      <p:ext uri="{BB962C8B-B14F-4D97-AF65-F5344CB8AC3E}">
+        <p14:creationId xmlns:p14="http://schemas.microsoft.com/office/powerpoint/2010/main" val="3583291954"/>
+      </p:ext>
+    </p:extLst>
   </p:cSld>
   <p:clrMapOvr>
     <a:masterClrMapping/>
@@ -3539,6 +4392,822 @@
       </p:grpSpPr>
       <p:sp>
         <p:nvSpPr>
+          <p:cNvPr id="2" name="Textplatzhalter 1"/>
+          <p:cNvSpPr>
+            <a:spLocks noGrp="1"/>
+          </p:cNvSpPr>
+          <p:nvPr>
+            <p:ph type="body" sz="quarter" idx="10"/>
+          </p:nvPr>
+        </p:nvSpPr>
+        <p:spPr>
+          <a:xfrm>
+            <a:off x="250824" y="933450"/>
+            <a:ext cx="8031164" cy="4495813"/>
+          </a:xfrm>
+        </p:spPr>
+        <p:txBody>
+          <a:bodyPr/>
+          <a:lstStyle/>
+          <a:p>
+            <a:r>
+              <a:rPr lang="de-DE" dirty="0"/>
+              <a:t>Filtern nach Elementtyp</a:t>
+            </a:r>
+          </a:p>
+          <a:p>
+            <a:pPr lvl="1"/>
+            <a:r>
+              <a:rPr lang="de-DE" dirty="0"/>
+              <a:t>Der Nutzer kann nach Knotentyp und/oder Kantentyp filtern</a:t>
+            </a:r>
+          </a:p>
+          <a:p>
+            <a:pPr lvl="1"/>
+            <a:r>
+              <a:rPr lang="de-DE" dirty="0"/>
+              <a:t>Der Filter wird automatisch abgespeichert</a:t>
+            </a:r>
+          </a:p>
+          <a:p>
+            <a:r>
+              <a:rPr lang="de-DE" dirty="0"/>
+              <a:t>Filtern nach Attribut Eigenschaften</a:t>
+            </a:r>
+          </a:p>
+          <a:p>
+            <a:pPr lvl="1"/>
+            <a:r>
+              <a:rPr lang="de-DE" dirty="0"/>
+              <a:t>Auf Knoten oder Kanten definierbar</a:t>
+            </a:r>
+          </a:p>
+          <a:p>
+            <a:pPr lvl="1"/>
+            <a:r>
+              <a:rPr lang="de-DE" dirty="0" smtClean="0"/>
+              <a:t>Vergleich vom Attribut </a:t>
+            </a:r>
+            <a:r>
+              <a:rPr lang="de-DE" dirty="0"/>
+              <a:t>Wert </a:t>
+            </a:r>
+            <a:r>
+              <a:rPr lang="de-DE" dirty="0" smtClean="0"/>
+              <a:t>mit benutzerdefinierten </a:t>
+            </a:r>
+            <a:r>
+              <a:rPr lang="de-DE" dirty="0"/>
+              <a:t>Wert </a:t>
+            </a:r>
+            <a:r>
+              <a:rPr lang="de-DE" dirty="0" smtClean="0"/>
+              <a:t>(</a:t>
+            </a:r>
+            <a:r>
+              <a:rPr lang="de-DE" dirty="0"/>
+              <a:t>Kondition)</a:t>
+            </a:r>
+          </a:p>
+          <a:p>
+            <a:pPr lvl="1"/>
+            <a:r>
+              <a:rPr lang="de-DE" dirty="0"/>
+              <a:t>Alle Elemente welche die Kondition erfüllen bleiben sichtbar</a:t>
+            </a:r>
+          </a:p>
+          <a:p>
+            <a:endParaRPr lang="de-DE" dirty="0"/>
+          </a:p>
+          <a:p>
+            <a:r>
+              <a:rPr lang="de-DE" dirty="0" smtClean="0"/>
+              <a:t>Screenshot Filter an und ausschalten</a:t>
+            </a:r>
+            <a:endParaRPr lang="de-DE" dirty="0"/>
+          </a:p>
+        </p:txBody>
+      </p:sp>
+      <p:sp>
+        <p:nvSpPr>
+          <p:cNvPr id="3" name="Titel 2"/>
+          <p:cNvSpPr>
+            <a:spLocks noGrp="1"/>
+          </p:cNvSpPr>
+          <p:nvPr>
+            <p:ph type="title"/>
+          </p:nvPr>
+        </p:nvSpPr>
+        <p:spPr>
+          <a:xfrm>
+            <a:off x="250825" y="195526"/>
+            <a:ext cx="8031163" cy="600164"/>
+          </a:xfrm>
+        </p:spPr>
+        <p:txBody>
+          <a:bodyPr/>
+          <a:lstStyle/>
+          <a:p>
+            <a:r>
+              <a:rPr lang="de-DE" dirty="0" err="1" smtClean="0"/>
+              <a:t>GraphView</a:t>
+            </a:r>
+            <a:r>
+              <a:rPr lang="de-DE" b="0" dirty="0" smtClean="0"/>
+              <a:t/>
+            </a:r>
+            <a:br>
+              <a:rPr lang="de-DE" b="0" dirty="0" smtClean="0"/>
+            </a:br>
+            <a:r>
+              <a:rPr lang="de-DE" sz="1400" b="0" dirty="0" smtClean="0"/>
+              <a:t>Analysen</a:t>
+            </a:r>
+            <a:endParaRPr lang="de-DE" sz="1400" dirty="0"/>
+          </a:p>
+        </p:txBody>
+      </p:sp>
+    </p:spTree>
+    <p:extLst>
+      <p:ext uri="{BB962C8B-B14F-4D97-AF65-F5344CB8AC3E}">
+        <p14:creationId xmlns:p14="http://schemas.microsoft.com/office/powerpoint/2010/main" val="2307760257"/>
+      </p:ext>
+    </p:extLst>
+  </p:cSld>
+  <p:clrMapOvr>
+    <a:masterClrMapping/>
+  </p:clrMapOvr>
+  <p:timing>
+    <p:tnLst>
+      <p:par>
+        <p:cTn id="1" dur="indefinite" restart="never" nodeType="tmRoot"/>
+      </p:par>
+    </p:tnLst>
+  </p:timing>
+</p:sld>
+</file>
+
+<file path=ppt/slides/slide22.xml><?xml version="1.0" encoding="utf-8"?>
+<p:sld xmlns:a="http://schemas.openxmlformats.org/drawingml/2006/main" xmlns:r="http://schemas.openxmlformats.org/officeDocument/2006/relationships" xmlns:p="http://schemas.openxmlformats.org/presentationml/2006/main">
+  <p:cSld>
+    <p:spTree>
+      <p:nvGrpSpPr>
+        <p:cNvPr id="1" name=""/>
+        <p:cNvGrpSpPr/>
+        <p:nvPr/>
+      </p:nvGrpSpPr>
+      <p:grpSpPr>
+        <a:xfrm>
+          <a:off x="0" y="0"/>
+          <a:ext cx="0" cy="0"/>
+          <a:chOff x="0" y="0"/>
+          <a:chExt cx="0" cy="0"/>
+        </a:xfrm>
+      </p:grpSpPr>
+      <p:sp>
+        <p:nvSpPr>
+          <p:cNvPr id="3" name="Titel 2"/>
+          <p:cNvSpPr>
+            <a:spLocks noGrp="1"/>
+          </p:cNvSpPr>
+          <p:nvPr>
+            <p:ph type="title"/>
+          </p:nvPr>
+        </p:nvSpPr>
+        <p:spPr>
+          <a:xfrm>
+            <a:off x="250825" y="195526"/>
+            <a:ext cx="8031163" cy="892552"/>
+          </a:xfrm>
+        </p:spPr>
+        <p:txBody>
+          <a:bodyPr/>
+          <a:lstStyle/>
+          <a:p>
+            <a:r>
+              <a:rPr lang="de-DE" dirty="0" err="1" smtClean="0"/>
+              <a:t>GraphView</a:t>
+            </a:r>
+            <a:r>
+              <a:rPr lang="de-DE" b="0" dirty="0" smtClean="0"/>
+              <a:t/>
+            </a:r>
+            <a:br>
+              <a:rPr lang="de-DE" b="0" dirty="0" smtClean="0"/>
+            </a:br>
+            <a:r>
+              <a:rPr lang="de-DE" sz="1400" b="0" dirty="0" smtClean="0"/>
+              <a:t>Aufbau Filter</a:t>
+            </a:r>
+            <a:r>
+              <a:rPr lang="de-DE" b="0" dirty="0"/>
+              <a:t/>
+            </a:r>
+            <a:br>
+              <a:rPr lang="de-DE" b="0" dirty="0"/>
+            </a:br>
+            <a:endParaRPr lang="de-DE" dirty="0"/>
+          </a:p>
+        </p:txBody>
+      </p:sp>
+      <p:pic>
+        <p:nvPicPr>
+          <p:cNvPr id="5" name="Grafik 4"/>
+          <p:cNvPicPr>
+            <a:picLocks noChangeAspect="1"/>
+          </p:cNvPicPr>
+          <p:nvPr/>
+        </p:nvPicPr>
+        <p:blipFill>
+          <a:blip r:embed="rId2">
+            <a:extLst>
+              <a:ext uri="{28A0092B-C50C-407E-A947-70E740481C1C}">
+                <a14:useLocalDpi xmlns:a14="http://schemas.microsoft.com/office/drawing/2010/main" val="0"/>
+              </a:ext>
+            </a:extLst>
+          </a:blip>
+          <a:stretch>
+            <a:fillRect/>
+          </a:stretch>
+        </p:blipFill>
+        <p:spPr>
+          <a:xfrm>
+            <a:off x="339855" y="1532638"/>
+            <a:ext cx="7853102" cy="2929888"/>
+          </a:xfrm>
+          <a:prstGeom prst="rect">
+            <a:avLst/>
+          </a:prstGeom>
+        </p:spPr>
+      </p:pic>
+    </p:spTree>
+    <p:extLst>
+      <p:ext uri="{BB962C8B-B14F-4D97-AF65-F5344CB8AC3E}">
+        <p14:creationId xmlns:p14="http://schemas.microsoft.com/office/powerpoint/2010/main" val="2583957788"/>
+      </p:ext>
+    </p:extLst>
+  </p:cSld>
+  <p:clrMapOvr>
+    <a:masterClrMapping/>
+  </p:clrMapOvr>
+  <p:timing>
+    <p:tnLst>
+      <p:par>
+        <p:cTn id="1" dur="indefinite" restart="never" nodeType="tmRoot"/>
+      </p:par>
+    </p:tnLst>
+  </p:timing>
+</p:sld>
+</file>
+
+<file path=ppt/slides/slide23.xml><?xml version="1.0" encoding="utf-8"?>
+<p:sld xmlns:a="http://schemas.openxmlformats.org/drawingml/2006/main" xmlns:r="http://schemas.openxmlformats.org/officeDocument/2006/relationships" xmlns:p="http://schemas.openxmlformats.org/presentationml/2006/main">
+  <p:cSld>
+    <p:spTree>
+      <p:nvGrpSpPr>
+        <p:cNvPr id="1" name=""/>
+        <p:cNvGrpSpPr/>
+        <p:nvPr/>
+      </p:nvGrpSpPr>
+      <p:grpSpPr>
+        <a:xfrm>
+          <a:off x="0" y="0"/>
+          <a:ext cx="0" cy="0"/>
+          <a:chOff x="0" y="0"/>
+          <a:chExt cx="0" cy="0"/>
+        </a:xfrm>
+      </p:grpSpPr>
+      <p:pic>
+        <p:nvPicPr>
+          <p:cNvPr id="5" name="Grafik 4"/>
+          <p:cNvPicPr>
+            <a:picLocks noChangeAspect="1"/>
+          </p:cNvPicPr>
+          <p:nvPr/>
+        </p:nvPicPr>
+        <p:blipFill>
+          <a:blip r:embed="rId2"/>
+          <a:stretch>
+            <a:fillRect/>
+          </a:stretch>
+        </p:blipFill>
+        <p:spPr>
+          <a:xfrm>
+            <a:off x="755576" y="2852936"/>
+            <a:ext cx="8066677" cy="2393199"/>
+          </a:xfrm>
+          <a:prstGeom prst="rect">
+            <a:avLst/>
+          </a:prstGeom>
+        </p:spPr>
+      </p:pic>
+      <p:sp>
+        <p:nvSpPr>
+          <p:cNvPr id="2" name="Textplatzhalter 1"/>
+          <p:cNvSpPr>
+            <a:spLocks noGrp="1"/>
+          </p:cNvSpPr>
+          <p:nvPr>
+            <p:ph type="body" sz="quarter" idx="10"/>
+          </p:nvPr>
+        </p:nvSpPr>
+        <p:spPr>
+          <a:xfrm>
+            <a:off x="3347864" y="933451"/>
+            <a:ext cx="4828411" cy="695350"/>
+          </a:xfrm>
+        </p:spPr>
+        <p:txBody>
+          <a:bodyPr/>
+          <a:lstStyle/>
+          <a:p>
+            <a:r>
+              <a:rPr lang="de-DE" dirty="0"/>
+              <a:t>Filtern nach Knotentypen und Kantentypen</a:t>
+            </a:r>
+          </a:p>
+          <a:p>
+            <a:r>
+              <a:rPr lang="de-DE" dirty="0"/>
+              <a:t>Excel Export</a:t>
+            </a:r>
+          </a:p>
+          <a:p>
+            <a:pPr marL="0" indent="0">
+              <a:buNone/>
+            </a:pPr>
+            <a:endParaRPr lang="de-DE" dirty="0"/>
+          </a:p>
+        </p:txBody>
+      </p:sp>
+      <p:sp>
+        <p:nvSpPr>
+          <p:cNvPr id="3" name="Titel 2"/>
+          <p:cNvSpPr>
+            <a:spLocks noGrp="1"/>
+          </p:cNvSpPr>
+          <p:nvPr>
+            <p:ph type="title"/>
+          </p:nvPr>
+        </p:nvSpPr>
+        <p:spPr>
+          <a:xfrm>
+            <a:off x="250825" y="195526"/>
+            <a:ext cx="8031163" cy="384721"/>
+          </a:xfrm>
+        </p:spPr>
+        <p:txBody>
+          <a:bodyPr/>
+          <a:lstStyle/>
+          <a:p>
+            <a:r>
+              <a:rPr lang="de-DE" dirty="0" err="1" smtClean="0"/>
+              <a:t>MatrixView</a:t>
+            </a:r>
+            <a:endParaRPr lang="de-DE" dirty="0"/>
+          </a:p>
+        </p:txBody>
+      </p:sp>
+      <p:pic>
+        <p:nvPicPr>
+          <p:cNvPr id="4" name="Grafik 3"/>
+          <p:cNvPicPr>
+            <a:picLocks noChangeAspect="1"/>
+          </p:cNvPicPr>
+          <p:nvPr/>
+        </p:nvPicPr>
+        <p:blipFill>
+          <a:blip r:embed="rId3"/>
+          <a:stretch>
+            <a:fillRect/>
+          </a:stretch>
+        </p:blipFill>
+        <p:spPr>
+          <a:xfrm>
+            <a:off x="324689" y="933451"/>
+            <a:ext cx="2604718" cy="3441287"/>
+          </a:xfrm>
+          <a:prstGeom prst="rect">
+            <a:avLst/>
+          </a:prstGeom>
+        </p:spPr>
+      </p:pic>
+    </p:spTree>
+    <p:extLst>
+      <p:ext uri="{BB962C8B-B14F-4D97-AF65-F5344CB8AC3E}">
+        <p14:creationId xmlns:p14="http://schemas.microsoft.com/office/powerpoint/2010/main" val="834335964"/>
+      </p:ext>
+    </p:extLst>
+  </p:cSld>
+  <p:clrMapOvr>
+    <a:masterClrMapping/>
+  </p:clrMapOvr>
+  <p:timing>
+    <p:tnLst>
+      <p:par>
+        <p:cTn id="1" dur="indefinite" restart="never" nodeType="tmRoot"/>
+      </p:par>
+    </p:tnLst>
+  </p:timing>
+</p:sld>
+</file>
+
+<file path=ppt/slides/slide24.xml><?xml version="1.0" encoding="utf-8"?>
+<p:sld xmlns:a="http://schemas.openxmlformats.org/drawingml/2006/main" xmlns:r="http://schemas.openxmlformats.org/officeDocument/2006/relationships" xmlns:p="http://schemas.openxmlformats.org/presentationml/2006/main">
+  <p:cSld>
+    <p:spTree>
+      <p:nvGrpSpPr>
+        <p:cNvPr id="1" name=""/>
+        <p:cNvGrpSpPr/>
+        <p:nvPr/>
+      </p:nvGrpSpPr>
+      <p:grpSpPr>
+        <a:xfrm>
+          <a:off x="0" y="0"/>
+          <a:ext cx="0" cy="0"/>
+          <a:chOff x="0" y="0"/>
+          <a:chExt cx="0" cy="0"/>
+        </a:xfrm>
+      </p:grpSpPr>
+      <p:sp>
+        <p:nvSpPr>
+          <p:cNvPr id="2" name="Textplatzhalter 1"/>
+          <p:cNvSpPr>
+            <a:spLocks noGrp="1"/>
+          </p:cNvSpPr>
+          <p:nvPr>
+            <p:ph type="body" sz="quarter" idx="10"/>
+          </p:nvPr>
+        </p:nvSpPr>
+        <p:spPr/>
+        <p:txBody>
+          <a:bodyPr/>
+          <a:lstStyle/>
+          <a:p>
+            <a:r>
+              <a:rPr lang="de-DE" dirty="0" smtClean="0"/>
+              <a:t>Motivation</a:t>
+            </a:r>
+          </a:p>
+          <a:p>
+            <a:r>
+              <a:rPr lang="de-DE" dirty="0" smtClean="0"/>
+              <a:t>Forschungsrichtungen</a:t>
+            </a:r>
+          </a:p>
+          <a:p>
+            <a:r>
+              <a:rPr lang="de-DE" dirty="0" smtClean="0"/>
+              <a:t>Transformationen</a:t>
+            </a:r>
+          </a:p>
+          <a:p>
+            <a:r>
+              <a:rPr lang="de-DE" dirty="0" smtClean="0"/>
+              <a:t>Visualisierung</a:t>
+            </a:r>
+            <a:endParaRPr lang="de-DE" dirty="0" smtClean="0"/>
+          </a:p>
+          <a:p>
+            <a:r>
+              <a:rPr lang="de-DE" b="1" dirty="0" smtClean="0"/>
+              <a:t>Ergebnisse</a:t>
+            </a:r>
+            <a:endParaRPr lang="de-DE" dirty="0" smtClean="0"/>
+          </a:p>
+          <a:p>
+            <a:r>
+              <a:rPr lang="de-DE" dirty="0" smtClean="0"/>
+              <a:t>DEMO</a:t>
+            </a:r>
+          </a:p>
+          <a:p>
+            <a:r>
+              <a:rPr lang="de-DE" dirty="0" smtClean="0"/>
+              <a:t>Ausblick</a:t>
+            </a:r>
+          </a:p>
+          <a:p>
+            <a:endParaRPr lang="de-DE" dirty="0"/>
+          </a:p>
+        </p:txBody>
+      </p:sp>
+      <p:sp>
+        <p:nvSpPr>
+          <p:cNvPr id="3" name="Titel 2"/>
+          <p:cNvSpPr>
+            <a:spLocks noGrp="1"/>
+          </p:cNvSpPr>
+          <p:nvPr>
+            <p:ph type="title"/>
+          </p:nvPr>
+        </p:nvSpPr>
+        <p:spPr/>
+        <p:txBody>
+          <a:bodyPr/>
+          <a:lstStyle/>
+          <a:p>
+            <a:r>
+              <a:rPr lang="de-DE" dirty="0" smtClean="0"/>
+              <a:t>Agenda</a:t>
+            </a:r>
+            <a:endParaRPr lang="de-DE" dirty="0"/>
+          </a:p>
+        </p:txBody>
+      </p:sp>
+    </p:spTree>
+  </p:cSld>
+  <p:clrMapOvr>
+    <a:masterClrMapping/>
+  </p:clrMapOvr>
+  <p:timing>
+    <p:tnLst>
+      <p:par>
+        <p:cTn id="1" dur="indefinite" restart="never" nodeType="tmRoot"/>
+      </p:par>
+    </p:tnLst>
+  </p:timing>
+</p:sld>
+</file>
+
+<file path=ppt/slides/slide25.xml><?xml version="1.0" encoding="utf-8"?>
+<p:sld xmlns:a="http://schemas.openxmlformats.org/drawingml/2006/main" xmlns:r="http://schemas.openxmlformats.org/officeDocument/2006/relationships" xmlns:p="http://schemas.openxmlformats.org/presentationml/2006/main">
+  <p:cSld>
+    <p:spTree>
+      <p:nvGrpSpPr>
+        <p:cNvPr id="1" name=""/>
+        <p:cNvGrpSpPr/>
+        <p:nvPr/>
+      </p:nvGrpSpPr>
+      <p:grpSpPr>
+        <a:xfrm>
+          <a:off x="0" y="0"/>
+          <a:ext cx="0" cy="0"/>
+          <a:chOff x="0" y="0"/>
+          <a:chExt cx="0" cy="0"/>
+        </a:xfrm>
+      </p:grpSpPr>
+      <p:sp>
+        <p:nvSpPr>
+          <p:cNvPr id="2" name="Textplatzhalter 1"/>
+          <p:cNvSpPr>
+            <a:spLocks noGrp="1"/>
+          </p:cNvSpPr>
+          <p:nvPr>
+            <p:ph type="body" sz="quarter" idx="10"/>
+          </p:nvPr>
+        </p:nvSpPr>
+        <p:spPr/>
+        <p:txBody>
+          <a:bodyPr/>
+          <a:lstStyle/>
+          <a:p>
+            <a:pPr marL="0" indent="0">
+              <a:buNone/>
+            </a:pPr>
+            <a:endParaRPr lang="de-DE" dirty="0" smtClean="0"/>
+          </a:p>
+        </p:txBody>
+      </p:sp>
+      <p:sp>
+        <p:nvSpPr>
+          <p:cNvPr id="3" name="Titel 2"/>
+          <p:cNvSpPr>
+            <a:spLocks noGrp="1"/>
+          </p:cNvSpPr>
+          <p:nvPr>
+            <p:ph type="title"/>
+          </p:nvPr>
+        </p:nvSpPr>
+        <p:spPr>
+          <a:xfrm>
+            <a:off x="250825" y="195526"/>
+            <a:ext cx="8031163" cy="600164"/>
+          </a:xfrm>
+        </p:spPr>
+        <p:txBody>
+          <a:bodyPr/>
+          <a:lstStyle/>
+          <a:p>
+            <a:r>
+              <a:rPr lang="de-DE" dirty="0"/>
+              <a:t>Ergebnisse</a:t>
+            </a:r>
+            <a:br>
+              <a:rPr lang="de-DE" dirty="0"/>
+            </a:br>
+            <a:r>
+              <a:rPr lang="de-DE" sz="1400" b="0" dirty="0"/>
+              <a:t>Transformationen (3 aus 4</a:t>
+            </a:r>
+            <a:r>
+              <a:rPr lang="de-DE" sz="1400" b="0" dirty="0" smtClean="0"/>
+              <a:t>)</a:t>
+            </a:r>
+            <a:endParaRPr lang="de-DE" sz="1400" b="0" dirty="0"/>
+          </a:p>
+        </p:txBody>
+      </p:sp>
+    </p:spTree>
+  </p:cSld>
+  <p:clrMapOvr>
+    <a:masterClrMapping/>
+  </p:clrMapOvr>
+  <p:timing>
+    <p:tnLst>
+      <p:par>
+        <p:cTn id="1" dur="indefinite" restart="never" nodeType="tmRoot"/>
+      </p:par>
+    </p:tnLst>
+  </p:timing>
+</p:sld>
+</file>
+
+<file path=ppt/slides/slide26.xml><?xml version="1.0" encoding="utf-8"?>
+<p:sld xmlns:a="http://schemas.openxmlformats.org/drawingml/2006/main" xmlns:r="http://schemas.openxmlformats.org/officeDocument/2006/relationships" xmlns:p="http://schemas.openxmlformats.org/presentationml/2006/main">
+  <p:cSld>
+    <p:spTree>
+      <p:nvGrpSpPr>
+        <p:cNvPr id="1" name=""/>
+        <p:cNvGrpSpPr/>
+        <p:nvPr/>
+      </p:nvGrpSpPr>
+      <p:grpSpPr>
+        <a:xfrm>
+          <a:off x="0" y="0"/>
+          <a:ext cx="0" cy="0"/>
+          <a:chOff x="0" y="0"/>
+          <a:chExt cx="0" cy="0"/>
+        </a:xfrm>
+      </p:grpSpPr>
+      <p:sp>
+        <p:nvSpPr>
+          <p:cNvPr id="2" name="Textplatzhalter 1"/>
+          <p:cNvSpPr>
+            <a:spLocks noGrp="1"/>
+          </p:cNvSpPr>
+          <p:nvPr>
+            <p:ph type="body" sz="quarter" idx="10"/>
+          </p:nvPr>
+        </p:nvSpPr>
+        <p:spPr>
+          <a:xfrm>
+            <a:off x="250824" y="933450"/>
+            <a:ext cx="8031164" cy="4495813"/>
+          </a:xfrm>
+        </p:spPr>
+        <p:txBody>
+          <a:bodyPr/>
+          <a:lstStyle/>
+          <a:p>
+            <a:r>
+              <a:rPr lang="de-DE" dirty="0" smtClean="0"/>
+              <a:t>Import </a:t>
+            </a:r>
+            <a:r>
+              <a:rPr lang="de-DE" dirty="0"/>
+              <a:t>und Export aus verschiedenen Quellformaten</a:t>
+            </a:r>
+          </a:p>
+          <a:p>
+            <a:pPr lvl="1"/>
+            <a:r>
+              <a:rPr lang="de-DE" dirty="0"/>
+              <a:t>Automatischer Import und sofortige Anzeige</a:t>
+            </a:r>
+          </a:p>
+          <a:p>
+            <a:r>
+              <a:rPr lang="de-DE" dirty="0"/>
+              <a:t>Visualisierung des Gesamtmodells</a:t>
+            </a:r>
+          </a:p>
+          <a:p>
+            <a:pPr lvl="1"/>
+            <a:r>
+              <a:rPr lang="de-DE" dirty="0"/>
+              <a:t>Matrix und Graphen Darstellung</a:t>
+            </a:r>
+          </a:p>
+          <a:p>
+            <a:r>
+              <a:rPr lang="de-DE" dirty="0"/>
+              <a:t>Bearbeitung des Gesamtmodells</a:t>
+            </a:r>
+          </a:p>
+          <a:p>
+            <a:pPr lvl="1"/>
+            <a:r>
+              <a:rPr lang="de-DE" dirty="0"/>
+              <a:t>Einfügen von Knoten und Kanten</a:t>
+            </a:r>
+          </a:p>
+          <a:p>
+            <a:pPr lvl="1"/>
+            <a:r>
+              <a:rPr lang="de-DE" dirty="0"/>
+              <a:t>Modifizieren der Attribute von Elementen</a:t>
+            </a:r>
+          </a:p>
+          <a:p>
+            <a:r>
+              <a:rPr lang="de-DE" dirty="0"/>
+              <a:t>Analysen auf dem Gesamtmodell</a:t>
+            </a:r>
+          </a:p>
+          <a:p>
+            <a:pPr lvl="1"/>
+            <a:r>
+              <a:rPr lang="de-DE" dirty="0"/>
+              <a:t>Hervorheben von Zusammenhängen</a:t>
+            </a:r>
+          </a:p>
+          <a:p>
+            <a:pPr lvl="1"/>
+            <a:r>
+              <a:rPr lang="de-DE" dirty="0"/>
+              <a:t>Filtern über Attribute und Elementtypen</a:t>
+            </a:r>
+          </a:p>
+          <a:p>
+            <a:endParaRPr lang="de-DE" dirty="0"/>
+          </a:p>
+        </p:txBody>
+      </p:sp>
+      <p:sp>
+        <p:nvSpPr>
+          <p:cNvPr id="3" name="Titel 2"/>
+          <p:cNvSpPr>
+            <a:spLocks noGrp="1"/>
+          </p:cNvSpPr>
+          <p:nvPr>
+            <p:ph type="title"/>
+          </p:nvPr>
+        </p:nvSpPr>
+        <p:spPr>
+          <a:xfrm>
+            <a:off x="250825" y="195526"/>
+            <a:ext cx="8031163" cy="600164"/>
+          </a:xfrm>
+        </p:spPr>
+        <p:txBody>
+          <a:bodyPr/>
+          <a:lstStyle/>
+          <a:p>
+            <a:r>
+              <a:rPr lang="de-DE" dirty="0" smtClean="0"/>
+              <a:t>Ergebnisse</a:t>
+            </a:r>
+            <a:br>
+              <a:rPr lang="de-DE" dirty="0" smtClean="0"/>
+            </a:br>
+            <a:r>
+              <a:rPr lang="de-DE" sz="1400" b="0" dirty="0" smtClean="0"/>
+              <a:t>Visualisierung</a:t>
+            </a:r>
+            <a:endParaRPr lang="de-DE" sz="1400" b="0" dirty="0"/>
+          </a:p>
+        </p:txBody>
+      </p:sp>
+    </p:spTree>
+    <p:extLst>
+      <p:ext uri="{BB962C8B-B14F-4D97-AF65-F5344CB8AC3E}">
+        <p14:creationId xmlns:p14="http://schemas.microsoft.com/office/powerpoint/2010/main" val="3015326985"/>
+      </p:ext>
+    </p:extLst>
+  </p:cSld>
+  <p:clrMapOvr>
+    <a:masterClrMapping/>
+  </p:clrMapOvr>
+  <p:timing>
+    <p:tnLst>
+      <p:par>
+        <p:cTn id="1" dur="indefinite" restart="never" nodeType="tmRoot"/>
+      </p:par>
+    </p:tnLst>
+  </p:timing>
+</p:sld>
+</file>
+
+<file path=ppt/slides/slide27.xml><?xml version="1.0" encoding="utf-8"?>
+<p:sld xmlns:a="http://schemas.openxmlformats.org/drawingml/2006/main" xmlns:r="http://schemas.openxmlformats.org/officeDocument/2006/relationships" xmlns:p="http://schemas.openxmlformats.org/presentationml/2006/main">
+  <p:cSld>
+    <p:spTree>
+      <p:nvGrpSpPr>
+        <p:cNvPr id="1" name=""/>
+        <p:cNvGrpSpPr/>
+        <p:nvPr/>
+      </p:nvGrpSpPr>
+      <p:grpSpPr>
+        <a:xfrm>
+          <a:off x="0" y="0"/>
+          <a:ext cx="0" cy="0"/>
+          <a:chOff x="0" y="0"/>
+          <a:chExt cx="0" cy="0"/>
+        </a:xfrm>
+      </p:grpSpPr>
+      <p:sp>
+        <p:nvSpPr>
           <p:cNvPr id="5" name="Textfeld 4"/>
           <p:cNvSpPr txBox="1"/>
           <p:nvPr/>
@@ -3562,13 +5231,268 @@
             <a:pPr algn="ctr"/>
             <a:r>
               <a:rPr lang="de-DE" sz="7200" b="1" dirty="0" smtClean="0"/>
-              <a:t>THX</a:t>
+              <a:t>DEMO</a:t>
             </a:r>
             <a:endParaRPr lang="de-DE" sz="7200" b="1" dirty="0"/>
           </a:p>
         </p:txBody>
       </p:sp>
     </p:spTree>
+  </p:cSld>
+  <p:clrMapOvr>
+    <a:masterClrMapping/>
+  </p:clrMapOvr>
+  <p:timing>
+    <p:tnLst>
+      <p:par>
+        <p:cTn id="1" dur="indefinite" restart="never" nodeType="tmRoot"/>
+      </p:par>
+    </p:tnLst>
+  </p:timing>
+</p:sld>
+</file>
+
+<file path=ppt/slides/slide28.xml><?xml version="1.0" encoding="utf-8"?>
+<p:sld xmlns:a="http://schemas.openxmlformats.org/drawingml/2006/main" xmlns:r="http://schemas.openxmlformats.org/officeDocument/2006/relationships" xmlns:p="http://schemas.openxmlformats.org/presentationml/2006/main">
+  <p:cSld>
+    <p:spTree>
+      <p:nvGrpSpPr>
+        <p:cNvPr id="1" name=""/>
+        <p:cNvGrpSpPr/>
+        <p:nvPr/>
+      </p:nvGrpSpPr>
+      <p:grpSpPr>
+        <a:xfrm>
+          <a:off x="0" y="0"/>
+          <a:ext cx="0" cy="0"/>
+          <a:chOff x="0" y="0"/>
+          <a:chExt cx="0" cy="0"/>
+        </a:xfrm>
+      </p:grpSpPr>
+      <p:sp>
+        <p:nvSpPr>
+          <p:cNvPr id="2" name="Textplatzhalter 1"/>
+          <p:cNvSpPr>
+            <a:spLocks noGrp="1"/>
+          </p:cNvSpPr>
+          <p:nvPr>
+            <p:ph type="body" sz="quarter" idx="10"/>
+          </p:nvPr>
+        </p:nvSpPr>
+        <p:spPr/>
+        <p:txBody>
+          <a:bodyPr/>
+          <a:lstStyle/>
+          <a:p>
+            <a:r>
+              <a:rPr lang="de-DE" dirty="0" smtClean="0"/>
+              <a:t>Repository etc</a:t>
+            </a:r>
+            <a:r>
+              <a:rPr lang="de-DE" dirty="0" smtClean="0"/>
+              <a:t>.</a:t>
+            </a:r>
+          </a:p>
+        </p:txBody>
+      </p:sp>
+      <p:sp>
+        <p:nvSpPr>
+          <p:cNvPr id="3" name="Titel 2"/>
+          <p:cNvSpPr>
+            <a:spLocks noGrp="1"/>
+          </p:cNvSpPr>
+          <p:nvPr>
+            <p:ph type="title"/>
+          </p:nvPr>
+        </p:nvSpPr>
+        <p:spPr>
+          <a:xfrm>
+            <a:off x="250825" y="195526"/>
+            <a:ext cx="8031163" cy="600164"/>
+          </a:xfrm>
+        </p:spPr>
+        <p:txBody>
+          <a:bodyPr/>
+          <a:lstStyle/>
+          <a:p>
+            <a:r>
+              <a:rPr lang="de-DE" dirty="0" smtClean="0"/>
+              <a:t>Ausblick</a:t>
+            </a:r>
+            <a:br>
+              <a:rPr lang="de-DE" dirty="0" smtClean="0"/>
+            </a:br>
+            <a:r>
+              <a:rPr lang="de-DE" sz="1400" dirty="0" smtClean="0"/>
+              <a:t>Transformationen</a:t>
+            </a:r>
+            <a:endParaRPr lang="de-DE" sz="1400" dirty="0"/>
+          </a:p>
+        </p:txBody>
+      </p:sp>
+    </p:spTree>
+  </p:cSld>
+  <p:clrMapOvr>
+    <a:masterClrMapping/>
+  </p:clrMapOvr>
+  <p:timing>
+    <p:tnLst>
+      <p:par>
+        <p:cTn id="1" dur="indefinite" restart="never" nodeType="tmRoot"/>
+      </p:par>
+    </p:tnLst>
+  </p:timing>
+</p:sld>
+</file>
+
+<file path=ppt/slides/slide29.xml><?xml version="1.0" encoding="utf-8"?>
+<p:sld xmlns:a="http://schemas.openxmlformats.org/drawingml/2006/main" xmlns:r="http://schemas.openxmlformats.org/officeDocument/2006/relationships" xmlns:p="http://schemas.openxmlformats.org/presentationml/2006/main">
+  <p:cSld>
+    <p:spTree>
+      <p:nvGrpSpPr>
+        <p:cNvPr id="1" name=""/>
+        <p:cNvGrpSpPr/>
+        <p:nvPr/>
+      </p:nvGrpSpPr>
+      <p:grpSpPr>
+        <a:xfrm>
+          <a:off x="0" y="0"/>
+          <a:ext cx="0" cy="0"/>
+          <a:chOff x="0" y="0"/>
+          <a:chExt cx="0" cy="0"/>
+        </a:xfrm>
+      </p:grpSpPr>
+      <p:sp>
+        <p:nvSpPr>
+          <p:cNvPr id="2" name="Textplatzhalter 1"/>
+          <p:cNvSpPr>
+            <a:spLocks noGrp="1"/>
+          </p:cNvSpPr>
+          <p:nvPr>
+            <p:ph type="body" sz="quarter" idx="10"/>
+          </p:nvPr>
+        </p:nvSpPr>
+        <p:spPr>
+          <a:xfrm>
+            <a:off x="250824" y="933450"/>
+            <a:ext cx="8031164" cy="4495813"/>
+          </a:xfrm>
+        </p:spPr>
+        <p:txBody>
+          <a:bodyPr/>
+          <a:lstStyle/>
+          <a:p>
+            <a:r>
+              <a:rPr lang="de-DE" dirty="0" smtClean="0"/>
+              <a:t>Mögliche </a:t>
+            </a:r>
+            <a:r>
+              <a:rPr lang="de-DE" dirty="0"/>
+              <a:t>Verbesserungen</a:t>
+            </a:r>
+          </a:p>
+          <a:p>
+            <a:pPr lvl="1"/>
+            <a:r>
+              <a:rPr lang="de-DE" dirty="0"/>
+              <a:t>Intelligenter Model Merger</a:t>
+            </a:r>
+          </a:p>
+          <a:p>
+            <a:pPr lvl="1"/>
+            <a:r>
+              <a:rPr lang="de-DE" dirty="0"/>
+              <a:t>JUNG2 Layouts für große Knoten optimieren</a:t>
+            </a:r>
+          </a:p>
+          <a:p>
+            <a:pPr lvl="1"/>
+            <a:r>
+              <a:rPr lang="de-DE" dirty="0"/>
+              <a:t>Mehrere „Kontaktpunkte“ für Elemente des Graphen definieren</a:t>
+            </a:r>
+          </a:p>
+          <a:p>
+            <a:r>
+              <a:rPr lang="de-DE" dirty="0"/>
+              <a:t>Mögliche Erweiterungen</a:t>
+            </a:r>
+          </a:p>
+          <a:p>
+            <a:pPr lvl="1"/>
+            <a:r>
+              <a:rPr lang="de-DE" dirty="0"/>
+              <a:t>Weitere Filter einbinden (z.B. Filter über aggregierte Attribut Werte)</a:t>
+            </a:r>
+          </a:p>
+          <a:p>
+            <a:pPr lvl="1"/>
+            <a:r>
+              <a:rPr lang="de-DE" dirty="0"/>
+              <a:t>Modifikation des Gesamtmodells in der Matrix View erlauben</a:t>
+            </a:r>
+          </a:p>
+          <a:p>
+            <a:pPr lvl="1"/>
+            <a:r>
+              <a:rPr lang="de-DE" dirty="0"/>
+              <a:t>Lösch und </a:t>
+            </a:r>
+            <a:r>
+              <a:rPr lang="de-DE" dirty="0" err="1"/>
+              <a:t>Merge</a:t>
+            </a:r>
+            <a:r>
+              <a:rPr lang="de-DE" dirty="0"/>
+              <a:t> Operationen implementieren (PSS-IF Core muss erweitert werden)</a:t>
+            </a:r>
+          </a:p>
+          <a:p>
+            <a:endParaRPr lang="de-DE" dirty="0"/>
+          </a:p>
+        </p:txBody>
+      </p:sp>
+      <p:sp>
+        <p:nvSpPr>
+          <p:cNvPr id="3" name="Titel 2"/>
+          <p:cNvSpPr>
+            <a:spLocks noGrp="1"/>
+          </p:cNvSpPr>
+          <p:nvPr>
+            <p:ph type="title"/>
+          </p:nvPr>
+        </p:nvSpPr>
+        <p:spPr>
+          <a:xfrm>
+            <a:off x="250825" y="195526"/>
+            <a:ext cx="8031163" cy="600164"/>
+          </a:xfrm>
+        </p:spPr>
+        <p:txBody>
+          <a:bodyPr/>
+          <a:lstStyle/>
+          <a:p>
+            <a:r>
+              <a:rPr lang="de-DE" dirty="0" smtClean="0"/>
+              <a:t>Ausblick</a:t>
+            </a:r>
+            <a:br>
+              <a:rPr lang="de-DE" dirty="0" smtClean="0"/>
+            </a:br>
+            <a:r>
+              <a:rPr lang="de-DE" sz="1400" dirty="0" smtClean="0"/>
+              <a:t>Visualisierung</a:t>
+            </a:r>
+            <a:endParaRPr lang="de-DE" sz="1400" dirty="0"/>
+          </a:p>
+        </p:txBody>
+      </p:sp>
+    </p:spTree>
+    <p:extLst>
+      <p:ext uri="{BB962C8B-B14F-4D97-AF65-F5344CB8AC3E}">
+        <p14:creationId xmlns:p14="http://schemas.microsoft.com/office/powerpoint/2010/main" val="2204816514"/>
+      </p:ext>
+    </p:extLst>
   </p:cSld>
   <p:clrMapOvr>
     <a:masterClrMapping/>
@@ -3635,8 +5559,9 @@
           <a:p>
             <a:r>
               <a:rPr lang="de-DE" dirty="0" smtClean="0"/>
-              <a:t>Visualisierungen</a:t>
-            </a:r>
+              <a:t>Visualisierung</a:t>
+            </a:r>
+            <a:endParaRPr lang="de-DE" dirty="0" smtClean="0"/>
           </a:p>
           <a:p>
             <a:r>
@@ -3679,6 +5604,69 @@
               <a:t>Agenda</a:t>
             </a:r>
             <a:endParaRPr lang="de-DE" dirty="0"/>
+          </a:p>
+        </p:txBody>
+      </p:sp>
+    </p:spTree>
+  </p:cSld>
+  <p:clrMapOvr>
+    <a:masterClrMapping/>
+  </p:clrMapOvr>
+  <p:timing>
+    <p:tnLst>
+      <p:par>
+        <p:cTn id="1" dur="indefinite" restart="never" nodeType="tmRoot"/>
+      </p:par>
+    </p:tnLst>
+  </p:timing>
+</p:sld>
+</file>
+
+<file path=ppt/slides/slide30.xml><?xml version="1.0" encoding="utf-8"?>
+<p:sld xmlns:a="http://schemas.openxmlformats.org/drawingml/2006/main" xmlns:r="http://schemas.openxmlformats.org/officeDocument/2006/relationships" xmlns:p="http://schemas.openxmlformats.org/presentationml/2006/main">
+  <p:cSld>
+    <p:spTree>
+      <p:nvGrpSpPr>
+        <p:cNvPr id="1" name=""/>
+        <p:cNvGrpSpPr/>
+        <p:nvPr/>
+      </p:nvGrpSpPr>
+      <p:grpSpPr>
+        <a:xfrm>
+          <a:off x="0" y="0"/>
+          <a:ext cx="0" cy="0"/>
+          <a:chOff x="0" y="0"/>
+          <a:chExt cx="0" cy="0"/>
+        </a:xfrm>
+      </p:grpSpPr>
+      <p:sp>
+        <p:nvSpPr>
+          <p:cNvPr id="5" name="Textfeld 4"/>
+          <p:cNvSpPr txBox="1"/>
+          <p:nvPr/>
+        </p:nvSpPr>
+        <p:spPr>
+          <a:xfrm>
+            <a:off x="2195736" y="2420888"/>
+            <a:ext cx="4752528" cy="1200329"/>
+          </a:xfrm>
+          <a:prstGeom prst="rect">
+            <a:avLst/>
+          </a:prstGeom>
+          <a:noFill/>
+        </p:spPr>
+        <p:txBody>
+          <a:bodyPr wrap="square" rtlCol="0">
+            <a:spAutoFit/>
+          </a:bodyPr>
+          <a:lstStyle/>
+          <a:p>
+            <a:pPr algn="ctr"/>
+            <a:r>
+              <a:rPr lang="de-DE" sz="7200" b="1" dirty="0" smtClean="0"/>
+              <a:t>THX</a:t>
+            </a:r>
+            <a:endParaRPr lang="de-DE" sz="7200" b="1" dirty="0"/>
           </a:p>
         </p:txBody>
       </p:sp>
@@ -3716,35 +5704,6 @@
       </p:grpSpPr>
       <p:sp>
         <p:nvSpPr>
-          <p:cNvPr id="2" name="Textplatzhalter 1"/>
-          <p:cNvSpPr>
-            <a:spLocks noGrp="1"/>
-          </p:cNvSpPr>
-          <p:nvPr>
-            <p:ph type="body" sz="quarter" idx="10"/>
-          </p:nvPr>
-        </p:nvSpPr>
-        <p:spPr/>
-        <p:txBody>
-          <a:bodyPr/>
-          <a:lstStyle/>
-          <a:p>
-            <a:r>
-              <a:rPr lang="de-DE" dirty="0" smtClean="0"/>
-              <a:t>Transformationen</a:t>
-            </a:r>
-          </a:p>
-          <a:p>
-            <a:r>
-              <a:rPr lang="de-DE" dirty="0" smtClean="0"/>
-              <a:t>Visualisierungen</a:t>
-            </a:r>
-            <a:endParaRPr lang="de-DE" dirty="0"/>
-          </a:p>
-        </p:txBody>
-      </p:sp>
-      <p:sp>
-        <p:nvSpPr>
           <p:cNvPr id="3" name="Titel 2"/>
           <p:cNvSpPr>
             <a:spLocks noGrp="1"/>
@@ -3766,6 +5725,54 @@
           </a:p>
         </p:txBody>
       </p:sp>
+      <p:pic>
+        <p:nvPicPr>
+          <p:cNvPr id="9" name="Grafik 8"/>
+          <p:cNvPicPr>
+            <a:picLocks noChangeAspect="1"/>
+          </p:cNvPicPr>
+          <p:nvPr/>
+        </p:nvPicPr>
+        <p:blipFill>
+          <a:blip r:embed="rId2"/>
+          <a:stretch>
+            <a:fillRect/>
+          </a:stretch>
+        </p:blipFill>
+        <p:spPr>
+          <a:xfrm>
+            <a:off x="971600" y="3566822"/>
+            <a:ext cx="5760000" cy="2100374"/>
+          </a:xfrm>
+          <a:prstGeom prst="rect">
+            <a:avLst/>
+          </a:prstGeom>
+        </p:spPr>
+      </p:pic>
+      <p:pic>
+        <p:nvPicPr>
+          <p:cNvPr id="12" name="Grafik 11"/>
+          <p:cNvPicPr>
+            <a:picLocks noChangeAspect="1"/>
+          </p:cNvPicPr>
+          <p:nvPr/>
+        </p:nvPicPr>
+        <p:blipFill>
+          <a:blip r:embed="rId3"/>
+          <a:stretch>
+            <a:fillRect/>
+          </a:stretch>
+        </p:blipFill>
+        <p:spPr>
+          <a:xfrm>
+            <a:off x="971600" y="1124744"/>
+            <a:ext cx="5760000" cy="2278882"/>
+          </a:xfrm>
+          <a:prstGeom prst="rect">
+            <a:avLst/>
+          </a:prstGeom>
+        </p:spPr>
+      </p:pic>
     </p:spTree>
   </p:cSld>
   <p:clrMapOvr>
@@ -3833,8 +5840,9 @@
           <a:p>
             <a:r>
               <a:rPr lang="de-DE" dirty="0" smtClean="0"/>
-              <a:t>Visualisierungen</a:t>
-            </a:r>
+              <a:t>Visualisierung</a:t>
+            </a:r>
+            <a:endParaRPr lang="de-DE" dirty="0" smtClean="0"/>
           </a:p>
           <a:p>
             <a:r>
@@ -3847,14 +5855,12 @@
               <a:rPr lang="de-DE" dirty="0" smtClean="0"/>
               <a:t>DEMO</a:t>
             </a:r>
-            <a:endParaRPr lang="de-DE" dirty="0" smtClean="0"/>
           </a:p>
           <a:p>
             <a:r>
               <a:rPr lang="de-DE" dirty="0" smtClean="0"/>
               <a:t>Ausblick</a:t>
             </a:r>
-            <a:endParaRPr lang="de-DE" dirty="0" smtClean="0"/>
           </a:p>
           <a:p>
             <a:endParaRPr lang="de-DE" dirty="0"/>

--- a/pssif/doc/PSSIF.pptx
+++ b/pssif/doc/PSSIF.pptx
@@ -5,47 +5,56 @@
     <p:sldMasterId id="2147483837" r:id="rId1"/>
   </p:sldMasterIdLst>
   <p:notesMasterIdLst>
-    <p:notesMasterId r:id="rId32"/>
+    <p:notesMasterId r:id="rId41"/>
   </p:notesMasterIdLst>
   <p:handoutMasterIdLst>
-    <p:handoutMasterId r:id="rId33"/>
+    <p:handoutMasterId r:id="rId42"/>
   </p:handoutMasterIdLst>
   <p:sldIdLst>
     <p:sldId id="256" r:id="rId2"/>
     <p:sldId id="257" r:id="rId3"/>
-    <p:sldId id="273" r:id="rId4"/>
-    <p:sldId id="258" r:id="rId5"/>
-    <p:sldId id="274" r:id="rId6"/>
-    <p:sldId id="259" r:id="rId7"/>
-    <p:sldId id="260" r:id="rId8"/>
-    <p:sldId id="261" r:id="rId9"/>
-    <p:sldId id="262" r:id="rId10"/>
-    <p:sldId id="263" r:id="rId11"/>
-    <p:sldId id="275" r:id="rId12"/>
-    <p:sldId id="264" r:id="rId13"/>
-    <p:sldId id="269" r:id="rId14"/>
-    <p:sldId id="270" r:id="rId15"/>
-    <p:sldId id="271" r:id="rId16"/>
-    <p:sldId id="272" r:id="rId17"/>
-    <p:sldId id="277" r:id="rId18"/>
-    <p:sldId id="278" r:id="rId19"/>
-    <p:sldId id="279" r:id="rId20"/>
-    <p:sldId id="280" r:id="rId21"/>
-    <p:sldId id="281" r:id="rId22"/>
-    <p:sldId id="282" r:id="rId23"/>
-    <p:sldId id="283" r:id="rId24"/>
-    <p:sldId id="276" r:id="rId25"/>
-    <p:sldId id="265" r:id="rId26"/>
-    <p:sldId id="286" r:id="rId27"/>
-    <p:sldId id="266" r:id="rId28"/>
-    <p:sldId id="268" r:id="rId29"/>
-    <p:sldId id="285" r:id="rId30"/>
-    <p:sldId id="267" r:id="rId31"/>
+    <p:sldId id="294" r:id="rId4"/>
+    <p:sldId id="273" r:id="rId5"/>
+    <p:sldId id="258" r:id="rId6"/>
+    <p:sldId id="274" r:id="rId7"/>
+    <p:sldId id="259" r:id="rId8"/>
+    <p:sldId id="260" r:id="rId9"/>
+    <p:sldId id="261" r:id="rId10"/>
+    <p:sldId id="287" r:id="rId11"/>
+    <p:sldId id="288" r:id="rId12"/>
+    <p:sldId id="289" r:id="rId13"/>
+    <p:sldId id="290" r:id="rId14"/>
+    <p:sldId id="262" r:id="rId15"/>
+    <p:sldId id="263" r:id="rId16"/>
+    <p:sldId id="291" r:id="rId17"/>
+    <p:sldId id="292" r:id="rId18"/>
+    <p:sldId id="293" r:id="rId19"/>
+    <p:sldId id="295" r:id="rId20"/>
+    <p:sldId id="275" r:id="rId21"/>
+    <p:sldId id="264" r:id="rId22"/>
+    <p:sldId id="269" r:id="rId23"/>
+    <p:sldId id="270" r:id="rId24"/>
+    <p:sldId id="271" r:id="rId25"/>
+    <p:sldId id="272" r:id="rId26"/>
+    <p:sldId id="277" r:id="rId27"/>
+    <p:sldId id="278" r:id="rId28"/>
+    <p:sldId id="279" r:id="rId29"/>
+    <p:sldId id="280" r:id="rId30"/>
+    <p:sldId id="281" r:id="rId31"/>
+    <p:sldId id="282" r:id="rId32"/>
+    <p:sldId id="283" r:id="rId33"/>
+    <p:sldId id="276" r:id="rId34"/>
+    <p:sldId id="265" r:id="rId35"/>
+    <p:sldId id="286" r:id="rId36"/>
+    <p:sldId id="266" r:id="rId37"/>
+    <p:sldId id="268" r:id="rId38"/>
+    <p:sldId id="285" r:id="rId39"/>
+    <p:sldId id="267" r:id="rId40"/>
   </p:sldIdLst>
   <p:sldSz cx="9144000" cy="6858000" type="screen4x3"/>
   <p:notesSz cx="6797675" cy="9926638"/>
   <p:custDataLst>
-    <p:tags r:id="rId34"/>
+    <p:tags r:id="rId43"/>
   </p:custDataLst>
   <p:defaultTextStyle>
     <a:defPPr>
@@ -174,7 +183,7 @@
   </p:defaultTextStyle>
   <p:extLst>
     <p:ext uri="{EFAFB233-063F-42B5-8137-9DF3F51BA10A}">
-      <p15:sldGuideLst xmlns:p15="http://schemas.microsoft.com/office/powerpoint/2012/main">
+      <p15:sldGuideLst xmlns:p15="http://schemas.microsoft.com/office/powerpoint/2012/main" xmlns="">
         <p15:guide id="1" orient="horz" pos="3612">
           <p15:clr>
             <a:srgbClr val="A4A3A4"/>
@@ -248,7 +257,7 @@
       </p15:sldGuideLst>
     </p:ext>
     <p:ext uri="{2D200454-40CA-4A62-9FC3-DE9A4176ACB9}">
-      <p15:notesGuideLst xmlns:p15="http://schemas.microsoft.com/office/powerpoint/2012/main">
+      <p15:notesGuideLst xmlns:p15="http://schemas.microsoft.com/office/powerpoint/2012/main" xmlns="">
         <p15:guide id="1" orient="horz" pos="3128">
           <p15:clr>
             <a:srgbClr val="A4A3A4"/>
@@ -267,7 +276,7 @@
 
 <file path=ppt/commentAuthors.xml><?xml version="1.0" encoding="utf-8"?>
 <p:cmAuthorLst xmlns:a="http://schemas.openxmlformats.org/drawingml/2006/main" xmlns:r="http://schemas.openxmlformats.org/officeDocument/2006/relationships" xmlns:p="http://schemas.openxmlformats.org/presentationml/2006/main">
-  <p:cmAuthor id="0" name="Autor" initials="A" lastIdx="11" clrIdx="0"/>
+  <p:cmAuthor id="1" name="Author" initials="A" lastIdx="0" clrIdx="1"/>
 </p:cmAuthorLst>
 </file>
 
@@ -485,7 +494,7 @@
               <a:pPr>
                 <a:defRPr/>
               </a:pPr>
-              <a:t>‹Nr.›</a:t>
+              <a:t>‹#›</a:t>
             </a:fld>
             <a:endParaRPr lang="de-DE"/>
           </a:p>
@@ -494,7 +503,7 @@
     </p:spTree>
     <p:extLst>
       <p:ext uri="{BB962C8B-B14F-4D97-AF65-F5344CB8AC3E}">
-        <p14:creationId xmlns:p14="http://schemas.microsoft.com/office/powerpoint/2010/main" val="164483809"/>
+        <p14:creationId xmlns:p14="http://schemas.microsoft.com/office/powerpoint/2010/main" xmlns="" val="164483809"/>
       </p:ext>
     </p:extLst>
   </p:cSld>
@@ -827,7 +836,7 @@
               <a:pPr>
                 <a:defRPr/>
               </a:pPr>
-              <a:t>‹Nr.›</a:t>
+              <a:t>‹#›</a:t>
             </a:fld>
             <a:endParaRPr lang="de-DE"/>
           </a:p>
@@ -836,7 +845,7 @@
     </p:spTree>
     <p:extLst>
       <p:ext uri="{BB962C8B-B14F-4D97-AF65-F5344CB8AC3E}">
-        <p14:creationId xmlns:p14="http://schemas.microsoft.com/office/powerpoint/2010/main" val="220946427"/>
+        <p14:creationId xmlns:p14="http://schemas.microsoft.com/office/powerpoint/2010/main" xmlns="" val="220946427"/>
       </p:ext>
     </p:extLst>
   </p:cSld>
@@ -1269,7 +1278,7 @@
           <a:blip r:embed="rId3" cstate="print">
             <a:extLst>
               <a:ext uri="{28A0092B-C50C-407E-A947-70E740481C1C}">
-                <a14:useLocalDpi xmlns:a14="http://schemas.microsoft.com/office/drawing/2010/main" val="0"/>
+                <a14:useLocalDpi xmlns:a14="http://schemas.microsoft.com/office/drawing/2010/main" xmlns="" val="0"/>
               </a:ext>
             </a:extLst>
           </a:blip>
@@ -1299,7 +1308,7 @@
           <a:blip r:embed="rId4" cstate="print">
             <a:extLst>
               <a:ext uri="{28A0092B-C50C-407E-A947-70E740481C1C}">
-                <a14:useLocalDpi xmlns:a14="http://schemas.microsoft.com/office/drawing/2010/main" val="0"/>
+                <a14:useLocalDpi xmlns:a14="http://schemas.microsoft.com/office/drawing/2010/main" xmlns="" val="0"/>
               </a:ext>
             </a:extLst>
           </a:blip>
@@ -1329,7 +1338,7 @@
           <a:blip r:embed="rId5" cstate="print">
             <a:extLst>
               <a:ext uri="{28A0092B-C50C-407E-A947-70E740481C1C}">
-                <a14:useLocalDpi xmlns:a14="http://schemas.microsoft.com/office/drawing/2010/main" val="0"/>
+                <a14:useLocalDpi xmlns:a14="http://schemas.microsoft.com/office/drawing/2010/main" xmlns="" val="0"/>
               </a:ext>
             </a:extLst>
           </a:blip>
@@ -1485,7 +1494,7 @@
                 </a:spcAft>
                 <a:defRPr/>
               </a:pPr>
-              <a:t>‹Nr.›</a:t>
+              <a:t>‹#›</a:t>
             </a:fld>
             <a:endParaRPr lang="de-DE" sz="800" kern="0" dirty="0">
               <a:solidFill>
@@ -1624,7 +1633,7 @@
           <a:blip r:embed="rId2" cstate="print">
             <a:extLst>
               <a:ext uri="{28A0092B-C50C-407E-A947-70E740481C1C}">
-                <a14:useLocalDpi xmlns:a14="http://schemas.microsoft.com/office/drawing/2010/main" val="0"/>
+                <a14:useLocalDpi xmlns:a14="http://schemas.microsoft.com/office/drawing/2010/main" xmlns="" val="0"/>
               </a:ext>
             </a:extLst>
           </a:blip>
@@ -1654,7 +1663,7 @@
           <a:blip r:embed="rId3" cstate="print">
             <a:extLst>
               <a:ext uri="{28A0092B-C50C-407E-A947-70E740481C1C}">
-                <a14:useLocalDpi xmlns:a14="http://schemas.microsoft.com/office/drawing/2010/main" val="0"/>
+                <a14:useLocalDpi xmlns:a14="http://schemas.microsoft.com/office/drawing/2010/main" xmlns="" val="0"/>
               </a:ext>
             </a:extLst>
           </a:blip>
@@ -1684,7 +1693,7 @@
           <a:blip r:embed="rId4" cstate="print">
             <a:extLst>
               <a:ext uri="{28A0092B-C50C-407E-A947-70E740481C1C}">
-                <a14:useLocalDpi xmlns:a14="http://schemas.microsoft.com/office/drawing/2010/main" val="0"/>
+                <a14:useLocalDpi xmlns:a14="http://schemas.microsoft.com/office/drawing/2010/main" xmlns="" val="0"/>
               </a:ext>
             </a:extLst>
           </a:blip>
@@ -2262,7 +2271,7 @@
       </p:grpSpPr>
       <p:sp>
         <p:nvSpPr>
-          <p:cNvPr id="2" name="Textplatzhalter 1"/>
+          <p:cNvPr id="2" name="Text Placeholder 1"/>
           <p:cNvSpPr>
             <a:spLocks noGrp="1"/>
           </p:cNvSpPr>
@@ -2275,13 +2284,34 @@
           <a:bodyPr/>
           <a:lstStyle/>
           <a:p>
-            <a:endParaRPr lang="de-DE"/>
-          </a:p>
-        </p:txBody>
-      </p:sp>
-      <p:sp>
-        <p:nvSpPr>
-          <p:cNvPr id="3" name="Titel 2"/>
+            <a:r>
+              <a:rPr lang="de-DE" dirty="0" smtClean="0"/>
+              <a:t>Direkte Überführung eines Modells in der Quellsprache A zu einem Modell in der Zielsprache B</a:t>
+            </a:r>
+          </a:p>
+          <a:p>
+            <a:r>
+              <a:rPr lang="de-DE" dirty="0" smtClean="0"/>
+              <a:t>Auf Ebene der konkreten Syntax der jeweiligen Sprachen</a:t>
+            </a:r>
+          </a:p>
+          <a:p>
+            <a:r>
+              <a:rPr lang="de-DE" dirty="0" smtClean="0"/>
+              <a:t>Sehr konkret – keine Abstraktion</a:t>
+            </a:r>
+          </a:p>
+          <a:p>
+            <a:r>
+              <a:rPr lang="de-DE" dirty="0" smtClean="0"/>
+              <a:t>Beispiel: XSLT bei XML-basierten Serializierung</a:t>
+            </a:r>
+          </a:p>
+        </p:txBody>
+      </p:sp>
+      <p:sp>
+        <p:nvSpPr>
+          <p:cNvPr id="3" name="Title 2"/>
           <p:cNvSpPr>
             <a:spLocks noGrp="1"/>
           </p:cNvSpPr>
@@ -2296,24 +2326,37 @@
           <a:p>
             <a:r>
               <a:rPr lang="de-DE" dirty="0" smtClean="0"/>
-              <a:t>Implementierung</a:t>
-            </a:r>
-            <a:endParaRPr lang="de-DE" dirty="0"/>
-          </a:p>
-        </p:txBody>
-      </p:sp>
+              <a:t>Direkte syntax-abhängigte Transformation </a:t>
+            </a:r>
+            <a:endParaRPr lang="bg-BG" dirty="0"/>
+          </a:p>
+        </p:txBody>
+      </p:sp>
+      <p:graphicFrame>
+        <p:nvGraphicFramePr>
+          <p:cNvPr id="4098" name="Object 2"/>
+          <p:cNvGraphicFramePr>
+            <a:graphicFrameLocks noChangeAspect="1"/>
+          </p:cNvGraphicFramePr>
+          <p:nvPr/>
+        </p:nvGraphicFramePr>
+        <p:xfrm>
+          <a:off x="1428728" y="3214686"/>
+          <a:ext cx="6143625" cy="2533650"/>
+        </p:xfrm>
+        <a:graphic>
+          <a:graphicData uri="http://schemas.openxmlformats.org/presentationml/2006/ole">
+            <p:oleObj spid="_x0000_s4098" name="Visio" r:id="rId3" imgW="6143635" imgH="2533560" progId="Visio.Drawing.15">
+              <p:embed/>
+            </p:oleObj>
+          </a:graphicData>
+        </a:graphic>
+      </p:graphicFrame>
     </p:spTree>
   </p:cSld>
   <p:clrMapOvr>
     <a:masterClrMapping/>
   </p:clrMapOvr>
-  <p:timing>
-    <p:tnLst>
-      <p:par>
-        <p:cTn id="1" dur="indefinite" restart="never" nodeType="tmRoot"/>
-      </p:par>
-    </p:tnLst>
-  </p:timing>
 </p:sld>
 </file>
 
@@ -2336,7 +2379,7 @@
       </p:grpSpPr>
       <p:sp>
         <p:nvSpPr>
-          <p:cNvPr id="2" name="Textplatzhalter 1"/>
+          <p:cNvPr id="2" name="Text Placeholder 1"/>
           <p:cNvSpPr>
             <a:spLocks noGrp="1"/>
           </p:cNvSpPr>
@@ -2351,54 +2394,26 @@
           <a:p>
             <a:r>
               <a:rPr lang="de-DE" dirty="0" smtClean="0"/>
-              <a:t>Motivation</a:t>
-            </a:r>
-          </a:p>
-          <a:p>
-            <a:r>
-              <a:rPr lang="de-DE" dirty="0" smtClean="0"/>
-              <a:t>Forschungsrichtungen</a:t>
-            </a:r>
-          </a:p>
-          <a:p>
-            <a:r>
-              <a:rPr lang="de-DE" dirty="0" smtClean="0"/>
-              <a:t>Transformationen</a:t>
-            </a:r>
-          </a:p>
-          <a:p>
-            <a:r>
-              <a:rPr lang="de-DE" b="1" dirty="0" smtClean="0"/>
-              <a:t>Visualisierung</a:t>
-            </a:r>
-            <a:endParaRPr lang="de-DE" b="1" dirty="0" smtClean="0"/>
-          </a:p>
-          <a:p>
-            <a:r>
-              <a:rPr lang="de-DE" dirty="0" smtClean="0"/>
-              <a:t>Ergebnisse</a:t>
-            </a:r>
-          </a:p>
-          <a:p>
-            <a:r>
-              <a:rPr lang="de-DE" dirty="0" smtClean="0"/>
-              <a:t>DEMO</a:t>
-            </a:r>
-          </a:p>
-          <a:p>
-            <a:r>
-              <a:rPr lang="de-DE" dirty="0" smtClean="0"/>
-              <a:t>Ausblick</a:t>
-            </a:r>
-          </a:p>
-          <a:p>
-            <a:endParaRPr lang="de-DE" dirty="0"/>
-          </a:p>
-        </p:txBody>
-      </p:sp>
-      <p:sp>
-        <p:nvSpPr>
-          <p:cNvPr id="3" name="Titel 2"/>
+              <a:t>Direkte Überführung von Quellsprache A nach Zielsprache B über eigenes abstraktes Datenmodell</a:t>
+            </a:r>
+          </a:p>
+          <a:p>
+            <a:r>
+              <a:rPr lang="de-DE" dirty="0" smtClean="0"/>
+              <a:t>Auf Ebene der abstrakten Syntax der jeweiligen Sprachen</a:t>
+            </a:r>
+          </a:p>
+          <a:p>
+            <a:r>
+              <a:rPr lang="de-DE" dirty="0" smtClean="0"/>
+              <a:t>Abstraktion von der konkreten Syntax</a:t>
+            </a:r>
+          </a:p>
+        </p:txBody>
+      </p:sp>
+      <p:sp>
+        <p:nvSpPr>
+          <p:cNvPr id="3" name="Title 2"/>
           <p:cNvSpPr>
             <a:spLocks noGrp="1"/>
           </p:cNvSpPr>
@@ -2413,9 +2428,9 @@
           <a:p>
             <a:r>
               <a:rPr lang="de-DE" dirty="0" smtClean="0"/>
-              <a:t>Agenda</a:t>
-            </a:r>
-            <a:endParaRPr lang="de-DE" dirty="0"/>
+              <a:t>Direkte syntax-unabhängigte Transformation</a:t>
+            </a:r>
+            <a:endParaRPr lang="bg-BG" dirty="0"/>
           </a:p>
         </p:txBody>
       </p:sp>
@@ -2424,13 +2439,6 @@
   <p:clrMapOvr>
     <a:masterClrMapping/>
   </p:clrMapOvr>
-  <p:timing>
-    <p:tnLst>
-      <p:par>
-        <p:cTn id="1" dur="indefinite" restart="never" nodeType="tmRoot"/>
-      </p:par>
-    </p:tnLst>
-  </p:timing>
 </p:sld>
 </file>
 
@@ -2453,7 +2461,7 @@
       </p:grpSpPr>
       <p:sp>
         <p:nvSpPr>
-          <p:cNvPr id="2" name="Textplatzhalter 1"/>
+          <p:cNvPr id="2" name="Text Placeholder 1"/>
           <p:cNvSpPr>
             <a:spLocks noGrp="1"/>
           </p:cNvSpPr>
@@ -2468,87 +2476,46 @@
           <a:p>
             <a:r>
               <a:rPr lang="de-DE" dirty="0" smtClean="0"/>
-              <a:t>Ziele</a:t>
-            </a:r>
-          </a:p>
-          <a:p>
-            <a:r>
-              <a:rPr lang="de-DE" dirty="0" smtClean="0"/>
-              <a:t>Realisierung der Ziele</a:t>
-            </a:r>
-            <a:endParaRPr lang="de-DE" dirty="0" smtClean="0"/>
-          </a:p>
-          <a:p>
-            <a:r>
-              <a:rPr lang="de-DE" dirty="0" smtClean="0"/>
-              <a:t>Technische Grundlagen</a:t>
-            </a:r>
-          </a:p>
-          <a:p>
-            <a:r>
-              <a:rPr lang="de-DE" dirty="0" smtClean="0"/>
-              <a:t>Implementierung</a:t>
+              <a:t>Transformation von der Quellsprache in ein eigenes fixes Schema</a:t>
+            </a:r>
+          </a:p>
+          <a:p>
+            <a:r>
+              <a:rPr lang="de-DE" dirty="0" smtClean="0"/>
+              <a:t>Darauf folgende Transformation von den eigenen Schema in der Zielsprache</a:t>
+            </a:r>
+          </a:p>
+          <a:p>
+            <a:r>
+              <a:rPr lang="de-DE" dirty="0" smtClean="0"/>
+              <a:t>Durch das eigene Schema:</a:t>
             </a:r>
           </a:p>
           <a:p>
             <a:pPr lvl="1"/>
             <a:r>
               <a:rPr lang="de-DE" dirty="0" smtClean="0"/>
-              <a:t>Architektur </a:t>
-            </a:r>
-            <a:r>
-              <a:rPr lang="de-DE" dirty="0" err="1" smtClean="0"/>
-              <a:t>Viz</a:t>
-            </a:r>
-            <a:r>
-              <a:rPr lang="de-DE" dirty="0" smtClean="0"/>
-              <a:t>-Modell</a:t>
+              <a:t>Abstraktion von der konkreten Syntax</a:t>
             </a:r>
           </a:p>
           <a:p>
             <a:pPr lvl="1"/>
             <a:r>
-              <a:rPr lang="de-DE" dirty="0"/>
-              <a:t>Einlesen von </a:t>
-            </a:r>
-            <a:r>
-              <a:rPr lang="de-DE" dirty="0" smtClean="0"/>
-              <a:t>Daten</a:t>
-            </a:r>
-            <a:endParaRPr lang="de-DE" dirty="0"/>
-          </a:p>
-          <a:p>
-            <a:pPr lvl="1"/>
-            <a:r>
-              <a:rPr lang="de-DE" dirty="0"/>
-              <a:t>Grafische </a:t>
-            </a:r>
-            <a:r>
-              <a:rPr lang="de-DE" dirty="0" smtClean="0"/>
-              <a:t>Darstellung</a:t>
-            </a:r>
-          </a:p>
-          <a:p>
-            <a:pPr lvl="1"/>
-            <a:r>
-              <a:rPr lang="de-DE" dirty="0" err="1" smtClean="0"/>
-              <a:t>GraphView</a:t>
-            </a:r>
-            <a:endParaRPr lang="de-DE" dirty="0"/>
-          </a:p>
-          <a:p>
-            <a:pPr lvl="1"/>
-            <a:r>
-              <a:rPr lang="de-DE" dirty="0" err="1" smtClean="0"/>
-              <a:t>MatrixView</a:t>
-            </a:r>
-            <a:endParaRPr lang="de-DE" dirty="0" smtClean="0"/>
-          </a:p>
-        </p:txBody>
-      </p:sp>
-      <p:sp>
-        <p:nvSpPr>
-          <p:cNvPr id="3" name="Titel 2"/>
+              <a:rPr lang="de-DE" dirty="0" smtClean="0"/>
+              <a:t>Abstration von der abstrakten Syntax</a:t>
+            </a:r>
+          </a:p>
+          <a:p>
+            <a:r>
+              <a:rPr lang="de-DE" dirty="0" smtClean="0"/>
+              <a:t>Fest-ausimplementierte Transformationsregeln</a:t>
+            </a:r>
+          </a:p>
+        </p:txBody>
+      </p:sp>
+      <p:sp>
+        <p:nvSpPr>
+          <p:cNvPr id="3" name="Title 2"/>
           <p:cNvSpPr>
             <a:spLocks noGrp="1"/>
           </p:cNvSpPr>
@@ -2563,9 +2530,9 @@
           <a:p>
             <a:r>
               <a:rPr lang="de-DE" dirty="0" smtClean="0"/>
-              <a:t>Visualisierung</a:t>
-            </a:r>
-            <a:endParaRPr lang="de-DE" dirty="0"/>
+              <a:t>Indirekte Transformation mit fixem Schema</a:t>
+            </a:r>
+            <a:endParaRPr lang="bg-BG" dirty="0"/>
           </a:p>
         </p:txBody>
       </p:sp>
@@ -2574,13 +2541,6 @@
   <p:clrMapOvr>
     <a:masterClrMapping/>
   </p:clrMapOvr>
-  <p:timing>
-    <p:tnLst>
-      <p:par>
-        <p:cTn id="1" dur="indefinite" restart="never" nodeType="tmRoot"/>
-      </p:par>
-    </p:tnLst>
-  </p:timing>
 </p:sld>
 </file>
 
@@ -2603,7 +2563,7 @@
       </p:grpSpPr>
       <p:sp>
         <p:nvSpPr>
-          <p:cNvPr id="2" name="Textplatzhalter 1"/>
+          <p:cNvPr id="2" name="Text Placeholder 1"/>
           <p:cNvSpPr>
             <a:spLocks noGrp="1"/>
           </p:cNvSpPr>
@@ -2611,47 +2571,48 @@
             <p:ph type="body" sz="quarter" idx="10"/>
           </p:nvPr>
         </p:nvSpPr>
-        <p:spPr>
-          <a:xfrm>
-            <a:off x="250824" y="933450"/>
-            <a:ext cx="8031164" cy="4495813"/>
-          </a:xfrm>
-        </p:spPr>
+        <p:spPr/>
         <p:txBody>
           <a:bodyPr/>
           <a:lstStyle/>
           <a:p>
             <a:r>
-              <a:rPr lang="de-DE" dirty="0"/>
-              <a:t>Import und Export aus verschiedenen Quellformaten</a:t>
-            </a:r>
-          </a:p>
-          <a:p>
-            <a:r>
-              <a:rPr lang="de-DE" dirty="0"/>
-              <a:t>Visualisierung des Gesamtmodells</a:t>
-            </a:r>
-          </a:p>
-          <a:p>
-            <a:r>
-              <a:rPr lang="de-DE" dirty="0"/>
-              <a:t>Bearbeitung des Gesamtmodells</a:t>
-            </a:r>
-          </a:p>
-          <a:p>
-            <a:r>
-              <a:rPr lang="de-DE" dirty="0"/>
-              <a:t>Analysen auf dem Gesamtmodell</a:t>
-            </a:r>
-          </a:p>
-          <a:p>
-            <a:endParaRPr lang="de-DE" dirty="0"/>
-          </a:p>
-        </p:txBody>
-      </p:sp>
-      <p:sp>
-        <p:nvSpPr>
-          <p:cNvPr id="3" name="Titel 2"/>
+              <a:rPr lang="de-DE" dirty="0" smtClean="0"/>
+              <a:t>Transformation über Zwischenformat, definiert über ein flexibles Schema</a:t>
+            </a:r>
+          </a:p>
+          <a:p>
+            <a:r>
+              <a:rPr lang="de-DE" dirty="0" smtClean="0"/>
+              <a:t>Abstraktion vom konkreten und abstrakten Syntax</a:t>
+            </a:r>
+          </a:p>
+          <a:p>
+            <a:r>
+              <a:rPr lang="de-DE" dirty="0" smtClean="0"/>
+              <a:t>Ist an sich eine Sprache zur Beschreibung von:</a:t>
+            </a:r>
+          </a:p>
+          <a:p>
+            <a:pPr lvl="1"/>
+            <a:r>
+              <a:rPr lang="de-DE" dirty="0" smtClean="0"/>
+              <a:t>Schemata</a:t>
+            </a:r>
+          </a:p>
+          <a:p>
+            <a:pPr lvl="1"/>
+            <a:r>
+              <a:rPr lang="de-DE" dirty="0" smtClean="0"/>
+              <a:t>Transformationen</a:t>
+            </a:r>
+            <a:endParaRPr lang="bg-BG" dirty="0"/>
+          </a:p>
+        </p:txBody>
+      </p:sp>
+      <p:sp>
+        <p:nvSpPr>
+          <p:cNvPr id="3" name="Title 2"/>
           <p:cNvSpPr>
             <a:spLocks noGrp="1"/>
           </p:cNvSpPr>
@@ -2666,48 +2627,17 @@
           <a:p>
             <a:r>
               <a:rPr lang="de-DE" dirty="0" smtClean="0"/>
-              <a:t>Ziele</a:t>
-            </a:r>
-            <a:endParaRPr lang="de-DE" dirty="0"/>
-          </a:p>
-        </p:txBody>
-      </p:sp>
-      <p:pic>
-        <p:nvPicPr>
-          <p:cNvPr id="4" name="Grafik 3"/>
-          <p:cNvPicPr>
-            <a:picLocks noChangeAspect="1"/>
-          </p:cNvPicPr>
-          <p:nvPr/>
-        </p:nvPicPr>
-        <p:blipFill>
-          <a:blip r:embed="rId2"/>
-          <a:stretch>
-            <a:fillRect/>
-          </a:stretch>
-        </p:blipFill>
-        <p:spPr>
-          <a:xfrm>
-            <a:off x="2987824" y="2412198"/>
-            <a:ext cx="5291738" cy="3396495"/>
-          </a:xfrm>
-          <a:prstGeom prst="rect">
-            <a:avLst/>
-          </a:prstGeom>
-        </p:spPr>
-      </p:pic>
+              <a:t>Indirekte Transformation mit variablem Schema</a:t>
+            </a:r>
+            <a:endParaRPr lang="bg-BG" dirty="0"/>
+          </a:p>
+        </p:txBody>
+      </p:sp>
     </p:spTree>
   </p:cSld>
   <p:clrMapOvr>
     <a:masterClrMapping/>
   </p:clrMapOvr>
-  <p:timing>
-    <p:tnLst>
-      <p:par>
-        <p:cTn id="1" dur="indefinite" restart="never" nodeType="tmRoot"/>
-      </p:par>
-    </p:tnLst>
-  </p:timing>
 </p:sld>
 </file>
 
@@ -2749,87 +2679,22 @@
           <a:lstStyle/>
           <a:p>
             <a:r>
-              <a:rPr lang="de-DE" dirty="0"/>
-              <a:t>Import und Export aus verschiedenen Quellformaten</a:t>
-            </a:r>
-          </a:p>
-          <a:p>
-            <a:pPr lvl="1"/>
-            <a:r>
-              <a:rPr lang="de-DE" dirty="0"/>
-              <a:t>Automatischer Import &amp; Export mit PSS-IF Transform</a:t>
-            </a:r>
-          </a:p>
-          <a:p>
-            <a:r>
-              <a:rPr lang="de-DE" dirty="0"/>
-              <a:t>Visualisierung des Gesamtmodells</a:t>
-            </a:r>
-          </a:p>
-          <a:p>
-            <a:pPr lvl="1"/>
-            <a:r>
-              <a:rPr lang="de-DE" dirty="0"/>
-              <a:t>Unterschiedliche Visualisierungen der Elemente  (Farbe, Form, Inhalt)</a:t>
-            </a:r>
-          </a:p>
-          <a:p>
-            <a:pPr lvl="1"/>
-            <a:r>
-              <a:rPr lang="de-DE" dirty="0"/>
-              <a:t>Verschiedene Ansichten auf das Modell (Graph, Matrix)</a:t>
-            </a:r>
-          </a:p>
-          <a:p>
-            <a:r>
-              <a:rPr lang="de-DE" dirty="0"/>
-              <a:t>Bearbeitung des Gesamtmodells</a:t>
-            </a:r>
-          </a:p>
-          <a:p>
-            <a:pPr lvl="1"/>
-            <a:r>
-              <a:rPr lang="de-DE" dirty="0"/>
-              <a:t>Modifikation der Element Attribute</a:t>
-            </a:r>
-          </a:p>
-          <a:p>
-            <a:pPr lvl="1"/>
-            <a:r>
-              <a:rPr lang="de-DE" dirty="0"/>
-              <a:t>Einfaches Einfügen und Löschen von Elementen</a:t>
-            </a:r>
-          </a:p>
-          <a:p>
-            <a:r>
-              <a:rPr lang="de-DE" dirty="0"/>
-              <a:t>Analysen auf dem Gesamtmodell</a:t>
-            </a:r>
-          </a:p>
-          <a:p>
-            <a:pPr lvl="1"/>
-            <a:r>
-              <a:rPr lang="de-DE" dirty="0"/>
-              <a:t>Hervorheben von Zusammenhängen</a:t>
-            </a:r>
-          </a:p>
-          <a:p>
-            <a:pPr lvl="1"/>
-            <a:r>
-              <a:rPr lang="de-DE" dirty="0"/>
-              <a:t>Filtern </a:t>
-            </a:r>
-            <a:r>
-              <a:rPr lang="de-DE" dirty="0" smtClean="0"/>
-              <a:t>mittels </a:t>
-            </a:r>
-            <a:r>
-              <a:rPr lang="de-DE" dirty="0"/>
-              <a:t>Attribute und Elementtypen</a:t>
-            </a:r>
-          </a:p>
-          <a:p>
+              <a:rPr lang="de-DE" dirty="0" smtClean="0"/>
+              <a:t>Annahme: Weitere Sprachen werden dazu kommen</a:t>
+            </a:r>
+          </a:p>
+          <a:p>
+            <a:r>
+              <a:rPr lang="de-DE" dirty="0" smtClean="0"/>
+              <a:t>Weitere Transformationen werden bekannt werden</a:t>
+            </a:r>
             <a:endParaRPr lang="de-DE" dirty="0"/>
+          </a:p>
+          <a:p>
+            <a:r>
+              <a:rPr lang="de-DE" dirty="0" smtClean="0"/>
+              <a:t>Vergleich der Ansätze (erwartete Komplexität der notwendigen Anpassung):</a:t>
+            </a:r>
           </a:p>
         </p:txBody>
       </p:sp>
@@ -2850,12 +2715,377 @@
           <a:p>
             <a:r>
               <a:rPr lang="de-DE" dirty="0" smtClean="0"/>
-              <a:t>Realisierung der Ziele</a:t>
+              <a:t>Diskussion &amp; Entscheidung</a:t>
             </a:r>
             <a:endParaRPr lang="de-DE" dirty="0"/>
           </a:p>
         </p:txBody>
       </p:sp>
+      <p:graphicFrame>
+        <p:nvGraphicFramePr>
+          <p:cNvPr id="5" name="Table 4"/>
+          <p:cNvGraphicFramePr>
+            <a:graphicFrameLocks noGrp="1"/>
+          </p:cNvGraphicFramePr>
+          <p:nvPr/>
+        </p:nvGraphicFramePr>
+        <p:xfrm>
+          <a:off x="642910" y="2428868"/>
+          <a:ext cx="7929620" cy="3364718"/>
+        </p:xfrm>
+        <a:graphic>
+          <a:graphicData uri="http://schemas.openxmlformats.org/drawingml/2006/table">
+            <a:tbl>
+              <a:tblPr firstRow="1" bandRow="1">
+                <a:tableStyleId>{073A0DAA-6AF3-43AB-8588-CEC1D06C72B9}</a:tableStyleId>
+              </a:tblPr>
+              <a:tblGrid>
+                <a:gridCol w="1585924"/>
+                <a:gridCol w="1585924"/>
+                <a:gridCol w="1585924"/>
+                <a:gridCol w="1585924"/>
+                <a:gridCol w="1585924"/>
+              </a:tblGrid>
+              <a:tr h="767959">
+                <a:tc>
+                  <a:txBody>
+                    <a:bodyPr/>
+                    <a:lstStyle/>
+                    <a:p>
+                      <a:endParaRPr lang="bg-BG" dirty="0"/>
+                    </a:p>
+                  </a:txBody>
+                  <a:tcPr/>
+                </a:tc>
+                <a:tc>
+                  <a:txBody>
+                    <a:bodyPr/>
+                    <a:lstStyle/>
+                    <a:p>
+                      <a:r>
+                        <a:rPr lang="de-DE" dirty="0" smtClean="0"/>
+                        <a:t>Direkt, syntax-abhängig</a:t>
+                      </a:r>
+                      <a:endParaRPr lang="bg-BG" dirty="0"/>
+                    </a:p>
+                  </a:txBody>
+                  <a:tcPr/>
+                </a:tc>
+                <a:tc>
+                  <a:txBody>
+                    <a:bodyPr/>
+                    <a:lstStyle/>
+                    <a:p>
+                      <a:r>
+                        <a:rPr lang="de-DE" dirty="0" smtClean="0"/>
+                        <a:t>Direkt, syntax-unabhängig</a:t>
+                      </a:r>
+                      <a:endParaRPr lang="bg-BG" dirty="0"/>
+                    </a:p>
+                  </a:txBody>
+                  <a:tcPr/>
+                </a:tc>
+                <a:tc>
+                  <a:txBody>
+                    <a:bodyPr/>
+                    <a:lstStyle/>
+                    <a:p>
+                      <a:r>
+                        <a:rPr lang="de-DE" dirty="0" smtClean="0"/>
+                        <a:t>Indirekt,</a:t>
+                      </a:r>
+                    </a:p>
+                    <a:p>
+                      <a:r>
+                        <a:rPr lang="de-DE" dirty="0" smtClean="0"/>
+                        <a:t>festes</a:t>
+                      </a:r>
+                      <a:r>
+                        <a:rPr lang="de-DE" baseline="0" dirty="0" smtClean="0"/>
+                        <a:t> Schema</a:t>
+                      </a:r>
+                      <a:endParaRPr lang="bg-BG" dirty="0"/>
+                    </a:p>
+                  </a:txBody>
+                  <a:tcPr/>
+                </a:tc>
+                <a:tc>
+                  <a:txBody>
+                    <a:bodyPr/>
+                    <a:lstStyle/>
+                    <a:p>
+                      <a:r>
+                        <a:rPr lang="de-DE" dirty="0" smtClean="0"/>
+                        <a:t>Indirekt,</a:t>
+                      </a:r>
+                    </a:p>
+                    <a:p>
+                      <a:r>
+                        <a:rPr lang="de-DE" dirty="0" smtClean="0"/>
+                        <a:t>flexibles</a:t>
+                      </a:r>
+                      <a:r>
+                        <a:rPr lang="de-DE" baseline="0" dirty="0" smtClean="0"/>
+                        <a:t> Schema</a:t>
+                      </a:r>
+                      <a:endParaRPr lang="bg-BG" dirty="0"/>
+                    </a:p>
+                  </a:txBody>
+                  <a:tcPr/>
+                </a:tc>
+              </a:tr>
+              <a:tr h="767959">
+                <a:tc>
+                  <a:txBody>
+                    <a:bodyPr/>
+                    <a:lstStyle/>
+                    <a:p>
+                      <a:r>
+                        <a:rPr lang="de-DE" dirty="0" smtClean="0"/>
+                        <a:t>Neue</a:t>
+                      </a:r>
+                      <a:r>
+                        <a:rPr lang="de-DE" baseline="0" dirty="0" smtClean="0"/>
+                        <a:t> Sprache</a:t>
+                      </a:r>
+                      <a:endParaRPr lang="bg-BG" dirty="0"/>
+                    </a:p>
+                  </a:txBody>
+                  <a:tcPr/>
+                </a:tc>
+                <a:tc>
+                  <a:txBody>
+                    <a:bodyPr/>
+                    <a:lstStyle/>
+                    <a:p>
+                      <a:pPr algn="ctr"/>
+                      <a:r>
+                        <a:rPr lang="de-DE" dirty="0" smtClean="0"/>
+                        <a:t>N²</a:t>
+                      </a:r>
+                      <a:endParaRPr lang="bg-BG" dirty="0"/>
+                    </a:p>
+                  </a:txBody>
+                  <a:tcPr/>
+                </a:tc>
+                <a:tc>
+                  <a:txBody>
+                    <a:bodyPr/>
+                    <a:lstStyle/>
+                    <a:p>
+                      <a:pPr algn="ctr"/>
+                      <a:r>
+                        <a:rPr lang="de-DE" dirty="0" smtClean="0"/>
+                        <a:t>N²</a:t>
+                      </a:r>
+                      <a:endParaRPr lang="bg-BG" dirty="0"/>
+                    </a:p>
+                  </a:txBody>
+                  <a:tcPr/>
+                </a:tc>
+                <a:tc>
+                  <a:txBody>
+                    <a:bodyPr/>
+                    <a:lstStyle/>
+                    <a:p>
+                      <a:pPr algn="ctr"/>
+                      <a:r>
+                        <a:rPr lang="de-DE" dirty="0" smtClean="0"/>
+                        <a:t>1</a:t>
+                      </a:r>
+                      <a:endParaRPr lang="bg-BG" dirty="0"/>
+                    </a:p>
+                  </a:txBody>
+                  <a:tcPr/>
+                </a:tc>
+                <a:tc>
+                  <a:txBody>
+                    <a:bodyPr/>
+                    <a:lstStyle/>
+                    <a:p>
+                      <a:pPr algn="ctr"/>
+                      <a:r>
+                        <a:rPr lang="de-DE" dirty="0" smtClean="0"/>
+                        <a:t>1</a:t>
+                      </a:r>
+                      <a:endParaRPr lang="bg-BG" dirty="0"/>
+                    </a:p>
+                  </a:txBody>
+                  <a:tcPr/>
+                </a:tc>
+              </a:tr>
+              <a:tr h="767959">
+                <a:tc>
+                  <a:txBody>
+                    <a:bodyPr/>
+                    <a:lstStyle/>
+                    <a:p>
+                      <a:r>
+                        <a:rPr lang="de-DE" dirty="0" smtClean="0"/>
+                        <a:t>Anpassung bestehender</a:t>
+                      </a:r>
+                      <a:r>
+                        <a:rPr lang="de-DE" baseline="0" dirty="0" smtClean="0"/>
+                        <a:t> Sprache</a:t>
+                      </a:r>
+                      <a:endParaRPr lang="bg-BG" dirty="0"/>
+                    </a:p>
+                  </a:txBody>
+                  <a:tcPr/>
+                </a:tc>
+                <a:tc>
+                  <a:txBody>
+                    <a:bodyPr/>
+                    <a:lstStyle/>
+                    <a:p>
+                      <a:pPr algn="ctr"/>
+                      <a:r>
+                        <a:rPr lang="de-DE" dirty="0" smtClean="0"/>
+                        <a:t>N²</a:t>
+                      </a:r>
+                      <a:endParaRPr lang="bg-BG" dirty="0"/>
+                    </a:p>
+                  </a:txBody>
+                  <a:tcPr/>
+                </a:tc>
+                <a:tc>
+                  <a:txBody>
+                    <a:bodyPr/>
+                    <a:lstStyle/>
+                    <a:p>
+                      <a:pPr algn="ctr"/>
+                      <a:r>
+                        <a:rPr lang="de-DE" dirty="0" smtClean="0"/>
+                        <a:t>N²</a:t>
+                      </a:r>
+                      <a:endParaRPr lang="bg-BG" dirty="0"/>
+                    </a:p>
+                  </a:txBody>
+                  <a:tcPr/>
+                </a:tc>
+                <a:tc>
+                  <a:txBody>
+                    <a:bodyPr/>
+                    <a:lstStyle/>
+                    <a:p>
+                      <a:pPr algn="ctr"/>
+                      <a:r>
+                        <a:rPr lang="de-DE" dirty="0" smtClean="0"/>
+                        <a:t>N</a:t>
+                      </a:r>
+                      <a:endParaRPr lang="bg-BG" dirty="0"/>
+                    </a:p>
+                  </a:txBody>
+                  <a:tcPr/>
+                </a:tc>
+                <a:tc>
+                  <a:txBody>
+                    <a:bodyPr/>
+                    <a:lstStyle/>
+                    <a:p>
+                      <a:pPr algn="ctr"/>
+                      <a:r>
+                        <a:rPr lang="de-DE" dirty="0" smtClean="0"/>
+                        <a:t>1 bis</a:t>
+                      </a:r>
+                      <a:r>
+                        <a:rPr lang="de-DE" baseline="0" dirty="0" smtClean="0"/>
+                        <a:t> N</a:t>
+                      </a:r>
+                      <a:endParaRPr lang="bg-BG" dirty="0"/>
+                    </a:p>
+                  </a:txBody>
+                  <a:tcPr/>
+                </a:tc>
+              </a:tr>
+              <a:tr h="767959">
+                <a:tc>
+                  <a:txBody>
+                    <a:bodyPr/>
+                    <a:lstStyle/>
+                    <a:p>
+                      <a:r>
+                        <a:rPr lang="de-DE" dirty="0" smtClean="0"/>
+                        <a:t>PSS-IF</a:t>
+                      </a:r>
+                      <a:r>
+                        <a:rPr lang="de-DE" baseline="0" dirty="0" smtClean="0"/>
+                        <a:t> Erweiterung</a:t>
+                      </a:r>
+                      <a:endParaRPr lang="de-DE" dirty="0" smtClean="0"/>
+                    </a:p>
+                  </a:txBody>
+                  <a:tcPr/>
+                </a:tc>
+                <a:tc>
+                  <a:txBody>
+                    <a:bodyPr/>
+                    <a:lstStyle/>
+                    <a:p>
+                      <a:pPr algn="ctr"/>
+                      <a:r>
+                        <a:rPr lang="de-DE" dirty="0" smtClean="0"/>
+                        <a:t>N²</a:t>
+                      </a:r>
+                      <a:endParaRPr lang="bg-BG" dirty="0"/>
+                    </a:p>
+                  </a:txBody>
+                  <a:tcPr/>
+                </a:tc>
+                <a:tc>
+                  <a:txBody>
+                    <a:bodyPr/>
+                    <a:lstStyle/>
+                    <a:p>
+                      <a:pPr algn="ctr"/>
+                      <a:r>
+                        <a:rPr lang="de-DE" dirty="0" smtClean="0"/>
+                        <a:t>N²</a:t>
+                      </a:r>
+                      <a:endParaRPr lang="bg-BG" dirty="0"/>
+                    </a:p>
+                  </a:txBody>
+                  <a:tcPr/>
+                </a:tc>
+                <a:tc>
+                  <a:txBody>
+                    <a:bodyPr/>
+                    <a:lstStyle/>
+                    <a:p>
+                      <a:pPr algn="ctr"/>
+                      <a:r>
+                        <a:rPr lang="de-DE" dirty="0" smtClean="0"/>
+                        <a:t>N</a:t>
+                      </a:r>
+                      <a:endParaRPr lang="bg-BG" dirty="0"/>
+                    </a:p>
+                  </a:txBody>
+                  <a:tcPr/>
+                </a:tc>
+                <a:tc>
+                  <a:txBody>
+                    <a:bodyPr/>
+                    <a:lstStyle/>
+                    <a:p>
+                      <a:pPr algn="ctr"/>
+                      <a:r>
+                        <a:rPr lang="de-DE" dirty="0" smtClean="0"/>
+                        <a:t>1 bis</a:t>
+                      </a:r>
+                      <a:r>
+                        <a:rPr lang="de-DE" baseline="0" dirty="0" smtClean="0"/>
+                        <a:t> N</a:t>
+                      </a:r>
+                      <a:endParaRPr lang="bg-BG" dirty="0"/>
+                    </a:p>
+                  </a:txBody>
+                  <a:tcPr/>
+                </a:tc>
+              </a:tr>
+            </a:tbl>
+          </a:graphicData>
+        </a:graphic>
+      </p:graphicFrame>
     </p:spTree>
   </p:cSld>
   <p:clrMapOvr>
@@ -2898,84 +3128,12 @@
             <p:ph type="body" sz="quarter" idx="10"/>
           </p:nvPr>
         </p:nvSpPr>
-        <p:spPr>
-          <a:xfrm>
-            <a:off x="250824" y="933450"/>
-            <a:ext cx="8031164" cy="4495813"/>
-          </a:xfrm>
-        </p:spPr>
+        <p:spPr/>
         <p:txBody>
           <a:bodyPr/>
           <a:lstStyle/>
           <a:p>
-            <a:r>
-              <a:rPr lang="de-DE" dirty="0"/>
-              <a:t>PSS-IF Core</a:t>
-            </a:r>
-          </a:p>
-          <a:p>
-            <a:pPr lvl="1"/>
-            <a:r>
-              <a:rPr lang="de-DE" dirty="0"/>
-              <a:t>Modellierungssprache des Gesamtmodells</a:t>
-            </a:r>
-          </a:p>
-          <a:p>
-            <a:pPr lvl="1"/>
-            <a:r>
-              <a:rPr lang="de-DE" dirty="0"/>
-              <a:t>Stellt Metamodell und Modell bereit</a:t>
-            </a:r>
-          </a:p>
-          <a:p>
-            <a:r>
-              <a:rPr lang="de-DE" dirty="0"/>
-              <a:t>PSS-IF Transform</a:t>
-            </a:r>
-          </a:p>
-          <a:p>
-            <a:pPr lvl="1"/>
-            <a:r>
-              <a:rPr lang="de-DE" dirty="0"/>
-              <a:t>Transformiert das Eingabeformat zu einem PSS-IF Modell</a:t>
-            </a:r>
-          </a:p>
-          <a:p>
-            <a:pPr lvl="1"/>
-            <a:r>
-              <a:rPr lang="de-DE" dirty="0"/>
-              <a:t>Transformiert das PSS-IF Modell in ein Ausgabemodell</a:t>
-            </a:r>
-          </a:p>
-          <a:p>
-            <a:r>
-              <a:rPr lang="de-DE" dirty="0"/>
-              <a:t>Jung2 Framework</a:t>
-            </a:r>
-          </a:p>
-          <a:p>
-            <a:pPr lvl="1"/>
-            <a:r>
-              <a:rPr lang="de-DE" dirty="0"/>
-              <a:t>Framework zur Visualisierung von Graphen und Netzwerken</a:t>
-            </a:r>
-          </a:p>
-          <a:p>
-            <a:pPr lvl="1"/>
-            <a:r>
-              <a:rPr lang="de-DE" dirty="0"/>
-              <a:t>Open Source</a:t>
-            </a:r>
-          </a:p>
-          <a:p>
-            <a:endParaRPr lang="de-DE" dirty="0" smtClean="0"/>
-          </a:p>
-          <a:p>
-            <a:r>
-              <a:rPr lang="de-DE" dirty="0" smtClean="0"/>
-              <a:t>? Kann wohl gestrichen werden</a:t>
-            </a:r>
-            <a:endParaRPr lang="de-DE" dirty="0"/>
+            <a:endParaRPr lang="de-DE"/>
           </a:p>
         </p:txBody>
       </p:sp>
@@ -2996,12 +3154,32 @@
           <a:p>
             <a:r>
               <a:rPr lang="de-DE" dirty="0" smtClean="0"/>
-              <a:t>Technische Grundlagen</a:t>
+              <a:t>Implementierung - Konzept</a:t>
             </a:r>
             <a:endParaRPr lang="de-DE" dirty="0"/>
           </a:p>
         </p:txBody>
       </p:sp>
+      <p:graphicFrame>
+        <p:nvGraphicFramePr>
+          <p:cNvPr id="4" name="Object 3"/>
+          <p:cNvGraphicFramePr>
+            <a:graphicFrameLocks noChangeAspect="1"/>
+          </p:cNvGraphicFramePr>
+          <p:nvPr/>
+        </p:nvGraphicFramePr>
+        <p:xfrm>
+          <a:off x="1819275" y="1347788"/>
+          <a:ext cx="5505450" cy="4162425"/>
+        </p:xfrm>
+        <a:graphic>
+          <a:graphicData uri="http://schemas.openxmlformats.org/presentationml/2006/ole">
+            <p:oleObj spid="_x0000_s1026" name="Visio" r:id="rId3" imgW="5505444" imgH="4162412" progId="Visio.Drawing.15">
+              <p:embed/>
+            </p:oleObj>
+          </a:graphicData>
+        </a:graphic>
+      </p:graphicFrame>
     </p:spTree>
   </p:cSld>
   <p:clrMapOvr>
@@ -3036,6 +3214,456 @@
       </p:grpSpPr>
       <p:sp>
         <p:nvSpPr>
+          <p:cNvPr id="2" name="Text Placeholder 1"/>
+          <p:cNvSpPr>
+            <a:spLocks noGrp="1"/>
+          </p:cNvSpPr>
+          <p:nvPr>
+            <p:ph type="body" sz="quarter" idx="10"/>
+          </p:nvPr>
+        </p:nvSpPr>
+        <p:spPr/>
+        <p:txBody>
+          <a:bodyPr/>
+          <a:lstStyle/>
+          <a:p>
+            <a:r>
+              <a:rPr lang="de-DE" dirty="0" smtClean="0"/>
+              <a:t>Metamodel und Model</a:t>
+            </a:r>
+          </a:p>
+          <a:p>
+            <a:r>
+              <a:rPr lang="de-DE" dirty="0" smtClean="0"/>
+              <a:t>Viewpoint is auch Metamodel</a:t>
+            </a:r>
+          </a:p>
+          <a:p>
+            <a:r>
+              <a:rPr lang="de-DE" dirty="0" smtClean="0"/>
+              <a:t>Model ist implizit eine View mit dem entspr. Viewpoint</a:t>
+            </a:r>
+          </a:p>
+          <a:p>
+            <a:pPr>
+              <a:buNone/>
+            </a:pPr>
+            <a:endParaRPr lang="de-DE" dirty="0" smtClean="0"/>
+          </a:p>
+          <a:p>
+            <a:endParaRPr lang="bg-BG" dirty="0"/>
+          </a:p>
+        </p:txBody>
+      </p:sp>
+      <p:sp>
+        <p:nvSpPr>
+          <p:cNvPr id="3" name="Title 2"/>
+          <p:cNvSpPr>
+            <a:spLocks noGrp="1"/>
+          </p:cNvSpPr>
+          <p:nvPr>
+            <p:ph type="title"/>
+          </p:nvPr>
+        </p:nvSpPr>
+        <p:spPr/>
+        <p:txBody>
+          <a:bodyPr/>
+          <a:lstStyle/>
+          <a:p>
+            <a:r>
+              <a:rPr lang="de-DE" dirty="0" smtClean="0"/>
+              <a:t>Implementierung – Metamodel und Model</a:t>
+            </a:r>
+            <a:endParaRPr lang="bg-BG" dirty="0"/>
+          </a:p>
+        </p:txBody>
+      </p:sp>
+      <p:graphicFrame>
+        <p:nvGraphicFramePr>
+          <p:cNvPr id="2050" name="Object 2"/>
+          <p:cNvGraphicFramePr>
+            <a:graphicFrameLocks noChangeAspect="1"/>
+          </p:cNvGraphicFramePr>
+          <p:nvPr/>
+        </p:nvGraphicFramePr>
+        <p:xfrm>
+          <a:off x="5580063" y="785794"/>
+          <a:ext cx="3398522" cy="2071702"/>
+        </p:xfrm>
+        <a:graphic>
+          <a:graphicData uri="http://schemas.openxmlformats.org/presentationml/2006/ole">
+            <p:oleObj spid="_x0000_s2050" name="Visio" r:id="rId3" imgW="4171854" imgH="2543291" progId="Visio.Drawing.15">
+              <p:embed/>
+            </p:oleObj>
+          </a:graphicData>
+        </a:graphic>
+      </p:graphicFrame>
+      <p:graphicFrame>
+        <p:nvGraphicFramePr>
+          <p:cNvPr id="2051" name="Object 3"/>
+          <p:cNvGraphicFramePr>
+            <a:graphicFrameLocks noChangeAspect="1"/>
+          </p:cNvGraphicFramePr>
+          <p:nvPr/>
+        </p:nvGraphicFramePr>
+        <p:xfrm>
+          <a:off x="250824" y="2500306"/>
+          <a:ext cx="6334473" cy="2755907"/>
+        </p:xfrm>
+        <a:graphic>
+          <a:graphicData uri="http://schemas.openxmlformats.org/presentationml/2006/ole">
+            <p:oleObj spid="_x0000_s2051" name="Visio" r:id="rId4" imgW="7334205" imgH="3190939" progId="Visio.Drawing.15">
+              <p:embed/>
+            </p:oleObj>
+          </a:graphicData>
+        </a:graphic>
+      </p:graphicFrame>
+    </p:spTree>
+  </p:cSld>
+  <p:clrMapOvr>
+    <a:masterClrMapping/>
+  </p:clrMapOvr>
+</p:sld>
+</file>
+
+<file path=ppt/slides/slide17.xml><?xml version="1.0" encoding="utf-8"?>
+<p:sld xmlns:a="http://schemas.openxmlformats.org/drawingml/2006/main" xmlns:r="http://schemas.openxmlformats.org/officeDocument/2006/relationships" xmlns:p="http://schemas.openxmlformats.org/presentationml/2006/main">
+  <p:cSld>
+    <p:spTree>
+      <p:nvGrpSpPr>
+        <p:cNvPr id="1" name=""/>
+        <p:cNvGrpSpPr/>
+        <p:nvPr/>
+      </p:nvGrpSpPr>
+      <p:grpSpPr>
+        <a:xfrm>
+          <a:off x="0" y="0"/>
+          <a:ext cx="0" cy="0"/>
+          <a:chOff x="0" y="0"/>
+          <a:chExt cx="0" cy="0"/>
+        </a:xfrm>
+      </p:grpSpPr>
+      <p:sp>
+        <p:nvSpPr>
+          <p:cNvPr id="2" name="Text Placeholder 1"/>
+          <p:cNvSpPr>
+            <a:spLocks noGrp="1"/>
+          </p:cNvSpPr>
+          <p:nvPr>
+            <p:ph type="body" sz="quarter" idx="10"/>
+          </p:nvPr>
+        </p:nvSpPr>
+        <p:spPr/>
+        <p:txBody>
+          <a:bodyPr/>
+          <a:lstStyle/>
+          <a:p>
+            <a:r>
+              <a:rPr lang="de-DE" dirty="0" smtClean="0"/>
+              <a:t>Implizit durch:</a:t>
+            </a:r>
+          </a:p>
+          <a:p>
+            <a:pPr lvl="1"/>
+            <a:r>
+              <a:rPr lang="de-DE" dirty="0" smtClean="0"/>
+              <a:t>Menge an vordefinierten atomarer Transformationen</a:t>
+            </a:r>
+          </a:p>
+          <a:p>
+            <a:pPr lvl="1"/>
+            <a:r>
+              <a:rPr lang="de-DE" dirty="0" smtClean="0"/>
+              <a:t>Sukzessiver Aufbau des Viewpoints durch Anwendung atomarer Transformationsregeln auf ein Metamodel</a:t>
+            </a:r>
+          </a:p>
+          <a:p>
+            <a:r>
+              <a:rPr lang="de-DE" dirty="0" smtClean="0"/>
+              <a:t>Atomare Transformationen:</a:t>
+            </a:r>
+          </a:p>
+          <a:p>
+            <a:pPr lvl="1"/>
+            <a:r>
+              <a:rPr lang="de-DE" dirty="0" smtClean="0"/>
+              <a:t>Alle 6 Stück, TODO</a:t>
+            </a:r>
+          </a:p>
+        </p:txBody>
+      </p:sp>
+      <p:sp>
+        <p:nvSpPr>
+          <p:cNvPr id="3" name="Title 2"/>
+          <p:cNvSpPr>
+            <a:spLocks noGrp="1"/>
+          </p:cNvSpPr>
+          <p:nvPr>
+            <p:ph type="title"/>
+          </p:nvPr>
+        </p:nvSpPr>
+        <p:spPr/>
+        <p:txBody>
+          <a:bodyPr/>
+          <a:lstStyle/>
+          <a:p>
+            <a:r>
+              <a:rPr lang="de-DE" dirty="0" smtClean="0"/>
+              <a:t>Implementierung - Transformationen</a:t>
+            </a:r>
+            <a:endParaRPr lang="bg-BG" dirty="0"/>
+          </a:p>
+        </p:txBody>
+      </p:sp>
+    </p:spTree>
+  </p:cSld>
+  <p:clrMapOvr>
+    <a:masterClrMapping/>
+  </p:clrMapOvr>
+</p:sld>
+</file>
+
+<file path=ppt/slides/slide18.xml><?xml version="1.0" encoding="utf-8"?>
+<p:sld xmlns:a="http://schemas.openxmlformats.org/drawingml/2006/main" xmlns:r="http://schemas.openxmlformats.org/officeDocument/2006/relationships" xmlns:p="http://schemas.openxmlformats.org/presentationml/2006/main">
+  <p:cSld>
+    <p:spTree>
+      <p:nvGrpSpPr>
+        <p:cNvPr id="1" name=""/>
+        <p:cNvGrpSpPr/>
+        <p:nvPr/>
+      </p:nvGrpSpPr>
+      <p:grpSpPr>
+        <a:xfrm>
+          <a:off x="0" y="0"/>
+          <a:ext cx="0" cy="0"/>
+          <a:chOff x="0" y="0"/>
+          <a:chExt cx="0" cy="0"/>
+        </a:xfrm>
+      </p:grpSpPr>
+      <p:sp>
+        <p:nvSpPr>
+          <p:cNvPr id="2" name="Text Placeholder 1"/>
+          <p:cNvSpPr>
+            <a:spLocks noGrp="1"/>
+          </p:cNvSpPr>
+          <p:nvPr>
+            <p:ph type="body" sz="quarter" idx="10"/>
+          </p:nvPr>
+        </p:nvSpPr>
+        <p:spPr/>
+        <p:txBody>
+          <a:bodyPr/>
+          <a:lstStyle/>
+          <a:p>
+            <a:r>
+              <a:rPr lang="de-DE" dirty="0" smtClean="0"/>
+              <a:t>BILD UFM and PSS-IF</a:t>
+            </a:r>
+            <a:endParaRPr lang="bg-BG" dirty="0"/>
+          </a:p>
+        </p:txBody>
+      </p:sp>
+      <p:sp>
+        <p:nvSpPr>
+          <p:cNvPr id="3" name="Title 2"/>
+          <p:cNvSpPr>
+            <a:spLocks noGrp="1"/>
+          </p:cNvSpPr>
+          <p:nvPr>
+            <p:ph type="title"/>
+          </p:nvPr>
+        </p:nvSpPr>
+        <p:spPr/>
+        <p:txBody>
+          <a:bodyPr/>
+          <a:lstStyle/>
+          <a:p>
+            <a:r>
+              <a:rPr lang="de-DE" dirty="0" smtClean="0"/>
+              <a:t>Implementierung – Beispiel UFM</a:t>
+            </a:r>
+            <a:endParaRPr lang="bg-BG" dirty="0"/>
+          </a:p>
+        </p:txBody>
+      </p:sp>
+      <p:graphicFrame>
+        <p:nvGraphicFramePr>
+          <p:cNvPr id="5122" name="Object 2"/>
+          <p:cNvGraphicFramePr>
+            <a:graphicFrameLocks noChangeAspect="1"/>
+          </p:cNvGraphicFramePr>
+          <p:nvPr/>
+        </p:nvGraphicFramePr>
+        <p:xfrm>
+          <a:off x="571472" y="2000240"/>
+          <a:ext cx="8029575" cy="2505075"/>
+        </p:xfrm>
+        <a:graphic>
+          <a:graphicData uri="http://schemas.openxmlformats.org/presentationml/2006/ole">
+            <p:oleObj spid="_x0000_s5122" name="Visio" r:id="rId3" imgW="8029604" imgH="2505178" progId="Visio.Drawing.15">
+              <p:embed/>
+            </p:oleObj>
+          </a:graphicData>
+        </a:graphic>
+      </p:graphicFrame>
+    </p:spTree>
+  </p:cSld>
+  <p:clrMapOvr>
+    <a:masterClrMapping/>
+  </p:clrMapOvr>
+</p:sld>
+</file>
+
+<file path=ppt/slides/slide19.xml><?xml version="1.0" encoding="utf-8"?>
+<p:sld xmlns:a="http://schemas.openxmlformats.org/drawingml/2006/main" xmlns:r="http://schemas.openxmlformats.org/officeDocument/2006/relationships" xmlns:p="http://schemas.openxmlformats.org/presentationml/2006/main">
+  <p:cSld>
+    <p:spTree>
+      <p:nvGrpSpPr>
+        <p:cNvPr id="1" name=""/>
+        <p:cNvGrpSpPr/>
+        <p:nvPr/>
+      </p:nvGrpSpPr>
+      <p:grpSpPr>
+        <a:xfrm>
+          <a:off x="0" y="0"/>
+          <a:ext cx="0" cy="0"/>
+          <a:chOff x="0" y="0"/>
+          <a:chExt cx="0" cy="0"/>
+        </a:xfrm>
+      </p:grpSpPr>
+      <p:sp>
+        <p:nvSpPr>
+          <p:cNvPr id="2" name="Text Placeholder 1"/>
+          <p:cNvSpPr>
+            <a:spLocks noGrp="1"/>
+          </p:cNvSpPr>
+          <p:nvPr>
+            <p:ph type="body" sz="quarter" idx="10"/>
+          </p:nvPr>
+        </p:nvSpPr>
+        <p:spPr/>
+        <p:txBody>
+          <a:bodyPr/>
+          <a:lstStyle/>
+          <a:p>
+            <a:r>
+              <a:rPr lang="de-DE" dirty="0" smtClean="0"/>
+              <a:t>Java, Maven, Junit, EMF, Guava</a:t>
+            </a:r>
+          </a:p>
+          <a:p>
+            <a:r>
+              <a:rPr lang="de-DE" dirty="0" smtClean="0"/>
+              <a:t>Warum?</a:t>
+            </a:r>
+          </a:p>
+          <a:p>
+            <a:pPr lvl="1"/>
+            <a:r>
+              <a:rPr lang="de-DE" dirty="0" smtClean="0"/>
+              <a:t>Standardtechnologien</a:t>
+            </a:r>
+          </a:p>
+          <a:p>
+            <a:pPr lvl="1"/>
+            <a:r>
+              <a:rPr lang="de-DE" dirty="0" smtClean="0"/>
+              <a:t>Verbreitete Akzeptanz</a:t>
+            </a:r>
+          </a:p>
+          <a:p>
+            <a:pPr lvl="1"/>
+            <a:r>
+              <a:rPr lang="de-DE" dirty="0" smtClean="0"/>
+              <a:t>Erfahrung</a:t>
+            </a:r>
+          </a:p>
+          <a:p>
+            <a:r>
+              <a:rPr lang="de-DE" dirty="0" smtClean="0"/>
+              <a:t>Zielarchitektur:</a:t>
+            </a:r>
+          </a:p>
+          <a:p>
+            <a:pPr lvl="1"/>
+            <a:r>
+              <a:rPr lang="de-DE" dirty="0" smtClean="0"/>
+              <a:t>Max reusability</a:t>
+            </a:r>
+          </a:p>
+          <a:p>
+            <a:pPr lvl="1"/>
+            <a:r>
+              <a:rPr lang="de-DE" dirty="0" smtClean="0"/>
+              <a:t>Max flexibility (loose coupling)</a:t>
+            </a:r>
+          </a:p>
+          <a:p>
+            <a:pPr lvl="1"/>
+            <a:r>
+              <a:rPr lang="de-DE" dirty="0" smtClean="0"/>
+              <a:t>Min maintenance effort</a:t>
+            </a:r>
+          </a:p>
+          <a:p>
+            <a:pPr lvl="1"/>
+            <a:r>
+              <a:rPr lang="de-DE" dirty="0" smtClean="0"/>
+              <a:t>Patterns!</a:t>
+            </a:r>
+          </a:p>
+        </p:txBody>
+      </p:sp>
+      <p:sp>
+        <p:nvSpPr>
+          <p:cNvPr id="3" name="Title 2"/>
+          <p:cNvSpPr>
+            <a:spLocks noGrp="1"/>
+          </p:cNvSpPr>
+          <p:nvPr>
+            <p:ph type="title"/>
+          </p:nvPr>
+        </p:nvSpPr>
+        <p:spPr/>
+        <p:txBody>
+          <a:bodyPr/>
+          <a:lstStyle/>
+          <a:p>
+            <a:r>
+              <a:rPr lang="de-DE" dirty="0" smtClean="0"/>
+              <a:t>Implementierung – Technische Aspekte</a:t>
+            </a:r>
+            <a:endParaRPr lang="bg-BG" dirty="0"/>
+          </a:p>
+        </p:txBody>
+      </p:sp>
+    </p:spTree>
+  </p:cSld>
+  <p:clrMapOvr>
+    <a:masterClrMapping/>
+  </p:clrMapOvr>
+</p:sld>
+</file>
+
+<file path=ppt/slides/slide2.xml><?xml version="1.0" encoding="utf-8"?>
+<p:sld xmlns:a="http://schemas.openxmlformats.org/drawingml/2006/main" xmlns:r="http://schemas.openxmlformats.org/officeDocument/2006/relationships" xmlns:p="http://schemas.openxmlformats.org/presentationml/2006/main">
+  <p:cSld>
+    <p:spTree>
+      <p:nvGrpSpPr>
+        <p:cNvPr id="1" name=""/>
+        <p:cNvGrpSpPr/>
+        <p:nvPr/>
+      </p:nvGrpSpPr>
+      <p:grpSpPr>
+        <a:xfrm>
+          <a:off x="0" y="0"/>
+          <a:ext cx="0" cy="0"/>
+          <a:chOff x="0" y="0"/>
+          <a:chExt cx="0" cy="0"/>
+        </a:xfrm>
+      </p:grpSpPr>
+      <p:sp>
+        <p:nvSpPr>
           <p:cNvPr id="3" name="Titel 2"/>
           <p:cNvSpPr>
             <a:spLocks noGrp="1"/>
@@ -3044,10 +3672,362 @@
             <p:ph type="title"/>
           </p:nvPr>
         </p:nvSpPr>
+        <p:spPr/>
+        <p:txBody>
+          <a:bodyPr/>
+          <a:lstStyle/>
+          <a:p>
+            <a:r>
+              <a:rPr lang="de-DE" dirty="0" smtClean="0"/>
+              <a:t>Motivation</a:t>
+            </a:r>
+            <a:endParaRPr lang="de-DE" dirty="0"/>
+          </a:p>
+        </p:txBody>
+      </p:sp>
+      <p:sp>
+        <p:nvSpPr>
+          <p:cNvPr id="10" name="TextBox 9"/>
+          <p:cNvSpPr txBox="1"/>
+          <p:nvPr/>
+        </p:nvSpPr>
         <p:spPr>
           <a:xfrm>
-            <a:off x="250825" y="195526"/>
-            <a:ext cx="8031163" cy="600164"/>
+            <a:off x="714348" y="1000108"/>
+            <a:ext cx="7143800" cy="707886"/>
+          </a:xfrm>
+          <a:prstGeom prst="rect">
+            <a:avLst/>
+          </a:prstGeom>
+          <a:noFill/>
+        </p:spPr>
+        <p:txBody>
+          <a:bodyPr wrap="square" rtlCol="0">
+            <a:spAutoFit/>
+          </a:bodyPr>
+          <a:lstStyle/>
+          <a:p>
+            <a:r>
+              <a:rPr lang="de-DE" dirty="0" smtClean="0"/>
+              <a:t>BR macht schon. PSSycle Example</a:t>
+            </a:r>
+          </a:p>
+          <a:p>
+            <a:endParaRPr lang="bg-BG" dirty="0"/>
+          </a:p>
+        </p:txBody>
+      </p:sp>
+    </p:spTree>
+  </p:cSld>
+  <p:clrMapOvr>
+    <a:masterClrMapping/>
+  </p:clrMapOvr>
+  <p:timing>
+    <p:tnLst>
+      <p:par>
+        <p:cTn id="1" dur="indefinite" restart="never" nodeType="tmRoot"/>
+      </p:par>
+    </p:tnLst>
+  </p:timing>
+</p:sld>
+</file>
+
+<file path=ppt/slides/slide20.xml><?xml version="1.0" encoding="utf-8"?>
+<p:sld xmlns:a="http://schemas.openxmlformats.org/drawingml/2006/main" xmlns:r="http://schemas.openxmlformats.org/officeDocument/2006/relationships" xmlns:p="http://schemas.openxmlformats.org/presentationml/2006/main">
+  <p:cSld>
+    <p:spTree>
+      <p:nvGrpSpPr>
+        <p:cNvPr id="1" name=""/>
+        <p:cNvGrpSpPr/>
+        <p:nvPr/>
+      </p:nvGrpSpPr>
+      <p:grpSpPr>
+        <a:xfrm>
+          <a:off x="0" y="0"/>
+          <a:ext cx="0" cy="0"/>
+          <a:chOff x="0" y="0"/>
+          <a:chExt cx="0" cy="0"/>
+        </a:xfrm>
+      </p:grpSpPr>
+      <p:sp>
+        <p:nvSpPr>
+          <p:cNvPr id="2" name="Textplatzhalter 1"/>
+          <p:cNvSpPr>
+            <a:spLocks noGrp="1"/>
+          </p:cNvSpPr>
+          <p:nvPr>
+            <p:ph type="body" sz="quarter" idx="10"/>
+          </p:nvPr>
+        </p:nvSpPr>
+        <p:spPr/>
+        <p:txBody>
+          <a:bodyPr/>
+          <a:lstStyle/>
+          <a:p>
+            <a:r>
+              <a:rPr lang="de-DE" dirty="0" smtClean="0"/>
+              <a:t>Motivation</a:t>
+            </a:r>
+          </a:p>
+          <a:p>
+            <a:r>
+              <a:rPr lang="de-DE" dirty="0" smtClean="0"/>
+              <a:t>Forschungsrichtungen</a:t>
+            </a:r>
+          </a:p>
+          <a:p>
+            <a:r>
+              <a:rPr lang="de-DE" dirty="0" smtClean="0"/>
+              <a:t>Transformationen</a:t>
+            </a:r>
+          </a:p>
+          <a:p>
+            <a:r>
+              <a:rPr lang="de-DE" b="1" dirty="0" smtClean="0"/>
+              <a:t>Visualisierung</a:t>
+            </a:r>
+          </a:p>
+          <a:p>
+            <a:r>
+              <a:rPr lang="de-DE" dirty="0" smtClean="0"/>
+              <a:t>Ergebnisse</a:t>
+            </a:r>
+          </a:p>
+          <a:p>
+            <a:r>
+              <a:rPr lang="de-DE" dirty="0" smtClean="0"/>
+              <a:t>DEMO</a:t>
+            </a:r>
+          </a:p>
+          <a:p>
+            <a:r>
+              <a:rPr lang="de-DE" dirty="0" smtClean="0"/>
+              <a:t>Ausblick</a:t>
+            </a:r>
+          </a:p>
+          <a:p>
+            <a:endParaRPr lang="de-DE" dirty="0"/>
+          </a:p>
+        </p:txBody>
+      </p:sp>
+      <p:sp>
+        <p:nvSpPr>
+          <p:cNvPr id="3" name="Titel 2"/>
+          <p:cNvSpPr>
+            <a:spLocks noGrp="1"/>
+          </p:cNvSpPr>
+          <p:nvPr>
+            <p:ph type="title"/>
+          </p:nvPr>
+        </p:nvSpPr>
+        <p:spPr/>
+        <p:txBody>
+          <a:bodyPr/>
+          <a:lstStyle/>
+          <a:p>
+            <a:r>
+              <a:rPr lang="de-DE" dirty="0" smtClean="0"/>
+              <a:t>Agenda</a:t>
+            </a:r>
+            <a:endParaRPr lang="de-DE" dirty="0"/>
+          </a:p>
+        </p:txBody>
+      </p:sp>
+    </p:spTree>
+  </p:cSld>
+  <p:clrMapOvr>
+    <a:masterClrMapping/>
+  </p:clrMapOvr>
+  <p:timing>
+    <p:tnLst>
+      <p:par>
+        <p:cTn id="1" dur="indefinite" restart="never" nodeType="tmRoot"/>
+      </p:par>
+    </p:tnLst>
+  </p:timing>
+</p:sld>
+</file>
+
+<file path=ppt/slides/slide21.xml><?xml version="1.0" encoding="utf-8"?>
+<p:sld xmlns:a="http://schemas.openxmlformats.org/drawingml/2006/main" xmlns:r="http://schemas.openxmlformats.org/officeDocument/2006/relationships" xmlns:p="http://schemas.openxmlformats.org/presentationml/2006/main">
+  <p:cSld>
+    <p:spTree>
+      <p:nvGrpSpPr>
+        <p:cNvPr id="1" name=""/>
+        <p:cNvGrpSpPr/>
+        <p:nvPr/>
+      </p:nvGrpSpPr>
+      <p:grpSpPr>
+        <a:xfrm>
+          <a:off x="0" y="0"/>
+          <a:ext cx="0" cy="0"/>
+          <a:chOff x="0" y="0"/>
+          <a:chExt cx="0" cy="0"/>
+        </a:xfrm>
+      </p:grpSpPr>
+      <p:sp>
+        <p:nvSpPr>
+          <p:cNvPr id="2" name="Textplatzhalter 1"/>
+          <p:cNvSpPr>
+            <a:spLocks noGrp="1"/>
+          </p:cNvSpPr>
+          <p:nvPr>
+            <p:ph type="body" sz="quarter" idx="10"/>
+          </p:nvPr>
+        </p:nvSpPr>
+        <p:spPr/>
+        <p:txBody>
+          <a:bodyPr/>
+          <a:lstStyle/>
+          <a:p>
+            <a:r>
+              <a:rPr lang="de-DE" dirty="0" smtClean="0"/>
+              <a:t>Ziele</a:t>
+            </a:r>
+          </a:p>
+          <a:p>
+            <a:r>
+              <a:rPr lang="de-DE" dirty="0" smtClean="0"/>
+              <a:t>Realisierung der Ziele</a:t>
+            </a:r>
+          </a:p>
+          <a:p>
+            <a:r>
+              <a:rPr lang="de-DE" dirty="0" smtClean="0"/>
+              <a:t>Technische Grundlagen</a:t>
+            </a:r>
+          </a:p>
+          <a:p>
+            <a:r>
+              <a:rPr lang="de-DE" dirty="0" smtClean="0"/>
+              <a:t>Implementierung</a:t>
+            </a:r>
+          </a:p>
+          <a:p>
+            <a:pPr lvl="1"/>
+            <a:r>
+              <a:rPr lang="de-DE" dirty="0" smtClean="0"/>
+              <a:t>Architektur </a:t>
+            </a:r>
+            <a:r>
+              <a:rPr lang="de-DE" dirty="0" err="1" smtClean="0"/>
+              <a:t>Viz</a:t>
+            </a:r>
+            <a:r>
+              <a:rPr lang="de-DE" dirty="0" smtClean="0"/>
+              <a:t>-Modell</a:t>
+            </a:r>
+          </a:p>
+          <a:p>
+            <a:pPr lvl="1"/>
+            <a:r>
+              <a:rPr lang="de-DE" dirty="0"/>
+              <a:t>Einlesen von </a:t>
+            </a:r>
+            <a:r>
+              <a:rPr lang="de-DE" dirty="0" smtClean="0"/>
+              <a:t>Daten</a:t>
+            </a:r>
+            <a:endParaRPr lang="de-DE" dirty="0"/>
+          </a:p>
+          <a:p>
+            <a:pPr lvl="1"/>
+            <a:r>
+              <a:rPr lang="de-DE" dirty="0"/>
+              <a:t>Grafische </a:t>
+            </a:r>
+            <a:r>
+              <a:rPr lang="de-DE" dirty="0" smtClean="0"/>
+              <a:t>Darstellung</a:t>
+            </a:r>
+          </a:p>
+          <a:p>
+            <a:pPr lvl="1"/>
+            <a:r>
+              <a:rPr lang="de-DE" dirty="0" err="1" smtClean="0"/>
+              <a:t>GraphView</a:t>
+            </a:r>
+            <a:endParaRPr lang="de-DE" dirty="0"/>
+          </a:p>
+          <a:p>
+            <a:pPr lvl="1"/>
+            <a:r>
+              <a:rPr lang="de-DE" dirty="0" err="1" smtClean="0"/>
+              <a:t>MatrixView</a:t>
+            </a:r>
+            <a:endParaRPr lang="de-DE" dirty="0" smtClean="0"/>
+          </a:p>
+        </p:txBody>
+      </p:sp>
+      <p:sp>
+        <p:nvSpPr>
+          <p:cNvPr id="3" name="Titel 2"/>
+          <p:cNvSpPr>
+            <a:spLocks noGrp="1"/>
+          </p:cNvSpPr>
+          <p:nvPr>
+            <p:ph type="title"/>
+          </p:nvPr>
+        </p:nvSpPr>
+        <p:spPr/>
+        <p:txBody>
+          <a:bodyPr/>
+          <a:lstStyle/>
+          <a:p>
+            <a:r>
+              <a:rPr lang="de-DE" dirty="0" smtClean="0"/>
+              <a:t>Visualisierung</a:t>
+            </a:r>
+            <a:endParaRPr lang="de-DE" dirty="0"/>
+          </a:p>
+        </p:txBody>
+      </p:sp>
+    </p:spTree>
+  </p:cSld>
+  <p:clrMapOvr>
+    <a:masterClrMapping/>
+  </p:clrMapOvr>
+  <p:timing>
+    <p:tnLst>
+      <p:par>
+        <p:cTn id="1" dur="indefinite" restart="never" nodeType="tmRoot"/>
+      </p:par>
+    </p:tnLst>
+  </p:timing>
+</p:sld>
+</file>
+
+<file path=ppt/slides/slide22.xml><?xml version="1.0" encoding="utf-8"?>
+<p:sld xmlns:a="http://schemas.openxmlformats.org/drawingml/2006/main" xmlns:r="http://schemas.openxmlformats.org/officeDocument/2006/relationships" xmlns:p="http://schemas.openxmlformats.org/presentationml/2006/main">
+  <p:cSld>
+    <p:spTree>
+      <p:nvGrpSpPr>
+        <p:cNvPr id="1" name=""/>
+        <p:cNvGrpSpPr/>
+        <p:nvPr/>
+      </p:nvGrpSpPr>
+      <p:grpSpPr>
+        <a:xfrm>
+          <a:off x="0" y="0"/>
+          <a:ext cx="0" cy="0"/>
+          <a:chOff x="0" y="0"/>
+          <a:chExt cx="0" cy="0"/>
+        </a:xfrm>
+      </p:grpSpPr>
+      <p:sp>
+        <p:nvSpPr>
+          <p:cNvPr id="2" name="Textplatzhalter 1"/>
+          <p:cNvSpPr>
+            <a:spLocks noGrp="1"/>
+          </p:cNvSpPr>
+          <p:nvPr>
+            <p:ph type="body" sz="quarter" idx="10"/>
+          </p:nvPr>
+        </p:nvSpPr>
+        <p:spPr>
+          <a:xfrm>
+            <a:off x="250824" y="933450"/>
+            <a:ext cx="8031164" cy="4495813"/>
           </a:xfrm>
         </p:spPr>
         <p:txBody>
@@ -3055,25 +4035,53 @@
           <a:lstStyle/>
           <a:p>
             <a:r>
-              <a:rPr lang="de-DE" dirty="0" smtClean="0"/>
-              <a:t>Implementierung</a:t>
-            </a:r>
-            <a:br>
-              <a:rPr lang="de-DE" dirty="0" smtClean="0"/>
-            </a:br>
-            <a:r>
-              <a:rPr lang="de-DE" sz="1400" b="0" dirty="0" smtClean="0"/>
-              <a:t>Architektur </a:t>
-            </a:r>
-            <a:r>
-              <a:rPr lang="de-DE" sz="1400" b="0" dirty="0" err="1" smtClean="0"/>
-              <a:t>Viz</a:t>
-            </a:r>
-            <a:r>
-              <a:rPr lang="de-DE" sz="1400" b="0" dirty="0" smtClean="0"/>
-              <a:t>-Modell</a:t>
-            </a:r>
-            <a:endParaRPr lang="de-DE" sz="1400" b="0" dirty="0"/>
+              <a:rPr lang="de-DE" dirty="0"/>
+              <a:t>Import und Export aus verschiedenen Quellformaten</a:t>
+            </a:r>
+          </a:p>
+          <a:p>
+            <a:r>
+              <a:rPr lang="de-DE" dirty="0"/>
+              <a:t>Visualisierung des Gesamtmodells</a:t>
+            </a:r>
+          </a:p>
+          <a:p>
+            <a:r>
+              <a:rPr lang="de-DE" dirty="0"/>
+              <a:t>Bearbeitung des Gesamtmodells</a:t>
+            </a:r>
+          </a:p>
+          <a:p>
+            <a:r>
+              <a:rPr lang="de-DE" dirty="0"/>
+              <a:t>Analysen auf dem Gesamtmodell</a:t>
+            </a:r>
+          </a:p>
+          <a:p>
+            <a:endParaRPr lang="de-DE" dirty="0"/>
+          </a:p>
+        </p:txBody>
+      </p:sp>
+      <p:sp>
+        <p:nvSpPr>
+          <p:cNvPr id="3" name="Titel 2"/>
+          <p:cNvSpPr>
+            <a:spLocks noGrp="1"/>
+          </p:cNvSpPr>
+          <p:nvPr>
+            <p:ph type="title"/>
+          </p:nvPr>
+        </p:nvSpPr>
+        <p:spPr/>
+        <p:txBody>
+          <a:bodyPr/>
+          <a:lstStyle/>
+          <a:p>
+            <a:r>
+              <a:rPr lang="de-DE" dirty="0" smtClean="0"/>
+              <a:t>Ziele</a:t>
+            </a:r>
+            <a:endParaRPr lang="de-DE" dirty="0"/>
           </a:p>
         </p:txBody>
       </p:sp>
@@ -3086,7 +4094,412 @@
           <p:nvPr/>
         </p:nvPicPr>
         <p:blipFill>
-          <a:blip r:embed="rId2"/>
+          <a:blip r:embed="rId2" cstate="print"/>
+          <a:stretch>
+            <a:fillRect/>
+          </a:stretch>
+        </p:blipFill>
+        <p:spPr>
+          <a:xfrm>
+            <a:off x="2987824" y="2412198"/>
+            <a:ext cx="5291738" cy="3396495"/>
+          </a:xfrm>
+          <a:prstGeom prst="rect">
+            <a:avLst/>
+          </a:prstGeom>
+        </p:spPr>
+      </p:pic>
+    </p:spTree>
+  </p:cSld>
+  <p:clrMapOvr>
+    <a:masterClrMapping/>
+  </p:clrMapOvr>
+  <p:timing>
+    <p:tnLst>
+      <p:par>
+        <p:cTn id="1" dur="indefinite" restart="never" nodeType="tmRoot"/>
+      </p:par>
+    </p:tnLst>
+  </p:timing>
+</p:sld>
+</file>
+
+<file path=ppt/slides/slide23.xml><?xml version="1.0" encoding="utf-8"?>
+<p:sld xmlns:a="http://schemas.openxmlformats.org/drawingml/2006/main" xmlns:r="http://schemas.openxmlformats.org/officeDocument/2006/relationships" xmlns:p="http://schemas.openxmlformats.org/presentationml/2006/main">
+  <p:cSld>
+    <p:spTree>
+      <p:nvGrpSpPr>
+        <p:cNvPr id="1" name=""/>
+        <p:cNvGrpSpPr/>
+        <p:nvPr/>
+      </p:nvGrpSpPr>
+      <p:grpSpPr>
+        <a:xfrm>
+          <a:off x="0" y="0"/>
+          <a:ext cx="0" cy="0"/>
+          <a:chOff x="0" y="0"/>
+          <a:chExt cx="0" cy="0"/>
+        </a:xfrm>
+      </p:grpSpPr>
+      <p:sp>
+        <p:nvSpPr>
+          <p:cNvPr id="2" name="Textplatzhalter 1"/>
+          <p:cNvSpPr>
+            <a:spLocks noGrp="1"/>
+          </p:cNvSpPr>
+          <p:nvPr>
+            <p:ph type="body" sz="quarter" idx="10"/>
+          </p:nvPr>
+        </p:nvSpPr>
+        <p:spPr>
+          <a:xfrm>
+            <a:off x="250824" y="933450"/>
+            <a:ext cx="8031164" cy="4495813"/>
+          </a:xfrm>
+        </p:spPr>
+        <p:txBody>
+          <a:bodyPr/>
+          <a:lstStyle/>
+          <a:p>
+            <a:r>
+              <a:rPr lang="de-DE" dirty="0"/>
+              <a:t>Import und Export aus verschiedenen Quellformaten</a:t>
+            </a:r>
+          </a:p>
+          <a:p>
+            <a:pPr lvl="1"/>
+            <a:r>
+              <a:rPr lang="de-DE" dirty="0"/>
+              <a:t>Automatischer Import &amp; Export mit PSS-IF Transform</a:t>
+            </a:r>
+          </a:p>
+          <a:p>
+            <a:r>
+              <a:rPr lang="de-DE" dirty="0"/>
+              <a:t>Visualisierung des Gesamtmodells</a:t>
+            </a:r>
+          </a:p>
+          <a:p>
+            <a:pPr lvl="1"/>
+            <a:r>
+              <a:rPr lang="de-DE" dirty="0"/>
+              <a:t>Unterschiedliche Visualisierungen der Elemente  (Farbe, Form, Inhalt)</a:t>
+            </a:r>
+          </a:p>
+          <a:p>
+            <a:pPr lvl="1"/>
+            <a:r>
+              <a:rPr lang="de-DE" dirty="0"/>
+              <a:t>Verschiedene Ansichten auf das Modell (Graph, Matrix)</a:t>
+            </a:r>
+          </a:p>
+          <a:p>
+            <a:r>
+              <a:rPr lang="de-DE" dirty="0"/>
+              <a:t>Bearbeitung des Gesamtmodells</a:t>
+            </a:r>
+          </a:p>
+          <a:p>
+            <a:pPr lvl="1"/>
+            <a:r>
+              <a:rPr lang="de-DE" dirty="0"/>
+              <a:t>Modifikation der Element Attribute</a:t>
+            </a:r>
+          </a:p>
+          <a:p>
+            <a:pPr lvl="1"/>
+            <a:r>
+              <a:rPr lang="de-DE" dirty="0"/>
+              <a:t>Einfaches Einfügen und Löschen von Elementen</a:t>
+            </a:r>
+          </a:p>
+          <a:p>
+            <a:r>
+              <a:rPr lang="de-DE" dirty="0"/>
+              <a:t>Analysen auf dem Gesamtmodell</a:t>
+            </a:r>
+          </a:p>
+          <a:p>
+            <a:pPr lvl="1"/>
+            <a:r>
+              <a:rPr lang="de-DE" dirty="0"/>
+              <a:t>Hervorheben von Zusammenhängen</a:t>
+            </a:r>
+          </a:p>
+          <a:p>
+            <a:pPr lvl="1"/>
+            <a:r>
+              <a:rPr lang="de-DE" dirty="0"/>
+              <a:t>Filtern </a:t>
+            </a:r>
+            <a:r>
+              <a:rPr lang="de-DE" dirty="0" smtClean="0"/>
+              <a:t>mittels </a:t>
+            </a:r>
+            <a:r>
+              <a:rPr lang="de-DE" dirty="0"/>
+              <a:t>Attribute und Elementtypen</a:t>
+            </a:r>
+          </a:p>
+          <a:p>
+            <a:endParaRPr lang="de-DE" dirty="0"/>
+          </a:p>
+        </p:txBody>
+      </p:sp>
+      <p:sp>
+        <p:nvSpPr>
+          <p:cNvPr id="3" name="Titel 2"/>
+          <p:cNvSpPr>
+            <a:spLocks noGrp="1"/>
+          </p:cNvSpPr>
+          <p:nvPr>
+            <p:ph type="title"/>
+          </p:nvPr>
+        </p:nvSpPr>
+        <p:spPr/>
+        <p:txBody>
+          <a:bodyPr/>
+          <a:lstStyle/>
+          <a:p>
+            <a:r>
+              <a:rPr lang="de-DE" dirty="0" smtClean="0"/>
+              <a:t>Realisierung der Ziele</a:t>
+            </a:r>
+            <a:endParaRPr lang="de-DE" dirty="0"/>
+          </a:p>
+        </p:txBody>
+      </p:sp>
+    </p:spTree>
+  </p:cSld>
+  <p:clrMapOvr>
+    <a:masterClrMapping/>
+  </p:clrMapOvr>
+  <p:timing>
+    <p:tnLst>
+      <p:par>
+        <p:cTn id="1" dur="indefinite" restart="never" nodeType="tmRoot"/>
+      </p:par>
+    </p:tnLst>
+  </p:timing>
+</p:sld>
+</file>
+
+<file path=ppt/slides/slide24.xml><?xml version="1.0" encoding="utf-8"?>
+<p:sld xmlns:a="http://schemas.openxmlformats.org/drawingml/2006/main" xmlns:r="http://schemas.openxmlformats.org/officeDocument/2006/relationships" xmlns:p="http://schemas.openxmlformats.org/presentationml/2006/main">
+  <p:cSld>
+    <p:spTree>
+      <p:nvGrpSpPr>
+        <p:cNvPr id="1" name=""/>
+        <p:cNvGrpSpPr/>
+        <p:nvPr/>
+      </p:nvGrpSpPr>
+      <p:grpSpPr>
+        <a:xfrm>
+          <a:off x="0" y="0"/>
+          <a:ext cx="0" cy="0"/>
+          <a:chOff x="0" y="0"/>
+          <a:chExt cx="0" cy="0"/>
+        </a:xfrm>
+      </p:grpSpPr>
+      <p:sp>
+        <p:nvSpPr>
+          <p:cNvPr id="2" name="Textplatzhalter 1"/>
+          <p:cNvSpPr>
+            <a:spLocks noGrp="1"/>
+          </p:cNvSpPr>
+          <p:nvPr>
+            <p:ph type="body" sz="quarter" idx="10"/>
+          </p:nvPr>
+        </p:nvSpPr>
+        <p:spPr>
+          <a:xfrm>
+            <a:off x="250824" y="933450"/>
+            <a:ext cx="8031164" cy="4495813"/>
+          </a:xfrm>
+        </p:spPr>
+        <p:txBody>
+          <a:bodyPr/>
+          <a:lstStyle/>
+          <a:p>
+            <a:r>
+              <a:rPr lang="de-DE" dirty="0"/>
+              <a:t>PSS-IF Core</a:t>
+            </a:r>
+          </a:p>
+          <a:p>
+            <a:pPr lvl="1"/>
+            <a:r>
+              <a:rPr lang="de-DE" dirty="0"/>
+              <a:t>Modellierungssprache des Gesamtmodells</a:t>
+            </a:r>
+          </a:p>
+          <a:p>
+            <a:pPr lvl="1"/>
+            <a:r>
+              <a:rPr lang="de-DE" dirty="0"/>
+              <a:t>Stellt Metamodell und Modell bereit</a:t>
+            </a:r>
+          </a:p>
+          <a:p>
+            <a:r>
+              <a:rPr lang="de-DE" dirty="0"/>
+              <a:t>PSS-IF Transform</a:t>
+            </a:r>
+          </a:p>
+          <a:p>
+            <a:pPr lvl="1"/>
+            <a:r>
+              <a:rPr lang="de-DE" dirty="0"/>
+              <a:t>Transformiert das Eingabeformat zu einem PSS-IF Modell</a:t>
+            </a:r>
+          </a:p>
+          <a:p>
+            <a:pPr lvl="1"/>
+            <a:r>
+              <a:rPr lang="de-DE" dirty="0"/>
+              <a:t>Transformiert das PSS-IF Modell in ein Ausgabemodell</a:t>
+            </a:r>
+          </a:p>
+          <a:p>
+            <a:r>
+              <a:rPr lang="de-DE" dirty="0"/>
+              <a:t>Jung2 Framework</a:t>
+            </a:r>
+          </a:p>
+          <a:p>
+            <a:pPr lvl="1"/>
+            <a:r>
+              <a:rPr lang="de-DE" dirty="0"/>
+              <a:t>Framework zur Visualisierung von Graphen und Netzwerken</a:t>
+            </a:r>
+          </a:p>
+          <a:p>
+            <a:pPr lvl="1"/>
+            <a:r>
+              <a:rPr lang="de-DE" dirty="0"/>
+              <a:t>Open Source</a:t>
+            </a:r>
+          </a:p>
+          <a:p>
+            <a:endParaRPr lang="de-DE" dirty="0" smtClean="0"/>
+          </a:p>
+          <a:p>
+            <a:r>
+              <a:rPr lang="de-DE" dirty="0" smtClean="0"/>
+              <a:t>? Kann wohl gestrichen werden</a:t>
+            </a:r>
+            <a:endParaRPr lang="de-DE" dirty="0"/>
+          </a:p>
+        </p:txBody>
+      </p:sp>
+      <p:sp>
+        <p:nvSpPr>
+          <p:cNvPr id="3" name="Titel 2"/>
+          <p:cNvSpPr>
+            <a:spLocks noGrp="1"/>
+          </p:cNvSpPr>
+          <p:nvPr>
+            <p:ph type="title"/>
+          </p:nvPr>
+        </p:nvSpPr>
+        <p:spPr/>
+        <p:txBody>
+          <a:bodyPr/>
+          <a:lstStyle/>
+          <a:p>
+            <a:r>
+              <a:rPr lang="de-DE" dirty="0" smtClean="0"/>
+              <a:t>Technische Grundlagen</a:t>
+            </a:r>
+            <a:endParaRPr lang="de-DE" dirty="0"/>
+          </a:p>
+        </p:txBody>
+      </p:sp>
+    </p:spTree>
+  </p:cSld>
+  <p:clrMapOvr>
+    <a:masterClrMapping/>
+  </p:clrMapOvr>
+  <p:timing>
+    <p:tnLst>
+      <p:par>
+        <p:cTn id="1" dur="indefinite" restart="never" nodeType="tmRoot"/>
+      </p:par>
+    </p:tnLst>
+  </p:timing>
+</p:sld>
+</file>
+
+<file path=ppt/slides/slide25.xml><?xml version="1.0" encoding="utf-8"?>
+<p:sld xmlns:a="http://schemas.openxmlformats.org/drawingml/2006/main" xmlns:r="http://schemas.openxmlformats.org/officeDocument/2006/relationships" xmlns:p="http://schemas.openxmlformats.org/presentationml/2006/main">
+  <p:cSld>
+    <p:spTree>
+      <p:nvGrpSpPr>
+        <p:cNvPr id="1" name=""/>
+        <p:cNvGrpSpPr/>
+        <p:nvPr/>
+      </p:nvGrpSpPr>
+      <p:grpSpPr>
+        <a:xfrm>
+          <a:off x="0" y="0"/>
+          <a:ext cx="0" cy="0"/>
+          <a:chOff x="0" y="0"/>
+          <a:chExt cx="0" cy="0"/>
+        </a:xfrm>
+      </p:grpSpPr>
+      <p:sp>
+        <p:nvSpPr>
+          <p:cNvPr id="3" name="Titel 2"/>
+          <p:cNvSpPr>
+            <a:spLocks noGrp="1"/>
+          </p:cNvSpPr>
+          <p:nvPr>
+            <p:ph type="title"/>
+          </p:nvPr>
+        </p:nvSpPr>
+        <p:spPr>
+          <a:xfrm>
+            <a:off x="250825" y="195526"/>
+            <a:ext cx="8031163" cy="600164"/>
+          </a:xfrm>
+        </p:spPr>
+        <p:txBody>
+          <a:bodyPr/>
+          <a:lstStyle/>
+          <a:p>
+            <a:r>
+              <a:rPr lang="de-DE" dirty="0" smtClean="0"/>
+              <a:t>Implementierung</a:t>
+            </a:r>
+            <a:br>
+              <a:rPr lang="de-DE" dirty="0" smtClean="0"/>
+            </a:br>
+            <a:r>
+              <a:rPr lang="de-DE" sz="1400" b="0" dirty="0" smtClean="0"/>
+              <a:t>Architektur </a:t>
+            </a:r>
+            <a:r>
+              <a:rPr lang="de-DE" sz="1400" b="0" dirty="0" err="1" smtClean="0"/>
+              <a:t>Viz</a:t>
+            </a:r>
+            <a:r>
+              <a:rPr lang="de-DE" sz="1400" b="0" dirty="0" smtClean="0"/>
+              <a:t>-Modell</a:t>
+            </a:r>
+            <a:endParaRPr lang="de-DE" sz="1400" b="0" dirty="0"/>
+          </a:p>
+        </p:txBody>
+      </p:sp>
+      <p:pic>
+        <p:nvPicPr>
+          <p:cNvPr id="4" name="Grafik 3"/>
+          <p:cNvPicPr>
+            <a:picLocks noChangeAspect="1"/>
+          </p:cNvPicPr>
+          <p:nvPr/>
+        </p:nvPicPr>
+        <p:blipFill>
+          <a:blip r:embed="rId2" cstate="print"/>
           <a:stretch>
             <a:fillRect/>
           </a:stretch>
@@ -3116,7 +4529,7 @@
 </p:sld>
 </file>
 
-<file path=ppt/slides/slide17.xml><?xml version="1.0" encoding="utf-8"?>
+<file path=ppt/slides/slide26.xml><?xml version="1.0" encoding="utf-8"?>
 <p:sld xmlns:a="http://schemas.openxmlformats.org/drawingml/2006/main" xmlns:r="http://schemas.openxmlformats.org/officeDocument/2006/relationships" xmlns:p="http://schemas.openxmlformats.org/presentationml/2006/main">
   <p:cSld>
     <p:spTree>
@@ -3177,7 +4590,7 @@
           <p:nvPr/>
         </p:nvPicPr>
         <p:blipFill>
-          <a:blip r:embed="rId2"/>
+          <a:blip r:embed="rId2" cstate="print"/>
           <a:stretch>
             <a:fillRect/>
           </a:stretch>
@@ -3195,7 +4608,7 @@
     </p:spTree>
     <p:extLst>
       <p:ext uri="{BB962C8B-B14F-4D97-AF65-F5344CB8AC3E}">
-        <p14:creationId xmlns:p14="http://schemas.microsoft.com/office/powerpoint/2010/main" val="427906190"/>
+        <p14:creationId xmlns:p14="http://schemas.microsoft.com/office/powerpoint/2010/main" xmlns="" val="427906190"/>
       </p:ext>
     </p:extLst>
   </p:cSld>
@@ -3212,7 +4625,7 @@
 </p:sld>
 </file>
 
-<file path=ppt/slides/slide18.xml><?xml version="1.0" encoding="utf-8"?>
+<file path=ppt/slides/slide27.xml><?xml version="1.0" encoding="utf-8"?>
 <p:sld xmlns:a="http://schemas.openxmlformats.org/drawingml/2006/main" xmlns:r="http://schemas.openxmlformats.org/officeDocument/2006/relationships" xmlns:p="http://schemas.openxmlformats.org/presentationml/2006/main">
   <p:cSld>
     <p:spTree>
@@ -3277,7 +4690,7 @@
           <p:nvPr/>
         </p:nvPicPr>
         <p:blipFill>
-          <a:blip r:embed="rId2"/>
+          <a:blip r:embed="rId2" cstate="print"/>
           <a:stretch>
             <a:fillRect/>
           </a:stretch>
@@ -3295,7 +4708,7 @@
     </p:spTree>
     <p:extLst>
       <p:ext uri="{BB962C8B-B14F-4D97-AF65-F5344CB8AC3E}">
-        <p14:creationId xmlns:p14="http://schemas.microsoft.com/office/powerpoint/2010/main" val="3871759119"/>
+        <p14:creationId xmlns:p14="http://schemas.microsoft.com/office/powerpoint/2010/main" xmlns="" val="3871759119"/>
       </p:ext>
     </p:extLst>
   </p:cSld>
@@ -3312,7 +4725,7 @@
 </p:sld>
 </file>
 
-<file path=ppt/slides/slide19.xml><?xml version="1.0" encoding="utf-8"?>
+<file path=ppt/slides/slide28.xml><?xml version="1.0" encoding="utf-8"?>
 <p:sld xmlns:a="http://schemas.openxmlformats.org/drawingml/2006/main" xmlns:r="http://schemas.openxmlformats.org/officeDocument/2006/relationships" xmlns:p="http://schemas.openxmlformats.org/presentationml/2006/main">
   <p:cSld>
     <p:spTree>
@@ -3377,7 +4790,7 @@
           <p:nvPr/>
         </p:nvPicPr>
         <p:blipFill>
-          <a:blip r:embed="rId2"/>
+          <a:blip r:embed="rId2" cstate="print"/>
           <a:stretch>
             <a:fillRect/>
           </a:stretch>
@@ -3401,7 +4814,7 @@
           <p:nvPr/>
         </p:nvPicPr>
         <p:blipFill>
-          <a:blip r:embed="rId3"/>
+          <a:blip r:embed="rId3" cstate="print"/>
           <a:stretch>
             <a:fillRect/>
           </a:stretch>
@@ -3425,7 +4838,7 @@
           <p:nvPr/>
         </p:nvPicPr>
         <p:blipFill>
-          <a:blip r:embed="rId4"/>
+          <a:blip r:embed="rId4" cstate="print"/>
           <a:stretch>
             <a:fillRect/>
           </a:stretch>
@@ -3856,1481 +5269,9 @@
     </p:spTree>
     <p:extLst>
       <p:ext uri="{BB962C8B-B14F-4D97-AF65-F5344CB8AC3E}">
-        <p14:creationId xmlns:p14="http://schemas.microsoft.com/office/powerpoint/2010/main" val="492424617"/>
+        <p14:creationId xmlns:p14="http://schemas.microsoft.com/office/powerpoint/2010/main" xmlns="" val="492424617"/>
       </p:ext>
     </p:extLst>
-  </p:cSld>
-  <p:clrMapOvr>
-    <a:masterClrMapping/>
-  </p:clrMapOvr>
-  <p:timing>
-    <p:tnLst>
-      <p:par>
-        <p:cTn id="1" dur="indefinite" restart="never" nodeType="tmRoot"/>
-      </p:par>
-    </p:tnLst>
-  </p:timing>
-</p:sld>
-</file>
-
-<file path=ppt/slides/slide2.xml><?xml version="1.0" encoding="utf-8"?>
-<p:sld xmlns:a="http://schemas.openxmlformats.org/drawingml/2006/main" xmlns:r="http://schemas.openxmlformats.org/officeDocument/2006/relationships" xmlns:p="http://schemas.openxmlformats.org/presentationml/2006/main">
-  <p:cSld>
-    <p:spTree>
-      <p:nvGrpSpPr>
-        <p:cNvPr id="1" name=""/>
-        <p:cNvGrpSpPr/>
-        <p:nvPr/>
-      </p:nvGrpSpPr>
-      <p:grpSpPr>
-        <a:xfrm>
-          <a:off x="0" y="0"/>
-          <a:ext cx="0" cy="0"/>
-          <a:chOff x="0" y="0"/>
-          <a:chExt cx="0" cy="0"/>
-        </a:xfrm>
-      </p:grpSpPr>
-      <p:sp>
-        <p:nvSpPr>
-          <p:cNvPr id="13" name="Smiley 12"/>
-          <p:cNvSpPr/>
-          <p:nvPr/>
-        </p:nvSpPr>
-        <p:spPr bwMode="auto">
-          <a:xfrm>
-            <a:off x="3923928" y="476672"/>
-            <a:ext cx="1872208" cy="1872208"/>
-          </a:xfrm>
-          <a:prstGeom prst="smileyFace">
-            <a:avLst/>
-          </a:prstGeom>
-          <a:noFill/>
-          <a:ln>
-            <a:headEnd type="none" w="sm" len="med"/>
-            <a:tailEnd type="none" w="med" len="med"/>
-          </a:ln>
-        </p:spPr>
-        <p:style>
-          <a:lnRef idx="2">
-            <a:schemeClr val="dk1"/>
-          </a:lnRef>
-          <a:fillRef idx="1">
-            <a:schemeClr val="lt1"/>
-          </a:fillRef>
-          <a:effectRef idx="0">
-            <a:schemeClr val="dk1"/>
-          </a:effectRef>
-          <a:fontRef idx="minor">
-            <a:schemeClr val="dk1"/>
-          </a:fontRef>
-        </p:style>
-        <p:txBody>
-          <a:bodyPr wrap="square" lIns="90000" tIns="46800" rIns="90000" bIns="46800" rtlCol="0" anchor="ctr">
-            <a:noAutofit/>
-          </a:bodyPr>
-          <a:lstStyle/>
-          <a:p>
-            <a:pPr algn="ctr" eaLnBrk="0" hangingPunct="0"/>
-            <a:r>
-              <a:rPr lang="de-DE" sz="1400" dirty="0" smtClean="0"/>
-              <a:t>Kunde</a:t>
-            </a:r>
-          </a:p>
-        </p:txBody>
-      </p:sp>
-      <p:sp>
-        <p:nvSpPr>
-          <p:cNvPr id="3" name="Titel 2"/>
-          <p:cNvSpPr>
-            <a:spLocks noGrp="1"/>
-          </p:cNvSpPr>
-          <p:nvPr>
-            <p:ph type="title"/>
-          </p:nvPr>
-        </p:nvSpPr>
-        <p:spPr/>
-        <p:txBody>
-          <a:bodyPr/>
-          <a:lstStyle/>
-          <a:p>
-            <a:r>
-              <a:rPr lang="de-DE" dirty="0" smtClean="0"/>
-              <a:t>Motivation</a:t>
-            </a:r>
-            <a:endParaRPr lang="de-DE" dirty="0"/>
-          </a:p>
-        </p:txBody>
-      </p:sp>
-      <p:sp>
-        <p:nvSpPr>
-          <p:cNvPr id="6" name="Rechteck 5"/>
-          <p:cNvSpPr/>
-          <p:nvPr/>
-        </p:nvSpPr>
-        <p:spPr bwMode="auto">
-          <a:xfrm>
-            <a:off x="5940152" y="2564904"/>
-            <a:ext cx="2448272" cy="1152128"/>
-          </a:xfrm>
-          <a:prstGeom prst="rect">
-            <a:avLst/>
-          </a:prstGeom>
-          <a:ln>
-            <a:headEnd type="none" w="med" len="med"/>
-            <a:tailEnd type="triangle" w="med" len="med"/>
-          </a:ln>
-        </p:spPr>
-        <p:style>
-          <a:lnRef idx="2">
-            <a:schemeClr val="dk1"/>
-          </a:lnRef>
-          <a:fillRef idx="1">
-            <a:schemeClr val="lt1"/>
-          </a:fillRef>
-          <a:effectRef idx="0">
-            <a:schemeClr val="dk1"/>
-          </a:effectRef>
-          <a:fontRef idx="minor">
-            <a:schemeClr val="dk1"/>
-          </a:fontRef>
-        </p:style>
-        <p:txBody>
-          <a:bodyPr wrap="square" lIns="90000" tIns="46800" rIns="90000" bIns="46800" rtlCol="0" anchor="ctr">
-            <a:noAutofit/>
-          </a:bodyPr>
-          <a:lstStyle/>
-          <a:p>
-            <a:pPr algn="ctr" eaLnBrk="0" hangingPunct="0"/>
-            <a:r>
-              <a:rPr lang="de-DE" sz="1600" dirty="0" smtClean="0"/>
-              <a:t>Mechanik</a:t>
-            </a:r>
-          </a:p>
-        </p:txBody>
-      </p:sp>
-      <p:sp>
-        <p:nvSpPr>
-          <p:cNvPr id="7" name="Rechteck 6"/>
-          <p:cNvSpPr/>
-          <p:nvPr/>
-        </p:nvSpPr>
-        <p:spPr bwMode="auto">
-          <a:xfrm>
-            <a:off x="971600" y="3861048"/>
-            <a:ext cx="2448272" cy="1152128"/>
-          </a:xfrm>
-          <a:prstGeom prst="rect">
-            <a:avLst/>
-          </a:prstGeom>
-          <a:ln>
-            <a:headEnd type="none" w="med" len="med"/>
-            <a:tailEnd type="triangle" w="med" len="med"/>
-          </a:ln>
-        </p:spPr>
-        <p:style>
-          <a:lnRef idx="2">
-            <a:schemeClr val="dk1"/>
-          </a:lnRef>
-          <a:fillRef idx="1">
-            <a:schemeClr val="lt1"/>
-          </a:fillRef>
-          <a:effectRef idx="0">
-            <a:schemeClr val="dk1"/>
-          </a:effectRef>
-          <a:fontRef idx="minor">
-            <a:schemeClr val="dk1"/>
-          </a:fontRef>
-        </p:style>
-        <p:txBody>
-          <a:bodyPr wrap="square" lIns="90000" tIns="46800" rIns="90000" bIns="46800" rtlCol="0" anchor="ctr">
-            <a:noAutofit/>
-          </a:bodyPr>
-          <a:lstStyle/>
-          <a:p>
-            <a:pPr algn="ctr" eaLnBrk="0" hangingPunct="0"/>
-            <a:r>
-              <a:rPr lang="de-DE" sz="1600" dirty="0" smtClean="0"/>
-              <a:t>Elektrotechnik</a:t>
-            </a:r>
-          </a:p>
-        </p:txBody>
-      </p:sp>
-      <p:sp>
-        <p:nvSpPr>
-          <p:cNvPr id="8" name="Rechteck 7"/>
-          <p:cNvSpPr/>
-          <p:nvPr/>
-        </p:nvSpPr>
-        <p:spPr bwMode="auto">
-          <a:xfrm>
-            <a:off x="4283968" y="4077072"/>
-            <a:ext cx="2448272" cy="1152128"/>
-          </a:xfrm>
-          <a:prstGeom prst="rect">
-            <a:avLst/>
-          </a:prstGeom>
-          <a:ln>
-            <a:headEnd type="none" w="med" len="med"/>
-            <a:tailEnd type="triangle" w="med" len="med"/>
-          </a:ln>
-        </p:spPr>
-        <p:style>
-          <a:lnRef idx="2">
-            <a:schemeClr val="dk1"/>
-          </a:lnRef>
-          <a:fillRef idx="1">
-            <a:schemeClr val="lt1"/>
-          </a:fillRef>
-          <a:effectRef idx="0">
-            <a:schemeClr val="dk1"/>
-          </a:effectRef>
-          <a:fontRef idx="minor">
-            <a:schemeClr val="dk1"/>
-          </a:fontRef>
-        </p:style>
-        <p:txBody>
-          <a:bodyPr wrap="square" lIns="90000" tIns="46800" rIns="90000" bIns="46800" rtlCol="0" anchor="ctr">
-            <a:noAutofit/>
-          </a:bodyPr>
-          <a:lstStyle/>
-          <a:p>
-            <a:pPr algn="ctr" eaLnBrk="0" hangingPunct="0"/>
-            <a:r>
-              <a:rPr lang="de-DE" sz="1600" dirty="0" smtClean="0"/>
-              <a:t>Informatik</a:t>
-            </a:r>
-          </a:p>
-        </p:txBody>
-      </p:sp>
-      <p:sp>
-        <p:nvSpPr>
-          <p:cNvPr id="9" name="Rechteck 8"/>
-          <p:cNvSpPr/>
-          <p:nvPr/>
-        </p:nvSpPr>
-        <p:spPr bwMode="auto">
-          <a:xfrm>
-            <a:off x="683568" y="1988840"/>
-            <a:ext cx="2448272" cy="1152128"/>
-          </a:xfrm>
-          <a:prstGeom prst="rect">
-            <a:avLst/>
-          </a:prstGeom>
-          <a:ln>
-            <a:headEnd type="none" w="med" len="med"/>
-            <a:tailEnd type="triangle" w="med" len="med"/>
-          </a:ln>
-        </p:spPr>
-        <p:style>
-          <a:lnRef idx="2">
-            <a:schemeClr val="dk1"/>
-          </a:lnRef>
-          <a:fillRef idx="1">
-            <a:schemeClr val="lt1"/>
-          </a:fillRef>
-          <a:effectRef idx="0">
-            <a:schemeClr val="dk1"/>
-          </a:effectRef>
-          <a:fontRef idx="minor">
-            <a:schemeClr val="dk1"/>
-          </a:fontRef>
-        </p:style>
-        <p:txBody>
-          <a:bodyPr wrap="square" lIns="90000" tIns="46800" rIns="90000" bIns="46800" rtlCol="0" anchor="ctr">
-            <a:noAutofit/>
-          </a:bodyPr>
-          <a:lstStyle/>
-          <a:p>
-            <a:pPr algn="ctr" eaLnBrk="0" hangingPunct="0"/>
-            <a:r>
-              <a:rPr lang="de-DE" sz="1600" dirty="0" smtClean="0"/>
-              <a:t>Betriebs-</a:t>
-            </a:r>
-          </a:p>
-          <a:p>
-            <a:pPr algn="ctr" eaLnBrk="0" hangingPunct="0"/>
-            <a:r>
-              <a:rPr lang="de-DE" sz="1600" dirty="0" err="1" smtClean="0"/>
-              <a:t>wirtschaft</a:t>
-            </a:r>
-            <a:endParaRPr lang="de-DE" sz="1600" dirty="0" smtClean="0"/>
-          </a:p>
-        </p:txBody>
-      </p:sp>
-      <p:sp>
-        <p:nvSpPr>
-          <p:cNvPr id="4" name="Wolke 3"/>
-          <p:cNvSpPr/>
-          <p:nvPr/>
-        </p:nvSpPr>
-        <p:spPr bwMode="auto">
-          <a:xfrm>
-            <a:off x="2069722" y="1916832"/>
-            <a:ext cx="4428492" cy="2736304"/>
-          </a:xfrm>
-          <a:prstGeom prst="cloud">
-            <a:avLst/>
-          </a:prstGeom>
-          <a:solidFill>
-            <a:schemeClr val="bg1"/>
-          </a:solidFill>
-          <a:ln>
-            <a:headEnd type="none" w="med" len="med"/>
-            <a:tailEnd type="none" w="med" len="med"/>
-          </a:ln>
-        </p:spPr>
-        <p:style>
-          <a:lnRef idx="2">
-            <a:schemeClr val="dk1"/>
-          </a:lnRef>
-          <a:fillRef idx="1">
-            <a:schemeClr val="lt1"/>
-          </a:fillRef>
-          <a:effectRef idx="0">
-            <a:schemeClr val="dk1"/>
-          </a:effectRef>
-          <a:fontRef idx="minor">
-            <a:schemeClr val="dk1"/>
-          </a:fontRef>
-        </p:style>
-        <p:txBody>
-          <a:bodyPr wrap="square" lIns="90000" tIns="46800" rIns="90000" bIns="46800" rtlCol="0" anchor="ctr">
-            <a:noAutofit/>
-          </a:bodyPr>
-          <a:lstStyle/>
-          <a:p>
-            <a:pPr algn="ctr" eaLnBrk="0" hangingPunct="0"/>
-            <a:r>
-              <a:rPr lang="de-DE" sz="3200" dirty="0" smtClean="0">
-                <a:solidFill>
-                  <a:schemeClr val="tx1"/>
-                </a:solidFill>
-              </a:rPr>
-              <a:t>PSS</a:t>
-            </a:r>
-            <a:endParaRPr lang="de-DE" sz="4400" dirty="0" smtClean="0">
-              <a:solidFill>
-                <a:schemeClr val="tx1"/>
-              </a:solidFill>
-            </a:endParaRPr>
-          </a:p>
-        </p:txBody>
-      </p:sp>
-    </p:spTree>
-  </p:cSld>
-  <p:clrMapOvr>
-    <a:masterClrMapping/>
-  </p:clrMapOvr>
-  <p:timing>
-    <p:tnLst>
-      <p:par>
-        <p:cTn id="1" dur="indefinite" restart="never" nodeType="tmRoot"/>
-      </p:par>
-    </p:tnLst>
-  </p:timing>
-</p:sld>
-</file>
-
-<file path=ppt/slides/slide20.xml><?xml version="1.0" encoding="utf-8"?>
-<p:sld xmlns:a="http://schemas.openxmlformats.org/drawingml/2006/main" xmlns:r="http://schemas.openxmlformats.org/officeDocument/2006/relationships" xmlns:p="http://schemas.openxmlformats.org/presentationml/2006/main">
-  <p:cSld>
-    <p:spTree>
-      <p:nvGrpSpPr>
-        <p:cNvPr id="1" name=""/>
-        <p:cNvGrpSpPr/>
-        <p:nvPr/>
-      </p:nvGrpSpPr>
-      <p:grpSpPr>
-        <a:xfrm>
-          <a:off x="0" y="0"/>
-          <a:ext cx="0" cy="0"/>
-          <a:chOff x="0" y="0"/>
-          <a:chExt cx="0" cy="0"/>
-        </a:xfrm>
-      </p:grpSpPr>
-      <p:sp>
-        <p:nvSpPr>
-          <p:cNvPr id="3" name="Titel 2"/>
-          <p:cNvSpPr>
-            <a:spLocks noGrp="1"/>
-          </p:cNvSpPr>
-          <p:nvPr>
-            <p:ph type="title"/>
-          </p:nvPr>
-        </p:nvSpPr>
-        <p:spPr>
-          <a:xfrm>
-            <a:off x="250825" y="195526"/>
-            <a:ext cx="8031163" cy="600164"/>
-          </a:xfrm>
-        </p:spPr>
-        <p:txBody>
-          <a:bodyPr/>
-          <a:lstStyle/>
-          <a:p>
-            <a:r>
-              <a:rPr lang="de-DE" dirty="0" err="1" smtClean="0"/>
-              <a:t>GraphView</a:t>
-            </a:r>
-            <a:r>
-              <a:rPr lang="de-DE" b="0" dirty="0" smtClean="0"/>
-              <a:t/>
-            </a:r>
-            <a:br>
-              <a:rPr lang="de-DE" b="0" dirty="0" smtClean="0"/>
-            </a:br>
-            <a:r>
-              <a:rPr lang="de-DE" sz="1400" b="0" dirty="0" smtClean="0"/>
-              <a:t>Analysen</a:t>
-            </a:r>
-            <a:endParaRPr lang="de-DE" dirty="0"/>
-          </a:p>
-        </p:txBody>
-      </p:sp>
-      <p:pic>
-        <p:nvPicPr>
-          <p:cNvPr id="4" name="Grafik 3"/>
-          <p:cNvPicPr>
-            <a:picLocks noChangeAspect="1"/>
-          </p:cNvPicPr>
-          <p:nvPr/>
-        </p:nvPicPr>
-        <p:blipFill>
-          <a:blip r:embed="rId2"/>
-          <a:stretch>
-            <a:fillRect/>
-          </a:stretch>
-        </p:blipFill>
-        <p:spPr>
-          <a:xfrm>
-            <a:off x="250825" y="1412776"/>
-            <a:ext cx="7987706" cy="3861530"/>
-          </a:xfrm>
-          <a:prstGeom prst="rect">
-            <a:avLst/>
-          </a:prstGeom>
-        </p:spPr>
-      </p:pic>
-      <p:sp>
-        <p:nvSpPr>
-          <p:cNvPr id="5" name="Textfeld 4"/>
-          <p:cNvSpPr txBox="1"/>
-          <p:nvPr/>
-        </p:nvSpPr>
-        <p:spPr>
-          <a:xfrm>
-            <a:off x="250825" y="904178"/>
-            <a:ext cx="6168676" cy="400110"/>
-          </a:xfrm>
-          <a:prstGeom prst="rect">
-            <a:avLst/>
-          </a:prstGeom>
-          <a:noFill/>
-        </p:spPr>
-        <p:txBody>
-          <a:bodyPr wrap="none" rtlCol="0">
-            <a:spAutoFit/>
-          </a:bodyPr>
-          <a:lstStyle/>
-          <a:p>
-            <a:r>
-              <a:rPr lang="de-DE" dirty="0"/>
-              <a:t>Hervorheben von Zusammenhängen (</a:t>
-            </a:r>
-            <a:r>
-              <a:rPr lang="de-DE" dirty="0" err="1"/>
-              <a:t>Depth</a:t>
-            </a:r>
-            <a:r>
-              <a:rPr lang="de-DE" dirty="0"/>
-              <a:t> Search</a:t>
-            </a:r>
-            <a:r>
-              <a:rPr lang="de-DE" dirty="0" smtClean="0"/>
-              <a:t>)</a:t>
-            </a:r>
-            <a:endParaRPr lang="de-DE" dirty="0"/>
-          </a:p>
-        </p:txBody>
-      </p:sp>
-    </p:spTree>
-    <p:extLst>
-      <p:ext uri="{BB962C8B-B14F-4D97-AF65-F5344CB8AC3E}">
-        <p14:creationId xmlns:p14="http://schemas.microsoft.com/office/powerpoint/2010/main" val="3583291954"/>
-      </p:ext>
-    </p:extLst>
-  </p:cSld>
-  <p:clrMapOvr>
-    <a:masterClrMapping/>
-  </p:clrMapOvr>
-  <p:timing>
-    <p:tnLst>
-      <p:par>
-        <p:cTn id="1" dur="indefinite" restart="never" nodeType="tmRoot"/>
-      </p:par>
-    </p:tnLst>
-  </p:timing>
-</p:sld>
-</file>
-
-<file path=ppt/slides/slide21.xml><?xml version="1.0" encoding="utf-8"?>
-<p:sld xmlns:a="http://schemas.openxmlformats.org/drawingml/2006/main" xmlns:r="http://schemas.openxmlformats.org/officeDocument/2006/relationships" xmlns:p="http://schemas.openxmlformats.org/presentationml/2006/main">
-  <p:cSld>
-    <p:spTree>
-      <p:nvGrpSpPr>
-        <p:cNvPr id="1" name=""/>
-        <p:cNvGrpSpPr/>
-        <p:nvPr/>
-      </p:nvGrpSpPr>
-      <p:grpSpPr>
-        <a:xfrm>
-          <a:off x="0" y="0"/>
-          <a:ext cx="0" cy="0"/>
-          <a:chOff x="0" y="0"/>
-          <a:chExt cx="0" cy="0"/>
-        </a:xfrm>
-      </p:grpSpPr>
-      <p:sp>
-        <p:nvSpPr>
-          <p:cNvPr id="2" name="Textplatzhalter 1"/>
-          <p:cNvSpPr>
-            <a:spLocks noGrp="1"/>
-          </p:cNvSpPr>
-          <p:nvPr>
-            <p:ph type="body" sz="quarter" idx="10"/>
-          </p:nvPr>
-        </p:nvSpPr>
-        <p:spPr>
-          <a:xfrm>
-            <a:off x="250824" y="933450"/>
-            <a:ext cx="8031164" cy="4495813"/>
-          </a:xfrm>
-        </p:spPr>
-        <p:txBody>
-          <a:bodyPr/>
-          <a:lstStyle/>
-          <a:p>
-            <a:r>
-              <a:rPr lang="de-DE" dirty="0"/>
-              <a:t>Filtern nach Elementtyp</a:t>
-            </a:r>
-          </a:p>
-          <a:p>
-            <a:pPr lvl="1"/>
-            <a:r>
-              <a:rPr lang="de-DE" dirty="0"/>
-              <a:t>Der Nutzer kann nach Knotentyp und/oder Kantentyp filtern</a:t>
-            </a:r>
-          </a:p>
-          <a:p>
-            <a:pPr lvl="1"/>
-            <a:r>
-              <a:rPr lang="de-DE" dirty="0"/>
-              <a:t>Der Filter wird automatisch abgespeichert</a:t>
-            </a:r>
-          </a:p>
-          <a:p>
-            <a:r>
-              <a:rPr lang="de-DE" dirty="0"/>
-              <a:t>Filtern nach Attribut Eigenschaften</a:t>
-            </a:r>
-          </a:p>
-          <a:p>
-            <a:pPr lvl="1"/>
-            <a:r>
-              <a:rPr lang="de-DE" dirty="0"/>
-              <a:t>Auf Knoten oder Kanten definierbar</a:t>
-            </a:r>
-          </a:p>
-          <a:p>
-            <a:pPr lvl="1"/>
-            <a:r>
-              <a:rPr lang="de-DE" dirty="0" smtClean="0"/>
-              <a:t>Vergleich vom Attribut </a:t>
-            </a:r>
-            <a:r>
-              <a:rPr lang="de-DE" dirty="0"/>
-              <a:t>Wert </a:t>
-            </a:r>
-            <a:r>
-              <a:rPr lang="de-DE" dirty="0" smtClean="0"/>
-              <a:t>mit benutzerdefinierten </a:t>
-            </a:r>
-            <a:r>
-              <a:rPr lang="de-DE" dirty="0"/>
-              <a:t>Wert </a:t>
-            </a:r>
-            <a:r>
-              <a:rPr lang="de-DE" dirty="0" smtClean="0"/>
-              <a:t>(</a:t>
-            </a:r>
-            <a:r>
-              <a:rPr lang="de-DE" dirty="0"/>
-              <a:t>Kondition)</a:t>
-            </a:r>
-          </a:p>
-          <a:p>
-            <a:pPr lvl="1"/>
-            <a:r>
-              <a:rPr lang="de-DE" dirty="0"/>
-              <a:t>Alle Elemente welche die Kondition erfüllen bleiben sichtbar</a:t>
-            </a:r>
-          </a:p>
-          <a:p>
-            <a:endParaRPr lang="de-DE" dirty="0"/>
-          </a:p>
-          <a:p>
-            <a:r>
-              <a:rPr lang="de-DE" dirty="0" smtClean="0"/>
-              <a:t>Screenshot Filter an und ausschalten</a:t>
-            </a:r>
-            <a:endParaRPr lang="de-DE" dirty="0"/>
-          </a:p>
-        </p:txBody>
-      </p:sp>
-      <p:sp>
-        <p:nvSpPr>
-          <p:cNvPr id="3" name="Titel 2"/>
-          <p:cNvSpPr>
-            <a:spLocks noGrp="1"/>
-          </p:cNvSpPr>
-          <p:nvPr>
-            <p:ph type="title"/>
-          </p:nvPr>
-        </p:nvSpPr>
-        <p:spPr>
-          <a:xfrm>
-            <a:off x="250825" y="195526"/>
-            <a:ext cx="8031163" cy="600164"/>
-          </a:xfrm>
-        </p:spPr>
-        <p:txBody>
-          <a:bodyPr/>
-          <a:lstStyle/>
-          <a:p>
-            <a:r>
-              <a:rPr lang="de-DE" dirty="0" err="1" smtClean="0"/>
-              <a:t>GraphView</a:t>
-            </a:r>
-            <a:r>
-              <a:rPr lang="de-DE" b="0" dirty="0" smtClean="0"/>
-              <a:t/>
-            </a:r>
-            <a:br>
-              <a:rPr lang="de-DE" b="0" dirty="0" smtClean="0"/>
-            </a:br>
-            <a:r>
-              <a:rPr lang="de-DE" sz="1400" b="0" dirty="0" smtClean="0"/>
-              <a:t>Analysen</a:t>
-            </a:r>
-            <a:endParaRPr lang="de-DE" sz="1400" dirty="0"/>
-          </a:p>
-        </p:txBody>
-      </p:sp>
-    </p:spTree>
-    <p:extLst>
-      <p:ext uri="{BB962C8B-B14F-4D97-AF65-F5344CB8AC3E}">
-        <p14:creationId xmlns:p14="http://schemas.microsoft.com/office/powerpoint/2010/main" val="2307760257"/>
-      </p:ext>
-    </p:extLst>
-  </p:cSld>
-  <p:clrMapOvr>
-    <a:masterClrMapping/>
-  </p:clrMapOvr>
-  <p:timing>
-    <p:tnLst>
-      <p:par>
-        <p:cTn id="1" dur="indefinite" restart="never" nodeType="tmRoot"/>
-      </p:par>
-    </p:tnLst>
-  </p:timing>
-</p:sld>
-</file>
-
-<file path=ppt/slides/slide22.xml><?xml version="1.0" encoding="utf-8"?>
-<p:sld xmlns:a="http://schemas.openxmlformats.org/drawingml/2006/main" xmlns:r="http://schemas.openxmlformats.org/officeDocument/2006/relationships" xmlns:p="http://schemas.openxmlformats.org/presentationml/2006/main">
-  <p:cSld>
-    <p:spTree>
-      <p:nvGrpSpPr>
-        <p:cNvPr id="1" name=""/>
-        <p:cNvGrpSpPr/>
-        <p:nvPr/>
-      </p:nvGrpSpPr>
-      <p:grpSpPr>
-        <a:xfrm>
-          <a:off x="0" y="0"/>
-          <a:ext cx="0" cy="0"/>
-          <a:chOff x="0" y="0"/>
-          <a:chExt cx="0" cy="0"/>
-        </a:xfrm>
-      </p:grpSpPr>
-      <p:sp>
-        <p:nvSpPr>
-          <p:cNvPr id="3" name="Titel 2"/>
-          <p:cNvSpPr>
-            <a:spLocks noGrp="1"/>
-          </p:cNvSpPr>
-          <p:nvPr>
-            <p:ph type="title"/>
-          </p:nvPr>
-        </p:nvSpPr>
-        <p:spPr>
-          <a:xfrm>
-            <a:off x="250825" y="195526"/>
-            <a:ext cx="8031163" cy="892552"/>
-          </a:xfrm>
-        </p:spPr>
-        <p:txBody>
-          <a:bodyPr/>
-          <a:lstStyle/>
-          <a:p>
-            <a:r>
-              <a:rPr lang="de-DE" dirty="0" err="1" smtClean="0"/>
-              <a:t>GraphView</a:t>
-            </a:r>
-            <a:r>
-              <a:rPr lang="de-DE" b="0" dirty="0" smtClean="0"/>
-              <a:t/>
-            </a:r>
-            <a:br>
-              <a:rPr lang="de-DE" b="0" dirty="0" smtClean="0"/>
-            </a:br>
-            <a:r>
-              <a:rPr lang="de-DE" sz="1400" b="0" dirty="0" smtClean="0"/>
-              <a:t>Aufbau Filter</a:t>
-            </a:r>
-            <a:r>
-              <a:rPr lang="de-DE" b="0" dirty="0"/>
-              <a:t/>
-            </a:r>
-            <a:br>
-              <a:rPr lang="de-DE" b="0" dirty="0"/>
-            </a:br>
-            <a:endParaRPr lang="de-DE" dirty="0"/>
-          </a:p>
-        </p:txBody>
-      </p:sp>
-      <p:pic>
-        <p:nvPicPr>
-          <p:cNvPr id="5" name="Grafik 4"/>
-          <p:cNvPicPr>
-            <a:picLocks noChangeAspect="1"/>
-          </p:cNvPicPr>
-          <p:nvPr/>
-        </p:nvPicPr>
-        <p:blipFill>
-          <a:blip r:embed="rId2">
-            <a:extLst>
-              <a:ext uri="{28A0092B-C50C-407E-A947-70E740481C1C}">
-                <a14:useLocalDpi xmlns:a14="http://schemas.microsoft.com/office/drawing/2010/main" val="0"/>
-              </a:ext>
-            </a:extLst>
-          </a:blip>
-          <a:stretch>
-            <a:fillRect/>
-          </a:stretch>
-        </p:blipFill>
-        <p:spPr>
-          <a:xfrm>
-            <a:off x="339855" y="1532638"/>
-            <a:ext cx="7853102" cy="2929888"/>
-          </a:xfrm>
-          <a:prstGeom prst="rect">
-            <a:avLst/>
-          </a:prstGeom>
-        </p:spPr>
-      </p:pic>
-    </p:spTree>
-    <p:extLst>
-      <p:ext uri="{BB962C8B-B14F-4D97-AF65-F5344CB8AC3E}">
-        <p14:creationId xmlns:p14="http://schemas.microsoft.com/office/powerpoint/2010/main" val="2583957788"/>
-      </p:ext>
-    </p:extLst>
-  </p:cSld>
-  <p:clrMapOvr>
-    <a:masterClrMapping/>
-  </p:clrMapOvr>
-  <p:timing>
-    <p:tnLst>
-      <p:par>
-        <p:cTn id="1" dur="indefinite" restart="never" nodeType="tmRoot"/>
-      </p:par>
-    </p:tnLst>
-  </p:timing>
-</p:sld>
-</file>
-
-<file path=ppt/slides/slide23.xml><?xml version="1.0" encoding="utf-8"?>
-<p:sld xmlns:a="http://schemas.openxmlformats.org/drawingml/2006/main" xmlns:r="http://schemas.openxmlformats.org/officeDocument/2006/relationships" xmlns:p="http://schemas.openxmlformats.org/presentationml/2006/main">
-  <p:cSld>
-    <p:spTree>
-      <p:nvGrpSpPr>
-        <p:cNvPr id="1" name=""/>
-        <p:cNvGrpSpPr/>
-        <p:nvPr/>
-      </p:nvGrpSpPr>
-      <p:grpSpPr>
-        <a:xfrm>
-          <a:off x="0" y="0"/>
-          <a:ext cx="0" cy="0"/>
-          <a:chOff x="0" y="0"/>
-          <a:chExt cx="0" cy="0"/>
-        </a:xfrm>
-      </p:grpSpPr>
-      <p:pic>
-        <p:nvPicPr>
-          <p:cNvPr id="5" name="Grafik 4"/>
-          <p:cNvPicPr>
-            <a:picLocks noChangeAspect="1"/>
-          </p:cNvPicPr>
-          <p:nvPr/>
-        </p:nvPicPr>
-        <p:blipFill>
-          <a:blip r:embed="rId2"/>
-          <a:stretch>
-            <a:fillRect/>
-          </a:stretch>
-        </p:blipFill>
-        <p:spPr>
-          <a:xfrm>
-            <a:off x="755576" y="2852936"/>
-            <a:ext cx="8066677" cy="2393199"/>
-          </a:xfrm>
-          <a:prstGeom prst="rect">
-            <a:avLst/>
-          </a:prstGeom>
-        </p:spPr>
-      </p:pic>
-      <p:sp>
-        <p:nvSpPr>
-          <p:cNvPr id="2" name="Textplatzhalter 1"/>
-          <p:cNvSpPr>
-            <a:spLocks noGrp="1"/>
-          </p:cNvSpPr>
-          <p:nvPr>
-            <p:ph type="body" sz="quarter" idx="10"/>
-          </p:nvPr>
-        </p:nvSpPr>
-        <p:spPr>
-          <a:xfrm>
-            <a:off x="3347864" y="933451"/>
-            <a:ext cx="4828411" cy="695350"/>
-          </a:xfrm>
-        </p:spPr>
-        <p:txBody>
-          <a:bodyPr/>
-          <a:lstStyle/>
-          <a:p>
-            <a:r>
-              <a:rPr lang="de-DE" dirty="0"/>
-              <a:t>Filtern nach Knotentypen und Kantentypen</a:t>
-            </a:r>
-          </a:p>
-          <a:p>
-            <a:r>
-              <a:rPr lang="de-DE" dirty="0"/>
-              <a:t>Excel Export</a:t>
-            </a:r>
-          </a:p>
-          <a:p>
-            <a:pPr marL="0" indent="0">
-              <a:buNone/>
-            </a:pPr>
-            <a:endParaRPr lang="de-DE" dirty="0"/>
-          </a:p>
-        </p:txBody>
-      </p:sp>
-      <p:sp>
-        <p:nvSpPr>
-          <p:cNvPr id="3" name="Titel 2"/>
-          <p:cNvSpPr>
-            <a:spLocks noGrp="1"/>
-          </p:cNvSpPr>
-          <p:nvPr>
-            <p:ph type="title"/>
-          </p:nvPr>
-        </p:nvSpPr>
-        <p:spPr>
-          <a:xfrm>
-            <a:off x="250825" y="195526"/>
-            <a:ext cx="8031163" cy="384721"/>
-          </a:xfrm>
-        </p:spPr>
-        <p:txBody>
-          <a:bodyPr/>
-          <a:lstStyle/>
-          <a:p>
-            <a:r>
-              <a:rPr lang="de-DE" dirty="0" err="1" smtClean="0"/>
-              <a:t>MatrixView</a:t>
-            </a:r>
-            <a:endParaRPr lang="de-DE" dirty="0"/>
-          </a:p>
-        </p:txBody>
-      </p:sp>
-      <p:pic>
-        <p:nvPicPr>
-          <p:cNvPr id="4" name="Grafik 3"/>
-          <p:cNvPicPr>
-            <a:picLocks noChangeAspect="1"/>
-          </p:cNvPicPr>
-          <p:nvPr/>
-        </p:nvPicPr>
-        <p:blipFill>
-          <a:blip r:embed="rId3"/>
-          <a:stretch>
-            <a:fillRect/>
-          </a:stretch>
-        </p:blipFill>
-        <p:spPr>
-          <a:xfrm>
-            <a:off x="324689" y="933451"/>
-            <a:ext cx="2604718" cy="3441287"/>
-          </a:xfrm>
-          <a:prstGeom prst="rect">
-            <a:avLst/>
-          </a:prstGeom>
-        </p:spPr>
-      </p:pic>
-    </p:spTree>
-    <p:extLst>
-      <p:ext uri="{BB962C8B-B14F-4D97-AF65-F5344CB8AC3E}">
-        <p14:creationId xmlns:p14="http://schemas.microsoft.com/office/powerpoint/2010/main" val="834335964"/>
-      </p:ext>
-    </p:extLst>
-  </p:cSld>
-  <p:clrMapOvr>
-    <a:masterClrMapping/>
-  </p:clrMapOvr>
-  <p:timing>
-    <p:tnLst>
-      <p:par>
-        <p:cTn id="1" dur="indefinite" restart="never" nodeType="tmRoot"/>
-      </p:par>
-    </p:tnLst>
-  </p:timing>
-</p:sld>
-</file>
-
-<file path=ppt/slides/slide24.xml><?xml version="1.0" encoding="utf-8"?>
-<p:sld xmlns:a="http://schemas.openxmlformats.org/drawingml/2006/main" xmlns:r="http://schemas.openxmlformats.org/officeDocument/2006/relationships" xmlns:p="http://schemas.openxmlformats.org/presentationml/2006/main">
-  <p:cSld>
-    <p:spTree>
-      <p:nvGrpSpPr>
-        <p:cNvPr id="1" name=""/>
-        <p:cNvGrpSpPr/>
-        <p:nvPr/>
-      </p:nvGrpSpPr>
-      <p:grpSpPr>
-        <a:xfrm>
-          <a:off x="0" y="0"/>
-          <a:ext cx="0" cy="0"/>
-          <a:chOff x="0" y="0"/>
-          <a:chExt cx="0" cy="0"/>
-        </a:xfrm>
-      </p:grpSpPr>
-      <p:sp>
-        <p:nvSpPr>
-          <p:cNvPr id="2" name="Textplatzhalter 1"/>
-          <p:cNvSpPr>
-            <a:spLocks noGrp="1"/>
-          </p:cNvSpPr>
-          <p:nvPr>
-            <p:ph type="body" sz="quarter" idx="10"/>
-          </p:nvPr>
-        </p:nvSpPr>
-        <p:spPr/>
-        <p:txBody>
-          <a:bodyPr/>
-          <a:lstStyle/>
-          <a:p>
-            <a:r>
-              <a:rPr lang="de-DE" dirty="0" smtClean="0"/>
-              <a:t>Motivation</a:t>
-            </a:r>
-          </a:p>
-          <a:p>
-            <a:r>
-              <a:rPr lang="de-DE" dirty="0" smtClean="0"/>
-              <a:t>Forschungsrichtungen</a:t>
-            </a:r>
-          </a:p>
-          <a:p>
-            <a:r>
-              <a:rPr lang="de-DE" dirty="0" smtClean="0"/>
-              <a:t>Transformationen</a:t>
-            </a:r>
-          </a:p>
-          <a:p>
-            <a:r>
-              <a:rPr lang="de-DE" dirty="0" smtClean="0"/>
-              <a:t>Visualisierung</a:t>
-            </a:r>
-            <a:endParaRPr lang="de-DE" dirty="0" smtClean="0"/>
-          </a:p>
-          <a:p>
-            <a:r>
-              <a:rPr lang="de-DE" b="1" dirty="0" smtClean="0"/>
-              <a:t>Ergebnisse</a:t>
-            </a:r>
-            <a:endParaRPr lang="de-DE" dirty="0" smtClean="0"/>
-          </a:p>
-          <a:p>
-            <a:r>
-              <a:rPr lang="de-DE" dirty="0" smtClean="0"/>
-              <a:t>DEMO</a:t>
-            </a:r>
-          </a:p>
-          <a:p>
-            <a:r>
-              <a:rPr lang="de-DE" dirty="0" smtClean="0"/>
-              <a:t>Ausblick</a:t>
-            </a:r>
-          </a:p>
-          <a:p>
-            <a:endParaRPr lang="de-DE" dirty="0"/>
-          </a:p>
-        </p:txBody>
-      </p:sp>
-      <p:sp>
-        <p:nvSpPr>
-          <p:cNvPr id="3" name="Titel 2"/>
-          <p:cNvSpPr>
-            <a:spLocks noGrp="1"/>
-          </p:cNvSpPr>
-          <p:nvPr>
-            <p:ph type="title"/>
-          </p:nvPr>
-        </p:nvSpPr>
-        <p:spPr/>
-        <p:txBody>
-          <a:bodyPr/>
-          <a:lstStyle/>
-          <a:p>
-            <a:r>
-              <a:rPr lang="de-DE" dirty="0" smtClean="0"/>
-              <a:t>Agenda</a:t>
-            </a:r>
-            <a:endParaRPr lang="de-DE" dirty="0"/>
-          </a:p>
-        </p:txBody>
-      </p:sp>
-    </p:spTree>
-  </p:cSld>
-  <p:clrMapOvr>
-    <a:masterClrMapping/>
-  </p:clrMapOvr>
-  <p:timing>
-    <p:tnLst>
-      <p:par>
-        <p:cTn id="1" dur="indefinite" restart="never" nodeType="tmRoot"/>
-      </p:par>
-    </p:tnLst>
-  </p:timing>
-</p:sld>
-</file>
-
-<file path=ppt/slides/slide25.xml><?xml version="1.0" encoding="utf-8"?>
-<p:sld xmlns:a="http://schemas.openxmlformats.org/drawingml/2006/main" xmlns:r="http://schemas.openxmlformats.org/officeDocument/2006/relationships" xmlns:p="http://schemas.openxmlformats.org/presentationml/2006/main">
-  <p:cSld>
-    <p:spTree>
-      <p:nvGrpSpPr>
-        <p:cNvPr id="1" name=""/>
-        <p:cNvGrpSpPr/>
-        <p:nvPr/>
-      </p:nvGrpSpPr>
-      <p:grpSpPr>
-        <a:xfrm>
-          <a:off x="0" y="0"/>
-          <a:ext cx="0" cy="0"/>
-          <a:chOff x="0" y="0"/>
-          <a:chExt cx="0" cy="0"/>
-        </a:xfrm>
-      </p:grpSpPr>
-      <p:sp>
-        <p:nvSpPr>
-          <p:cNvPr id="2" name="Textplatzhalter 1"/>
-          <p:cNvSpPr>
-            <a:spLocks noGrp="1"/>
-          </p:cNvSpPr>
-          <p:nvPr>
-            <p:ph type="body" sz="quarter" idx="10"/>
-          </p:nvPr>
-        </p:nvSpPr>
-        <p:spPr/>
-        <p:txBody>
-          <a:bodyPr/>
-          <a:lstStyle/>
-          <a:p>
-            <a:pPr marL="0" indent="0">
-              <a:buNone/>
-            </a:pPr>
-            <a:endParaRPr lang="de-DE" dirty="0" smtClean="0"/>
-          </a:p>
-        </p:txBody>
-      </p:sp>
-      <p:sp>
-        <p:nvSpPr>
-          <p:cNvPr id="3" name="Titel 2"/>
-          <p:cNvSpPr>
-            <a:spLocks noGrp="1"/>
-          </p:cNvSpPr>
-          <p:nvPr>
-            <p:ph type="title"/>
-          </p:nvPr>
-        </p:nvSpPr>
-        <p:spPr>
-          <a:xfrm>
-            <a:off x="250825" y="195526"/>
-            <a:ext cx="8031163" cy="600164"/>
-          </a:xfrm>
-        </p:spPr>
-        <p:txBody>
-          <a:bodyPr/>
-          <a:lstStyle/>
-          <a:p>
-            <a:r>
-              <a:rPr lang="de-DE" dirty="0"/>
-              <a:t>Ergebnisse</a:t>
-            </a:r>
-            <a:br>
-              <a:rPr lang="de-DE" dirty="0"/>
-            </a:br>
-            <a:r>
-              <a:rPr lang="de-DE" sz="1400" b="0" dirty="0"/>
-              <a:t>Transformationen (3 aus 4</a:t>
-            </a:r>
-            <a:r>
-              <a:rPr lang="de-DE" sz="1400" b="0" dirty="0" smtClean="0"/>
-              <a:t>)</a:t>
-            </a:r>
-            <a:endParaRPr lang="de-DE" sz="1400" b="0" dirty="0"/>
-          </a:p>
-        </p:txBody>
-      </p:sp>
-    </p:spTree>
-  </p:cSld>
-  <p:clrMapOvr>
-    <a:masterClrMapping/>
-  </p:clrMapOvr>
-  <p:timing>
-    <p:tnLst>
-      <p:par>
-        <p:cTn id="1" dur="indefinite" restart="never" nodeType="tmRoot"/>
-      </p:par>
-    </p:tnLst>
-  </p:timing>
-</p:sld>
-</file>
-
-<file path=ppt/slides/slide26.xml><?xml version="1.0" encoding="utf-8"?>
-<p:sld xmlns:a="http://schemas.openxmlformats.org/drawingml/2006/main" xmlns:r="http://schemas.openxmlformats.org/officeDocument/2006/relationships" xmlns:p="http://schemas.openxmlformats.org/presentationml/2006/main">
-  <p:cSld>
-    <p:spTree>
-      <p:nvGrpSpPr>
-        <p:cNvPr id="1" name=""/>
-        <p:cNvGrpSpPr/>
-        <p:nvPr/>
-      </p:nvGrpSpPr>
-      <p:grpSpPr>
-        <a:xfrm>
-          <a:off x="0" y="0"/>
-          <a:ext cx="0" cy="0"/>
-          <a:chOff x="0" y="0"/>
-          <a:chExt cx="0" cy="0"/>
-        </a:xfrm>
-      </p:grpSpPr>
-      <p:sp>
-        <p:nvSpPr>
-          <p:cNvPr id="2" name="Textplatzhalter 1"/>
-          <p:cNvSpPr>
-            <a:spLocks noGrp="1"/>
-          </p:cNvSpPr>
-          <p:nvPr>
-            <p:ph type="body" sz="quarter" idx="10"/>
-          </p:nvPr>
-        </p:nvSpPr>
-        <p:spPr>
-          <a:xfrm>
-            <a:off x="250824" y="933450"/>
-            <a:ext cx="8031164" cy="4495813"/>
-          </a:xfrm>
-        </p:spPr>
-        <p:txBody>
-          <a:bodyPr/>
-          <a:lstStyle/>
-          <a:p>
-            <a:r>
-              <a:rPr lang="de-DE" dirty="0" smtClean="0"/>
-              <a:t>Import </a:t>
-            </a:r>
-            <a:r>
-              <a:rPr lang="de-DE" dirty="0"/>
-              <a:t>und Export aus verschiedenen Quellformaten</a:t>
-            </a:r>
-          </a:p>
-          <a:p>
-            <a:pPr lvl="1"/>
-            <a:r>
-              <a:rPr lang="de-DE" dirty="0"/>
-              <a:t>Automatischer Import und sofortige Anzeige</a:t>
-            </a:r>
-          </a:p>
-          <a:p>
-            <a:r>
-              <a:rPr lang="de-DE" dirty="0"/>
-              <a:t>Visualisierung des Gesamtmodells</a:t>
-            </a:r>
-          </a:p>
-          <a:p>
-            <a:pPr lvl="1"/>
-            <a:r>
-              <a:rPr lang="de-DE" dirty="0"/>
-              <a:t>Matrix und Graphen Darstellung</a:t>
-            </a:r>
-          </a:p>
-          <a:p>
-            <a:r>
-              <a:rPr lang="de-DE" dirty="0"/>
-              <a:t>Bearbeitung des Gesamtmodells</a:t>
-            </a:r>
-          </a:p>
-          <a:p>
-            <a:pPr lvl="1"/>
-            <a:r>
-              <a:rPr lang="de-DE" dirty="0"/>
-              <a:t>Einfügen von Knoten und Kanten</a:t>
-            </a:r>
-          </a:p>
-          <a:p>
-            <a:pPr lvl="1"/>
-            <a:r>
-              <a:rPr lang="de-DE" dirty="0"/>
-              <a:t>Modifizieren der Attribute von Elementen</a:t>
-            </a:r>
-          </a:p>
-          <a:p>
-            <a:r>
-              <a:rPr lang="de-DE" dirty="0"/>
-              <a:t>Analysen auf dem Gesamtmodell</a:t>
-            </a:r>
-          </a:p>
-          <a:p>
-            <a:pPr lvl="1"/>
-            <a:r>
-              <a:rPr lang="de-DE" dirty="0"/>
-              <a:t>Hervorheben von Zusammenhängen</a:t>
-            </a:r>
-          </a:p>
-          <a:p>
-            <a:pPr lvl="1"/>
-            <a:r>
-              <a:rPr lang="de-DE" dirty="0"/>
-              <a:t>Filtern über Attribute und Elementtypen</a:t>
-            </a:r>
-          </a:p>
-          <a:p>
-            <a:endParaRPr lang="de-DE" dirty="0"/>
-          </a:p>
-        </p:txBody>
-      </p:sp>
-      <p:sp>
-        <p:nvSpPr>
-          <p:cNvPr id="3" name="Titel 2"/>
-          <p:cNvSpPr>
-            <a:spLocks noGrp="1"/>
-          </p:cNvSpPr>
-          <p:nvPr>
-            <p:ph type="title"/>
-          </p:nvPr>
-        </p:nvSpPr>
-        <p:spPr>
-          <a:xfrm>
-            <a:off x="250825" y="195526"/>
-            <a:ext cx="8031163" cy="600164"/>
-          </a:xfrm>
-        </p:spPr>
-        <p:txBody>
-          <a:bodyPr/>
-          <a:lstStyle/>
-          <a:p>
-            <a:r>
-              <a:rPr lang="de-DE" dirty="0" smtClean="0"/>
-              <a:t>Ergebnisse</a:t>
-            </a:r>
-            <a:br>
-              <a:rPr lang="de-DE" dirty="0" smtClean="0"/>
-            </a:br>
-            <a:r>
-              <a:rPr lang="de-DE" sz="1400" b="0" dirty="0" smtClean="0"/>
-              <a:t>Visualisierung</a:t>
-            </a:r>
-            <a:endParaRPr lang="de-DE" sz="1400" b="0" dirty="0"/>
-          </a:p>
-        </p:txBody>
-      </p:sp>
-    </p:spTree>
-    <p:extLst>
-      <p:ext uri="{BB962C8B-B14F-4D97-AF65-F5344CB8AC3E}">
-        <p14:creationId xmlns:p14="http://schemas.microsoft.com/office/powerpoint/2010/main" val="3015326985"/>
-      </p:ext>
-    </p:extLst>
-  </p:cSld>
-  <p:clrMapOvr>
-    <a:masterClrMapping/>
-  </p:clrMapOvr>
-  <p:timing>
-    <p:tnLst>
-      <p:par>
-        <p:cTn id="1" dur="indefinite" restart="never" nodeType="tmRoot"/>
-      </p:par>
-    </p:tnLst>
-  </p:timing>
-</p:sld>
-</file>
-
-<file path=ppt/slides/slide27.xml><?xml version="1.0" encoding="utf-8"?>
-<p:sld xmlns:a="http://schemas.openxmlformats.org/drawingml/2006/main" xmlns:r="http://schemas.openxmlformats.org/officeDocument/2006/relationships" xmlns:p="http://schemas.openxmlformats.org/presentationml/2006/main">
-  <p:cSld>
-    <p:spTree>
-      <p:nvGrpSpPr>
-        <p:cNvPr id="1" name=""/>
-        <p:cNvGrpSpPr/>
-        <p:nvPr/>
-      </p:nvGrpSpPr>
-      <p:grpSpPr>
-        <a:xfrm>
-          <a:off x="0" y="0"/>
-          <a:ext cx="0" cy="0"/>
-          <a:chOff x="0" y="0"/>
-          <a:chExt cx="0" cy="0"/>
-        </a:xfrm>
-      </p:grpSpPr>
-      <p:sp>
-        <p:nvSpPr>
-          <p:cNvPr id="5" name="Textfeld 4"/>
-          <p:cNvSpPr txBox="1"/>
-          <p:nvPr/>
-        </p:nvSpPr>
-        <p:spPr>
-          <a:xfrm>
-            <a:off x="2195736" y="2420888"/>
-            <a:ext cx="4752528" cy="1200329"/>
-          </a:xfrm>
-          <a:prstGeom prst="rect">
-            <a:avLst/>
-          </a:prstGeom>
-          <a:noFill/>
-        </p:spPr>
-        <p:txBody>
-          <a:bodyPr wrap="square" rtlCol="0">
-            <a:spAutoFit/>
-          </a:bodyPr>
-          <a:lstStyle/>
-          <a:p>
-            <a:pPr algn="ctr"/>
-            <a:r>
-              <a:rPr lang="de-DE" sz="7200" b="1" dirty="0" smtClean="0"/>
-              <a:t>DEMO</a:t>
-            </a:r>
-            <a:endParaRPr lang="de-DE" sz="7200" b="1" dirty="0"/>
-          </a:p>
-        </p:txBody>
-      </p:sp>
-    </p:spTree>
-  </p:cSld>
-  <p:clrMapOvr>
-    <a:masterClrMapping/>
-  </p:clrMapOvr>
-  <p:timing>
-    <p:tnLst>
-      <p:par>
-        <p:cTn id="1" dur="indefinite" restart="never" nodeType="tmRoot"/>
-      </p:par>
-    </p:tnLst>
-  </p:timing>
-</p:sld>
-</file>
-
-<file path=ppt/slides/slide28.xml><?xml version="1.0" encoding="utf-8"?>
-<p:sld xmlns:a="http://schemas.openxmlformats.org/drawingml/2006/main" xmlns:r="http://schemas.openxmlformats.org/officeDocument/2006/relationships" xmlns:p="http://schemas.openxmlformats.org/presentationml/2006/main">
-  <p:cSld>
-    <p:spTree>
-      <p:nvGrpSpPr>
-        <p:cNvPr id="1" name=""/>
-        <p:cNvGrpSpPr/>
-        <p:nvPr/>
-      </p:nvGrpSpPr>
-      <p:grpSpPr>
-        <a:xfrm>
-          <a:off x="0" y="0"/>
-          <a:ext cx="0" cy="0"/>
-          <a:chOff x="0" y="0"/>
-          <a:chExt cx="0" cy="0"/>
-        </a:xfrm>
-      </p:grpSpPr>
-      <p:sp>
-        <p:nvSpPr>
-          <p:cNvPr id="2" name="Textplatzhalter 1"/>
-          <p:cNvSpPr>
-            <a:spLocks noGrp="1"/>
-          </p:cNvSpPr>
-          <p:nvPr>
-            <p:ph type="body" sz="quarter" idx="10"/>
-          </p:nvPr>
-        </p:nvSpPr>
-        <p:spPr/>
-        <p:txBody>
-          <a:bodyPr/>
-          <a:lstStyle/>
-          <a:p>
-            <a:r>
-              <a:rPr lang="de-DE" dirty="0" smtClean="0"/>
-              <a:t>Repository etc</a:t>
-            </a:r>
-            <a:r>
-              <a:rPr lang="de-DE" dirty="0" smtClean="0"/>
-              <a:t>.</a:t>
-            </a:r>
-          </a:p>
-        </p:txBody>
-      </p:sp>
-      <p:sp>
-        <p:nvSpPr>
-          <p:cNvPr id="3" name="Titel 2"/>
-          <p:cNvSpPr>
-            <a:spLocks noGrp="1"/>
-          </p:cNvSpPr>
-          <p:nvPr>
-            <p:ph type="title"/>
-          </p:nvPr>
-        </p:nvSpPr>
-        <p:spPr>
-          <a:xfrm>
-            <a:off x="250825" y="195526"/>
-            <a:ext cx="8031163" cy="600164"/>
-          </a:xfrm>
-        </p:spPr>
-        <p:txBody>
-          <a:bodyPr/>
-          <a:lstStyle/>
-          <a:p>
-            <a:r>
-              <a:rPr lang="de-DE" dirty="0" smtClean="0"/>
-              <a:t>Ausblick</a:t>
-            </a:r>
-            <a:br>
-              <a:rPr lang="de-DE" dirty="0" smtClean="0"/>
-            </a:br>
-            <a:r>
-              <a:rPr lang="de-DE" sz="1400" dirty="0" smtClean="0"/>
-              <a:t>Transformationen</a:t>
-            </a:r>
-            <a:endParaRPr lang="de-DE" sz="1400" dirty="0"/>
-          </a:p>
-        </p:txBody>
-      </p:sp>
-    </p:spTree>
   </p:cSld>
   <p:clrMapOvr>
     <a:masterClrMapping/>
@@ -5364,96 +5305,6 @@
       </p:grpSpPr>
       <p:sp>
         <p:nvSpPr>
-          <p:cNvPr id="2" name="Textplatzhalter 1"/>
-          <p:cNvSpPr>
-            <a:spLocks noGrp="1"/>
-          </p:cNvSpPr>
-          <p:nvPr>
-            <p:ph type="body" sz="quarter" idx="10"/>
-          </p:nvPr>
-        </p:nvSpPr>
-        <p:spPr>
-          <a:xfrm>
-            <a:off x="250824" y="933450"/>
-            <a:ext cx="8031164" cy="4495813"/>
-          </a:xfrm>
-        </p:spPr>
-        <p:txBody>
-          <a:bodyPr/>
-          <a:lstStyle/>
-          <a:p>
-            <a:r>
-              <a:rPr lang="de-DE" dirty="0" smtClean="0"/>
-              <a:t>Mögliche </a:t>
-            </a:r>
-            <a:r>
-              <a:rPr lang="de-DE" dirty="0"/>
-              <a:t>Verbesserungen</a:t>
-            </a:r>
-          </a:p>
-          <a:p>
-            <a:pPr lvl="1"/>
-            <a:r>
-              <a:rPr lang="de-DE" dirty="0"/>
-              <a:t>Intelligenter Model Merger</a:t>
-            </a:r>
-          </a:p>
-          <a:p>
-            <a:pPr lvl="1"/>
-            <a:r>
-              <a:rPr lang="de-DE" dirty="0"/>
-              <a:t>JUNG2 Layouts für große Knoten optimieren</a:t>
-            </a:r>
-          </a:p>
-          <a:p>
-            <a:pPr lvl="1"/>
-            <a:r>
-              <a:rPr lang="de-DE" dirty="0"/>
-              <a:t>Mehrere „Kontaktpunkte“ für Elemente des Graphen definieren</a:t>
-            </a:r>
-          </a:p>
-          <a:p>
-            <a:r>
-              <a:rPr lang="de-DE" dirty="0"/>
-              <a:t>Mögliche Erweiterungen</a:t>
-            </a:r>
-          </a:p>
-          <a:p>
-            <a:pPr lvl="1"/>
-            <a:r>
-              <a:rPr lang="de-DE" dirty="0"/>
-              <a:t>Weitere Filter einbinden (z.B. Filter über aggregierte Attribut Werte)</a:t>
-            </a:r>
-          </a:p>
-          <a:p>
-            <a:pPr lvl="1"/>
-            <a:r>
-              <a:rPr lang="de-DE" dirty="0"/>
-              <a:t>Modifikation des Gesamtmodells in der Matrix View erlauben</a:t>
-            </a:r>
-          </a:p>
-          <a:p>
-            <a:pPr lvl="1"/>
-            <a:r>
-              <a:rPr lang="de-DE" dirty="0"/>
-              <a:t>Lösch und </a:t>
-            </a:r>
-            <a:r>
-              <a:rPr lang="de-DE" dirty="0" err="1"/>
-              <a:t>Merge</a:t>
-            </a:r>
-            <a:r>
-              <a:rPr lang="de-DE" dirty="0"/>
-              <a:t> Operationen implementieren (PSS-IF Core muss erweitert werden)</a:t>
-            </a:r>
-          </a:p>
-          <a:p>
-            <a:endParaRPr lang="de-DE" dirty="0"/>
-          </a:p>
-        </p:txBody>
-      </p:sp>
-      <p:sp>
-        <p:nvSpPr>
           <p:cNvPr id="3" name="Titel 2"/>
           <p:cNvSpPr>
             <a:spLocks noGrp="1"/>
@@ -5473,24 +5324,94 @@
           <a:lstStyle/>
           <a:p>
             <a:r>
-              <a:rPr lang="de-DE" dirty="0" smtClean="0"/>
-              <a:t>Ausblick</a:t>
+              <a:rPr lang="de-DE" dirty="0" err="1" smtClean="0"/>
+              <a:t>GraphView</a:t>
+            </a:r>
+            <a:r>
+              <a:rPr lang="de-DE" b="0" dirty="0" smtClean="0"/>
+              <a:t/>
             </a:r>
             <a:br>
-              <a:rPr lang="de-DE" dirty="0" smtClean="0"/>
+              <a:rPr lang="de-DE" b="0" dirty="0" smtClean="0"/>
             </a:br>
             <a:r>
-              <a:rPr lang="de-DE" sz="1400" dirty="0" smtClean="0"/>
-              <a:t>Visualisierung</a:t>
-            </a:r>
-            <a:endParaRPr lang="de-DE" sz="1400" dirty="0"/>
+              <a:rPr lang="de-DE" sz="1400" b="0" dirty="0" smtClean="0"/>
+              <a:t>Analysen</a:t>
+            </a:r>
+            <a:endParaRPr lang="de-DE" dirty="0"/>
+          </a:p>
+        </p:txBody>
+      </p:sp>
+      <p:pic>
+        <p:nvPicPr>
+          <p:cNvPr id="4" name="Grafik 3"/>
+          <p:cNvPicPr>
+            <a:picLocks noChangeAspect="1"/>
+          </p:cNvPicPr>
+          <p:nvPr/>
+        </p:nvPicPr>
+        <p:blipFill>
+          <a:blip r:embed="rId2" cstate="print"/>
+          <a:stretch>
+            <a:fillRect/>
+          </a:stretch>
+        </p:blipFill>
+        <p:spPr>
+          <a:xfrm>
+            <a:off x="250825" y="1412776"/>
+            <a:ext cx="7987706" cy="3861530"/>
+          </a:xfrm>
+          <a:prstGeom prst="rect">
+            <a:avLst/>
+          </a:prstGeom>
+        </p:spPr>
+      </p:pic>
+      <p:sp>
+        <p:nvSpPr>
+          <p:cNvPr id="5" name="Textfeld 4"/>
+          <p:cNvSpPr txBox="1"/>
+          <p:nvPr/>
+        </p:nvSpPr>
+        <p:spPr>
+          <a:xfrm>
+            <a:off x="250825" y="904178"/>
+            <a:ext cx="6168676" cy="400110"/>
+          </a:xfrm>
+          <a:prstGeom prst="rect">
+            <a:avLst/>
+          </a:prstGeom>
+          <a:noFill/>
+        </p:spPr>
+        <p:txBody>
+          <a:bodyPr wrap="none" rtlCol="0">
+            <a:spAutoFit/>
+          </a:bodyPr>
+          <a:lstStyle/>
+          <a:p>
+            <a:r>
+              <a:rPr lang="de-DE" dirty="0"/>
+              <a:t>Hervorheben von Zusammenhängen (</a:t>
+            </a:r>
+            <a:r>
+              <a:rPr lang="de-DE" dirty="0" err="1"/>
+              <a:t>Depth</a:t>
+            </a:r>
+            <a:r>
+              <a:rPr lang="de-DE" dirty="0"/>
+              <a:t> Search</a:t>
+            </a:r>
+            <a:r>
+              <a:rPr lang="de-DE" dirty="0" smtClean="0"/>
+              <a:t>)</a:t>
+            </a:r>
+            <a:endParaRPr lang="de-DE" dirty="0"/>
           </a:p>
         </p:txBody>
       </p:sp>
     </p:spTree>
     <p:extLst>
       <p:ext uri="{BB962C8B-B14F-4D97-AF65-F5344CB8AC3E}">
-        <p14:creationId xmlns:p14="http://schemas.microsoft.com/office/powerpoint/2010/main" val="2204816514"/>
+        <p14:creationId xmlns:p14="http://schemas.microsoft.com/office/powerpoint/2010/main" xmlns="" val="3583291954"/>
       </p:ext>
     </p:extLst>
   </p:cSld>
@@ -5526,6 +5447,82 @@
       </p:grpSpPr>
       <p:sp>
         <p:nvSpPr>
+          <p:cNvPr id="2" name="Text Placeholder 1"/>
+          <p:cNvSpPr>
+            <a:spLocks noGrp="1"/>
+          </p:cNvSpPr>
+          <p:nvPr>
+            <p:ph type="body" sz="quarter" idx="10"/>
+          </p:nvPr>
+        </p:nvSpPr>
+        <p:spPr/>
+        <p:txBody>
+          <a:bodyPr/>
+          <a:lstStyle/>
+          <a:p>
+            <a:r>
+              <a:rPr lang="de-DE" dirty="0" smtClean="0"/>
+              <a:t>PSS-IF Paper mit Meta-Ebenen und Canonic Metamodel</a:t>
+            </a:r>
+          </a:p>
+          <a:p>
+            <a:r>
+              <a:rPr lang="de-DE" dirty="0" smtClean="0"/>
+              <a:t>Darum gehts</a:t>
+            </a:r>
+          </a:p>
+        </p:txBody>
+      </p:sp>
+      <p:sp>
+        <p:nvSpPr>
+          <p:cNvPr id="3" name="Title 2"/>
+          <p:cNvSpPr>
+            <a:spLocks noGrp="1"/>
+          </p:cNvSpPr>
+          <p:nvPr>
+            <p:ph type="title"/>
+          </p:nvPr>
+        </p:nvSpPr>
+        <p:spPr/>
+        <p:txBody>
+          <a:bodyPr/>
+          <a:lstStyle/>
+          <a:p>
+            <a:r>
+              <a:rPr lang="de-DE" smtClean="0"/>
+              <a:t>Grundlage</a:t>
+            </a:r>
+            <a:endParaRPr lang="bg-BG" dirty="0"/>
+          </a:p>
+        </p:txBody>
+      </p:sp>
+    </p:spTree>
+  </p:cSld>
+  <p:clrMapOvr>
+    <a:masterClrMapping/>
+  </p:clrMapOvr>
+</p:sld>
+</file>
+
+<file path=ppt/slides/slide30.xml><?xml version="1.0" encoding="utf-8"?>
+<p:sld xmlns:a="http://schemas.openxmlformats.org/drawingml/2006/main" xmlns:r="http://schemas.openxmlformats.org/officeDocument/2006/relationships" xmlns:p="http://schemas.openxmlformats.org/presentationml/2006/main">
+  <p:cSld>
+    <p:spTree>
+      <p:nvGrpSpPr>
+        <p:cNvPr id="1" name=""/>
+        <p:cNvGrpSpPr/>
+        <p:nvPr/>
+      </p:nvGrpSpPr>
+      <p:grpSpPr>
+        <a:xfrm>
+          <a:off x="0" y="0"/>
+          <a:ext cx="0" cy="0"/>
+          <a:chOff x="0" y="0"/>
+          <a:chExt cx="0" cy="0"/>
+        </a:xfrm>
+      </p:grpSpPr>
+      <p:sp>
+        <p:nvSpPr>
           <p:cNvPr id="2" name="Textplatzhalter 1"/>
           <p:cNvSpPr>
             <a:spLocks noGrp="1"/>
@@ -5534,44 +5531,483 @@
             <p:ph type="body" sz="quarter" idx="10"/>
           </p:nvPr>
         </p:nvSpPr>
-        <p:spPr/>
+        <p:spPr>
+          <a:xfrm>
+            <a:off x="250824" y="933450"/>
+            <a:ext cx="8031164" cy="4495813"/>
+          </a:xfrm>
+        </p:spPr>
         <p:txBody>
           <a:bodyPr/>
           <a:lstStyle/>
           <a:p>
             <a:r>
+              <a:rPr lang="de-DE" dirty="0"/>
+              <a:t>Filtern nach Elementtyp</a:t>
+            </a:r>
+          </a:p>
+          <a:p>
+            <a:pPr lvl="1"/>
+            <a:r>
+              <a:rPr lang="de-DE" dirty="0"/>
+              <a:t>Der Nutzer kann nach Knotentyp und/oder Kantentyp filtern</a:t>
+            </a:r>
+          </a:p>
+          <a:p>
+            <a:pPr lvl="1"/>
+            <a:r>
+              <a:rPr lang="de-DE" dirty="0"/>
+              <a:t>Der Filter wird automatisch abgespeichert</a:t>
+            </a:r>
+          </a:p>
+          <a:p>
+            <a:r>
+              <a:rPr lang="de-DE" dirty="0"/>
+              <a:t>Filtern nach Attribut Eigenschaften</a:t>
+            </a:r>
+          </a:p>
+          <a:p>
+            <a:pPr lvl="1"/>
+            <a:r>
+              <a:rPr lang="de-DE" dirty="0"/>
+              <a:t>Auf Knoten oder Kanten definierbar</a:t>
+            </a:r>
+          </a:p>
+          <a:p>
+            <a:pPr lvl="1"/>
+            <a:r>
+              <a:rPr lang="de-DE" dirty="0" smtClean="0"/>
+              <a:t>Vergleich vom Attribut </a:t>
+            </a:r>
+            <a:r>
+              <a:rPr lang="de-DE" dirty="0"/>
+              <a:t>Wert </a:t>
+            </a:r>
+            <a:r>
+              <a:rPr lang="de-DE" dirty="0" smtClean="0"/>
+              <a:t>mit benutzerdefinierten </a:t>
+            </a:r>
+            <a:r>
+              <a:rPr lang="de-DE" dirty="0"/>
+              <a:t>Wert </a:t>
+            </a:r>
+            <a:r>
+              <a:rPr lang="de-DE" dirty="0" smtClean="0"/>
+              <a:t>(</a:t>
+            </a:r>
+            <a:r>
+              <a:rPr lang="de-DE" dirty="0"/>
+              <a:t>Kondition)</a:t>
+            </a:r>
+          </a:p>
+          <a:p>
+            <a:pPr lvl="1"/>
+            <a:r>
+              <a:rPr lang="de-DE" dirty="0"/>
+              <a:t>Alle Elemente welche die Kondition erfüllen bleiben sichtbar</a:t>
+            </a:r>
+          </a:p>
+          <a:p>
+            <a:endParaRPr lang="de-DE" dirty="0"/>
+          </a:p>
+          <a:p>
+            <a:r>
+              <a:rPr lang="de-DE" dirty="0" smtClean="0"/>
+              <a:t>Screenshot Filter an und ausschalten</a:t>
+            </a:r>
+            <a:endParaRPr lang="de-DE" dirty="0"/>
+          </a:p>
+        </p:txBody>
+      </p:sp>
+      <p:sp>
+        <p:nvSpPr>
+          <p:cNvPr id="3" name="Titel 2"/>
+          <p:cNvSpPr>
+            <a:spLocks noGrp="1"/>
+          </p:cNvSpPr>
+          <p:nvPr>
+            <p:ph type="title"/>
+          </p:nvPr>
+        </p:nvSpPr>
+        <p:spPr>
+          <a:xfrm>
+            <a:off x="250825" y="195526"/>
+            <a:ext cx="8031163" cy="600164"/>
+          </a:xfrm>
+        </p:spPr>
+        <p:txBody>
+          <a:bodyPr/>
+          <a:lstStyle/>
+          <a:p>
+            <a:r>
+              <a:rPr lang="de-DE" dirty="0" err="1" smtClean="0"/>
+              <a:t>GraphView</a:t>
+            </a:r>
+            <a:r>
+              <a:rPr lang="de-DE" b="0" dirty="0" smtClean="0"/>
+              <a:t/>
+            </a:r>
+            <a:br>
+              <a:rPr lang="de-DE" b="0" dirty="0" smtClean="0"/>
+            </a:br>
+            <a:r>
+              <a:rPr lang="de-DE" sz="1400" b="0" dirty="0" smtClean="0"/>
+              <a:t>Analysen</a:t>
+            </a:r>
+            <a:endParaRPr lang="de-DE" sz="1400" dirty="0"/>
+          </a:p>
+        </p:txBody>
+      </p:sp>
+    </p:spTree>
+    <p:extLst>
+      <p:ext uri="{BB962C8B-B14F-4D97-AF65-F5344CB8AC3E}">
+        <p14:creationId xmlns:p14="http://schemas.microsoft.com/office/powerpoint/2010/main" xmlns="" val="2307760257"/>
+      </p:ext>
+    </p:extLst>
+  </p:cSld>
+  <p:clrMapOvr>
+    <a:masterClrMapping/>
+  </p:clrMapOvr>
+  <p:timing>
+    <p:tnLst>
+      <p:par>
+        <p:cTn id="1" dur="indefinite" restart="never" nodeType="tmRoot"/>
+      </p:par>
+    </p:tnLst>
+  </p:timing>
+</p:sld>
+</file>
+
+<file path=ppt/slides/slide31.xml><?xml version="1.0" encoding="utf-8"?>
+<p:sld xmlns:a="http://schemas.openxmlformats.org/drawingml/2006/main" xmlns:r="http://schemas.openxmlformats.org/officeDocument/2006/relationships" xmlns:p="http://schemas.openxmlformats.org/presentationml/2006/main">
+  <p:cSld>
+    <p:spTree>
+      <p:nvGrpSpPr>
+        <p:cNvPr id="1" name=""/>
+        <p:cNvGrpSpPr/>
+        <p:nvPr/>
+      </p:nvGrpSpPr>
+      <p:grpSpPr>
+        <a:xfrm>
+          <a:off x="0" y="0"/>
+          <a:ext cx="0" cy="0"/>
+          <a:chOff x="0" y="0"/>
+          <a:chExt cx="0" cy="0"/>
+        </a:xfrm>
+      </p:grpSpPr>
+      <p:sp>
+        <p:nvSpPr>
+          <p:cNvPr id="3" name="Titel 2"/>
+          <p:cNvSpPr>
+            <a:spLocks noGrp="1"/>
+          </p:cNvSpPr>
+          <p:nvPr>
+            <p:ph type="title"/>
+          </p:nvPr>
+        </p:nvSpPr>
+        <p:spPr>
+          <a:xfrm>
+            <a:off x="250825" y="195526"/>
+            <a:ext cx="8031163" cy="892552"/>
+          </a:xfrm>
+        </p:spPr>
+        <p:txBody>
+          <a:bodyPr/>
+          <a:lstStyle/>
+          <a:p>
+            <a:r>
+              <a:rPr lang="de-DE" dirty="0" err="1" smtClean="0"/>
+              <a:t>GraphView</a:t>
+            </a:r>
+            <a:r>
+              <a:rPr lang="de-DE" b="0" dirty="0" smtClean="0"/>
+              <a:t/>
+            </a:r>
+            <a:br>
+              <a:rPr lang="de-DE" b="0" dirty="0" smtClean="0"/>
+            </a:br>
+            <a:r>
+              <a:rPr lang="de-DE" sz="1400" b="0" dirty="0" smtClean="0"/>
+              <a:t>Aufbau Filter</a:t>
+            </a:r>
+            <a:r>
+              <a:rPr lang="de-DE" b="0" dirty="0"/>
+              <a:t/>
+            </a:r>
+            <a:br>
+              <a:rPr lang="de-DE" b="0" dirty="0"/>
+            </a:br>
+            <a:endParaRPr lang="de-DE" dirty="0"/>
+          </a:p>
+        </p:txBody>
+      </p:sp>
+      <p:pic>
+        <p:nvPicPr>
+          <p:cNvPr id="5" name="Grafik 4"/>
+          <p:cNvPicPr>
+            <a:picLocks noChangeAspect="1"/>
+          </p:cNvPicPr>
+          <p:nvPr/>
+        </p:nvPicPr>
+        <p:blipFill>
+          <a:blip r:embed="rId2" cstate="print">
+            <a:extLst>
+              <a:ext uri="{28A0092B-C50C-407E-A947-70E740481C1C}">
+                <a14:useLocalDpi xmlns:a14="http://schemas.microsoft.com/office/drawing/2010/main" xmlns="" val="0"/>
+              </a:ext>
+            </a:extLst>
+          </a:blip>
+          <a:stretch>
+            <a:fillRect/>
+          </a:stretch>
+        </p:blipFill>
+        <p:spPr>
+          <a:xfrm>
+            <a:off x="339855" y="1532638"/>
+            <a:ext cx="7853102" cy="2929888"/>
+          </a:xfrm>
+          <a:prstGeom prst="rect">
+            <a:avLst/>
+          </a:prstGeom>
+        </p:spPr>
+      </p:pic>
+    </p:spTree>
+    <p:extLst>
+      <p:ext uri="{BB962C8B-B14F-4D97-AF65-F5344CB8AC3E}">
+        <p14:creationId xmlns:p14="http://schemas.microsoft.com/office/powerpoint/2010/main" xmlns="" val="2583957788"/>
+      </p:ext>
+    </p:extLst>
+  </p:cSld>
+  <p:clrMapOvr>
+    <a:masterClrMapping/>
+  </p:clrMapOvr>
+  <p:timing>
+    <p:tnLst>
+      <p:par>
+        <p:cTn id="1" dur="indefinite" restart="never" nodeType="tmRoot"/>
+      </p:par>
+    </p:tnLst>
+  </p:timing>
+</p:sld>
+</file>
+
+<file path=ppt/slides/slide32.xml><?xml version="1.0" encoding="utf-8"?>
+<p:sld xmlns:a="http://schemas.openxmlformats.org/drawingml/2006/main" xmlns:r="http://schemas.openxmlformats.org/officeDocument/2006/relationships" xmlns:p="http://schemas.openxmlformats.org/presentationml/2006/main">
+  <p:cSld>
+    <p:spTree>
+      <p:nvGrpSpPr>
+        <p:cNvPr id="1" name=""/>
+        <p:cNvGrpSpPr/>
+        <p:nvPr/>
+      </p:nvGrpSpPr>
+      <p:grpSpPr>
+        <a:xfrm>
+          <a:off x="0" y="0"/>
+          <a:ext cx="0" cy="0"/>
+          <a:chOff x="0" y="0"/>
+          <a:chExt cx="0" cy="0"/>
+        </a:xfrm>
+      </p:grpSpPr>
+      <p:pic>
+        <p:nvPicPr>
+          <p:cNvPr id="5" name="Grafik 4"/>
+          <p:cNvPicPr>
+            <a:picLocks noChangeAspect="1"/>
+          </p:cNvPicPr>
+          <p:nvPr/>
+        </p:nvPicPr>
+        <p:blipFill>
+          <a:blip r:embed="rId2" cstate="print"/>
+          <a:stretch>
+            <a:fillRect/>
+          </a:stretch>
+        </p:blipFill>
+        <p:spPr>
+          <a:xfrm>
+            <a:off x="755576" y="2852936"/>
+            <a:ext cx="8066677" cy="2393199"/>
+          </a:xfrm>
+          <a:prstGeom prst="rect">
+            <a:avLst/>
+          </a:prstGeom>
+        </p:spPr>
+      </p:pic>
+      <p:sp>
+        <p:nvSpPr>
+          <p:cNvPr id="2" name="Textplatzhalter 1"/>
+          <p:cNvSpPr>
+            <a:spLocks noGrp="1"/>
+          </p:cNvSpPr>
+          <p:nvPr>
+            <p:ph type="body" sz="quarter" idx="10"/>
+          </p:nvPr>
+        </p:nvSpPr>
+        <p:spPr>
+          <a:xfrm>
+            <a:off x="3347864" y="933451"/>
+            <a:ext cx="4828411" cy="695350"/>
+          </a:xfrm>
+        </p:spPr>
+        <p:txBody>
+          <a:bodyPr/>
+          <a:lstStyle/>
+          <a:p>
+            <a:r>
+              <a:rPr lang="de-DE" dirty="0"/>
+              <a:t>Filtern nach Knotentypen und Kantentypen</a:t>
+            </a:r>
+          </a:p>
+          <a:p>
+            <a:r>
+              <a:rPr lang="de-DE" dirty="0"/>
+              <a:t>Excel Export</a:t>
+            </a:r>
+          </a:p>
+          <a:p>
+            <a:pPr marL="0" indent="0">
+              <a:buNone/>
+            </a:pPr>
+            <a:endParaRPr lang="de-DE" dirty="0"/>
+          </a:p>
+        </p:txBody>
+      </p:sp>
+      <p:sp>
+        <p:nvSpPr>
+          <p:cNvPr id="3" name="Titel 2"/>
+          <p:cNvSpPr>
+            <a:spLocks noGrp="1"/>
+          </p:cNvSpPr>
+          <p:nvPr>
+            <p:ph type="title"/>
+          </p:nvPr>
+        </p:nvSpPr>
+        <p:spPr>
+          <a:xfrm>
+            <a:off x="250825" y="195526"/>
+            <a:ext cx="8031163" cy="384721"/>
+          </a:xfrm>
+        </p:spPr>
+        <p:txBody>
+          <a:bodyPr/>
+          <a:lstStyle/>
+          <a:p>
+            <a:r>
+              <a:rPr lang="de-DE" dirty="0" err="1" smtClean="0"/>
+              <a:t>MatrixView</a:t>
+            </a:r>
+            <a:endParaRPr lang="de-DE" dirty="0"/>
+          </a:p>
+        </p:txBody>
+      </p:sp>
+      <p:pic>
+        <p:nvPicPr>
+          <p:cNvPr id="4" name="Grafik 3"/>
+          <p:cNvPicPr>
+            <a:picLocks noChangeAspect="1"/>
+          </p:cNvPicPr>
+          <p:nvPr/>
+        </p:nvPicPr>
+        <p:blipFill>
+          <a:blip r:embed="rId3" cstate="print"/>
+          <a:stretch>
+            <a:fillRect/>
+          </a:stretch>
+        </p:blipFill>
+        <p:spPr>
+          <a:xfrm>
+            <a:off x="324689" y="933451"/>
+            <a:ext cx="2604718" cy="3441287"/>
+          </a:xfrm>
+          <a:prstGeom prst="rect">
+            <a:avLst/>
+          </a:prstGeom>
+        </p:spPr>
+      </p:pic>
+    </p:spTree>
+    <p:extLst>
+      <p:ext uri="{BB962C8B-B14F-4D97-AF65-F5344CB8AC3E}">
+        <p14:creationId xmlns:p14="http://schemas.microsoft.com/office/powerpoint/2010/main" xmlns="" val="834335964"/>
+      </p:ext>
+    </p:extLst>
+  </p:cSld>
+  <p:clrMapOvr>
+    <a:masterClrMapping/>
+  </p:clrMapOvr>
+  <p:timing>
+    <p:tnLst>
+      <p:par>
+        <p:cTn id="1" dur="indefinite" restart="never" nodeType="tmRoot"/>
+      </p:par>
+    </p:tnLst>
+  </p:timing>
+</p:sld>
+</file>
+
+<file path=ppt/slides/slide33.xml><?xml version="1.0" encoding="utf-8"?>
+<p:sld xmlns:a="http://schemas.openxmlformats.org/drawingml/2006/main" xmlns:r="http://schemas.openxmlformats.org/officeDocument/2006/relationships" xmlns:p="http://schemas.openxmlformats.org/presentationml/2006/main">
+  <p:cSld>
+    <p:spTree>
+      <p:nvGrpSpPr>
+        <p:cNvPr id="1" name=""/>
+        <p:cNvGrpSpPr/>
+        <p:nvPr/>
+      </p:nvGrpSpPr>
+      <p:grpSpPr>
+        <a:xfrm>
+          <a:off x="0" y="0"/>
+          <a:ext cx="0" cy="0"/>
+          <a:chOff x="0" y="0"/>
+          <a:chExt cx="0" cy="0"/>
+        </a:xfrm>
+      </p:grpSpPr>
+      <p:sp>
+        <p:nvSpPr>
+          <p:cNvPr id="2" name="Textplatzhalter 1"/>
+          <p:cNvSpPr>
+            <a:spLocks noGrp="1"/>
+          </p:cNvSpPr>
+          <p:nvPr>
+            <p:ph type="body" sz="quarter" idx="10"/>
+          </p:nvPr>
+        </p:nvSpPr>
+        <p:spPr/>
+        <p:txBody>
+          <a:bodyPr/>
+          <a:lstStyle/>
+          <a:p>
+            <a:r>
               <a:rPr lang="de-DE" dirty="0" smtClean="0"/>
               <a:t>Motivation</a:t>
             </a:r>
           </a:p>
           <a:p>
             <a:r>
+              <a:rPr lang="de-DE" dirty="0" smtClean="0"/>
+              <a:t>Forschungsrichtungen</a:t>
+            </a:r>
+          </a:p>
+          <a:p>
+            <a:r>
+              <a:rPr lang="de-DE" dirty="0" smtClean="0"/>
+              <a:t>Transformationen</a:t>
+            </a:r>
+          </a:p>
+          <a:p>
+            <a:r>
+              <a:rPr lang="de-DE" dirty="0" smtClean="0"/>
+              <a:t>Visualisierung</a:t>
+            </a:r>
+          </a:p>
+          <a:p>
+            <a:r>
               <a:rPr lang="de-DE" b="1" dirty="0" smtClean="0"/>
-              <a:t>Forschungsrichtungen</a:t>
-            </a:r>
-          </a:p>
-          <a:p>
-            <a:r>
-              <a:rPr lang="de-DE" dirty="0" smtClean="0"/>
-              <a:t>Transformationen</a:t>
-            </a:r>
-          </a:p>
-          <a:p>
-            <a:r>
-              <a:rPr lang="de-DE" dirty="0" smtClean="0"/>
-              <a:t>Visualisierung</a:t>
+              <a:t>Ergebnisse</a:t>
             </a:r>
             <a:endParaRPr lang="de-DE" dirty="0" smtClean="0"/>
           </a:p>
           <a:p>
             <a:r>
               <a:rPr lang="de-DE" dirty="0" smtClean="0"/>
-              <a:t>Ergebnisse</a:t>
-            </a:r>
-          </a:p>
-          <a:p>
-            <a:r>
-              <a:rPr lang="de-DE" dirty="0" smtClean="0"/>
               <a:t>DEMO</a:t>
             </a:r>
           </a:p>
@@ -5580,6 +6016,8 @@
               <a:rPr lang="de-DE" dirty="0" smtClean="0"/>
               <a:t>Ausblick</a:t>
             </a:r>
+          </a:p>
+          <a:p>
             <a:endParaRPr lang="de-DE" dirty="0"/>
           </a:p>
         </p:txBody>
@@ -5622,7 +6060,688 @@
 </p:sld>
 </file>
 
-<file path=ppt/slides/slide30.xml><?xml version="1.0" encoding="utf-8"?>
+<file path=ppt/slides/slide34.xml><?xml version="1.0" encoding="utf-8"?>
+<p:sld xmlns:a="http://schemas.openxmlformats.org/drawingml/2006/main" xmlns:r="http://schemas.openxmlformats.org/officeDocument/2006/relationships" xmlns:p="http://schemas.openxmlformats.org/presentationml/2006/main">
+  <p:cSld>
+    <p:spTree>
+      <p:nvGrpSpPr>
+        <p:cNvPr id="1" name=""/>
+        <p:cNvGrpSpPr/>
+        <p:nvPr/>
+      </p:nvGrpSpPr>
+      <p:grpSpPr>
+        <a:xfrm>
+          <a:off x="0" y="0"/>
+          <a:ext cx="0" cy="0"/>
+          <a:chOff x="0" y="0"/>
+          <a:chExt cx="0" cy="0"/>
+        </a:xfrm>
+      </p:grpSpPr>
+      <p:sp>
+        <p:nvSpPr>
+          <p:cNvPr id="2" name="Textplatzhalter 1"/>
+          <p:cNvSpPr>
+            <a:spLocks noGrp="1"/>
+          </p:cNvSpPr>
+          <p:nvPr>
+            <p:ph type="body" sz="quarter" idx="10"/>
+          </p:nvPr>
+        </p:nvSpPr>
+        <p:spPr>
+          <a:xfrm>
+            <a:off x="250824" y="933450"/>
+            <a:ext cx="8031164" cy="4495813"/>
+          </a:xfrm>
+        </p:spPr>
+        <p:txBody>
+          <a:bodyPr/>
+          <a:lstStyle/>
+          <a:p>
+            <a:pPr marL="0" indent="0"/>
+            <a:r>
+              <a:rPr lang="de-DE" dirty="0" smtClean="0"/>
+              <a:t> Framework sowie Transformationen in der PoC erfolgreich umgestezt</a:t>
+            </a:r>
+          </a:p>
+          <a:p>
+            <a:pPr marL="0" indent="0"/>
+            <a:r>
+              <a:rPr lang="de-DE" dirty="0" smtClean="0"/>
+              <a:t> </a:t>
+            </a:r>
+            <a:r>
+              <a:rPr lang="de-DE" dirty="0" smtClean="0"/>
+              <a:t>Atomare Transformationen ermöglichen einen hohen Wiederverwendungsgrad</a:t>
+            </a:r>
+          </a:p>
+          <a:p>
+            <a:pPr marL="0" indent="0"/>
+            <a:r>
+              <a:rPr lang="de-DE" dirty="0" smtClean="0"/>
+              <a:t> </a:t>
+            </a:r>
+            <a:r>
+              <a:rPr lang="de-DE" dirty="0" smtClean="0"/>
+              <a:t>6 Atomare Transformationen für die Umsetzung der 3 Sprachen ausreichend</a:t>
+            </a:r>
+          </a:p>
+          <a:p>
+            <a:pPr marL="0" indent="0"/>
+            <a:r>
+              <a:rPr lang="de-DE" dirty="0" smtClean="0"/>
+              <a:t> </a:t>
+            </a:r>
+            <a:r>
+              <a:rPr lang="de-DE" dirty="0" smtClean="0"/>
+              <a:t>Eigenges Framework für die Verarbeitung von Visio 2013 (VSDX) Dateien</a:t>
+            </a:r>
+          </a:p>
+          <a:p>
+            <a:pPr marL="0" indent="0"/>
+            <a:r>
+              <a:rPr lang="de-DE" dirty="0" smtClean="0"/>
+              <a:t> </a:t>
+            </a:r>
+            <a:r>
+              <a:rPr lang="de-DE" dirty="0" smtClean="0"/>
+              <a:t>3 aus 4 Sprachen unterstützt</a:t>
+            </a:r>
+          </a:p>
+          <a:p>
+            <a:pPr marL="271463" lvl="1" indent="0"/>
+            <a:r>
+              <a:rPr lang="de-DE" dirty="0" smtClean="0"/>
+              <a:t> </a:t>
+            </a:r>
+            <a:r>
+              <a:rPr lang="de-DE" dirty="0" smtClean="0"/>
+              <a:t>BPMN aufgrund spezielle Visio-Serialisierung nicht unterstützt</a:t>
+            </a:r>
+          </a:p>
+          <a:p>
+            <a:pPr marL="271463" lvl="1" indent="0"/>
+            <a:r>
+              <a:rPr lang="de-DE" dirty="0" smtClean="0"/>
+              <a:t> </a:t>
+            </a:r>
+            <a:r>
+              <a:rPr lang="de-DE" dirty="0" smtClean="0"/>
+              <a:t>SysML4Mechatronics</a:t>
+            </a:r>
+          </a:p>
+          <a:p>
+            <a:pPr marL="531813" lvl="2" indent="0"/>
+            <a:r>
+              <a:rPr lang="de-DE" dirty="0" smtClean="0"/>
+              <a:t> </a:t>
+            </a:r>
+            <a:r>
+              <a:rPr lang="de-DE" dirty="0" smtClean="0"/>
+              <a:t>Erster Ansatz mit UML-Serialisierung gescheitert</a:t>
+            </a:r>
+          </a:p>
+          <a:p>
+            <a:pPr marL="531813" lvl="2" indent="0"/>
+            <a:r>
+              <a:rPr lang="de-DE" dirty="0" smtClean="0"/>
+              <a:t> </a:t>
+            </a:r>
+            <a:r>
+              <a:rPr lang="de-DE" dirty="0" smtClean="0"/>
+              <a:t>Zweiter Ansatz mit SFB 768 eCore erfolgreich</a:t>
+            </a:r>
+          </a:p>
+          <a:p>
+            <a:pPr marL="271463" lvl="1" indent="0"/>
+            <a:r>
+              <a:rPr lang="de-DE" dirty="0" smtClean="0"/>
+              <a:t> EPK: Nativ durch Visio VSDX Bibliothek</a:t>
+            </a:r>
+          </a:p>
+          <a:p>
+            <a:pPr marL="271463" lvl="1" indent="0"/>
+            <a:r>
+              <a:rPr lang="de-DE" dirty="0" smtClean="0"/>
+              <a:t> UFM als GraphML Export von Soley (check name!)</a:t>
+            </a:r>
+          </a:p>
+          <a:p>
+            <a:pPr marL="0" indent="0"/>
+            <a:endParaRPr lang="de-DE" dirty="0" smtClean="0"/>
+          </a:p>
+        </p:txBody>
+      </p:sp>
+      <p:sp>
+        <p:nvSpPr>
+          <p:cNvPr id="3" name="Titel 2"/>
+          <p:cNvSpPr>
+            <a:spLocks noGrp="1"/>
+          </p:cNvSpPr>
+          <p:nvPr>
+            <p:ph type="title"/>
+          </p:nvPr>
+        </p:nvSpPr>
+        <p:spPr>
+          <a:xfrm>
+            <a:off x="250825" y="195526"/>
+            <a:ext cx="8031163" cy="600164"/>
+          </a:xfrm>
+        </p:spPr>
+        <p:txBody>
+          <a:bodyPr/>
+          <a:lstStyle/>
+          <a:p>
+            <a:r>
+              <a:rPr lang="de-DE" dirty="0"/>
+              <a:t>Ergebnisse</a:t>
+            </a:r>
+            <a:br>
+              <a:rPr lang="de-DE" dirty="0"/>
+            </a:br>
+            <a:r>
+              <a:rPr lang="de-DE" sz="1400" b="0" dirty="0" smtClean="0"/>
+              <a:t>Transformationen</a:t>
+            </a:r>
+            <a:endParaRPr lang="de-DE" sz="1400" b="0" dirty="0"/>
+          </a:p>
+        </p:txBody>
+      </p:sp>
+    </p:spTree>
+  </p:cSld>
+  <p:clrMapOvr>
+    <a:masterClrMapping/>
+  </p:clrMapOvr>
+  <p:timing>
+    <p:tnLst>
+      <p:par>
+        <p:cTn id="1" dur="indefinite" restart="never" nodeType="tmRoot"/>
+      </p:par>
+    </p:tnLst>
+  </p:timing>
+</p:sld>
+</file>
+
+<file path=ppt/slides/slide35.xml><?xml version="1.0" encoding="utf-8"?>
+<p:sld xmlns:a="http://schemas.openxmlformats.org/drawingml/2006/main" xmlns:r="http://schemas.openxmlformats.org/officeDocument/2006/relationships" xmlns:p="http://schemas.openxmlformats.org/presentationml/2006/main">
+  <p:cSld>
+    <p:spTree>
+      <p:nvGrpSpPr>
+        <p:cNvPr id="1" name=""/>
+        <p:cNvGrpSpPr/>
+        <p:nvPr/>
+      </p:nvGrpSpPr>
+      <p:grpSpPr>
+        <a:xfrm>
+          <a:off x="0" y="0"/>
+          <a:ext cx="0" cy="0"/>
+          <a:chOff x="0" y="0"/>
+          <a:chExt cx="0" cy="0"/>
+        </a:xfrm>
+      </p:grpSpPr>
+      <p:sp>
+        <p:nvSpPr>
+          <p:cNvPr id="2" name="Textplatzhalter 1"/>
+          <p:cNvSpPr>
+            <a:spLocks noGrp="1"/>
+          </p:cNvSpPr>
+          <p:nvPr>
+            <p:ph type="body" sz="quarter" idx="10"/>
+          </p:nvPr>
+        </p:nvSpPr>
+        <p:spPr>
+          <a:xfrm>
+            <a:off x="250824" y="933450"/>
+            <a:ext cx="8031164" cy="4495813"/>
+          </a:xfrm>
+        </p:spPr>
+        <p:txBody>
+          <a:bodyPr/>
+          <a:lstStyle/>
+          <a:p>
+            <a:r>
+              <a:rPr lang="de-DE" dirty="0" smtClean="0"/>
+              <a:t>Import </a:t>
+            </a:r>
+            <a:r>
+              <a:rPr lang="de-DE" dirty="0"/>
+              <a:t>und Export aus verschiedenen Quellformaten</a:t>
+            </a:r>
+          </a:p>
+          <a:p>
+            <a:pPr lvl="1"/>
+            <a:r>
+              <a:rPr lang="de-DE" dirty="0"/>
+              <a:t>Automatischer Import und sofortige Anzeige</a:t>
+            </a:r>
+          </a:p>
+          <a:p>
+            <a:r>
+              <a:rPr lang="de-DE" dirty="0"/>
+              <a:t>Visualisierung des Gesamtmodells</a:t>
+            </a:r>
+          </a:p>
+          <a:p>
+            <a:pPr lvl="1"/>
+            <a:r>
+              <a:rPr lang="de-DE" dirty="0"/>
+              <a:t>Matrix und Graphen Darstellung</a:t>
+            </a:r>
+          </a:p>
+          <a:p>
+            <a:r>
+              <a:rPr lang="de-DE" dirty="0"/>
+              <a:t>Bearbeitung des Gesamtmodells</a:t>
+            </a:r>
+          </a:p>
+          <a:p>
+            <a:pPr lvl="1"/>
+            <a:r>
+              <a:rPr lang="de-DE" dirty="0"/>
+              <a:t>Einfügen von Knoten und Kanten</a:t>
+            </a:r>
+          </a:p>
+          <a:p>
+            <a:pPr lvl="1"/>
+            <a:r>
+              <a:rPr lang="de-DE" dirty="0"/>
+              <a:t>Modifizieren der Attribute von Elementen</a:t>
+            </a:r>
+          </a:p>
+          <a:p>
+            <a:r>
+              <a:rPr lang="de-DE" dirty="0"/>
+              <a:t>Analysen auf dem Gesamtmodell</a:t>
+            </a:r>
+          </a:p>
+          <a:p>
+            <a:pPr lvl="1"/>
+            <a:r>
+              <a:rPr lang="de-DE" dirty="0"/>
+              <a:t>Hervorheben von Zusammenhängen</a:t>
+            </a:r>
+          </a:p>
+          <a:p>
+            <a:pPr lvl="1"/>
+            <a:r>
+              <a:rPr lang="de-DE" dirty="0"/>
+              <a:t>Filtern über Attribute und Elementtypen</a:t>
+            </a:r>
+          </a:p>
+          <a:p>
+            <a:endParaRPr lang="de-DE" dirty="0"/>
+          </a:p>
+        </p:txBody>
+      </p:sp>
+      <p:sp>
+        <p:nvSpPr>
+          <p:cNvPr id="3" name="Titel 2"/>
+          <p:cNvSpPr>
+            <a:spLocks noGrp="1"/>
+          </p:cNvSpPr>
+          <p:nvPr>
+            <p:ph type="title"/>
+          </p:nvPr>
+        </p:nvSpPr>
+        <p:spPr>
+          <a:xfrm>
+            <a:off x="250825" y="195526"/>
+            <a:ext cx="8031163" cy="600164"/>
+          </a:xfrm>
+        </p:spPr>
+        <p:txBody>
+          <a:bodyPr/>
+          <a:lstStyle/>
+          <a:p>
+            <a:r>
+              <a:rPr lang="de-DE" dirty="0" smtClean="0"/>
+              <a:t>Ergebnisse</a:t>
+            </a:r>
+            <a:br>
+              <a:rPr lang="de-DE" dirty="0" smtClean="0"/>
+            </a:br>
+            <a:r>
+              <a:rPr lang="de-DE" sz="1400" b="0" dirty="0" smtClean="0"/>
+              <a:t>Visualisierung</a:t>
+            </a:r>
+            <a:endParaRPr lang="de-DE" sz="1400" b="0" dirty="0"/>
+          </a:p>
+        </p:txBody>
+      </p:sp>
+    </p:spTree>
+    <p:extLst>
+      <p:ext uri="{BB962C8B-B14F-4D97-AF65-F5344CB8AC3E}">
+        <p14:creationId xmlns:p14="http://schemas.microsoft.com/office/powerpoint/2010/main" xmlns="" val="3015326985"/>
+      </p:ext>
+    </p:extLst>
+  </p:cSld>
+  <p:clrMapOvr>
+    <a:masterClrMapping/>
+  </p:clrMapOvr>
+  <p:timing>
+    <p:tnLst>
+      <p:par>
+        <p:cTn id="1" dur="indefinite" restart="never" nodeType="tmRoot"/>
+      </p:par>
+    </p:tnLst>
+  </p:timing>
+</p:sld>
+</file>
+
+<file path=ppt/slides/slide36.xml><?xml version="1.0" encoding="utf-8"?>
+<p:sld xmlns:a="http://schemas.openxmlformats.org/drawingml/2006/main" xmlns:r="http://schemas.openxmlformats.org/officeDocument/2006/relationships" xmlns:p="http://schemas.openxmlformats.org/presentationml/2006/main">
+  <p:cSld>
+    <p:spTree>
+      <p:nvGrpSpPr>
+        <p:cNvPr id="1" name=""/>
+        <p:cNvGrpSpPr/>
+        <p:nvPr/>
+      </p:nvGrpSpPr>
+      <p:grpSpPr>
+        <a:xfrm>
+          <a:off x="0" y="0"/>
+          <a:ext cx="0" cy="0"/>
+          <a:chOff x="0" y="0"/>
+          <a:chExt cx="0" cy="0"/>
+        </a:xfrm>
+      </p:grpSpPr>
+      <p:sp>
+        <p:nvSpPr>
+          <p:cNvPr id="5" name="Textfeld 4"/>
+          <p:cNvSpPr txBox="1"/>
+          <p:nvPr/>
+        </p:nvSpPr>
+        <p:spPr>
+          <a:xfrm>
+            <a:off x="2195736" y="2420888"/>
+            <a:ext cx="4752528" cy="1200329"/>
+          </a:xfrm>
+          <a:prstGeom prst="rect">
+            <a:avLst/>
+          </a:prstGeom>
+          <a:noFill/>
+        </p:spPr>
+        <p:txBody>
+          <a:bodyPr wrap="square" rtlCol="0">
+            <a:spAutoFit/>
+          </a:bodyPr>
+          <a:lstStyle/>
+          <a:p>
+            <a:pPr algn="ctr"/>
+            <a:r>
+              <a:rPr lang="de-DE" sz="7200" b="1" dirty="0" smtClean="0"/>
+              <a:t>DEMO</a:t>
+            </a:r>
+            <a:endParaRPr lang="de-DE" sz="7200" b="1" dirty="0"/>
+          </a:p>
+        </p:txBody>
+      </p:sp>
+    </p:spTree>
+  </p:cSld>
+  <p:clrMapOvr>
+    <a:masterClrMapping/>
+  </p:clrMapOvr>
+  <p:timing>
+    <p:tnLst>
+      <p:par>
+        <p:cTn id="1" dur="indefinite" restart="never" nodeType="tmRoot"/>
+      </p:par>
+    </p:tnLst>
+  </p:timing>
+</p:sld>
+</file>
+
+<file path=ppt/slides/slide37.xml><?xml version="1.0" encoding="utf-8"?>
+<p:sld xmlns:a="http://schemas.openxmlformats.org/drawingml/2006/main" xmlns:r="http://schemas.openxmlformats.org/officeDocument/2006/relationships" xmlns:p="http://schemas.openxmlformats.org/presentationml/2006/main">
+  <p:cSld>
+    <p:spTree>
+      <p:nvGrpSpPr>
+        <p:cNvPr id="1" name=""/>
+        <p:cNvGrpSpPr/>
+        <p:nvPr/>
+      </p:nvGrpSpPr>
+      <p:grpSpPr>
+        <a:xfrm>
+          <a:off x="0" y="0"/>
+          <a:ext cx="0" cy="0"/>
+          <a:chOff x="0" y="0"/>
+          <a:chExt cx="0" cy="0"/>
+        </a:xfrm>
+      </p:grpSpPr>
+      <p:sp>
+        <p:nvSpPr>
+          <p:cNvPr id="2" name="Textplatzhalter 1"/>
+          <p:cNvSpPr>
+            <a:spLocks noGrp="1"/>
+          </p:cNvSpPr>
+          <p:nvPr>
+            <p:ph type="body" sz="quarter" idx="10"/>
+          </p:nvPr>
+        </p:nvSpPr>
+        <p:spPr/>
+        <p:txBody>
+          <a:bodyPr/>
+          <a:lstStyle/>
+          <a:p>
+            <a:r>
+              <a:rPr lang="de-DE" dirty="0" smtClean="0"/>
+              <a:t>Repository etc.</a:t>
+            </a:r>
+          </a:p>
+        </p:txBody>
+      </p:sp>
+      <p:sp>
+        <p:nvSpPr>
+          <p:cNvPr id="3" name="Titel 2"/>
+          <p:cNvSpPr>
+            <a:spLocks noGrp="1"/>
+          </p:cNvSpPr>
+          <p:nvPr>
+            <p:ph type="title"/>
+          </p:nvPr>
+        </p:nvSpPr>
+        <p:spPr>
+          <a:xfrm>
+            <a:off x="250825" y="195526"/>
+            <a:ext cx="8031163" cy="600164"/>
+          </a:xfrm>
+        </p:spPr>
+        <p:txBody>
+          <a:bodyPr/>
+          <a:lstStyle/>
+          <a:p>
+            <a:r>
+              <a:rPr lang="de-DE" dirty="0" smtClean="0"/>
+              <a:t>Ausblick</a:t>
+            </a:r>
+            <a:br>
+              <a:rPr lang="de-DE" dirty="0" smtClean="0"/>
+            </a:br>
+            <a:r>
+              <a:rPr lang="de-DE" sz="1400" dirty="0" smtClean="0"/>
+              <a:t>Transformationen</a:t>
+            </a:r>
+            <a:endParaRPr lang="de-DE" sz="1400" dirty="0"/>
+          </a:p>
+        </p:txBody>
+      </p:sp>
+    </p:spTree>
+  </p:cSld>
+  <p:clrMapOvr>
+    <a:masterClrMapping/>
+  </p:clrMapOvr>
+  <p:timing>
+    <p:tnLst>
+      <p:par>
+        <p:cTn id="1" dur="indefinite" restart="never" nodeType="tmRoot"/>
+      </p:par>
+    </p:tnLst>
+  </p:timing>
+</p:sld>
+</file>
+
+<file path=ppt/slides/slide38.xml><?xml version="1.0" encoding="utf-8"?>
+<p:sld xmlns:a="http://schemas.openxmlformats.org/drawingml/2006/main" xmlns:r="http://schemas.openxmlformats.org/officeDocument/2006/relationships" xmlns:p="http://schemas.openxmlformats.org/presentationml/2006/main">
+  <p:cSld>
+    <p:spTree>
+      <p:nvGrpSpPr>
+        <p:cNvPr id="1" name=""/>
+        <p:cNvGrpSpPr/>
+        <p:nvPr/>
+      </p:nvGrpSpPr>
+      <p:grpSpPr>
+        <a:xfrm>
+          <a:off x="0" y="0"/>
+          <a:ext cx="0" cy="0"/>
+          <a:chOff x="0" y="0"/>
+          <a:chExt cx="0" cy="0"/>
+        </a:xfrm>
+      </p:grpSpPr>
+      <p:sp>
+        <p:nvSpPr>
+          <p:cNvPr id="2" name="Textplatzhalter 1"/>
+          <p:cNvSpPr>
+            <a:spLocks noGrp="1"/>
+          </p:cNvSpPr>
+          <p:nvPr>
+            <p:ph type="body" sz="quarter" idx="10"/>
+          </p:nvPr>
+        </p:nvSpPr>
+        <p:spPr>
+          <a:xfrm>
+            <a:off x="250824" y="933450"/>
+            <a:ext cx="8031164" cy="4495813"/>
+          </a:xfrm>
+        </p:spPr>
+        <p:txBody>
+          <a:bodyPr/>
+          <a:lstStyle/>
+          <a:p>
+            <a:r>
+              <a:rPr lang="de-DE" dirty="0" smtClean="0"/>
+              <a:t>Mögliche </a:t>
+            </a:r>
+            <a:r>
+              <a:rPr lang="de-DE" dirty="0"/>
+              <a:t>Verbesserungen</a:t>
+            </a:r>
+          </a:p>
+          <a:p>
+            <a:pPr lvl="1"/>
+            <a:r>
+              <a:rPr lang="de-DE" dirty="0"/>
+              <a:t>Intelligenter Model Merger</a:t>
+            </a:r>
+          </a:p>
+          <a:p>
+            <a:pPr lvl="1"/>
+            <a:r>
+              <a:rPr lang="de-DE" dirty="0"/>
+              <a:t>JUNG2 Layouts für große Knoten optimieren</a:t>
+            </a:r>
+          </a:p>
+          <a:p>
+            <a:pPr lvl="1"/>
+            <a:r>
+              <a:rPr lang="de-DE" dirty="0"/>
+              <a:t>Mehrere „Kontaktpunkte“ für Elemente des Graphen definieren</a:t>
+            </a:r>
+          </a:p>
+          <a:p>
+            <a:r>
+              <a:rPr lang="de-DE" dirty="0"/>
+              <a:t>Mögliche Erweiterungen</a:t>
+            </a:r>
+          </a:p>
+          <a:p>
+            <a:pPr lvl="1"/>
+            <a:r>
+              <a:rPr lang="de-DE" dirty="0"/>
+              <a:t>Weitere Filter einbinden (z.B. Filter über aggregierte Attribut Werte)</a:t>
+            </a:r>
+          </a:p>
+          <a:p>
+            <a:pPr lvl="1"/>
+            <a:r>
+              <a:rPr lang="de-DE" dirty="0"/>
+              <a:t>Modifikation des Gesamtmodells in der Matrix View erlauben</a:t>
+            </a:r>
+          </a:p>
+          <a:p>
+            <a:pPr lvl="1"/>
+            <a:r>
+              <a:rPr lang="de-DE" dirty="0"/>
+              <a:t>Lösch und </a:t>
+            </a:r>
+            <a:r>
+              <a:rPr lang="de-DE" dirty="0" err="1"/>
+              <a:t>Merge</a:t>
+            </a:r>
+            <a:r>
+              <a:rPr lang="de-DE" dirty="0"/>
+              <a:t> Operationen implementieren (PSS-IF Core muss erweitert werden)</a:t>
+            </a:r>
+          </a:p>
+          <a:p>
+            <a:endParaRPr lang="de-DE" dirty="0"/>
+          </a:p>
+        </p:txBody>
+      </p:sp>
+      <p:sp>
+        <p:nvSpPr>
+          <p:cNvPr id="3" name="Titel 2"/>
+          <p:cNvSpPr>
+            <a:spLocks noGrp="1"/>
+          </p:cNvSpPr>
+          <p:nvPr>
+            <p:ph type="title"/>
+          </p:nvPr>
+        </p:nvSpPr>
+        <p:spPr>
+          <a:xfrm>
+            <a:off x="250825" y="195526"/>
+            <a:ext cx="8031163" cy="600164"/>
+          </a:xfrm>
+        </p:spPr>
+        <p:txBody>
+          <a:bodyPr/>
+          <a:lstStyle/>
+          <a:p>
+            <a:r>
+              <a:rPr lang="de-DE" dirty="0" smtClean="0"/>
+              <a:t>Ausblick</a:t>
+            </a:r>
+            <a:br>
+              <a:rPr lang="de-DE" dirty="0" smtClean="0"/>
+            </a:br>
+            <a:r>
+              <a:rPr lang="de-DE" sz="1400" dirty="0" smtClean="0"/>
+              <a:t>Visualisierung</a:t>
+            </a:r>
+            <a:endParaRPr lang="de-DE" sz="1400" dirty="0"/>
+          </a:p>
+        </p:txBody>
+      </p:sp>
+    </p:spTree>
+    <p:extLst>
+      <p:ext uri="{BB962C8B-B14F-4D97-AF65-F5344CB8AC3E}">
+        <p14:creationId xmlns:p14="http://schemas.microsoft.com/office/powerpoint/2010/main" xmlns="" val="2204816514"/>
+      </p:ext>
+    </p:extLst>
+  </p:cSld>
+  <p:clrMapOvr>
+    <a:masterClrMapping/>
+  </p:clrMapOvr>
+  <p:timing>
+    <p:tnLst>
+      <p:par>
+        <p:cTn id="1" dur="indefinite" restart="never" nodeType="tmRoot"/>
+      </p:par>
+    </p:tnLst>
+  </p:timing>
+</p:sld>
+</file>
+
+<file path=ppt/slides/slide39.xml><?xml version="1.0" encoding="utf-8"?>
 <p:sld xmlns:a="http://schemas.openxmlformats.org/drawingml/2006/main" xmlns:r="http://schemas.openxmlformats.org/officeDocument/2006/relationships" xmlns:p="http://schemas.openxmlformats.org/presentationml/2006/main">
   <p:cSld>
     <p:spTree>
@@ -5704,6 +6823,65 @@
       </p:grpSpPr>
       <p:sp>
         <p:nvSpPr>
+          <p:cNvPr id="2" name="Textplatzhalter 1"/>
+          <p:cNvSpPr>
+            <a:spLocks noGrp="1"/>
+          </p:cNvSpPr>
+          <p:nvPr>
+            <p:ph type="body" sz="quarter" idx="10"/>
+          </p:nvPr>
+        </p:nvSpPr>
+        <p:spPr/>
+        <p:txBody>
+          <a:bodyPr/>
+          <a:lstStyle/>
+          <a:p>
+            <a:r>
+              <a:rPr lang="de-DE" dirty="0" smtClean="0"/>
+              <a:t>Motivation</a:t>
+            </a:r>
+          </a:p>
+          <a:p>
+            <a:r>
+              <a:rPr lang="de-DE" b="1" dirty="0" smtClean="0"/>
+              <a:t>Forschungsrichtungen</a:t>
+            </a:r>
+          </a:p>
+          <a:p>
+            <a:r>
+              <a:rPr lang="de-DE" dirty="0" smtClean="0"/>
+              <a:t>Transformationen</a:t>
+            </a:r>
+          </a:p>
+          <a:p>
+            <a:r>
+              <a:rPr lang="de-DE" dirty="0" smtClean="0"/>
+              <a:t>Visualisierung</a:t>
+            </a:r>
+          </a:p>
+          <a:p>
+            <a:r>
+              <a:rPr lang="de-DE" dirty="0" smtClean="0"/>
+              <a:t>Ergebnisse</a:t>
+            </a:r>
+          </a:p>
+          <a:p>
+            <a:r>
+              <a:rPr lang="de-DE" dirty="0" smtClean="0"/>
+              <a:t>DEMO</a:t>
+            </a:r>
+          </a:p>
+          <a:p>
+            <a:r>
+              <a:rPr lang="de-DE" dirty="0" smtClean="0"/>
+              <a:t>Ausblick</a:t>
+            </a:r>
+            <a:endParaRPr lang="de-DE" dirty="0"/>
+          </a:p>
+        </p:txBody>
+      </p:sp>
+      <p:sp>
+        <p:nvSpPr>
           <p:cNvPr id="3" name="Titel 2"/>
           <p:cNvSpPr>
             <a:spLocks noGrp="1"/>
@@ -5719,60 +6897,12 @@
           <a:p>
             <a:r>
               <a:rPr lang="de-DE" dirty="0" smtClean="0"/>
-              <a:t>Forschungsrichtungen</a:t>
+              <a:t>Agenda</a:t>
             </a:r>
             <a:endParaRPr lang="de-DE" dirty="0"/>
           </a:p>
         </p:txBody>
       </p:sp>
-      <p:pic>
-        <p:nvPicPr>
-          <p:cNvPr id="9" name="Grafik 8"/>
-          <p:cNvPicPr>
-            <a:picLocks noChangeAspect="1"/>
-          </p:cNvPicPr>
-          <p:nvPr/>
-        </p:nvPicPr>
-        <p:blipFill>
-          <a:blip r:embed="rId2"/>
-          <a:stretch>
-            <a:fillRect/>
-          </a:stretch>
-        </p:blipFill>
-        <p:spPr>
-          <a:xfrm>
-            <a:off x="971600" y="3566822"/>
-            <a:ext cx="5760000" cy="2100374"/>
-          </a:xfrm>
-          <a:prstGeom prst="rect">
-            <a:avLst/>
-          </a:prstGeom>
-        </p:spPr>
-      </p:pic>
-      <p:pic>
-        <p:nvPicPr>
-          <p:cNvPr id="12" name="Grafik 11"/>
-          <p:cNvPicPr>
-            <a:picLocks noChangeAspect="1"/>
-          </p:cNvPicPr>
-          <p:nvPr/>
-        </p:nvPicPr>
-        <p:blipFill>
-          <a:blip r:embed="rId3"/>
-          <a:stretch>
-            <a:fillRect/>
-          </a:stretch>
-        </p:blipFill>
-        <p:spPr>
-          <a:xfrm>
-            <a:off x="971600" y="1124744"/>
-            <a:ext cx="5760000" cy="2278882"/>
-          </a:xfrm>
-          <a:prstGeom prst="rect">
-            <a:avLst/>
-          </a:prstGeom>
-        </p:spPr>
-      </p:pic>
     </p:spTree>
   </p:cSld>
   <p:clrMapOvr>
@@ -5807,68 +6937,6 @@
       </p:grpSpPr>
       <p:sp>
         <p:nvSpPr>
-          <p:cNvPr id="2" name="Textplatzhalter 1"/>
-          <p:cNvSpPr>
-            <a:spLocks noGrp="1"/>
-          </p:cNvSpPr>
-          <p:nvPr>
-            <p:ph type="body" sz="quarter" idx="10"/>
-          </p:nvPr>
-        </p:nvSpPr>
-        <p:spPr/>
-        <p:txBody>
-          <a:bodyPr/>
-          <a:lstStyle/>
-          <a:p>
-            <a:r>
-              <a:rPr lang="de-DE" dirty="0" smtClean="0"/>
-              <a:t>Motivation</a:t>
-            </a:r>
-          </a:p>
-          <a:p>
-            <a:r>
-              <a:rPr lang="de-DE" dirty="0" smtClean="0"/>
-              <a:t>Forschungsrichtungen</a:t>
-            </a:r>
-          </a:p>
-          <a:p>
-            <a:r>
-              <a:rPr lang="de-DE" b="1" dirty="0" smtClean="0"/>
-              <a:t>Transformationen</a:t>
-            </a:r>
-          </a:p>
-          <a:p>
-            <a:r>
-              <a:rPr lang="de-DE" dirty="0" smtClean="0"/>
-              <a:t>Visualisierung</a:t>
-            </a:r>
-            <a:endParaRPr lang="de-DE" dirty="0" smtClean="0"/>
-          </a:p>
-          <a:p>
-            <a:r>
-              <a:rPr lang="de-DE" dirty="0" smtClean="0"/>
-              <a:t>Ergebnisse</a:t>
-            </a:r>
-          </a:p>
-          <a:p>
-            <a:r>
-              <a:rPr lang="de-DE" dirty="0" smtClean="0"/>
-              <a:t>DEMO</a:t>
-            </a:r>
-          </a:p>
-          <a:p>
-            <a:r>
-              <a:rPr lang="de-DE" dirty="0" smtClean="0"/>
-              <a:t>Ausblick</a:t>
-            </a:r>
-          </a:p>
-          <a:p>
-            <a:endParaRPr lang="de-DE" dirty="0"/>
-          </a:p>
-        </p:txBody>
-      </p:sp>
-      <p:sp>
-        <p:nvSpPr>
           <p:cNvPr id="3" name="Titel 2"/>
           <p:cNvSpPr>
             <a:spLocks noGrp="1"/>
@@ -5884,12 +6952,60 @@
           <a:p>
             <a:r>
               <a:rPr lang="de-DE" dirty="0" smtClean="0"/>
-              <a:t>Agenda</a:t>
+              <a:t>Forschungsrichtungen</a:t>
             </a:r>
             <a:endParaRPr lang="de-DE" dirty="0"/>
           </a:p>
         </p:txBody>
       </p:sp>
+      <p:pic>
+        <p:nvPicPr>
+          <p:cNvPr id="9" name="Grafik 8"/>
+          <p:cNvPicPr>
+            <a:picLocks noChangeAspect="1"/>
+          </p:cNvPicPr>
+          <p:nvPr/>
+        </p:nvPicPr>
+        <p:blipFill>
+          <a:blip r:embed="rId2" cstate="print"/>
+          <a:stretch>
+            <a:fillRect/>
+          </a:stretch>
+        </p:blipFill>
+        <p:spPr>
+          <a:xfrm>
+            <a:off x="971600" y="3566822"/>
+            <a:ext cx="5760000" cy="2100374"/>
+          </a:xfrm>
+          <a:prstGeom prst="rect">
+            <a:avLst/>
+          </a:prstGeom>
+        </p:spPr>
+      </p:pic>
+      <p:pic>
+        <p:nvPicPr>
+          <p:cNvPr id="12" name="Grafik 11"/>
+          <p:cNvPicPr>
+            <a:picLocks noChangeAspect="1"/>
+          </p:cNvPicPr>
+          <p:nvPr/>
+        </p:nvPicPr>
+        <p:blipFill>
+          <a:blip r:embed="rId3" cstate="print"/>
+          <a:stretch>
+            <a:fillRect/>
+          </a:stretch>
+        </p:blipFill>
+        <p:spPr>
+          <a:xfrm>
+            <a:off x="971600" y="1124744"/>
+            <a:ext cx="5760000" cy="2278882"/>
+          </a:xfrm>
+          <a:prstGeom prst="rect">
+            <a:avLst/>
+          </a:prstGeom>
+        </p:spPr>
+      </p:pic>
     </p:spTree>
   </p:cSld>
   <p:clrMapOvr>
@@ -5939,26 +7055,46 @@
           <a:p>
             <a:r>
               <a:rPr lang="de-DE" dirty="0" smtClean="0"/>
-              <a:t>Ziele</a:t>
-            </a:r>
-          </a:p>
-          <a:p>
-            <a:r>
-              <a:rPr lang="de-DE" dirty="0" smtClean="0"/>
-              <a:t>Lösungsalternativen</a:t>
-            </a:r>
-          </a:p>
-          <a:p>
-            <a:r>
-              <a:rPr lang="de-DE" dirty="0" smtClean="0"/>
-              <a:t>Diskussion &amp; Entscheidung</a:t>
-            </a:r>
-          </a:p>
-          <a:p>
-            <a:r>
-              <a:rPr lang="de-DE" dirty="0" smtClean="0"/>
-              <a:t>Implementierung</a:t>
-            </a:r>
+              <a:t>Motivation</a:t>
+            </a:r>
+          </a:p>
+          <a:p>
+            <a:r>
+              <a:rPr lang="de-DE" dirty="0" smtClean="0"/>
+              <a:t>Forschungsrichtungen</a:t>
+            </a:r>
+          </a:p>
+          <a:p>
+            <a:r>
+              <a:rPr lang="de-DE" b="1" dirty="0" smtClean="0"/>
+              <a:t>Transformationen</a:t>
+            </a:r>
+          </a:p>
+          <a:p>
+            <a:r>
+              <a:rPr lang="de-DE" dirty="0" smtClean="0"/>
+              <a:t>Visualisierung</a:t>
+            </a:r>
+          </a:p>
+          <a:p>
+            <a:r>
+              <a:rPr lang="de-DE" dirty="0" smtClean="0"/>
+              <a:t>Ergebnisse</a:t>
+            </a:r>
+          </a:p>
+          <a:p>
+            <a:r>
+              <a:rPr lang="de-DE" dirty="0" smtClean="0"/>
+              <a:t>DEMO</a:t>
+            </a:r>
+          </a:p>
+          <a:p>
+            <a:r>
+              <a:rPr lang="de-DE" dirty="0" smtClean="0"/>
+              <a:t>Ausblick</a:t>
+            </a:r>
+          </a:p>
+          <a:p>
             <a:endParaRPr lang="de-DE" dirty="0"/>
           </a:p>
         </p:txBody>
@@ -5980,7 +7116,7 @@
           <a:p>
             <a:r>
               <a:rPr lang="de-DE" dirty="0" smtClean="0"/>
-              <a:t>Transformationen</a:t>
+              <a:t>Agenda</a:t>
             </a:r>
             <a:endParaRPr lang="de-DE" dirty="0"/>
           </a:p>
@@ -6033,7 +7169,29 @@
           <a:bodyPr/>
           <a:lstStyle/>
           <a:p>
-            <a:endParaRPr lang="de-DE"/>
+            <a:r>
+              <a:rPr lang="de-DE" dirty="0" smtClean="0"/>
+              <a:t>Ziele</a:t>
+            </a:r>
+          </a:p>
+          <a:p>
+            <a:r>
+              <a:rPr lang="de-DE" dirty="0" smtClean="0"/>
+              <a:t>Lösungsalternativen</a:t>
+            </a:r>
+          </a:p>
+          <a:p>
+            <a:r>
+              <a:rPr lang="de-DE" dirty="0" smtClean="0"/>
+              <a:t>Diskussion &amp; Entscheidung</a:t>
+            </a:r>
+          </a:p>
+          <a:p>
+            <a:r>
+              <a:rPr lang="de-DE" dirty="0" smtClean="0"/>
+              <a:t>Implementierung</a:t>
+            </a:r>
+            <a:endParaRPr lang="de-DE" dirty="0"/>
           </a:p>
         </p:txBody>
       </p:sp>
@@ -6054,7 +7212,7 @@
           <a:p>
             <a:r>
               <a:rPr lang="de-DE" dirty="0" smtClean="0"/>
-              <a:t>Ziele</a:t>
+              <a:t>Transformationen</a:t>
             </a:r>
             <a:endParaRPr lang="de-DE" dirty="0"/>
           </a:p>
@@ -6107,7 +7265,51 @@
           <a:bodyPr/>
           <a:lstStyle/>
           <a:p>
-            <a:endParaRPr lang="de-DE"/>
+            <a:r>
+              <a:rPr lang="de-DE" dirty="0" smtClean="0"/>
+              <a:t>Transformation von Modellen zwischen jeweils zwei Sprachen</a:t>
+            </a:r>
+          </a:p>
+          <a:p>
+            <a:r>
+              <a:rPr lang="de-DE" dirty="0" smtClean="0"/>
+              <a:t>Proof-of-Concept (PoC) Implementierung</a:t>
+            </a:r>
+          </a:p>
+          <a:p>
+            <a:r>
+              <a:rPr lang="de-DE" dirty="0" smtClean="0"/>
+              <a:t>4 Beispielsprachen:</a:t>
+            </a:r>
+          </a:p>
+          <a:p>
+            <a:pPr lvl="1"/>
+            <a:r>
+              <a:rPr lang="de-DE" dirty="0" smtClean="0"/>
+              <a:t>EPK</a:t>
+            </a:r>
+          </a:p>
+          <a:p>
+            <a:pPr lvl="1"/>
+            <a:r>
+              <a:rPr lang="de-DE" dirty="0" smtClean="0"/>
+              <a:t>BPMN</a:t>
+            </a:r>
+          </a:p>
+          <a:p>
+            <a:pPr lvl="1"/>
+            <a:r>
+              <a:rPr lang="de-DE" dirty="0" smtClean="0"/>
+              <a:t>UFM</a:t>
+            </a:r>
+          </a:p>
+          <a:p>
+            <a:pPr lvl="1"/>
+            <a:r>
+              <a:rPr lang="de-DE" dirty="0" smtClean="0"/>
+              <a:t>SysML4Mechatronics</a:t>
+            </a:r>
+            <a:endParaRPr lang="de-DE" dirty="0"/>
           </a:p>
         </p:txBody>
       </p:sp>
@@ -6128,12 +7330,32 @@
           <a:p>
             <a:r>
               <a:rPr lang="de-DE" dirty="0" smtClean="0"/>
-              <a:t>Lösungsmöglichkeiten</a:t>
+              <a:t>Ziele</a:t>
             </a:r>
             <a:endParaRPr lang="de-DE" dirty="0"/>
           </a:p>
         </p:txBody>
       </p:sp>
+      <p:graphicFrame>
+        <p:nvGraphicFramePr>
+          <p:cNvPr id="3074" name="Object 2"/>
+          <p:cNvGraphicFramePr>
+            <a:graphicFrameLocks noChangeAspect="1"/>
+          </p:cNvGraphicFramePr>
+          <p:nvPr/>
+        </p:nvGraphicFramePr>
+        <p:xfrm>
+          <a:off x="1357290" y="3786190"/>
+          <a:ext cx="6324600" cy="2009775"/>
+        </p:xfrm>
+        <a:graphic>
+          <a:graphicData uri="http://schemas.openxmlformats.org/presentationml/2006/ole">
+            <p:oleObj spid="_x0000_s3074" name="Visio" r:id="rId3" imgW="6324703" imgH="2009711" progId="Visio.Drawing.15">
+              <p:embed/>
+            </p:oleObj>
+          </a:graphicData>
+        </a:graphic>
+      </p:graphicFrame>
     </p:spTree>
   </p:cSld>
   <p:clrMapOvr>
@@ -6181,7 +7403,71 @@
           <a:bodyPr/>
           <a:lstStyle/>
           <a:p>
-            <a:endParaRPr lang="de-DE"/>
+            <a:r>
+              <a:rPr lang="de-DE" dirty="0" smtClean="0"/>
+              <a:t>Allgemein: 4 Lösungsmöglichkeiten</a:t>
+            </a:r>
+            <a:endParaRPr lang="de-DE" dirty="0"/>
+          </a:p>
+          <a:p>
+            <a:r>
+              <a:rPr lang="de-DE" dirty="0" smtClean="0"/>
+              <a:t>Ergeben sich aus zwei Dimensionen</a:t>
+            </a:r>
+          </a:p>
+          <a:p>
+            <a:pPr lvl="1"/>
+            <a:r>
+              <a:rPr lang="de-DE" dirty="0" smtClean="0"/>
+              <a:t>Direkte Transformation</a:t>
+            </a:r>
+          </a:p>
+          <a:p>
+            <a:pPr lvl="1"/>
+            <a:r>
+              <a:rPr lang="de-DE" dirty="0" smtClean="0"/>
+              <a:t>Indirekte Transformation</a:t>
+            </a:r>
+          </a:p>
+          <a:p>
+            <a:r>
+              <a:rPr lang="de-DE" dirty="0" smtClean="0"/>
+              <a:t>Bei direkten Transformationen</a:t>
+            </a:r>
+          </a:p>
+          <a:p>
+            <a:pPr lvl="1"/>
+            <a:r>
+              <a:rPr lang="de-DE" dirty="0" smtClean="0"/>
+              <a:t>Syntax-abhängig</a:t>
+            </a:r>
+          </a:p>
+          <a:p>
+            <a:pPr lvl="1"/>
+            <a:r>
+              <a:rPr lang="de-DE" dirty="0" smtClean="0"/>
+              <a:t>Syntax-unabhängig</a:t>
+            </a:r>
+          </a:p>
+          <a:p>
+            <a:r>
+              <a:rPr lang="de-DE" dirty="0" smtClean="0"/>
+              <a:t>Bei indirekte Transformationen</a:t>
+            </a:r>
+          </a:p>
+          <a:p>
+            <a:pPr lvl="1"/>
+            <a:r>
+              <a:rPr lang="de-DE" dirty="0" smtClean="0"/>
+              <a:t>Fixes Schema für das Zwischenformat</a:t>
+            </a:r>
+          </a:p>
+          <a:p>
+            <a:pPr lvl="1"/>
+            <a:r>
+              <a:rPr lang="de-DE" dirty="0" smtClean="0"/>
+              <a:t>Variables Schema für das Zwischenformat</a:t>
+            </a:r>
           </a:p>
         </p:txBody>
       </p:sp>
@@ -6202,7 +7488,7 @@
           <a:p>
             <a:r>
               <a:rPr lang="de-DE" dirty="0" smtClean="0"/>
-              <a:t>Diskussion &amp; Entscheidung</a:t>
+              <a:t>Lösungsmöglichkeiten</a:t>
             </a:r>
             <a:endParaRPr lang="de-DE" dirty="0"/>
           </a:p>

--- a/pssif/doc/PSSIF.pptx
+++ b/pssif/doc/PSSIF.pptx
@@ -183,7 +183,7 @@
   </p:defaultTextStyle>
   <p:extLst>
     <p:ext uri="{EFAFB233-063F-42B5-8137-9DF3F51BA10A}">
-      <p15:sldGuideLst xmlns:p15="http://schemas.microsoft.com/office/powerpoint/2012/main" xmlns="">
+      <p15:sldGuideLst xmlns:p15="http://schemas.microsoft.com/office/powerpoint/2012/main">
         <p15:guide id="1" orient="horz" pos="3612">
           <p15:clr>
             <a:srgbClr val="A4A3A4"/>
@@ -257,7 +257,7 @@
       </p15:sldGuideLst>
     </p:ext>
     <p:ext uri="{2D200454-40CA-4A62-9FC3-DE9A4176ACB9}">
-      <p15:notesGuideLst xmlns:p15="http://schemas.microsoft.com/office/powerpoint/2012/main" xmlns="">
+      <p15:notesGuideLst xmlns:p15="http://schemas.microsoft.com/office/powerpoint/2012/main">
         <p15:guide id="1" orient="horz" pos="3128">
           <p15:clr>
             <a:srgbClr val="A4A3A4"/>
@@ -276,7 +276,7 @@
 
 <file path=ppt/commentAuthors.xml><?xml version="1.0" encoding="utf-8"?>
 <p:cmAuthorLst xmlns:a="http://schemas.openxmlformats.org/drawingml/2006/main" xmlns:r="http://schemas.openxmlformats.org/officeDocument/2006/relationships" xmlns:p="http://schemas.openxmlformats.org/presentationml/2006/main">
-  <p:cmAuthor id="1" name="Author" initials="A" lastIdx="0" clrIdx="1"/>
+  <p:cmAuthor id="2" name="Autor" initials="A" lastIdx="0" clrIdx="2"/>
 </p:cmAuthorLst>
 </file>
 
@@ -494,7 +494,7 @@
               <a:pPr>
                 <a:defRPr/>
               </a:pPr>
-              <a:t>‹#›</a:t>
+              <a:t>‹Nr.›</a:t>
             </a:fld>
             <a:endParaRPr lang="de-DE"/>
           </a:p>
@@ -503,7 +503,7 @@
     </p:spTree>
     <p:extLst>
       <p:ext uri="{BB962C8B-B14F-4D97-AF65-F5344CB8AC3E}">
-        <p14:creationId xmlns:p14="http://schemas.microsoft.com/office/powerpoint/2010/main" xmlns="" val="164483809"/>
+        <p14:creationId xmlns:p14="http://schemas.microsoft.com/office/powerpoint/2010/main" val="164483809"/>
       </p:ext>
     </p:extLst>
   </p:cSld>
@@ -836,7 +836,7 @@
               <a:pPr>
                 <a:defRPr/>
               </a:pPr>
-              <a:t>‹#›</a:t>
+              <a:t>‹Nr.›</a:t>
             </a:fld>
             <a:endParaRPr lang="de-DE"/>
           </a:p>
@@ -845,7 +845,7 @@
     </p:spTree>
     <p:extLst>
       <p:ext uri="{BB962C8B-B14F-4D97-AF65-F5344CB8AC3E}">
-        <p14:creationId xmlns:p14="http://schemas.microsoft.com/office/powerpoint/2010/main" xmlns="" val="220946427"/>
+        <p14:creationId xmlns:p14="http://schemas.microsoft.com/office/powerpoint/2010/main" val="220946427"/>
       </p:ext>
     </p:extLst>
   </p:cSld>
@@ -1278,7 +1278,7 @@
           <a:blip r:embed="rId3" cstate="print">
             <a:extLst>
               <a:ext uri="{28A0092B-C50C-407E-A947-70E740481C1C}">
-                <a14:useLocalDpi xmlns:a14="http://schemas.microsoft.com/office/drawing/2010/main" xmlns="" val="0"/>
+                <a14:useLocalDpi xmlns:a14="http://schemas.microsoft.com/office/drawing/2010/main" val="0"/>
               </a:ext>
             </a:extLst>
           </a:blip>
@@ -1308,7 +1308,7 @@
           <a:blip r:embed="rId4" cstate="print">
             <a:extLst>
               <a:ext uri="{28A0092B-C50C-407E-A947-70E740481C1C}">
-                <a14:useLocalDpi xmlns:a14="http://schemas.microsoft.com/office/drawing/2010/main" xmlns="" val="0"/>
+                <a14:useLocalDpi xmlns:a14="http://schemas.microsoft.com/office/drawing/2010/main" val="0"/>
               </a:ext>
             </a:extLst>
           </a:blip>
@@ -1338,7 +1338,7 @@
           <a:blip r:embed="rId5" cstate="print">
             <a:extLst>
               <a:ext uri="{28A0092B-C50C-407E-A947-70E740481C1C}">
-                <a14:useLocalDpi xmlns:a14="http://schemas.microsoft.com/office/drawing/2010/main" xmlns="" val="0"/>
+                <a14:useLocalDpi xmlns:a14="http://schemas.microsoft.com/office/drawing/2010/main" val="0"/>
               </a:ext>
             </a:extLst>
           </a:blip>
@@ -1494,7 +1494,7 @@
                 </a:spcAft>
                 <a:defRPr/>
               </a:pPr>
-              <a:t>‹#›</a:t>
+              <a:t>‹Nr.›</a:t>
             </a:fld>
             <a:endParaRPr lang="de-DE" sz="800" kern="0" dirty="0">
               <a:solidFill>
@@ -1633,7 +1633,7 @@
           <a:blip r:embed="rId2" cstate="print">
             <a:extLst>
               <a:ext uri="{28A0092B-C50C-407E-A947-70E740481C1C}">
-                <a14:useLocalDpi xmlns:a14="http://schemas.microsoft.com/office/drawing/2010/main" xmlns="" val="0"/>
+                <a14:useLocalDpi xmlns:a14="http://schemas.microsoft.com/office/drawing/2010/main" val="0"/>
               </a:ext>
             </a:extLst>
           </a:blip>
@@ -1663,7 +1663,7 @@
           <a:blip r:embed="rId3" cstate="print">
             <a:extLst>
               <a:ext uri="{28A0092B-C50C-407E-A947-70E740481C1C}">
-                <a14:useLocalDpi xmlns:a14="http://schemas.microsoft.com/office/drawing/2010/main" xmlns="" val="0"/>
+                <a14:useLocalDpi xmlns:a14="http://schemas.microsoft.com/office/drawing/2010/main" val="0"/>
               </a:ext>
             </a:extLst>
           </a:blip>
@@ -1693,7 +1693,7 @@
           <a:blip r:embed="rId4" cstate="print">
             <a:extLst>
               <a:ext uri="{28A0092B-C50C-407E-A947-70E740481C1C}">
-                <a14:useLocalDpi xmlns:a14="http://schemas.microsoft.com/office/drawing/2010/main" xmlns="" val="0"/>
+                <a14:useLocalDpi xmlns:a14="http://schemas.microsoft.com/office/drawing/2010/main" val="0"/>
               </a:ext>
             </a:extLst>
           </a:blip>
@@ -2346,9 +2346,82 @@
         </p:xfrm>
         <a:graphic>
           <a:graphicData uri="http://schemas.openxmlformats.org/presentationml/2006/ole">
-            <p:oleObj spid="_x0000_s4098" name="Visio" r:id="rId3" imgW="6143635" imgH="2533560" progId="Visio.Drawing.15">
-              <p:embed/>
-            </p:oleObj>
+            <mc:AlternateContent xmlns:mc="http://schemas.openxmlformats.org/markup-compatibility/2006">
+              <mc:Choice xmlns:v="urn:schemas-microsoft-com:vml" Requires="v">
+                <p:oleObj spid="_x0000_s4100" name="Visio" r:id="rId3" imgW="6143635" imgH="2533560" progId="Visio.Drawing.15">
+                  <p:embed/>
+                </p:oleObj>
+              </mc:Choice>
+              <mc:Fallback>
+                <p:oleObj name="Visio" r:id="rId3" imgW="6143635" imgH="2533560" progId="Visio.Drawing.15">
+                  <p:embed/>
+                  <p:pic>
+                    <p:nvPicPr>
+                      <p:cNvPr id="0" name="Picture 2"/>
+                      <p:cNvPicPr>
+                        <a:picLocks noChangeAspect="1" noChangeArrowheads="1"/>
+                      </p:cNvPicPr>
+                      <p:nvPr/>
+                    </p:nvPicPr>
+                    <p:blipFill>
+                      <a:blip r:embed="rId4">
+                        <a:extLst>
+                          <a:ext uri="{28A0092B-C50C-407E-A947-70E740481C1C}">
+                            <a14:useLocalDpi xmlns:a14="http://schemas.microsoft.com/office/drawing/2010/main" val="0"/>
+                          </a:ext>
+                        </a:extLst>
+                      </a:blip>
+                      <a:srcRect/>
+                      <a:stretch>
+                        <a:fillRect/>
+                      </a:stretch>
+                    </p:blipFill>
+                    <p:spPr bwMode="auto">
+                      <a:xfrm>
+                        <a:off x="1428728" y="3214686"/>
+                        <a:ext cx="6143625" cy="2533650"/>
+                      </a:xfrm>
+                      <a:prstGeom prst="rect">
+                        <a:avLst/>
+                      </a:prstGeom>
+                      <a:noFill/>
+                      <a:ln>
+                        <a:noFill/>
+                      </a:ln>
+                      <a:effectLst/>
+                      <a:extLst>
+                        <a:ext uri="{909E8E84-426E-40DD-AFC4-6F175D3DCCD1}">
+                          <a14:hiddenFill xmlns:a14="http://schemas.microsoft.com/office/drawing/2010/main">
+                            <a:solidFill>
+                              <a:schemeClr val="accent1"/>
+                            </a:solidFill>
+                          </a14:hiddenFill>
+                        </a:ext>
+                        <a:ext uri="{91240B29-F687-4F45-9708-019B960494DF}">
+                          <a14:hiddenLine xmlns:a14="http://schemas.microsoft.com/office/drawing/2010/main" w="9525">
+                            <a:solidFill>
+                              <a:schemeClr val="tx1"/>
+                            </a:solidFill>
+                            <a:miter lim="800000"/>
+                            <a:headEnd/>
+                            <a:tailEnd/>
+                          </a14:hiddenLine>
+                        </a:ext>
+                        <a:ext uri="{AF507438-7753-43E0-B8FC-AC1667EBCBE1}">
+                          <a14:hiddenEffects xmlns:a14="http://schemas.microsoft.com/office/drawing/2010/main">
+                            <a:effectLst>
+                              <a:outerShdw dist="35921" dir="2700000" algn="ctr" rotWithShape="0">
+                                <a:schemeClr val="bg2"/>
+                              </a:outerShdw>
+                            </a:effectLst>
+                          </a14:hiddenEffects>
+                        </a:ext>
+                      </a:extLst>
+                    </p:spPr>
+                  </p:pic>
+                </p:oleObj>
+              </mc:Fallback>
+            </mc:AlternateContent>
           </a:graphicData>
         </a:graphic>
       </p:graphicFrame>
@@ -3174,9 +3247,59 @@
         </p:xfrm>
         <a:graphic>
           <a:graphicData uri="http://schemas.openxmlformats.org/presentationml/2006/ole">
-            <p:oleObj spid="_x0000_s1026" name="Visio" r:id="rId3" imgW="5505444" imgH="4162412" progId="Visio.Drawing.15">
-              <p:embed/>
-            </p:oleObj>
+            <mc:AlternateContent xmlns:mc="http://schemas.openxmlformats.org/markup-compatibility/2006">
+              <mc:Choice xmlns:v="urn:schemas-microsoft-com:vml" Requires="v">
+                <p:oleObj spid="_x0000_s1028" name="Visio" r:id="rId3" imgW="5505444" imgH="4162412" progId="Visio.Drawing.15">
+                  <p:embed/>
+                </p:oleObj>
+              </mc:Choice>
+              <mc:Fallback>
+                <p:oleObj name="Visio" r:id="rId3" imgW="5505444" imgH="4162412" progId="Visio.Drawing.15">
+                  <p:embed/>
+                  <p:pic>
+                    <p:nvPicPr>
+                      <p:cNvPr id="0" name="Picture 2"/>
+                      <p:cNvPicPr>
+                        <a:picLocks noChangeAspect="1" noChangeArrowheads="1"/>
+                      </p:cNvPicPr>
+                      <p:nvPr/>
+                    </p:nvPicPr>
+                    <p:blipFill>
+                      <a:blip r:embed="rId4">
+                        <a:extLst>
+                          <a:ext uri="{28A0092B-C50C-407E-A947-70E740481C1C}">
+                            <a14:useLocalDpi xmlns:a14="http://schemas.microsoft.com/office/drawing/2010/main" val="0"/>
+                          </a:ext>
+                        </a:extLst>
+                      </a:blip>
+                      <a:srcRect/>
+                      <a:stretch>
+                        <a:fillRect/>
+                      </a:stretch>
+                    </p:blipFill>
+                    <p:spPr bwMode="auto">
+                      <a:xfrm>
+                        <a:off x="1819275" y="1347788"/>
+                        <a:ext cx="5505450" cy="4162425"/>
+                      </a:xfrm>
+                      <a:prstGeom prst="rect">
+                        <a:avLst/>
+                      </a:prstGeom>
+                      <a:noFill/>
+                      <a:extLst>
+                        <a:ext uri="{909E8E84-426E-40DD-AFC4-6F175D3DCCD1}">
+                          <a14:hiddenFill xmlns:a14="http://schemas.microsoft.com/office/drawing/2010/main">
+                            <a:solidFill>
+                              <a:srgbClr val="FFFFFF"/>
+                            </a:solidFill>
+                          </a14:hiddenFill>
+                        </a:ext>
+                      </a:extLst>
+                    </p:spPr>
+                  </p:pic>
+                </p:oleObj>
+              </mc:Fallback>
+            </mc:AlternateContent>
           </a:graphicData>
         </a:graphic>
       </p:graphicFrame>
@@ -3292,9 +3415,82 @@
         </p:xfrm>
         <a:graphic>
           <a:graphicData uri="http://schemas.openxmlformats.org/presentationml/2006/ole">
-            <p:oleObj spid="_x0000_s2050" name="Visio" r:id="rId3" imgW="4171854" imgH="2543291" progId="Visio.Drawing.15">
-              <p:embed/>
-            </p:oleObj>
+            <mc:AlternateContent xmlns:mc="http://schemas.openxmlformats.org/markup-compatibility/2006">
+              <mc:Choice xmlns:v="urn:schemas-microsoft-com:vml" Requires="v">
+                <p:oleObj spid="_x0000_s2054" name="Visio" r:id="rId3" imgW="4171854" imgH="2543291" progId="Visio.Drawing.15">
+                  <p:embed/>
+                </p:oleObj>
+              </mc:Choice>
+              <mc:Fallback>
+                <p:oleObj name="Visio" r:id="rId3" imgW="4171854" imgH="2543291" progId="Visio.Drawing.15">
+                  <p:embed/>
+                  <p:pic>
+                    <p:nvPicPr>
+                      <p:cNvPr id="0" name="Picture 2"/>
+                      <p:cNvPicPr>
+                        <a:picLocks noChangeAspect="1" noChangeArrowheads="1"/>
+                      </p:cNvPicPr>
+                      <p:nvPr/>
+                    </p:nvPicPr>
+                    <p:blipFill>
+                      <a:blip r:embed="rId4">
+                        <a:extLst>
+                          <a:ext uri="{28A0092B-C50C-407E-A947-70E740481C1C}">
+                            <a14:useLocalDpi xmlns:a14="http://schemas.microsoft.com/office/drawing/2010/main" val="0"/>
+                          </a:ext>
+                        </a:extLst>
+                      </a:blip>
+                      <a:srcRect/>
+                      <a:stretch>
+                        <a:fillRect/>
+                      </a:stretch>
+                    </p:blipFill>
+                    <p:spPr bwMode="auto">
+                      <a:xfrm>
+                        <a:off x="5580063" y="785794"/>
+                        <a:ext cx="3398522" cy="2071702"/>
+                      </a:xfrm>
+                      <a:prstGeom prst="rect">
+                        <a:avLst/>
+                      </a:prstGeom>
+                      <a:noFill/>
+                      <a:ln>
+                        <a:noFill/>
+                      </a:ln>
+                      <a:effectLst/>
+                      <a:extLst>
+                        <a:ext uri="{909E8E84-426E-40DD-AFC4-6F175D3DCCD1}">
+                          <a14:hiddenFill xmlns:a14="http://schemas.microsoft.com/office/drawing/2010/main">
+                            <a:solidFill>
+                              <a:schemeClr val="accent1"/>
+                            </a:solidFill>
+                          </a14:hiddenFill>
+                        </a:ext>
+                        <a:ext uri="{91240B29-F687-4F45-9708-019B960494DF}">
+                          <a14:hiddenLine xmlns:a14="http://schemas.microsoft.com/office/drawing/2010/main" w="9525">
+                            <a:solidFill>
+                              <a:schemeClr val="tx1"/>
+                            </a:solidFill>
+                            <a:miter lim="800000"/>
+                            <a:headEnd/>
+                            <a:tailEnd/>
+                          </a14:hiddenLine>
+                        </a:ext>
+                        <a:ext uri="{AF507438-7753-43E0-B8FC-AC1667EBCBE1}">
+                          <a14:hiddenEffects xmlns:a14="http://schemas.microsoft.com/office/drawing/2010/main">
+                            <a:effectLst>
+                              <a:outerShdw dist="35921" dir="2700000" algn="ctr" rotWithShape="0">
+                                <a:schemeClr val="bg2"/>
+                              </a:outerShdw>
+                            </a:effectLst>
+                          </a14:hiddenEffects>
+                        </a:ext>
+                      </a:extLst>
+                    </p:spPr>
+                  </p:pic>
+                </p:oleObj>
+              </mc:Fallback>
+            </mc:AlternateContent>
           </a:graphicData>
         </a:graphic>
       </p:graphicFrame>
@@ -3312,9 +3508,82 @@
         </p:xfrm>
         <a:graphic>
           <a:graphicData uri="http://schemas.openxmlformats.org/presentationml/2006/ole">
-            <p:oleObj spid="_x0000_s2051" name="Visio" r:id="rId4" imgW="7334205" imgH="3190939" progId="Visio.Drawing.15">
-              <p:embed/>
-            </p:oleObj>
+            <mc:AlternateContent xmlns:mc="http://schemas.openxmlformats.org/markup-compatibility/2006">
+              <mc:Choice xmlns:v="urn:schemas-microsoft-com:vml" Requires="v">
+                <p:oleObj spid="_x0000_s2055" name="Visio" r:id="rId5" imgW="7334205" imgH="3190939" progId="Visio.Drawing.15">
+                  <p:embed/>
+                </p:oleObj>
+              </mc:Choice>
+              <mc:Fallback>
+                <p:oleObj name="Visio" r:id="rId5" imgW="7334205" imgH="3190939" progId="Visio.Drawing.15">
+                  <p:embed/>
+                  <p:pic>
+                    <p:nvPicPr>
+                      <p:cNvPr id="0" name="Picture 3"/>
+                      <p:cNvPicPr>
+                        <a:picLocks noChangeAspect="1" noChangeArrowheads="1"/>
+                      </p:cNvPicPr>
+                      <p:nvPr/>
+                    </p:nvPicPr>
+                    <p:blipFill>
+                      <a:blip r:embed="rId6">
+                        <a:extLst>
+                          <a:ext uri="{28A0092B-C50C-407E-A947-70E740481C1C}">
+                            <a14:useLocalDpi xmlns:a14="http://schemas.microsoft.com/office/drawing/2010/main" val="0"/>
+                          </a:ext>
+                        </a:extLst>
+                      </a:blip>
+                      <a:srcRect/>
+                      <a:stretch>
+                        <a:fillRect/>
+                      </a:stretch>
+                    </p:blipFill>
+                    <p:spPr bwMode="auto">
+                      <a:xfrm>
+                        <a:off x="250824" y="2500306"/>
+                        <a:ext cx="6334473" cy="2755907"/>
+                      </a:xfrm>
+                      <a:prstGeom prst="rect">
+                        <a:avLst/>
+                      </a:prstGeom>
+                      <a:noFill/>
+                      <a:ln>
+                        <a:noFill/>
+                      </a:ln>
+                      <a:effectLst/>
+                      <a:extLst>
+                        <a:ext uri="{909E8E84-426E-40DD-AFC4-6F175D3DCCD1}">
+                          <a14:hiddenFill xmlns:a14="http://schemas.microsoft.com/office/drawing/2010/main">
+                            <a:solidFill>
+                              <a:schemeClr val="accent1"/>
+                            </a:solidFill>
+                          </a14:hiddenFill>
+                        </a:ext>
+                        <a:ext uri="{91240B29-F687-4F45-9708-019B960494DF}">
+                          <a14:hiddenLine xmlns:a14="http://schemas.microsoft.com/office/drawing/2010/main" w="9525">
+                            <a:solidFill>
+                              <a:schemeClr val="tx1"/>
+                            </a:solidFill>
+                            <a:miter lim="800000"/>
+                            <a:headEnd/>
+                            <a:tailEnd/>
+                          </a14:hiddenLine>
+                        </a:ext>
+                        <a:ext uri="{AF507438-7753-43E0-B8FC-AC1667EBCBE1}">
+                          <a14:hiddenEffects xmlns:a14="http://schemas.microsoft.com/office/drawing/2010/main">
+                            <a:effectLst>
+                              <a:outerShdw dist="35921" dir="2700000" algn="ctr" rotWithShape="0">
+                                <a:schemeClr val="bg2"/>
+                              </a:outerShdw>
+                            </a:effectLst>
+                          </a14:hiddenEffects>
+                        </a:ext>
+                      </a:extLst>
+                    </p:spPr>
+                  </p:pic>
+                </p:oleObj>
+              </mc:Fallback>
+            </mc:AlternateContent>
           </a:graphicData>
         </a:graphic>
       </p:graphicFrame>
@@ -3500,9 +3769,82 @@
         </p:xfrm>
         <a:graphic>
           <a:graphicData uri="http://schemas.openxmlformats.org/presentationml/2006/ole">
-            <p:oleObj spid="_x0000_s5122" name="Visio" r:id="rId3" imgW="8029604" imgH="2505178" progId="Visio.Drawing.15">
-              <p:embed/>
-            </p:oleObj>
+            <mc:AlternateContent xmlns:mc="http://schemas.openxmlformats.org/markup-compatibility/2006">
+              <mc:Choice xmlns:v="urn:schemas-microsoft-com:vml" Requires="v">
+                <p:oleObj spid="_x0000_s5124" name="Visio" r:id="rId3" imgW="8029604" imgH="2505178" progId="Visio.Drawing.15">
+                  <p:embed/>
+                </p:oleObj>
+              </mc:Choice>
+              <mc:Fallback>
+                <p:oleObj name="Visio" r:id="rId3" imgW="8029604" imgH="2505178" progId="Visio.Drawing.15">
+                  <p:embed/>
+                  <p:pic>
+                    <p:nvPicPr>
+                      <p:cNvPr id="0" name="Picture 2"/>
+                      <p:cNvPicPr>
+                        <a:picLocks noChangeAspect="1" noChangeArrowheads="1"/>
+                      </p:cNvPicPr>
+                      <p:nvPr/>
+                    </p:nvPicPr>
+                    <p:blipFill>
+                      <a:blip r:embed="rId4">
+                        <a:extLst>
+                          <a:ext uri="{28A0092B-C50C-407E-A947-70E740481C1C}">
+                            <a14:useLocalDpi xmlns:a14="http://schemas.microsoft.com/office/drawing/2010/main" val="0"/>
+                          </a:ext>
+                        </a:extLst>
+                      </a:blip>
+                      <a:srcRect/>
+                      <a:stretch>
+                        <a:fillRect/>
+                      </a:stretch>
+                    </p:blipFill>
+                    <p:spPr bwMode="auto">
+                      <a:xfrm>
+                        <a:off x="571472" y="2000240"/>
+                        <a:ext cx="8029575" cy="2505075"/>
+                      </a:xfrm>
+                      <a:prstGeom prst="rect">
+                        <a:avLst/>
+                      </a:prstGeom>
+                      <a:noFill/>
+                      <a:ln>
+                        <a:noFill/>
+                      </a:ln>
+                      <a:effectLst/>
+                      <a:extLst>
+                        <a:ext uri="{909E8E84-426E-40DD-AFC4-6F175D3DCCD1}">
+                          <a14:hiddenFill xmlns:a14="http://schemas.microsoft.com/office/drawing/2010/main">
+                            <a:solidFill>
+                              <a:schemeClr val="accent1"/>
+                            </a:solidFill>
+                          </a14:hiddenFill>
+                        </a:ext>
+                        <a:ext uri="{91240B29-F687-4F45-9708-019B960494DF}">
+                          <a14:hiddenLine xmlns:a14="http://schemas.microsoft.com/office/drawing/2010/main" w="9525">
+                            <a:solidFill>
+                              <a:schemeClr val="tx1"/>
+                            </a:solidFill>
+                            <a:miter lim="800000"/>
+                            <a:headEnd/>
+                            <a:tailEnd/>
+                          </a14:hiddenLine>
+                        </a:ext>
+                        <a:ext uri="{AF507438-7753-43E0-B8FC-AC1667EBCBE1}">
+                          <a14:hiddenEffects xmlns:a14="http://schemas.microsoft.com/office/drawing/2010/main">
+                            <a:effectLst>
+                              <a:outerShdw dist="35921" dir="2700000" algn="ctr" rotWithShape="0">
+                                <a:schemeClr val="bg2"/>
+                              </a:outerShdw>
+                            </a:effectLst>
+                          </a14:hiddenEffects>
+                        </a:ext>
+                      </a:extLst>
+                    </p:spPr>
+                  </p:pic>
+                </p:oleObj>
+              </mc:Fallback>
+            </mc:AlternateContent>
           </a:graphicData>
         </a:graphic>
       </p:graphicFrame>
@@ -3894,7 +4236,11 @@
           <a:p>
             <a:r>
               <a:rPr lang="de-DE" dirty="0" smtClean="0"/>
-              <a:t>Technische Grundlagen</a:t>
+              <a:t>Technische </a:t>
+            </a:r>
+            <a:r>
+              <a:rPr lang="de-DE" dirty="0" smtClean="0"/>
+              <a:t>Grundlagen</a:t>
             </a:r>
           </a:p>
           <a:p>
@@ -3907,7 +4253,7 @@
             <a:pPr lvl="1"/>
             <a:r>
               <a:rPr lang="de-DE" dirty="0" smtClean="0"/>
-              <a:t>Architektur </a:t>
+              <a:t>Aufbau des </a:t>
             </a:r>
             <a:r>
               <a:rPr lang="de-DE" dirty="0" err="1" smtClean="0"/>
@@ -3915,8 +4261,9 @@
             </a:r>
             <a:r>
               <a:rPr lang="de-DE" dirty="0" smtClean="0"/>
-              <a:t>-Modell</a:t>
-            </a:r>
+              <a:t>-Modells</a:t>
+            </a:r>
+            <a:endParaRPr lang="de-DE" dirty="0" smtClean="0"/>
           </a:p>
           <a:p>
             <a:pPr lvl="1"/>
@@ -3942,7 +4289,7 @@
             </a:r>
           </a:p>
           <a:p>
-            <a:pPr lvl="1"/>
+            <a:pPr lvl="2"/>
             <a:r>
               <a:rPr lang="de-DE" dirty="0" err="1" smtClean="0"/>
               <a:t>GraphView</a:t>
@@ -3950,7 +4297,7 @@
             <a:endParaRPr lang="de-DE" dirty="0"/>
           </a:p>
           <a:p>
-            <a:pPr lvl="1"/>
+            <a:pPr lvl="2"/>
             <a:r>
               <a:rPr lang="de-DE" dirty="0" err="1" smtClean="0"/>
               <a:t>MatrixView</a:t>
@@ -4183,7 +4530,15 @@
             <a:pPr lvl="1"/>
             <a:r>
               <a:rPr lang="de-DE" dirty="0"/>
-              <a:t>Unterschiedliche Visualisierungen der Elemente  (Farbe, Form, Inhalt)</a:t>
+              <a:t>Unterschiedliche Visualisierungen der </a:t>
+            </a:r>
+            <a:r>
+              <a:rPr lang="de-DE" dirty="0" smtClean="0"/>
+              <a:t>Elemente </a:t>
+            </a:r>
+            <a:r>
+              <a:rPr lang="de-DE" dirty="0"/>
+              <a:t>(Farbe, Form, Inhalt)</a:t>
             </a:r>
           </a:p>
           <a:p>
@@ -4234,11 +4589,11 @@
             </a:r>
             <a:r>
               <a:rPr lang="de-DE" dirty="0" smtClean="0"/>
-              <a:t>mittels </a:t>
+              <a:t>über Attribute </a:t>
             </a:r>
             <a:r>
               <a:rPr lang="de-DE" dirty="0"/>
-              <a:t>Attribute und Elementtypen</a:t>
+              <a:t>und Elementtypen</a:t>
             </a:r>
           </a:p>
           <a:p>
@@ -4327,68 +4682,61 @@
             </a:r>
           </a:p>
           <a:p>
+            <a:r>
+              <a:rPr lang="de-DE" dirty="0" smtClean="0"/>
+              <a:t>PSS-IF </a:t>
+            </a:r>
+            <a:r>
+              <a:rPr lang="de-DE" dirty="0"/>
+              <a:t>Transform</a:t>
+            </a:r>
+          </a:p>
+          <a:p>
+            <a:r>
+              <a:rPr lang="de-DE" dirty="0" smtClean="0"/>
+              <a:t>Jung2 </a:t>
+            </a:r>
+            <a:r>
+              <a:rPr lang="de-DE" dirty="0"/>
+              <a:t>Framework</a:t>
+            </a:r>
+          </a:p>
+          <a:p>
             <a:pPr lvl="1"/>
             <a:r>
+              <a:rPr lang="de-DE" dirty="0" smtClean="0"/>
+              <a:t>Framework </a:t>
+            </a:r>
+            <a:r>
               <a:rPr lang="de-DE" dirty="0"/>
-              <a:t>Modellierungssprache des Gesamtmodells</a:t>
+              <a:t>zur Visualisierung von Graphen und Netzwerken</a:t>
             </a:r>
           </a:p>
           <a:p>
             <a:pPr lvl="1"/>
             <a:r>
               <a:rPr lang="de-DE" dirty="0"/>
-              <a:t>Stellt Metamodell und Modell bereit</a:t>
-            </a:r>
-          </a:p>
-          <a:p>
-            <a:r>
-              <a:rPr lang="de-DE" dirty="0"/>
-              <a:t>PSS-IF Transform</a:t>
+              <a:t>Open </a:t>
+            </a:r>
+            <a:r>
+              <a:rPr lang="de-DE" dirty="0" smtClean="0"/>
+              <a:t>Source</a:t>
             </a:r>
           </a:p>
           <a:p>
             <a:pPr lvl="1"/>
             <a:r>
-              <a:rPr lang="de-DE" dirty="0"/>
-              <a:t>Transformiert das Eingabeformat zu einem PSS-IF Modell</a:t>
-            </a:r>
+              <a:rPr lang="de-DE" dirty="0" smtClean="0"/>
+              <a:t>Leicht anpassbar und erweiterbar</a:t>
+            </a:r>
+            <a:endParaRPr lang="de-DE" dirty="0"/>
           </a:p>
           <a:p>
             <a:pPr lvl="1"/>
             <a:r>
-              <a:rPr lang="de-DE" dirty="0"/>
-              <a:t>Transformiert das PSS-IF Modell in ein Ausgabemodell</a:t>
-            </a:r>
-          </a:p>
-          <a:p>
-            <a:r>
-              <a:rPr lang="de-DE" dirty="0"/>
-              <a:t>Jung2 Framework</a:t>
-            </a:r>
-          </a:p>
-          <a:p>
-            <a:pPr lvl="1"/>
-            <a:r>
-              <a:rPr lang="de-DE" dirty="0"/>
-              <a:t>Framework zur Visualisierung von Graphen und Netzwerken</a:t>
-            </a:r>
-          </a:p>
-          <a:p>
-            <a:pPr lvl="1"/>
-            <a:r>
-              <a:rPr lang="de-DE" dirty="0"/>
-              <a:t>Open Source</a:t>
-            </a:r>
-          </a:p>
-          <a:p>
-            <a:endParaRPr lang="de-DE" dirty="0" smtClean="0"/>
-          </a:p>
-          <a:p>
-            <a:r>
-              <a:rPr lang="de-DE" dirty="0" smtClean="0"/>
-              <a:t>? Kann wohl gestrichen werden</a:t>
-            </a:r>
-            <a:endParaRPr lang="de-DE" dirty="0"/>
+              <a:rPr lang="de-DE" dirty="0" smtClean="0"/>
+              <a:t>Java API</a:t>
+            </a:r>
           </a:p>
         </p:txBody>
       </p:sp>
@@ -4476,7 +4824,7 @@
             </a:br>
             <a:r>
               <a:rPr lang="de-DE" sz="1400" b="0" dirty="0" smtClean="0"/>
-              <a:t>Architektur </a:t>
+              <a:t>Aufbau des </a:t>
             </a:r>
             <a:r>
               <a:rPr lang="de-DE" sz="1400" b="0" dirty="0" err="1" smtClean="0"/>
@@ -4484,7 +4832,7 @@
             </a:r>
             <a:r>
               <a:rPr lang="de-DE" sz="1400" b="0" dirty="0" smtClean="0"/>
-              <a:t>-Modell</a:t>
+              <a:t>-Modells</a:t>
             </a:r>
             <a:endParaRPr lang="de-DE" sz="1400" b="0" dirty="0"/>
           </a:p>
@@ -4608,7 +4956,7 @@
     </p:spTree>
     <p:extLst>
       <p:ext uri="{BB962C8B-B14F-4D97-AF65-F5344CB8AC3E}">
-        <p14:creationId xmlns:p14="http://schemas.microsoft.com/office/powerpoint/2010/main" xmlns="" val="427906190"/>
+        <p14:creationId xmlns:p14="http://schemas.microsoft.com/office/powerpoint/2010/main" val="427906190"/>
       </p:ext>
     </p:extLst>
   </p:cSld>
@@ -4675,7 +5023,7 @@
             </a:br>
             <a:r>
               <a:rPr lang="de-DE" sz="1400" b="0" dirty="0" smtClean="0"/>
-              <a:t>Visualisierung</a:t>
+              <a:t>Visualisierung </a:t>
             </a:r>
             <a:endParaRPr lang="de-DE" sz="1400" dirty="0"/>
           </a:p>
@@ -4708,7 +5056,7 @@
     </p:spTree>
     <p:extLst>
       <p:ext uri="{BB962C8B-B14F-4D97-AF65-F5344CB8AC3E}">
-        <p14:creationId xmlns:p14="http://schemas.microsoft.com/office/powerpoint/2010/main" xmlns="" val="3871759119"/>
+        <p14:creationId xmlns:p14="http://schemas.microsoft.com/office/powerpoint/2010/main" val="3871759119"/>
       </p:ext>
     </p:extLst>
   </p:cSld>
@@ -4775,7 +5123,7 @@
             </a:br>
             <a:r>
               <a:rPr lang="de-DE" sz="1400" b="0" dirty="0" smtClean="0"/>
-              <a:t>Modifikation</a:t>
+              <a:t>Modifikationen</a:t>
             </a:r>
             <a:endParaRPr lang="de-DE" dirty="0"/>
           </a:p>
@@ -5269,7 +5617,7 @@
     </p:spTree>
     <p:extLst>
       <p:ext uri="{BB962C8B-B14F-4D97-AF65-F5344CB8AC3E}">
-        <p14:creationId xmlns:p14="http://schemas.microsoft.com/office/powerpoint/2010/main" xmlns="" val="492424617"/>
+        <p14:creationId xmlns:p14="http://schemas.microsoft.com/office/powerpoint/2010/main" val="492424617"/>
       </p:ext>
     </p:extLst>
   </p:cSld>
@@ -5411,7 +5759,7 @@
     </p:spTree>
     <p:extLst>
       <p:ext uri="{BB962C8B-B14F-4D97-AF65-F5344CB8AC3E}">
-        <p14:creationId xmlns:p14="http://schemas.microsoft.com/office/powerpoint/2010/main" xmlns="" val="3583291954"/>
+        <p14:creationId xmlns:p14="http://schemas.microsoft.com/office/powerpoint/2010/main" val="3583291954"/>
       </p:ext>
     </p:extLst>
   </p:cSld>
@@ -5593,28 +5941,26 @@
             </a:r>
             <a:r>
               <a:rPr lang="de-DE" dirty="0" smtClean="0"/>
-              <a:t>(</a:t>
-            </a:r>
+              <a:t>(Bedingung)</a:t>
+            </a:r>
+            <a:endParaRPr lang="de-DE" dirty="0"/>
+          </a:p>
+          <a:p>
+            <a:pPr lvl="1"/>
             <a:r>
               <a:rPr lang="de-DE" dirty="0"/>
-              <a:t>Kondition)</a:t>
-            </a:r>
-          </a:p>
-          <a:p>
-            <a:pPr lvl="1"/>
+              <a:t>Alle Elemente welche die </a:t>
+            </a:r>
             <a:r>
               <a:rPr lang="de-DE" dirty="0"/>
-              <a:t>Alle Elemente welche die Kondition erfüllen bleiben sichtbar</a:t>
-            </a:r>
-          </a:p>
-          <a:p>
-            <a:endParaRPr lang="de-DE" dirty="0"/>
-          </a:p>
-          <a:p>
-            <a:r>
-              <a:rPr lang="de-DE" dirty="0" smtClean="0"/>
-              <a:t>Screenshot Filter an und ausschalten</a:t>
-            </a:r>
+              <a:t>Bedingung erfüllen </a:t>
+            </a:r>
+            <a:r>
+              <a:rPr lang="de-DE" dirty="0"/>
+              <a:t>bleiben sichtbar</a:t>
+            </a:r>
+          </a:p>
+          <a:p>
             <a:endParaRPr lang="de-DE" dirty="0"/>
           </a:p>
         </p:txBody>
@@ -5658,10 +6004,40 @@
           </a:p>
         </p:txBody>
       </p:sp>
+      <p:pic>
+        <p:nvPicPr>
+          <p:cNvPr id="4" name="Grafik 3"/>
+          <p:cNvPicPr>
+            <a:picLocks noChangeAspect="1"/>
+          </p:cNvPicPr>
+          <p:nvPr/>
+        </p:nvPicPr>
+        <p:blipFill>
+          <a:blip r:embed="rId2">
+            <a:extLst>
+              <a:ext uri="{28A0092B-C50C-407E-A947-70E740481C1C}">
+                <a14:useLocalDpi xmlns:a14="http://schemas.microsoft.com/office/drawing/2010/main" val="0"/>
+              </a:ext>
+            </a:extLst>
+          </a:blip>
+          <a:stretch>
+            <a:fillRect/>
+          </a:stretch>
+        </p:blipFill>
+        <p:spPr>
+          <a:xfrm>
+            <a:off x="2711306" y="3509336"/>
+            <a:ext cx="3686689" cy="2057687"/>
+          </a:xfrm>
+          <a:prstGeom prst="rect">
+            <a:avLst/>
+          </a:prstGeom>
+        </p:spPr>
+      </p:pic>
     </p:spTree>
     <p:extLst>
       <p:ext uri="{BB962C8B-B14F-4D97-AF65-F5344CB8AC3E}">
-        <p14:creationId xmlns:p14="http://schemas.microsoft.com/office/powerpoint/2010/main" xmlns="" val="2307760257"/>
+        <p14:creationId xmlns:p14="http://schemas.microsoft.com/office/powerpoint/2010/main" val="2307760257"/>
       </p:ext>
     </p:extLst>
   </p:cSld>
@@ -5743,17 +6119,17 @@
       </p:sp>
       <p:pic>
         <p:nvPicPr>
-          <p:cNvPr id="5" name="Grafik 4"/>
+          <p:cNvPr id="2" name="Grafik 1"/>
           <p:cNvPicPr>
             <a:picLocks noChangeAspect="1"/>
           </p:cNvPicPr>
           <p:nvPr/>
         </p:nvPicPr>
         <p:blipFill>
-          <a:blip r:embed="rId2" cstate="print">
+          <a:blip r:embed="rId2">
             <a:extLst>
               <a:ext uri="{28A0092B-C50C-407E-A947-70E740481C1C}">
-                <a14:useLocalDpi xmlns:a14="http://schemas.microsoft.com/office/drawing/2010/main" xmlns="" val="0"/>
+                <a14:useLocalDpi xmlns:a14="http://schemas.microsoft.com/office/drawing/2010/main" val="0"/>
               </a:ext>
             </a:extLst>
           </a:blip>
@@ -5763,8 +6139,8 @@
         </p:blipFill>
         <p:spPr>
           <a:xfrm>
-            <a:off x="339855" y="1532638"/>
-            <a:ext cx="7853102" cy="2929888"/>
+            <a:off x="456095" y="1772816"/>
+            <a:ext cx="8231810" cy="2753382"/>
           </a:xfrm>
           <a:prstGeom prst="rect">
             <a:avLst/>
@@ -5774,7 +6150,7 @@
     </p:spTree>
     <p:extLst>
       <p:ext uri="{BB962C8B-B14F-4D97-AF65-F5344CB8AC3E}">
-        <p14:creationId xmlns:p14="http://schemas.microsoft.com/office/powerpoint/2010/main" xmlns="" val="2583957788"/>
+        <p14:creationId xmlns:p14="http://schemas.microsoft.com/office/powerpoint/2010/main" val="2583957788"/>
       </p:ext>
     </p:extLst>
   </p:cSld>
@@ -5926,7 +6302,7 @@
     </p:spTree>
     <p:extLst>
       <p:ext uri="{BB962C8B-B14F-4D97-AF65-F5344CB8AC3E}">
-        <p14:creationId xmlns:p14="http://schemas.microsoft.com/office/powerpoint/2010/main" xmlns="" val="834335964"/>
+        <p14:creationId xmlns:p14="http://schemas.microsoft.com/office/powerpoint/2010/main" val="834335964"/>
       </p:ext>
     </p:extLst>
   </p:cSld>
@@ -6107,88 +6483,56 @@
             <a:pPr marL="0" indent="0"/>
             <a:r>
               <a:rPr lang="de-DE" dirty="0" smtClean="0"/>
-              <a:t> </a:t>
-            </a:r>
-            <a:r>
-              <a:rPr lang="de-DE" dirty="0" smtClean="0"/>
-              <a:t>Atomare Transformationen ermöglichen einen hohen Wiederverwendungsgrad</a:t>
+              <a:t> Atomare Transformationen ermöglichen einen hohen Wiederverwendungsgrad</a:t>
             </a:r>
           </a:p>
           <a:p>
             <a:pPr marL="0" indent="0"/>
             <a:r>
               <a:rPr lang="de-DE" dirty="0" smtClean="0"/>
-              <a:t> </a:t>
-            </a:r>
-            <a:r>
-              <a:rPr lang="de-DE" dirty="0" smtClean="0"/>
-              <a:t>6 Atomare Transformationen für die Umsetzung der 3 Sprachen ausreichend</a:t>
+              <a:t> 6 Atomare Transformationen für die Umsetzung der 3 Sprachen ausreichend</a:t>
             </a:r>
           </a:p>
           <a:p>
             <a:pPr marL="0" indent="0"/>
             <a:r>
               <a:rPr lang="de-DE" dirty="0" smtClean="0"/>
-              <a:t> </a:t>
-            </a:r>
-            <a:r>
-              <a:rPr lang="de-DE" dirty="0" smtClean="0"/>
-              <a:t>Eigenges Framework für die Verarbeitung von Visio 2013 (VSDX) Dateien</a:t>
+              <a:t> Eigenges Framework für die Verarbeitung von Visio 2013 (VSDX) Dateien</a:t>
             </a:r>
           </a:p>
           <a:p>
             <a:pPr marL="0" indent="0"/>
             <a:r>
               <a:rPr lang="de-DE" dirty="0" smtClean="0"/>
-              <a:t> </a:t>
-            </a:r>
-            <a:r>
-              <a:rPr lang="de-DE" dirty="0" smtClean="0"/>
-              <a:t>3 aus 4 Sprachen unterstützt</a:t>
+              <a:t> 3 aus 4 Sprachen unterstützt</a:t>
             </a:r>
           </a:p>
           <a:p>
             <a:pPr marL="271463" lvl="1" indent="0"/>
             <a:r>
               <a:rPr lang="de-DE" dirty="0" smtClean="0"/>
-              <a:t> </a:t>
-            </a:r>
-            <a:r>
-              <a:rPr lang="de-DE" dirty="0" smtClean="0"/>
-              <a:t>BPMN aufgrund spezielle Visio-Serialisierung nicht unterstützt</a:t>
+              <a:t> BPMN aufgrund spezielle Visio-Serialisierung nicht unterstützt</a:t>
             </a:r>
           </a:p>
           <a:p>
             <a:pPr marL="271463" lvl="1" indent="0"/>
             <a:r>
               <a:rPr lang="de-DE" dirty="0" smtClean="0"/>
-              <a:t> </a:t>
-            </a:r>
-            <a:r>
-              <a:rPr lang="de-DE" dirty="0" smtClean="0"/>
-              <a:t>SysML4Mechatronics</a:t>
+              <a:t> SysML4Mechatronics</a:t>
             </a:r>
           </a:p>
           <a:p>
             <a:pPr marL="531813" lvl="2" indent="0"/>
             <a:r>
               <a:rPr lang="de-DE" dirty="0" smtClean="0"/>
-              <a:t> </a:t>
-            </a:r>
-            <a:r>
-              <a:rPr lang="de-DE" dirty="0" smtClean="0"/>
-              <a:t>Erster Ansatz mit UML-Serialisierung gescheitert</a:t>
+              <a:t> Erster Ansatz mit UML-Serialisierung gescheitert</a:t>
             </a:r>
           </a:p>
           <a:p>
             <a:pPr marL="531813" lvl="2" indent="0"/>
             <a:r>
               <a:rPr lang="de-DE" dirty="0" smtClean="0"/>
-              <a:t> </a:t>
-            </a:r>
-            <a:r>
-              <a:rPr lang="de-DE" dirty="0" smtClean="0"/>
-              <a:t>Zweiter Ansatz mit SFB 768 eCore erfolgreich</a:t>
+              <a:t> Zweiter Ansatz mit SFB 768 eCore erfolgreich</a:t>
             </a:r>
           </a:p>
           <a:p>
@@ -6410,7 +6754,7 @@
     </p:spTree>
     <p:extLst>
       <p:ext uri="{BB962C8B-B14F-4D97-AF65-F5344CB8AC3E}">
-        <p14:creationId xmlns:p14="http://schemas.microsoft.com/office/powerpoint/2010/main" xmlns="" val="3015326985"/>
+        <p14:creationId xmlns:p14="http://schemas.microsoft.com/office/powerpoint/2010/main" val="3015326985"/>
       </p:ext>
     </p:extLst>
   </p:cSld>
@@ -6724,7 +7068,7 @@
     </p:spTree>
     <p:extLst>
       <p:ext uri="{BB962C8B-B14F-4D97-AF65-F5344CB8AC3E}">
-        <p14:creationId xmlns:p14="http://schemas.microsoft.com/office/powerpoint/2010/main" xmlns="" val="2204816514"/>
+        <p14:creationId xmlns:p14="http://schemas.microsoft.com/office/powerpoint/2010/main" val="2204816514"/>
       </p:ext>
     </p:extLst>
   </p:cSld>
@@ -7350,9 +7694,82 @@
         </p:xfrm>
         <a:graphic>
           <a:graphicData uri="http://schemas.openxmlformats.org/presentationml/2006/ole">
-            <p:oleObj spid="_x0000_s3074" name="Visio" r:id="rId3" imgW="6324703" imgH="2009711" progId="Visio.Drawing.15">
-              <p:embed/>
-            </p:oleObj>
+            <mc:AlternateContent xmlns:mc="http://schemas.openxmlformats.org/markup-compatibility/2006">
+              <mc:Choice xmlns:v="urn:schemas-microsoft-com:vml" Requires="v">
+                <p:oleObj spid="_x0000_s3076" name="Visio" r:id="rId3" imgW="6324703" imgH="2009711" progId="Visio.Drawing.15">
+                  <p:embed/>
+                </p:oleObj>
+              </mc:Choice>
+              <mc:Fallback>
+                <p:oleObj name="Visio" r:id="rId3" imgW="6324703" imgH="2009711" progId="Visio.Drawing.15">
+                  <p:embed/>
+                  <p:pic>
+                    <p:nvPicPr>
+                      <p:cNvPr id="0" name="Picture 2"/>
+                      <p:cNvPicPr>
+                        <a:picLocks noChangeAspect="1" noChangeArrowheads="1"/>
+                      </p:cNvPicPr>
+                      <p:nvPr/>
+                    </p:nvPicPr>
+                    <p:blipFill>
+                      <a:blip r:embed="rId4">
+                        <a:extLst>
+                          <a:ext uri="{28A0092B-C50C-407E-A947-70E740481C1C}">
+                            <a14:useLocalDpi xmlns:a14="http://schemas.microsoft.com/office/drawing/2010/main" val="0"/>
+                          </a:ext>
+                        </a:extLst>
+                      </a:blip>
+                      <a:srcRect/>
+                      <a:stretch>
+                        <a:fillRect/>
+                      </a:stretch>
+                    </p:blipFill>
+                    <p:spPr bwMode="auto">
+                      <a:xfrm>
+                        <a:off x="1357290" y="3786190"/>
+                        <a:ext cx="6324600" cy="2009775"/>
+                      </a:xfrm>
+                      <a:prstGeom prst="rect">
+                        <a:avLst/>
+                      </a:prstGeom>
+                      <a:noFill/>
+                      <a:ln>
+                        <a:noFill/>
+                      </a:ln>
+                      <a:effectLst/>
+                      <a:extLst>
+                        <a:ext uri="{909E8E84-426E-40DD-AFC4-6F175D3DCCD1}">
+                          <a14:hiddenFill xmlns:a14="http://schemas.microsoft.com/office/drawing/2010/main">
+                            <a:solidFill>
+                              <a:schemeClr val="accent1"/>
+                            </a:solidFill>
+                          </a14:hiddenFill>
+                        </a:ext>
+                        <a:ext uri="{91240B29-F687-4F45-9708-019B960494DF}">
+                          <a14:hiddenLine xmlns:a14="http://schemas.microsoft.com/office/drawing/2010/main" w="9525">
+                            <a:solidFill>
+                              <a:schemeClr val="tx1"/>
+                            </a:solidFill>
+                            <a:miter lim="800000"/>
+                            <a:headEnd/>
+                            <a:tailEnd/>
+                          </a14:hiddenLine>
+                        </a:ext>
+                        <a:ext uri="{AF507438-7753-43E0-B8FC-AC1667EBCBE1}">
+                          <a14:hiddenEffects xmlns:a14="http://schemas.microsoft.com/office/drawing/2010/main">
+                            <a:effectLst>
+                              <a:outerShdw dist="35921" dir="2700000" algn="ctr" rotWithShape="0">
+                                <a:schemeClr val="bg2"/>
+                              </a:outerShdw>
+                            </a:effectLst>
+                          </a14:hiddenEffects>
+                        </a:ext>
+                      </a:extLst>
+                    </p:spPr>
+                  </p:pic>
+                </p:oleObj>
+              </mc:Fallback>
+            </mc:AlternateContent>
           </a:graphicData>
         </a:graphic>
       </p:graphicFrame>

--- a/pssif/doc/PSSIF.pptx
+++ b/pssif/doc/PSSIF.pptx
@@ -5,10 +5,10 @@
     <p:sldMasterId id="2147483837" r:id="rId1"/>
   </p:sldMasterIdLst>
   <p:notesMasterIdLst>
-    <p:notesMasterId r:id="rId41"/>
+    <p:notesMasterId r:id="rId42"/>
   </p:notesMasterIdLst>
   <p:handoutMasterIdLst>
-    <p:handoutMasterId r:id="rId42"/>
+    <p:handoutMasterId r:id="rId43"/>
   </p:handoutMasterIdLst>
   <p:sldIdLst>
     <p:sldId id="256" r:id="rId2"/>
@@ -29,32 +29,33 @@
     <p:sldId id="291" r:id="rId17"/>
     <p:sldId id="292" r:id="rId18"/>
     <p:sldId id="293" r:id="rId19"/>
-    <p:sldId id="295" r:id="rId20"/>
-    <p:sldId id="275" r:id="rId21"/>
-    <p:sldId id="264" r:id="rId22"/>
-    <p:sldId id="269" r:id="rId23"/>
-    <p:sldId id="270" r:id="rId24"/>
-    <p:sldId id="271" r:id="rId25"/>
-    <p:sldId id="272" r:id="rId26"/>
-    <p:sldId id="277" r:id="rId27"/>
-    <p:sldId id="278" r:id="rId28"/>
-    <p:sldId id="279" r:id="rId29"/>
-    <p:sldId id="280" r:id="rId30"/>
-    <p:sldId id="281" r:id="rId31"/>
-    <p:sldId id="282" r:id="rId32"/>
-    <p:sldId id="283" r:id="rId33"/>
-    <p:sldId id="276" r:id="rId34"/>
-    <p:sldId id="265" r:id="rId35"/>
-    <p:sldId id="286" r:id="rId36"/>
-    <p:sldId id="266" r:id="rId37"/>
-    <p:sldId id="268" r:id="rId38"/>
-    <p:sldId id="285" r:id="rId39"/>
-    <p:sldId id="267" r:id="rId40"/>
+    <p:sldId id="296" r:id="rId20"/>
+    <p:sldId id="295" r:id="rId21"/>
+    <p:sldId id="275" r:id="rId22"/>
+    <p:sldId id="264" r:id="rId23"/>
+    <p:sldId id="269" r:id="rId24"/>
+    <p:sldId id="270" r:id="rId25"/>
+    <p:sldId id="271" r:id="rId26"/>
+    <p:sldId id="272" r:id="rId27"/>
+    <p:sldId id="277" r:id="rId28"/>
+    <p:sldId id="278" r:id="rId29"/>
+    <p:sldId id="279" r:id="rId30"/>
+    <p:sldId id="280" r:id="rId31"/>
+    <p:sldId id="281" r:id="rId32"/>
+    <p:sldId id="282" r:id="rId33"/>
+    <p:sldId id="283" r:id="rId34"/>
+    <p:sldId id="276" r:id="rId35"/>
+    <p:sldId id="265" r:id="rId36"/>
+    <p:sldId id="286" r:id="rId37"/>
+    <p:sldId id="266" r:id="rId38"/>
+    <p:sldId id="268" r:id="rId39"/>
+    <p:sldId id="285" r:id="rId40"/>
+    <p:sldId id="267" r:id="rId41"/>
   </p:sldIdLst>
   <p:sldSz cx="9144000" cy="6858000" type="screen4x3"/>
   <p:notesSz cx="6797675" cy="9926638"/>
   <p:custDataLst>
-    <p:tags r:id="rId43"/>
+    <p:tags r:id="rId44"/>
   </p:custDataLst>
   <p:defaultTextStyle>
     <a:defPPr>
@@ -183,7 +184,7 @@
   </p:defaultTextStyle>
   <p:extLst>
     <p:ext uri="{EFAFB233-063F-42B5-8137-9DF3F51BA10A}">
-      <p15:sldGuideLst xmlns:p15="http://schemas.microsoft.com/office/powerpoint/2012/main">
+      <p15:sldGuideLst xmlns:p15="http://schemas.microsoft.com/office/powerpoint/2012/main" xmlns="">
         <p15:guide id="1" orient="horz" pos="3612">
           <p15:clr>
             <a:srgbClr val="A4A3A4"/>
@@ -257,7 +258,7 @@
       </p15:sldGuideLst>
     </p:ext>
     <p:ext uri="{2D200454-40CA-4A62-9FC3-DE9A4176ACB9}">
-      <p15:notesGuideLst xmlns:p15="http://schemas.microsoft.com/office/powerpoint/2012/main">
+      <p15:notesGuideLst xmlns:p15="http://schemas.microsoft.com/office/powerpoint/2012/main" xmlns="">
         <p15:guide id="1" orient="horz" pos="3128">
           <p15:clr>
             <a:srgbClr val="A4A3A4"/>
@@ -503,7 +504,7 @@
     </p:spTree>
     <p:extLst>
       <p:ext uri="{BB962C8B-B14F-4D97-AF65-F5344CB8AC3E}">
-        <p14:creationId xmlns:p14="http://schemas.microsoft.com/office/powerpoint/2010/main" val="164483809"/>
+        <p14:creationId xmlns:p14="http://schemas.microsoft.com/office/powerpoint/2010/main" xmlns="" val="164483809"/>
       </p:ext>
     </p:extLst>
   </p:cSld>
@@ -845,7 +846,7 @@
     </p:spTree>
     <p:extLst>
       <p:ext uri="{BB962C8B-B14F-4D97-AF65-F5344CB8AC3E}">
-        <p14:creationId xmlns:p14="http://schemas.microsoft.com/office/powerpoint/2010/main" val="220946427"/>
+        <p14:creationId xmlns:p14="http://schemas.microsoft.com/office/powerpoint/2010/main" xmlns="" val="220946427"/>
       </p:ext>
     </p:extLst>
   </p:cSld>
@@ -1278,7 +1279,7 @@
           <a:blip r:embed="rId3" cstate="print">
             <a:extLst>
               <a:ext uri="{28A0092B-C50C-407E-A947-70E740481C1C}">
-                <a14:useLocalDpi xmlns:a14="http://schemas.microsoft.com/office/drawing/2010/main" val="0"/>
+                <a14:useLocalDpi xmlns:a14="http://schemas.microsoft.com/office/drawing/2010/main" xmlns="" val="0"/>
               </a:ext>
             </a:extLst>
           </a:blip>
@@ -1308,7 +1309,7 @@
           <a:blip r:embed="rId4" cstate="print">
             <a:extLst>
               <a:ext uri="{28A0092B-C50C-407E-A947-70E740481C1C}">
-                <a14:useLocalDpi xmlns:a14="http://schemas.microsoft.com/office/drawing/2010/main" val="0"/>
+                <a14:useLocalDpi xmlns:a14="http://schemas.microsoft.com/office/drawing/2010/main" xmlns="" val="0"/>
               </a:ext>
             </a:extLst>
           </a:blip>
@@ -1338,7 +1339,7 @@
           <a:blip r:embed="rId5" cstate="print">
             <a:extLst>
               <a:ext uri="{28A0092B-C50C-407E-A947-70E740481C1C}">
-                <a14:useLocalDpi xmlns:a14="http://schemas.microsoft.com/office/drawing/2010/main" val="0"/>
+                <a14:useLocalDpi xmlns:a14="http://schemas.microsoft.com/office/drawing/2010/main" xmlns="" val="0"/>
               </a:ext>
             </a:extLst>
           </a:blip>
@@ -1633,7 +1634,7 @@
           <a:blip r:embed="rId2" cstate="print">
             <a:extLst>
               <a:ext uri="{28A0092B-C50C-407E-A947-70E740481C1C}">
-                <a14:useLocalDpi xmlns:a14="http://schemas.microsoft.com/office/drawing/2010/main" val="0"/>
+                <a14:useLocalDpi xmlns:a14="http://schemas.microsoft.com/office/drawing/2010/main" xmlns="" val="0"/>
               </a:ext>
             </a:extLst>
           </a:blip>
@@ -1663,7 +1664,7 @@
           <a:blip r:embed="rId3" cstate="print">
             <a:extLst>
               <a:ext uri="{28A0092B-C50C-407E-A947-70E740481C1C}">
-                <a14:useLocalDpi xmlns:a14="http://schemas.microsoft.com/office/drawing/2010/main" val="0"/>
+                <a14:useLocalDpi xmlns:a14="http://schemas.microsoft.com/office/drawing/2010/main" xmlns="" val="0"/>
               </a:ext>
             </a:extLst>
           </a:blip>
@@ -1693,7 +1694,7 @@
           <a:blip r:embed="rId4" cstate="print">
             <a:extLst>
               <a:ext uri="{28A0092B-C50C-407E-A947-70E740481C1C}">
-                <a14:useLocalDpi xmlns:a14="http://schemas.microsoft.com/office/drawing/2010/main" val="0"/>
+                <a14:useLocalDpi xmlns:a14="http://schemas.microsoft.com/office/drawing/2010/main" xmlns="" val="0"/>
               </a:ext>
             </a:extLst>
           </a:blip>
@@ -2346,82 +2347,9 @@
         </p:xfrm>
         <a:graphic>
           <a:graphicData uri="http://schemas.openxmlformats.org/presentationml/2006/ole">
-            <mc:AlternateContent xmlns:mc="http://schemas.openxmlformats.org/markup-compatibility/2006">
-              <mc:Choice xmlns:v="urn:schemas-microsoft-com:vml" Requires="v">
-                <p:oleObj spid="_x0000_s4100" name="Visio" r:id="rId3" imgW="6143635" imgH="2533560" progId="Visio.Drawing.15">
-                  <p:embed/>
-                </p:oleObj>
-              </mc:Choice>
-              <mc:Fallback>
-                <p:oleObj name="Visio" r:id="rId3" imgW="6143635" imgH="2533560" progId="Visio.Drawing.15">
-                  <p:embed/>
-                  <p:pic>
-                    <p:nvPicPr>
-                      <p:cNvPr id="0" name="Picture 2"/>
-                      <p:cNvPicPr>
-                        <a:picLocks noChangeAspect="1" noChangeArrowheads="1"/>
-                      </p:cNvPicPr>
-                      <p:nvPr/>
-                    </p:nvPicPr>
-                    <p:blipFill>
-                      <a:blip r:embed="rId4">
-                        <a:extLst>
-                          <a:ext uri="{28A0092B-C50C-407E-A947-70E740481C1C}">
-                            <a14:useLocalDpi xmlns:a14="http://schemas.microsoft.com/office/drawing/2010/main" val="0"/>
-                          </a:ext>
-                        </a:extLst>
-                      </a:blip>
-                      <a:srcRect/>
-                      <a:stretch>
-                        <a:fillRect/>
-                      </a:stretch>
-                    </p:blipFill>
-                    <p:spPr bwMode="auto">
-                      <a:xfrm>
-                        <a:off x="1428728" y="3214686"/>
-                        <a:ext cx="6143625" cy="2533650"/>
-                      </a:xfrm>
-                      <a:prstGeom prst="rect">
-                        <a:avLst/>
-                      </a:prstGeom>
-                      <a:noFill/>
-                      <a:ln>
-                        <a:noFill/>
-                      </a:ln>
-                      <a:effectLst/>
-                      <a:extLst>
-                        <a:ext uri="{909E8E84-426E-40DD-AFC4-6F175D3DCCD1}">
-                          <a14:hiddenFill xmlns:a14="http://schemas.microsoft.com/office/drawing/2010/main">
-                            <a:solidFill>
-                              <a:schemeClr val="accent1"/>
-                            </a:solidFill>
-                          </a14:hiddenFill>
-                        </a:ext>
-                        <a:ext uri="{91240B29-F687-4F45-9708-019B960494DF}">
-                          <a14:hiddenLine xmlns:a14="http://schemas.microsoft.com/office/drawing/2010/main" w="9525">
-                            <a:solidFill>
-                              <a:schemeClr val="tx1"/>
-                            </a:solidFill>
-                            <a:miter lim="800000"/>
-                            <a:headEnd/>
-                            <a:tailEnd/>
-                          </a14:hiddenLine>
-                        </a:ext>
-                        <a:ext uri="{AF507438-7753-43E0-B8FC-AC1667EBCBE1}">
-                          <a14:hiddenEffects xmlns:a14="http://schemas.microsoft.com/office/drawing/2010/main">
-                            <a:effectLst>
-                              <a:outerShdw dist="35921" dir="2700000" algn="ctr" rotWithShape="0">
-                                <a:schemeClr val="bg2"/>
-                              </a:outerShdw>
-                            </a:effectLst>
-                          </a14:hiddenEffects>
-                        </a:ext>
-                      </a:extLst>
-                    </p:spPr>
-                  </p:pic>
-                </p:oleObj>
-              </mc:Fallback>
-            </mc:AlternateContent>
+            <p:oleObj spid="_x0000_s4100" name="Visio" r:id="rId3" imgW="6143635" imgH="2533560" progId="Visio.Drawing.15">
+              <p:embed/>
+            </p:oleObj>
           </a:graphicData>
         </a:graphic>
       </p:graphicFrame>
@@ -3247,59 +3175,9 @@
         </p:xfrm>
         <a:graphic>
           <a:graphicData uri="http://schemas.openxmlformats.org/presentationml/2006/ole">
-            <mc:AlternateContent xmlns:mc="http://schemas.openxmlformats.org/markup-compatibility/2006">
-              <mc:Choice xmlns:v="urn:schemas-microsoft-com:vml" Requires="v">
-                <p:oleObj spid="_x0000_s1028" name="Visio" r:id="rId3" imgW="5505444" imgH="4162412" progId="Visio.Drawing.15">
-                  <p:embed/>
-                </p:oleObj>
-              </mc:Choice>
-              <mc:Fallback>
-                <p:oleObj name="Visio" r:id="rId3" imgW="5505444" imgH="4162412" progId="Visio.Drawing.15">
-                  <p:embed/>
-                  <p:pic>
-                    <p:nvPicPr>
-                      <p:cNvPr id="0" name="Picture 2"/>
-                      <p:cNvPicPr>
-                        <a:picLocks noChangeAspect="1" noChangeArrowheads="1"/>
-                      </p:cNvPicPr>
-                      <p:nvPr/>
-                    </p:nvPicPr>
-                    <p:blipFill>
-                      <a:blip r:embed="rId4">
-                        <a:extLst>
-                          <a:ext uri="{28A0092B-C50C-407E-A947-70E740481C1C}">
-                            <a14:useLocalDpi xmlns:a14="http://schemas.microsoft.com/office/drawing/2010/main" val="0"/>
-                          </a:ext>
-                        </a:extLst>
-                      </a:blip>
-                      <a:srcRect/>
-                      <a:stretch>
-                        <a:fillRect/>
-                      </a:stretch>
-                    </p:blipFill>
-                    <p:spPr bwMode="auto">
-                      <a:xfrm>
-                        <a:off x="1819275" y="1347788"/>
-                        <a:ext cx="5505450" cy="4162425"/>
-                      </a:xfrm>
-                      <a:prstGeom prst="rect">
-                        <a:avLst/>
-                      </a:prstGeom>
-                      <a:noFill/>
-                      <a:extLst>
-                        <a:ext uri="{909E8E84-426E-40DD-AFC4-6F175D3DCCD1}">
-                          <a14:hiddenFill xmlns:a14="http://schemas.microsoft.com/office/drawing/2010/main">
-                            <a:solidFill>
-                              <a:srgbClr val="FFFFFF"/>
-                            </a:solidFill>
-                          </a14:hiddenFill>
-                        </a:ext>
-                      </a:extLst>
-                    </p:spPr>
-                  </p:pic>
-                </p:oleObj>
-              </mc:Fallback>
-            </mc:AlternateContent>
+            <p:oleObj spid="_x0000_s1028" name="Visio" r:id="rId3" imgW="5505444" imgH="4162412" progId="Visio.Drawing.15">
+              <p:embed/>
+            </p:oleObj>
           </a:graphicData>
         </a:graphic>
       </p:graphicFrame>
@@ -3415,82 +3293,9 @@
         </p:xfrm>
         <a:graphic>
           <a:graphicData uri="http://schemas.openxmlformats.org/presentationml/2006/ole">
-            <mc:AlternateContent xmlns:mc="http://schemas.openxmlformats.org/markup-compatibility/2006">
-              <mc:Choice xmlns:v="urn:schemas-microsoft-com:vml" Requires="v">
-                <p:oleObj spid="_x0000_s2054" name="Visio" r:id="rId3" imgW="4171854" imgH="2543291" progId="Visio.Drawing.15">
-                  <p:embed/>
-                </p:oleObj>
-              </mc:Choice>
-              <mc:Fallback>
-                <p:oleObj name="Visio" r:id="rId3" imgW="4171854" imgH="2543291" progId="Visio.Drawing.15">
-                  <p:embed/>
-                  <p:pic>
-                    <p:nvPicPr>
-                      <p:cNvPr id="0" name="Picture 2"/>
-                      <p:cNvPicPr>
-                        <a:picLocks noChangeAspect="1" noChangeArrowheads="1"/>
-                      </p:cNvPicPr>
-                      <p:nvPr/>
-                    </p:nvPicPr>
-                    <p:blipFill>
-                      <a:blip r:embed="rId4">
-                        <a:extLst>
-                          <a:ext uri="{28A0092B-C50C-407E-A947-70E740481C1C}">
-                            <a14:useLocalDpi xmlns:a14="http://schemas.microsoft.com/office/drawing/2010/main" val="0"/>
-                          </a:ext>
-                        </a:extLst>
-                      </a:blip>
-                      <a:srcRect/>
-                      <a:stretch>
-                        <a:fillRect/>
-                      </a:stretch>
-                    </p:blipFill>
-                    <p:spPr bwMode="auto">
-                      <a:xfrm>
-                        <a:off x="5580063" y="785794"/>
-                        <a:ext cx="3398522" cy="2071702"/>
-                      </a:xfrm>
-                      <a:prstGeom prst="rect">
-                        <a:avLst/>
-                      </a:prstGeom>
-                      <a:noFill/>
-                      <a:ln>
-                        <a:noFill/>
-                      </a:ln>
-                      <a:effectLst/>
-                      <a:extLst>
-                        <a:ext uri="{909E8E84-426E-40DD-AFC4-6F175D3DCCD1}">
-                          <a14:hiddenFill xmlns:a14="http://schemas.microsoft.com/office/drawing/2010/main">
-                            <a:solidFill>
-                              <a:schemeClr val="accent1"/>
-                            </a:solidFill>
-                          </a14:hiddenFill>
-                        </a:ext>
-                        <a:ext uri="{91240B29-F687-4F45-9708-019B960494DF}">
-                          <a14:hiddenLine xmlns:a14="http://schemas.microsoft.com/office/drawing/2010/main" w="9525">
-                            <a:solidFill>
-                              <a:schemeClr val="tx1"/>
-                            </a:solidFill>
-                            <a:miter lim="800000"/>
-                            <a:headEnd/>
-                            <a:tailEnd/>
-                          </a14:hiddenLine>
-                        </a:ext>
-                        <a:ext uri="{AF507438-7753-43E0-B8FC-AC1667EBCBE1}">
-                          <a14:hiddenEffects xmlns:a14="http://schemas.microsoft.com/office/drawing/2010/main">
-                            <a:effectLst>
-                              <a:outerShdw dist="35921" dir="2700000" algn="ctr" rotWithShape="0">
-                                <a:schemeClr val="bg2"/>
-                              </a:outerShdw>
-                            </a:effectLst>
-                          </a14:hiddenEffects>
-                        </a:ext>
-                      </a:extLst>
-                    </p:spPr>
-                  </p:pic>
-                </p:oleObj>
-              </mc:Fallback>
-            </mc:AlternateContent>
+            <p:oleObj spid="_x0000_s2054" name="Visio" r:id="rId3" imgW="4171854" imgH="2543291" progId="Visio.Drawing.15">
+              <p:embed/>
+            </p:oleObj>
           </a:graphicData>
         </a:graphic>
       </p:graphicFrame>
@@ -3508,82 +3313,9 @@
         </p:xfrm>
         <a:graphic>
           <a:graphicData uri="http://schemas.openxmlformats.org/presentationml/2006/ole">
-            <mc:AlternateContent xmlns:mc="http://schemas.openxmlformats.org/markup-compatibility/2006">
-              <mc:Choice xmlns:v="urn:schemas-microsoft-com:vml" Requires="v">
-                <p:oleObj spid="_x0000_s2055" name="Visio" r:id="rId5" imgW="7334205" imgH="3190939" progId="Visio.Drawing.15">
-                  <p:embed/>
-                </p:oleObj>
-              </mc:Choice>
-              <mc:Fallback>
-                <p:oleObj name="Visio" r:id="rId5" imgW="7334205" imgH="3190939" progId="Visio.Drawing.15">
-                  <p:embed/>
-                  <p:pic>
-                    <p:nvPicPr>
-                      <p:cNvPr id="0" name="Picture 3"/>
-                      <p:cNvPicPr>
-                        <a:picLocks noChangeAspect="1" noChangeArrowheads="1"/>
-                      </p:cNvPicPr>
-                      <p:nvPr/>
-                    </p:nvPicPr>
-                    <p:blipFill>
-                      <a:blip r:embed="rId6">
-                        <a:extLst>
-                          <a:ext uri="{28A0092B-C50C-407E-A947-70E740481C1C}">
-                            <a14:useLocalDpi xmlns:a14="http://schemas.microsoft.com/office/drawing/2010/main" val="0"/>
-                          </a:ext>
-                        </a:extLst>
-                      </a:blip>
-                      <a:srcRect/>
-                      <a:stretch>
-                        <a:fillRect/>
-                      </a:stretch>
-                    </p:blipFill>
-                    <p:spPr bwMode="auto">
-                      <a:xfrm>
-                        <a:off x="250824" y="2500306"/>
-                        <a:ext cx="6334473" cy="2755907"/>
-                      </a:xfrm>
-                      <a:prstGeom prst="rect">
-                        <a:avLst/>
-                      </a:prstGeom>
-                      <a:noFill/>
-                      <a:ln>
-                        <a:noFill/>
-                      </a:ln>
-                      <a:effectLst/>
-                      <a:extLst>
-                        <a:ext uri="{909E8E84-426E-40DD-AFC4-6F175D3DCCD1}">
-                          <a14:hiddenFill xmlns:a14="http://schemas.microsoft.com/office/drawing/2010/main">
-                            <a:solidFill>
-                              <a:schemeClr val="accent1"/>
-                            </a:solidFill>
-                          </a14:hiddenFill>
-                        </a:ext>
-                        <a:ext uri="{91240B29-F687-4F45-9708-019B960494DF}">
-                          <a14:hiddenLine xmlns:a14="http://schemas.microsoft.com/office/drawing/2010/main" w="9525">
-                            <a:solidFill>
-                              <a:schemeClr val="tx1"/>
-                            </a:solidFill>
-                            <a:miter lim="800000"/>
-                            <a:headEnd/>
-                            <a:tailEnd/>
-                          </a14:hiddenLine>
-                        </a:ext>
-                        <a:ext uri="{AF507438-7753-43E0-B8FC-AC1667EBCBE1}">
-                          <a14:hiddenEffects xmlns:a14="http://schemas.microsoft.com/office/drawing/2010/main">
-                            <a:effectLst>
-                              <a:outerShdw dist="35921" dir="2700000" algn="ctr" rotWithShape="0">
-                                <a:schemeClr val="bg2"/>
-                              </a:outerShdw>
-                            </a:effectLst>
-                          </a14:hiddenEffects>
-                        </a:ext>
-                      </a:extLst>
-                    </p:spPr>
-                  </p:pic>
-                </p:oleObj>
-              </mc:Fallback>
-            </mc:AlternateContent>
+            <p:oleObj spid="_x0000_s2055" name="Visio" r:id="rId4" imgW="7334205" imgH="3190939" progId="Visio.Drawing.15">
+              <p:embed/>
+            </p:oleObj>
           </a:graphicData>
         </a:graphic>
       </p:graphicFrame>
@@ -3592,6 +3324,13 @@
   <p:clrMapOvr>
     <a:masterClrMapping/>
   </p:clrMapOvr>
+  <p:timing>
+    <p:tnLst>
+      <p:par>
+        <p:cTn id="1" dur="indefinite" restart="never" nodeType="tmRoot"/>
+      </p:par>
+    </p:tnLst>
+  </p:timing>
 </p:sld>
 </file>
 
@@ -3655,9 +3394,49 @@
           <a:p>
             <a:pPr lvl="1"/>
             <a:r>
-              <a:rPr lang="de-DE" dirty="0" smtClean="0"/>
-              <a:t>Alle 6 Stück, TODO</a:t>
-            </a:r>
+              <a:rPr lang="de-DE" dirty="0" err="1" smtClean="0"/>
+              <a:t>Rename</a:t>
+            </a:r>
+            <a:endParaRPr lang="de-DE" dirty="0" smtClean="0"/>
+          </a:p>
+          <a:p>
+            <a:pPr lvl="1"/>
+            <a:r>
+              <a:rPr lang="de-DE" dirty="0" smtClean="0"/>
+              <a:t>Alias</a:t>
+            </a:r>
+          </a:p>
+          <a:p>
+            <a:pPr lvl="1"/>
+            <a:r>
+              <a:rPr lang="de-DE" dirty="0" err="1" smtClean="0"/>
+              <a:t>Artificialize</a:t>
+            </a:r>
+            <a:endParaRPr lang="de-DE" dirty="0" smtClean="0"/>
+          </a:p>
+          <a:p>
+            <a:pPr lvl="1"/>
+            <a:r>
+              <a:rPr lang="de-DE" dirty="0" err="1" smtClean="0"/>
+              <a:t>Hide</a:t>
+            </a:r>
+            <a:endParaRPr lang="de-DE" dirty="0" smtClean="0"/>
+          </a:p>
+          <a:p>
+            <a:pPr lvl="1"/>
+            <a:r>
+              <a:rPr lang="de-DE" dirty="0" err="1" smtClean="0"/>
+              <a:t>Deinstantify</a:t>
+            </a:r>
+            <a:endParaRPr lang="de-DE" dirty="0" smtClean="0"/>
+          </a:p>
+          <a:p>
+            <a:pPr lvl="1"/>
+            <a:r>
+              <a:rPr lang="de-DE" dirty="0" err="1" smtClean="0"/>
+              <a:t>Join</a:t>
+            </a:r>
+            <a:endParaRPr lang="de-DE" dirty="0" smtClean="0"/>
           </a:p>
         </p:txBody>
       </p:sp>
@@ -3689,6 +3468,13 @@
   <p:clrMapOvr>
     <a:masterClrMapping/>
   </p:clrMapOvr>
+  <p:timing>
+    <p:tnLst>
+      <p:par>
+        <p:cTn id="1" dur="indefinite" restart="never" nodeType="tmRoot"/>
+      </p:par>
+    </p:tnLst>
+  </p:timing>
 </p:sld>
 </file>
 
@@ -3711,29 +3497,6 @@
       </p:grpSpPr>
       <p:sp>
         <p:nvSpPr>
-          <p:cNvPr id="2" name="Text Placeholder 1"/>
-          <p:cNvSpPr>
-            <a:spLocks noGrp="1"/>
-          </p:cNvSpPr>
-          <p:nvPr>
-            <p:ph type="body" sz="quarter" idx="10"/>
-          </p:nvPr>
-        </p:nvSpPr>
-        <p:spPr/>
-        <p:txBody>
-          <a:bodyPr/>
-          <a:lstStyle/>
-          <a:p>
-            <a:r>
-              <a:rPr lang="de-DE" dirty="0" smtClean="0"/>
-              <a:t>BILD UFM and PSS-IF</a:t>
-            </a:r>
-            <a:endParaRPr lang="bg-BG" dirty="0"/>
-          </a:p>
-        </p:txBody>
-      </p:sp>
-      <p:sp>
-        <p:nvSpPr>
           <p:cNvPr id="3" name="Title 2"/>
           <p:cNvSpPr>
             <a:spLocks noGrp="1"/>
@@ -3764,87 +3527,14 @@
           <p:nvPr/>
         </p:nvGraphicFramePr>
         <p:xfrm>
-          <a:off x="571472" y="2000240"/>
+          <a:off x="539552" y="2004045"/>
           <a:ext cx="8029575" cy="2505075"/>
         </p:xfrm>
         <a:graphic>
           <a:graphicData uri="http://schemas.openxmlformats.org/presentationml/2006/ole">
-            <mc:AlternateContent xmlns:mc="http://schemas.openxmlformats.org/markup-compatibility/2006">
-              <mc:Choice xmlns:v="urn:schemas-microsoft-com:vml" Requires="v">
-                <p:oleObj spid="_x0000_s5124" name="Visio" r:id="rId3" imgW="8029604" imgH="2505178" progId="Visio.Drawing.15">
-                  <p:embed/>
-                </p:oleObj>
-              </mc:Choice>
-              <mc:Fallback>
-                <p:oleObj name="Visio" r:id="rId3" imgW="8029604" imgH="2505178" progId="Visio.Drawing.15">
-                  <p:embed/>
-                  <p:pic>
-                    <p:nvPicPr>
-                      <p:cNvPr id="0" name="Picture 2"/>
-                      <p:cNvPicPr>
-                        <a:picLocks noChangeAspect="1" noChangeArrowheads="1"/>
-                      </p:cNvPicPr>
-                      <p:nvPr/>
-                    </p:nvPicPr>
-                    <p:blipFill>
-                      <a:blip r:embed="rId4">
-                        <a:extLst>
-                          <a:ext uri="{28A0092B-C50C-407E-A947-70E740481C1C}">
-                            <a14:useLocalDpi xmlns:a14="http://schemas.microsoft.com/office/drawing/2010/main" val="0"/>
-                          </a:ext>
-                        </a:extLst>
-                      </a:blip>
-                      <a:srcRect/>
-                      <a:stretch>
-                        <a:fillRect/>
-                      </a:stretch>
-                    </p:blipFill>
-                    <p:spPr bwMode="auto">
-                      <a:xfrm>
-                        <a:off x="571472" y="2000240"/>
-                        <a:ext cx="8029575" cy="2505075"/>
-                      </a:xfrm>
-                      <a:prstGeom prst="rect">
-                        <a:avLst/>
-                      </a:prstGeom>
-                      <a:noFill/>
-                      <a:ln>
-                        <a:noFill/>
-                      </a:ln>
-                      <a:effectLst/>
-                      <a:extLst>
-                        <a:ext uri="{909E8E84-426E-40DD-AFC4-6F175D3DCCD1}">
-                          <a14:hiddenFill xmlns:a14="http://schemas.microsoft.com/office/drawing/2010/main">
-                            <a:solidFill>
-                              <a:schemeClr val="accent1"/>
-                            </a:solidFill>
-                          </a14:hiddenFill>
-                        </a:ext>
-                        <a:ext uri="{91240B29-F687-4F45-9708-019B960494DF}">
-                          <a14:hiddenLine xmlns:a14="http://schemas.microsoft.com/office/drawing/2010/main" w="9525">
-                            <a:solidFill>
-                              <a:schemeClr val="tx1"/>
-                            </a:solidFill>
-                            <a:miter lim="800000"/>
-                            <a:headEnd/>
-                            <a:tailEnd/>
-                          </a14:hiddenLine>
-                        </a:ext>
-                        <a:ext uri="{AF507438-7753-43E0-B8FC-AC1667EBCBE1}">
-                          <a14:hiddenEffects xmlns:a14="http://schemas.microsoft.com/office/drawing/2010/main">
-                            <a:effectLst>
-                              <a:outerShdw dist="35921" dir="2700000" algn="ctr" rotWithShape="0">
-                                <a:schemeClr val="bg2"/>
-                              </a:outerShdw>
-                            </a:effectLst>
-                          </a14:hiddenEffects>
-                        </a:ext>
-                      </a:extLst>
-                    </p:spPr>
-                  </p:pic>
-                </p:oleObj>
-              </mc:Fallback>
-            </mc:AlternateContent>
+            <p:oleObj spid="_x0000_s5124" name="Visio" r:id="rId3" imgW="8029604" imgH="2505178" progId="Visio.Drawing.15">
+              <p:embed/>
+            </p:oleObj>
           </a:graphicData>
         </a:graphic>
       </p:graphicFrame>
@@ -3853,6 +3543,13 @@
   <p:clrMapOvr>
     <a:masterClrMapping/>
   </p:clrMapOvr>
+  <p:timing>
+    <p:tnLst>
+      <p:par>
+        <p:cTn id="1" dur="indefinite" restart="never" nodeType="tmRoot"/>
+      </p:par>
+    </p:tnLst>
+  </p:timing>
 </p:sld>
 </file>
 
@@ -3875,7 +3572,7 @@
       </p:grpSpPr>
       <p:sp>
         <p:nvSpPr>
-          <p:cNvPr id="2" name="Text Placeholder 1"/>
+          <p:cNvPr id="19" name="Textplatzhalter 18"/>
           <p:cNvSpPr>
             <a:spLocks noGrp="1"/>
           </p:cNvSpPr>
@@ -3889,70 +3586,50 @@
           <a:lstStyle/>
           <a:p>
             <a:r>
-              <a:rPr lang="de-DE" dirty="0" smtClean="0"/>
-              <a:t>Java, Maven, Junit, EMF, Guava</a:t>
-            </a:r>
-          </a:p>
-          <a:p>
-            <a:r>
-              <a:rPr lang="de-DE" dirty="0" smtClean="0"/>
-              <a:t>Warum?</a:t>
-            </a:r>
-          </a:p>
-          <a:p>
-            <a:pPr lvl="1"/>
-            <a:r>
-              <a:rPr lang="de-DE" dirty="0" smtClean="0"/>
-              <a:t>Standardtechnologien</a:t>
-            </a:r>
-          </a:p>
-          <a:p>
-            <a:pPr lvl="1"/>
-            <a:r>
-              <a:rPr lang="de-DE" dirty="0" smtClean="0"/>
-              <a:t>Verbreitete Akzeptanz</a:t>
-            </a:r>
-          </a:p>
-          <a:p>
-            <a:pPr lvl="1"/>
-            <a:r>
-              <a:rPr lang="de-DE" dirty="0" smtClean="0"/>
-              <a:t>Erfahrung</a:t>
-            </a:r>
-          </a:p>
-          <a:p>
-            <a:r>
-              <a:rPr lang="de-DE" dirty="0" smtClean="0"/>
-              <a:t>Zielarchitektur:</a:t>
-            </a:r>
-          </a:p>
-          <a:p>
-            <a:pPr lvl="1"/>
-            <a:r>
-              <a:rPr lang="de-DE" dirty="0" smtClean="0"/>
-              <a:t>Max reusability</a:t>
-            </a:r>
-          </a:p>
-          <a:p>
-            <a:pPr lvl="1"/>
-            <a:r>
-              <a:rPr lang="de-DE" dirty="0" smtClean="0"/>
-              <a:t>Max flexibility (loose coupling)</a:t>
-            </a:r>
-          </a:p>
-          <a:p>
-            <a:pPr lvl="1"/>
-            <a:r>
-              <a:rPr lang="de-DE" dirty="0" smtClean="0"/>
-              <a:t>Min maintenance effort</a:t>
-            </a:r>
-          </a:p>
-          <a:p>
-            <a:pPr lvl="1"/>
-            <a:r>
-              <a:rPr lang="de-DE" dirty="0" smtClean="0"/>
-              <a:t>Patterns!</a:t>
-            </a:r>
+              <a:rPr lang="en-US" dirty="0" smtClean="0"/>
+              <a:t>Create artificial Blocks (</a:t>
+            </a:r>
+            <a:r>
+              <a:rPr lang="en-US" dirty="0" err="1" smtClean="0"/>
+              <a:t>Artificialize</a:t>
+            </a:r>
+            <a:r>
+              <a:rPr lang="en-US" dirty="0" smtClean="0"/>
+              <a:t>)</a:t>
+            </a:r>
+          </a:p>
+          <a:p>
+            <a:r>
+              <a:rPr lang="en-US" dirty="0" smtClean="0"/>
+              <a:t>Create artificial </a:t>
+            </a:r>
+            <a:r>
+              <a:rPr lang="en-US" dirty="0" err="1" smtClean="0"/>
+              <a:t>ControlFlow</a:t>
+            </a:r>
+            <a:r>
+              <a:rPr lang="en-US" dirty="0" smtClean="0"/>
+              <a:t> (</a:t>
+            </a:r>
+            <a:r>
+              <a:rPr lang="en-US" dirty="0" err="1" smtClean="0"/>
+              <a:t>Artificialize</a:t>
+            </a:r>
+            <a:r>
+              <a:rPr lang="en-US" dirty="0" smtClean="0"/>
+              <a:t>)</a:t>
+            </a:r>
+          </a:p>
+          <a:p>
+            <a:r>
+              <a:rPr lang="en-US" dirty="0" smtClean="0"/>
+              <a:t>Join </a:t>
+            </a:r>
+            <a:r>
+              <a:rPr lang="en-US" dirty="0" err="1" smtClean="0"/>
+              <a:t>InformationFlow</a:t>
+            </a:r>
+            <a:endParaRPr lang="en-US" dirty="0"/>
           </a:p>
         </p:txBody>
       </p:sp>
@@ -3973,9 +3650,557 @@
           <a:p>
             <a:r>
               <a:rPr lang="de-DE" dirty="0" smtClean="0"/>
-              <a:t>Implementierung – Technische Aspekte</a:t>
+              <a:t>Implementierung – Beispiel UFM</a:t>
             </a:r>
             <a:endParaRPr lang="bg-BG" dirty="0"/>
+          </a:p>
+        </p:txBody>
+      </p:sp>
+      <p:sp>
+        <p:nvSpPr>
+          <p:cNvPr id="7" name="Rechteck 6"/>
+          <p:cNvSpPr/>
+          <p:nvPr/>
+        </p:nvSpPr>
+        <p:spPr bwMode="auto">
+          <a:xfrm>
+            <a:off x="1979712" y="5013176"/>
+            <a:ext cx="1512168" cy="554360"/>
+          </a:xfrm>
+          <a:prstGeom prst="rect">
+            <a:avLst/>
+          </a:prstGeom>
+          <a:ln>
+            <a:headEnd type="none" w="med" len="med"/>
+            <a:tailEnd type="triangle" w="med" len="med"/>
+          </a:ln>
+        </p:spPr>
+        <p:style>
+          <a:lnRef idx="2">
+            <a:schemeClr val="dk1"/>
+          </a:lnRef>
+          <a:fillRef idx="1">
+            <a:schemeClr val="lt1"/>
+          </a:fillRef>
+          <a:effectRef idx="0">
+            <a:schemeClr val="dk1"/>
+          </a:effectRef>
+          <a:fontRef idx="minor">
+            <a:schemeClr val="dk1"/>
+          </a:fontRef>
+        </p:style>
+        <p:txBody>
+          <a:bodyPr wrap="square" lIns="90000" tIns="46800" rIns="90000" bIns="46800" rtlCol="0" anchor="ctr">
+            <a:noAutofit/>
+          </a:bodyPr>
+          <a:lstStyle/>
+          <a:p>
+            <a:pPr algn="ctr" eaLnBrk="0" hangingPunct="0"/>
+            <a:r>
+              <a:rPr lang="en-US" sz="1400" u="sng" dirty="0" smtClean="0"/>
+              <a:t>:State</a:t>
+            </a:r>
+            <a:endParaRPr lang="en-US" sz="1400" u="sng" dirty="0" smtClean="0"/>
+          </a:p>
+        </p:txBody>
+      </p:sp>
+      <p:sp>
+        <p:nvSpPr>
+          <p:cNvPr id="8" name="Rechteck 7"/>
+          <p:cNvSpPr/>
+          <p:nvPr/>
+        </p:nvSpPr>
+        <p:spPr bwMode="auto">
+          <a:xfrm>
+            <a:off x="5076056" y="5013176"/>
+            <a:ext cx="1512168" cy="554360"/>
+          </a:xfrm>
+          <a:prstGeom prst="rect">
+            <a:avLst/>
+          </a:prstGeom>
+          <a:ln>
+            <a:headEnd type="none" w="med" len="med"/>
+            <a:tailEnd type="triangle" w="med" len="med"/>
+          </a:ln>
+        </p:spPr>
+        <p:style>
+          <a:lnRef idx="2">
+            <a:schemeClr val="dk1"/>
+          </a:lnRef>
+          <a:fillRef idx="1">
+            <a:schemeClr val="lt1"/>
+          </a:fillRef>
+          <a:effectRef idx="0">
+            <a:schemeClr val="dk1"/>
+          </a:effectRef>
+          <a:fontRef idx="minor">
+            <a:schemeClr val="dk1"/>
+          </a:fontRef>
+        </p:style>
+        <p:txBody>
+          <a:bodyPr wrap="square" lIns="90000" tIns="46800" rIns="90000" bIns="46800" rtlCol="0" anchor="ctr">
+            <a:noAutofit/>
+          </a:bodyPr>
+          <a:lstStyle/>
+          <a:p>
+            <a:pPr algn="ctr" eaLnBrk="0" hangingPunct="0"/>
+            <a:r>
+              <a:rPr lang="en-US" sz="1400" u="sng" dirty="0" smtClean="0"/>
+              <a:t>:Function</a:t>
+            </a:r>
+            <a:endParaRPr lang="en-US" sz="1400" u="sng" dirty="0" smtClean="0"/>
+          </a:p>
+        </p:txBody>
+      </p:sp>
+      <p:cxnSp>
+        <p:nvCxnSpPr>
+          <p:cNvPr id="10" name="Gerade Verbindung mit Pfeil 9"/>
+          <p:cNvCxnSpPr>
+            <a:stCxn id="7" idx="3"/>
+            <a:endCxn id="8" idx="1"/>
+          </p:cNvCxnSpPr>
+          <p:nvPr/>
+        </p:nvCxnSpPr>
+        <p:spPr>
+          <a:xfrm>
+            <a:off x="3491880" y="5290356"/>
+            <a:ext cx="1584176" cy="0"/>
+          </a:xfrm>
+          <a:prstGeom prst="straightConnector1">
+            <a:avLst/>
+          </a:prstGeom>
+          <a:ln>
+            <a:tailEnd type="arrow"/>
+          </a:ln>
+        </p:spPr>
+        <p:style>
+          <a:lnRef idx="1">
+            <a:schemeClr val="dk1"/>
+          </a:lnRef>
+          <a:fillRef idx="0">
+            <a:schemeClr val="dk1"/>
+          </a:fillRef>
+          <a:effectRef idx="0">
+            <a:schemeClr val="dk1"/>
+          </a:effectRef>
+          <a:fontRef idx="minor">
+            <a:schemeClr val="tx1"/>
+          </a:fontRef>
+        </p:style>
+      </p:cxnSp>
+      <p:sp>
+        <p:nvSpPr>
+          <p:cNvPr id="11" name="Textfeld 10"/>
+          <p:cNvSpPr txBox="1"/>
+          <p:nvPr/>
+        </p:nvSpPr>
+        <p:spPr>
+          <a:xfrm>
+            <a:off x="3563888" y="5085184"/>
+            <a:ext cx="1394934" cy="246221"/>
+          </a:xfrm>
+          <a:prstGeom prst="rect">
+            <a:avLst/>
+          </a:prstGeom>
+          <a:noFill/>
+        </p:spPr>
+        <p:txBody>
+          <a:bodyPr wrap="none" rtlCol="0">
+            <a:spAutoFit/>
+          </a:bodyPr>
+          <a:lstStyle/>
+          <a:p>
+            <a:r>
+              <a:rPr lang="en-US" sz="1000" dirty="0" smtClean="0"/>
+              <a:t>&lt;&lt;</a:t>
+            </a:r>
+            <a:r>
+              <a:rPr lang="en-US" sz="1000" dirty="0" err="1" smtClean="0"/>
+              <a:t>InformationFlow</a:t>
+            </a:r>
+            <a:r>
+              <a:rPr lang="en-US" sz="1000" dirty="0" smtClean="0"/>
+              <a:t>&gt;&gt;</a:t>
+            </a:r>
+            <a:endParaRPr lang="en-US" sz="1000" dirty="0"/>
+          </a:p>
+        </p:txBody>
+      </p:sp>
+      <p:sp>
+        <p:nvSpPr>
+          <p:cNvPr id="13" name="Rechteck 12"/>
+          <p:cNvSpPr/>
+          <p:nvPr/>
+        </p:nvSpPr>
+        <p:spPr bwMode="auto">
+          <a:xfrm>
+            <a:off x="1979712" y="3501008"/>
+            <a:ext cx="1512168" cy="554360"/>
+          </a:xfrm>
+          <a:prstGeom prst="rect">
+            <a:avLst/>
+          </a:prstGeom>
+          <a:ln>
+            <a:headEnd type="none" w="med" len="med"/>
+            <a:tailEnd type="triangle" w="med" len="med"/>
+          </a:ln>
+        </p:spPr>
+        <p:style>
+          <a:lnRef idx="2">
+            <a:schemeClr val="dk1"/>
+          </a:lnRef>
+          <a:fillRef idx="1">
+            <a:schemeClr val="lt1"/>
+          </a:fillRef>
+          <a:effectRef idx="0">
+            <a:schemeClr val="dk1"/>
+          </a:effectRef>
+          <a:fontRef idx="minor">
+            <a:schemeClr val="dk1"/>
+          </a:fontRef>
+        </p:style>
+        <p:txBody>
+          <a:bodyPr wrap="square" lIns="90000" tIns="46800" rIns="90000" bIns="46800" rtlCol="0" anchor="ctr">
+            <a:noAutofit/>
+          </a:bodyPr>
+          <a:lstStyle/>
+          <a:p>
+            <a:pPr algn="ctr" eaLnBrk="0" hangingPunct="0"/>
+            <a:r>
+              <a:rPr lang="en-US" sz="1400" u="sng" dirty="0" smtClean="0"/>
+              <a:t>:Block</a:t>
+            </a:r>
+            <a:endParaRPr lang="en-US" sz="1400" u="sng" dirty="0" smtClean="0"/>
+          </a:p>
+        </p:txBody>
+      </p:sp>
+      <p:sp>
+        <p:nvSpPr>
+          <p:cNvPr id="14" name="Rechteck 13"/>
+          <p:cNvSpPr/>
+          <p:nvPr/>
+        </p:nvSpPr>
+        <p:spPr bwMode="auto">
+          <a:xfrm>
+            <a:off x="5076056" y="3501008"/>
+            <a:ext cx="1512168" cy="554360"/>
+          </a:xfrm>
+          <a:prstGeom prst="rect">
+            <a:avLst/>
+          </a:prstGeom>
+          <a:ln>
+            <a:headEnd type="none" w="med" len="med"/>
+            <a:tailEnd type="triangle" w="med" len="med"/>
+          </a:ln>
+        </p:spPr>
+        <p:style>
+          <a:lnRef idx="2">
+            <a:schemeClr val="dk1"/>
+          </a:lnRef>
+          <a:fillRef idx="1">
+            <a:schemeClr val="lt1"/>
+          </a:fillRef>
+          <a:effectRef idx="0">
+            <a:schemeClr val="dk1"/>
+          </a:effectRef>
+          <a:fontRef idx="minor">
+            <a:schemeClr val="dk1"/>
+          </a:fontRef>
+        </p:style>
+        <p:txBody>
+          <a:bodyPr wrap="square" lIns="90000" tIns="46800" rIns="90000" bIns="46800" rtlCol="0" anchor="ctr">
+            <a:noAutofit/>
+          </a:bodyPr>
+          <a:lstStyle/>
+          <a:p>
+            <a:pPr algn="ctr" eaLnBrk="0" hangingPunct="0"/>
+            <a:r>
+              <a:rPr lang="en-US" sz="1400" u="sng" dirty="0" smtClean="0"/>
+              <a:t>:Block</a:t>
+            </a:r>
+            <a:endParaRPr lang="en-US" sz="1400" u="sng" dirty="0" smtClean="0"/>
+          </a:p>
+        </p:txBody>
+      </p:sp>
+      <p:cxnSp>
+        <p:nvCxnSpPr>
+          <p:cNvPr id="16" name="Gerade Verbindung mit Pfeil 15"/>
+          <p:cNvCxnSpPr>
+            <a:stCxn id="7" idx="0"/>
+            <a:endCxn id="13" idx="2"/>
+          </p:cNvCxnSpPr>
+          <p:nvPr/>
+        </p:nvCxnSpPr>
+        <p:spPr>
+          <a:xfrm flipV="1">
+            <a:off x="2735796" y="4055368"/>
+            <a:ext cx="0" cy="957808"/>
+          </a:xfrm>
+          <a:prstGeom prst="straightConnector1">
+            <a:avLst/>
+          </a:prstGeom>
+          <a:ln>
+            <a:tailEnd type="arrow"/>
+          </a:ln>
+        </p:spPr>
+        <p:style>
+          <a:lnRef idx="1">
+            <a:schemeClr val="dk1"/>
+          </a:lnRef>
+          <a:fillRef idx="0">
+            <a:schemeClr val="dk1"/>
+          </a:fillRef>
+          <a:effectRef idx="0">
+            <a:schemeClr val="dk1"/>
+          </a:effectRef>
+          <a:fontRef idx="minor">
+            <a:schemeClr val="tx1"/>
+          </a:fontRef>
+        </p:style>
+      </p:cxnSp>
+      <p:cxnSp>
+        <p:nvCxnSpPr>
+          <p:cNvPr id="18" name="Gerade Verbindung mit Pfeil 17"/>
+          <p:cNvCxnSpPr>
+            <a:stCxn id="8" idx="0"/>
+            <a:endCxn id="14" idx="2"/>
+          </p:cNvCxnSpPr>
+          <p:nvPr/>
+        </p:nvCxnSpPr>
+        <p:spPr>
+          <a:xfrm flipV="1">
+            <a:off x="5832140" y="4055368"/>
+            <a:ext cx="0" cy="957808"/>
+          </a:xfrm>
+          <a:prstGeom prst="straightConnector1">
+            <a:avLst/>
+          </a:prstGeom>
+          <a:ln>
+            <a:tailEnd type="arrow"/>
+          </a:ln>
+        </p:spPr>
+        <p:style>
+          <a:lnRef idx="1">
+            <a:schemeClr val="dk1"/>
+          </a:lnRef>
+          <a:fillRef idx="0">
+            <a:schemeClr val="dk1"/>
+          </a:fillRef>
+          <a:effectRef idx="0">
+            <a:schemeClr val="dk1"/>
+          </a:effectRef>
+          <a:fontRef idx="minor">
+            <a:schemeClr val="tx1"/>
+          </a:fontRef>
+        </p:style>
+      </p:cxnSp>
+      <p:sp>
+        <p:nvSpPr>
+          <p:cNvPr id="20" name="Textfeld 19"/>
+          <p:cNvSpPr txBox="1"/>
+          <p:nvPr/>
+        </p:nvSpPr>
+        <p:spPr>
+          <a:xfrm>
+            <a:off x="2123728" y="4437112"/>
+            <a:ext cx="1188146" cy="246221"/>
+          </a:xfrm>
+          <a:prstGeom prst="rect">
+            <a:avLst/>
+          </a:prstGeom>
+          <a:noFill/>
+        </p:spPr>
+        <p:txBody>
+          <a:bodyPr wrap="none" rtlCol="0">
+            <a:spAutoFit/>
+          </a:bodyPr>
+          <a:lstStyle/>
+          <a:p>
+            <a:r>
+              <a:rPr lang="en-US" sz="1000" dirty="0" smtClean="0"/>
+              <a:t>&lt;&lt;Relationship&gt;&gt;</a:t>
+            </a:r>
+            <a:endParaRPr lang="en-US" sz="1000" dirty="0"/>
+          </a:p>
+        </p:txBody>
+      </p:sp>
+      <p:sp>
+        <p:nvSpPr>
+          <p:cNvPr id="21" name="Textfeld 20"/>
+          <p:cNvSpPr txBox="1"/>
+          <p:nvPr/>
+        </p:nvSpPr>
+        <p:spPr>
+          <a:xfrm>
+            <a:off x="5238067" y="4437112"/>
+            <a:ext cx="1188146" cy="246221"/>
+          </a:xfrm>
+          <a:prstGeom prst="rect">
+            <a:avLst/>
+          </a:prstGeom>
+          <a:noFill/>
+        </p:spPr>
+        <p:txBody>
+          <a:bodyPr wrap="none" rtlCol="0">
+            <a:spAutoFit/>
+          </a:bodyPr>
+          <a:lstStyle/>
+          <a:p>
+            <a:r>
+              <a:rPr lang="en-US" sz="1000" dirty="0" smtClean="0"/>
+              <a:t>&lt;&lt;Relationship&gt;&gt;</a:t>
+            </a:r>
+            <a:endParaRPr lang="en-US" sz="1000" dirty="0"/>
+          </a:p>
+        </p:txBody>
+      </p:sp>
+      <p:cxnSp>
+        <p:nvCxnSpPr>
+          <p:cNvPr id="22" name="Gerade Verbindung mit Pfeil 21"/>
+          <p:cNvCxnSpPr>
+            <a:stCxn id="7" idx="2"/>
+            <a:endCxn id="8" idx="2"/>
+          </p:cNvCxnSpPr>
+          <p:nvPr/>
+        </p:nvCxnSpPr>
+        <p:spPr>
+          <a:xfrm rot="16200000" flipH="1">
+            <a:off x="4283968" y="4019364"/>
+            <a:ext cx="12700" cy="3096344"/>
+          </a:xfrm>
+          <a:prstGeom prst="bentConnector3">
+            <a:avLst>
+              <a:gd name="adj1" fmla="val 2828568"/>
+            </a:avLst>
+          </a:prstGeom>
+          <a:ln>
+            <a:tailEnd type="arrow"/>
+          </a:ln>
+        </p:spPr>
+        <p:style>
+          <a:lnRef idx="1">
+            <a:schemeClr val="dk1"/>
+          </a:lnRef>
+          <a:fillRef idx="0">
+            <a:schemeClr val="dk1"/>
+          </a:fillRef>
+          <a:effectRef idx="0">
+            <a:schemeClr val="dk1"/>
+          </a:effectRef>
+          <a:fontRef idx="minor">
+            <a:schemeClr val="tx1"/>
+          </a:fontRef>
+        </p:style>
+      </p:cxnSp>
+      <p:sp>
+        <p:nvSpPr>
+          <p:cNvPr id="23" name="Textfeld 22"/>
+          <p:cNvSpPr txBox="1"/>
+          <p:nvPr/>
+        </p:nvSpPr>
+        <p:spPr>
+          <a:xfrm>
+            <a:off x="3619114" y="5690646"/>
+            <a:ext cx="1168910" cy="246221"/>
+          </a:xfrm>
+          <a:prstGeom prst="rect">
+            <a:avLst/>
+          </a:prstGeom>
+          <a:noFill/>
+        </p:spPr>
+        <p:txBody>
+          <a:bodyPr wrap="none" rtlCol="0">
+            <a:spAutoFit/>
+          </a:bodyPr>
+          <a:lstStyle/>
+          <a:p>
+            <a:r>
+              <a:rPr lang="en-US" sz="1000" dirty="0" smtClean="0"/>
+              <a:t>&lt;&lt;</a:t>
+            </a:r>
+            <a:r>
+              <a:rPr lang="en-US" sz="1000" dirty="0" err="1" smtClean="0"/>
+              <a:t>ControlFlow</a:t>
+            </a:r>
+            <a:r>
+              <a:rPr lang="en-US" sz="1000" dirty="0" smtClean="0"/>
+              <a:t>&gt;&gt;</a:t>
+            </a:r>
+            <a:endParaRPr lang="en-US" sz="1000" dirty="0"/>
+          </a:p>
+        </p:txBody>
+      </p:sp>
+      <p:cxnSp>
+        <p:nvCxnSpPr>
+          <p:cNvPr id="30" name="Gerade Verbindung mit Pfeil 29"/>
+          <p:cNvCxnSpPr>
+            <a:stCxn id="13" idx="3"/>
+            <a:endCxn id="14" idx="1"/>
+          </p:cNvCxnSpPr>
+          <p:nvPr/>
+        </p:nvCxnSpPr>
+        <p:spPr>
+          <a:xfrm>
+            <a:off x="3491880" y="3778188"/>
+            <a:ext cx="1584176" cy="0"/>
+          </a:xfrm>
+          <a:prstGeom prst="straightConnector1">
+            <a:avLst/>
+          </a:prstGeom>
+          <a:ln>
+            <a:tailEnd type="arrow"/>
+          </a:ln>
+        </p:spPr>
+        <p:style>
+          <a:lnRef idx="1">
+            <a:schemeClr val="dk1"/>
+          </a:lnRef>
+          <a:fillRef idx="0">
+            <a:schemeClr val="dk1"/>
+          </a:fillRef>
+          <a:effectRef idx="0">
+            <a:schemeClr val="dk1"/>
+          </a:effectRef>
+          <a:fontRef idx="minor">
+            <a:schemeClr val="tx1"/>
+          </a:fontRef>
+        </p:style>
+      </p:cxnSp>
+      <p:sp>
+        <p:nvSpPr>
+          <p:cNvPr id="31" name="Textfeld 30"/>
+          <p:cNvSpPr txBox="1"/>
+          <p:nvPr/>
+        </p:nvSpPr>
+        <p:spPr>
+          <a:xfrm>
+            <a:off x="3537106" y="3542819"/>
+            <a:ext cx="1394934" cy="246221"/>
+          </a:xfrm>
+          <a:prstGeom prst="rect">
+            <a:avLst/>
+          </a:prstGeom>
+          <a:noFill/>
+        </p:spPr>
+        <p:txBody>
+          <a:bodyPr wrap="none" rtlCol="0">
+            <a:spAutoFit/>
+          </a:bodyPr>
+          <a:lstStyle/>
+          <a:p>
+            <a:r>
+              <a:rPr lang="en-US" sz="1000" dirty="0" smtClean="0"/>
+              <a:t>&lt;&lt;</a:t>
+            </a:r>
+            <a:r>
+              <a:rPr lang="en-US" sz="1000" dirty="0" err="1" smtClean="0"/>
+              <a:t>InformationFlow</a:t>
+            </a:r>
+            <a:r>
+              <a:rPr lang="en-US" sz="1000" dirty="0" smtClean="0"/>
+              <a:t>&gt;&gt;</a:t>
+            </a:r>
+            <a:endParaRPr lang="en-US" sz="1000" dirty="0"/>
           </a:p>
         </p:txBody>
       </p:sp>
@@ -3984,6 +4209,517 @@
   <p:clrMapOvr>
     <a:masterClrMapping/>
   </p:clrMapOvr>
+  <p:timing>
+    <p:tnLst>
+      <p:par>
+        <p:cTn id="1" dur="indefinite" restart="never" nodeType="tmRoot">
+          <p:childTnLst>
+            <p:seq concurrent="1" nextAc="seek">
+              <p:cTn id="2" dur="indefinite" nodeType="mainSeq">
+                <p:childTnLst>
+                  <p:par>
+                    <p:cTn id="3" fill="hold">
+                      <p:stCondLst>
+                        <p:cond delay="indefinite"/>
+                      </p:stCondLst>
+                      <p:childTnLst>
+                        <p:par>
+                          <p:cTn id="4" fill="hold">
+                            <p:stCondLst>
+                              <p:cond delay="0"/>
+                            </p:stCondLst>
+                            <p:childTnLst>
+                              <p:par>
+                                <p:cTn id="5" presetID="1" presetClass="entr" presetSubtype="0" fill="hold" grpId="0" nodeType="clickEffect">
+                                  <p:stCondLst>
+                                    <p:cond delay="0"/>
+                                  </p:stCondLst>
+                                  <p:childTnLst>
+                                    <p:set>
+                                      <p:cBhvr>
+                                        <p:cTn id="6" dur="1" fill="hold">
+                                          <p:stCondLst>
+                                            <p:cond delay="0"/>
+                                          </p:stCondLst>
+                                        </p:cTn>
+                                        <p:tgtEl>
+                                          <p:spTgt spid="13"/>
+                                        </p:tgtEl>
+                                        <p:attrNameLst>
+                                          <p:attrName>style.visibility</p:attrName>
+                                        </p:attrNameLst>
+                                      </p:cBhvr>
+                                      <p:to>
+                                        <p:strVal val="visible"/>
+                                      </p:to>
+                                    </p:set>
+                                  </p:childTnLst>
+                                </p:cTn>
+                              </p:par>
+                              <p:par>
+                                <p:cTn id="7" presetID="1" presetClass="entr" presetSubtype="0" fill="hold" grpId="0" nodeType="withEffect">
+                                  <p:stCondLst>
+                                    <p:cond delay="0"/>
+                                  </p:stCondLst>
+                                  <p:childTnLst>
+                                    <p:set>
+                                      <p:cBhvr>
+                                        <p:cTn id="8" dur="1" fill="hold">
+                                          <p:stCondLst>
+                                            <p:cond delay="0"/>
+                                          </p:stCondLst>
+                                        </p:cTn>
+                                        <p:tgtEl>
+                                          <p:spTgt spid="14"/>
+                                        </p:tgtEl>
+                                        <p:attrNameLst>
+                                          <p:attrName>style.visibility</p:attrName>
+                                        </p:attrNameLst>
+                                      </p:cBhvr>
+                                      <p:to>
+                                        <p:strVal val="visible"/>
+                                      </p:to>
+                                    </p:set>
+                                  </p:childTnLst>
+                                </p:cTn>
+                              </p:par>
+                              <p:par>
+                                <p:cTn id="9" presetID="1" presetClass="entr" presetSubtype="0" fill="hold" nodeType="withEffect">
+                                  <p:stCondLst>
+                                    <p:cond delay="0"/>
+                                  </p:stCondLst>
+                                  <p:childTnLst>
+                                    <p:set>
+                                      <p:cBhvr>
+                                        <p:cTn id="10" dur="1" fill="hold">
+                                          <p:stCondLst>
+                                            <p:cond delay="0"/>
+                                          </p:stCondLst>
+                                        </p:cTn>
+                                        <p:tgtEl>
+                                          <p:spTgt spid="16"/>
+                                        </p:tgtEl>
+                                        <p:attrNameLst>
+                                          <p:attrName>style.visibility</p:attrName>
+                                        </p:attrNameLst>
+                                      </p:cBhvr>
+                                      <p:to>
+                                        <p:strVal val="visible"/>
+                                      </p:to>
+                                    </p:set>
+                                  </p:childTnLst>
+                                </p:cTn>
+                              </p:par>
+                              <p:par>
+                                <p:cTn id="11" presetID="1" presetClass="entr" presetSubtype="0" fill="hold" nodeType="withEffect">
+                                  <p:stCondLst>
+                                    <p:cond delay="0"/>
+                                  </p:stCondLst>
+                                  <p:childTnLst>
+                                    <p:set>
+                                      <p:cBhvr>
+                                        <p:cTn id="12" dur="1" fill="hold">
+                                          <p:stCondLst>
+                                            <p:cond delay="0"/>
+                                          </p:stCondLst>
+                                        </p:cTn>
+                                        <p:tgtEl>
+                                          <p:spTgt spid="18"/>
+                                        </p:tgtEl>
+                                        <p:attrNameLst>
+                                          <p:attrName>style.visibility</p:attrName>
+                                        </p:attrNameLst>
+                                      </p:cBhvr>
+                                      <p:to>
+                                        <p:strVal val="visible"/>
+                                      </p:to>
+                                    </p:set>
+                                  </p:childTnLst>
+                                </p:cTn>
+                              </p:par>
+                              <p:par>
+                                <p:cTn id="13" presetID="1" presetClass="entr" presetSubtype="0" fill="hold" grpId="0" nodeType="withEffect">
+                                  <p:stCondLst>
+                                    <p:cond delay="0"/>
+                                  </p:stCondLst>
+                                  <p:childTnLst>
+                                    <p:set>
+                                      <p:cBhvr>
+                                        <p:cTn id="14" dur="1" fill="hold">
+                                          <p:stCondLst>
+                                            <p:cond delay="0"/>
+                                          </p:stCondLst>
+                                        </p:cTn>
+                                        <p:tgtEl>
+                                          <p:spTgt spid="20"/>
+                                        </p:tgtEl>
+                                        <p:attrNameLst>
+                                          <p:attrName>style.visibility</p:attrName>
+                                        </p:attrNameLst>
+                                      </p:cBhvr>
+                                      <p:to>
+                                        <p:strVal val="visible"/>
+                                      </p:to>
+                                    </p:set>
+                                  </p:childTnLst>
+                                </p:cTn>
+                              </p:par>
+                              <p:par>
+                                <p:cTn id="15" presetID="1" presetClass="entr" presetSubtype="0" fill="hold" grpId="0" nodeType="withEffect">
+                                  <p:stCondLst>
+                                    <p:cond delay="0"/>
+                                  </p:stCondLst>
+                                  <p:childTnLst>
+                                    <p:set>
+                                      <p:cBhvr>
+                                        <p:cTn id="16" dur="1" fill="hold">
+                                          <p:stCondLst>
+                                            <p:cond delay="0"/>
+                                          </p:stCondLst>
+                                        </p:cTn>
+                                        <p:tgtEl>
+                                          <p:spTgt spid="21"/>
+                                        </p:tgtEl>
+                                        <p:attrNameLst>
+                                          <p:attrName>style.visibility</p:attrName>
+                                        </p:attrNameLst>
+                                      </p:cBhvr>
+                                      <p:to>
+                                        <p:strVal val="visible"/>
+                                      </p:to>
+                                    </p:set>
+                                  </p:childTnLst>
+                                </p:cTn>
+                              </p:par>
+                              <p:par>
+                                <p:cTn id="17" presetID="1" presetClass="entr" presetSubtype="0" fill="hold" grpId="0" nodeType="withEffect">
+                                  <p:stCondLst>
+                                    <p:cond delay="0"/>
+                                  </p:stCondLst>
+                                  <p:childTnLst>
+                                    <p:set>
+                                      <p:cBhvr>
+                                        <p:cTn id="18" dur="1" fill="hold">
+                                          <p:stCondLst>
+                                            <p:cond delay="0"/>
+                                          </p:stCondLst>
+                                        </p:cTn>
+                                        <p:tgtEl>
+                                          <p:spTgt spid="19">
+                                            <p:txEl>
+                                              <p:pRg st="0" end="0"/>
+                                            </p:txEl>
+                                          </p:spTgt>
+                                        </p:tgtEl>
+                                        <p:attrNameLst>
+                                          <p:attrName>style.visibility</p:attrName>
+                                        </p:attrNameLst>
+                                      </p:cBhvr>
+                                      <p:to>
+                                        <p:strVal val="visible"/>
+                                      </p:to>
+                                    </p:set>
+                                  </p:childTnLst>
+                                </p:cTn>
+                              </p:par>
+                            </p:childTnLst>
+                          </p:cTn>
+                        </p:par>
+                      </p:childTnLst>
+                    </p:cTn>
+                  </p:par>
+                  <p:par>
+                    <p:cTn id="19" fill="hold">
+                      <p:stCondLst>
+                        <p:cond delay="indefinite"/>
+                      </p:stCondLst>
+                      <p:childTnLst>
+                        <p:par>
+                          <p:cTn id="20" fill="hold">
+                            <p:stCondLst>
+                              <p:cond delay="0"/>
+                            </p:stCondLst>
+                            <p:childTnLst>
+                              <p:par>
+                                <p:cTn id="21" presetID="1" presetClass="entr" presetSubtype="0" fill="hold" nodeType="clickEffect">
+                                  <p:stCondLst>
+                                    <p:cond delay="0"/>
+                                  </p:stCondLst>
+                                  <p:childTnLst>
+                                    <p:set>
+                                      <p:cBhvr>
+                                        <p:cTn id="22" dur="1" fill="hold">
+                                          <p:stCondLst>
+                                            <p:cond delay="0"/>
+                                          </p:stCondLst>
+                                        </p:cTn>
+                                        <p:tgtEl>
+                                          <p:spTgt spid="22"/>
+                                        </p:tgtEl>
+                                        <p:attrNameLst>
+                                          <p:attrName>style.visibility</p:attrName>
+                                        </p:attrNameLst>
+                                      </p:cBhvr>
+                                      <p:to>
+                                        <p:strVal val="visible"/>
+                                      </p:to>
+                                    </p:set>
+                                  </p:childTnLst>
+                                </p:cTn>
+                              </p:par>
+                              <p:par>
+                                <p:cTn id="23" presetID="1" presetClass="entr" presetSubtype="0" fill="hold" grpId="0" nodeType="withEffect">
+                                  <p:stCondLst>
+                                    <p:cond delay="0"/>
+                                  </p:stCondLst>
+                                  <p:childTnLst>
+                                    <p:set>
+                                      <p:cBhvr>
+                                        <p:cTn id="24" dur="1" fill="hold">
+                                          <p:stCondLst>
+                                            <p:cond delay="0"/>
+                                          </p:stCondLst>
+                                        </p:cTn>
+                                        <p:tgtEl>
+                                          <p:spTgt spid="23"/>
+                                        </p:tgtEl>
+                                        <p:attrNameLst>
+                                          <p:attrName>style.visibility</p:attrName>
+                                        </p:attrNameLst>
+                                      </p:cBhvr>
+                                      <p:to>
+                                        <p:strVal val="visible"/>
+                                      </p:to>
+                                    </p:set>
+                                  </p:childTnLst>
+                                </p:cTn>
+                              </p:par>
+                              <p:par>
+                                <p:cTn id="25" presetID="1" presetClass="entr" presetSubtype="0" fill="hold" grpId="0" nodeType="withEffect">
+                                  <p:stCondLst>
+                                    <p:cond delay="0"/>
+                                  </p:stCondLst>
+                                  <p:childTnLst>
+                                    <p:set>
+                                      <p:cBhvr>
+                                        <p:cTn id="26" dur="1" fill="hold">
+                                          <p:stCondLst>
+                                            <p:cond delay="0"/>
+                                          </p:stCondLst>
+                                        </p:cTn>
+                                        <p:tgtEl>
+                                          <p:spTgt spid="19">
+                                            <p:txEl>
+                                              <p:pRg st="1" end="1"/>
+                                            </p:txEl>
+                                          </p:spTgt>
+                                        </p:tgtEl>
+                                        <p:attrNameLst>
+                                          <p:attrName>style.visibility</p:attrName>
+                                        </p:attrNameLst>
+                                      </p:cBhvr>
+                                      <p:to>
+                                        <p:strVal val="visible"/>
+                                      </p:to>
+                                    </p:set>
+                                  </p:childTnLst>
+                                </p:cTn>
+                              </p:par>
+                            </p:childTnLst>
+                          </p:cTn>
+                        </p:par>
+                      </p:childTnLst>
+                    </p:cTn>
+                  </p:par>
+                  <p:par>
+                    <p:cTn id="27" fill="hold">
+                      <p:stCondLst>
+                        <p:cond delay="indefinite"/>
+                      </p:stCondLst>
+                      <p:childTnLst>
+                        <p:par>
+                          <p:cTn id="28" fill="hold">
+                            <p:stCondLst>
+                              <p:cond delay="0"/>
+                            </p:stCondLst>
+                            <p:childTnLst>
+                              <p:par>
+                                <p:cTn id="29" presetID="1" presetClass="entr" presetSubtype="0" fill="hold" nodeType="clickEffect">
+                                  <p:stCondLst>
+                                    <p:cond delay="0"/>
+                                  </p:stCondLst>
+                                  <p:childTnLst>
+                                    <p:set>
+                                      <p:cBhvr>
+                                        <p:cTn id="30" dur="1" fill="hold">
+                                          <p:stCondLst>
+                                            <p:cond delay="0"/>
+                                          </p:stCondLst>
+                                        </p:cTn>
+                                        <p:tgtEl>
+                                          <p:spTgt spid="30"/>
+                                        </p:tgtEl>
+                                        <p:attrNameLst>
+                                          <p:attrName>style.visibility</p:attrName>
+                                        </p:attrNameLst>
+                                      </p:cBhvr>
+                                      <p:to>
+                                        <p:strVal val="visible"/>
+                                      </p:to>
+                                    </p:set>
+                                  </p:childTnLst>
+                                </p:cTn>
+                              </p:par>
+                              <p:par>
+                                <p:cTn id="31" presetID="1" presetClass="entr" presetSubtype="0" fill="hold" grpId="0" nodeType="withEffect">
+                                  <p:stCondLst>
+                                    <p:cond delay="0"/>
+                                  </p:stCondLst>
+                                  <p:childTnLst>
+                                    <p:set>
+                                      <p:cBhvr>
+                                        <p:cTn id="32" dur="1" fill="hold">
+                                          <p:stCondLst>
+                                            <p:cond delay="0"/>
+                                          </p:stCondLst>
+                                        </p:cTn>
+                                        <p:tgtEl>
+                                          <p:spTgt spid="31"/>
+                                        </p:tgtEl>
+                                        <p:attrNameLst>
+                                          <p:attrName>style.visibility</p:attrName>
+                                        </p:attrNameLst>
+                                      </p:cBhvr>
+                                      <p:to>
+                                        <p:strVal val="visible"/>
+                                      </p:to>
+                                    </p:set>
+                                  </p:childTnLst>
+                                </p:cTn>
+                              </p:par>
+                              <p:par>
+                                <p:cTn id="33" presetID="1" presetClass="exit" presetSubtype="0" fill="hold" nodeType="withEffect">
+                                  <p:stCondLst>
+                                    <p:cond delay="0"/>
+                                  </p:stCondLst>
+                                  <p:childTnLst>
+                                    <p:set>
+                                      <p:cBhvr>
+                                        <p:cTn id="34" dur="1" fill="hold">
+                                          <p:stCondLst>
+                                            <p:cond delay="0"/>
+                                          </p:stCondLst>
+                                        </p:cTn>
+                                        <p:tgtEl>
+                                          <p:spTgt spid="10"/>
+                                        </p:tgtEl>
+                                        <p:attrNameLst>
+                                          <p:attrName>style.visibility</p:attrName>
+                                        </p:attrNameLst>
+                                      </p:cBhvr>
+                                      <p:to>
+                                        <p:strVal val="hidden"/>
+                                      </p:to>
+                                    </p:set>
+                                  </p:childTnLst>
+                                </p:cTn>
+                              </p:par>
+                              <p:par>
+                                <p:cTn id="35" presetID="1" presetClass="exit" presetSubtype="0" fill="hold" grpId="0" nodeType="withEffect">
+                                  <p:stCondLst>
+                                    <p:cond delay="0"/>
+                                  </p:stCondLst>
+                                  <p:childTnLst>
+                                    <p:set>
+                                      <p:cBhvr>
+                                        <p:cTn id="36" dur="1" fill="hold">
+                                          <p:stCondLst>
+                                            <p:cond delay="0"/>
+                                          </p:stCondLst>
+                                        </p:cTn>
+                                        <p:tgtEl>
+                                          <p:spTgt spid="11"/>
+                                        </p:tgtEl>
+                                        <p:attrNameLst>
+                                          <p:attrName>style.visibility</p:attrName>
+                                        </p:attrNameLst>
+                                      </p:cBhvr>
+                                      <p:to>
+                                        <p:strVal val="hidden"/>
+                                      </p:to>
+                                    </p:set>
+                                  </p:childTnLst>
+                                </p:cTn>
+                              </p:par>
+                              <p:par>
+                                <p:cTn id="37" presetID="1" presetClass="entr" presetSubtype="0" fill="hold" grpId="0" nodeType="withEffect">
+                                  <p:stCondLst>
+                                    <p:cond delay="0"/>
+                                  </p:stCondLst>
+                                  <p:childTnLst>
+                                    <p:set>
+                                      <p:cBhvr>
+                                        <p:cTn id="38" dur="1" fill="hold">
+                                          <p:stCondLst>
+                                            <p:cond delay="0"/>
+                                          </p:stCondLst>
+                                        </p:cTn>
+                                        <p:tgtEl>
+                                          <p:spTgt spid="19">
+                                            <p:txEl>
+                                              <p:pRg st="2" end="2"/>
+                                            </p:txEl>
+                                          </p:spTgt>
+                                        </p:tgtEl>
+                                        <p:attrNameLst>
+                                          <p:attrName>style.visibility</p:attrName>
+                                        </p:attrNameLst>
+                                      </p:cBhvr>
+                                      <p:to>
+                                        <p:strVal val="visible"/>
+                                      </p:to>
+                                    </p:set>
+                                  </p:childTnLst>
+                                </p:cTn>
+                              </p:par>
+                            </p:childTnLst>
+                          </p:cTn>
+                        </p:par>
+                      </p:childTnLst>
+                    </p:cTn>
+                  </p:par>
+                </p:childTnLst>
+              </p:cTn>
+              <p:prevCondLst>
+                <p:cond evt="onPrev" delay="0">
+                  <p:tgtEl>
+                    <p:sldTgt/>
+                  </p:tgtEl>
+                </p:cond>
+              </p:prevCondLst>
+              <p:nextCondLst>
+                <p:cond evt="onNext" delay="0">
+                  <p:tgtEl>
+                    <p:sldTgt/>
+                  </p:tgtEl>
+                </p:cond>
+              </p:nextCondLst>
+            </p:seq>
+          </p:childTnLst>
+        </p:cTn>
+      </p:par>
+    </p:tnLst>
+    <p:bldLst>
+      <p:bldP spid="19" grpId="0" uiExpand="1" build="p"/>
+      <p:bldP spid="11" grpId="0"/>
+      <p:bldP spid="13" grpId="0" animBg="1"/>
+      <p:bldP spid="14" grpId="0" animBg="1"/>
+      <p:bldP spid="20" grpId="0"/>
+      <p:bldP spid="21" grpId="0"/>
+      <p:bldP spid="23" grpId="0" uiExpand="1"/>
+      <p:bldP spid="31" grpId="0"/>
+    </p:bldLst>
+  </p:timing>
 </p:sld>
 </file>
 
@@ -4006,6 +4742,94 @@
       </p:grpSpPr>
       <p:sp>
         <p:nvSpPr>
+          <p:cNvPr id="5" name="Textplatzhalter 4"/>
+          <p:cNvSpPr>
+            <a:spLocks noGrp="1"/>
+          </p:cNvSpPr>
+          <p:nvPr>
+            <p:ph type="body" sz="quarter" idx="10"/>
+          </p:nvPr>
+        </p:nvSpPr>
+        <p:spPr/>
+        <p:txBody>
+          <a:bodyPr/>
+          <a:lstStyle/>
+          <a:p>
+            <a:r>
+              <a:rPr lang="en-US" dirty="0" err="1" smtClean="0"/>
+              <a:t>Implikationen</a:t>
+            </a:r>
+            <a:r>
+              <a:rPr lang="en-US" dirty="0" smtClean="0"/>
+              <a:t> </a:t>
+            </a:r>
+            <a:r>
+              <a:rPr lang="en-US" dirty="0" err="1" smtClean="0"/>
+              <a:t>aus</a:t>
+            </a:r>
+            <a:r>
+              <a:rPr lang="en-US" dirty="0" smtClean="0"/>
+              <a:t> </a:t>
+            </a:r>
+            <a:r>
+              <a:rPr lang="en-US" dirty="0" err="1" smtClean="0"/>
+              <a:t>fachfremden</a:t>
+            </a:r>
+            <a:r>
+              <a:rPr lang="en-US" dirty="0" smtClean="0"/>
+              <a:t> </a:t>
+            </a:r>
+            <a:r>
+              <a:rPr lang="en-US" dirty="0" err="1" smtClean="0"/>
+              <a:t>Modellen</a:t>
+            </a:r>
+            <a:r>
+              <a:rPr lang="en-US" dirty="0" smtClean="0"/>
+              <a:t> </a:t>
+            </a:r>
+            <a:r>
+              <a:rPr lang="en-US" dirty="0" err="1" smtClean="0"/>
+              <a:t>erkennen</a:t>
+            </a:r>
+            <a:endParaRPr lang="en-US" dirty="0" smtClean="0"/>
+          </a:p>
+          <a:p>
+            <a:r>
+              <a:rPr lang="en-US" dirty="0" err="1" smtClean="0"/>
+              <a:t>Kollaboration</a:t>
+            </a:r>
+            <a:endParaRPr lang="en-US" dirty="0" smtClean="0"/>
+          </a:p>
+          <a:p>
+            <a:r>
+              <a:rPr lang="en-US" dirty="0" err="1" smtClean="0"/>
+              <a:t>Konsistentes</a:t>
+            </a:r>
+            <a:r>
+              <a:rPr lang="en-US" dirty="0" smtClean="0"/>
+              <a:t>, </a:t>
+            </a:r>
+            <a:r>
+              <a:rPr lang="en-US" dirty="0" err="1" smtClean="0"/>
+              <a:t>gemeinsames</a:t>
+            </a:r>
+            <a:r>
+              <a:rPr lang="en-US" dirty="0" smtClean="0"/>
+              <a:t/>
+            </a:r>
+            <a:br>
+              <a:rPr lang="en-US" dirty="0" smtClean="0"/>
+            </a:br>
+            <a:r>
+              <a:rPr lang="en-US" dirty="0" err="1" smtClean="0"/>
+              <a:t>Bild</a:t>
+            </a:r>
+            <a:endParaRPr lang="en-US" dirty="0"/>
+          </a:p>
+        </p:txBody>
+      </p:sp>
+      <p:sp>
+        <p:nvSpPr>
           <p:cNvPr id="3" name="Titel 2"/>
           <p:cNvSpPr>
             <a:spLocks noGrp="1"/>
@@ -4027,38 +4851,26 @@
           </a:p>
         </p:txBody>
       </p:sp>
-      <p:sp>
-        <p:nvSpPr>
-          <p:cNvPr id="10" name="TextBox 9"/>
-          <p:cNvSpPr txBox="1"/>
+      <p:graphicFrame>
+        <p:nvGraphicFramePr>
+          <p:cNvPr id="4" name="Objekt 3"/>
+          <p:cNvGraphicFramePr>
+            <a:graphicFrameLocks noChangeAspect="1"/>
+          </p:cNvGraphicFramePr>
           <p:nvPr/>
-        </p:nvSpPr>
-        <p:spPr>
-          <a:xfrm>
-            <a:off x="714348" y="1000108"/>
-            <a:ext cx="7143800" cy="707886"/>
-          </a:xfrm>
-          <a:prstGeom prst="rect">
-            <a:avLst/>
-          </a:prstGeom>
-          <a:noFill/>
-        </p:spPr>
-        <p:txBody>
-          <a:bodyPr wrap="square" rtlCol="0">
-            <a:spAutoFit/>
-          </a:bodyPr>
-          <a:lstStyle/>
-          <a:p>
-            <a:r>
-              <a:rPr lang="de-DE" dirty="0" smtClean="0"/>
-              <a:t>BR macht schon. PSSycle Example</a:t>
-            </a:r>
-          </a:p>
-          <a:p>
-            <a:endParaRPr lang="bg-BG" dirty="0"/>
-          </a:p>
-        </p:txBody>
-      </p:sp>
+        </p:nvGraphicFramePr>
+        <p:xfrm>
+          <a:off x="2267744" y="1484784"/>
+          <a:ext cx="6660232" cy="4592785"/>
+        </p:xfrm>
+        <a:graphic>
+          <a:graphicData uri="http://schemas.openxmlformats.org/presentationml/2006/ole">
+            <p:oleObj spid="_x0000_s9217" name="Visio" r:id="rId3" imgW="9448740" imgH="6505669" progId="Visio.Drawing.15">
+              <p:embed/>
+            </p:oleObj>
+          </a:graphicData>
+        </a:graphic>
+      </p:graphicFrame>
     </p:spTree>
   </p:cSld>
   <p:clrMapOvr>
@@ -4093,7 +4905,7 @@
       </p:grpSpPr>
       <p:sp>
         <p:nvSpPr>
-          <p:cNvPr id="2" name="Textplatzhalter 1"/>
+          <p:cNvPr id="2" name="Text Placeholder 1"/>
           <p:cNvSpPr>
             <a:spLocks noGrp="1"/>
           </p:cNvSpPr>
@@ -4108,53 +4920,75 @@
           <a:p>
             <a:r>
               <a:rPr lang="de-DE" dirty="0" smtClean="0"/>
-              <a:t>Motivation</a:t>
-            </a:r>
-          </a:p>
-          <a:p>
-            <a:r>
-              <a:rPr lang="de-DE" dirty="0" smtClean="0"/>
-              <a:t>Forschungsrichtungen</a:t>
-            </a:r>
-          </a:p>
-          <a:p>
-            <a:r>
-              <a:rPr lang="de-DE" dirty="0" smtClean="0"/>
-              <a:t>Transformationen</a:t>
-            </a:r>
-          </a:p>
-          <a:p>
-            <a:r>
-              <a:rPr lang="de-DE" b="1" dirty="0" smtClean="0"/>
-              <a:t>Visualisierung</a:t>
-            </a:r>
-          </a:p>
-          <a:p>
-            <a:r>
-              <a:rPr lang="de-DE" dirty="0" smtClean="0"/>
-              <a:t>Ergebnisse</a:t>
-            </a:r>
-          </a:p>
-          <a:p>
-            <a:r>
-              <a:rPr lang="de-DE" dirty="0" smtClean="0"/>
-              <a:t>DEMO</a:t>
-            </a:r>
-          </a:p>
-          <a:p>
-            <a:r>
-              <a:rPr lang="de-DE" dirty="0" smtClean="0"/>
-              <a:t>Ausblick</a:t>
-            </a:r>
-          </a:p>
-          <a:p>
-            <a:endParaRPr lang="de-DE" dirty="0"/>
-          </a:p>
-        </p:txBody>
-      </p:sp>
-      <p:sp>
-        <p:nvSpPr>
-          <p:cNvPr id="3" name="Titel 2"/>
+              <a:t>Java, Maven, Junit, EMF, Guava</a:t>
+            </a:r>
+          </a:p>
+          <a:p>
+            <a:r>
+              <a:rPr lang="de-DE" dirty="0" smtClean="0"/>
+              <a:t>Warum?</a:t>
+            </a:r>
+          </a:p>
+          <a:p>
+            <a:pPr lvl="1"/>
+            <a:r>
+              <a:rPr lang="de-DE" dirty="0" smtClean="0"/>
+              <a:t>Standardtechnologien</a:t>
+            </a:r>
+          </a:p>
+          <a:p>
+            <a:pPr lvl="1"/>
+            <a:r>
+              <a:rPr lang="de-DE" dirty="0" smtClean="0"/>
+              <a:t>Verbreitete Akzeptanz</a:t>
+            </a:r>
+          </a:p>
+          <a:p>
+            <a:pPr lvl="1"/>
+            <a:r>
+              <a:rPr lang="de-DE" dirty="0" smtClean="0"/>
+              <a:t>Erfahrung</a:t>
+            </a:r>
+          </a:p>
+          <a:p>
+            <a:r>
+              <a:rPr lang="de-DE" dirty="0" smtClean="0"/>
+              <a:t>Zielarchitektur:</a:t>
+            </a:r>
+          </a:p>
+          <a:p>
+            <a:pPr lvl="1"/>
+            <a:r>
+              <a:rPr lang="de-DE" dirty="0" smtClean="0"/>
+              <a:t>Max reusability</a:t>
+            </a:r>
+          </a:p>
+          <a:p>
+            <a:pPr lvl="1"/>
+            <a:r>
+              <a:rPr lang="de-DE" dirty="0" smtClean="0"/>
+              <a:t>Max flexibility (loose coupling)</a:t>
+            </a:r>
+          </a:p>
+          <a:p>
+            <a:pPr lvl="1"/>
+            <a:r>
+              <a:rPr lang="de-DE" dirty="0" smtClean="0"/>
+              <a:t>Min maintenance effort</a:t>
+            </a:r>
+          </a:p>
+          <a:p>
+            <a:pPr lvl="1"/>
+            <a:r>
+              <a:rPr lang="de-DE" dirty="0" smtClean="0"/>
+              <a:t>Patterns!</a:t>
+            </a:r>
+          </a:p>
+        </p:txBody>
+      </p:sp>
+      <p:sp>
+        <p:nvSpPr>
+          <p:cNvPr id="3" name="Title 2"/>
           <p:cNvSpPr>
             <a:spLocks noGrp="1"/>
           </p:cNvSpPr>
@@ -4169,9 +5003,9 @@
           <a:p>
             <a:r>
               <a:rPr lang="de-DE" dirty="0" smtClean="0"/>
-              <a:t>Agenda</a:t>
-            </a:r>
-            <a:endParaRPr lang="de-DE" dirty="0"/>
+              <a:t>Implementierung – Technische Aspekte</a:t>
+            </a:r>
+            <a:endParaRPr lang="bg-BG" dirty="0"/>
           </a:p>
         </p:txBody>
       </p:sp>
@@ -4224,85 +5058,47 @@
           <a:p>
             <a:r>
               <a:rPr lang="de-DE" dirty="0" smtClean="0"/>
-              <a:t>Ziele</a:t>
-            </a:r>
-          </a:p>
-          <a:p>
-            <a:r>
-              <a:rPr lang="de-DE" dirty="0" smtClean="0"/>
-              <a:t>Realisierung der Ziele</a:t>
-            </a:r>
-          </a:p>
-          <a:p>
-            <a:r>
-              <a:rPr lang="de-DE" dirty="0" smtClean="0"/>
-              <a:t>Technische </a:t>
-            </a:r>
-            <a:r>
-              <a:rPr lang="de-DE" dirty="0" smtClean="0"/>
-              <a:t>Grundlagen</a:t>
-            </a:r>
-          </a:p>
-          <a:p>
-            <a:r>
-              <a:rPr lang="de-DE" dirty="0" smtClean="0"/>
-              <a:t>Implementierung</a:t>
-            </a:r>
-          </a:p>
-          <a:p>
-            <a:pPr lvl="1"/>
-            <a:r>
-              <a:rPr lang="de-DE" dirty="0" smtClean="0"/>
-              <a:t>Aufbau des </a:t>
-            </a:r>
-            <a:r>
-              <a:rPr lang="de-DE" dirty="0" err="1" smtClean="0"/>
-              <a:t>Viz</a:t>
-            </a:r>
-            <a:r>
-              <a:rPr lang="de-DE" dirty="0" smtClean="0"/>
-              <a:t>-Modells</a:t>
-            </a:r>
-            <a:endParaRPr lang="de-DE" dirty="0" smtClean="0"/>
-          </a:p>
-          <a:p>
-            <a:pPr lvl="1"/>
-            <a:r>
-              <a:rPr lang="de-DE" dirty="0"/>
-              <a:t>Einlesen von </a:t>
-            </a:r>
-            <a:r>
-              <a:rPr lang="de-DE" dirty="0" smtClean="0"/>
-              <a:t>Daten</a:t>
-            </a:r>
+              <a:t>Motivation</a:t>
+            </a:r>
+          </a:p>
+          <a:p>
+            <a:r>
+              <a:rPr lang="de-DE" dirty="0" smtClean="0"/>
+              <a:t>Forschungsrichtungen</a:t>
+            </a:r>
+          </a:p>
+          <a:p>
+            <a:r>
+              <a:rPr lang="de-DE" dirty="0" smtClean="0"/>
+              <a:t>Transformationen</a:t>
+            </a:r>
+          </a:p>
+          <a:p>
+            <a:r>
+              <a:rPr lang="de-DE" b="1" dirty="0" smtClean="0"/>
+              <a:t>Visualisierung</a:t>
+            </a:r>
+          </a:p>
+          <a:p>
+            <a:r>
+              <a:rPr lang="de-DE" dirty="0" smtClean="0"/>
+              <a:t>Ergebnisse</a:t>
+            </a:r>
+          </a:p>
+          <a:p>
+            <a:r>
+              <a:rPr lang="de-DE" dirty="0" smtClean="0"/>
+              <a:t>DEMO</a:t>
+            </a:r>
+          </a:p>
+          <a:p>
+            <a:r>
+              <a:rPr lang="de-DE" dirty="0" smtClean="0"/>
+              <a:t>Ausblick</a:t>
+            </a:r>
+          </a:p>
+          <a:p>
             <a:endParaRPr lang="de-DE" dirty="0"/>
-          </a:p>
-          <a:p>
-            <a:pPr lvl="1"/>
-            <a:r>
-              <a:rPr lang="de-DE" dirty="0"/>
-              <a:t>Grafische </a:t>
-            </a:r>
-            <a:r>
-              <a:rPr lang="de-DE" dirty="0" smtClean="0"/>
-              <a:t>Darstellung</a:t>
-            </a:r>
-          </a:p>
-          <a:p>
-            <a:pPr lvl="2"/>
-            <a:r>
-              <a:rPr lang="de-DE" dirty="0" err="1" smtClean="0"/>
-              <a:t>GraphView</a:t>
-            </a:r>
-            <a:endParaRPr lang="de-DE" dirty="0"/>
-          </a:p>
-          <a:p>
-            <a:pPr lvl="2"/>
-            <a:r>
-              <a:rPr lang="de-DE" dirty="0" err="1" smtClean="0"/>
-              <a:t>MatrixView</a:t>
-            </a:r>
-            <a:endParaRPr lang="de-DE" dirty="0" smtClean="0"/>
           </a:p>
         </p:txBody>
       </p:sp>
@@ -4323,7 +5119,7 @@
           <a:p>
             <a:r>
               <a:rPr lang="de-DE" dirty="0" smtClean="0"/>
-              <a:t>Visualisierung</a:t>
+              <a:t>Agenda</a:t>
             </a:r>
             <a:endParaRPr lang="de-DE" dirty="0"/>
           </a:p>
@@ -4345,6 +5141,155 @@
 </file>
 
 <file path=ppt/slides/slide22.xml><?xml version="1.0" encoding="utf-8"?>
+<p:sld xmlns:a="http://schemas.openxmlformats.org/drawingml/2006/main" xmlns:r="http://schemas.openxmlformats.org/officeDocument/2006/relationships" xmlns:p="http://schemas.openxmlformats.org/presentationml/2006/main">
+  <p:cSld>
+    <p:spTree>
+      <p:nvGrpSpPr>
+        <p:cNvPr id="1" name=""/>
+        <p:cNvGrpSpPr/>
+        <p:nvPr/>
+      </p:nvGrpSpPr>
+      <p:grpSpPr>
+        <a:xfrm>
+          <a:off x="0" y="0"/>
+          <a:ext cx="0" cy="0"/>
+          <a:chOff x="0" y="0"/>
+          <a:chExt cx="0" cy="0"/>
+        </a:xfrm>
+      </p:grpSpPr>
+      <p:sp>
+        <p:nvSpPr>
+          <p:cNvPr id="2" name="Textplatzhalter 1"/>
+          <p:cNvSpPr>
+            <a:spLocks noGrp="1"/>
+          </p:cNvSpPr>
+          <p:nvPr>
+            <p:ph type="body" sz="quarter" idx="10"/>
+          </p:nvPr>
+        </p:nvSpPr>
+        <p:spPr/>
+        <p:txBody>
+          <a:bodyPr/>
+          <a:lstStyle/>
+          <a:p>
+            <a:r>
+              <a:rPr lang="de-DE" dirty="0" smtClean="0"/>
+              <a:t>Ziele</a:t>
+            </a:r>
+          </a:p>
+          <a:p>
+            <a:r>
+              <a:rPr lang="de-DE" dirty="0" smtClean="0"/>
+              <a:t>Realisierung der Ziele</a:t>
+            </a:r>
+          </a:p>
+          <a:p>
+            <a:r>
+              <a:rPr lang="de-DE" dirty="0" smtClean="0"/>
+              <a:t>Technische Grundlagen</a:t>
+            </a:r>
+          </a:p>
+          <a:p>
+            <a:r>
+              <a:rPr lang="de-DE" dirty="0" smtClean="0"/>
+              <a:t>Implementierung</a:t>
+            </a:r>
+          </a:p>
+          <a:p>
+            <a:pPr lvl="1"/>
+            <a:r>
+              <a:rPr lang="de-DE" dirty="0" smtClean="0"/>
+              <a:t>Aufbau des </a:t>
+            </a:r>
+            <a:r>
+              <a:rPr lang="de-DE" dirty="0" err="1" smtClean="0"/>
+              <a:t>Viz</a:t>
+            </a:r>
+            <a:r>
+              <a:rPr lang="de-DE" dirty="0" smtClean="0"/>
+              <a:t>-Modells</a:t>
+            </a:r>
+          </a:p>
+          <a:p>
+            <a:pPr lvl="1"/>
+            <a:r>
+              <a:rPr lang="de-DE" dirty="0"/>
+              <a:t>Einlesen von </a:t>
+            </a:r>
+            <a:r>
+              <a:rPr lang="de-DE" dirty="0" smtClean="0"/>
+              <a:t>Daten</a:t>
+            </a:r>
+            <a:endParaRPr lang="de-DE" dirty="0"/>
+          </a:p>
+          <a:p>
+            <a:pPr lvl="1"/>
+            <a:r>
+              <a:rPr lang="de-DE" dirty="0"/>
+              <a:t>Grafische </a:t>
+            </a:r>
+            <a:r>
+              <a:rPr lang="de-DE" dirty="0" smtClean="0"/>
+              <a:t>Darstellung</a:t>
+            </a:r>
+          </a:p>
+          <a:p>
+            <a:pPr lvl="2"/>
+            <a:r>
+              <a:rPr lang="de-DE" dirty="0" err="1" smtClean="0"/>
+              <a:t>GraphView</a:t>
+            </a:r>
+            <a:endParaRPr lang="de-DE" dirty="0"/>
+          </a:p>
+          <a:p>
+            <a:pPr lvl="2"/>
+            <a:r>
+              <a:rPr lang="de-DE" dirty="0" err="1" smtClean="0"/>
+              <a:t>MatrixView</a:t>
+            </a:r>
+            <a:endParaRPr lang="de-DE" dirty="0" smtClean="0"/>
+          </a:p>
+        </p:txBody>
+      </p:sp>
+      <p:sp>
+        <p:nvSpPr>
+          <p:cNvPr id="3" name="Titel 2"/>
+          <p:cNvSpPr>
+            <a:spLocks noGrp="1"/>
+          </p:cNvSpPr>
+          <p:nvPr>
+            <p:ph type="title"/>
+          </p:nvPr>
+        </p:nvSpPr>
+        <p:spPr/>
+        <p:txBody>
+          <a:bodyPr/>
+          <a:lstStyle/>
+          <a:p>
+            <a:r>
+              <a:rPr lang="de-DE" dirty="0" smtClean="0"/>
+              <a:t>Visualisierung</a:t>
+            </a:r>
+            <a:endParaRPr lang="de-DE" dirty="0"/>
+          </a:p>
+        </p:txBody>
+      </p:sp>
+    </p:spTree>
+  </p:cSld>
+  <p:clrMapOvr>
+    <a:masterClrMapping/>
+  </p:clrMapOvr>
+  <p:timing>
+    <p:tnLst>
+      <p:par>
+        <p:cTn id="1" dur="indefinite" restart="never" nodeType="tmRoot"/>
+      </p:par>
+    </p:tnLst>
+  </p:timing>
+</p:sld>
+</file>
+
+<file path=ppt/slides/slide23.xml><?xml version="1.0" encoding="utf-8"?>
 <p:sld xmlns:a="http://schemas.openxmlformats.org/drawingml/2006/main" xmlns:r="http://schemas.openxmlformats.org/officeDocument/2006/relationships" xmlns:p="http://schemas.openxmlformats.org/presentationml/2006/main">
   <p:cSld>
     <p:spTree>
@@ -4471,174 +5416,6 @@
 </p:sld>
 </file>
 
-<file path=ppt/slides/slide23.xml><?xml version="1.0" encoding="utf-8"?>
-<p:sld xmlns:a="http://schemas.openxmlformats.org/drawingml/2006/main" xmlns:r="http://schemas.openxmlformats.org/officeDocument/2006/relationships" xmlns:p="http://schemas.openxmlformats.org/presentationml/2006/main">
-  <p:cSld>
-    <p:spTree>
-      <p:nvGrpSpPr>
-        <p:cNvPr id="1" name=""/>
-        <p:cNvGrpSpPr/>
-        <p:nvPr/>
-      </p:nvGrpSpPr>
-      <p:grpSpPr>
-        <a:xfrm>
-          <a:off x="0" y="0"/>
-          <a:ext cx="0" cy="0"/>
-          <a:chOff x="0" y="0"/>
-          <a:chExt cx="0" cy="0"/>
-        </a:xfrm>
-      </p:grpSpPr>
-      <p:sp>
-        <p:nvSpPr>
-          <p:cNvPr id="2" name="Textplatzhalter 1"/>
-          <p:cNvSpPr>
-            <a:spLocks noGrp="1"/>
-          </p:cNvSpPr>
-          <p:nvPr>
-            <p:ph type="body" sz="quarter" idx="10"/>
-          </p:nvPr>
-        </p:nvSpPr>
-        <p:spPr>
-          <a:xfrm>
-            <a:off x="250824" y="933450"/>
-            <a:ext cx="8031164" cy="4495813"/>
-          </a:xfrm>
-        </p:spPr>
-        <p:txBody>
-          <a:bodyPr/>
-          <a:lstStyle/>
-          <a:p>
-            <a:r>
-              <a:rPr lang="de-DE" dirty="0"/>
-              <a:t>Import und Export aus verschiedenen Quellformaten</a:t>
-            </a:r>
-          </a:p>
-          <a:p>
-            <a:pPr lvl="1"/>
-            <a:r>
-              <a:rPr lang="de-DE" dirty="0"/>
-              <a:t>Automatischer Import &amp; Export mit PSS-IF Transform</a:t>
-            </a:r>
-          </a:p>
-          <a:p>
-            <a:r>
-              <a:rPr lang="de-DE" dirty="0"/>
-              <a:t>Visualisierung des Gesamtmodells</a:t>
-            </a:r>
-          </a:p>
-          <a:p>
-            <a:pPr lvl="1"/>
-            <a:r>
-              <a:rPr lang="de-DE" dirty="0"/>
-              <a:t>Unterschiedliche Visualisierungen der </a:t>
-            </a:r>
-            <a:r>
-              <a:rPr lang="de-DE" dirty="0" smtClean="0"/>
-              <a:t>Elemente </a:t>
-            </a:r>
-            <a:r>
-              <a:rPr lang="de-DE" dirty="0"/>
-              <a:t>(Farbe, Form, Inhalt)</a:t>
-            </a:r>
-          </a:p>
-          <a:p>
-            <a:pPr lvl="1"/>
-            <a:r>
-              <a:rPr lang="de-DE" dirty="0"/>
-              <a:t>Verschiedene Ansichten auf das Modell (Graph, Matrix)</a:t>
-            </a:r>
-          </a:p>
-          <a:p>
-            <a:r>
-              <a:rPr lang="de-DE" dirty="0"/>
-              <a:t>Bearbeitung des Gesamtmodells</a:t>
-            </a:r>
-          </a:p>
-          <a:p>
-            <a:pPr lvl="1"/>
-            <a:r>
-              <a:rPr lang="de-DE" dirty="0"/>
-              <a:t>Modifikation der Element Attribute</a:t>
-            </a:r>
-          </a:p>
-          <a:p>
-            <a:pPr lvl="1"/>
-            <a:r>
-              <a:rPr lang="de-DE" dirty="0"/>
-              <a:t>Einfaches Einfügen und Löschen von Elementen</a:t>
-            </a:r>
-          </a:p>
-          <a:p>
-            <a:r>
-              <a:rPr lang="de-DE" dirty="0"/>
-              <a:t>Analysen auf dem Gesamtmodell</a:t>
-            </a:r>
-          </a:p>
-          <a:p>
-            <a:pPr lvl="1"/>
-            <a:r>
-              <a:rPr lang="de-DE" dirty="0"/>
-              <a:t>Hervorheben von Zusammenhängen</a:t>
-            </a:r>
-          </a:p>
-          <a:p>
-            <a:pPr lvl="1"/>
-            <a:r>
-              <a:rPr lang="de-DE" dirty="0"/>
-              <a:t>Filtern </a:t>
-            </a:r>
-            <a:r>
-              <a:rPr lang="de-DE" dirty="0" smtClean="0"/>
-              <a:t>über Attribute </a:t>
-            </a:r>
-            <a:r>
-              <a:rPr lang="de-DE" dirty="0"/>
-              <a:t>und Elementtypen</a:t>
-            </a:r>
-          </a:p>
-          <a:p>
-            <a:endParaRPr lang="de-DE" dirty="0"/>
-          </a:p>
-        </p:txBody>
-      </p:sp>
-      <p:sp>
-        <p:nvSpPr>
-          <p:cNvPr id="3" name="Titel 2"/>
-          <p:cNvSpPr>
-            <a:spLocks noGrp="1"/>
-          </p:cNvSpPr>
-          <p:nvPr>
-            <p:ph type="title"/>
-          </p:nvPr>
-        </p:nvSpPr>
-        <p:spPr/>
-        <p:txBody>
-          <a:bodyPr/>
-          <a:lstStyle/>
-          <a:p>
-            <a:r>
-              <a:rPr lang="de-DE" dirty="0" smtClean="0"/>
-              <a:t>Realisierung der Ziele</a:t>
-            </a:r>
-            <a:endParaRPr lang="de-DE" dirty="0"/>
-          </a:p>
-        </p:txBody>
-      </p:sp>
-    </p:spTree>
-  </p:cSld>
-  <p:clrMapOvr>
-    <a:masterClrMapping/>
-  </p:clrMapOvr>
-  <p:timing>
-    <p:tnLst>
-      <p:par>
-        <p:cTn id="1" dur="indefinite" restart="never" nodeType="tmRoot"/>
-      </p:par>
-    </p:tnLst>
-  </p:timing>
-</p:sld>
-</file>
-
 <file path=ppt/slides/slide24.xml><?xml version="1.0" encoding="utf-8"?>
 <p:sld xmlns:a="http://schemas.openxmlformats.org/drawingml/2006/main" xmlns:r="http://schemas.openxmlformats.org/officeDocument/2006/relationships" xmlns:p="http://schemas.openxmlformats.org/presentationml/2006/main">
   <p:cSld>
@@ -4678,65 +5455,94 @@
           <a:p>
             <a:r>
               <a:rPr lang="de-DE" dirty="0"/>
-              <a:t>PSS-IF Core</a:t>
-            </a:r>
-          </a:p>
-          <a:p>
-            <a:r>
-              <a:rPr lang="de-DE" dirty="0" smtClean="0"/>
-              <a:t>PSS-IF </a:t>
-            </a:r>
+              <a:t>Import und Export aus verschiedenen Quellformaten</a:t>
+            </a:r>
+          </a:p>
+          <a:p>
+            <a:pPr lvl="1"/>
             <a:r>
               <a:rPr lang="de-DE" dirty="0"/>
-              <a:t>Transform</a:t>
-            </a:r>
-          </a:p>
-          <a:p>
-            <a:r>
-              <a:rPr lang="de-DE" dirty="0" smtClean="0"/>
-              <a:t>Jung2 </a:t>
-            </a:r>
+              <a:t>Automatischer Import &amp; Export mit PSS-IF Transform</a:t>
+            </a:r>
+          </a:p>
+          <a:p>
             <a:r>
               <a:rPr lang="de-DE" dirty="0"/>
-              <a:t>Framework</a:t>
+              <a:t>Visualisierung des Gesamtmodells</a:t>
             </a:r>
           </a:p>
           <a:p>
             <a:pPr lvl="1"/>
             <a:r>
-              <a:rPr lang="de-DE" dirty="0" smtClean="0"/>
-              <a:t>Framework </a:t>
-            </a:r>
-            <a:r>
               <a:rPr lang="de-DE" dirty="0"/>
-              <a:t>zur Visualisierung von Graphen und Netzwerken</a:t>
+              <a:t>Unterschiedliche Visualisierungen der </a:t>
+            </a:r>
+            <a:r>
+              <a:rPr lang="de-DE" dirty="0" smtClean="0"/>
+              <a:t>Elemente </a:t>
+            </a:r>
+            <a:r>
+              <a:rPr lang="de-DE" dirty="0"/>
+              <a:t>(Farbe, Form, Inhalt)</a:t>
             </a:r>
           </a:p>
           <a:p>
             <a:pPr lvl="1"/>
             <a:r>
               <a:rPr lang="de-DE" dirty="0"/>
-              <a:t>Open </a:t>
-            </a:r>
-            <a:r>
-              <a:rPr lang="de-DE" dirty="0" smtClean="0"/>
-              <a:t>Source</a:t>
+              <a:t>Verschiedene Ansichten auf das Modell (Graph, Matrix)</a:t>
+            </a:r>
+          </a:p>
+          <a:p>
+            <a:r>
+              <a:rPr lang="de-DE" dirty="0"/>
+              <a:t>Bearbeitung des Gesamtmodells</a:t>
             </a:r>
           </a:p>
           <a:p>
             <a:pPr lvl="1"/>
             <a:r>
-              <a:rPr lang="de-DE" dirty="0" smtClean="0"/>
-              <a:t>Leicht anpassbar und erweiterbar</a:t>
-            </a:r>
+              <a:rPr lang="de-DE" dirty="0"/>
+              <a:t>Modifikation der Element Attribute</a:t>
+            </a:r>
+          </a:p>
+          <a:p>
+            <a:pPr lvl="1"/>
+            <a:r>
+              <a:rPr lang="de-DE" dirty="0"/>
+              <a:t>Einfaches Einfügen und Löschen von Elementen</a:t>
+            </a:r>
+          </a:p>
+          <a:p>
+            <a:r>
+              <a:rPr lang="de-DE" dirty="0"/>
+              <a:t>Analysen auf dem Gesamtmodell</a:t>
+            </a:r>
+          </a:p>
+          <a:p>
+            <a:pPr lvl="1"/>
+            <a:r>
+              <a:rPr lang="de-DE" dirty="0"/>
+              <a:t>Hervorheben von Zusammenhängen</a:t>
+            </a:r>
+          </a:p>
+          <a:p>
+            <a:pPr lvl="1"/>
+            <a:r>
+              <a:rPr lang="de-DE" dirty="0"/>
+              <a:t>Filtern </a:t>
+            </a:r>
+            <a:r>
+              <a:rPr lang="de-DE" dirty="0" smtClean="0"/>
+              <a:t>über Attribute </a:t>
+            </a:r>
+            <a:r>
+              <a:rPr lang="de-DE" dirty="0"/>
+              <a:t>und Elementtypen</a:t>
+            </a:r>
+          </a:p>
+          <a:p>
             <a:endParaRPr lang="de-DE" dirty="0"/>
-          </a:p>
-          <a:p>
-            <a:pPr lvl="1"/>
-            <a:r>
-              <a:rPr lang="de-DE" dirty="0" smtClean="0"/>
-              <a:t>Java API</a:t>
-            </a:r>
           </a:p>
         </p:txBody>
       </p:sp>
@@ -4757,7 +5563,7 @@
           <a:p>
             <a:r>
               <a:rPr lang="de-DE" dirty="0" smtClean="0"/>
-              <a:t>Technische Grundlagen</a:t>
+              <a:t>Realisierung der Ziele</a:t>
             </a:r>
             <a:endParaRPr lang="de-DE" dirty="0"/>
           </a:p>
@@ -4779,6 +5585,145 @@
 </file>
 
 <file path=ppt/slides/slide25.xml><?xml version="1.0" encoding="utf-8"?>
+<p:sld xmlns:a="http://schemas.openxmlformats.org/drawingml/2006/main" xmlns:r="http://schemas.openxmlformats.org/officeDocument/2006/relationships" xmlns:p="http://schemas.openxmlformats.org/presentationml/2006/main">
+  <p:cSld>
+    <p:spTree>
+      <p:nvGrpSpPr>
+        <p:cNvPr id="1" name=""/>
+        <p:cNvGrpSpPr/>
+        <p:nvPr/>
+      </p:nvGrpSpPr>
+      <p:grpSpPr>
+        <a:xfrm>
+          <a:off x="0" y="0"/>
+          <a:ext cx="0" cy="0"/>
+          <a:chOff x="0" y="0"/>
+          <a:chExt cx="0" cy="0"/>
+        </a:xfrm>
+      </p:grpSpPr>
+      <p:sp>
+        <p:nvSpPr>
+          <p:cNvPr id="2" name="Textplatzhalter 1"/>
+          <p:cNvSpPr>
+            <a:spLocks noGrp="1"/>
+          </p:cNvSpPr>
+          <p:nvPr>
+            <p:ph type="body" sz="quarter" idx="10"/>
+          </p:nvPr>
+        </p:nvSpPr>
+        <p:spPr>
+          <a:xfrm>
+            <a:off x="250824" y="933450"/>
+            <a:ext cx="8031164" cy="4495813"/>
+          </a:xfrm>
+        </p:spPr>
+        <p:txBody>
+          <a:bodyPr/>
+          <a:lstStyle/>
+          <a:p>
+            <a:r>
+              <a:rPr lang="de-DE" dirty="0"/>
+              <a:t>PSS-IF Core</a:t>
+            </a:r>
+          </a:p>
+          <a:p>
+            <a:r>
+              <a:rPr lang="de-DE" dirty="0" smtClean="0"/>
+              <a:t>PSS-IF </a:t>
+            </a:r>
+            <a:r>
+              <a:rPr lang="de-DE" dirty="0"/>
+              <a:t>Transform</a:t>
+            </a:r>
+          </a:p>
+          <a:p>
+            <a:r>
+              <a:rPr lang="de-DE" dirty="0" smtClean="0"/>
+              <a:t>Jung2 </a:t>
+            </a:r>
+            <a:r>
+              <a:rPr lang="de-DE" dirty="0"/>
+              <a:t>Framework</a:t>
+            </a:r>
+          </a:p>
+          <a:p>
+            <a:pPr lvl="1"/>
+            <a:r>
+              <a:rPr lang="de-DE" dirty="0" smtClean="0"/>
+              <a:t>Framework </a:t>
+            </a:r>
+            <a:r>
+              <a:rPr lang="de-DE" dirty="0"/>
+              <a:t>zur Visualisierung von Graphen und Netzwerken</a:t>
+            </a:r>
+          </a:p>
+          <a:p>
+            <a:pPr lvl="1"/>
+            <a:r>
+              <a:rPr lang="de-DE" dirty="0"/>
+              <a:t>Open </a:t>
+            </a:r>
+            <a:r>
+              <a:rPr lang="de-DE" dirty="0" smtClean="0"/>
+              <a:t>Source</a:t>
+            </a:r>
+          </a:p>
+          <a:p>
+            <a:pPr lvl="1"/>
+            <a:r>
+              <a:rPr lang="de-DE" dirty="0" smtClean="0"/>
+              <a:t>Leicht anpassbar und erweiterbar</a:t>
+            </a:r>
+            <a:endParaRPr lang="de-DE" dirty="0"/>
+          </a:p>
+          <a:p>
+            <a:pPr lvl="1"/>
+            <a:r>
+              <a:rPr lang="de-DE" dirty="0" smtClean="0"/>
+              <a:t>Java API</a:t>
+            </a:r>
+          </a:p>
+        </p:txBody>
+      </p:sp>
+      <p:sp>
+        <p:nvSpPr>
+          <p:cNvPr id="3" name="Titel 2"/>
+          <p:cNvSpPr>
+            <a:spLocks noGrp="1"/>
+          </p:cNvSpPr>
+          <p:nvPr>
+            <p:ph type="title"/>
+          </p:nvPr>
+        </p:nvSpPr>
+        <p:spPr/>
+        <p:txBody>
+          <a:bodyPr/>
+          <a:lstStyle/>
+          <a:p>
+            <a:r>
+              <a:rPr lang="de-DE" dirty="0" smtClean="0"/>
+              <a:t>Technische Grundlagen</a:t>
+            </a:r>
+            <a:endParaRPr lang="de-DE" dirty="0"/>
+          </a:p>
+        </p:txBody>
+      </p:sp>
+    </p:spTree>
+  </p:cSld>
+  <p:clrMapOvr>
+    <a:masterClrMapping/>
+  </p:clrMapOvr>
+  <p:timing>
+    <p:tnLst>
+      <p:par>
+        <p:cTn id="1" dur="indefinite" restart="never" nodeType="tmRoot"/>
+      </p:par>
+    </p:tnLst>
+  </p:timing>
+</p:sld>
+</file>
+
+<file path=ppt/slides/slide26.xml><?xml version="1.0" encoding="utf-8"?>
 <p:sld xmlns:a="http://schemas.openxmlformats.org/drawingml/2006/main" xmlns:r="http://schemas.openxmlformats.org/officeDocument/2006/relationships" xmlns:p="http://schemas.openxmlformats.org/presentationml/2006/main">
   <p:cSld>
     <p:spTree>
@@ -4877,7 +5822,7 @@
 </p:sld>
 </file>
 
-<file path=ppt/slides/slide26.xml><?xml version="1.0" encoding="utf-8"?>
+<file path=ppt/slides/slide27.xml><?xml version="1.0" encoding="utf-8"?>
 <p:sld xmlns:a="http://schemas.openxmlformats.org/drawingml/2006/main" xmlns:r="http://schemas.openxmlformats.org/officeDocument/2006/relationships" xmlns:p="http://schemas.openxmlformats.org/presentationml/2006/main">
   <p:cSld>
     <p:spTree>
@@ -4956,7 +5901,7 @@
     </p:spTree>
     <p:extLst>
       <p:ext uri="{BB962C8B-B14F-4D97-AF65-F5344CB8AC3E}">
-        <p14:creationId xmlns:p14="http://schemas.microsoft.com/office/powerpoint/2010/main" val="427906190"/>
+        <p14:creationId xmlns:p14="http://schemas.microsoft.com/office/powerpoint/2010/main" xmlns="" val="427906190"/>
       </p:ext>
     </p:extLst>
   </p:cSld>
@@ -4973,7 +5918,7 @@
 </p:sld>
 </file>
 
-<file path=ppt/slides/slide27.xml><?xml version="1.0" encoding="utf-8"?>
+<file path=ppt/slides/slide28.xml><?xml version="1.0" encoding="utf-8"?>
 <p:sld xmlns:a="http://schemas.openxmlformats.org/drawingml/2006/main" xmlns:r="http://schemas.openxmlformats.org/officeDocument/2006/relationships" xmlns:p="http://schemas.openxmlformats.org/presentationml/2006/main">
   <p:cSld>
     <p:spTree>
@@ -5056,7 +6001,7 @@
     </p:spTree>
     <p:extLst>
       <p:ext uri="{BB962C8B-B14F-4D97-AF65-F5344CB8AC3E}">
-        <p14:creationId xmlns:p14="http://schemas.microsoft.com/office/powerpoint/2010/main" val="3871759119"/>
+        <p14:creationId xmlns:p14="http://schemas.microsoft.com/office/powerpoint/2010/main" xmlns="" val="3871759119"/>
       </p:ext>
     </p:extLst>
   </p:cSld>
@@ -5073,7 +6018,7 @@
 </p:sld>
 </file>
 
-<file path=ppt/slides/slide28.xml><?xml version="1.0" encoding="utf-8"?>
+<file path=ppt/slides/slide29.xml><?xml version="1.0" encoding="utf-8"?>
 <p:sld xmlns:a="http://schemas.openxmlformats.org/drawingml/2006/main" xmlns:r="http://schemas.openxmlformats.org/officeDocument/2006/relationships" xmlns:p="http://schemas.openxmlformats.org/presentationml/2006/main">
   <p:cSld>
     <p:spTree>
@@ -5617,149 +6562,7 @@
     </p:spTree>
     <p:extLst>
       <p:ext uri="{BB962C8B-B14F-4D97-AF65-F5344CB8AC3E}">
-        <p14:creationId xmlns:p14="http://schemas.microsoft.com/office/powerpoint/2010/main" val="492424617"/>
-      </p:ext>
-    </p:extLst>
-  </p:cSld>
-  <p:clrMapOvr>
-    <a:masterClrMapping/>
-  </p:clrMapOvr>
-  <p:timing>
-    <p:tnLst>
-      <p:par>
-        <p:cTn id="1" dur="indefinite" restart="never" nodeType="tmRoot"/>
-      </p:par>
-    </p:tnLst>
-  </p:timing>
-</p:sld>
-</file>
-
-<file path=ppt/slides/slide29.xml><?xml version="1.0" encoding="utf-8"?>
-<p:sld xmlns:a="http://schemas.openxmlformats.org/drawingml/2006/main" xmlns:r="http://schemas.openxmlformats.org/officeDocument/2006/relationships" xmlns:p="http://schemas.openxmlformats.org/presentationml/2006/main">
-  <p:cSld>
-    <p:spTree>
-      <p:nvGrpSpPr>
-        <p:cNvPr id="1" name=""/>
-        <p:cNvGrpSpPr/>
-        <p:nvPr/>
-      </p:nvGrpSpPr>
-      <p:grpSpPr>
-        <a:xfrm>
-          <a:off x="0" y="0"/>
-          <a:ext cx="0" cy="0"/>
-          <a:chOff x="0" y="0"/>
-          <a:chExt cx="0" cy="0"/>
-        </a:xfrm>
-      </p:grpSpPr>
-      <p:sp>
-        <p:nvSpPr>
-          <p:cNvPr id="3" name="Titel 2"/>
-          <p:cNvSpPr>
-            <a:spLocks noGrp="1"/>
-          </p:cNvSpPr>
-          <p:nvPr>
-            <p:ph type="title"/>
-          </p:nvPr>
-        </p:nvSpPr>
-        <p:spPr>
-          <a:xfrm>
-            <a:off x="250825" y="195526"/>
-            <a:ext cx="8031163" cy="600164"/>
-          </a:xfrm>
-        </p:spPr>
-        <p:txBody>
-          <a:bodyPr/>
-          <a:lstStyle/>
-          <a:p>
-            <a:r>
-              <a:rPr lang="de-DE" dirty="0" err="1" smtClean="0"/>
-              <a:t>GraphView</a:t>
-            </a:r>
-            <a:r>
-              <a:rPr lang="de-DE" b="0" dirty="0" smtClean="0"/>
-              <a:t/>
-            </a:r>
-            <a:br>
-              <a:rPr lang="de-DE" b="0" dirty="0" smtClean="0"/>
-            </a:br>
-            <a:r>
-              <a:rPr lang="de-DE" sz="1400" b="0" dirty="0" smtClean="0"/>
-              <a:t>Analysen</a:t>
-            </a:r>
-            <a:endParaRPr lang="de-DE" dirty="0"/>
-          </a:p>
-        </p:txBody>
-      </p:sp>
-      <p:pic>
-        <p:nvPicPr>
-          <p:cNvPr id="4" name="Grafik 3"/>
-          <p:cNvPicPr>
-            <a:picLocks noChangeAspect="1"/>
-          </p:cNvPicPr>
-          <p:nvPr/>
-        </p:nvPicPr>
-        <p:blipFill>
-          <a:blip r:embed="rId2" cstate="print"/>
-          <a:stretch>
-            <a:fillRect/>
-          </a:stretch>
-        </p:blipFill>
-        <p:spPr>
-          <a:xfrm>
-            <a:off x="250825" y="1412776"/>
-            <a:ext cx="7987706" cy="3861530"/>
-          </a:xfrm>
-          <a:prstGeom prst="rect">
-            <a:avLst/>
-          </a:prstGeom>
-        </p:spPr>
-      </p:pic>
-      <p:sp>
-        <p:nvSpPr>
-          <p:cNvPr id="5" name="Textfeld 4"/>
-          <p:cNvSpPr txBox="1"/>
-          <p:nvPr/>
-        </p:nvSpPr>
-        <p:spPr>
-          <a:xfrm>
-            <a:off x="250825" y="904178"/>
-            <a:ext cx="6168676" cy="400110"/>
-          </a:xfrm>
-          <a:prstGeom prst="rect">
-            <a:avLst/>
-          </a:prstGeom>
-          <a:noFill/>
-        </p:spPr>
-        <p:txBody>
-          <a:bodyPr wrap="none" rtlCol="0">
-            <a:spAutoFit/>
-          </a:bodyPr>
-          <a:lstStyle/>
-          <a:p>
-            <a:r>
-              <a:rPr lang="de-DE" dirty="0"/>
-              <a:t>Hervorheben von Zusammenhängen (</a:t>
-            </a:r>
-            <a:r>
-              <a:rPr lang="de-DE" dirty="0" err="1"/>
-              <a:t>Depth</a:t>
-            </a:r>
-            <a:r>
-              <a:rPr lang="de-DE" dirty="0"/>
-              <a:t> Search</a:t>
-            </a:r>
-            <a:r>
-              <a:rPr lang="de-DE" dirty="0" smtClean="0"/>
-              <a:t>)</a:t>
-            </a:r>
-            <a:endParaRPr lang="de-DE" dirty="0"/>
-          </a:p>
-        </p:txBody>
-      </p:sp>
-    </p:spTree>
-    <p:extLst>
-      <p:ext uri="{BB962C8B-B14F-4D97-AF65-F5344CB8AC3E}">
-        <p14:creationId xmlns:p14="http://schemas.microsoft.com/office/powerpoint/2010/main" val="3583291954"/>
+        <p14:creationId xmlns:p14="http://schemas.microsoft.com/office/powerpoint/2010/main" xmlns="" val="492424617"/>
       </p:ext>
     </p:extLst>
   </p:cSld>
@@ -5810,14 +6613,37 @@
           <a:p>
             <a:r>
               <a:rPr lang="de-DE" dirty="0" smtClean="0"/>
-              <a:t>PSS-IF Paper mit Meta-Ebenen und Canonic Metamodel</a:t>
-            </a:r>
-          </a:p>
-          <a:p>
-            <a:r>
-              <a:rPr lang="de-DE" dirty="0" smtClean="0"/>
-              <a:t>Darum gehts</a:t>
-            </a:r>
+              <a:t>SFB 768: „</a:t>
+            </a:r>
+            <a:r>
+              <a:rPr lang="en-US" dirty="0" smtClean="0"/>
+              <a:t>Concept </a:t>
+            </a:r>
+            <a:r>
+              <a:rPr lang="en-US" dirty="0" smtClean="0"/>
+              <a:t>for an Integration-framework to enable the </a:t>
+            </a:r>
+            <a:r>
+              <a:rPr lang="en-US" dirty="0" err="1" smtClean="0"/>
+              <a:t>crossdisciplinary</a:t>
+            </a:r>
+            <a:r>
+              <a:rPr lang="en-US" dirty="0" smtClean="0"/>
+              <a:t> </a:t>
+            </a:r>
+            <a:r>
+              <a:rPr lang="en-US" dirty="0" smtClean="0"/>
+              <a:t> development </a:t>
+            </a:r>
+            <a:r>
+              <a:rPr lang="en-US" dirty="0" smtClean="0"/>
+              <a:t>of </a:t>
+            </a:r>
+            <a:r>
+              <a:rPr lang="en-US" dirty="0" smtClean="0"/>
+              <a:t>product-service-systems”</a:t>
+            </a:r>
+            <a:endParaRPr lang="de-DE" dirty="0" smtClean="0"/>
           </a:p>
         </p:txBody>
       </p:sp>
@@ -5844,6 +6670,38 @@
           </a:p>
         </p:txBody>
       </p:sp>
+      <p:pic>
+        <p:nvPicPr>
+          <p:cNvPr id="8193" name="Picture 1"/>
+          <p:cNvPicPr>
+            <a:picLocks noChangeAspect="1" noChangeArrowheads="1"/>
+          </p:cNvPicPr>
+          <p:nvPr/>
+        </p:nvPicPr>
+        <p:blipFill>
+          <a:blip r:embed="rId2" cstate="print"/>
+          <a:srcRect/>
+          <a:stretch>
+            <a:fillRect/>
+          </a:stretch>
+        </p:blipFill>
+        <p:spPr bwMode="auto">
+          <a:xfrm>
+            <a:off x="4499992" y="2060848"/>
+            <a:ext cx="4019550" cy="3686175"/>
+          </a:xfrm>
+          <a:prstGeom prst="rect">
+            <a:avLst/>
+          </a:prstGeom>
+          <a:noFill/>
+          <a:ln w="9525">
+            <a:noFill/>
+            <a:miter lim="800000"/>
+            <a:headEnd/>
+            <a:tailEnd/>
+          </a:ln>
+        </p:spPr>
+      </p:pic>
     </p:spTree>
   </p:cSld>
   <p:clrMapOvr>
@@ -5871,102 +6729,6 @@
       </p:grpSpPr>
       <p:sp>
         <p:nvSpPr>
-          <p:cNvPr id="2" name="Textplatzhalter 1"/>
-          <p:cNvSpPr>
-            <a:spLocks noGrp="1"/>
-          </p:cNvSpPr>
-          <p:nvPr>
-            <p:ph type="body" sz="quarter" idx="10"/>
-          </p:nvPr>
-        </p:nvSpPr>
-        <p:spPr>
-          <a:xfrm>
-            <a:off x="250824" y="933450"/>
-            <a:ext cx="8031164" cy="4495813"/>
-          </a:xfrm>
-        </p:spPr>
-        <p:txBody>
-          <a:bodyPr/>
-          <a:lstStyle/>
-          <a:p>
-            <a:r>
-              <a:rPr lang="de-DE" dirty="0"/>
-              <a:t>Filtern nach Elementtyp</a:t>
-            </a:r>
-          </a:p>
-          <a:p>
-            <a:pPr lvl="1"/>
-            <a:r>
-              <a:rPr lang="de-DE" dirty="0"/>
-              <a:t>Der Nutzer kann nach Knotentyp und/oder Kantentyp filtern</a:t>
-            </a:r>
-          </a:p>
-          <a:p>
-            <a:pPr lvl="1"/>
-            <a:r>
-              <a:rPr lang="de-DE" dirty="0"/>
-              <a:t>Der Filter wird automatisch abgespeichert</a:t>
-            </a:r>
-          </a:p>
-          <a:p>
-            <a:r>
-              <a:rPr lang="de-DE" dirty="0"/>
-              <a:t>Filtern nach Attribut Eigenschaften</a:t>
-            </a:r>
-          </a:p>
-          <a:p>
-            <a:pPr lvl="1"/>
-            <a:r>
-              <a:rPr lang="de-DE" dirty="0"/>
-              <a:t>Auf Knoten oder Kanten definierbar</a:t>
-            </a:r>
-          </a:p>
-          <a:p>
-            <a:pPr lvl="1"/>
-            <a:r>
-              <a:rPr lang="de-DE" dirty="0" smtClean="0"/>
-              <a:t>Vergleich vom Attribut </a:t>
-            </a:r>
-            <a:r>
-              <a:rPr lang="de-DE" dirty="0"/>
-              <a:t>Wert </a:t>
-            </a:r>
-            <a:r>
-              <a:rPr lang="de-DE" dirty="0" smtClean="0"/>
-              <a:t>mit benutzerdefinierten </a:t>
-            </a:r>
-            <a:r>
-              <a:rPr lang="de-DE" dirty="0"/>
-              <a:t>Wert </a:t>
-            </a:r>
-            <a:r>
-              <a:rPr lang="de-DE" dirty="0" smtClean="0"/>
-              <a:t>(Bedingung)</a:t>
-            </a:r>
-            <a:endParaRPr lang="de-DE" dirty="0"/>
-          </a:p>
-          <a:p>
-            <a:pPr lvl="1"/>
-            <a:r>
-              <a:rPr lang="de-DE" dirty="0"/>
-              <a:t>Alle Elemente welche die </a:t>
-            </a:r>
-            <a:r>
-              <a:rPr lang="de-DE" dirty="0"/>
-              <a:t>Bedingung erfüllen </a:t>
-            </a:r>
-            <a:r>
-              <a:rPr lang="de-DE" dirty="0"/>
-              <a:t>bleiben sichtbar</a:t>
-            </a:r>
-          </a:p>
-          <a:p>
-            <a:endParaRPr lang="de-DE" dirty="0"/>
-          </a:p>
-        </p:txBody>
-      </p:sp>
-      <p:sp>
-        <p:nvSpPr>
           <p:cNvPr id="3" name="Titel 2"/>
           <p:cNvSpPr>
             <a:spLocks noGrp="1"/>
@@ -6000,7 +6762,7 @@
               <a:rPr lang="de-DE" sz="1400" b="0" dirty="0" smtClean="0"/>
               <a:t>Analysen</a:t>
             </a:r>
-            <a:endParaRPr lang="de-DE" sz="1400" dirty="0"/>
+            <a:endParaRPr lang="de-DE" dirty="0"/>
           </a:p>
         </p:txBody>
       </p:sp>
@@ -6013,31 +6775,67 @@
           <p:nvPr/>
         </p:nvPicPr>
         <p:blipFill>
-          <a:blip r:embed="rId2">
-            <a:extLst>
-              <a:ext uri="{28A0092B-C50C-407E-A947-70E740481C1C}">
-                <a14:useLocalDpi xmlns:a14="http://schemas.microsoft.com/office/drawing/2010/main" val="0"/>
-              </a:ext>
-            </a:extLst>
-          </a:blip>
+          <a:blip r:embed="rId2" cstate="print"/>
           <a:stretch>
             <a:fillRect/>
           </a:stretch>
         </p:blipFill>
         <p:spPr>
           <a:xfrm>
-            <a:off x="2711306" y="3509336"/>
-            <a:ext cx="3686689" cy="2057687"/>
+            <a:off x="250825" y="1412776"/>
+            <a:ext cx="7987706" cy="3861530"/>
           </a:xfrm>
           <a:prstGeom prst="rect">
             <a:avLst/>
           </a:prstGeom>
         </p:spPr>
       </p:pic>
+      <p:sp>
+        <p:nvSpPr>
+          <p:cNvPr id="5" name="Textfeld 4"/>
+          <p:cNvSpPr txBox="1"/>
+          <p:nvPr/>
+        </p:nvSpPr>
+        <p:spPr>
+          <a:xfrm>
+            <a:off x="250825" y="904178"/>
+            <a:ext cx="6168676" cy="400110"/>
+          </a:xfrm>
+          <a:prstGeom prst="rect">
+            <a:avLst/>
+          </a:prstGeom>
+          <a:noFill/>
+        </p:spPr>
+        <p:txBody>
+          <a:bodyPr wrap="none" rtlCol="0">
+            <a:spAutoFit/>
+          </a:bodyPr>
+          <a:lstStyle/>
+          <a:p>
+            <a:r>
+              <a:rPr lang="de-DE" dirty="0"/>
+              <a:t>Hervorheben von Zusammenhängen (</a:t>
+            </a:r>
+            <a:r>
+              <a:rPr lang="de-DE" dirty="0" err="1"/>
+              <a:t>Depth</a:t>
+            </a:r>
+            <a:r>
+              <a:rPr lang="de-DE" dirty="0"/>
+              <a:t> Search</a:t>
+            </a:r>
+            <a:r>
+              <a:rPr lang="de-DE" dirty="0" smtClean="0"/>
+              <a:t>)</a:t>
+            </a:r>
+            <a:endParaRPr lang="de-DE" dirty="0"/>
+          </a:p>
+        </p:txBody>
+      </p:sp>
     </p:spTree>
     <p:extLst>
       <p:ext uri="{BB962C8B-B14F-4D97-AF65-F5344CB8AC3E}">
-        <p14:creationId xmlns:p14="http://schemas.microsoft.com/office/powerpoint/2010/main" val="2307760257"/>
+        <p14:creationId xmlns:p14="http://schemas.microsoft.com/office/powerpoint/2010/main" xmlns="" val="3583291954"/>
       </p:ext>
     </p:extLst>
   </p:cSld>
@@ -6073,6 +6871,200 @@
       </p:grpSpPr>
       <p:sp>
         <p:nvSpPr>
+          <p:cNvPr id="2" name="Textplatzhalter 1"/>
+          <p:cNvSpPr>
+            <a:spLocks noGrp="1"/>
+          </p:cNvSpPr>
+          <p:nvPr>
+            <p:ph type="body" sz="quarter" idx="10"/>
+          </p:nvPr>
+        </p:nvSpPr>
+        <p:spPr>
+          <a:xfrm>
+            <a:off x="250824" y="933450"/>
+            <a:ext cx="8031164" cy="4495813"/>
+          </a:xfrm>
+        </p:spPr>
+        <p:txBody>
+          <a:bodyPr/>
+          <a:lstStyle/>
+          <a:p>
+            <a:r>
+              <a:rPr lang="de-DE" dirty="0"/>
+              <a:t>Filtern nach Elementtyp</a:t>
+            </a:r>
+          </a:p>
+          <a:p>
+            <a:pPr lvl="1"/>
+            <a:r>
+              <a:rPr lang="de-DE" dirty="0"/>
+              <a:t>Der Nutzer kann nach Knotentyp und/oder Kantentyp filtern</a:t>
+            </a:r>
+          </a:p>
+          <a:p>
+            <a:pPr lvl="1"/>
+            <a:r>
+              <a:rPr lang="de-DE" dirty="0"/>
+              <a:t>Der Filter wird automatisch abgespeichert</a:t>
+            </a:r>
+          </a:p>
+          <a:p>
+            <a:r>
+              <a:rPr lang="de-DE" dirty="0"/>
+              <a:t>Filtern nach Attribut Eigenschaften</a:t>
+            </a:r>
+          </a:p>
+          <a:p>
+            <a:pPr lvl="1"/>
+            <a:r>
+              <a:rPr lang="de-DE" dirty="0"/>
+              <a:t>Auf Knoten oder Kanten definierbar</a:t>
+            </a:r>
+          </a:p>
+          <a:p>
+            <a:pPr lvl="1"/>
+            <a:r>
+              <a:rPr lang="de-DE" dirty="0" smtClean="0"/>
+              <a:t>Vergleich vom Attribut </a:t>
+            </a:r>
+            <a:r>
+              <a:rPr lang="de-DE" dirty="0"/>
+              <a:t>Wert </a:t>
+            </a:r>
+            <a:r>
+              <a:rPr lang="de-DE" dirty="0" smtClean="0"/>
+              <a:t>mit benutzerdefinierten </a:t>
+            </a:r>
+            <a:r>
+              <a:rPr lang="de-DE" dirty="0"/>
+              <a:t>Wert </a:t>
+            </a:r>
+            <a:r>
+              <a:rPr lang="de-DE" dirty="0" smtClean="0"/>
+              <a:t>(Bedingung)</a:t>
+            </a:r>
+            <a:endParaRPr lang="de-DE" dirty="0"/>
+          </a:p>
+          <a:p>
+            <a:pPr lvl="1"/>
+            <a:r>
+              <a:rPr lang="de-DE" dirty="0"/>
+              <a:t>Alle Elemente welche die Bedingung erfüllen bleiben sichtbar</a:t>
+            </a:r>
+          </a:p>
+          <a:p>
+            <a:endParaRPr lang="de-DE" dirty="0"/>
+          </a:p>
+        </p:txBody>
+      </p:sp>
+      <p:sp>
+        <p:nvSpPr>
+          <p:cNvPr id="3" name="Titel 2"/>
+          <p:cNvSpPr>
+            <a:spLocks noGrp="1"/>
+          </p:cNvSpPr>
+          <p:nvPr>
+            <p:ph type="title"/>
+          </p:nvPr>
+        </p:nvSpPr>
+        <p:spPr>
+          <a:xfrm>
+            <a:off x="250825" y="195526"/>
+            <a:ext cx="8031163" cy="600164"/>
+          </a:xfrm>
+        </p:spPr>
+        <p:txBody>
+          <a:bodyPr/>
+          <a:lstStyle/>
+          <a:p>
+            <a:r>
+              <a:rPr lang="de-DE" dirty="0" err="1" smtClean="0"/>
+              <a:t>GraphView</a:t>
+            </a:r>
+            <a:r>
+              <a:rPr lang="de-DE" b="0" dirty="0" smtClean="0"/>
+              <a:t/>
+            </a:r>
+            <a:br>
+              <a:rPr lang="de-DE" b="0" dirty="0" smtClean="0"/>
+            </a:br>
+            <a:r>
+              <a:rPr lang="de-DE" sz="1400" b="0" dirty="0" smtClean="0"/>
+              <a:t>Analysen</a:t>
+            </a:r>
+            <a:endParaRPr lang="de-DE" sz="1400" dirty="0"/>
+          </a:p>
+        </p:txBody>
+      </p:sp>
+      <p:pic>
+        <p:nvPicPr>
+          <p:cNvPr id="4" name="Grafik 3"/>
+          <p:cNvPicPr>
+            <a:picLocks noChangeAspect="1"/>
+          </p:cNvPicPr>
+          <p:nvPr/>
+        </p:nvPicPr>
+        <p:blipFill>
+          <a:blip r:embed="rId2" cstate="print">
+            <a:extLst>
+              <a:ext uri="{28A0092B-C50C-407E-A947-70E740481C1C}">
+                <a14:useLocalDpi xmlns:a14="http://schemas.microsoft.com/office/drawing/2010/main" xmlns="" val="0"/>
+              </a:ext>
+            </a:extLst>
+          </a:blip>
+          <a:stretch>
+            <a:fillRect/>
+          </a:stretch>
+        </p:blipFill>
+        <p:spPr>
+          <a:xfrm>
+            <a:off x="2711306" y="3509336"/>
+            <a:ext cx="3686689" cy="2057687"/>
+          </a:xfrm>
+          <a:prstGeom prst="rect">
+            <a:avLst/>
+          </a:prstGeom>
+        </p:spPr>
+      </p:pic>
+    </p:spTree>
+    <p:extLst>
+      <p:ext uri="{BB962C8B-B14F-4D97-AF65-F5344CB8AC3E}">
+        <p14:creationId xmlns:p14="http://schemas.microsoft.com/office/powerpoint/2010/main" xmlns="" val="2307760257"/>
+      </p:ext>
+    </p:extLst>
+  </p:cSld>
+  <p:clrMapOvr>
+    <a:masterClrMapping/>
+  </p:clrMapOvr>
+  <p:timing>
+    <p:tnLst>
+      <p:par>
+        <p:cTn id="1" dur="indefinite" restart="never" nodeType="tmRoot"/>
+      </p:par>
+    </p:tnLst>
+  </p:timing>
+</p:sld>
+</file>
+
+<file path=ppt/slides/slide32.xml><?xml version="1.0" encoding="utf-8"?>
+<p:sld xmlns:a="http://schemas.openxmlformats.org/drawingml/2006/main" xmlns:r="http://schemas.openxmlformats.org/officeDocument/2006/relationships" xmlns:p="http://schemas.openxmlformats.org/presentationml/2006/main">
+  <p:cSld>
+    <p:spTree>
+      <p:nvGrpSpPr>
+        <p:cNvPr id="1" name=""/>
+        <p:cNvGrpSpPr/>
+        <p:nvPr/>
+      </p:nvGrpSpPr>
+      <p:grpSpPr>
+        <a:xfrm>
+          <a:off x="0" y="0"/>
+          <a:ext cx="0" cy="0"/>
+          <a:chOff x="0" y="0"/>
+          <a:chExt cx="0" cy="0"/>
+        </a:xfrm>
+      </p:grpSpPr>
+      <p:sp>
+        <p:nvSpPr>
           <p:cNvPr id="3" name="Titel 2"/>
           <p:cNvSpPr>
             <a:spLocks noGrp="1"/>
@@ -6126,10 +7118,10 @@
           <p:nvPr/>
         </p:nvPicPr>
         <p:blipFill>
-          <a:blip r:embed="rId2">
+          <a:blip r:embed="rId2" cstate="print">
             <a:extLst>
               <a:ext uri="{28A0092B-C50C-407E-A947-70E740481C1C}">
-                <a14:useLocalDpi xmlns:a14="http://schemas.microsoft.com/office/drawing/2010/main" val="0"/>
+                <a14:useLocalDpi xmlns:a14="http://schemas.microsoft.com/office/drawing/2010/main" xmlns="" val="0"/>
               </a:ext>
             </a:extLst>
           </a:blip>
@@ -6150,7 +7142,7 @@
     </p:spTree>
     <p:extLst>
       <p:ext uri="{BB962C8B-B14F-4D97-AF65-F5344CB8AC3E}">
-        <p14:creationId xmlns:p14="http://schemas.microsoft.com/office/powerpoint/2010/main" val="2583957788"/>
+        <p14:creationId xmlns:p14="http://schemas.microsoft.com/office/powerpoint/2010/main" xmlns="" val="2583957788"/>
       </p:ext>
     </p:extLst>
   </p:cSld>
@@ -6167,7 +7159,7 @@
 </p:sld>
 </file>
 
-<file path=ppt/slides/slide32.xml><?xml version="1.0" encoding="utf-8"?>
+<file path=ppt/slides/slide33.xml><?xml version="1.0" encoding="utf-8"?>
 <p:sld xmlns:a="http://schemas.openxmlformats.org/drawingml/2006/main" xmlns:r="http://schemas.openxmlformats.org/officeDocument/2006/relationships" xmlns:p="http://schemas.openxmlformats.org/presentationml/2006/main">
   <p:cSld>
     <p:spTree>
@@ -6302,126 +7294,9 @@
     </p:spTree>
     <p:extLst>
       <p:ext uri="{BB962C8B-B14F-4D97-AF65-F5344CB8AC3E}">
-        <p14:creationId xmlns:p14="http://schemas.microsoft.com/office/powerpoint/2010/main" val="834335964"/>
+        <p14:creationId xmlns:p14="http://schemas.microsoft.com/office/powerpoint/2010/main" xmlns="" val="834335964"/>
       </p:ext>
     </p:extLst>
-  </p:cSld>
-  <p:clrMapOvr>
-    <a:masterClrMapping/>
-  </p:clrMapOvr>
-  <p:timing>
-    <p:tnLst>
-      <p:par>
-        <p:cTn id="1" dur="indefinite" restart="never" nodeType="tmRoot"/>
-      </p:par>
-    </p:tnLst>
-  </p:timing>
-</p:sld>
-</file>
-
-<file path=ppt/slides/slide33.xml><?xml version="1.0" encoding="utf-8"?>
-<p:sld xmlns:a="http://schemas.openxmlformats.org/drawingml/2006/main" xmlns:r="http://schemas.openxmlformats.org/officeDocument/2006/relationships" xmlns:p="http://schemas.openxmlformats.org/presentationml/2006/main">
-  <p:cSld>
-    <p:spTree>
-      <p:nvGrpSpPr>
-        <p:cNvPr id="1" name=""/>
-        <p:cNvGrpSpPr/>
-        <p:nvPr/>
-      </p:nvGrpSpPr>
-      <p:grpSpPr>
-        <a:xfrm>
-          <a:off x="0" y="0"/>
-          <a:ext cx="0" cy="0"/>
-          <a:chOff x="0" y="0"/>
-          <a:chExt cx="0" cy="0"/>
-        </a:xfrm>
-      </p:grpSpPr>
-      <p:sp>
-        <p:nvSpPr>
-          <p:cNvPr id="2" name="Textplatzhalter 1"/>
-          <p:cNvSpPr>
-            <a:spLocks noGrp="1"/>
-          </p:cNvSpPr>
-          <p:nvPr>
-            <p:ph type="body" sz="quarter" idx="10"/>
-          </p:nvPr>
-        </p:nvSpPr>
-        <p:spPr/>
-        <p:txBody>
-          <a:bodyPr/>
-          <a:lstStyle/>
-          <a:p>
-            <a:r>
-              <a:rPr lang="de-DE" dirty="0" smtClean="0"/>
-              <a:t>Motivation</a:t>
-            </a:r>
-          </a:p>
-          <a:p>
-            <a:r>
-              <a:rPr lang="de-DE" dirty="0" smtClean="0"/>
-              <a:t>Forschungsrichtungen</a:t>
-            </a:r>
-          </a:p>
-          <a:p>
-            <a:r>
-              <a:rPr lang="de-DE" dirty="0" smtClean="0"/>
-              <a:t>Transformationen</a:t>
-            </a:r>
-          </a:p>
-          <a:p>
-            <a:r>
-              <a:rPr lang="de-DE" dirty="0" smtClean="0"/>
-              <a:t>Visualisierung</a:t>
-            </a:r>
-          </a:p>
-          <a:p>
-            <a:r>
-              <a:rPr lang="de-DE" b="1" dirty="0" smtClean="0"/>
-              <a:t>Ergebnisse</a:t>
-            </a:r>
-            <a:endParaRPr lang="de-DE" dirty="0" smtClean="0"/>
-          </a:p>
-          <a:p>
-            <a:r>
-              <a:rPr lang="de-DE" dirty="0" smtClean="0"/>
-              <a:t>DEMO</a:t>
-            </a:r>
-          </a:p>
-          <a:p>
-            <a:r>
-              <a:rPr lang="de-DE" dirty="0" smtClean="0"/>
-              <a:t>Ausblick</a:t>
-            </a:r>
-          </a:p>
-          <a:p>
-            <a:endParaRPr lang="de-DE" dirty="0"/>
-          </a:p>
-        </p:txBody>
-      </p:sp>
-      <p:sp>
-        <p:nvSpPr>
-          <p:cNvPr id="3" name="Titel 2"/>
-          <p:cNvSpPr>
-            <a:spLocks noGrp="1"/>
-          </p:cNvSpPr>
-          <p:nvPr>
-            <p:ph type="title"/>
-          </p:nvPr>
-        </p:nvSpPr>
-        <p:spPr/>
-        <p:txBody>
-          <a:bodyPr/>
-          <a:lstStyle/>
-          <a:p>
-            <a:r>
-              <a:rPr lang="de-DE" dirty="0" smtClean="0"/>
-              <a:t>Agenda</a:t>
-            </a:r>
-            <a:endParaRPr lang="de-DE" dirty="0"/>
-          </a:p>
-        </p:txBody>
-      </p:sp>
-    </p:spTree>
   </p:cSld>
   <p:clrMapOvr>
     <a:masterClrMapping/>
@@ -6463,95 +7338,55 @@
             <p:ph type="body" sz="quarter" idx="10"/>
           </p:nvPr>
         </p:nvSpPr>
-        <p:spPr>
-          <a:xfrm>
-            <a:off x="250824" y="933450"/>
-            <a:ext cx="8031164" cy="4495813"/>
-          </a:xfrm>
-        </p:spPr>
+        <p:spPr/>
         <p:txBody>
           <a:bodyPr/>
           <a:lstStyle/>
           <a:p>
-            <a:pPr marL="0" indent="0"/>
-            <a:r>
-              <a:rPr lang="de-DE" dirty="0" smtClean="0"/>
-              <a:t> Framework sowie Transformationen in der PoC erfolgreich umgestezt</a:t>
-            </a:r>
-          </a:p>
-          <a:p>
-            <a:pPr marL="0" indent="0"/>
-            <a:r>
-              <a:rPr lang="de-DE" dirty="0" smtClean="0"/>
-              <a:t> Atomare Transformationen ermöglichen einen hohen Wiederverwendungsgrad</a:t>
-            </a:r>
-          </a:p>
-          <a:p>
-            <a:pPr marL="0" indent="0"/>
-            <a:r>
-              <a:rPr lang="de-DE" dirty="0" smtClean="0"/>
-              <a:t> 6 Atomare Transformationen für die Umsetzung der 3 Sprachen ausreichend</a:t>
-            </a:r>
-          </a:p>
-          <a:p>
-            <a:pPr marL="0" indent="0"/>
-            <a:r>
-              <a:rPr lang="de-DE" dirty="0" smtClean="0"/>
-              <a:t> Eigenges Framework für die Verarbeitung von Visio 2013 (VSDX) Dateien</a:t>
-            </a:r>
-          </a:p>
-          <a:p>
-            <a:pPr marL="0" indent="0"/>
-            <a:r>
-              <a:rPr lang="de-DE" dirty="0" smtClean="0"/>
-              <a:t> 3 aus 4 Sprachen unterstützt</a:t>
-            </a:r>
-          </a:p>
-          <a:p>
-            <a:pPr marL="271463" lvl="1" indent="0"/>
-            <a:r>
-              <a:rPr lang="de-DE" dirty="0" smtClean="0"/>
-              <a:t> BPMN aufgrund spezielle Visio-Serialisierung nicht unterstützt</a:t>
-            </a:r>
-          </a:p>
-          <a:p>
-            <a:pPr marL="271463" lvl="1" indent="0"/>
-            <a:r>
-              <a:rPr lang="de-DE" dirty="0" smtClean="0"/>
-              <a:t> SysML4Mechatronics</a:t>
-            </a:r>
-          </a:p>
-          <a:p>
-            <a:pPr marL="531813" lvl="2" indent="0"/>
-            <a:r>
-              <a:rPr lang="de-DE" dirty="0" smtClean="0"/>
-              <a:t> Erster Ansatz mit UML-Serialisierung gescheitert</a:t>
-            </a:r>
-          </a:p>
-          <a:p>
-            <a:pPr marL="531813" lvl="2" indent="0"/>
-            <a:r>
-              <a:rPr lang="de-DE" dirty="0" smtClean="0"/>
-              <a:t> Zweiter Ansatz mit SFB 768 eCore erfolgreich</a:t>
-            </a:r>
-          </a:p>
-          <a:p>
-            <a:pPr marL="271463" lvl="1" indent="0"/>
-            <a:r>
-              <a:rPr lang="de-DE" dirty="0" smtClean="0"/>
-              <a:t> EPK: Nativ durch Visio VSDX Bibliothek</a:t>
-            </a:r>
-          </a:p>
-          <a:p>
-            <a:pPr marL="271463" lvl="1" indent="0"/>
-            <a:r>
-              <a:rPr lang="de-DE" dirty="0" smtClean="0"/>
-              <a:t> UFM als GraphML Export von Soley (check name!)</a:t>
-            </a:r>
-          </a:p>
-          <a:p>
-            <a:pPr marL="0" indent="0"/>
+            <a:r>
+              <a:rPr lang="de-DE" dirty="0" smtClean="0"/>
+              <a:t>Motivation</a:t>
+            </a:r>
+          </a:p>
+          <a:p>
+            <a:r>
+              <a:rPr lang="de-DE" dirty="0" smtClean="0"/>
+              <a:t>Forschungsrichtungen</a:t>
+            </a:r>
+          </a:p>
+          <a:p>
+            <a:r>
+              <a:rPr lang="de-DE" dirty="0" smtClean="0"/>
+              <a:t>Transformationen</a:t>
+            </a:r>
+          </a:p>
+          <a:p>
+            <a:r>
+              <a:rPr lang="de-DE" dirty="0" smtClean="0"/>
+              <a:t>Visualisierung</a:t>
+            </a:r>
+          </a:p>
+          <a:p>
+            <a:r>
+              <a:rPr lang="de-DE" b="1" dirty="0" smtClean="0"/>
+              <a:t>Ergebnisse</a:t>
+            </a:r>
             <a:endParaRPr lang="de-DE" dirty="0" smtClean="0"/>
+          </a:p>
+          <a:p>
+            <a:r>
+              <a:rPr lang="de-DE" dirty="0" smtClean="0"/>
+              <a:t>DEMO</a:t>
+            </a:r>
+          </a:p>
+          <a:p>
+            <a:r>
+              <a:rPr lang="de-DE" dirty="0" smtClean="0"/>
+              <a:t>Ausblick</a:t>
+            </a:r>
+          </a:p>
+          <a:p>
+            <a:endParaRPr lang="de-DE" dirty="0"/>
           </a:p>
         </p:txBody>
       </p:sp>
@@ -6565,28 +7400,16 @@
             <p:ph type="title"/>
           </p:nvPr>
         </p:nvSpPr>
-        <p:spPr>
-          <a:xfrm>
-            <a:off x="250825" y="195526"/>
-            <a:ext cx="8031163" cy="600164"/>
-          </a:xfrm>
-        </p:spPr>
+        <p:spPr/>
         <p:txBody>
           <a:bodyPr/>
           <a:lstStyle/>
           <a:p>
             <a:r>
-              <a:rPr lang="de-DE" dirty="0"/>
-              <a:t>Ergebnisse</a:t>
-            </a:r>
-            <a:br>
-              <a:rPr lang="de-DE" dirty="0"/>
-            </a:br>
-            <a:r>
-              <a:rPr lang="de-DE" sz="1400" b="0" dirty="0" smtClean="0"/>
-              <a:t>Transformationen</a:t>
-            </a:r>
-            <a:endParaRPr lang="de-DE" sz="1400" b="0" dirty="0"/>
+              <a:rPr lang="de-DE" dirty="0" smtClean="0"/>
+              <a:t>Agenda</a:t>
+            </a:r>
+            <a:endParaRPr lang="de-DE" dirty="0"/>
           </a:p>
         </p:txBody>
       </p:sp>
@@ -6642,77 +7465,85 @@
           <a:bodyPr/>
           <a:lstStyle/>
           <a:p>
-            <a:r>
-              <a:rPr lang="de-DE" dirty="0" smtClean="0"/>
-              <a:t>Import </a:t>
-            </a:r>
-            <a:r>
-              <a:rPr lang="de-DE" dirty="0"/>
-              <a:t>und Export aus verschiedenen Quellformaten</a:t>
-            </a:r>
-          </a:p>
-          <a:p>
-            <a:pPr lvl="1"/>
-            <a:r>
-              <a:rPr lang="de-DE" dirty="0"/>
-              <a:t>Automatischer Import und sofortige Anzeige</a:t>
-            </a:r>
-          </a:p>
-          <a:p>
-            <a:r>
-              <a:rPr lang="de-DE" dirty="0"/>
-              <a:t>Visualisierung des Gesamtmodells</a:t>
-            </a:r>
-          </a:p>
-          <a:p>
-            <a:pPr lvl="1"/>
-            <a:r>
-              <a:rPr lang="de-DE" dirty="0"/>
-              <a:t>Matrix und Graphen Darstellung</a:t>
-            </a:r>
-          </a:p>
-          <a:p>
-            <a:r>
-              <a:rPr lang="de-DE" dirty="0"/>
-              <a:t>Bearbeitung des Gesamtmodells</a:t>
-            </a:r>
-          </a:p>
-          <a:p>
-            <a:pPr lvl="1"/>
-            <a:r>
-              <a:rPr lang="de-DE" dirty="0"/>
-              <a:t>Einfügen von Knoten und Kanten</a:t>
-            </a:r>
-          </a:p>
-          <a:p>
-            <a:pPr lvl="1"/>
-            <a:r>
-              <a:rPr lang="de-DE" dirty="0"/>
-              <a:t>Modifizieren der Attribute von Elementen</a:t>
-            </a:r>
-          </a:p>
-          <a:p>
-            <a:r>
-              <a:rPr lang="de-DE" dirty="0"/>
-              <a:t>Analysen auf dem Gesamtmodell</a:t>
-            </a:r>
-          </a:p>
-          <a:p>
-            <a:pPr lvl="1"/>
-            <a:r>
-              <a:rPr lang="de-DE" dirty="0"/>
-              <a:t>Hervorheben von Zusammenhängen</a:t>
-            </a:r>
-          </a:p>
-          <a:p>
-            <a:pPr lvl="1"/>
-            <a:r>
-              <a:rPr lang="de-DE" dirty="0"/>
-              <a:t>Filtern über Attribute und Elementtypen</a:t>
-            </a:r>
-          </a:p>
-          <a:p>
-            <a:endParaRPr lang="de-DE" dirty="0"/>
+            <a:pPr marL="0" indent="0"/>
+            <a:r>
+              <a:rPr lang="de-DE" dirty="0" smtClean="0"/>
+              <a:t> Framework sowie Transformationen in der PoC erfolgreich umgestezt</a:t>
+            </a:r>
+          </a:p>
+          <a:p>
+            <a:pPr marL="0" indent="0"/>
+            <a:r>
+              <a:rPr lang="de-DE" dirty="0" smtClean="0"/>
+              <a:t> Atomare Transformationen ermöglichen einen hohen Wiederverwendungsgrad</a:t>
+            </a:r>
+          </a:p>
+          <a:p>
+            <a:pPr marL="0" indent="0"/>
+            <a:r>
+              <a:rPr lang="de-DE" dirty="0" smtClean="0"/>
+              <a:t> 6 Atomare Transformationen für die Umsetzung der 3 Sprachen ausreichend</a:t>
+            </a:r>
+          </a:p>
+          <a:p>
+            <a:pPr marL="0" indent="0"/>
+            <a:r>
+              <a:rPr lang="de-DE" dirty="0" smtClean="0"/>
+              <a:t> Eigenges Framework für die Verarbeitung von Visio 2013 (VSDX) Dateien</a:t>
+            </a:r>
+          </a:p>
+          <a:p>
+            <a:pPr marL="0" indent="0"/>
+            <a:r>
+              <a:rPr lang="de-DE" dirty="0" smtClean="0"/>
+              <a:t> 3 aus 4 Sprachen unterstützt</a:t>
+            </a:r>
+          </a:p>
+          <a:p>
+            <a:pPr marL="271463" lvl="1" indent="0"/>
+            <a:r>
+              <a:rPr lang="de-DE" dirty="0" smtClean="0"/>
+              <a:t> BPMN aufgrund spezielle Visio-Serialisierung nicht unterstützt</a:t>
+            </a:r>
+          </a:p>
+          <a:p>
+            <a:pPr marL="271463" lvl="1" indent="0"/>
+            <a:r>
+              <a:rPr lang="de-DE" dirty="0" smtClean="0"/>
+              <a:t> SysML4Mechatronics</a:t>
+            </a:r>
+          </a:p>
+          <a:p>
+            <a:pPr marL="531813" lvl="2" indent="0"/>
+            <a:r>
+              <a:rPr lang="de-DE" dirty="0" smtClean="0"/>
+              <a:t> Erster Ansatz mit UML-Serialisierung gescheitert</a:t>
+            </a:r>
+          </a:p>
+          <a:p>
+            <a:pPr marL="531813" lvl="2" indent="0"/>
+            <a:r>
+              <a:rPr lang="de-DE" dirty="0" smtClean="0"/>
+              <a:t> Zweiter Ansatz mit SFB 768 eCore erfolgreich</a:t>
+            </a:r>
+          </a:p>
+          <a:p>
+            <a:pPr marL="271463" lvl="1" indent="0"/>
+            <a:r>
+              <a:rPr lang="de-DE" dirty="0" smtClean="0"/>
+              <a:t> EPK: Nativ durch Visio VSDX Bibliothek</a:t>
+            </a:r>
+          </a:p>
+          <a:p>
+            <a:pPr marL="271463" lvl="1" indent="0"/>
+            <a:r>
+              <a:rPr lang="de-DE" dirty="0" smtClean="0"/>
+              <a:t> UFM als GraphML Export von Soley (check name!)</a:t>
+            </a:r>
+          </a:p>
+          <a:p>
+            <a:pPr marL="0" indent="0"/>
+            <a:endParaRPr lang="de-DE" dirty="0" smtClean="0"/>
           </a:p>
         </p:txBody>
       </p:sp>
@@ -6737,26 +7568,21 @@
           <a:lstStyle/>
           <a:p>
             <a:r>
-              <a:rPr lang="de-DE" dirty="0" smtClean="0"/>
+              <a:rPr lang="de-DE" dirty="0"/>
               <a:t>Ergebnisse</a:t>
             </a:r>
             <a:br>
-              <a:rPr lang="de-DE" dirty="0" smtClean="0"/>
+              <a:rPr lang="de-DE" dirty="0"/>
             </a:br>
             <a:r>
               <a:rPr lang="de-DE" sz="1400" b="0" dirty="0" smtClean="0"/>
-              <a:t>Visualisierung</a:t>
+              <a:t>Transformationen</a:t>
             </a:r>
             <a:endParaRPr lang="de-DE" sz="1400" b="0" dirty="0"/>
           </a:p>
         </p:txBody>
       </p:sp>
     </p:spTree>
-    <p:extLst>
-      <p:ext uri="{BB962C8B-B14F-4D97-AF65-F5344CB8AC3E}">
-        <p14:creationId xmlns:p14="http://schemas.microsoft.com/office/powerpoint/2010/main" val="3015326985"/>
-      </p:ext>
-    </p:extLst>
   </p:cSld>
   <p:clrMapOvr>
     <a:masterClrMapping/>
@@ -6790,36 +7616,139 @@
       </p:grpSpPr>
       <p:sp>
         <p:nvSpPr>
-          <p:cNvPr id="5" name="Textfeld 4"/>
-          <p:cNvSpPr txBox="1"/>
-          <p:nvPr/>
+          <p:cNvPr id="2" name="Textplatzhalter 1"/>
+          <p:cNvSpPr>
+            <a:spLocks noGrp="1"/>
+          </p:cNvSpPr>
+          <p:nvPr>
+            <p:ph type="body" sz="quarter" idx="10"/>
+          </p:nvPr>
         </p:nvSpPr>
         <p:spPr>
           <a:xfrm>
-            <a:off x="2195736" y="2420888"/>
-            <a:ext cx="4752528" cy="1200329"/>
+            <a:off x="250824" y="933450"/>
+            <a:ext cx="8031164" cy="4495813"/>
           </a:xfrm>
-          <a:prstGeom prst="rect">
-            <a:avLst/>
-          </a:prstGeom>
-          <a:noFill/>
         </p:spPr>
         <p:txBody>
-          <a:bodyPr wrap="square" rtlCol="0">
-            <a:spAutoFit/>
-          </a:bodyPr>
+          <a:bodyPr/>
           <a:lstStyle/>
           <a:p>
-            <a:pPr algn="ctr"/>
-            <a:r>
-              <a:rPr lang="de-DE" sz="7200" b="1" dirty="0" smtClean="0"/>
-              <a:t>DEMO</a:t>
-            </a:r>
-            <a:endParaRPr lang="de-DE" sz="7200" b="1" dirty="0"/>
+            <a:r>
+              <a:rPr lang="de-DE" dirty="0" smtClean="0"/>
+              <a:t>Import </a:t>
+            </a:r>
+            <a:r>
+              <a:rPr lang="de-DE" dirty="0"/>
+              <a:t>und Export aus verschiedenen Quellformaten</a:t>
+            </a:r>
+          </a:p>
+          <a:p>
+            <a:pPr lvl="1"/>
+            <a:r>
+              <a:rPr lang="de-DE" dirty="0"/>
+              <a:t>Automatischer Import und sofortige Anzeige</a:t>
+            </a:r>
+          </a:p>
+          <a:p>
+            <a:r>
+              <a:rPr lang="de-DE" dirty="0"/>
+              <a:t>Visualisierung des Gesamtmodells</a:t>
+            </a:r>
+          </a:p>
+          <a:p>
+            <a:pPr lvl="1"/>
+            <a:r>
+              <a:rPr lang="de-DE" dirty="0"/>
+              <a:t>Matrix und Graphen Darstellung</a:t>
+            </a:r>
+          </a:p>
+          <a:p>
+            <a:r>
+              <a:rPr lang="de-DE" dirty="0"/>
+              <a:t>Bearbeitung des Gesamtmodells</a:t>
+            </a:r>
+          </a:p>
+          <a:p>
+            <a:pPr lvl="1"/>
+            <a:r>
+              <a:rPr lang="de-DE" dirty="0"/>
+              <a:t>Einfügen von Knoten und Kanten</a:t>
+            </a:r>
+          </a:p>
+          <a:p>
+            <a:pPr lvl="1"/>
+            <a:r>
+              <a:rPr lang="de-DE" dirty="0"/>
+              <a:t>Modifizieren der Attribute von Elementen</a:t>
+            </a:r>
+          </a:p>
+          <a:p>
+            <a:r>
+              <a:rPr lang="de-DE" dirty="0"/>
+              <a:t>Analysen auf dem Gesamtmodell</a:t>
+            </a:r>
+          </a:p>
+          <a:p>
+            <a:pPr lvl="1"/>
+            <a:r>
+              <a:rPr lang="de-DE" dirty="0"/>
+              <a:t>Hervorheben von Zusammenhängen</a:t>
+            </a:r>
+          </a:p>
+          <a:p>
+            <a:pPr lvl="1"/>
+            <a:r>
+              <a:rPr lang="de-DE" dirty="0"/>
+              <a:t>Filtern über Attribute und Elementtypen</a:t>
+            </a:r>
+          </a:p>
+          <a:p>
+            <a:endParaRPr lang="de-DE" dirty="0"/>
+          </a:p>
+        </p:txBody>
+      </p:sp>
+      <p:sp>
+        <p:nvSpPr>
+          <p:cNvPr id="3" name="Titel 2"/>
+          <p:cNvSpPr>
+            <a:spLocks noGrp="1"/>
+          </p:cNvSpPr>
+          <p:nvPr>
+            <p:ph type="title"/>
+          </p:nvPr>
+        </p:nvSpPr>
+        <p:spPr>
+          <a:xfrm>
+            <a:off x="250825" y="195526"/>
+            <a:ext cx="8031163" cy="600164"/>
+          </a:xfrm>
+        </p:spPr>
+        <p:txBody>
+          <a:bodyPr/>
+          <a:lstStyle/>
+          <a:p>
+            <a:r>
+              <a:rPr lang="de-DE" dirty="0" smtClean="0"/>
+              <a:t>Ergebnisse</a:t>
+            </a:r>
+            <a:br>
+              <a:rPr lang="de-DE" dirty="0" smtClean="0"/>
+            </a:br>
+            <a:r>
+              <a:rPr lang="de-DE" sz="1400" b="0" dirty="0" smtClean="0"/>
+              <a:t>Visualisierung</a:t>
+            </a:r>
+            <a:endParaRPr lang="de-DE" sz="1400" b="0" dirty="0"/>
           </a:p>
         </p:txBody>
       </p:sp>
     </p:spTree>
+    <p:extLst>
+      <p:ext uri="{BB962C8B-B14F-4D97-AF65-F5344CB8AC3E}">
+        <p14:creationId xmlns:p14="http://schemas.microsoft.com/office/powerpoint/2010/main" xmlns="" val="3015326985"/>
+      </p:ext>
+    </p:extLst>
   </p:cSld>
   <p:clrMapOvr>
     <a:masterClrMapping/>
@@ -6853,58 +7782,32 @@
       </p:grpSpPr>
       <p:sp>
         <p:nvSpPr>
-          <p:cNvPr id="2" name="Textplatzhalter 1"/>
-          <p:cNvSpPr>
-            <a:spLocks noGrp="1"/>
-          </p:cNvSpPr>
-          <p:nvPr>
-            <p:ph type="body" sz="quarter" idx="10"/>
-          </p:nvPr>
-        </p:nvSpPr>
-        <p:spPr/>
-        <p:txBody>
-          <a:bodyPr/>
-          <a:lstStyle/>
-          <a:p>
-            <a:r>
-              <a:rPr lang="de-DE" dirty="0" smtClean="0"/>
-              <a:t>Repository etc.</a:t>
-            </a:r>
-          </a:p>
-        </p:txBody>
-      </p:sp>
-      <p:sp>
-        <p:nvSpPr>
-          <p:cNvPr id="3" name="Titel 2"/>
-          <p:cNvSpPr>
-            <a:spLocks noGrp="1"/>
-          </p:cNvSpPr>
-          <p:nvPr>
-            <p:ph type="title"/>
-          </p:nvPr>
+          <p:cNvPr id="5" name="Textfeld 4"/>
+          <p:cNvSpPr txBox="1"/>
+          <p:nvPr/>
         </p:nvSpPr>
         <p:spPr>
           <a:xfrm>
-            <a:off x="250825" y="195526"/>
-            <a:ext cx="8031163" cy="600164"/>
+            <a:off x="2195736" y="2420888"/>
+            <a:ext cx="4752528" cy="1200329"/>
           </a:xfrm>
+          <a:prstGeom prst="rect">
+            <a:avLst/>
+          </a:prstGeom>
+          <a:noFill/>
         </p:spPr>
         <p:txBody>
-          <a:bodyPr/>
+          <a:bodyPr wrap="square" rtlCol="0">
+            <a:spAutoFit/>
+          </a:bodyPr>
           <a:lstStyle/>
           <a:p>
-            <a:r>
-              <a:rPr lang="de-DE" dirty="0" smtClean="0"/>
-              <a:t>Ausblick</a:t>
-            </a:r>
-            <a:br>
-              <a:rPr lang="de-DE" dirty="0" smtClean="0"/>
-            </a:br>
-            <a:r>
-              <a:rPr lang="de-DE" sz="1400" dirty="0" smtClean="0"/>
-              <a:t>Transformationen</a:t>
-            </a:r>
-            <a:endParaRPr lang="de-DE" sz="1400" dirty="0"/>
+            <a:pPr algn="ctr"/>
+            <a:r>
+              <a:rPr lang="de-DE" sz="7200" b="1" dirty="0" smtClean="0"/>
+              <a:t>DEMO</a:t>
+            </a:r>
+            <a:endParaRPr lang="de-DE" sz="7200" b="1" dirty="0"/>
           </a:p>
         </p:txBody>
       </p:sp>
@@ -6950,83 +7853,15 @@
             <p:ph type="body" sz="quarter" idx="10"/>
           </p:nvPr>
         </p:nvSpPr>
-        <p:spPr>
-          <a:xfrm>
-            <a:off x="250824" y="933450"/>
-            <a:ext cx="8031164" cy="4495813"/>
-          </a:xfrm>
-        </p:spPr>
+        <p:spPr/>
         <p:txBody>
           <a:bodyPr/>
           <a:lstStyle/>
           <a:p>
             <a:r>
               <a:rPr lang="de-DE" dirty="0" smtClean="0"/>
-              <a:t>Mögliche </a:t>
-            </a:r>
-            <a:r>
-              <a:rPr lang="de-DE" dirty="0"/>
-              <a:t>Verbesserungen</a:t>
-            </a:r>
-          </a:p>
-          <a:p>
-            <a:pPr lvl="1"/>
-            <a:r>
-              <a:rPr lang="de-DE" dirty="0"/>
-              <a:t>Intelligenter Model Merger</a:t>
-            </a:r>
-          </a:p>
-          <a:p>
-            <a:pPr lvl="1"/>
-            <a:r>
-              <a:rPr lang="de-DE" dirty="0"/>
-              <a:t>JUNG2 Layouts für große Knoten optimieren</a:t>
-            </a:r>
-          </a:p>
-          <a:p>
-            <a:pPr lvl="1"/>
-            <a:r>
-              <a:rPr lang="de-DE" dirty="0"/>
-              <a:t>Mehrere „Kontaktpunkte“ für Elemente des Graphen definieren</a:t>
-            </a:r>
-          </a:p>
-          <a:p>
-            <a:r>
-              <a:rPr lang="de-DE" dirty="0"/>
-              <a:t>Mögliche Erweiterungen</a:t>
-            </a:r>
-          </a:p>
-          <a:p>
-            <a:pPr lvl="1"/>
-            <a:r>
-              <a:rPr lang="de-DE" dirty="0"/>
-              <a:t>Weitere Filter einbinden (z.B. Filter über aggregierte Attribut Werte)</a:t>
-            </a:r>
-          </a:p>
-          <a:p>
-            <a:pPr lvl="1"/>
-            <a:r>
-              <a:rPr lang="de-DE" dirty="0"/>
-              <a:t>Modifikation des Gesamtmodells in der Matrix View erlauben</a:t>
-            </a:r>
-          </a:p>
-          <a:p>
-            <a:pPr lvl="1"/>
-            <a:r>
-              <a:rPr lang="de-DE" dirty="0"/>
-              <a:t>Lösch und </a:t>
-            </a:r>
-            <a:r>
-              <a:rPr lang="de-DE" dirty="0" err="1"/>
-              <a:t>Merge</a:t>
-            </a:r>
-            <a:r>
-              <a:rPr lang="de-DE" dirty="0"/>
-              <a:t> Operationen implementieren (PSS-IF Core muss erweitert werden)</a:t>
-            </a:r>
-          </a:p>
-          <a:p>
-            <a:endParaRPr lang="de-DE" dirty="0"/>
+              <a:t>Repository etc.</a:t>
+            </a:r>
           </a:p>
         </p:txBody>
       </p:sp>
@@ -7059,18 +7894,13 @@
             </a:br>
             <a:r>
               <a:rPr lang="de-DE" sz="1400" dirty="0" smtClean="0"/>
-              <a:t>Visualisierung</a:t>
+              <a:t>Transformationen</a:t>
             </a:r>
             <a:endParaRPr lang="de-DE" sz="1400" dirty="0"/>
           </a:p>
         </p:txBody>
       </p:sp>
     </p:spTree>
-    <p:extLst>
-      <p:ext uri="{BB962C8B-B14F-4D97-AF65-F5344CB8AC3E}">
-        <p14:creationId xmlns:p14="http://schemas.microsoft.com/office/powerpoint/2010/main" val="2204816514"/>
-      </p:ext>
-    </p:extLst>
   </p:cSld>
   <p:clrMapOvr>
     <a:masterClrMapping/>
@@ -7104,36 +7934,135 @@
       </p:grpSpPr>
       <p:sp>
         <p:nvSpPr>
-          <p:cNvPr id="5" name="Textfeld 4"/>
-          <p:cNvSpPr txBox="1"/>
-          <p:nvPr/>
+          <p:cNvPr id="2" name="Textplatzhalter 1"/>
+          <p:cNvSpPr>
+            <a:spLocks noGrp="1"/>
+          </p:cNvSpPr>
+          <p:nvPr>
+            <p:ph type="body" sz="quarter" idx="10"/>
+          </p:nvPr>
         </p:nvSpPr>
         <p:spPr>
           <a:xfrm>
-            <a:off x="2195736" y="2420888"/>
-            <a:ext cx="4752528" cy="1200329"/>
+            <a:off x="250824" y="933450"/>
+            <a:ext cx="8031164" cy="4495813"/>
           </a:xfrm>
-          <a:prstGeom prst="rect">
-            <a:avLst/>
-          </a:prstGeom>
-          <a:noFill/>
         </p:spPr>
         <p:txBody>
-          <a:bodyPr wrap="square" rtlCol="0">
-            <a:spAutoFit/>
-          </a:bodyPr>
+          <a:bodyPr/>
           <a:lstStyle/>
           <a:p>
-            <a:pPr algn="ctr"/>
-            <a:r>
-              <a:rPr lang="de-DE" sz="7200" b="1" dirty="0" smtClean="0"/>
-              <a:t>THX</a:t>
-            </a:r>
-            <a:endParaRPr lang="de-DE" sz="7200" b="1" dirty="0"/>
+            <a:r>
+              <a:rPr lang="de-DE" dirty="0" smtClean="0"/>
+              <a:t>Mögliche </a:t>
+            </a:r>
+            <a:r>
+              <a:rPr lang="de-DE" dirty="0"/>
+              <a:t>Verbesserungen</a:t>
+            </a:r>
+          </a:p>
+          <a:p>
+            <a:pPr lvl="1"/>
+            <a:r>
+              <a:rPr lang="de-DE" dirty="0"/>
+              <a:t>Intelligenter Model Merger</a:t>
+            </a:r>
+          </a:p>
+          <a:p>
+            <a:pPr lvl="1"/>
+            <a:r>
+              <a:rPr lang="de-DE" dirty="0"/>
+              <a:t>JUNG2 Layouts für große Knoten optimieren</a:t>
+            </a:r>
+          </a:p>
+          <a:p>
+            <a:pPr lvl="1"/>
+            <a:r>
+              <a:rPr lang="de-DE" dirty="0"/>
+              <a:t>Mehrere „Kontaktpunkte“ für Elemente des Graphen definieren</a:t>
+            </a:r>
+          </a:p>
+          <a:p>
+            <a:r>
+              <a:rPr lang="de-DE" dirty="0"/>
+              <a:t>Mögliche Erweiterungen</a:t>
+            </a:r>
+          </a:p>
+          <a:p>
+            <a:pPr lvl="1"/>
+            <a:r>
+              <a:rPr lang="de-DE" dirty="0"/>
+              <a:t>Weitere Filter einbinden (z.B. Filter über aggregierte Attribut Werte)</a:t>
+            </a:r>
+          </a:p>
+          <a:p>
+            <a:pPr lvl="1"/>
+            <a:r>
+              <a:rPr lang="de-DE" dirty="0"/>
+              <a:t>Modifikation des Gesamtmodells in der Matrix View erlauben</a:t>
+            </a:r>
+          </a:p>
+          <a:p>
+            <a:pPr lvl="1"/>
+            <a:r>
+              <a:rPr lang="de-DE" dirty="0"/>
+              <a:t>Lösch und </a:t>
+            </a:r>
+            <a:r>
+              <a:rPr lang="de-DE" dirty="0" err="1"/>
+              <a:t>Merge</a:t>
+            </a:r>
+            <a:r>
+              <a:rPr lang="de-DE" dirty="0"/>
+              <a:t> Operationen implementieren (PSS-IF Core muss erweitert werden)</a:t>
+            </a:r>
+          </a:p>
+          <a:p>
+            <a:endParaRPr lang="de-DE" dirty="0"/>
+          </a:p>
+        </p:txBody>
+      </p:sp>
+      <p:sp>
+        <p:nvSpPr>
+          <p:cNvPr id="3" name="Titel 2"/>
+          <p:cNvSpPr>
+            <a:spLocks noGrp="1"/>
+          </p:cNvSpPr>
+          <p:nvPr>
+            <p:ph type="title"/>
+          </p:nvPr>
+        </p:nvSpPr>
+        <p:spPr>
+          <a:xfrm>
+            <a:off x="250825" y="195526"/>
+            <a:ext cx="8031163" cy="600164"/>
+          </a:xfrm>
+        </p:spPr>
+        <p:txBody>
+          <a:bodyPr/>
+          <a:lstStyle/>
+          <a:p>
+            <a:r>
+              <a:rPr lang="de-DE" dirty="0" smtClean="0"/>
+              <a:t>Ausblick</a:t>
+            </a:r>
+            <a:br>
+              <a:rPr lang="de-DE" dirty="0" smtClean="0"/>
+            </a:br>
+            <a:r>
+              <a:rPr lang="de-DE" sz="1400" dirty="0" smtClean="0"/>
+              <a:t>Visualisierung</a:t>
+            </a:r>
+            <a:endParaRPr lang="de-DE" sz="1400" dirty="0"/>
           </a:p>
         </p:txBody>
       </p:sp>
     </p:spTree>
+    <p:extLst>
+      <p:ext uri="{BB962C8B-B14F-4D97-AF65-F5344CB8AC3E}">
+        <p14:creationId xmlns:p14="http://schemas.microsoft.com/office/powerpoint/2010/main" xmlns="" val="2204816514"/>
+      </p:ext>
+    </p:extLst>
   </p:cSld>
   <p:clrMapOvr>
     <a:masterClrMapping/>
@@ -7244,6 +8173,69 @@
               <a:t>Agenda</a:t>
             </a:r>
             <a:endParaRPr lang="de-DE" dirty="0"/>
+          </a:p>
+        </p:txBody>
+      </p:sp>
+    </p:spTree>
+  </p:cSld>
+  <p:clrMapOvr>
+    <a:masterClrMapping/>
+  </p:clrMapOvr>
+  <p:timing>
+    <p:tnLst>
+      <p:par>
+        <p:cTn id="1" dur="indefinite" restart="never" nodeType="tmRoot"/>
+      </p:par>
+    </p:tnLst>
+  </p:timing>
+</p:sld>
+</file>
+
+<file path=ppt/slides/slide40.xml><?xml version="1.0" encoding="utf-8"?>
+<p:sld xmlns:a="http://schemas.openxmlformats.org/drawingml/2006/main" xmlns:r="http://schemas.openxmlformats.org/officeDocument/2006/relationships" xmlns:p="http://schemas.openxmlformats.org/presentationml/2006/main">
+  <p:cSld>
+    <p:spTree>
+      <p:nvGrpSpPr>
+        <p:cNvPr id="1" name=""/>
+        <p:cNvGrpSpPr/>
+        <p:nvPr/>
+      </p:nvGrpSpPr>
+      <p:grpSpPr>
+        <a:xfrm>
+          <a:off x="0" y="0"/>
+          <a:ext cx="0" cy="0"/>
+          <a:chOff x="0" y="0"/>
+          <a:chExt cx="0" cy="0"/>
+        </a:xfrm>
+      </p:grpSpPr>
+      <p:sp>
+        <p:nvSpPr>
+          <p:cNvPr id="5" name="Textfeld 4"/>
+          <p:cNvSpPr txBox="1"/>
+          <p:nvPr/>
+        </p:nvSpPr>
+        <p:spPr>
+          <a:xfrm>
+            <a:off x="2195736" y="2420888"/>
+            <a:ext cx="4752528" cy="1200329"/>
+          </a:xfrm>
+          <a:prstGeom prst="rect">
+            <a:avLst/>
+          </a:prstGeom>
+          <a:noFill/>
+        </p:spPr>
+        <p:txBody>
+          <a:bodyPr wrap="square" rtlCol="0">
+            <a:spAutoFit/>
+          </a:bodyPr>
+          <a:lstStyle/>
+          <a:p>
+            <a:pPr algn="ctr"/>
+            <a:r>
+              <a:rPr lang="de-DE" sz="7200" b="1" dirty="0" smtClean="0"/>
+              <a:t>THX</a:t>
+            </a:r>
+            <a:endParaRPr lang="de-DE" sz="7200" b="1" dirty="0"/>
           </a:p>
         </p:txBody>
       </p:sp>
@@ -7694,82 +8686,9 @@
         </p:xfrm>
         <a:graphic>
           <a:graphicData uri="http://schemas.openxmlformats.org/presentationml/2006/ole">
-            <mc:AlternateContent xmlns:mc="http://schemas.openxmlformats.org/markup-compatibility/2006">
-              <mc:Choice xmlns:v="urn:schemas-microsoft-com:vml" Requires="v">
-                <p:oleObj spid="_x0000_s3076" name="Visio" r:id="rId3" imgW="6324703" imgH="2009711" progId="Visio.Drawing.15">
-                  <p:embed/>
-                </p:oleObj>
-              </mc:Choice>
-              <mc:Fallback>
-                <p:oleObj name="Visio" r:id="rId3" imgW="6324703" imgH="2009711" progId="Visio.Drawing.15">
-                  <p:embed/>
-                  <p:pic>
-                    <p:nvPicPr>
-                      <p:cNvPr id="0" name="Picture 2"/>
-                      <p:cNvPicPr>
-                        <a:picLocks noChangeAspect="1" noChangeArrowheads="1"/>
-                      </p:cNvPicPr>
-                      <p:nvPr/>
-                    </p:nvPicPr>
-                    <p:blipFill>
-                      <a:blip r:embed="rId4">
-                        <a:extLst>
-                          <a:ext uri="{28A0092B-C50C-407E-A947-70E740481C1C}">
-                            <a14:useLocalDpi xmlns:a14="http://schemas.microsoft.com/office/drawing/2010/main" val="0"/>
-                          </a:ext>
-                        </a:extLst>
-                      </a:blip>
-                      <a:srcRect/>
-                      <a:stretch>
-                        <a:fillRect/>
-                      </a:stretch>
-                    </p:blipFill>
-                    <p:spPr bwMode="auto">
-                      <a:xfrm>
-                        <a:off x="1357290" y="3786190"/>
-                        <a:ext cx="6324600" cy="2009775"/>
-                      </a:xfrm>
-                      <a:prstGeom prst="rect">
-                        <a:avLst/>
-                      </a:prstGeom>
-                      <a:noFill/>
-                      <a:ln>
-                        <a:noFill/>
-                      </a:ln>
-                      <a:effectLst/>
-                      <a:extLst>
-                        <a:ext uri="{909E8E84-426E-40DD-AFC4-6F175D3DCCD1}">
-                          <a14:hiddenFill xmlns:a14="http://schemas.microsoft.com/office/drawing/2010/main">
-                            <a:solidFill>
-                              <a:schemeClr val="accent1"/>
-                            </a:solidFill>
-                          </a14:hiddenFill>
-                        </a:ext>
-                        <a:ext uri="{91240B29-F687-4F45-9708-019B960494DF}">
-                          <a14:hiddenLine xmlns:a14="http://schemas.microsoft.com/office/drawing/2010/main" w="9525">
-                            <a:solidFill>
-                              <a:schemeClr val="tx1"/>
-                            </a:solidFill>
-                            <a:miter lim="800000"/>
-                            <a:headEnd/>
-                            <a:tailEnd/>
-                          </a14:hiddenLine>
-                        </a:ext>
-                        <a:ext uri="{AF507438-7753-43E0-B8FC-AC1667EBCBE1}">
-                          <a14:hiddenEffects xmlns:a14="http://schemas.microsoft.com/office/drawing/2010/main">
-                            <a:effectLst>
-                              <a:outerShdw dist="35921" dir="2700000" algn="ctr" rotWithShape="0">
-                                <a:schemeClr val="bg2"/>
-                              </a:outerShdw>
-                            </a:effectLst>
-                          </a14:hiddenEffects>
-                        </a:ext>
-                      </a:extLst>
-                    </p:spPr>
-                  </p:pic>
-                </p:oleObj>
-              </mc:Fallback>
-            </mc:AlternateContent>
+            <p:oleObj spid="_x0000_s3076" name="Visio" r:id="rId3" imgW="6324703" imgH="2009711" progId="Visio.Drawing.15">
+              <p:embed/>
+            </p:oleObj>
           </a:graphicData>
         </a:graphic>
       </p:graphicFrame>

--- a/pssif/doc/PSSIF.pptx
+++ b/pssif/doc/PSSIF.pptx
@@ -5,10 +5,10 @@
     <p:sldMasterId id="2147483837" r:id="rId1"/>
   </p:sldMasterIdLst>
   <p:notesMasterIdLst>
-    <p:notesMasterId r:id="rId42"/>
+    <p:notesMasterId r:id="rId40"/>
   </p:notesMasterIdLst>
   <p:handoutMasterIdLst>
-    <p:handoutMasterId r:id="rId43"/>
+    <p:handoutMasterId r:id="rId41"/>
   </p:handoutMasterIdLst>
   <p:sldIdLst>
     <p:sldId id="256" r:id="rId2"/>
@@ -17,16 +17,16 @@
     <p:sldId id="273" r:id="rId5"/>
     <p:sldId id="258" r:id="rId6"/>
     <p:sldId id="274" r:id="rId7"/>
-    <p:sldId id="259" r:id="rId8"/>
-    <p:sldId id="260" r:id="rId9"/>
-    <p:sldId id="261" r:id="rId10"/>
-    <p:sldId id="287" r:id="rId11"/>
-    <p:sldId id="288" r:id="rId12"/>
-    <p:sldId id="289" r:id="rId13"/>
-    <p:sldId id="290" r:id="rId14"/>
-    <p:sldId id="262" r:id="rId15"/>
-    <p:sldId id="263" r:id="rId16"/>
-    <p:sldId id="291" r:id="rId17"/>
+    <p:sldId id="260" r:id="rId8"/>
+    <p:sldId id="261" r:id="rId9"/>
+    <p:sldId id="287" r:id="rId10"/>
+    <p:sldId id="288" r:id="rId11"/>
+    <p:sldId id="289" r:id="rId12"/>
+    <p:sldId id="290" r:id="rId13"/>
+    <p:sldId id="262" r:id="rId14"/>
+    <p:sldId id="263" r:id="rId15"/>
+    <p:sldId id="291" r:id="rId16"/>
+    <p:sldId id="297" r:id="rId17"/>
     <p:sldId id="292" r:id="rId18"/>
     <p:sldId id="293" r:id="rId19"/>
     <p:sldId id="296" r:id="rId20"/>
@@ -47,15 +47,13 @@
     <p:sldId id="276" r:id="rId35"/>
     <p:sldId id="265" r:id="rId36"/>
     <p:sldId id="286" r:id="rId37"/>
-    <p:sldId id="266" r:id="rId38"/>
-    <p:sldId id="268" r:id="rId39"/>
-    <p:sldId id="285" r:id="rId40"/>
-    <p:sldId id="267" r:id="rId41"/>
+    <p:sldId id="285" r:id="rId38"/>
+    <p:sldId id="267" r:id="rId39"/>
   </p:sldIdLst>
   <p:sldSz cx="9144000" cy="6858000" type="screen4x3"/>
   <p:notesSz cx="6797675" cy="9926638"/>
   <p:custDataLst>
-    <p:tags r:id="rId44"/>
+    <p:tags r:id="rId42"/>
   </p:custDataLst>
   <p:defaultTextStyle>
     <a:defPPr>
@@ -184,7 +182,7 @@
   </p:defaultTextStyle>
   <p:extLst>
     <p:ext uri="{EFAFB233-063F-42B5-8137-9DF3F51BA10A}">
-      <p15:sldGuideLst xmlns:p15="http://schemas.microsoft.com/office/powerpoint/2012/main" xmlns="">
+      <p15:sldGuideLst xmlns="" xmlns:p15="http://schemas.microsoft.com/office/powerpoint/2012/main">
         <p15:guide id="1" orient="horz" pos="3612">
           <p15:clr>
             <a:srgbClr val="A4A3A4"/>
@@ -258,7 +256,7 @@
       </p15:sldGuideLst>
     </p:ext>
     <p:ext uri="{2D200454-40CA-4A62-9FC3-DE9A4176ACB9}">
-      <p15:notesGuideLst xmlns:p15="http://schemas.microsoft.com/office/powerpoint/2012/main" xmlns="">
+      <p15:notesGuideLst xmlns="" xmlns:p15="http://schemas.microsoft.com/office/powerpoint/2012/main">
         <p15:guide id="1" orient="horz" pos="3128">
           <p15:clr>
             <a:srgbClr val="A4A3A4"/>
@@ -277,7 +275,7 @@
 
 <file path=ppt/commentAuthors.xml><?xml version="1.0" encoding="utf-8"?>
 <p:cmAuthorLst xmlns:a="http://schemas.openxmlformats.org/drawingml/2006/main" xmlns:r="http://schemas.openxmlformats.org/officeDocument/2006/relationships" xmlns:p="http://schemas.openxmlformats.org/presentationml/2006/main">
-  <p:cmAuthor id="2" name="Autor" initials="A" lastIdx="0" clrIdx="2"/>
+  <p:cmAuthor id="3" name="Author" initials="A" lastIdx="0" clrIdx="3"/>
 </p:cmAuthorLst>
 </file>
 
@@ -495,7 +493,7 @@
               <a:pPr>
                 <a:defRPr/>
               </a:pPr>
-              <a:t>‹Nr.›</a:t>
+              <a:t>‹#›</a:t>
             </a:fld>
             <a:endParaRPr lang="de-DE"/>
           </a:p>
@@ -504,7 +502,7 @@
     </p:spTree>
     <p:extLst>
       <p:ext uri="{BB962C8B-B14F-4D97-AF65-F5344CB8AC3E}">
-        <p14:creationId xmlns:p14="http://schemas.microsoft.com/office/powerpoint/2010/main" xmlns="" val="164483809"/>
+        <p14:creationId xmlns="" xmlns:p14="http://schemas.microsoft.com/office/powerpoint/2010/main" val="164483809"/>
       </p:ext>
     </p:extLst>
   </p:cSld>
@@ -837,7 +835,7 @@
               <a:pPr>
                 <a:defRPr/>
               </a:pPr>
-              <a:t>‹Nr.›</a:t>
+              <a:t>‹#›</a:t>
             </a:fld>
             <a:endParaRPr lang="de-DE"/>
           </a:p>
@@ -846,7 +844,7 @@
     </p:spTree>
     <p:extLst>
       <p:ext uri="{BB962C8B-B14F-4D97-AF65-F5344CB8AC3E}">
-        <p14:creationId xmlns:p14="http://schemas.microsoft.com/office/powerpoint/2010/main" xmlns="" val="220946427"/>
+        <p14:creationId xmlns="" xmlns:p14="http://schemas.microsoft.com/office/powerpoint/2010/main" val="220946427"/>
       </p:ext>
     </p:extLst>
   </p:cSld>
@@ -1279,7 +1277,7 @@
           <a:blip r:embed="rId3" cstate="print">
             <a:extLst>
               <a:ext uri="{28A0092B-C50C-407E-A947-70E740481C1C}">
-                <a14:useLocalDpi xmlns:a14="http://schemas.microsoft.com/office/drawing/2010/main" xmlns="" val="0"/>
+                <a14:useLocalDpi xmlns="" xmlns:a14="http://schemas.microsoft.com/office/drawing/2010/main" val="0"/>
               </a:ext>
             </a:extLst>
           </a:blip>
@@ -1309,7 +1307,7 @@
           <a:blip r:embed="rId4" cstate="print">
             <a:extLst>
               <a:ext uri="{28A0092B-C50C-407E-A947-70E740481C1C}">
-                <a14:useLocalDpi xmlns:a14="http://schemas.microsoft.com/office/drawing/2010/main" xmlns="" val="0"/>
+                <a14:useLocalDpi xmlns="" xmlns:a14="http://schemas.microsoft.com/office/drawing/2010/main" val="0"/>
               </a:ext>
             </a:extLst>
           </a:blip>
@@ -1339,7 +1337,7 @@
           <a:blip r:embed="rId5" cstate="print">
             <a:extLst>
               <a:ext uri="{28A0092B-C50C-407E-A947-70E740481C1C}">
-                <a14:useLocalDpi xmlns:a14="http://schemas.microsoft.com/office/drawing/2010/main" xmlns="" val="0"/>
+                <a14:useLocalDpi xmlns="" xmlns:a14="http://schemas.microsoft.com/office/drawing/2010/main" val="0"/>
               </a:ext>
             </a:extLst>
           </a:blip>
@@ -1495,7 +1493,7 @@
                 </a:spcAft>
                 <a:defRPr/>
               </a:pPr>
-              <a:t>‹Nr.›</a:t>
+              <a:t>‹#›</a:t>
             </a:fld>
             <a:endParaRPr lang="de-DE" sz="800" kern="0" dirty="0">
               <a:solidFill>
@@ -1634,7 +1632,7 @@
           <a:blip r:embed="rId2" cstate="print">
             <a:extLst>
               <a:ext uri="{28A0092B-C50C-407E-A947-70E740481C1C}">
-                <a14:useLocalDpi xmlns:a14="http://schemas.microsoft.com/office/drawing/2010/main" xmlns="" val="0"/>
+                <a14:useLocalDpi xmlns="" xmlns:a14="http://schemas.microsoft.com/office/drawing/2010/main" val="0"/>
               </a:ext>
             </a:extLst>
           </a:blip>
@@ -1664,7 +1662,7 @@
           <a:blip r:embed="rId3" cstate="print">
             <a:extLst>
               <a:ext uri="{28A0092B-C50C-407E-A947-70E740481C1C}">
-                <a14:useLocalDpi xmlns:a14="http://schemas.microsoft.com/office/drawing/2010/main" xmlns="" val="0"/>
+                <a14:useLocalDpi xmlns="" xmlns:a14="http://schemas.microsoft.com/office/drawing/2010/main" val="0"/>
               </a:ext>
             </a:extLst>
           </a:blip>
@@ -1694,7 +1692,7 @@
           <a:blip r:embed="rId4" cstate="print">
             <a:extLst>
               <a:ext uri="{28A0092B-C50C-407E-A947-70E740481C1C}">
-                <a14:useLocalDpi xmlns:a14="http://schemas.microsoft.com/office/drawing/2010/main" xmlns="" val="0"/>
+                <a14:useLocalDpi xmlns="" xmlns:a14="http://schemas.microsoft.com/office/drawing/2010/main" val="0"/>
               </a:ext>
             </a:extLst>
           </a:blip>
@@ -2280,33 +2278,37 @@
             <p:ph type="body" sz="quarter" idx="10"/>
           </p:nvPr>
         </p:nvSpPr>
-        <p:spPr/>
+        <p:spPr>
+          <a:xfrm>
+            <a:off x="250824" y="933450"/>
+            <a:ext cx="8321704" cy="4495813"/>
+          </a:xfrm>
+        </p:spPr>
         <p:txBody>
           <a:bodyPr/>
           <a:lstStyle/>
           <a:p>
             <a:r>
               <a:rPr lang="de-DE" dirty="0" smtClean="0"/>
-              <a:t>Direkte Überführung eines Modells in der Quellsprache A zu einem Modell in der Zielsprache B</a:t>
-            </a:r>
-          </a:p>
-          <a:p>
-            <a:r>
-              <a:rPr lang="de-DE" dirty="0" smtClean="0"/>
-              <a:t>Auf Ebene der konkreten Syntax der jeweiligen Sprachen</a:t>
-            </a:r>
-          </a:p>
-          <a:p>
-            <a:r>
-              <a:rPr lang="de-DE" dirty="0" smtClean="0"/>
-              <a:t>Sehr konkret – keine Abstraktion</a:t>
-            </a:r>
-          </a:p>
-          <a:p>
-            <a:r>
-              <a:rPr lang="de-DE" dirty="0" smtClean="0"/>
-              <a:t>Beispiel: XSLT bei XML-basierten Serializierung</a:t>
-            </a:r>
+              <a:t>Direkte Überführung von Quellsprache A nach Zielsprache B über eigenes abstraktes </a:t>
+            </a:r>
+            <a:r>
+              <a:rPr lang="de-DE" dirty="0" smtClean="0"/>
+              <a:t>Datenmodell</a:t>
+            </a:r>
+          </a:p>
+          <a:p>
+            <a:r>
+              <a:rPr lang="de-DE" dirty="0" smtClean="0"/>
+              <a:t>Vorteil: Abstraktion des konkreten Syntax</a:t>
+            </a:r>
+          </a:p>
+          <a:p>
+            <a:r>
+              <a:rPr lang="de-DE" dirty="0" smtClean="0"/>
+              <a:t>Nachteil: Aufwand steigt exponentiell in der Anzahl an Sprachen</a:t>
+            </a:r>
+            <a:endParaRPr lang="de-DE" dirty="0" smtClean="0"/>
           </a:p>
         </p:txBody>
       </p:sp>
@@ -2320,34 +2322,62 @@
             <p:ph type="title"/>
           </p:nvPr>
         </p:nvSpPr>
-        <p:spPr/>
+        <p:spPr>
+          <a:xfrm>
+            <a:off x="250825" y="195526"/>
+            <a:ext cx="8031163" cy="600164"/>
+          </a:xfrm>
+        </p:spPr>
         <p:txBody>
           <a:bodyPr/>
           <a:lstStyle/>
           <a:p>
             <a:r>
               <a:rPr lang="de-DE" dirty="0" smtClean="0"/>
-              <a:t>Direkte syntax-abhängigte Transformation </a:t>
-            </a:r>
-            <a:endParaRPr lang="bg-BG" dirty="0"/>
+              <a:t>Transformationen</a:t>
+            </a:r>
+            <a:r>
+              <a:rPr lang="de-DE" dirty="0" smtClean="0"/>
+              <a:t> (IDP 1) </a:t>
+            </a:r>
+            <a:r>
+              <a:rPr lang="de-DE" dirty="0" smtClean="0"/>
+              <a:t>– </a:t>
+            </a:r>
+            <a:r>
+              <a:rPr lang="de-DE" dirty="0" smtClean="0"/>
+              <a:t>Lösungsmöglichkeit 2</a:t>
+            </a:r>
+            <a:br>
+              <a:rPr lang="de-DE" dirty="0" smtClean="0"/>
+            </a:br>
+            <a:r>
+              <a:rPr lang="de-DE" sz="1400" dirty="0" smtClean="0"/>
+              <a:t>Direkte </a:t>
+            </a:r>
+            <a:r>
+              <a:rPr lang="de-DE" sz="1400" dirty="0" smtClean="0"/>
+              <a:t>syntax-unabhängigte Transformation</a:t>
+            </a:r>
+            <a:endParaRPr lang="bg-BG" sz="1400" dirty="0"/>
           </a:p>
         </p:txBody>
       </p:sp>
       <p:graphicFrame>
         <p:nvGraphicFramePr>
-          <p:cNvPr id="4098" name="Object 2"/>
+          <p:cNvPr id="25601" name="Object 1"/>
           <p:cNvGraphicFramePr>
             <a:graphicFrameLocks noChangeAspect="1"/>
           </p:cNvGraphicFramePr>
           <p:nvPr/>
         </p:nvGraphicFramePr>
         <p:xfrm>
-          <a:off x="1428728" y="3214686"/>
-          <a:ext cx="6143625" cy="2533650"/>
+          <a:off x="642909" y="2428868"/>
+          <a:ext cx="7772407" cy="3429003"/>
         </p:xfrm>
         <a:graphic>
           <a:graphicData uri="http://schemas.openxmlformats.org/presentationml/2006/ole">
-            <p:oleObj spid="_x0000_s4100" name="Visio" r:id="rId3" imgW="6143635" imgH="2533560" progId="Visio.Drawing.15">
+            <p:oleObj spid="_x0000_s25601" name="Visio" r:id="rId3" imgW="6800715" imgH="3000375" progId="Visio.Drawing.15">
               <p:embed/>
             </p:oleObj>
           </a:graphicData>
@@ -2388,27 +2418,52 @@
             <p:ph type="body" sz="quarter" idx="10"/>
           </p:nvPr>
         </p:nvSpPr>
-        <p:spPr/>
+        <p:spPr>
+          <a:xfrm>
+            <a:off x="250824" y="933450"/>
+            <a:ext cx="8321704" cy="4495813"/>
+          </a:xfrm>
+        </p:spPr>
         <p:txBody>
           <a:bodyPr/>
           <a:lstStyle/>
           <a:p>
             <a:r>
               <a:rPr lang="de-DE" dirty="0" smtClean="0"/>
-              <a:t>Direkte Überführung von Quellsprache A nach Zielsprache B über eigenes abstraktes Datenmodell</a:t>
-            </a:r>
-          </a:p>
-          <a:p>
-            <a:r>
-              <a:rPr lang="de-DE" dirty="0" smtClean="0"/>
-              <a:t>Auf Ebene der abstrakten Syntax der jeweiligen Sprachen</a:t>
-            </a:r>
-          </a:p>
-          <a:p>
-            <a:r>
-              <a:rPr lang="de-DE" dirty="0" smtClean="0"/>
-              <a:t>Abstraktion von der konkreten Syntax</a:t>
-            </a:r>
+              <a:t>Transformation von der Quellsprache in ein eigenes fixes Schema</a:t>
+            </a:r>
+          </a:p>
+          <a:p>
+            <a:r>
+              <a:rPr lang="de-DE" dirty="0" smtClean="0"/>
+              <a:t>Darauf folgende Transformation von den eigenen Schema in der Zielsprache</a:t>
+            </a:r>
+          </a:p>
+          <a:p>
+            <a:r>
+              <a:rPr lang="de-DE" dirty="0" smtClean="0"/>
+              <a:t>Vorteil: Abstraktion </a:t>
+            </a:r>
+            <a:r>
+              <a:rPr lang="de-DE" dirty="0" smtClean="0"/>
+              <a:t>von </a:t>
+            </a:r>
+            <a:r>
+              <a:rPr lang="de-DE" dirty="0" smtClean="0"/>
+              <a:t>der Syntax der Sprachen</a:t>
+            </a:r>
+            <a:r>
+              <a:rPr lang="de-DE" dirty="0" smtClean="0"/>
+              <a:t>, geringer Aufwand für neue Sprache</a:t>
+            </a:r>
+            <a:endParaRPr lang="de-DE" dirty="0" smtClean="0"/>
+          </a:p>
+          <a:p>
+            <a:r>
+              <a:rPr lang="de-DE" dirty="0" smtClean="0"/>
+              <a:t>Nachteil: Großer Aufwand bei Änderung am Zwischenschema</a:t>
+            </a:r>
+            <a:endParaRPr lang="de-DE" dirty="0" smtClean="0"/>
           </a:p>
         </p:txBody>
       </p:sp>
@@ -2422,19 +2477,67 @@
             <p:ph type="title"/>
           </p:nvPr>
         </p:nvSpPr>
-        <p:spPr/>
+        <p:spPr>
+          <a:xfrm>
+            <a:off x="250825" y="195526"/>
+            <a:ext cx="8031163" cy="600164"/>
+          </a:xfrm>
+        </p:spPr>
         <p:txBody>
           <a:bodyPr/>
           <a:lstStyle/>
           <a:p>
             <a:r>
               <a:rPr lang="de-DE" dirty="0" smtClean="0"/>
-              <a:t>Direkte syntax-unabhängigte Transformation</a:t>
-            </a:r>
-            <a:endParaRPr lang="bg-BG" dirty="0"/>
+              <a:t>Transformationen</a:t>
+            </a:r>
+            <a:r>
+              <a:rPr lang="de-DE" dirty="0" smtClean="0"/>
+              <a:t> (IDP 1) </a:t>
+            </a:r>
+            <a:r>
+              <a:rPr lang="de-DE" dirty="0" smtClean="0"/>
+              <a:t>– </a:t>
+            </a:r>
+            <a:r>
+              <a:rPr lang="de-DE" dirty="0" smtClean="0"/>
+              <a:t>Lösungsmöglichkeit 3</a:t>
+            </a:r>
+            <a:br>
+              <a:rPr lang="de-DE" dirty="0" smtClean="0"/>
+            </a:br>
+            <a:r>
+              <a:rPr lang="de-DE" sz="1400" dirty="0" smtClean="0"/>
+              <a:t>Indirekte </a:t>
+            </a:r>
+            <a:r>
+              <a:rPr lang="de-DE" sz="1400" dirty="0" smtClean="0"/>
+              <a:t>Transformation mit fixem Schema</a:t>
+            </a:r>
+            <a:endParaRPr lang="bg-BG" sz="1400" dirty="0"/>
           </a:p>
         </p:txBody>
       </p:sp>
+      <p:graphicFrame>
+        <p:nvGraphicFramePr>
+          <p:cNvPr id="24577" name="Object 1"/>
+          <p:cNvGraphicFramePr>
+            <a:graphicFrameLocks noChangeAspect="1"/>
+          </p:cNvGraphicFramePr>
+          <p:nvPr/>
+        </p:nvGraphicFramePr>
+        <p:xfrm>
+          <a:off x="857224" y="2571744"/>
+          <a:ext cx="7286676" cy="3286148"/>
+        </p:xfrm>
+        <a:graphic>
+          <a:graphicData uri="http://schemas.openxmlformats.org/presentationml/2006/ole">
+            <p:oleObj spid="_x0000_s24577" name="Visio" r:id="rId3" imgW="6800715" imgH="3067140" progId="Visio.Drawing.15">
+              <p:embed/>
+            </p:oleObj>
+          </a:graphicData>
+        </a:graphic>
+      </p:graphicFrame>
     </p:spTree>
   </p:cSld>
   <p:clrMapOvr>
@@ -2470,47 +2573,39 @@
             <p:ph type="body" sz="quarter" idx="10"/>
           </p:nvPr>
         </p:nvSpPr>
-        <p:spPr/>
+        <p:spPr>
+          <a:xfrm>
+            <a:off x="250824" y="933450"/>
+            <a:ext cx="8321704" cy="4495813"/>
+          </a:xfrm>
+        </p:spPr>
         <p:txBody>
           <a:bodyPr/>
           <a:lstStyle/>
           <a:p>
             <a:r>
               <a:rPr lang="de-DE" dirty="0" smtClean="0"/>
-              <a:t>Transformation von der Quellsprache in ein eigenes fixes Schema</a:t>
-            </a:r>
-          </a:p>
-          <a:p>
-            <a:r>
-              <a:rPr lang="de-DE" dirty="0" smtClean="0"/>
-              <a:t>Darauf folgende Transformation von den eigenen Schema in der Zielsprache</a:t>
-            </a:r>
-          </a:p>
-          <a:p>
-            <a:r>
-              <a:rPr lang="de-DE" dirty="0" smtClean="0"/>
-              <a:t>Durch das eigene Schema:</a:t>
-            </a:r>
-          </a:p>
-          <a:p>
-            <a:pPr lvl="1"/>
-            <a:r>
-              <a:rPr lang="de-DE" dirty="0" smtClean="0"/>
-              <a:t>Abstraktion von der konkreten Syntax</a:t>
-            </a:r>
-          </a:p>
-          <a:p>
-            <a:pPr lvl="1"/>
-            <a:r>
-              <a:rPr lang="de-DE" dirty="0" smtClean="0"/>
-              <a:t>Abstration von der abstrakten Syntax</a:t>
-            </a:r>
-          </a:p>
-          <a:p>
-            <a:r>
-              <a:rPr lang="de-DE" dirty="0" smtClean="0"/>
-              <a:t>Fest-ausimplementierte Transformationsregeln</a:t>
-            </a:r>
+              <a:t>Transformation über Zwischenformat, definiert über ein flexibles Schema</a:t>
+            </a:r>
+          </a:p>
+          <a:p>
+            <a:r>
+              <a:rPr lang="de-DE" dirty="0" smtClean="0"/>
+              <a:t>Vorteil: Änderungen durch Konfiguration</a:t>
+            </a:r>
+          </a:p>
+          <a:p>
+            <a:r>
+              <a:rPr lang="de-DE" dirty="0" smtClean="0"/>
+              <a:t>Nachteil: Größerer initialer Aufwand für die Umsetzung</a:t>
+            </a:r>
+          </a:p>
+          <a:p>
+            <a:r>
+              <a:rPr lang="de-DE" dirty="0" smtClean="0"/>
+              <a:t>Beispiel: EMF</a:t>
+            </a:r>
+            <a:endParaRPr lang="de-DE" dirty="0" smtClean="0"/>
           </a:p>
         </p:txBody>
       </p:sp>
@@ -2524,19 +2619,67 @@
             <p:ph type="title"/>
           </p:nvPr>
         </p:nvSpPr>
-        <p:spPr/>
+        <p:spPr>
+          <a:xfrm>
+            <a:off x="250825" y="195526"/>
+            <a:ext cx="8031163" cy="600164"/>
+          </a:xfrm>
+        </p:spPr>
         <p:txBody>
           <a:bodyPr/>
           <a:lstStyle/>
           <a:p>
             <a:r>
               <a:rPr lang="de-DE" dirty="0" smtClean="0"/>
-              <a:t>Indirekte Transformation mit fixem Schema</a:t>
-            </a:r>
-            <a:endParaRPr lang="bg-BG" dirty="0"/>
+              <a:t>Transformationen </a:t>
+            </a:r>
+            <a:r>
+              <a:rPr lang="de-DE" dirty="0" smtClean="0"/>
+              <a:t> (IDP 1) </a:t>
+            </a:r>
+            <a:r>
+              <a:rPr lang="de-DE" dirty="0" smtClean="0"/>
+              <a:t>– </a:t>
+            </a:r>
+            <a:r>
+              <a:rPr lang="de-DE" dirty="0" smtClean="0"/>
+              <a:t>Lösungsmöglichkeit 4</a:t>
+            </a:r>
+            <a:br>
+              <a:rPr lang="de-DE" dirty="0" smtClean="0"/>
+            </a:br>
+            <a:r>
+              <a:rPr lang="de-DE" sz="1400" dirty="0" smtClean="0"/>
+              <a:t>Indirekte </a:t>
+            </a:r>
+            <a:r>
+              <a:rPr lang="de-DE" sz="1400" dirty="0" smtClean="0"/>
+              <a:t>Transformation mit variablem Schema</a:t>
+            </a:r>
+            <a:endParaRPr lang="bg-BG" sz="1400" dirty="0"/>
           </a:p>
         </p:txBody>
       </p:sp>
+      <p:graphicFrame>
+        <p:nvGraphicFramePr>
+          <p:cNvPr id="23553" name="Object 1"/>
+          <p:cNvGraphicFramePr>
+            <a:graphicFrameLocks noChangeAspect="1"/>
+          </p:cNvGraphicFramePr>
+          <p:nvPr/>
+        </p:nvGraphicFramePr>
+        <p:xfrm>
+          <a:off x="500034" y="2857496"/>
+          <a:ext cx="8166314" cy="2500330"/>
+        </p:xfrm>
+        <a:graphic>
+          <a:graphicData uri="http://schemas.openxmlformats.org/presentationml/2006/ole">
+            <p:oleObj spid="_x0000_s23553" name="Visio" r:id="rId3" imgW="7248393" imgH="2219196" progId="Visio.Drawing.15">
+              <p:embed/>
+            </p:oleObj>
+          </a:graphicData>
+        </a:graphic>
+      </p:graphicFrame>
     </p:spTree>
   </p:cSld>
   <p:clrMapOvr>
@@ -2546,103 +2689,6 @@
 </file>
 
 <file path=ppt/slides/slide13.xml><?xml version="1.0" encoding="utf-8"?>
-<p:sld xmlns:a="http://schemas.openxmlformats.org/drawingml/2006/main" xmlns:r="http://schemas.openxmlformats.org/officeDocument/2006/relationships" xmlns:p="http://schemas.openxmlformats.org/presentationml/2006/main">
-  <p:cSld>
-    <p:spTree>
-      <p:nvGrpSpPr>
-        <p:cNvPr id="1" name=""/>
-        <p:cNvGrpSpPr/>
-        <p:nvPr/>
-      </p:nvGrpSpPr>
-      <p:grpSpPr>
-        <a:xfrm>
-          <a:off x="0" y="0"/>
-          <a:ext cx="0" cy="0"/>
-          <a:chOff x="0" y="0"/>
-          <a:chExt cx="0" cy="0"/>
-        </a:xfrm>
-      </p:grpSpPr>
-      <p:sp>
-        <p:nvSpPr>
-          <p:cNvPr id="2" name="Text Placeholder 1"/>
-          <p:cNvSpPr>
-            <a:spLocks noGrp="1"/>
-          </p:cNvSpPr>
-          <p:nvPr>
-            <p:ph type="body" sz="quarter" idx="10"/>
-          </p:nvPr>
-        </p:nvSpPr>
-        <p:spPr/>
-        <p:txBody>
-          <a:bodyPr/>
-          <a:lstStyle/>
-          <a:p>
-            <a:r>
-              <a:rPr lang="de-DE" dirty="0" smtClean="0"/>
-              <a:t>Transformation über Zwischenformat, definiert über ein flexibles Schema</a:t>
-            </a:r>
-          </a:p>
-          <a:p>
-            <a:r>
-              <a:rPr lang="de-DE" dirty="0" smtClean="0"/>
-              <a:t>Abstraktion vom konkreten und abstrakten Syntax</a:t>
-            </a:r>
-          </a:p>
-          <a:p>
-            <a:r>
-              <a:rPr lang="de-DE" dirty="0" smtClean="0"/>
-              <a:t>Ist an sich eine Sprache zur Beschreibung von:</a:t>
-            </a:r>
-          </a:p>
-          <a:p>
-            <a:pPr lvl="1"/>
-            <a:r>
-              <a:rPr lang="de-DE" dirty="0" smtClean="0"/>
-              <a:t>Schemata</a:t>
-            </a:r>
-          </a:p>
-          <a:p>
-            <a:pPr lvl="1"/>
-            <a:r>
-              <a:rPr lang="de-DE" dirty="0" smtClean="0"/>
-              <a:t>Transformationen</a:t>
-            </a:r>
-            <a:endParaRPr lang="bg-BG" dirty="0"/>
-          </a:p>
-        </p:txBody>
-      </p:sp>
-      <p:sp>
-        <p:nvSpPr>
-          <p:cNvPr id="3" name="Title 2"/>
-          <p:cNvSpPr>
-            <a:spLocks noGrp="1"/>
-          </p:cNvSpPr>
-          <p:nvPr>
-            <p:ph type="title"/>
-          </p:nvPr>
-        </p:nvSpPr>
-        <p:spPr/>
-        <p:txBody>
-          <a:bodyPr/>
-          <a:lstStyle/>
-          <a:p>
-            <a:r>
-              <a:rPr lang="de-DE" dirty="0" smtClean="0"/>
-              <a:t>Indirekte Transformation mit variablem Schema</a:t>
-            </a:r>
-            <a:endParaRPr lang="bg-BG" dirty="0"/>
-          </a:p>
-        </p:txBody>
-      </p:sp>
-    </p:spTree>
-  </p:cSld>
-  <p:clrMapOvr>
-    <a:masterClrMapping/>
-  </p:clrMapOvr>
-</p:sld>
-</file>
-
-<file path=ppt/slides/slide14.xml><?xml version="1.0" encoding="utf-8"?>
 <p:sld xmlns:a="http://schemas.openxmlformats.org/drawingml/2006/main" xmlns:r="http://schemas.openxmlformats.org/officeDocument/2006/relationships" xmlns:p="http://schemas.openxmlformats.org/presentationml/2006/main">
   <p:cSld>
     <p:spTree>
@@ -2709,14 +2755,31 @@
             <p:ph type="title"/>
           </p:nvPr>
         </p:nvSpPr>
-        <p:spPr/>
+        <p:spPr>
+          <a:xfrm>
+            <a:off x="250825" y="195526"/>
+            <a:ext cx="8031163" cy="384721"/>
+          </a:xfrm>
+        </p:spPr>
         <p:txBody>
           <a:bodyPr/>
           <a:lstStyle/>
           <a:p>
             <a:r>
               <a:rPr lang="de-DE" dirty="0" smtClean="0"/>
-              <a:t>Diskussion &amp; Entscheidung</a:t>
+              <a:t>Transformationen  (IDP 1) </a:t>
+            </a:r>
+            <a:r>
+              <a:rPr lang="de-DE" dirty="0" smtClean="0"/>
+              <a:t>–</a:t>
+            </a:r>
+            <a:r>
+              <a:rPr lang="de-DE" dirty="0" smtClean="0"/>
+              <a:t> Diskussion </a:t>
+            </a:r>
+            <a:r>
+              <a:rPr lang="de-DE" dirty="0" smtClean="0"/>
+              <a:t>&amp; Entscheidung</a:t>
             </a:r>
             <a:endParaRPr lang="de-DE" dirty="0"/>
           </a:p>
@@ -3102,6 +3165,97 @@
 </p:sld>
 </file>
 
+<file path=ppt/slides/slide14.xml><?xml version="1.0" encoding="utf-8"?>
+<p:sld xmlns:a="http://schemas.openxmlformats.org/drawingml/2006/main" xmlns:r="http://schemas.openxmlformats.org/officeDocument/2006/relationships" xmlns:p="http://schemas.openxmlformats.org/presentationml/2006/main">
+  <p:cSld>
+    <p:spTree>
+      <p:nvGrpSpPr>
+        <p:cNvPr id="1" name=""/>
+        <p:cNvGrpSpPr/>
+        <p:nvPr/>
+      </p:nvGrpSpPr>
+      <p:grpSpPr>
+        <a:xfrm>
+          <a:off x="0" y="0"/>
+          <a:ext cx="0" cy="0"/>
+          <a:chOff x="0" y="0"/>
+          <a:chExt cx="0" cy="0"/>
+        </a:xfrm>
+      </p:grpSpPr>
+      <p:sp>
+        <p:nvSpPr>
+          <p:cNvPr id="3" name="Titel 2"/>
+          <p:cNvSpPr>
+            <a:spLocks noGrp="1"/>
+          </p:cNvSpPr>
+          <p:nvPr>
+            <p:ph type="title"/>
+          </p:nvPr>
+        </p:nvSpPr>
+        <p:spPr>
+          <a:xfrm>
+            <a:off x="250825" y="195526"/>
+            <a:ext cx="8031163" cy="600164"/>
+          </a:xfrm>
+        </p:spPr>
+        <p:txBody>
+          <a:bodyPr/>
+          <a:lstStyle/>
+          <a:p>
+            <a:r>
+              <a:rPr lang="de-DE" dirty="0" smtClean="0"/>
+              <a:t>Transformationen  (IDP 1) – Implementierung</a:t>
+            </a:r>
+            <a:r>
+              <a:rPr lang="de-DE" dirty="0" smtClean="0"/>
+              <a:t/>
+            </a:r>
+            <a:br>
+              <a:rPr lang="de-DE" dirty="0" smtClean="0"/>
+            </a:br>
+            <a:r>
+              <a:rPr lang="de-DE" sz="1400" dirty="0" smtClean="0"/>
+              <a:t>Konzept</a:t>
+            </a:r>
+            <a:endParaRPr lang="de-DE" sz="1400" dirty="0"/>
+          </a:p>
+        </p:txBody>
+      </p:sp>
+      <p:graphicFrame>
+        <p:nvGraphicFramePr>
+          <p:cNvPr id="4" name="Object 3"/>
+          <p:cNvGraphicFramePr>
+            <a:graphicFrameLocks noChangeAspect="1"/>
+          </p:cNvGraphicFramePr>
+          <p:nvPr/>
+        </p:nvGraphicFramePr>
+        <p:xfrm>
+          <a:off x="1819275" y="1347788"/>
+          <a:ext cx="5505450" cy="4162425"/>
+        </p:xfrm>
+        <a:graphic>
+          <a:graphicData uri="http://schemas.openxmlformats.org/presentationml/2006/ole">
+            <p:oleObj spid="_x0000_s1028" name="Visio" r:id="rId3" imgW="5505444" imgH="4162412" progId="Visio.Drawing.15">
+              <p:embed/>
+            </p:oleObj>
+          </a:graphicData>
+        </a:graphic>
+      </p:graphicFrame>
+    </p:spTree>
+  </p:cSld>
+  <p:clrMapOvr>
+    <a:masterClrMapping/>
+  </p:clrMapOvr>
+  <p:timing>
+    <p:tnLst>
+      <p:par>
+        <p:cTn id="1" dur="indefinite" restart="never" nodeType="tmRoot"/>
+      </p:par>
+    </p:tnLst>
+  </p:timing>
+</p:sld>
+</file>
+
 <file path=ppt/slides/slide15.xml><?xml version="1.0" encoding="utf-8"?>
 <p:sld xmlns:a="http://schemas.openxmlformats.org/drawingml/2006/main" xmlns:r="http://schemas.openxmlformats.org/officeDocument/2006/relationships" xmlns:p="http://schemas.openxmlformats.org/presentationml/2006/main">
   <p:cSld>
@@ -3121,7 +3275,7 @@
       </p:grpSpPr>
       <p:sp>
         <p:nvSpPr>
-          <p:cNvPr id="2" name="Textplatzhalter 1"/>
+          <p:cNvPr id="2" name="Text Placeholder 1"/>
           <p:cNvSpPr>
             <a:spLocks noGrp="1"/>
           </p:cNvSpPr>
@@ -3134,13 +3288,37 @@
           <a:bodyPr/>
           <a:lstStyle/>
           <a:p>
-            <a:endParaRPr lang="de-DE"/>
+            <a:r>
+              <a:rPr lang="de-DE" dirty="0" smtClean="0"/>
+              <a:t>Metamodel und Model</a:t>
+            </a:r>
+          </a:p>
+          <a:p>
+            <a:r>
+              <a:rPr lang="de-DE" dirty="0" smtClean="0"/>
+              <a:t>Viewpoint is auch Metamodel</a:t>
+            </a:r>
+          </a:p>
+          <a:p>
+            <a:r>
+              <a:rPr lang="de-DE" dirty="0" smtClean="0"/>
+              <a:t>Model ist implizit eine View mit dem entspr. Viewpoint</a:t>
+            </a:r>
+          </a:p>
+          <a:p>
+            <a:pPr>
+              <a:buNone/>
+            </a:pPr>
+            <a:endParaRPr lang="de-DE" dirty="0" smtClean="0"/>
+          </a:p>
+          <a:p>
+            <a:endParaRPr lang="bg-BG" dirty="0"/>
           </a:p>
         </p:txBody>
       </p:sp>
       <p:sp>
         <p:nvSpPr>
-          <p:cNvPr id="3" name="Titel 2"/>
+          <p:cNvPr id="3" name="Title 2"/>
           <p:cNvSpPr>
             <a:spLocks noGrp="1"/>
           </p:cNvSpPr>
@@ -3148,34 +3326,54 @@
             <p:ph type="title"/>
           </p:nvPr>
         </p:nvSpPr>
-        <p:spPr/>
+        <p:spPr>
+          <a:xfrm>
+            <a:off x="250825" y="195526"/>
+            <a:ext cx="8031163" cy="600164"/>
+          </a:xfrm>
+        </p:spPr>
         <p:txBody>
           <a:bodyPr/>
           <a:lstStyle/>
           <a:p>
             <a:r>
               <a:rPr lang="de-DE" dirty="0" smtClean="0"/>
-              <a:t>Implementierung - Konzept</a:t>
-            </a:r>
-            <a:endParaRPr lang="de-DE" dirty="0"/>
+              <a:t>Transformationen  (IDP 1) – Implementierung</a:t>
+            </a:r>
+            <a:r>
+              <a:rPr lang="de-DE" dirty="0" smtClean="0"/>
+              <a:t/>
+            </a:r>
+            <a:br>
+              <a:rPr lang="de-DE" dirty="0" smtClean="0"/>
+            </a:br>
+            <a:r>
+              <a:rPr lang="de-DE" sz="1400" dirty="0" smtClean="0"/>
+              <a:t>Metamodel </a:t>
+            </a:r>
+            <a:r>
+              <a:rPr lang="de-DE" sz="1400" dirty="0" smtClean="0"/>
+              <a:t>und Model</a:t>
+            </a:r>
+            <a:endParaRPr lang="bg-BG" sz="1400" dirty="0"/>
           </a:p>
         </p:txBody>
       </p:sp>
       <p:graphicFrame>
         <p:nvGraphicFramePr>
-          <p:cNvPr id="4" name="Object 3"/>
+          <p:cNvPr id="2051" name="Object 3"/>
           <p:cNvGraphicFramePr>
             <a:graphicFrameLocks noChangeAspect="1"/>
           </p:cNvGraphicFramePr>
           <p:nvPr/>
         </p:nvGraphicFramePr>
         <p:xfrm>
-          <a:off x="1819275" y="1347788"/>
-          <a:ext cx="5505450" cy="4162425"/>
+          <a:off x="250824" y="2500306"/>
+          <a:ext cx="6334473" cy="2755907"/>
         </p:xfrm>
         <a:graphic>
           <a:graphicData uri="http://schemas.openxmlformats.org/presentationml/2006/ole">
-            <p:oleObj spid="_x0000_s1028" name="Visio" r:id="rId3" imgW="5505444" imgH="4162412" progId="Visio.Drawing.15">
+            <p:oleObj spid="_x0000_s2055" name="Visio" r:id="rId3" imgW="7334205" imgH="3190939" progId="Visio.Drawing.15">
               <p:embed/>
             </p:oleObj>
           </a:graphicData>
@@ -3215,50 +3413,7 @@
       </p:grpSpPr>
       <p:sp>
         <p:nvSpPr>
-          <p:cNvPr id="2" name="Text Placeholder 1"/>
-          <p:cNvSpPr>
-            <a:spLocks noGrp="1"/>
-          </p:cNvSpPr>
-          <p:nvPr>
-            <p:ph type="body" sz="quarter" idx="10"/>
-          </p:nvPr>
-        </p:nvSpPr>
-        <p:spPr/>
-        <p:txBody>
-          <a:bodyPr/>
-          <a:lstStyle/>
-          <a:p>
-            <a:r>
-              <a:rPr lang="de-DE" dirty="0" smtClean="0"/>
-              <a:t>Metamodel und Model</a:t>
-            </a:r>
-          </a:p>
-          <a:p>
-            <a:r>
-              <a:rPr lang="de-DE" dirty="0" smtClean="0"/>
-              <a:t>Viewpoint is auch Metamodel</a:t>
-            </a:r>
-          </a:p>
-          <a:p>
-            <a:r>
-              <a:rPr lang="de-DE" dirty="0" smtClean="0"/>
-              <a:t>Model ist implizit eine View mit dem entspr. Viewpoint</a:t>
-            </a:r>
-          </a:p>
-          <a:p>
-            <a:pPr>
-              <a:buNone/>
-            </a:pPr>
-            <a:endParaRPr lang="de-DE" dirty="0" smtClean="0"/>
-          </a:p>
-          <a:p>
-            <a:endParaRPr lang="bg-BG" dirty="0"/>
-          </a:p>
-        </p:txBody>
-      </p:sp>
-      <p:sp>
-        <p:nvSpPr>
-          <p:cNvPr id="3" name="Title 2"/>
+          <p:cNvPr id="3" name="Titel 2"/>
           <p:cNvSpPr>
             <a:spLocks noGrp="1"/>
           </p:cNvSpPr>
@@ -3266,54 +3421,50 @@
             <p:ph type="title"/>
           </p:nvPr>
         </p:nvSpPr>
-        <p:spPr/>
+        <p:spPr>
+          <a:xfrm>
+            <a:off x="250825" y="195526"/>
+            <a:ext cx="8031163" cy="600164"/>
+          </a:xfrm>
+        </p:spPr>
         <p:txBody>
           <a:bodyPr/>
           <a:lstStyle/>
           <a:p>
             <a:r>
               <a:rPr lang="de-DE" dirty="0" smtClean="0"/>
-              <a:t>Implementierung – Metamodel und Model</a:t>
-            </a:r>
-            <a:endParaRPr lang="bg-BG" dirty="0"/>
+              <a:t>Transformationen  (IDP 1) – Implementierung</a:t>
+            </a:r>
+            <a:r>
+              <a:rPr lang="de-DE" dirty="0" smtClean="0"/>
+              <a:t/>
+            </a:r>
+            <a:br>
+              <a:rPr lang="de-DE" dirty="0" smtClean="0"/>
+            </a:br>
+            <a:r>
+              <a:rPr lang="de-DE" sz="1400" dirty="0" smtClean="0"/>
+              <a:t>Konzept</a:t>
+            </a:r>
+            <a:endParaRPr lang="de-DE" sz="1400" dirty="0"/>
           </a:p>
         </p:txBody>
       </p:sp>
       <p:graphicFrame>
         <p:nvGraphicFramePr>
-          <p:cNvPr id="2050" name="Object 2"/>
+          <p:cNvPr id="4" name="Object 3"/>
           <p:cNvGraphicFramePr>
             <a:graphicFrameLocks noChangeAspect="1"/>
           </p:cNvGraphicFramePr>
           <p:nvPr/>
         </p:nvGraphicFramePr>
         <p:xfrm>
-          <a:off x="5580063" y="785794"/>
-          <a:ext cx="3398522" cy="2071702"/>
+          <a:off x="1819275" y="1347788"/>
+          <a:ext cx="5505450" cy="4162425"/>
         </p:xfrm>
         <a:graphic>
           <a:graphicData uri="http://schemas.openxmlformats.org/presentationml/2006/ole">
-            <p:oleObj spid="_x0000_s2054" name="Visio" r:id="rId3" imgW="4171854" imgH="2543291" progId="Visio.Drawing.15">
-              <p:embed/>
-            </p:oleObj>
-          </a:graphicData>
-        </a:graphic>
-      </p:graphicFrame>
-      <p:graphicFrame>
-        <p:nvGraphicFramePr>
-          <p:cNvPr id="2051" name="Object 3"/>
-          <p:cNvGraphicFramePr>
-            <a:graphicFrameLocks noChangeAspect="1"/>
-          </p:cNvGraphicFramePr>
-          <p:nvPr/>
-        </p:nvGraphicFramePr>
-        <p:xfrm>
-          <a:off x="250824" y="2500306"/>
-          <a:ext cx="6334473" cy="2755907"/>
-        </p:xfrm>
-        <a:graphic>
-          <a:graphicData uri="http://schemas.openxmlformats.org/presentationml/2006/ole">
-            <p:oleObj spid="_x0000_s2055" name="Visio" r:id="rId4" imgW="7334205" imgH="3190939" progId="Visio.Drawing.15">
+            <p:oleObj spid="_x0000_s27650" name="Visio" r:id="rId3" imgW="5505444" imgH="4162412" progId="Visio.Drawing.15">
               <p:embed/>
             </p:oleObj>
           </a:graphicData>
@@ -3450,16 +3601,32 @@
             <p:ph type="title"/>
           </p:nvPr>
         </p:nvSpPr>
-        <p:spPr/>
+        <p:spPr>
+          <a:xfrm>
+            <a:off x="250825" y="195526"/>
+            <a:ext cx="8031163" cy="600164"/>
+          </a:xfrm>
+        </p:spPr>
         <p:txBody>
           <a:bodyPr/>
           <a:lstStyle/>
           <a:p>
             <a:r>
               <a:rPr lang="de-DE" dirty="0" smtClean="0"/>
-              <a:t>Implementierung - Transformationen</a:t>
-            </a:r>
-            <a:endParaRPr lang="bg-BG" dirty="0"/>
+              <a:t>Transformationen  (IDP 1) – Implementierung</a:t>
+            </a:r>
+            <a:r>
+              <a:rPr lang="de-DE" dirty="0" smtClean="0"/>
+              <a:t/>
+            </a:r>
+            <a:br>
+              <a:rPr lang="de-DE" dirty="0" smtClean="0"/>
+            </a:br>
+            <a:r>
+              <a:rPr lang="de-DE" sz="1400" dirty="0" smtClean="0"/>
+              <a:t>Realisierung der (Modell)Transformationen</a:t>
+            </a:r>
+            <a:endParaRPr lang="bg-BG" sz="1400" dirty="0"/>
           </a:p>
         </p:txBody>
       </p:sp>
@@ -3505,16 +3672,32 @@
             <p:ph type="title"/>
           </p:nvPr>
         </p:nvSpPr>
-        <p:spPr/>
+        <p:spPr>
+          <a:xfrm>
+            <a:off x="250825" y="195526"/>
+            <a:ext cx="8031163" cy="600164"/>
+          </a:xfrm>
+        </p:spPr>
         <p:txBody>
           <a:bodyPr/>
           <a:lstStyle/>
           <a:p>
             <a:r>
               <a:rPr lang="de-DE" dirty="0" smtClean="0"/>
-              <a:t>Implementierung – Beispiel UFM</a:t>
-            </a:r>
-            <a:endParaRPr lang="bg-BG" dirty="0"/>
+              <a:t>Transformationen  (IDP 1) – Implementierung</a:t>
+            </a:r>
+            <a:r>
+              <a:rPr lang="de-DE" dirty="0" smtClean="0"/>
+              <a:t/>
+            </a:r>
+            <a:br>
+              <a:rPr lang="de-DE" dirty="0" smtClean="0"/>
+            </a:br>
+            <a:r>
+              <a:rPr lang="de-DE" sz="1400" dirty="0" smtClean="0"/>
+              <a:t>Beispiel Umsatzorientierte Funtkionsmodellierung (UFM)</a:t>
+            </a:r>
+            <a:endParaRPr lang="bg-BG" sz="1400" dirty="0"/>
           </a:p>
         </p:txBody>
       </p:sp>
@@ -3643,16 +3826,32 @@
             <p:ph type="title"/>
           </p:nvPr>
         </p:nvSpPr>
-        <p:spPr/>
+        <p:spPr>
+          <a:xfrm>
+            <a:off x="250825" y="195526"/>
+            <a:ext cx="8031163" cy="600164"/>
+          </a:xfrm>
+        </p:spPr>
         <p:txBody>
           <a:bodyPr/>
           <a:lstStyle/>
           <a:p>
             <a:r>
               <a:rPr lang="de-DE" dirty="0" smtClean="0"/>
-              <a:t>Implementierung – Beispiel UFM</a:t>
-            </a:r>
-            <a:endParaRPr lang="bg-BG" dirty="0"/>
+              <a:t>Transformationen  (IDP 1) – Implementierung</a:t>
+            </a:r>
+            <a:r>
+              <a:rPr lang="de-DE" dirty="0" smtClean="0"/>
+              <a:t/>
+            </a:r>
+            <a:br>
+              <a:rPr lang="de-DE" dirty="0" smtClean="0"/>
+            </a:br>
+            <a:r>
+              <a:rPr lang="de-DE" sz="1400" dirty="0" smtClean="0"/>
+              <a:t>Beispiel Umsatzorientierte Funktionsmodellierung (UFM)</a:t>
+            </a:r>
+            <a:endParaRPr lang="bg-BG" sz="1400" dirty="0"/>
           </a:p>
         </p:txBody>
       </p:sp>
@@ -3700,7 +3899,6 @@
               <a:rPr lang="en-US" sz="1400" u="sng" dirty="0" smtClean="0"/>
               <a:t>:State</a:t>
             </a:r>
-            <a:endParaRPr lang="en-US" sz="1400" u="sng" dirty="0" smtClean="0"/>
           </a:p>
         </p:txBody>
       </p:sp>
@@ -3748,7 +3946,6 @@
               <a:rPr lang="en-US" sz="1400" u="sng" dirty="0" smtClean="0"/>
               <a:t>:Function</a:t>
             </a:r>
-            <a:endParaRPr lang="en-US" sz="1400" u="sng" dirty="0" smtClean="0"/>
           </a:p>
         </p:txBody>
       </p:sp>
@@ -3870,7 +4067,6 @@
               <a:rPr lang="en-US" sz="1400" u="sng" dirty="0" smtClean="0"/>
               <a:t>:Block</a:t>
             </a:r>
-            <a:endParaRPr lang="en-US" sz="1400" u="sng" dirty="0" smtClean="0"/>
           </a:p>
         </p:txBody>
       </p:sp>
@@ -3918,7 +4114,6 @@
               <a:rPr lang="en-US" sz="1400" u="sng" dirty="0" smtClean="0"/>
               <a:t>:Block</a:t>
             </a:r>
-            <a:endParaRPr lang="en-US" sz="1400" u="sng" dirty="0" smtClean="0"/>
           </a:p>
         </p:txBody>
       </p:sp>
@@ -4750,14 +4945,27 @@
             <p:ph type="body" sz="quarter" idx="10"/>
           </p:nvPr>
         </p:nvSpPr>
-        <p:spPr/>
+        <p:spPr>
+          <a:xfrm>
+            <a:off x="250824" y="933450"/>
+            <a:ext cx="8321704" cy="4495813"/>
+          </a:xfrm>
+        </p:spPr>
         <p:txBody>
           <a:bodyPr/>
           <a:lstStyle/>
           <a:p>
             <a:r>
               <a:rPr lang="en-US" dirty="0" err="1" smtClean="0"/>
-              <a:t>Implikationen</a:t>
+              <a:t>Wissen</a:t>
+            </a:r>
+            <a:r>
+              <a:rPr lang="en-US" dirty="0" smtClean="0"/>
+              <a:t> in </a:t>
+            </a:r>
+            <a:r>
+              <a:rPr lang="en-US" dirty="0" err="1" smtClean="0"/>
+              <a:t>fachspezifischen</a:t>
             </a:r>
             <a:r>
               <a:rPr lang="en-US" dirty="0" smtClean="0"/>
@@ -4765,7 +4973,7 @@
             </a:r>
             <a:r>
               <a:rPr lang="en-US" dirty="0" err="1" smtClean="0"/>
-              <a:t>aus</a:t>
+              <a:t>Modellen</a:t>
             </a:r>
             <a:r>
               <a:rPr lang="en-US" dirty="0" smtClean="0"/>
@@ -4773,7 +4981,14 @@
             </a:r>
             <a:r>
               <a:rPr lang="en-US" dirty="0" err="1" smtClean="0"/>
-              <a:t>fachfremden</a:t>
+              <a:t>verteilt</a:t>
+            </a:r>
+            <a:endParaRPr lang="en-US" dirty="0" smtClean="0"/>
+          </a:p>
+          <a:p>
+            <a:r>
+              <a:rPr lang="en-US" dirty="0" err="1" smtClean="0"/>
+              <a:t>Kollaboration</a:t>
             </a:r>
             <a:r>
               <a:rPr lang="en-US" dirty="0" smtClean="0"/>
@@ -4781,7 +4996,14 @@
             </a:r>
             <a:r>
               <a:rPr lang="en-US" dirty="0" err="1" smtClean="0"/>
-              <a:t>Modellen</a:t>
+              <a:t>erforderlich</a:t>
+            </a:r>
+            <a:endParaRPr lang="en-US" dirty="0" smtClean="0"/>
+          </a:p>
+          <a:p>
+            <a:r>
+              <a:rPr lang="en-US" dirty="0" err="1" smtClean="0"/>
+              <a:t>Konsistentes</a:t>
             </a:r>
             <a:r>
               <a:rPr lang="en-US" dirty="0" smtClean="0"/>
@@ -4789,42 +5011,43 @@
             </a:r>
             <a:r>
               <a:rPr lang="en-US" dirty="0" err="1" smtClean="0"/>
-              <a:t>erkennen</a:t>
+              <a:t>Bild</a:t>
+            </a:r>
+            <a:r>
+              <a:rPr lang="en-US" dirty="0" smtClean="0"/>
+              <a:t> </a:t>
+            </a:r>
+            <a:r>
+              <a:rPr lang="en-US" dirty="0" err="1" smtClean="0"/>
+              <a:t>schwer</a:t>
             </a:r>
             <a:endParaRPr lang="en-US" dirty="0" smtClean="0"/>
           </a:p>
           <a:p>
+            <a:pPr>
+              <a:buNone/>
+            </a:pPr>
+            <a:r>
+              <a:rPr lang="en-US" dirty="0" smtClean="0"/>
+              <a:t> </a:t>
+            </a:r>
+            <a:r>
+              <a:rPr lang="en-US" dirty="0" smtClean="0"/>
+              <a:t>   </a:t>
+            </a:r>
             <a:r>
               <a:rPr lang="en-US" dirty="0" err="1" smtClean="0"/>
-              <a:t>Kollaboration</a:t>
+              <a:t>zu</a:t>
+            </a:r>
+            <a:r>
+              <a:rPr lang="en-US" dirty="0" smtClean="0"/>
+              <a:t> </a:t>
+            </a:r>
+            <a:r>
+              <a:rPr lang="en-US" dirty="0" err="1" smtClean="0"/>
+              <a:t>schaffen</a:t>
             </a:r>
             <a:endParaRPr lang="en-US" dirty="0" smtClean="0"/>
-          </a:p>
-          <a:p>
-            <a:r>
-              <a:rPr lang="en-US" dirty="0" err="1" smtClean="0"/>
-              <a:t>Konsistentes</a:t>
-            </a:r>
-            <a:r>
-              <a:rPr lang="en-US" dirty="0" smtClean="0"/>
-              <a:t>, </a:t>
-            </a:r>
-            <a:r>
-              <a:rPr lang="en-US" dirty="0" err="1" smtClean="0"/>
-              <a:t>gemeinsames</a:t>
-            </a:r>
-            <a:r>
-              <a:rPr lang="en-US" dirty="0" smtClean="0"/>
-              <a:t/>
-            </a:r>
-            <a:br>
-              <a:rPr lang="en-US" dirty="0" smtClean="0"/>
-            </a:br>
-            <a:r>
-              <a:rPr lang="en-US" dirty="0" err="1" smtClean="0"/>
-              <a:t>Bild</a:t>
-            </a:r>
-            <a:endParaRPr lang="en-US" dirty="0"/>
           </a:p>
         </p:txBody>
       </p:sp>
@@ -4853,19 +5076,19 @@
       </p:sp>
       <p:graphicFrame>
         <p:nvGraphicFramePr>
-          <p:cNvPr id="4" name="Objekt 3"/>
+          <p:cNvPr id="9219" name="Object 3"/>
           <p:cNvGraphicFramePr>
             <a:graphicFrameLocks noChangeAspect="1"/>
           </p:cNvGraphicFramePr>
           <p:nvPr/>
         </p:nvGraphicFramePr>
         <p:xfrm>
-          <a:off x="2267744" y="1484784"/>
-          <a:ext cx="6660232" cy="4592785"/>
+          <a:off x="1746037" y="1285860"/>
+          <a:ext cx="7064575" cy="4689480"/>
         </p:xfrm>
         <a:graphic>
           <a:graphicData uri="http://schemas.openxmlformats.org/presentationml/2006/ole">
-            <p:oleObj spid="_x0000_s9217" name="Visio" r:id="rId3" imgW="9448740" imgH="6505669" progId="Visio.Drawing.15">
+            <p:oleObj spid="_x0000_s9219" name="Visio" r:id="rId3" imgW="10363251" imgH="6886536" progId="Visio.Drawing.15">
               <p:embed/>
             </p:oleObj>
           </a:graphicData>
@@ -4996,16 +5219,36 @@
             <p:ph type="title"/>
           </p:nvPr>
         </p:nvSpPr>
-        <p:spPr/>
+        <p:spPr>
+          <a:xfrm>
+            <a:off x="250825" y="195526"/>
+            <a:ext cx="8031163" cy="600164"/>
+          </a:xfrm>
+        </p:spPr>
         <p:txBody>
           <a:bodyPr/>
           <a:lstStyle/>
           <a:p>
             <a:r>
               <a:rPr lang="de-DE" dirty="0" smtClean="0"/>
-              <a:t>Implementierung – Technische Aspekte</a:t>
-            </a:r>
-            <a:endParaRPr lang="bg-BG" dirty="0"/>
+              <a:t>Transformationen  (IDP 1) – Implementierung</a:t>
+            </a:r>
+            <a:r>
+              <a:rPr lang="de-DE" dirty="0" smtClean="0"/>
+              <a:t/>
+            </a:r>
+            <a:br>
+              <a:rPr lang="de-DE" dirty="0" smtClean="0"/>
+            </a:br>
+            <a:r>
+              <a:rPr lang="de-DE" sz="1400" dirty="0" smtClean="0"/>
+              <a:t>Technische </a:t>
+            </a:r>
+            <a:r>
+              <a:rPr lang="de-DE" sz="1400" dirty="0" smtClean="0"/>
+              <a:t>Aspekte</a:t>
+            </a:r>
+            <a:endParaRPr lang="bg-BG" sz="1400" dirty="0"/>
           </a:p>
         </p:txBody>
       </p:sp>
@@ -5043,67 +5286,6 @@
       </p:grpSpPr>
       <p:sp>
         <p:nvSpPr>
-          <p:cNvPr id="2" name="Textplatzhalter 1"/>
-          <p:cNvSpPr>
-            <a:spLocks noGrp="1"/>
-          </p:cNvSpPr>
-          <p:nvPr>
-            <p:ph type="body" sz="quarter" idx="10"/>
-          </p:nvPr>
-        </p:nvSpPr>
-        <p:spPr/>
-        <p:txBody>
-          <a:bodyPr/>
-          <a:lstStyle/>
-          <a:p>
-            <a:r>
-              <a:rPr lang="de-DE" dirty="0" smtClean="0"/>
-              <a:t>Motivation</a:t>
-            </a:r>
-          </a:p>
-          <a:p>
-            <a:r>
-              <a:rPr lang="de-DE" dirty="0" smtClean="0"/>
-              <a:t>Forschungsrichtungen</a:t>
-            </a:r>
-          </a:p>
-          <a:p>
-            <a:r>
-              <a:rPr lang="de-DE" dirty="0" smtClean="0"/>
-              <a:t>Transformationen</a:t>
-            </a:r>
-          </a:p>
-          <a:p>
-            <a:r>
-              <a:rPr lang="de-DE" b="1" dirty="0" smtClean="0"/>
-              <a:t>Visualisierung</a:t>
-            </a:r>
-          </a:p>
-          <a:p>
-            <a:r>
-              <a:rPr lang="de-DE" dirty="0" smtClean="0"/>
-              <a:t>Ergebnisse</a:t>
-            </a:r>
-          </a:p>
-          <a:p>
-            <a:r>
-              <a:rPr lang="de-DE" dirty="0" smtClean="0"/>
-              <a:t>DEMO</a:t>
-            </a:r>
-          </a:p>
-          <a:p>
-            <a:r>
-              <a:rPr lang="de-DE" dirty="0" smtClean="0"/>
-              <a:t>Ausblick</a:t>
-            </a:r>
-          </a:p>
-          <a:p>
-            <a:endParaRPr lang="de-DE" dirty="0"/>
-          </a:p>
-        </p:txBody>
-      </p:sp>
-      <p:sp>
-        <p:nvSpPr>
           <p:cNvPr id="3" name="Titel 2"/>
           <p:cNvSpPr>
             <a:spLocks noGrp="1"/>
@@ -5122,6 +5304,369 @@
               <a:t>Agenda</a:t>
             </a:r>
             <a:endParaRPr lang="de-DE" dirty="0"/>
+          </a:p>
+        </p:txBody>
+      </p:sp>
+      <p:sp>
+        <p:nvSpPr>
+          <p:cNvPr id="5" name="Textplatzhalter 1"/>
+          <p:cNvSpPr txBox="1">
+            <a:spLocks/>
+          </p:cNvSpPr>
+          <p:nvPr/>
+        </p:nvSpPr>
+        <p:spPr>
+          <a:xfrm>
+            <a:off x="403224" y="1085850"/>
+            <a:ext cx="5329239" cy="4495813"/>
+          </a:xfrm>
+          <a:prstGeom prst="rect">
+            <a:avLst/>
+          </a:prstGeom>
+        </p:spPr>
+        <p:txBody>
+          <a:bodyPr/>
+          <a:lstStyle/>
+          <a:p>
+            <a:pPr marL="266700" marR="0" lvl="0" indent="-266700" algn="l" defTabSz="914400" rtl="0" eaLnBrk="1" fontAlgn="base" latinLnBrk="0" hangingPunct="1">
+              <a:lnSpc>
+                <a:spcPct val="150000"/>
+              </a:lnSpc>
+              <a:spcBef>
+                <a:spcPct val="20000"/>
+              </a:spcBef>
+              <a:spcAft>
+                <a:spcPct val="0"/>
+              </a:spcAft>
+              <a:buClr>
+                <a:srgbClr val="0065BD"/>
+              </a:buClr>
+              <a:buSzTx/>
+              <a:buFont typeface="Arial" charset="0"/>
+              <a:buChar char="●"/>
+              <a:tabLst/>
+              <a:defRPr/>
+            </a:pPr>
+            <a:r>
+              <a:rPr kumimoji="0" lang="de-DE" sz="2000" b="0" i="0" u="none" strike="noStrike" kern="0" cap="none" spc="0" normalizeH="0" baseline="0" noProof="0" dirty="0" smtClean="0">
+                <a:ln>
+                  <a:noFill/>
+                </a:ln>
+                <a:solidFill>
+                  <a:schemeClr val="tx1"/>
+                </a:solidFill>
+                <a:effectLst/>
+                <a:uLnTx/>
+                <a:uFillTx/>
+                <a:latin typeface="Arial" charset="0"/>
+                <a:ea typeface="+mn-ea"/>
+                <a:cs typeface="+mn-cs"/>
+              </a:rPr>
+              <a:t>Motivation</a:t>
+            </a:r>
+          </a:p>
+          <a:p>
+            <a:pPr marL="266700" marR="0" lvl="0" indent="-266700" algn="l" defTabSz="914400" rtl="0" eaLnBrk="1" fontAlgn="base" latinLnBrk="0" hangingPunct="1">
+              <a:lnSpc>
+                <a:spcPct val="150000"/>
+              </a:lnSpc>
+              <a:spcBef>
+                <a:spcPct val="20000"/>
+              </a:spcBef>
+              <a:spcAft>
+                <a:spcPct val="0"/>
+              </a:spcAft>
+              <a:buClr>
+                <a:srgbClr val="0065BD"/>
+              </a:buClr>
+              <a:buSzTx/>
+              <a:buFont typeface="Arial" charset="0"/>
+              <a:buChar char="●"/>
+              <a:tabLst/>
+              <a:defRPr/>
+            </a:pPr>
+            <a:r>
+              <a:rPr kumimoji="0" lang="de-DE" sz="2000" i="0" u="none" strike="noStrike" kern="0" cap="none" spc="0" normalizeH="0" baseline="0" noProof="0" dirty="0" smtClean="0">
+                <a:ln>
+                  <a:noFill/>
+                </a:ln>
+                <a:solidFill>
+                  <a:schemeClr val="tx1"/>
+                </a:solidFill>
+                <a:effectLst/>
+                <a:uLnTx/>
+                <a:uFillTx/>
+                <a:latin typeface="Arial" charset="0"/>
+                <a:ea typeface="+mn-ea"/>
+                <a:cs typeface="+mn-cs"/>
+              </a:rPr>
+              <a:t>Forschungsrichtungen</a:t>
+            </a:r>
+            <a:endParaRPr kumimoji="0" lang="de-DE" sz="2000" b="1" i="0" u="none" strike="noStrike" kern="0" cap="none" spc="0" normalizeH="0" baseline="0" noProof="0" dirty="0" smtClean="0">
+              <a:ln>
+                <a:noFill/>
+              </a:ln>
+              <a:solidFill>
+                <a:schemeClr val="tx1"/>
+              </a:solidFill>
+              <a:effectLst/>
+              <a:uLnTx/>
+              <a:uFillTx/>
+              <a:latin typeface="Arial" charset="0"/>
+              <a:ea typeface="+mn-ea"/>
+              <a:cs typeface="+mn-cs"/>
+            </a:endParaRPr>
+          </a:p>
+          <a:p>
+            <a:pPr marL="266700" marR="0" lvl="0" indent="-266700" algn="l" defTabSz="914400" rtl="0" eaLnBrk="1" fontAlgn="base" latinLnBrk="0" hangingPunct="1">
+              <a:lnSpc>
+                <a:spcPct val="150000"/>
+              </a:lnSpc>
+              <a:spcBef>
+                <a:spcPct val="20000"/>
+              </a:spcBef>
+              <a:spcAft>
+                <a:spcPct val="0"/>
+              </a:spcAft>
+              <a:buClr>
+                <a:srgbClr val="0065BD"/>
+              </a:buClr>
+              <a:buSzTx/>
+              <a:buFont typeface="Arial" charset="0"/>
+              <a:buChar char="●"/>
+              <a:tabLst/>
+              <a:defRPr/>
+            </a:pPr>
+            <a:r>
+              <a:rPr kumimoji="0" lang="de-DE" sz="2000" i="0" u="none" strike="noStrike" kern="0" cap="none" spc="0" normalizeH="0" baseline="0" noProof="0" dirty="0" smtClean="0">
+                <a:ln>
+                  <a:noFill/>
+                </a:ln>
+                <a:solidFill>
+                  <a:schemeClr val="tx1"/>
+                </a:solidFill>
+                <a:effectLst/>
+                <a:uLnTx/>
+                <a:uFillTx/>
+                <a:latin typeface="Arial" charset="0"/>
+                <a:ea typeface="+mn-ea"/>
+                <a:cs typeface="+mn-cs"/>
+              </a:rPr>
+              <a:t>Transformationen (IDP 1)</a:t>
+            </a:r>
+            <a:endParaRPr lang="de-DE" kern="0" noProof="0" dirty="0" smtClean="0">
+              <a:solidFill>
+                <a:schemeClr val="tx1"/>
+              </a:solidFill>
+            </a:endParaRPr>
+          </a:p>
+          <a:p>
+            <a:pPr marL="266700" marR="0" lvl="0" indent="-266700" algn="l" defTabSz="914400" rtl="0" eaLnBrk="1" fontAlgn="base" latinLnBrk="0" hangingPunct="1">
+              <a:lnSpc>
+                <a:spcPct val="150000"/>
+              </a:lnSpc>
+              <a:spcBef>
+                <a:spcPct val="20000"/>
+              </a:spcBef>
+              <a:spcAft>
+                <a:spcPct val="0"/>
+              </a:spcAft>
+              <a:buClr>
+                <a:srgbClr val="0065BD"/>
+              </a:buClr>
+              <a:buSzTx/>
+              <a:buFont typeface="Arial" charset="0"/>
+              <a:buChar char="●"/>
+              <a:tabLst/>
+              <a:defRPr/>
+            </a:pPr>
+            <a:r>
+              <a:rPr kumimoji="0" lang="de-DE" sz="2000" b="1" i="0" u="none" strike="noStrike" kern="0" cap="none" spc="0" normalizeH="0" baseline="0" noProof="0" dirty="0" smtClean="0">
+                <a:ln>
+                  <a:noFill/>
+                </a:ln>
+                <a:solidFill>
+                  <a:schemeClr val="tx1"/>
+                </a:solidFill>
+                <a:effectLst/>
+                <a:uLnTx/>
+                <a:uFillTx/>
+                <a:latin typeface="Arial" charset="0"/>
+                <a:ea typeface="+mn-ea"/>
+                <a:cs typeface="+mn-cs"/>
+              </a:rPr>
+              <a:t>Visualisierung (IDP 2)</a:t>
+            </a:r>
+          </a:p>
+          <a:p>
+            <a:pPr marL="723900" lvl="1" indent="-266700">
+              <a:spcBef>
+                <a:spcPct val="20000"/>
+              </a:spcBef>
+              <a:buClr>
+                <a:srgbClr val="0065BD"/>
+              </a:buClr>
+              <a:buFont typeface="Arial" charset="0"/>
+              <a:buChar char="●"/>
+            </a:pPr>
+            <a:r>
+              <a:rPr lang="de-DE" sz="1800" dirty="0" smtClean="0"/>
+              <a:t>Ziele</a:t>
+            </a:r>
+          </a:p>
+          <a:p>
+            <a:pPr marL="723900" lvl="1" indent="-266700">
+              <a:spcBef>
+                <a:spcPct val="20000"/>
+              </a:spcBef>
+              <a:buClr>
+                <a:srgbClr val="0065BD"/>
+              </a:buClr>
+              <a:buFont typeface="Arial" charset="0"/>
+              <a:buChar char="●"/>
+            </a:pPr>
+            <a:r>
+              <a:rPr lang="de-DE" sz="1800" dirty="0" smtClean="0"/>
+              <a:t>Realisierung der Ziele</a:t>
+            </a:r>
+            <a:endParaRPr lang="de-DE" sz="1800" dirty="0" smtClean="0"/>
+          </a:p>
+          <a:p>
+            <a:pPr marL="723900" lvl="1" indent="-266700">
+              <a:spcBef>
+                <a:spcPct val="20000"/>
+              </a:spcBef>
+              <a:buClr>
+                <a:srgbClr val="0065BD"/>
+              </a:buClr>
+              <a:buFont typeface="Arial" charset="0"/>
+              <a:buChar char="●"/>
+            </a:pPr>
+            <a:r>
+              <a:rPr lang="de-DE" sz="1800" dirty="0" smtClean="0"/>
+              <a:t>Technische Grundlagen</a:t>
+            </a:r>
+            <a:endParaRPr lang="de-DE" sz="1800" dirty="0" smtClean="0"/>
+          </a:p>
+          <a:p>
+            <a:pPr marL="723900" lvl="1" indent="-266700">
+              <a:spcBef>
+                <a:spcPct val="20000"/>
+              </a:spcBef>
+              <a:buClr>
+                <a:srgbClr val="0065BD"/>
+              </a:buClr>
+              <a:buFont typeface="Arial" charset="0"/>
+              <a:buChar char="●"/>
+            </a:pPr>
+            <a:r>
+              <a:rPr lang="de-DE" sz="1800" dirty="0" smtClean="0"/>
+              <a:t>Implementierung</a:t>
+            </a:r>
+            <a:endParaRPr kumimoji="0" lang="de-DE" sz="2000" b="0" i="0" u="none" strike="noStrike" kern="0" cap="none" spc="0" normalizeH="0" baseline="0" noProof="0" dirty="0" smtClean="0">
+              <a:ln>
+                <a:noFill/>
+              </a:ln>
+              <a:solidFill>
+                <a:schemeClr val="tx1"/>
+              </a:solidFill>
+              <a:effectLst/>
+              <a:uLnTx/>
+              <a:uFillTx/>
+              <a:latin typeface="Arial" charset="0"/>
+              <a:ea typeface="+mn-ea"/>
+              <a:cs typeface="+mn-cs"/>
+            </a:endParaRPr>
+          </a:p>
+          <a:p>
+            <a:pPr marL="266700" marR="0" lvl="0" indent="-266700" algn="l" defTabSz="914400" rtl="0" eaLnBrk="1" fontAlgn="base" latinLnBrk="0" hangingPunct="1">
+              <a:lnSpc>
+                <a:spcPct val="150000"/>
+              </a:lnSpc>
+              <a:spcBef>
+                <a:spcPct val="20000"/>
+              </a:spcBef>
+              <a:spcAft>
+                <a:spcPct val="0"/>
+              </a:spcAft>
+              <a:buClr>
+                <a:srgbClr val="0065BD"/>
+              </a:buClr>
+              <a:buSzTx/>
+              <a:buFont typeface="Arial" charset="0"/>
+              <a:buChar char="●"/>
+              <a:tabLst/>
+              <a:defRPr/>
+            </a:pPr>
+            <a:r>
+              <a:rPr kumimoji="0" lang="de-DE" sz="2000" b="0" i="0" u="none" strike="noStrike" kern="0" cap="none" spc="0" normalizeH="0" baseline="0" noProof="0" dirty="0" smtClean="0">
+                <a:ln>
+                  <a:noFill/>
+                </a:ln>
+                <a:solidFill>
+                  <a:schemeClr val="tx1"/>
+                </a:solidFill>
+                <a:effectLst/>
+                <a:uLnTx/>
+                <a:uFillTx/>
+                <a:latin typeface="Arial" charset="0"/>
+                <a:ea typeface="+mn-ea"/>
+                <a:cs typeface="+mn-cs"/>
+              </a:rPr>
+              <a:t>Ergebnisse</a:t>
+            </a:r>
+          </a:p>
+          <a:p>
+            <a:pPr marL="266700" marR="0" lvl="0" indent="-266700" algn="l" defTabSz="914400" rtl="0" eaLnBrk="1" fontAlgn="base" latinLnBrk="0" hangingPunct="1">
+              <a:lnSpc>
+                <a:spcPct val="150000"/>
+              </a:lnSpc>
+              <a:spcBef>
+                <a:spcPct val="20000"/>
+              </a:spcBef>
+              <a:spcAft>
+                <a:spcPct val="0"/>
+              </a:spcAft>
+              <a:buClr>
+                <a:srgbClr val="0065BD"/>
+              </a:buClr>
+              <a:buSzTx/>
+              <a:buFont typeface="Arial" charset="0"/>
+              <a:buChar char="●"/>
+              <a:tabLst/>
+              <a:defRPr/>
+            </a:pPr>
+            <a:r>
+              <a:rPr kumimoji="0" lang="de-DE" sz="2000" b="0" i="0" u="none" strike="noStrike" kern="0" cap="none" spc="0" normalizeH="0" baseline="0" noProof="0" dirty="0" smtClean="0">
+                <a:ln>
+                  <a:noFill/>
+                </a:ln>
+                <a:solidFill>
+                  <a:schemeClr val="tx1"/>
+                </a:solidFill>
+                <a:effectLst/>
+                <a:uLnTx/>
+                <a:uFillTx/>
+                <a:latin typeface="Arial" charset="0"/>
+                <a:ea typeface="+mn-ea"/>
+                <a:cs typeface="+mn-cs"/>
+              </a:rPr>
+              <a:t>Ausblick</a:t>
+            </a:r>
+            <a:endParaRPr kumimoji="0" lang="de-DE" sz="2000" b="0" i="0" u="none" strike="noStrike" kern="0" cap="none" spc="0" normalizeH="0" baseline="0" noProof="0" dirty="0">
+              <a:ln>
+                <a:noFill/>
+              </a:ln>
+              <a:solidFill>
+                <a:schemeClr val="tx1"/>
+              </a:solidFill>
+              <a:effectLst/>
+              <a:uLnTx/>
+              <a:uFillTx/>
+              <a:latin typeface="Arial" charset="0"/>
+              <a:ea typeface="+mn-ea"/>
+              <a:cs typeface="+mn-cs"/>
+            </a:endParaRPr>
           </a:p>
         </p:txBody>
       </p:sp>
@@ -5268,7 +5813,7 @@
           <a:p>
             <a:r>
               <a:rPr lang="de-DE" dirty="0" smtClean="0"/>
-              <a:t>Visualisierung</a:t>
+              <a:t>Visualisierung – TODO edit</a:t>
             </a:r>
             <a:endParaRPr lang="de-DE" dirty="0"/>
           </a:p>
@@ -5371,7 +5916,11 @@
           <a:p>
             <a:r>
               <a:rPr lang="de-DE" dirty="0" smtClean="0"/>
-              <a:t>Ziele</a:t>
+              <a:t>Visualisierung (IDP 2) </a:t>
+            </a:r>
+            <a:r>
+              <a:rPr lang="de-DE" dirty="0" smtClean="0"/>
+              <a:t>– Ziele</a:t>
             </a:r>
             <a:endParaRPr lang="de-DE" dirty="0"/>
           </a:p>
@@ -5563,7 +6112,11 @@
           <a:p>
             <a:r>
               <a:rPr lang="de-DE" dirty="0" smtClean="0"/>
-              <a:t>Realisierung der Ziele</a:t>
+              <a:t>Visualisierung (IDP 2) – Realisierung </a:t>
+            </a:r>
+            <a:r>
+              <a:rPr lang="de-DE" dirty="0" smtClean="0"/>
+              <a:t>der Ziele</a:t>
             </a:r>
             <a:endParaRPr lang="de-DE" dirty="0"/>
           </a:p>
@@ -5702,7 +6255,11 @@
           <a:p>
             <a:r>
               <a:rPr lang="de-DE" dirty="0" smtClean="0"/>
-              <a:t>Technische Grundlagen</a:t>
+              <a:t>Visualisierung (IDP 2) – Technische </a:t>
+            </a:r>
+            <a:r>
+              <a:rPr lang="de-DE" dirty="0" smtClean="0"/>
+              <a:t>Grundlagen</a:t>
             </a:r>
             <a:endParaRPr lang="de-DE" dirty="0"/>
           </a:p>
@@ -5762,24 +6319,20 @@
           <a:p>
             <a:r>
               <a:rPr lang="de-DE" dirty="0" smtClean="0"/>
-              <a:t>Implementierung</a:t>
+              <a:t>Visualisierung (IDP 2) – Implementierung</a:t>
+            </a:r>
+            <a:r>
+              <a:rPr lang="de-DE" dirty="0" smtClean="0"/>
+              <a:t/>
             </a:r>
             <a:br>
               <a:rPr lang="de-DE" dirty="0" smtClean="0"/>
             </a:br>
             <a:r>
-              <a:rPr lang="de-DE" sz="1400" b="0" dirty="0" smtClean="0"/>
-              <a:t>Aufbau des </a:t>
-            </a:r>
-            <a:r>
-              <a:rPr lang="de-DE" sz="1400" b="0" dirty="0" err="1" smtClean="0"/>
-              <a:t>Viz</a:t>
-            </a:r>
-            <a:r>
-              <a:rPr lang="de-DE" sz="1400" b="0" dirty="0" smtClean="0"/>
-              <a:t>-Modells</a:t>
-            </a:r>
-            <a:endParaRPr lang="de-DE" sz="1400" b="0" dirty="0"/>
+              <a:rPr lang="de-DE" sz="1400" dirty="0" smtClean="0"/>
+              <a:t>Aufbau des Viz-Modells</a:t>
+            </a:r>
+            <a:endParaRPr lang="de-DE" sz="1400" dirty="0"/>
           </a:p>
         </p:txBody>
       </p:sp>
@@ -5860,14 +6413,18 @@
           <a:lstStyle/>
           <a:p>
             <a:r>
+              <a:rPr lang="de-DE" dirty="0" smtClean="0"/>
+              <a:t>Visualisierung (IDP 2) – Implementierung</a:t>
+            </a:r>
+            <a:r>
               <a:rPr lang="de-DE" dirty="0"/>
-              <a:t>Implementierung</a:t>
+              <a:t/>
             </a:r>
             <a:br>
               <a:rPr lang="de-DE" dirty="0"/>
             </a:br>
             <a:r>
-              <a:rPr lang="de-DE" sz="1400" b="0" dirty="0" smtClean="0"/>
+              <a:rPr lang="de-DE" sz="1400" dirty="0" smtClean="0"/>
               <a:t>Einlesen von Daten</a:t>
             </a:r>
             <a:endParaRPr lang="de-DE" sz="1400" dirty="0"/>
@@ -5901,7 +6458,7 @@
     </p:spTree>
     <p:extLst>
       <p:ext uri="{BB962C8B-B14F-4D97-AF65-F5344CB8AC3E}">
-        <p14:creationId xmlns:p14="http://schemas.microsoft.com/office/powerpoint/2010/main" xmlns="" val="427906190"/>
+        <p14:creationId xmlns="" xmlns:p14="http://schemas.microsoft.com/office/powerpoint/2010/main" val="427906190"/>
       </p:ext>
     </p:extLst>
   </p:cSld>
@@ -5956,8 +6513,8 @@
           <a:lstStyle/>
           <a:p>
             <a:r>
-              <a:rPr lang="de-DE" dirty="0" err="1" smtClean="0"/>
-              <a:t>GraphView</a:t>
+              <a:rPr lang="de-DE" dirty="0" smtClean="0"/>
+              <a:t>Visualisierung (IDP 2) – GraphView</a:t>
             </a:r>
             <a:r>
               <a:rPr lang="de-DE" b="0" dirty="0" smtClean="0"/>
@@ -5967,7 +6524,7 @@
               <a:rPr lang="de-DE" b="0" dirty="0" smtClean="0"/>
             </a:br>
             <a:r>
-              <a:rPr lang="de-DE" sz="1400" b="0" dirty="0" smtClean="0"/>
+              <a:rPr lang="de-DE" sz="1400" dirty="0" smtClean="0"/>
               <a:t>Visualisierung </a:t>
             </a:r>
             <a:endParaRPr lang="de-DE" sz="1400" dirty="0"/>
@@ -6001,7 +6558,7 @@
     </p:spTree>
     <p:extLst>
       <p:ext uri="{BB962C8B-B14F-4D97-AF65-F5344CB8AC3E}">
-        <p14:creationId xmlns:p14="http://schemas.microsoft.com/office/powerpoint/2010/main" xmlns="" val="3871759119"/>
+        <p14:creationId xmlns="" xmlns:p14="http://schemas.microsoft.com/office/powerpoint/2010/main" val="3871759119"/>
       </p:ext>
     </p:extLst>
   </p:cSld>
@@ -6056,8 +6613,8 @@
           <a:lstStyle/>
           <a:p>
             <a:r>
-              <a:rPr lang="de-DE" dirty="0" err="1" smtClean="0"/>
-              <a:t>GraphView</a:t>
+              <a:rPr lang="de-DE" dirty="0" smtClean="0"/>
+              <a:t>Visualisierung (IDP 2) – GraphView</a:t>
             </a:r>
             <a:r>
               <a:rPr lang="de-DE" b="0" dirty="0" smtClean="0"/>
@@ -6067,7 +6624,7 @@
               <a:rPr lang="de-DE" b="0" dirty="0" smtClean="0"/>
             </a:br>
             <a:r>
-              <a:rPr lang="de-DE" sz="1400" b="0" dirty="0" smtClean="0"/>
+              <a:rPr lang="de-DE" sz="1400" dirty="0" smtClean="0"/>
               <a:t>Modifikationen</a:t>
             </a:r>
             <a:endParaRPr lang="de-DE" dirty="0"/>
@@ -6562,7 +7119,7 @@
     </p:spTree>
     <p:extLst>
       <p:ext uri="{BB962C8B-B14F-4D97-AF65-F5344CB8AC3E}">
-        <p14:creationId xmlns:p14="http://schemas.microsoft.com/office/powerpoint/2010/main" xmlns="" val="492424617"/>
+        <p14:creationId xmlns="" xmlns:p14="http://schemas.microsoft.com/office/powerpoint/2010/main" val="492424617"/>
       </p:ext>
     </p:extLst>
   </p:cSld>
@@ -6617,11 +7174,7 @@
             </a:r>
             <a:r>
               <a:rPr lang="en-US" dirty="0" smtClean="0"/>
-              <a:t>Concept </a:t>
-            </a:r>
-            <a:r>
-              <a:rPr lang="en-US" dirty="0" smtClean="0"/>
-              <a:t>for an Integration-framework to enable the </a:t>
+              <a:t>Concept for an Integration-framework to enable the </a:t>
             </a:r>
             <a:r>
               <a:rPr lang="en-US" dirty="0" err="1" smtClean="0"/>
@@ -6629,21 +7182,12 @@
             </a:r>
             <a:r>
               <a:rPr lang="en-US" dirty="0" smtClean="0"/>
-              <a:t> </a:t>
+              <a:t>  development of product-service-systems</a:t>
             </a:r>
             <a:r>
               <a:rPr lang="en-US" dirty="0" smtClean="0"/>
-              <a:t> development </a:t>
-            </a:r>
-            <a:r>
-              <a:rPr lang="en-US" dirty="0" smtClean="0"/>
-              <a:t>of </a:t>
-            </a:r>
-            <a:r>
-              <a:rPr lang="en-US" dirty="0" smtClean="0"/>
-              <a:t>product-service-systems”</a:t>
-            </a:r>
-            <a:endParaRPr lang="de-DE" dirty="0" smtClean="0"/>
+              <a:t>”</a:t>
+            </a:r>
           </a:p>
         </p:txBody>
       </p:sp>
@@ -6663,8 +7207,8 @@
           <a:lstStyle/>
           <a:p>
             <a:r>
-              <a:rPr lang="de-DE" smtClean="0"/>
-              <a:t>Grundlage</a:t>
+              <a:rPr lang="de-DE" dirty="0" smtClean="0"/>
+              <a:t>Grundlage – Das PSS-Integrationsframework (PSS-IF)</a:t>
             </a:r>
             <a:endParaRPr lang="bg-BG" dirty="0"/>
           </a:p>
@@ -6707,6 +7251,13 @@
   <p:clrMapOvr>
     <a:masterClrMapping/>
   </p:clrMapOvr>
+  <p:timing>
+    <p:tnLst>
+      <p:par>
+        <p:cTn id="1" dur="indefinite" restart="never" nodeType="tmRoot"/>
+      </p:par>
+    </p:tnLst>
+  </p:timing>
 </p:sld>
 </file>
 
@@ -6748,8 +7299,8 @@
           <a:lstStyle/>
           <a:p>
             <a:r>
-              <a:rPr lang="de-DE" dirty="0" err="1" smtClean="0"/>
-              <a:t>GraphView</a:t>
+              <a:rPr lang="de-DE" dirty="0" smtClean="0"/>
+              <a:t>Visualisierung (IDP 2) – GraphView</a:t>
             </a:r>
             <a:r>
               <a:rPr lang="de-DE" b="0" dirty="0" smtClean="0"/>
@@ -6759,7 +7310,7 @@
               <a:rPr lang="de-DE" b="0" dirty="0" smtClean="0"/>
             </a:br>
             <a:r>
-              <a:rPr lang="de-DE" sz="1400" b="0" dirty="0" smtClean="0"/>
+              <a:rPr lang="de-DE" sz="1400" dirty="0" smtClean="0"/>
               <a:t>Analysen</a:t>
             </a:r>
             <a:endParaRPr lang="de-DE" dirty="0"/>
@@ -6835,7 +7386,7 @@
     </p:spTree>
     <p:extLst>
       <p:ext uri="{BB962C8B-B14F-4D97-AF65-F5344CB8AC3E}">
-        <p14:creationId xmlns:p14="http://schemas.microsoft.com/office/powerpoint/2010/main" xmlns="" val="3583291954"/>
+        <p14:creationId xmlns="" xmlns:p14="http://schemas.microsoft.com/office/powerpoint/2010/main" val="3583291954"/>
       </p:ext>
     </p:extLst>
   </p:cSld>
@@ -6978,8 +7529,8 @@
           <a:lstStyle/>
           <a:p>
             <a:r>
-              <a:rPr lang="de-DE" dirty="0" err="1" smtClean="0"/>
-              <a:t>GraphView</a:t>
+              <a:rPr lang="de-DE" dirty="0" smtClean="0"/>
+              <a:t>Visualisierung (IDP 2) – GraphView</a:t>
             </a:r>
             <a:r>
               <a:rPr lang="de-DE" b="0" dirty="0" smtClean="0"/>
@@ -6989,7 +7540,7 @@
               <a:rPr lang="de-DE" b="0" dirty="0" smtClean="0"/>
             </a:br>
             <a:r>
-              <a:rPr lang="de-DE" sz="1400" b="0" dirty="0" smtClean="0"/>
+              <a:rPr lang="de-DE" sz="1400" dirty="0" smtClean="0"/>
               <a:t>Analysen</a:t>
             </a:r>
             <a:endParaRPr lang="de-DE" sz="1400" dirty="0"/>
@@ -7008,7 +7559,7 @@
           <a:blip r:embed="rId2" cstate="print">
             <a:extLst>
               <a:ext uri="{28A0092B-C50C-407E-A947-70E740481C1C}">
-                <a14:useLocalDpi xmlns:a14="http://schemas.microsoft.com/office/drawing/2010/main" xmlns="" val="0"/>
+                <a14:useLocalDpi xmlns="" xmlns:a14="http://schemas.microsoft.com/office/drawing/2010/main" val="0"/>
               </a:ext>
             </a:extLst>
           </a:blip>
@@ -7029,7 +7580,7 @@
     </p:spTree>
     <p:extLst>
       <p:ext uri="{BB962C8B-B14F-4D97-AF65-F5344CB8AC3E}">
-        <p14:creationId xmlns:p14="http://schemas.microsoft.com/office/powerpoint/2010/main" xmlns="" val="2307760257"/>
+        <p14:creationId xmlns="" xmlns:p14="http://schemas.microsoft.com/office/powerpoint/2010/main" val="2307760257"/>
       </p:ext>
     </p:extLst>
   </p:cSld>
@@ -7084,8 +7635,8 @@
           <a:lstStyle/>
           <a:p>
             <a:r>
-              <a:rPr lang="de-DE" dirty="0" err="1" smtClean="0"/>
-              <a:t>GraphView</a:t>
+              <a:rPr lang="de-DE" dirty="0" smtClean="0"/>
+              <a:t>Visualisierung (IDP 2) – GraphView</a:t>
             </a:r>
             <a:r>
               <a:rPr lang="de-DE" b="0" dirty="0" smtClean="0"/>
@@ -7095,7 +7646,7 @@
               <a:rPr lang="de-DE" b="0" dirty="0" smtClean="0"/>
             </a:br>
             <a:r>
-              <a:rPr lang="de-DE" sz="1400" b="0" dirty="0" smtClean="0"/>
+              <a:rPr lang="de-DE" sz="1400" dirty="0" smtClean="0"/>
               <a:t>Aufbau Filter</a:t>
             </a:r>
             <a:r>
@@ -7121,7 +7672,7 @@
           <a:blip r:embed="rId2" cstate="print">
             <a:extLst>
               <a:ext uri="{28A0092B-C50C-407E-A947-70E740481C1C}">
-                <a14:useLocalDpi xmlns:a14="http://schemas.microsoft.com/office/drawing/2010/main" xmlns="" val="0"/>
+                <a14:useLocalDpi xmlns="" xmlns:a14="http://schemas.microsoft.com/office/drawing/2010/main" val="0"/>
               </a:ext>
             </a:extLst>
           </a:blip>
@@ -7142,7 +7693,7 @@
     </p:spTree>
     <p:extLst>
       <p:ext uri="{BB962C8B-B14F-4D97-AF65-F5344CB8AC3E}">
-        <p14:creationId xmlns:p14="http://schemas.microsoft.com/office/powerpoint/2010/main" xmlns="" val="2583957788"/>
+        <p14:creationId xmlns="" xmlns:p14="http://schemas.microsoft.com/office/powerpoint/2010/main" val="2583957788"/>
       </p:ext>
     </p:extLst>
   </p:cSld>
@@ -7260,8 +7811,8 @@
           <a:lstStyle/>
           <a:p>
             <a:r>
-              <a:rPr lang="de-DE" dirty="0" err="1" smtClean="0"/>
-              <a:t>MatrixView</a:t>
+              <a:rPr lang="de-DE" dirty="0" smtClean="0"/>
+              <a:t>Visualisierung (IDP 2) – MatrixView</a:t>
             </a:r>
             <a:endParaRPr lang="de-DE" dirty="0"/>
           </a:p>
@@ -7294,7 +7845,7 @@
     </p:spTree>
     <p:extLst>
       <p:ext uri="{BB962C8B-B14F-4D97-AF65-F5344CB8AC3E}">
-        <p14:creationId xmlns:p14="http://schemas.microsoft.com/office/powerpoint/2010/main" xmlns="" val="834335964"/>
+        <p14:creationId xmlns="" xmlns:p14="http://schemas.microsoft.com/office/powerpoint/2010/main" val="834335964"/>
       </p:ext>
     </p:extLst>
   </p:cSld>
@@ -7330,68 +7881,6 @@
       </p:grpSpPr>
       <p:sp>
         <p:nvSpPr>
-          <p:cNvPr id="2" name="Textplatzhalter 1"/>
-          <p:cNvSpPr>
-            <a:spLocks noGrp="1"/>
-          </p:cNvSpPr>
-          <p:nvPr>
-            <p:ph type="body" sz="quarter" idx="10"/>
-          </p:nvPr>
-        </p:nvSpPr>
-        <p:spPr/>
-        <p:txBody>
-          <a:bodyPr/>
-          <a:lstStyle/>
-          <a:p>
-            <a:r>
-              <a:rPr lang="de-DE" dirty="0" smtClean="0"/>
-              <a:t>Motivation</a:t>
-            </a:r>
-          </a:p>
-          <a:p>
-            <a:r>
-              <a:rPr lang="de-DE" dirty="0" smtClean="0"/>
-              <a:t>Forschungsrichtungen</a:t>
-            </a:r>
-          </a:p>
-          <a:p>
-            <a:r>
-              <a:rPr lang="de-DE" dirty="0" smtClean="0"/>
-              <a:t>Transformationen</a:t>
-            </a:r>
-          </a:p>
-          <a:p>
-            <a:r>
-              <a:rPr lang="de-DE" dirty="0" smtClean="0"/>
-              <a:t>Visualisierung</a:t>
-            </a:r>
-          </a:p>
-          <a:p>
-            <a:r>
-              <a:rPr lang="de-DE" b="1" dirty="0" smtClean="0"/>
-              <a:t>Ergebnisse</a:t>
-            </a:r>
-            <a:endParaRPr lang="de-DE" dirty="0" smtClean="0"/>
-          </a:p>
-          <a:p>
-            <a:r>
-              <a:rPr lang="de-DE" dirty="0" smtClean="0"/>
-              <a:t>DEMO</a:t>
-            </a:r>
-          </a:p>
-          <a:p>
-            <a:r>
-              <a:rPr lang="de-DE" dirty="0" smtClean="0"/>
-              <a:t>Ausblick</a:t>
-            </a:r>
-          </a:p>
-          <a:p>
-            <a:endParaRPr lang="de-DE" dirty="0"/>
-          </a:p>
-        </p:txBody>
-      </p:sp>
-      <p:sp>
-        <p:nvSpPr>
           <p:cNvPr id="3" name="Titel 2"/>
           <p:cNvSpPr>
             <a:spLocks noGrp="1"/>
@@ -7410,6 +7899,338 @@
               <a:t>Agenda</a:t>
             </a:r>
             <a:endParaRPr lang="de-DE" dirty="0"/>
+          </a:p>
+        </p:txBody>
+      </p:sp>
+      <p:sp>
+        <p:nvSpPr>
+          <p:cNvPr id="5" name="Textplatzhalter 1"/>
+          <p:cNvSpPr txBox="1">
+            <a:spLocks/>
+          </p:cNvSpPr>
+          <p:nvPr/>
+        </p:nvSpPr>
+        <p:spPr>
+          <a:xfrm>
+            <a:off x="403224" y="1085850"/>
+            <a:ext cx="5329239" cy="4495813"/>
+          </a:xfrm>
+          <a:prstGeom prst="rect">
+            <a:avLst/>
+          </a:prstGeom>
+        </p:spPr>
+        <p:txBody>
+          <a:bodyPr/>
+          <a:lstStyle/>
+          <a:p>
+            <a:pPr marL="266700" marR="0" lvl="0" indent="-266700" algn="l" defTabSz="914400" rtl="0" eaLnBrk="1" fontAlgn="base" latinLnBrk="0" hangingPunct="1">
+              <a:lnSpc>
+                <a:spcPct val="150000"/>
+              </a:lnSpc>
+              <a:spcBef>
+                <a:spcPct val="20000"/>
+              </a:spcBef>
+              <a:spcAft>
+                <a:spcPct val="0"/>
+              </a:spcAft>
+              <a:buClr>
+                <a:srgbClr val="0065BD"/>
+              </a:buClr>
+              <a:buSzTx/>
+              <a:buFont typeface="Arial" charset="0"/>
+              <a:buChar char="●"/>
+              <a:tabLst/>
+              <a:defRPr/>
+            </a:pPr>
+            <a:r>
+              <a:rPr kumimoji="0" lang="de-DE" sz="2000" b="0" i="0" u="none" strike="noStrike" kern="0" cap="none" spc="0" normalizeH="0" baseline="0" noProof="0" dirty="0" smtClean="0">
+                <a:ln>
+                  <a:noFill/>
+                </a:ln>
+                <a:solidFill>
+                  <a:schemeClr val="tx1"/>
+                </a:solidFill>
+                <a:effectLst/>
+                <a:uLnTx/>
+                <a:uFillTx/>
+                <a:latin typeface="Arial" charset="0"/>
+                <a:ea typeface="+mn-ea"/>
+                <a:cs typeface="+mn-cs"/>
+              </a:rPr>
+              <a:t>Motivation</a:t>
+            </a:r>
+          </a:p>
+          <a:p>
+            <a:pPr marL="266700" marR="0" lvl="0" indent="-266700" algn="l" defTabSz="914400" rtl="0" eaLnBrk="1" fontAlgn="base" latinLnBrk="0" hangingPunct="1">
+              <a:lnSpc>
+                <a:spcPct val="150000"/>
+              </a:lnSpc>
+              <a:spcBef>
+                <a:spcPct val="20000"/>
+              </a:spcBef>
+              <a:spcAft>
+                <a:spcPct val="0"/>
+              </a:spcAft>
+              <a:buClr>
+                <a:srgbClr val="0065BD"/>
+              </a:buClr>
+              <a:buSzTx/>
+              <a:buFont typeface="Arial" charset="0"/>
+              <a:buChar char="●"/>
+              <a:tabLst/>
+              <a:defRPr/>
+            </a:pPr>
+            <a:r>
+              <a:rPr kumimoji="0" lang="de-DE" sz="2000" i="0" u="none" strike="noStrike" kern="0" cap="none" spc="0" normalizeH="0" baseline="0" noProof="0" dirty="0" smtClean="0">
+                <a:ln>
+                  <a:noFill/>
+                </a:ln>
+                <a:solidFill>
+                  <a:schemeClr val="tx1"/>
+                </a:solidFill>
+                <a:effectLst/>
+                <a:uLnTx/>
+                <a:uFillTx/>
+                <a:latin typeface="Arial" charset="0"/>
+                <a:ea typeface="+mn-ea"/>
+                <a:cs typeface="+mn-cs"/>
+              </a:rPr>
+              <a:t>Forschungsrichtungen</a:t>
+            </a:r>
+            <a:endParaRPr kumimoji="0" lang="de-DE" sz="2000" b="1" i="0" u="none" strike="noStrike" kern="0" cap="none" spc="0" normalizeH="0" baseline="0" noProof="0" dirty="0" smtClean="0">
+              <a:ln>
+                <a:noFill/>
+              </a:ln>
+              <a:solidFill>
+                <a:schemeClr val="tx1"/>
+              </a:solidFill>
+              <a:effectLst/>
+              <a:uLnTx/>
+              <a:uFillTx/>
+              <a:latin typeface="Arial" charset="0"/>
+              <a:ea typeface="+mn-ea"/>
+              <a:cs typeface="+mn-cs"/>
+            </a:endParaRPr>
+          </a:p>
+          <a:p>
+            <a:pPr marL="266700" marR="0" lvl="0" indent="-266700" algn="l" defTabSz="914400" rtl="0" eaLnBrk="1" fontAlgn="base" latinLnBrk="0" hangingPunct="1">
+              <a:lnSpc>
+                <a:spcPct val="150000"/>
+              </a:lnSpc>
+              <a:spcBef>
+                <a:spcPct val="20000"/>
+              </a:spcBef>
+              <a:spcAft>
+                <a:spcPct val="0"/>
+              </a:spcAft>
+              <a:buClr>
+                <a:srgbClr val="0065BD"/>
+              </a:buClr>
+              <a:buSzTx/>
+              <a:buFont typeface="Arial" charset="0"/>
+              <a:buChar char="●"/>
+              <a:tabLst/>
+              <a:defRPr/>
+            </a:pPr>
+            <a:r>
+              <a:rPr kumimoji="0" lang="de-DE" sz="2000" i="0" u="none" strike="noStrike" kern="0" cap="none" spc="0" normalizeH="0" baseline="0" noProof="0" dirty="0" smtClean="0">
+                <a:ln>
+                  <a:noFill/>
+                </a:ln>
+                <a:solidFill>
+                  <a:schemeClr val="tx1"/>
+                </a:solidFill>
+                <a:effectLst/>
+                <a:uLnTx/>
+                <a:uFillTx/>
+                <a:latin typeface="Arial" charset="0"/>
+                <a:ea typeface="+mn-ea"/>
+                <a:cs typeface="+mn-cs"/>
+              </a:rPr>
+              <a:t>Transformationen (IDP 1)</a:t>
+            </a:r>
+            <a:endParaRPr lang="de-DE" kern="0" noProof="0" dirty="0" smtClean="0">
+              <a:solidFill>
+                <a:schemeClr val="tx1"/>
+              </a:solidFill>
+            </a:endParaRPr>
+          </a:p>
+          <a:p>
+            <a:pPr marL="266700" marR="0" lvl="0" indent="-266700" algn="l" defTabSz="914400" rtl="0" eaLnBrk="1" fontAlgn="base" latinLnBrk="0" hangingPunct="1">
+              <a:lnSpc>
+                <a:spcPct val="150000"/>
+              </a:lnSpc>
+              <a:spcBef>
+                <a:spcPct val="20000"/>
+              </a:spcBef>
+              <a:spcAft>
+                <a:spcPct val="0"/>
+              </a:spcAft>
+              <a:buClr>
+                <a:srgbClr val="0065BD"/>
+              </a:buClr>
+              <a:buSzTx/>
+              <a:buFont typeface="Arial" charset="0"/>
+              <a:buChar char="●"/>
+              <a:tabLst/>
+              <a:defRPr/>
+            </a:pPr>
+            <a:r>
+              <a:rPr kumimoji="0" lang="de-DE" sz="2000" i="0" u="none" strike="noStrike" kern="0" cap="none" spc="0" normalizeH="0" baseline="0" noProof="0" dirty="0" smtClean="0">
+                <a:ln>
+                  <a:noFill/>
+                </a:ln>
+                <a:solidFill>
+                  <a:schemeClr val="tx1"/>
+                </a:solidFill>
+                <a:effectLst/>
+                <a:uLnTx/>
+                <a:uFillTx/>
+                <a:latin typeface="Arial" charset="0"/>
+                <a:ea typeface="+mn-ea"/>
+                <a:cs typeface="+mn-cs"/>
+              </a:rPr>
+              <a:t>Visualisierung (IDP 2)</a:t>
+            </a:r>
+          </a:p>
+          <a:p>
+            <a:pPr marL="266700" marR="0" lvl="0" indent="-266700" algn="l" defTabSz="914400" rtl="0" eaLnBrk="1" fontAlgn="base" latinLnBrk="0" hangingPunct="1">
+              <a:lnSpc>
+                <a:spcPct val="150000"/>
+              </a:lnSpc>
+              <a:spcBef>
+                <a:spcPct val="20000"/>
+              </a:spcBef>
+              <a:spcAft>
+                <a:spcPct val="0"/>
+              </a:spcAft>
+              <a:buClr>
+                <a:srgbClr val="0065BD"/>
+              </a:buClr>
+              <a:buSzTx/>
+              <a:buFont typeface="Arial" charset="0"/>
+              <a:buChar char="●"/>
+              <a:tabLst/>
+              <a:defRPr/>
+            </a:pPr>
+            <a:r>
+              <a:rPr kumimoji="0" lang="de-DE" sz="2000" b="1" i="0" u="none" strike="noStrike" kern="0" cap="none" spc="0" normalizeH="0" baseline="0" noProof="0" dirty="0" smtClean="0">
+                <a:ln>
+                  <a:noFill/>
+                </a:ln>
+                <a:solidFill>
+                  <a:schemeClr val="tx1"/>
+                </a:solidFill>
+                <a:effectLst/>
+                <a:uLnTx/>
+                <a:uFillTx/>
+                <a:latin typeface="Arial" charset="0"/>
+                <a:ea typeface="+mn-ea"/>
+                <a:cs typeface="+mn-cs"/>
+              </a:rPr>
+              <a:t>Ergebnisse</a:t>
+            </a:r>
+          </a:p>
+          <a:p>
+            <a:pPr marL="723900" lvl="1" indent="-266700">
+              <a:spcBef>
+                <a:spcPct val="20000"/>
+              </a:spcBef>
+              <a:buClr>
+                <a:srgbClr val="0065BD"/>
+              </a:buClr>
+              <a:buFont typeface="Arial" charset="0"/>
+              <a:buChar char="●"/>
+            </a:pPr>
+            <a:r>
+              <a:rPr lang="de-DE" sz="1800" kern="0" dirty="0" smtClean="0">
+                <a:solidFill>
+                  <a:schemeClr val="tx1"/>
+                </a:solidFill>
+              </a:rPr>
+              <a:t>Transformationen</a:t>
+            </a:r>
+          </a:p>
+          <a:p>
+            <a:pPr marL="723900" lvl="1" indent="-266700">
+              <a:spcBef>
+                <a:spcPct val="20000"/>
+              </a:spcBef>
+              <a:buClr>
+                <a:srgbClr val="0065BD"/>
+              </a:buClr>
+              <a:buFont typeface="Arial" charset="0"/>
+              <a:buChar char="●"/>
+            </a:pPr>
+            <a:r>
+              <a:rPr kumimoji="0" lang="de-DE" sz="1800" b="0" i="0" u="none" strike="noStrike" kern="0" cap="none" spc="0" normalizeH="0" baseline="0" noProof="0" dirty="0" smtClean="0">
+                <a:ln>
+                  <a:noFill/>
+                </a:ln>
+                <a:solidFill>
+                  <a:schemeClr val="tx1"/>
+                </a:solidFill>
+                <a:effectLst/>
+                <a:uLnTx/>
+                <a:uFillTx/>
+                <a:latin typeface="Arial" charset="0"/>
+                <a:ea typeface="+mn-ea"/>
+                <a:cs typeface="+mn-cs"/>
+              </a:rPr>
+              <a:t>Visualisierung</a:t>
+            </a:r>
+          </a:p>
+          <a:p>
+            <a:pPr marL="266700" marR="0" lvl="0" indent="-266700" algn="l" defTabSz="914400" rtl="0" eaLnBrk="1" fontAlgn="base" latinLnBrk="0" hangingPunct="1">
+              <a:lnSpc>
+                <a:spcPct val="150000"/>
+              </a:lnSpc>
+              <a:spcBef>
+                <a:spcPct val="20000"/>
+              </a:spcBef>
+              <a:spcAft>
+                <a:spcPct val="0"/>
+              </a:spcAft>
+              <a:buClr>
+                <a:srgbClr val="0065BD"/>
+              </a:buClr>
+              <a:buSzTx/>
+              <a:buFont typeface="Arial" charset="0"/>
+              <a:buChar char="●"/>
+              <a:tabLst/>
+              <a:defRPr/>
+            </a:pPr>
+            <a:r>
+              <a:rPr kumimoji="0" lang="de-DE" sz="2000" b="0" i="0" u="none" strike="noStrike" kern="0" cap="none" spc="0" normalizeH="0" baseline="0" noProof="0" dirty="0" smtClean="0">
+                <a:ln>
+                  <a:noFill/>
+                </a:ln>
+                <a:solidFill>
+                  <a:schemeClr val="tx1"/>
+                </a:solidFill>
+                <a:effectLst/>
+                <a:uLnTx/>
+                <a:uFillTx/>
+                <a:latin typeface="Arial" charset="0"/>
+                <a:ea typeface="+mn-ea"/>
+                <a:cs typeface="+mn-cs"/>
+              </a:rPr>
+              <a:t>Ausblick</a:t>
+            </a:r>
+            <a:endParaRPr kumimoji="0" lang="de-DE" sz="2000" b="0" i="0" u="none" strike="noStrike" kern="0" cap="none" spc="0" normalizeH="0" baseline="0" noProof="0" dirty="0">
+              <a:ln>
+                <a:noFill/>
+              </a:ln>
+              <a:solidFill>
+                <a:schemeClr val="tx1"/>
+              </a:solidFill>
+              <a:effectLst/>
+              <a:uLnTx/>
+              <a:uFillTx/>
+              <a:latin typeface="Arial" charset="0"/>
+              <a:ea typeface="+mn-ea"/>
+              <a:cs typeface="+mn-cs"/>
+            </a:endParaRPr>
           </a:p>
         </p:txBody>
       </p:sp>
@@ -7575,10 +8396,10 @@
               <a:rPr lang="de-DE" dirty="0"/>
             </a:br>
             <a:r>
-              <a:rPr lang="de-DE" sz="1400" b="0" dirty="0" smtClean="0"/>
+              <a:rPr lang="de-DE" sz="1400" dirty="0" smtClean="0"/>
               <a:t>Transformationen</a:t>
             </a:r>
-            <a:endParaRPr lang="de-DE" sz="1400" b="0" dirty="0"/>
+            <a:endParaRPr lang="de-DE" sz="1400" dirty="0"/>
           </a:p>
         </p:txBody>
       </p:sp>
@@ -7736,17 +8557,17 @@
               <a:rPr lang="de-DE" dirty="0" smtClean="0"/>
             </a:br>
             <a:r>
-              <a:rPr lang="de-DE" sz="1400" b="0" dirty="0" smtClean="0"/>
+              <a:rPr lang="de-DE" sz="1400" dirty="0" smtClean="0"/>
               <a:t>Visualisierung</a:t>
             </a:r>
-            <a:endParaRPr lang="de-DE" sz="1400" b="0" dirty="0"/>
+            <a:endParaRPr lang="de-DE" sz="1400" dirty="0"/>
           </a:p>
         </p:txBody>
       </p:sp>
     </p:spTree>
     <p:extLst>
       <p:ext uri="{BB962C8B-B14F-4D97-AF65-F5344CB8AC3E}">
-        <p14:creationId xmlns:p14="http://schemas.microsoft.com/office/powerpoint/2010/main" xmlns="" val="3015326985"/>
+        <p14:creationId xmlns="" xmlns:p14="http://schemas.microsoft.com/office/powerpoint/2010/main" val="3015326985"/>
       </p:ext>
     </p:extLst>
   </p:cSld>
@@ -7782,36 +8603,156 @@
       </p:grpSpPr>
       <p:sp>
         <p:nvSpPr>
-          <p:cNvPr id="5" name="Textfeld 4"/>
-          <p:cNvSpPr txBox="1"/>
-          <p:nvPr/>
+          <p:cNvPr id="2" name="Textplatzhalter 1"/>
+          <p:cNvSpPr>
+            <a:spLocks noGrp="1"/>
+          </p:cNvSpPr>
+          <p:nvPr>
+            <p:ph type="body" sz="quarter" idx="10"/>
+          </p:nvPr>
         </p:nvSpPr>
         <p:spPr>
           <a:xfrm>
-            <a:off x="2195736" y="2420888"/>
-            <a:ext cx="4752528" cy="1200329"/>
+            <a:off x="250824" y="933450"/>
+            <a:ext cx="8031164" cy="4495813"/>
           </a:xfrm>
-          <a:prstGeom prst="rect">
-            <a:avLst/>
-          </a:prstGeom>
-          <a:noFill/>
         </p:spPr>
         <p:txBody>
-          <a:bodyPr wrap="square" rtlCol="0">
-            <a:spAutoFit/>
-          </a:bodyPr>
+          <a:bodyPr/>
           <a:lstStyle/>
           <a:p>
-            <a:pPr algn="ctr"/>
-            <a:r>
-              <a:rPr lang="de-DE" sz="7200" b="1" dirty="0" smtClean="0"/>
-              <a:t>DEMO</a:t>
-            </a:r>
-            <a:endParaRPr lang="de-DE" sz="7200" b="1" dirty="0"/>
+            <a:r>
+              <a:rPr lang="de-DE" dirty="0" smtClean="0"/>
+              <a:t>Repository</a:t>
+            </a:r>
+          </a:p>
+          <a:p>
+            <a:pPr lvl="1"/>
+            <a:r>
+              <a:rPr lang="de-DE" dirty="0" smtClean="0"/>
+              <a:t>Zentrale verwaltung eines Modells</a:t>
+            </a:r>
+          </a:p>
+          <a:p>
+            <a:pPr lvl="1"/>
+            <a:r>
+              <a:rPr lang="de-DE" dirty="0" smtClean="0"/>
+              <a:t>Alle Rollen arbeiten durch geeignete Viewpoints auf dassselbe Modell</a:t>
+            </a:r>
+          </a:p>
+          <a:p>
+            <a:pPr lvl="1"/>
+            <a:r>
+              <a:rPr lang="de-DE" dirty="0" smtClean="0"/>
+              <a:t>Konsistenz und kollaboration dadurch transparent möglich</a:t>
+            </a:r>
+            <a:endParaRPr lang="de-DE" dirty="0" smtClean="0"/>
+          </a:p>
+          <a:p>
+            <a:r>
+              <a:rPr lang="de-DE" dirty="0" smtClean="0"/>
+              <a:t>Mögliche </a:t>
+            </a:r>
+            <a:r>
+              <a:rPr lang="de-DE" dirty="0"/>
+              <a:t>Verbesserungen</a:t>
+            </a:r>
+          </a:p>
+          <a:p>
+            <a:pPr lvl="1"/>
+            <a:r>
+              <a:rPr lang="de-DE" dirty="0"/>
+              <a:t>Intelligenter Model Merger</a:t>
+            </a:r>
+          </a:p>
+          <a:p>
+            <a:pPr lvl="1"/>
+            <a:r>
+              <a:rPr lang="de-DE" dirty="0"/>
+              <a:t>JUNG2 Layouts für große Knoten optimieren</a:t>
+            </a:r>
+          </a:p>
+          <a:p>
+            <a:pPr lvl="1"/>
+            <a:r>
+              <a:rPr lang="de-DE" dirty="0"/>
+              <a:t>Mehrere „Kontaktpunkte“ für Elemente des Graphen definieren</a:t>
+            </a:r>
+          </a:p>
+          <a:p>
+            <a:r>
+              <a:rPr lang="de-DE" dirty="0"/>
+              <a:t>Mögliche Erweiterungen</a:t>
+            </a:r>
+          </a:p>
+          <a:p>
+            <a:pPr lvl="1"/>
+            <a:r>
+              <a:rPr lang="de-DE" dirty="0"/>
+              <a:t>Weitere Filter einbinden (z.B. Filter über aggregierte Attribut Werte)</a:t>
+            </a:r>
+          </a:p>
+          <a:p>
+            <a:pPr lvl="1"/>
+            <a:r>
+              <a:rPr lang="de-DE" dirty="0"/>
+              <a:t>Modifikation des Gesamtmodells in der Matrix View erlauben</a:t>
+            </a:r>
+          </a:p>
+          <a:p>
+            <a:pPr lvl="1"/>
+            <a:r>
+              <a:rPr lang="de-DE" dirty="0"/>
+              <a:t>Lösch und </a:t>
+            </a:r>
+            <a:r>
+              <a:rPr lang="de-DE" dirty="0" err="1"/>
+              <a:t>Merge</a:t>
+            </a:r>
+            <a:r>
+              <a:rPr lang="de-DE" dirty="0"/>
+              <a:t> Operationen implementieren (PSS-IF Core muss erweitert werden)</a:t>
+            </a:r>
+          </a:p>
+          <a:p>
+            <a:endParaRPr lang="de-DE" dirty="0"/>
+          </a:p>
+        </p:txBody>
+      </p:sp>
+      <p:sp>
+        <p:nvSpPr>
+          <p:cNvPr id="3" name="Titel 2"/>
+          <p:cNvSpPr>
+            <a:spLocks noGrp="1"/>
+          </p:cNvSpPr>
+          <p:nvPr>
+            <p:ph type="title"/>
+          </p:nvPr>
+        </p:nvSpPr>
+        <p:spPr>
+          <a:xfrm>
+            <a:off x="250825" y="195526"/>
+            <a:ext cx="8031163" cy="384721"/>
+          </a:xfrm>
+        </p:spPr>
+        <p:txBody>
+          <a:bodyPr/>
+          <a:lstStyle/>
+          <a:p>
+            <a:r>
+              <a:rPr lang="de-DE" dirty="0" smtClean="0"/>
+              <a:t>Ausblick</a:t>
+            </a:r>
+            <a:endParaRPr lang="de-DE" sz="1400" dirty="0"/>
           </a:p>
         </p:txBody>
       </p:sp>
     </p:spTree>
+    <p:extLst>
+      <p:ext uri="{BB962C8B-B14F-4D97-AF65-F5344CB8AC3E}">
+        <p14:creationId xmlns="" xmlns:p14="http://schemas.microsoft.com/office/powerpoint/2010/main" val="2204816514"/>
+      </p:ext>
+    </p:extLst>
   </p:cSld>
   <p:clrMapOvr>
     <a:masterClrMapping/>
@@ -7845,224 +8786,47 @@
       </p:grpSpPr>
       <p:sp>
         <p:nvSpPr>
-          <p:cNvPr id="2" name="Textplatzhalter 1"/>
-          <p:cNvSpPr>
-            <a:spLocks noGrp="1"/>
-          </p:cNvSpPr>
-          <p:nvPr>
-            <p:ph type="body" sz="quarter" idx="10"/>
-          </p:nvPr>
-        </p:nvSpPr>
-        <p:spPr/>
-        <p:txBody>
-          <a:bodyPr/>
-          <a:lstStyle/>
-          <a:p>
-            <a:r>
-              <a:rPr lang="de-DE" dirty="0" smtClean="0"/>
-              <a:t>Repository etc.</a:t>
-            </a:r>
-          </a:p>
-        </p:txBody>
-      </p:sp>
-      <p:sp>
-        <p:nvSpPr>
-          <p:cNvPr id="3" name="Titel 2"/>
-          <p:cNvSpPr>
-            <a:spLocks noGrp="1"/>
-          </p:cNvSpPr>
-          <p:nvPr>
-            <p:ph type="title"/>
-          </p:nvPr>
+          <p:cNvPr id="5" name="Textfeld 4"/>
+          <p:cNvSpPr txBox="1"/>
+          <p:nvPr/>
         </p:nvSpPr>
         <p:spPr>
           <a:xfrm>
-            <a:off x="250825" y="195526"/>
-            <a:ext cx="8031163" cy="600164"/>
+            <a:off x="2195736" y="2420888"/>
+            <a:ext cx="4752528" cy="1815882"/>
           </a:xfrm>
+          <a:prstGeom prst="rect">
+            <a:avLst/>
+          </a:prstGeom>
+          <a:noFill/>
         </p:spPr>
         <p:txBody>
-          <a:bodyPr/>
+          <a:bodyPr wrap="square" rtlCol="0">
+            <a:spAutoFit/>
+          </a:bodyPr>
           <a:lstStyle/>
           <a:p>
-            <a:r>
-              <a:rPr lang="de-DE" dirty="0" smtClean="0"/>
-              <a:t>Ausblick</a:t>
-            </a:r>
-            <a:br>
-              <a:rPr lang="de-DE" dirty="0" smtClean="0"/>
-            </a:br>
-            <a:r>
-              <a:rPr lang="de-DE" sz="1400" dirty="0" smtClean="0"/>
-              <a:t>Transformationen</a:t>
-            </a:r>
-            <a:endParaRPr lang="de-DE" sz="1400" dirty="0"/>
+            <a:pPr algn="ctr"/>
+            <a:r>
+              <a:rPr lang="de-DE" sz="2800" b="1" dirty="0" smtClean="0"/>
+              <a:t>Vielen Dank für Ihre Aufmerksamkeit!</a:t>
+            </a:r>
+          </a:p>
+          <a:p>
+            <a:pPr algn="ctr"/>
+            <a:endParaRPr lang="de-DE" sz="2800" b="1" dirty="0" smtClean="0"/>
+          </a:p>
+          <a:p>
+            <a:pPr algn="ctr"/>
+            <a:r>
+              <a:rPr lang="de-DE" sz="2800" b="1" dirty="0" smtClean="0"/>
+              <a:t>Ihre Fragen?</a:t>
+            </a:r>
+            <a:endParaRPr lang="de-DE" sz="2800" b="1" dirty="0"/>
           </a:p>
         </p:txBody>
       </p:sp>
     </p:spTree>
-  </p:cSld>
-  <p:clrMapOvr>
-    <a:masterClrMapping/>
-  </p:clrMapOvr>
-  <p:timing>
-    <p:tnLst>
-      <p:par>
-        <p:cTn id="1" dur="indefinite" restart="never" nodeType="tmRoot"/>
-      </p:par>
-    </p:tnLst>
-  </p:timing>
-</p:sld>
-</file>
-
-<file path=ppt/slides/slide39.xml><?xml version="1.0" encoding="utf-8"?>
-<p:sld xmlns:a="http://schemas.openxmlformats.org/drawingml/2006/main" xmlns:r="http://schemas.openxmlformats.org/officeDocument/2006/relationships" xmlns:p="http://schemas.openxmlformats.org/presentationml/2006/main">
-  <p:cSld>
-    <p:spTree>
-      <p:nvGrpSpPr>
-        <p:cNvPr id="1" name=""/>
-        <p:cNvGrpSpPr/>
-        <p:nvPr/>
-      </p:nvGrpSpPr>
-      <p:grpSpPr>
-        <a:xfrm>
-          <a:off x="0" y="0"/>
-          <a:ext cx="0" cy="0"/>
-          <a:chOff x="0" y="0"/>
-          <a:chExt cx="0" cy="0"/>
-        </a:xfrm>
-      </p:grpSpPr>
-      <p:sp>
-        <p:nvSpPr>
-          <p:cNvPr id="2" name="Textplatzhalter 1"/>
-          <p:cNvSpPr>
-            <a:spLocks noGrp="1"/>
-          </p:cNvSpPr>
-          <p:nvPr>
-            <p:ph type="body" sz="quarter" idx="10"/>
-          </p:nvPr>
-        </p:nvSpPr>
-        <p:spPr>
-          <a:xfrm>
-            <a:off x="250824" y="933450"/>
-            <a:ext cx="8031164" cy="4495813"/>
-          </a:xfrm>
-        </p:spPr>
-        <p:txBody>
-          <a:bodyPr/>
-          <a:lstStyle/>
-          <a:p>
-            <a:r>
-              <a:rPr lang="de-DE" dirty="0" smtClean="0"/>
-              <a:t>Mögliche </a:t>
-            </a:r>
-            <a:r>
-              <a:rPr lang="de-DE" dirty="0"/>
-              <a:t>Verbesserungen</a:t>
-            </a:r>
-          </a:p>
-          <a:p>
-            <a:pPr lvl="1"/>
-            <a:r>
-              <a:rPr lang="de-DE" dirty="0"/>
-              <a:t>Intelligenter Model Merger</a:t>
-            </a:r>
-          </a:p>
-          <a:p>
-            <a:pPr lvl="1"/>
-            <a:r>
-              <a:rPr lang="de-DE" dirty="0"/>
-              <a:t>JUNG2 Layouts für große Knoten optimieren</a:t>
-            </a:r>
-          </a:p>
-          <a:p>
-            <a:pPr lvl="1"/>
-            <a:r>
-              <a:rPr lang="de-DE" dirty="0"/>
-              <a:t>Mehrere „Kontaktpunkte“ für Elemente des Graphen definieren</a:t>
-            </a:r>
-          </a:p>
-          <a:p>
-            <a:r>
-              <a:rPr lang="de-DE" dirty="0"/>
-              <a:t>Mögliche Erweiterungen</a:t>
-            </a:r>
-          </a:p>
-          <a:p>
-            <a:pPr lvl="1"/>
-            <a:r>
-              <a:rPr lang="de-DE" dirty="0"/>
-              <a:t>Weitere Filter einbinden (z.B. Filter über aggregierte Attribut Werte)</a:t>
-            </a:r>
-          </a:p>
-          <a:p>
-            <a:pPr lvl="1"/>
-            <a:r>
-              <a:rPr lang="de-DE" dirty="0"/>
-              <a:t>Modifikation des Gesamtmodells in der Matrix View erlauben</a:t>
-            </a:r>
-          </a:p>
-          <a:p>
-            <a:pPr lvl="1"/>
-            <a:r>
-              <a:rPr lang="de-DE" dirty="0"/>
-              <a:t>Lösch und </a:t>
-            </a:r>
-            <a:r>
-              <a:rPr lang="de-DE" dirty="0" err="1"/>
-              <a:t>Merge</a:t>
-            </a:r>
-            <a:r>
-              <a:rPr lang="de-DE" dirty="0"/>
-              <a:t> Operationen implementieren (PSS-IF Core muss erweitert werden)</a:t>
-            </a:r>
-          </a:p>
-          <a:p>
-            <a:endParaRPr lang="de-DE" dirty="0"/>
-          </a:p>
-        </p:txBody>
-      </p:sp>
-      <p:sp>
-        <p:nvSpPr>
-          <p:cNvPr id="3" name="Titel 2"/>
-          <p:cNvSpPr>
-            <a:spLocks noGrp="1"/>
-          </p:cNvSpPr>
-          <p:nvPr>
-            <p:ph type="title"/>
-          </p:nvPr>
-        </p:nvSpPr>
-        <p:spPr>
-          <a:xfrm>
-            <a:off x="250825" y="195526"/>
-            <a:ext cx="8031163" cy="600164"/>
-          </a:xfrm>
-        </p:spPr>
-        <p:txBody>
-          <a:bodyPr/>
-          <a:lstStyle/>
-          <a:p>
-            <a:r>
-              <a:rPr lang="de-DE" dirty="0" smtClean="0"/>
-              <a:t>Ausblick</a:t>
-            </a:r>
-            <a:br>
-              <a:rPr lang="de-DE" dirty="0" smtClean="0"/>
-            </a:br>
-            <a:r>
-              <a:rPr lang="de-DE" sz="1400" dirty="0" smtClean="0"/>
-              <a:t>Visualisierung</a:t>
-            </a:r>
-            <a:endParaRPr lang="de-DE" sz="1400" dirty="0"/>
-          </a:p>
-        </p:txBody>
-      </p:sp>
-    </p:spTree>
-    <p:extLst>
-      <p:ext uri="{BB962C8B-B14F-4D97-AF65-F5344CB8AC3E}">
-        <p14:creationId xmlns:p14="http://schemas.microsoft.com/office/powerpoint/2010/main" xmlns="" val="2204816514"/>
-      </p:ext>
-    </p:extLst>
   </p:cSld>
   <p:clrMapOvr>
     <a:masterClrMapping/>
@@ -8109,47 +8873,71 @@
           <a:bodyPr/>
           <a:lstStyle/>
           <a:p>
-            <a:r>
-              <a:rPr lang="de-DE" dirty="0" smtClean="0"/>
+            <a:pPr>
+              <a:lnSpc>
+                <a:spcPct val="150000"/>
+              </a:lnSpc>
+            </a:pPr>
+            <a:r>
+              <a:rPr lang="de-DE" sz="2000" dirty="0" smtClean="0"/>
               <a:t>Motivation</a:t>
             </a:r>
           </a:p>
           <a:p>
-            <a:r>
-              <a:rPr lang="de-DE" b="1" dirty="0" smtClean="0"/>
+            <a:pPr>
+              <a:lnSpc>
+                <a:spcPct val="150000"/>
+              </a:lnSpc>
+            </a:pPr>
+            <a:r>
+              <a:rPr lang="de-DE" sz="2000" b="1" dirty="0" smtClean="0"/>
               <a:t>Forschungsrichtungen</a:t>
             </a:r>
           </a:p>
           <a:p>
-            <a:r>
-              <a:rPr lang="de-DE" dirty="0" smtClean="0"/>
-              <a:t>Transformationen</a:t>
-            </a:r>
-          </a:p>
-          <a:p>
-            <a:r>
-              <a:rPr lang="de-DE" dirty="0" smtClean="0"/>
-              <a:t>Visualisierung</a:t>
-            </a:r>
-          </a:p>
-          <a:p>
-            <a:r>
-              <a:rPr lang="de-DE" dirty="0" smtClean="0"/>
+            <a:pPr>
+              <a:lnSpc>
+                <a:spcPct val="150000"/>
+              </a:lnSpc>
+            </a:pPr>
+            <a:r>
+              <a:rPr lang="de-DE" sz="2000" dirty="0" smtClean="0"/>
+              <a:t>Transformationen (IDP 1)</a:t>
+            </a:r>
+          </a:p>
+          <a:p>
+            <a:pPr>
+              <a:lnSpc>
+                <a:spcPct val="150000"/>
+              </a:lnSpc>
+            </a:pPr>
+            <a:r>
+              <a:rPr lang="de-DE" sz="2000" dirty="0" smtClean="0"/>
+              <a:t>Visualisierung (IDP 2)</a:t>
+            </a:r>
+          </a:p>
+          <a:p>
+            <a:pPr>
+              <a:lnSpc>
+                <a:spcPct val="150000"/>
+              </a:lnSpc>
+            </a:pPr>
+            <a:r>
+              <a:rPr lang="de-DE" sz="2000" dirty="0" smtClean="0"/>
               <a:t>Ergebnisse</a:t>
             </a:r>
           </a:p>
           <a:p>
-            <a:r>
-              <a:rPr lang="de-DE" dirty="0" smtClean="0"/>
-              <a:t>DEMO</a:t>
-            </a:r>
-          </a:p>
-          <a:p>
-            <a:r>
-              <a:rPr lang="de-DE" dirty="0" smtClean="0"/>
+            <a:pPr>
+              <a:lnSpc>
+                <a:spcPct val="150000"/>
+              </a:lnSpc>
+            </a:pPr>
+            <a:r>
+              <a:rPr lang="de-DE" sz="2000" dirty="0" smtClean="0"/>
               <a:t>Ausblick</a:t>
             </a:r>
-            <a:endParaRPr lang="de-DE" dirty="0"/>
+            <a:endParaRPr lang="de-DE" sz="2000" dirty="0"/>
           </a:p>
         </p:txBody>
       </p:sp>
@@ -8173,69 +8961,6 @@
               <a:t>Agenda</a:t>
             </a:r>
             <a:endParaRPr lang="de-DE" dirty="0"/>
-          </a:p>
-        </p:txBody>
-      </p:sp>
-    </p:spTree>
-  </p:cSld>
-  <p:clrMapOvr>
-    <a:masterClrMapping/>
-  </p:clrMapOvr>
-  <p:timing>
-    <p:tnLst>
-      <p:par>
-        <p:cTn id="1" dur="indefinite" restart="never" nodeType="tmRoot"/>
-      </p:par>
-    </p:tnLst>
-  </p:timing>
-</p:sld>
-</file>
-
-<file path=ppt/slides/slide40.xml><?xml version="1.0" encoding="utf-8"?>
-<p:sld xmlns:a="http://schemas.openxmlformats.org/drawingml/2006/main" xmlns:r="http://schemas.openxmlformats.org/officeDocument/2006/relationships" xmlns:p="http://schemas.openxmlformats.org/presentationml/2006/main">
-  <p:cSld>
-    <p:spTree>
-      <p:nvGrpSpPr>
-        <p:cNvPr id="1" name=""/>
-        <p:cNvGrpSpPr/>
-        <p:nvPr/>
-      </p:nvGrpSpPr>
-      <p:grpSpPr>
-        <a:xfrm>
-          <a:off x="0" y="0"/>
-          <a:ext cx="0" cy="0"/>
-          <a:chOff x="0" y="0"/>
-          <a:chExt cx="0" cy="0"/>
-        </a:xfrm>
-      </p:grpSpPr>
-      <p:sp>
-        <p:nvSpPr>
-          <p:cNvPr id="5" name="Textfeld 4"/>
-          <p:cNvSpPr txBox="1"/>
-          <p:nvPr/>
-        </p:nvSpPr>
-        <p:spPr>
-          <a:xfrm>
-            <a:off x="2195736" y="2420888"/>
-            <a:ext cx="4752528" cy="1200329"/>
-          </a:xfrm>
-          <a:prstGeom prst="rect">
-            <a:avLst/>
-          </a:prstGeom>
-          <a:noFill/>
-        </p:spPr>
-        <p:txBody>
-          <a:bodyPr wrap="square" rtlCol="0">
-            <a:spAutoFit/>
-          </a:bodyPr>
-          <a:lstStyle/>
-          <a:p>
-            <a:pPr algn="ctr"/>
-            <a:r>
-              <a:rPr lang="de-DE" sz="7200" b="1" dirty="0" smtClean="0"/>
-              <a:t>THX</a:t>
-            </a:r>
-            <a:endParaRPr lang="de-DE" sz="7200" b="1" dirty="0"/>
           </a:p>
         </p:txBody>
       </p:sp>
@@ -8310,8 +9035,8 @@
         </p:blipFill>
         <p:spPr>
           <a:xfrm>
-            <a:off x="971600" y="3566822"/>
-            <a:ext cx="5760000" cy="2100374"/>
+            <a:off x="1000100" y="3929066"/>
+            <a:ext cx="5289551" cy="1928826"/>
           </a:xfrm>
           <a:prstGeom prst="rect">
             <a:avLst/>
@@ -8334,14 +9059,82 @@
         </p:blipFill>
         <p:spPr>
           <a:xfrm>
-            <a:off x="971600" y="1124744"/>
-            <a:ext cx="5760000" cy="2278882"/>
+            <a:off x="971601" y="1080519"/>
+            <a:ext cx="5289550" cy="2092754"/>
           </a:xfrm>
           <a:prstGeom prst="rect">
             <a:avLst/>
           </a:prstGeom>
         </p:spPr>
       </p:pic>
+      <p:sp>
+        <p:nvSpPr>
+          <p:cNvPr id="6" name="TextBox 5"/>
+          <p:cNvSpPr txBox="1"/>
+          <p:nvPr/>
+        </p:nvSpPr>
+        <p:spPr>
+          <a:xfrm>
+            <a:off x="971600" y="642918"/>
+            <a:ext cx="7100862" cy="400110"/>
+          </a:xfrm>
+          <a:prstGeom prst="rect">
+            <a:avLst/>
+          </a:prstGeom>
+          <a:noFill/>
+        </p:spPr>
+        <p:txBody>
+          <a:bodyPr wrap="square" rtlCol="0">
+            <a:spAutoFit/>
+          </a:bodyPr>
+          <a:lstStyle/>
+          <a:p>
+            <a:r>
+              <a:rPr lang="de-DE" dirty="0" smtClean="0"/>
+              <a:t>IDP 1: Modellbasierte </a:t>
+            </a:r>
+            <a:r>
+              <a:rPr lang="de-DE" dirty="0" smtClean="0"/>
+              <a:t>Transformationen für PSS</a:t>
+            </a:r>
+            <a:endParaRPr lang="bg-BG" dirty="0"/>
+          </a:p>
+        </p:txBody>
+      </p:sp>
+      <p:sp>
+        <p:nvSpPr>
+          <p:cNvPr id="7" name="TextBox 6"/>
+          <p:cNvSpPr txBox="1"/>
+          <p:nvPr/>
+        </p:nvSpPr>
+        <p:spPr>
+          <a:xfrm>
+            <a:off x="1000100" y="3214686"/>
+            <a:ext cx="7100862" cy="707886"/>
+          </a:xfrm>
+          <a:prstGeom prst="rect">
+            <a:avLst/>
+          </a:prstGeom>
+          <a:noFill/>
+        </p:spPr>
+        <p:txBody>
+          <a:bodyPr wrap="square" rtlCol="0">
+            <a:spAutoFit/>
+          </a:bodyPr>
+          <a:lstStyle/>
+          <a:p>
+            <a:r>
+              <a:rPr lang="de-DE" dirty="0" smtClean="0"/>
+              <a:t>IDP 2: </a:t>
+            </a:r>
+            <a:r>
+              <a:rPr lang="de-DE" dirty="0" smtClean="0"/>
+              <a:t>Interdisziplinäre Nutzung von Modellinformationen in der Entwicklung von PSS</a:t>
+            </a:r>
+            <a:endParaRPr lang="bg-BG" dirty="0"/>
+          </a:p>
+        </p:txBody>
+      </p:sp>
     </p:spTree>
   </p:cSld>
   <p:clrMapOvr>
@@ -8376,67 +9169,6 @@
       </p:grpSpPr>
       <p:sp>
         <p:nvSpPr>
-          <p:cNvPr id="2" name="Textplatzhalter 1"/>
-          <p:cNvSpPr>
-            <a:spLocks noGrp="1"/>
-          </p:cNvSpPr>
-          <p:nvPr>
-            <p:ph type="body" sz="quarter" idx="10"/>
-          </p:nvPr>
-        </p:nvSpPr>
-        <p:spPr/>
-        <p:txBody>
-          <a:bodyPr/>
-          <a:lstStyle/>
-          <a:p>
-            <a:r>
-              <a:rPr lang="de-DE" dirty="0" smtClean="0"/>
-              <a:t>Motivation</a:t>
-            </a:r>
-          </a:p>
-          <a:p>
-            <a:r>
-              <a:rPr lang="de-DE" dirty="0" smtClean="0"/>
-              <a:t>Forschungsrichtungen</a:t>
-            </a:r>
-          </a:p>
-          <a:p>
-            <a:r>
-              <a:rPr lang="de-DE" b="1" dirty="0" smtClean="0"/>
-              <a:t>Transformationen</a:t>
-            </a:r>
-          </a:p>
-          <a:p>
-            <a:r>
-              <a:rPr lang="de-DE" dirty="0" smtClean="0"/>
-              <a:t>Visualisierung</a:t>
-            </a:r>
-          </a:p>
-          <a:p>
-            <a:r>
-              <a:rPr lang="de-DE" dirty="0" smtClean="0"/>
-              <a:t>Ergebnisse</a:t>
-            </a:r>
-          </a:p>
-          <a:p>
-            <a:r>
-              <a:rPr lang="de-DE" dirty="0" smtClean="0"/>
-              <a:t>DEMO</a:t>
-            </a:r>
-          </a:p>
-          <a:p>
-            <a:r>
-              <a:rPr lang="de-DE" dirty="0" smtClean="0"/>
-              <a:t>Ausblick</a:t>
-            </a:r>
-          </a:p>
-          <a:p>
-            <a:endParaRPr lang="de-DE" dirty="0"/>
-          </a:p>
-        </p:txBody>
-      </p:sp>
-      <p:sp>
-        <p:nvSpPr>
           <p:cNvPr id="3" name="Titel 2"/>
           <p:cNvSpPr>
             <a:spLocks noGrp="1"/>
@@ -8455,6 +9187,375 @@
               <a:t>Agenda</a:t>
             </a:r>
             <a:endParaRPr lang="de-DE" dirty="0"/>
+          </a:p>
+        </p:txBody>
+      </p:sp>
+      <p:sp>
+        <p:nvSpPr>
+          <p:cNvPr id="5" name="Textplatzhalter 1"/>
+          <p:cNvSpPr txBox="1">
+            <a:spLocks/>
+          </p:cNvSpPr>
+          <p:nvPr/>
+        </p:nvSpPr>
+        <p:spPr>
+          <a:xfrm>
+            <a:off x="403224" y="1085850"/>
+            <a:ext cx="5329239" cy="4495813"/>
+          </a:xfrm>
+          <a:prstGeom prst="rect">
+            <a:avLst/>
+          </a:prstGeom>
+        </p:spPr>
+        <p:txBody>
+          <a:bodyPr/>
+          <a:lstStyle/>
+          <a:p>
+            <a:pPr marL="266700" marR="0" lvl="0" indent="-266700" algn="l" defTabSz="914400" rtl="0" eaLnBrk="1" fontAlgn="base" latinLnBrk="0" hangingPunct="1">
+              <a:lnSpc>
+                <a:spcPct val="150000"/>
+              </a:lnSpc>
+              <a:spcBef>
+                <a:spcPct val="20000"/>
+              </a:spcBef>
+              <a:spcAft>
+                <a:spcPct val="0"/>
+              </a:spcAft>
+              <a:buClr>
+                <a:srgbClr val="0065BD"/>
+              </a:buClr>
+              <a:buSzTx/>
+              <a:buFont typeface="Arial" charset="0"/>
+              <a:buChar char="●"/>
+              <a:tabLst/>
+              <a:defRPr/>
+            </a:pPr>
+            <a:r>
+              <a:rPr kumimoji="0" lang="de-DE" sz="2000" b="0" i="0" u="none" strike="noStrike" kern="0" cap="none" spc="0" normalizeH="0" baseline="0" noProof="0" dirty="0" smtClean="0">
+                <a:ln>
+                  <a:noFill/>
+                </a:ln>
+                <a:solidFill>
+                  <a:schemeClr val="tx1"/>
+                </a:solidFill>
+                <a:effectLst/>
+                <a:uLnTx/>
+                <a:uFillTx/>
+                <a:latin typeface="Arial" charset="0"/>
+                <a:ea typeface="+mn-ea"/>
+                <a:cs typeface="+mn-cs"/>
+              </a:rPr>
+              <a:t>Motivation</a:t>
+            </a:r>
+          </a:p>
+          <a:p>
+            <a:pPr marL="266700" marR="0" lvl="0" indent="-266700" algn="l" defTabSz="914400" rtl="0" eaLnBrk="1" fontAlgn="base" latinLnBrk="0" hangingPunct="1">
+              <a:lnSpc>
+                <a:spcPct val="150000"/>
+              </a:lnSpc>
+              <a:spcBef>
+                <a:spcPct val="20000"/>
+              </a:spcBef>
+              <a:spcAft>
+                <a:spcPct val="0"/>
+              </a:spcAft>
+              <a:buClr>
+                <a:srgbClr val="0065BD"/>
+              </a:buClr>
+              <a:buSzTx/>
+              <a:buFont typeface="Arial" charset="0"/>
+              <a:buChar char="●"/>
+              <a:tabLst/>
+              <a:defRPr/>
+            </a:pPr>
+            <a:r>
+              <a:rPr kumimoji="0" lang="de-DE" sz="2000" i="0" u="none" strike="noStrike" kern="0" cap="none" spc="0" normalizeH="0" baseline="0" noProof="0" dirty="0" smtClean="0">
+                <a:ln>
+                  <a:noFill/>
+                </a:ln>
+                <a:solidFill>
+                  <a:schemeClr val="tx1"/>
+                </a:solidFill>
+                <a:effectLst/>
+                <a:uLnTx/>
+                <a:uFillTx/>
+                <a:latin typeface="Arial" charset="0"/>
+                <a:ea typeface="+mn-ea"/>
+                <a:cs typeface="+mn-cs"/>
+              </a:rPr>
+              <a:t>Forschungsrichtungen</a:t>
+            </a:r>
+            <a:endParaRPr kumimoji="0" lang="de-DE" sz="2000" b="1" i="0" u="none" strike="noStrike" kern="0" cap="none" spc="0" normalizeH="0" baseline="0" noProof="0" dirty="0" smtClean="0">
+              <a:ln>
+                <a:noFill/>
+              </a:ln>
+              <a:solidFill>
+                <a:schemeClr val="tx1"/>
+              </a:solidFill>
+              <a:effectLst/>
+              <a:uLnTx/>
+              <a:uFillTx/>
+              <a:latin typeface="Arial" charset="0"/>
+              <a:ea typeface="+mn-ea"/>
+              <a:cs typeface="+mn-cs"/>
+            </a:endParaRPr>
+          </a:p>
+          <a:p>
+            <a:pPr marL="266700" marR="0" lvl="0" indent="-266700" algn="l" defTabSz="914400" rtl="0" eaLnBrk="1" fontAlgn="base" latinLnBrk="0" hangingPunct="1">
+              <a:lnSpc>
+                <a:spcPct val="150000"/>
+              </a:lnSpc>
+              <a:spcBef>
+                <a:spcPct val="20000"/>
+              </a:spcBef>
+              <a:spcAft>
+                <a:spcPct val="0"/>
+              </a:spcAft>
+              <a:buClr>
+                <a:srgbClr val="0065BD"/>
+              </a:buClr>
+              <a:buSzTx/>
+              <a:buFont typeface="Arial" charset="0"/>
+              <a:buChar char="●"/>
+              <a:tabLst/>
+              <a:defRPr/>
+            </a:pPr>
+            <a:r>
+              <a:rPr kumimoji="0" lang="de-DE" sz="2000" b="1" i="0" u="none" strike="noStrike" kern="0" cap="none" spc="0" normalizeH="0" baseline="0" noProof="0" dirty="0" smtClean="0">
+                <a:ln>
+                  <a:noFill/>
+                </a:ln>
+                <a:solidFill>
+                  <a:schemeClr val="tx1"/>
+                </a:solidFill>
+                <a:effectLst/>
+                <a:uLnTx/>
+                <a:uFillTx/>
+                <a:latin typeface="Arial" charset="0"/>
+                <a:ea typeface="+mn-ea"/>
+                <a:cs typeface="+mn-cs"/>
+              </a:rPr>
+              <a:t>Transformationen (IDP 1)</a:t>
+            </a:r>
+            <a:endParaRPr lang="de-DE" b="1" kern="0" noProof="0" dirty="0" smtClean="0">
+              <a:solidFill>
+                <a:schemeClr val="tx1"/>
+              </a:solidFill>
+            </a:endParaRPr>
+          </a:p>
+          <a:p>
+            <a:pPr marL="723900" lvl="1" indent="-266700">
+              <a:spcBef>
+                <a:spcPct val="20000"/>
+              </a:spcBef>
+              <a:buClr>
+                <a:srgbClr val="0065BD"/>
+              </a:buClr>
+              <a:buFont typeface="Arial" charset="0"/>
+              <a:buChar char="●"/>
+            </a:pPr>
+            <a:r>
+              <a:rPr lang="de-DE" sz="1800" dirty="0" smtClean="0"/>
+              <a:t>Ziele</a:t>
+            </a:r>
+          </a:p>
+          <a:p>
+            <a:pPr marL="723900" lvl="1" indent="-266700">
+              <a:spcBef>
+                <a:spcPct val="20000"/>
+              </a:spcBef>
+              <a:buClr>
+                <a:srgbClr val="0065BD"/>
+              </a:buClr>
+              <a:buFont typeface="Arial" charset="0"/>
+              <a:buChar char="●"/>
+            </a:pPr>
+            <a:r>
+              <a:rPr lang="de-DE" sz="1800" dirty="0" smtClean="0"/>
+              <a:t>Lösungsalternativen</a:t>
+            </a:r>
+          </a:p>
+          <a:p>
+            <a:pPr marL="723900" lvl="1" indent="-266700">
+              <a:spcBef>
+                <a:spcPct val="20000"/>
+              </a:spcBef>
+              <a:buClr>
+                <a:srgbClr val="0065BD"/>
+              </a:buClr>
+              <a:buFont typeface="Arial" charset="0"/>
+              <a:buChar char="●"/>
+            </a:pPr>
+            <a:r>
+              <a:rPr lang="de-DE" sz="1800" dirty="0" smtClean="0"/>
+              <a:t>Diskussion </a:t>
+            </a:r>
+            <a:r>
+              <a:rPr lang="de-DE" sz="1800" dirty="0" smtClean="0"/>
+              <a:t>&amp; </a:t>
+            </a:r>
+            <a:r>
+              <a:rPr lang="de-DE" sz="1800" dirty="0" smtClean="0"/>
+              <a:t>Entscheidung</a:t>
+            </a:r>
+          </a:p>
+          <a:p>
+            <a:pPr marL="723900" lvl="1" indent="-266700">
+              <a:spcBef>
+                <a:spcPct val="20000"/>
+              </a:spcBef>
+              <a:buClr>
+                <a:srgbClr val="0065BD"/>
+              </a:buClr>
+              <a:buFont typeface="Arial" charset="0"/>
+              <a:buChar char="●"/>
+            </a:pPr>
+            <a:r>
+              <a:rPr lang="de-DE" sz="1800" dirty="0" smtClean="0"/>
+              <a:t>Implementierung</a:t>
+            </a:r>
+            <a:endParaRPr kumimoji="0" lang="de-DE" sz="1800" b="0" i="0" u="none" strike="noStrike" kern="0" cap="none" spc="0" normalizeH="0" baseline="0" noProof="0" dirty="0" smtClean="0">
+              <a:ln>
+                <a:noFill/>
+              </a:ln>
+              <a:solidFill>
+                <a:schemeClr val="tx1"/>
+              </a:solidFill>
+              <a:effectLst/>
+              <a:uLnTx/>
+              <a:uFillTx/>
+              <a:latin typeface="Arial" charset="0"/>
+              <a:ea typeface="+mn-ea"/>
+              <a:cs typeface="+mn-cs"/>
+            </a:endParaRPr>
+          </a:p>
+          <a:p>
+            <a:pPr marL="266700" marR="0" lvl="0" indent="-266700" algn="l" defTabSz="914400" rtl="0" eaLnBrk="1" fontAlgn="base" latinLnBrk="0" hangingPunct="1">
+              <a:lnSpc>
+                <a:spcPct val="150000"/>
+              </a:lnSpc>
+              <a:spcBef>
+                <a:spcPct val="20000"/>
+              </a:spcBef>
+              <a:spcAft>
+                <a:spcPct val="0"/>
+              </a:spcAft>
+              <a:buClr>
+                <a:srgbClr val="0065BD"/>
+              </a:buClr>
+              <a:buSzTx/>
+              <a:buFont typeface="Arial" charset="0"/>
+              <a:buChar char="●"/>
+              <a:tabLst/>
+              <a:defRPr/>
+            </a:pPr>
+            <a:r>
+              <a:rPr kumimoji="0" lang="de-DE" sz="2000" b="0" i="0" u="none" strike="noStrike" kern="0" cap="none" spc="0" normalizeH="0" baseline="0" noProof="0" dirty="0" smtClean="0">
+                <a:ln>
+                  <a:noFill/>
+                </a:ln>
+                <a:solidFill>
+                  <a:schemeClr val="tx1"/>
+                </a:solidFill>
+                <a:effectLst/>
+                <a:uLnTx/>
+                <a:uFillTx/>
+                <a:latin typeface="Arial" charset="0"/>
+                <a:ea typeface="+mn-ea"/>
+                <a:cs typeface="+mn-cs"/>
+              </a:rPr>
+              <a:t>Visualisierung (IDP 2)</a:t>
+            </a:r>
+          </a:p>
+          <a:p>
+            <a:pPr marL="266700" marR="0" lvl="0" indent="-266700" algn="l" defTabSz="914400" rtl="0" eaLnBrk="1" fontAlgn="base" latinLnBrk="0" hangingPunct="1">
+              <a:lnSpc>
+                <a:spcPct val="150000"/>
+              </a:lnSpc>
+              <a:spcBef>
+                <a:spcPct val="20000"/>
+              </a:spcBef>
+              <a:spcAft>
+                <a:spcPct val="0"/>
+              </a:spcAft>
+              <a:buClr>
+                <a:srgbClr val="0065BD"/>
+              </a:buClr>
+              <a:buSzTx/>
+              <a:buFont typeface="Arial" charset="0"/>
+              <a:buChar char="●"/>
+              <a:tabLst/>
+              <a:defRPr/>
+            </a:pPr>
+            <a:r>
+              <a:rPr kumimoji="0" lang="de-DE" sz="2000" b="0" i="0" u="none" strike="noStrike" kern="0" cap="none" spc="0" normalizeH="0" baseline="0" noProof="0" dirty="0" smtClean="0">
+                <a:ln>
+                  <a:noFill/>
+                </a:ln>
+                <a:solidFill>
+                  <a:schemeClr val="tx1"/>
+                </a:solidFill>
+                <a:effectLst/>
+                <a:uLnTx/>
+                <a:uFillTx/>
+                <a:latin typeface="Arial" charset="0"/>
+                <a:ea typeface="+mn-ea"/>
+                <a:cs typeface="+mn-cs"/>
+              </a:rPr>
+              <a:t>Ergebnisse</a:t>
+            </a:r>
+          </a:p>
+          <a:p>
+            <a:pPr marL="266700" marR="0" lvl="0" indent="-266700" algn="l" defTabSz="914400" rtl="0" eaLnBrk="1" fontAlgn="base" latinLnBrk="0" hangingPunct="1">
+              <a:lnSpc>
+                <a:spcPct val="150000"/>
+              </a:lnSpc>
+              <a:spcBef>
+                <a:spcPct val="20000"/>
+              </a:spcBef>
+              <a:spcAft>
+                <a:spcPct val="0"/>
+              </a:spcAft>
+              <a:buClr>
+                <a:srgbClr val="0065BD"/>
+              </a:buClr>
+              <a:buSzTx/>
+              <a:buFont typeface="Arial" charset="0"/>
+              <a:buChar char="●"/>
+              <a:tabLst/>
+              <a:defRPr/>
+            </a:pPr>
+            <a:r>
+              <a:rPr kumimoji="0" lang="de-DE" sz="2000" b="0" i="0" u="none" strike="noStrike" kern="0" cap="none" spc="0" normalizeH="0" baseline="0" noProof="0" dirty="0" smtClean="0">
+                <a:ln>
+                  <a:noFill/>
+                </a:ln>
+                <a:solidFill>
+                  <a:schemeClr val="tx1"/>
+                </a:solidFill>
+                <a:effectLst/>
+                <a:uLnTx/>
+                <a:uFillTx/>
+                <a:latin typeface="Arial" charset="0"/>
+                <a:ea typeface="+mn-ea"/>
+                <a:cs typeface="+mn-cs"/>
+              </a:rPr>
+              <a:t>Ausblick</a:t>
+            </a:r>
+            <a:endParaRPr kumimoji="0" lang="de-DE" sz="2000" b="0" i="0" u="none" strike="noStrike" kern="0" cap="none" spc="0" normalizeH="0" baseline="0" noProof="0" dirty="0">
+              <a:ln>
+                <a:noFill/>
+              </a:ln>
+              <a:solidFill>
+                <a:schemeClr val="tx1"/>
+              </a:solidFill>
+              <a:effectLst/>
+              <a:uLnTx/>
+              <a:uFillTx/>
+              <a:latin typeface="Arial" charset="0"/>
+              <a:ea typeface="+mn-ea"/>
+              <a:cs typeface="+mn-cs"/>
+            </a:endParaRPr>
           </a:p>
         </p:txBody>
       </p:sp>
@@ -8500,32 +9601,73 @@
             <p:ph type="body" sz="quarter" idx="10"/>
           </p:nvPr>
         </p:nvSpPr>
-        <p:spPr/>
+        <p:spPr>
+          <a:xfrm>
+            <a:off x="250824" y="3290905"/>
+            <a:ext cx="8031164" cy="4495813"/>
+          </a:xfrm>
+        </p:spPr>
         <p:txBody>
           <a:bodyPr/>
           <a:lstStyle/>
           <a:p>
             <a:r>
               <a:rPr lang="de-DE" dirty="0" smtClean="0"/>
-              <a:t>Ziele</a:t>
-            </a:r>
-          </a:p>
-          <a:p>
-            <a:r>
-              <a:rPr lang="de-DE" dirty="0" smtClean="0"/>
-              <a:t>Lösungsalternativen</a:t>
-            </a:r>
-          </a:p>
-          <a:p>
-            <a:r>
-              <a:rPr lang="de-DE" dirty="0" smtClean="0"/>
-              <a:t>Diskussion &amp; Entscheidung</a:t>
-            </a:r>
-          </a:p>
-          <a:p>
-            <a:r>
-              <a:rPr lang="de-DE" dirty="0" smtClean="0"/>
-              <a:t>Implementierung</a:t>
+              <a:t>Transformation von Modellen zwischen jeweils zwei </a:t>
+            </a:r>
+            <a:r>
+              <a:rPr lang="de-DE" dirty="0" smtClean="0"/>
+              <a:t>Sprachen</a:t>
+            </a:r>
+          </a:p>
+          <a:p>
+            <a:r>
+              <a:rPr lang="de-DE" dirty="0" smtClean="0"/>
+              <a:t>Möglichst informationsverlust-frei</a:t>
+            </a:r>
+            <a:endParaRPr lang="de-DE" dirty="0" smtClean="0"/>
+          </a:p>
+          <a:p>
+            <a:r>
+              <a:rPr lang="de-DE" dirty="0" smtClean="0"/>
+              <a:t>Proof-of-Concept (PoC) Implementierung</a:t>
+            </a:r>
+          </a:p>
+          <a:p>
+            <a:r>
+              <a:rPr lang="de-DE" dirty="0" smtClean="0"/>
+              <a:t>4 Beispielsprachen:</a:t>
+            </a:r>
+          </a:p>
+          <a:p>
+            <a:pPr lvl="1"/>
+            <a:r>
+              <a:rPr lang="de-DE" dirty="0" smtClean="0"/>
+              <a:t>Ereignisgesteuerte Prozess-Ketten (EPK)</a:t>
+            </a:r>
+            <a:endParaRPr lang="de-DE" dirty="0" smtClean="0"/>
+          </a:p>
+          <a:p>
+            <a:pPr lvl="1"/>
+            <a:r>
+              <a:rPr lang="de-DE" dirty="0" smtClean="0"/>
+              <a:t>Business Process Modelling Notation (BPMN)</a:t>
+            </a:r>
+            <a:endParaRPr lang="de-DE" dirty="0" smtClean="0"/>
+          </a:p>
+          <a:p>
+            <a:pPr lvl="1"/>
+            <a:r>
+              <a:rPr lang="de-DE" dirty="0" smtClean="0"/>
+              <a:t>Umsatzorientierte Funktions-Modellierung (UFM)</a:t>
+            </a:r>
+            <a:endParaRPr lang="de-DE" dirty="0" smtClean="0"/>
+          </a:p>
+          <a:p>
+            <a:pPr lvl="1"/>
+            <a:r>
+              <a:rPr lang="de-DE" dirty="0" smtClean="0"/>
+              <a:t>Systems Modelling Language for Mechatronics (SysML4Mechatronics)</a:t>
             </a:r>
             <a:endParaRPr lang="de-DE" dirty="0"/>
           </a:p>
@@ -8541,19 +9683,44 @@
             <p:ph type="title"/>
           </p:nvPr>
         </p:nvSpPr>
-        <p:spPr/>
+        <p:spPr>
+          <a:xfrm>
+            <a:off x="250825" y="195526"/>
+            <a:ext cx="8031163" cy="384721"/>
+          </a:xfrm>
+        </p:spPr>
         <p:txBody>
           <a:bodyPr/>
           <a:lstStyle/>
           <a:p>
             <a:r>
               <a:rPr lang="de-DE" dirty="0" smtClean="0"/>
-              <a:t>Transformationen</a:t>
+              <a:t>Transformationen (IDP 1) – Ziele</a:t>
             </a:r>
             <a:endParaRPr lang="de-DE" dirty="0"/>
           </a:p>
         </p:txBody>
       </p:sp>
+      <p:graphicFrame>
+        <p:nvGraphicFramePr>
+          <p:cNvPr id="3078" name="Object 6"/>
+          <p:cNvGraphicFramePr>
+            <a:graphicFrameLocks noChangeAspect="1"/>
+          </p:cNvGraphicFramePr>
+          <p:nvPr/>
+        </p:nvGraphicFramePr>
+        <p:xfrm>
+          <a:off x="1428728" y="928670"/>
+          <a:ext cx="6379312" cy="2109792"/>
+        </p:xfrm>
+        <a:graphic>
+          <a:graphicData uri="http://schemas.openxmlformats.org/presentationml/2006/ole">
+            <p:oleObj spid="_x0000_s3078" name="Visio" r:id="rId3" imgW="4867253" imgH="1609661" progId="Visio.Drawing.15">
+              <p:embed/>
+            </p:oleObj>
+          </a:graphicData>
+        </a:graphic>
+      </p:graphicFrame>
     </p:spTree>
   </p:cSld>
   <p:clrMapOvr>
@@ -8596,56 +9763,60 @@
             <p:ph type="body" sz="quarter" idx="10"/>
           </p:nvPr>
         </p:nvSpPr>
-        <p:spPr/>
+        <p:spPr>
+          <a:xfrm>
+            <a:off x="250824" y="3505219"/>
+            <a:ext cx="8031164" cy="4495813"/>
+          </a:xfrm>
+        </p:spPr>
         <p:txBody>
           <a:bodyPr/>
           <a:lstStyle/>
           <a:p>
             <a:r>
               <a:rPr lang="de-DE" dirty="0" smtClean="0"/>
-              <a:t>Transformation von Modellen zwischen jeweils zwei Sprachen</a:t>
-            </a:r>
-          </a:p>
-          <a:p>
-            <a:r>
-              <a:rPr lang="de-DE" dirty="0" smtClean="0"/>
-              <a:t>Proof-of-Concept (PoC) Implementierung</a:t>
-            </a:r>
-          </a:p>
-          <a:p>
-            <a:r>
-              <a:rPr lang="de-DE" dirty="0" smtClean="0"/>
-              <a:t>4 Beispielsprachen:</a:t>
-            </a:r>
+              <a:t>Direkten Transformationen (kein Zwischenformat)</a:t>
+            </a:r>
+            <a:endParaRPr lang="de-DE" dirty="0" smtClean="0"/>
           </a:p>
           <a:p>
             <a:pPr lvl="1"/>
             <a:r>
               <a:rPr lang="de-DE" dirty="0" smtClean="0"/>
-              <a:t>EPK</a:t>
+              <a:t>Syntax-abhängig</a:t>
             </a:r>
           </a:p>
           <a:p>
             <a:pPr lvl="1"/>
             <a:r>
               <a:rPr lang="de-DE" dirty="0" smtClean="0"/>
-              <a:t>BPMN</a:t>
-            </a:r>
+              <a:t>Syntax-unabhängig</a:t>
+            </a:r>
+          </a:p>
+          <a:p>
+            <a:r>
+              <a:rPr lang="de-DE" dirty="0" smtClean="0"/>
+              <a:t>Indirekten</a:t>
+            </a:r>
+            <a:r>
+              <a:rPr lang="de-DE" dirty="0" smtClean="0"/>
+              <a:t> Transformationen (mit Zwischenformat)</a:t>
+            </a:r>
+            <a:endParaRPr lang="de-DE" dirty="0" smtClean="0"/>
           </a:p>
           <a:p>
             <a:pPr lvl="1"/>
             <a:r>
               <a:rPr lang="de-DE" dirty="0" smtClean="0"/>
-              <a:t>UFM</a:t>
+              <a:t>Fixes Schema für das Zwischenformat</a:t>
             </a:r>
           </a:p>
           <a:p>
             <a:pPr lvl="1"/>
             <a:r>
               <a:rPr lang="de-DE" dirty="0" smtClean="0"/>
-              <a:t>SysML4Mechatronics</a:t>
-            </a:r>
-            <a:endParaRPr lang="de-DE" dirty="0"/>
+              <a:t>Variables Schema für das Zwischenformat</a:t>
+            </a:r>
           </a:p>
         </p:txBody>
       </p:sp>
@@ -8659,14 +9830,27 @@
             <p:ph type="title"/>
           </p:nvPr>
         </p:nvSpPr>
-        <p:spPr/>
+        <p:spPr>
+          <a:xfrm>
+            <a:off x="250825" y="195526"/>
+            <a:ext cx="8031163" cy="384721"/>
+          </a:xfrm>
+        </p:spPr>
         <p:txBody>
           <a:bodyPr/>
           <a:lstStyle/>
           <a:p>
             <a:r>
               <a:rPr lang="de-DE" dirty="0" smtClean="0"/>
-              <a:t>Ziele</a:t>
+              <a:t>Transformationen (IDP 1) </a:t>
+            </a:r>
+            <a:r>
+              <a:rPr lang="de-DE" dirty="0" smtClean="0"/>
+              <a:t>– </a:t>
+            </a:r>
+            <a:r>
+              <a:rPr lang="de-DE" dirty="0" smtClean="0"/>
+              <a:t>Lösungsmöglichkeiten</a:t>
             </a:r>
             <a:endParaRPr lang="de-DE" dirty="0"/>
           </a:p>
@@ -8674,19 +9858,19 @@
       </p:sp>
       <p:graphicFrame>
         <p:nvGraphicFramePr>
-          <p:cNvPr id="3074" name="Object 2"/>
+          <p:cNvPr id="21505" name="Object 1"/>
           <p:cNvGraphicFramePr>
             <a:graphicFrameLocks noChangeAspect="1"/>
           </p:cNvGraphicFramePr>
           <p:nvPr/>
         </p:nvGraphicFramePr>
         <p:xfrm>
-          <a:off x="1357290" y="3786190"/>
-          <a:ext cx="6324600" cy="2009775"/>
+          <a:off x="785786" y="714356"/>
+          <a:ext cx="7711298" cy="2500330"/>
         </p:xfrm>
         <a:graphic>
           <a:graphicData uri="http://schemas.openxmlformats.org/presentationml/2006/ole">
-            <p:oleObj spid="_x0000_s3076" name="Visio" r:id="rId3" imgW="6324703" imgH="2009711" progId="Visio.Drawing.15">
+            <p:oleObj spid="_x0000_s21505" name="Visio" r:id="rId3" imgW="6286384" imgH="2038363" progId="Visio.Drawing.15">
               <p:embed/>
             </p:oleObj>
           </a:graphicData>
@@ -8726,7 +9910,7 @@
       </p:grpSpPr>
       <p:sp>
         <p:nvSpPr>
-          <p:cNvPr id="2" name="Textplatzhalter 1"/>
+          <p:cNvPr id="2" name="Text Placeholder 1"/>
           <p:cNvSpPr>
             <a:spLocks noGrp="1"/>
           </p:cNvSpPr>
@@ -8734,82 +9918,61 @@
             <p:ph type="body" sz="quarter" idx="10"/>
           </p:nvPr>
         </p:nvSpPr>
-        <p:spPr/>
+        <p:spPr>
+          <a:xfrm>
+            <a:off x="250824" y="933450"/>
+            <a:ext cx="8393142" cy="4495813"/>
+          </a:xfrm>
+        </p:spPr>
         <p:txBody>
           <a:bodyPr/>
           <a:lstStyle/>
           <a:p>
-            <a:r>
-              <a:rPr lang="de-DE" dirty="0" smtClean="0"/>
-              <a:t>Allgemein: 4 Lösungsmöglichkeiten</a:t>
-            </a:r>
-            <a:endParaRPr lang="de-DE" dirty="0"/>
-          </a:p>
-          <a:p>
-            <a:r>
-              <a:rPr lang="de-DE" dirty="0" smtClean="0"/>
-              <a:t>Ergeben sich aus zwei Dimensionen</a:t>
-            </a:r>
-          </a:p>
-          <a:p>
-            <a:pPr lvl="1"/>
-            <a:r>
-              <a:rPr lang="de-DE" dirty="0" smtClean="0"/>
-              <a:t>Direkte Transformation</a:t>
-            </a:r>
-          </a:p>
-          <a:p>
-            <a:pPr lvl="1"/>
-            <a:r>
-              <a:rPr lang="de-DE" dirty="0" smtClean="0"/>
-              <a:t>Indirekte Transformation</a:t>
-            </a:r>
-          </a:p>
-          <a:p>
-            <a:r>
-              <a:rPr lang="de-DE" dirty="0" smtClean="0"/>
-              <a:t>Bei direkten Transformationen</a:t>
-            </a:r>
-          </a:p>
-          <a:p>
-            <a:pPr lvl="1"/>
-            <a:r>
-              <a:rPr lang="de-DE" dirty="0" smtClean="0"/>
-              <a:t>Syntax-abhängig</a:t>
-            </a:r>
-          </a:p>
-          <a:p>
-            <a:pPr lvl="1"/>
-            <a:r>
-              <a:rPr lang="de-DE" dirty="0" smtClean="0"/>
-              <a:t>Syntax-unabhängig</a:t>
-            </a:r>
-          </a:p>
-          <a:p>
-            <a:r>
-              <a:rPr lang="de-DE" dirty="0" smtClean="0"/>
-              <a:t>Bei indirekte Transformationen</a:t>
-            </a:r>
-          </a:p>
-          <a:p>
-            <a:pPr lvl="1"/>
-            <a:r>
-              <a:rPr lang="de-DE" dirty="0" smtClean="0"/>
-              <a:t>Fixes Schema für das Zwischenformat</a:t>
-            </a:r>
-          </a:p>
-          <a:p>
-            <a:pPr lvl="1"/>
-            <a:r>
-              <a:rPr lang="de-DE" dirty="0" smtClean="0"/>
-              <a:t>Variables Schema für das Zwischenformat</a:t>
-            </a:r>
+            <a:pPr>
+              <a:buNone/>
+            </a:pPr>
+            <a:r>
+              <a:rPr lang="de-DE" dirty="0" smtClean="0"/>
+              <a:t>Direkte Überführung eines Modells in der Quellsprache A zu einem Modell in </a:t>
+            </a:r>
+            <a:r>
+              <a:rPr lang="de-DE" dirty="0" smtClean="0"/>
+              <a:t>der Zielsprache B, auf </a:t>
+            </a:r>
+            <a:r>
+              <a:rPr lang="de-DE" dirty="0" smtClean="0"/>
+              <a:t>Ebene der konkreten Syntax der jeweiligen Sprachen</a:t>
+            </a:r>
+          </a:p>
+          <a:p>
+            <a:r>
+              <a:rPr lang="de-DE" dirty="0" smtClean="0"/>
+              <a:t>Vorteil: Sehr nahe an den Sprachen</a:t>
+            </a:r>
+          </a:p>
+          <a:p>
+            <a:r>
+              <a:rPr lang="de-DE" dirty="0" smtClean="0"/>
+              <a:t>Nachteil: Aufwand steigt exponentiell in der Anzahl an Sprachen und Formate</a:t>
+            </a:r>
+            <a:endParaRPr lang="de-DE" dirty="0" smtClean="0"/>
+          </a:p>
+          <a:p>
+            <a:r>
+              <a:rPr lang="de-DE" dirty="0" smtClean="0"/>
+              <a:t>Beispiel: </a:t>
+            </a:r>
+            <a:r>
+              <a:rPr lang="de-DE" dirty="0" smtClean="0"/>
+              <a:t>XSLT</a:t>
+            </a:r>
+            <a:endParaRPr lang="de-DE" dirty="0" smtClean="0"/>
           </a:p>
         </p:txBody>
       </p:sp>
       <p:sp>
         <p:nvSpPr>
-          <p:cNvPr id="3" name="Titel 2"/>
+          <p:cNvPr id="3" name="Title 2"/>
           <p:cNvSpPr>
             <a:spLocks noGrp="1"/>
           </p:cNvSpPr>
@@ -8817,31 +9980,64 @@
             <p:ph type="title"/>
           </p:nvPr>
         </p:nvSpPr>
-        <p:spPr/>
+        <p:spPr>
+          <a:xfrm>
+            <a:off x="250825" y="195526"/>
+            <a:ext cx="8031163" cy="600164"/>
+          </a:xfrm>
+        </p:spPr>
         <p:txBody>
           <a:bodyPr/>
           <a:lstStyle/>
           <a:p>
             <a:r>
               <a:rPr lang="de-DE" dirty="0" smtClean="0"/>
-              <a:t>Lösungsmöglichkeiten</a:t>
-            </a:r>
-            <a:endParaRPr lang="de-DE" dirty="0"/>
+              <a:t>Transformationen (IDP 1) </a:t>
+            </a:r>
+            <a:r>
+              <a:rPr lang="de-DE" dirty="0" smtClean="0"/>
+              <a:t>– Lösungsmöglichkeit 1</a:t>
+            </a:r>
+            <a:br>
+              <a:rPr lang="de-DE" dirty="0" smtClean="0"/>
+            </a:br>
+            <a:r>
+              <a:rPr lang="de-DE" sz="1400" dirty="0" smtClean="0"/>
+              <a:t>Direkte </a:t>
+            </a:r>
+            <a:r>
+              <a:rPr lang="de-DE" sz="1400" dirty="0" smtClean="0"/>
+              <a:t>syntax-abhängigte Transformation </a:t>
+            </a:r>
+            <a:endParaRPr lang="bg-BG" sz="1400" dirty="0"/>
           </a:p>
         </p:txBody>
       </p:sp>
+      <p:graphicFrame>
+        <p:nvGraphicFramePr>
+          <p:cNvPr id="4102" name="Object 6"/>
+          <p:cNvGraphicFramePr>
+            <a:graphicFrameLocks noChangeAspect="1"/>
+          </p:cNvGraphicFramePr>
+          <p:nvPr/>
+        </p:nvGraphicFramePr>
+        <p:xfrm>
+          <a:off x="785813" y="2786058"/>
+          <a:ext cx="7496175" cy="3209925"/>
+        </p:xfrm>
+        <a:graphic>
+          <a:graphicData uri="http://schemas.openxmlformats.org/presentationml/2006/ole">
+            <p:oleObj spid="_x0000_s4102" name="Visio" r:id="rId3" imgW="7496114" imgH="3209861" progId="Visio.Drawing.15">
+              <p:embed/>
+            </p:oleObj>
+          </a:graphicData>
+        </a:graphic>
+      </p:graphicFrame>
     </p:spTree>
   </p:cSld>
   <p:clrMapOvr>
     <a:masterClrMapping/>
   </p:clrMapOvr>
-  <p:timing>
-    <p:tnLst>
-      <p:par>
-        <p:cTn id="1" dur="indefinite" restart="never" nodeType="tmRoot"/>
-      </p:par>
-    </p:tnLst>
-  </p:timing>
 </p:sld>
 </file>
 

--- a/pssif/doc/PSSIF.pptx
+++ b/pssif/doc/PSSIF.pptx
@@ -5,10 +5,10 @@
     <p:sldMasterId id="2147483837" r:id="rId1"/>
   </p:sldMasterIdLst>
   <p:notesMasterIdLst>
-    <p:notesMasterId r:id="rId40"/>
+    <p:notesMasterId r:id="rId39"/>
   </p:notesMasterIdLst>
   <p:handoutMasterIdLst>
-    <p:handoutMasterId r:id="rId41"/>
+    <p:handoutMasterId r:id="rId40"/>
   </p:handoutMasterIdLst>
   <p:sldIdLst>
     <p:sldId id="256" r:id="rId2"/>
@@ -32,28 +32,27 @@
     <p:sldId id="296" r:id="rId20"/>
     <p:sldId id="295" r:id="rId21"/>
     <p:sldId id="275" r:id="rId22"/>
-    <p:sldId id="264" r:id="rId23"/>
-    <p:sldId id="269" r:id="rId24"/>
-    <p:sldId id="270" r:id="rId25"/>
-    <p:sldId id="271" r:id="rId26"/>
-    <p:sldId id="272" r:id="rId27"/>
-    <p:sldId id="277" r:id="rId28"/>
-    <p:sldId id="278" r:id="rId29"/>
-    <p:sldId id="279" r:id="rId30"/>
-    <p:sldId id="280" r:id="rId31"/>
-    <p:sldId id="281" r:id="rId32"/>
-    <p:sldId id="282" r:id="rId33"/>
-    <p:sldId id="283" r:id="rId34"/>
-    <p:sldId id="276" r:id="rId35"/>
-    <p:sldId id="265" r:id="rId36"/>
-    <p:sldId id="286" r:id="rId37"/>
-    <p:sldId id="285" r:id="rId38"/>
-    <p:sldId id="267" r:id="rId39"/>
+    <p:sldId id="269" r:id="rId23"/>
+    <p:sldId id="270" r:id="rId24"/>
+    <p:sldId id="271" r:id="rId25"/>
+    <p:sldId id="272" r:id="rId26"/>
+    <p:sldId id="277" r:id="rId27"/>
+    <p:sldId id="278" r:id="rId28"/>
+    <p:sldId id="279" r:id="rId29"/>
+    <p:sldId id="280" r:id="rId30"/>
+    <p:sldId id="281" r:id="rId31"/>
+    <p:sldId id="282" r:id="rId32"/>
+    <p:sldId id="283" r:id="rId33"/>
+    <p:sldId id="276" r:id="rId34"/>
+    <p:sldId id="265" r:id="rId35"/>
+    <p:sldId id="286" r:id="rId36"/>
+    <p:sldId id="285" r:id="rId37"/>
+    <p:sldId id="267" r:id="rId38"/>
   </p:sldIdLst>
   <p:sldSz cx="9144000" cy="6858000" type="screen4x3"/>
   <p:notesSz cx="6797675" cy="9926638"/>
   <p:custDataLst>
-    <p:tags r:id="rId42"/>
+    <p:tags r:id="rId41"/>
   </p:custDataLst>
   <p:defaultTextStyle>
     <a:defPPr>
@@ -182,7 +181,7 @@
   </p:defaultTextStyle>
   <p:extLst>
     <p:ext uri="{EFAFB233-063F-42B5-8137-9DF3F51BA10A}">
-      <p15:sldGuideLst xmlns="" xmlns:p15="http://schemas.microsoft.com/office/powerpoint/2012/main">
+      <p15:sldGuideLst xmlns:p15="http://schemas.microsoft.com/office/powerpoint/2012/main">
         <p15:guide id="1" orient="horz" pos="3612">
           <p15:clr>
             <a:srgbClr val="A4A3A4"/>
@@ -256,7 +255,7 @@
       </p15:sldGuideLst>
     </p:ext>
     <p:ext uri="{2D200454-40CA-4A62-9FC3-DE9A4176ACB9}">
-      <p15:notesGuideLst xmlns="" xmlns:p15="http://schemas.microsoft.com/office/powerpoint/2012/main">
+      <p15:notesGuideLst xmlns:p15="http://schemas.microsoft.com/office/powerpoint/2012/main">
         <p15:guide id="1" orient="horz" pos="3128">
           <p15:clr>
             <a:srgbClr val="A4A3A4"/>
@@ -275,7 +274,7 @@
 
 <file path=ppt/commentAuthors.xml><?xml version="1.0" encoding="utf-8"?>
 <p:cmAuthorLst xmlns:a="http://schemas.openxmlformats.org/drawingml/2006/main" xmlns:r="http://schemas.openxmlformats.org/officeDocument/2006/relationships" xmlns:p="http://schemas.openxmlformats.org/presentationml/2006/main">
-  <p:cmAuthor id="3" name="Author" initials="A" lastIdx="0" clrIdx="3"/>
+  <p:cmAuthor id="4" name="Autor" initials="A" lastIdx="0" clrIdx="4"/>
 </p:cmAuthorLst>
 </file>
 
@@ -493,7 +492,7 @@
               <a:pPr>
                 <a:defRPr/>
               </a:pPr>
-              <a:t>‹#›</a:t>
+              <a:t>‹Nr.›</a:t>
             </a:fld>
             <a:endParaRPr lang="de-DE"/>
           </a:p>
@@ -502,7 +501,7 @@
     </p:spTree>
     <p:extLst>
       <p:ext uri="{BB962C8B-B14F-4D97-AF65-F5344CB8AC3E}">
-        <p14:creationId xmlns="" xmlns:p14="http://schemas.microsoft.com/office/powerpoint/2010/main" val="164483809"/>
+        <p14:creationId xmlns:p14="http://schemas.microsoft.com/office/powerpoint/2010/main" val="164483809"/>
       </p:ext>
     </p:extLst>
   </p:cSld>
@@ -835,7 +834,7 @@
               <a:pPr>
                 <a:defRPr/>
               </a:pPr>
-              <a:t>‹#›</a:t>
+              <a:t>‹Nr.›</a:t>
             </a:fld>
             <a:endParaRPr lang="de-DE"/>
           </a:p>
@@ -844,7 +843,7 @@
     </p:spTree>
     <p:extLst>
       <p:ext uri="{BB962C8B-B14F-4D97-AF65-F5344CB8AC3E}">
-        <p14:creationId xmlns="" xmlns:p14="http://schemas.microsoft.com/office/powerpoint/2010/main" val="220946427"/>
+        <p14:creationId xmlns:p14="http://schemas.microsoft.com/office/powerpoint/2010/main" val="220946427"/>
       </p:ext>
     </p:extLst>
   </p:cSld>
@@ -1277,7 +1276,7 @@
           <a:blip r:embed="rId3" cstate="print">
             <a:extLst>
               <a:ext uri="{28A0092B-C50C-407E-A947-70E740481C1C}">
-                <a14:useLocalDpi xmlns="" xmlns:a14="http://schemas.microsoft.com/office/drawing/2010/main" val="0"/>
+                <a14:useLocalDpi xmlns:a14="http://schemas.microsoft.com/office/drawing/2010/main" val="0"/>
               </a:ext>
             </a:extLst>
           </a:blip>
@@ -1307,7 +1306,7 @@
           <a:blip r:embed="rId4" cstate="print">
             <a:extLst>
               <a:ext uri="{28A0092B-C50C-407E-A947-70E740481C1C}">
-                <a14:useLocalDpi xmlns="" xmlns:a14="http://schemas.microsoft.com/office/drawing/2010/main" val="0"/>
+                <a14:useLocalDpi xmlns:a14="http://schemas.microsoft.com/office/drawing/2010/main" val="0"/>
               </a:ext>
             </a:extLst>
           </a:blip>
@@ -1337,7 +1336,7 @@
           <a:blip r:embed="rId5" cstate="print">
             <a:extLst>
               <a:ext uri="{28A0092B-C50C-407E-A947-70E740481C1C}">
-                <a14:useLocalDpi xmlns="" xmlns:a14="http://schemas.microsoft.com/office/drawing/2010/main" val="0"/>
+                <a14:useLocalDpi xmlns:a14="http://schemas.microsoft.com/office/drawing/2010/main" val="0"/>
               </a:ext>
             </a:extLst>
           </a:blip>
@@ -1493,7 +1492,7 @@
                 </a:spcAft>
                 <a:defRPr/>
               </a:pPr>
-              <a:t>‹#›</a:t>
+              <a:t>‹Nr.›</a:t>
             </a:fld>
             <a:endParaRPr lang="de-DE" sz="800" kern="0" dirty="0">
               <a:solidFill>
@@ -1632,7 +1631,7 @@
           <a:blip r:embed="rId2" cstate="print">
             <a:extLst>
               <a:ext uri="{28A0092B-C50C-407E-A947-70E740481C1C}">
-                <a14:useLocalDpi xmlns="" xmlns:a14="http://schemas.microsoft.com/office/drawing/2010/main" val="0"/>
+                <a14:useLocalDpi xmlns:a14="http://schemas.microsoft.com/office/drawing/2010/main" val="0"/>
               </a:ext>
             </a:extLst>
           </a:blip>
@@ -1662,7 +1661,7 @@
           <a:blip r:embed="rId3" cstate="print">
             <a:extLst>
               <a:ext uri="{28A0092B-C50C-407E-A947-70E740481C1C}">
-                <a14:useLocalDpi xmlns="" xmlns:a14="http://schemas.microsoft.com/office/drawing/2010/main" val="0"/>
+                <a14:useLocalDpi xmlns:a14="http://schemas.microsoft.com/office/drawing/2010/main" val="0"/>
               </a:ext>
             </a:extLst>
           </a:blip>
@@ -1692,7 +1691,7 @@
           <a:blip r:embed="rId4" cstate="print">
             <a:extLst>
               <a:ext uri="{28A0092B-C50C-407E-A947-70E740481C1C}">
-                <a14:useLocalDpi xmlns="" xmlns:a14="http://schemas.microsoft.com/office/drawing/2010/main" val="0"/>
+                <a14:useLocalDpi xmlns:a14="http://schemas.microsoft.com/office/drawing/2010/main" val="0"/>
               </a:ext>
             </a:extLst>
           </a:blip>
@@ -2290,11 +2289,7 @@
           <a:p>
             <a:r>
               <a:rPr lang="de-DE" dirty="0" smtClean="0"/>
-              <a:t>Direkte Überführung von Quellsprache A nach Zielsprache B über eigenes abstraktes </a:t>
-            </a:r>
-            <a:r>
-              <a:rPr lang="de-DE" dirty="0" smtClean="0"/>
-              <a:t>Datenmodell</a:t>
+              <a:t>Direkte Überführung von Quellsprache A nach Zielsprache B über eigenes abstraktes Datenmodell</a:t>
             </a:r>
           </a:p>
           <a:p>
@@ -2308,7 +2303,6 @@
               <a:rPr lang="de-DE" dirty="0" smtClean="0"/>
               <a:t>Nachteil: Aufwand steigt exponentiell in der Anzahl an Sprachen</a:t>
             </a:r>
-            <a:endParaRPr lang="de-DE" dirty="0" smtClean="0"/>
           </a:p>
         </p:txBody>
       </p:sp>
@@ -2334,30 +2328,14 @@
           <a:p>
             <a:r>
               <a:rPr lang="de-DE" dirty="0" smtClean="0"/>
-              <a:t>Transformationen</a:t>
-            </a:r>
-            <a:r>
-              <a:rPr lang="de-DE" dirty="0" smtClean="0"/>
-              <a:t> (IDP 1) </a:t>
-            </a:r>
-            <a:r>
-              <a:rPr lang="de-DE" dirty="0" smtClean="0"/>
-              <a:t>– </a:t>
-            </a:r>
-            <a:r>
-              <a:rPr lang="de-DE" dirty="0" smtClean="0"/>
-              <a:t>Lösungsmöglichkeit 2</a:t>
+              <a:t>Transformationen (IDP 1) – Lösungsmöglichkeit 2</a:t>
             </a:r>
             <a:br>
               <a:rPr lang="de-DE" dirty="0" smtClean="0"/>
             </a:br>
             <a:r>
               <a:rPr lang="de-DE" sz="1400" dirty="0" smtClean="0"/>
-              <a:t>Direkte </a:t>
-            </a:r>
-            <a:r>
-              <a:rPr lang="de-DE" sz="1400" dirty="0" smtClean="0"/>
-              <a:t>syntax-unabhängigte Transformation</a:t>
+              <a:t>Direkte syntax-unabhängigte Transformation</a:t>
             </a:r>
             <a:endParaRPr lang="bg-BG" sz="1400" dirty="0"/>
           </a:p>
@@ -2377,9 +2355,82 @@
         </p:xfrm>
         <a:graphic>
           <a:graphicData uri="http://schemas.openxmlformats.org/presentationml/2006/ole">
-            <p:oleObj spid="_x0000_s25601" name="Visio" r:id="rId3" imgW="6800715" imgH="3000375" progId="Visio.Drawing.15">
-              <p:embed/>
-            </p:oleObj>
+            <mc:AlternateContent xmlns:mc="http://schemas.openxmlformats.org/markup-compatibility/2006">
+              <mc:Choice xmlns:v="urn:schemas-microsoft-com:vml" Requires="v">
+                <p:oleObj spid="_x0000_s25606" name="Visio" r:id="rId3" imgW="6800715" imgH="3000375" progId="Visio.Drawing.15">
+                  <p:embed/>
+                </p:oleObj>
+              </mc:Choice>
+              <mc:Fallback>
+                <p:oleObj name="Visio" r:id="rId3" imgW="6800715" imgH="3000375" progId="Visio.Drawing.15">
+                  <p:embed/>
+                  <p:pic>
+                    <p:nvPicPr>
+                      <p:cNvPr id="0" name="Picture 1"/>
+                      <p:cNvPicPr>
+                        <a:picLocks noChangeAspect="1" noChangeArrowheads="1"/>
+                      </p:cNvPicPr>
+                      <p:nvPr/>
+                    </p:nvPicPr>
+                    <p:blipFill>
+                      <a:blip r:embed="rId4">
+                        <a:extLst>
+                          <a:ext uri="{28A0092B-C50C-407E-A947-70E740481C1C}">
+                            <a14:useLocalDpi xmlns:a14="http://schemas.microsoft.com/office/drawing/2010/main" val="0"/>
+                          </a:ext>
+                        </a:extLst>
+                      </a:blip>
+                      <a:srcRect/>
+                      <a:stretch>
+                        <a:fillRect/>
+                      </a:stretch>
+                    </p:blipFill>
+                    <p:spPr bwMode="auto">
+                      <a:xfrm>
+                        <a:off x="642909" y="2428868"/>
+                        <a:ext cx="7772407" cy="3429003"/>
+                      </a:xfrm>
+                      <a:prstGeom prst="rect">
+                        <a:avLst/>
+                      </a:prstGeom>
+                      <a:noFill/>
+                      <a:ln>
+                        <a:noFill/>
+                      </a:ln>
+                      <a:effectLst/>
+                      <a:extLst>
+                        <a:ext uri="{909E8E84-426E-40DD-AFC4-6F175D3DCCD1}">
+                          <a14:hiddenFill xmlns:a14="http://schemas.microsoft.com/office/drawing/2010/main">
+                            <a:solidFill>
+                              <a:schemeClr val="accent1"/>
+                            </a:solidFill>
+                          </a14:hiddenFill>
+                        </a:ext>
+                        <a:ext uri="{91240B29-F687-4F45-9708-019B960494DF}">
+                          <a14:hiddenLine xmlns:a14="http://schemas.microsoft.com/office/drawing/2010/main" w="9525">
+                            <a:solidFill>
+                              <a:schemeClr val="tx1"/>
+                            </a:solidFill>
+                            <a:miter lim="800000"/>
+                            <a:headEnd/>
+                            <a:tailEnd/>
+                          </a14:hiddenLine>
+                        </a:ext>
+                        <a:ext uri="{AF507438-7753-43E0-B8FC-AC1667EBCBE1}">
+                          <a14:hiddenEffects xmlns:a14="http://schemas.microsoft.com/office/drawing/2010/main">
+                            <a:effectLst>
+                              <a:outerShdw dist="35921" dir="2700000" algn="ctr" rotWithShape="0">
+                                <a:schemeClr val="bg2"/>
+                              </a:outerShdw>
+                            </a:effectLst>
+                          </a14:hiddenEffects>
+                        </a:ext>
+                      </a:extLst>
+                    </p:spPr>
+                  </p:pic>
+                </p:oleObj>
+              </mc:Fallback>
+            </mc:AlternateContent>
           </a:graphicData>
         </a:graphic>
       </p:graphicFrame>
@@ -2388,6 +2439,13 @@
   <p:clrMapOvr>
     <a:masterClrMapping/>
   </p:clrMapOvr>
+  <p:timing>
+    <p:tnLst>
+      <p:par>
+        <p:cTn id="1" dur="indefinite" restart="never" nodeType="tmRoot"/>
+      </p:par>
+    </p:tnLst>
+  </p:timing>
 </p:sld>
 </file>
 
@@ -2442,28 +2500,14 @@
           <a:p>
             <a:r>
               <a:rPr lang="de-DE" dirty="0" smtClean="0"/>
-              <a:t>Vorteil: Abstraktion </a:t>
-            </a:r>
-            <a:r>
-              <a:rPr lang="de-DE" dirty="0" smtClean="0"/>
-              <a:t>von </a:t>
-            </a:r>
-            <a:r>
-              <a:rPr lang="de-DE" dirty="0" smtClean="0"/>
-              <a:t>der Syntax der Sprachen</a:t>
-            </a:r>
-            <a:r>
-              <a:rPr lang="de-DE" dirty="0" smtClean="0"/>
-              <a:t>, geringer Aufwand für neue Sprache</a:t>
-            </a:r>
-            <a:endParaRPr lang="de-DE" dirty="0" smtClean="0"/>
+              <a:t>Vorteil: Abstraktion von der Syntax der Sprachen, geringer Aufwand für neue Sprache</a:t>
+            </a:r>
           </a:p>
           <a:p>
             <a:r>
               <a:rPr lang="de-DE" dirty="0" smtClean="0"/>
               <a:t>Nachteil: Großer Aufwand bei Änderung am Zwischenschema</a:t>
             </a:r>
-            <a:endParaRPr lang="de-DE" dirty="0" smtClean="0"/>
           </a:p>
         </p:txBody>
       </p:sp>
@@ -2489,30 +2533,14 @@
           <a:p>
             <a:r>
               <a:rPr lang="de-DE" dirty="0" smtClean="0"/>
-              <a:t>Transformationen</a:t>
-            </a:r>
-            <a:r>
-              <a:rPr lang="de-DE" dirty="0" smtClean="0"/>
-              <a:t> (IDP 1) </a:t>
-            </a:r>
-            <a:r>
-              <a:rPr lang="de-DE" dirty="0" smtClean="0"/>
-              <a:t>– </a:t>
-            </a:r>
-            <a:r>
-              <a:rPr lang="de-DE" dirty="0" smtClean="0"/>
-              <a:t>Lösungsmöglichkeit 3</a:t>
+              <a:t>Transformationen (IDP 1) – Lösungsmöglichkeit 3</a:t>
             </a:r>
             <a:br>
               <a:rPr lang="de-DE" dirty="0" smtClean="0"/>
             </a:br>
             <a:r>
               <a:rPr lang="de-DE" sz="1400" dirty="0" smtClean="0"/>
-              <a:t>Indirekte </a:t>
-            </a:r>
-            <a:r>
-              <a:rPr lang="de-DE" sz="1400" dirty="0" smtClean="0"/>
-              <a:t>Transformation mit fixem Schema</a:t>
+              <a:t>Indirekte Transformation mit fixem Schema</a:t>
             </a:r>
             <a:endParaRPr lang="bg-BG" sz="1400" dirty="0"/>
           </a:p>
@@ -2532,9 +2560,82 @@
         </p:xfrm>
         <a:graphic>
           <a:graphicData uri="http://schemas.openxmlformats.org/presentationml/2006/ole">
-            <p:oleObj spid="_x0000_s24577" name="Visio" r:id="rId3" imgW="6800715" imgH="3067140" progId="Visio.Drawing.15">
-              <p:embed/>
-            </p:oleObj>
+            <mc:AlternateContent xmlns:mc="http://schemas.openxmlformats.org/markup-compatibility/2006">
+              <mc:Choice xmlns:v="urn:schemas-microsoft-com:vml" Requires="v">
+                <p:oleObj spid="_x0000_s24582" name="Visio" r:id="rId3" imgW="6800715" imgH="3067140" progId="Visio.Drawing.15">
+                  <p:embed/>
+                </p:oleObj>
+              </mc:Choice>
+              <mc:Fallback>
+                <p:oleObj name="Visio" r:id="rId3" imgW="6800715" imgH="3067140" progId="Visio.Drawing.15">
+                  <p:embed/>
+                  <p:pic>
+                    <p:nvPicPr>
+                      <p:cNvPr id="0" name="Picture 1"/>
+                      <p:cNvPicPr>
+                        <a:picLocks noChangeAspect="1" noChangeArrowheads="1"/>
+                      </p:cNvPicPr>
+                      <p:nvPr/>
+                    </p:nvPicPr>
+                    <p:blipFill>
+                      <a:blip r:embed="rId4">
+                        <a:extLst>
+                          <a:ext uri="{28A0092B-C50C-407E-A947-70E740481C1C}">
+                            <a14:useLocalDpi xmlns:a14="http://schemas.microsoft.com/office/drawing/2010/main" val="0"/>
+                          </a:ext>
+                        </a:extLst>
+                      </a:blip>
+                      <a:srcRect/>
+                      <a:stretch>
+                        <a:fillRect/>
+                      </a:stretch>
+                    </p:blipFill>
+                    <p:spPr bwMode="auto">
+                      <a:xfrm>
+                        <a:off x="857224" y="2571744"/>
+                        <a:ext cx="7286676" cy="3286148"/>
+                      </a:xfrm>
+                      <a:prstGeom prst="rect">
+                        <a:avLst/>
+                      </a:prstGeom>
+                      <a:noFill/>
+                      <a:ln>
+                        <a:noFill/>
+                      </a:ln>
+                      <a:effectLst/>
+                      <a:extLst>
+                        <a:ext uri="{909E8E84-426E-40DD-AFC4-6F175D3DCCD1}">
+                          <a14:hiddenFill xmlns:a14="http://schemas.microsoft.com/office/drawing/2010/main">
+                            <a:solidFill>
+                              <a:schemeClr val="accent1"/>
+                            </a:solidFill>
+                          </a14:hiddenFill>
+                        </a:ext>
+                        <a:ext uri="{91240B29-F687-4F45-9708-019B960494DF}">
+                          <a14:hiddenLine xmlns:a14="http://schemas.microsoft.com/office/drawing/2010/main" w="9525">
+                            <a:solidFill>
+                              <a:schemeClr val="tx1"/>
+                            </a:solidFill>
+                            <a:miter lim="800000"/>
+                            <a:headEnd/>
+                            <a:tailEnd/>
+                          </a14:hiddenLine>
+                        </a:ext>
+                        <a:ext uri="{AF507438-7753-43E0-B8FC-AC1667EBCBE1}">
+                          <a14:hiddenEffects xmlns:a14="http://schemas.microsoft.com/office/drawing/2010/main">
+                            <a:effectLst>
+                              <a:outerShdw dist="35921" dir="2700000" algn="ctr" rotWithShape="0">
+                                <a:schemeClr val="bg2"/>
+                              </a:outerShdw>
+                            </a:effectLst>
+                          </a14:hiddenEffects>
+                        </a:ext>
+                      </a:extLst>
+                    </p:spPr>
+                  </p:pic>
+                </p:oleObj>
+              </mc:Fallback>
+            </mc:AlternateContent>
           </a:graphicData>
         </a:graphic>
       </p:graphicFrame>
@@ -2543,6 +2644,13 @@
   <p:clrMapOvr>
     <a:masterClrMapping/>
   </p:clrMapOvr>
+  <p:timing>
+    <p:tnLst>
+      <p:par>
+        <p:cTn id="1" dur="indefinite" restart="never" nodeType="tmRoot"/>
+      </p:par>
+    </p:tnLst>
+  </p:timing>
 </p:sld>
 </file>
 
@@ -2605,7 +2713,6 @@
               <a:rPr lang="de-DE" dirty="0" smtClean="0"/>
               <a:t>Beispiel: EMF</a:t>
             </a:r>
-            <a:endParaRPr lang="de-DE" dirty="0" smtClean="0"/>
           </a:p>
         </p:txBody>
       </p:sp>
@@ -2635,26 +2742,18 @@
             </a:r>
             <a:r>
               <a:rPr lang="de-DE" dirty="0" smtClean="0"/>
-              <a:t> (IDP 1) </a:t>
-            </a:r>
-            <a:r>
-              <a:rPr lang="de-DE" dirty="0" smtClean="0"/>
-              <a:t>– </a:t>
-            </a:r>
-            <a:r>
-              <a:rPr lang="de-DE" dirty="0" smtClean="0"/>
-              <a:t>Lösungsmöglichkeit 4</a:t>
+              <a:t>(</a:t>
+            </a:r>
+            <a:r>
+              <a:rPr lang="de-DE" dirty="0" smtClean="0"/>
+              <a:t>IDP 1) – Lösungsmöglichkeit 4</a:t>
             </a:r>
             <a:br>
               <a:rPr lang="de-DE" dirty="0" smtClean="0"/>
             </a:br>
             <a:r>
               <a:rPr lang="de-DE" sz="1400" dirty="0" smtClean="0"/>
-              <a:t>Indirekte </a:t>
-            </a:r>
-            <a:r>
-              <a:rPr lang="de-DE" sz="1400" dirty="0" smtClean="0"/>
-              <a:t>Transformation mit variablem Schema</a:t>
+              <a:t>Indirekte Transformation mit variablem Schema</a:t>
             </a:r>
             <a:endParaRPr lang="bg-BG" sz="1400" dirty="0"/>
           </a:p>
@@ -2674,9 +2773,82 @@
         </p:xfrm>
         <a:graphic>
           <a:graphicData uri="http://schemas.openxmlformats.org/presentationml/2006/ole">
-            <p:oleObj spid="_x0000_s23553" name="Visio" r:id="rId3" imgW="7248393" imgH="2219196" progId="Visio.Drawing.15">
-              <p:embed/>
-            </p:oleObj>
+            <mc:AlternateContent xmlns:mc="http://schemas.openxmlformats.org/markup-compatibility/2006">
+              <mc:Choice xmlns:v="urn:schemas-microsoft-com:vml" Requires="v">
+                <p:oleObj spid="_x0000_s23558" name="Visio" r:id="rId3" imgW="7248393" imgH="2219196" progId="Visio.Drawing.15">
+                  <p:embed/>
+                </p:oleObj>
+              </mc:Choice>
+              <mc:Fallback>
+                <p:oleObj name="Visio" r:id="rId3" imgW="7248393" imgH="2219196" progId="Visio.Drawing.15">
+                  <p:embed/>
+                  <p:pic>
+                    <p:nvPicPr>
+                      <p:cNvPr id="0" name="Picture 1"/>
+                      <p:cNvPicPr>
+                        <a:picLocks noChangeAspect="1" noChangeArrowheads="1"/>
+                      </p:cNvPicPr>
+                      <p:nvPr/>
+                    </p:nvPicPr>
+                    <p:blipFill>
+                      <a:blip r:embed="rId4">
+                        <a:extLst>
+                          <a:ext uri="{28A0092B-C50C-407E-A947-70E740481C1C}">
+                            <a14:useLocalDpi xmlns:a14="http://schemas.microsoft.com/office/drawing/2010/main" val="0"/>
+                          </a:ext>
+                        </a:extLst>
+                      </a:blip>
+                      <a:srcRect/>
+                      <a:stretch>
+                        <a:fillRect/>
+                      </a:stretch>
+                    </p:blipFill>
+                    <p:spPr bwMode="auto">
+                      <a:xfrm>
+                        <a:off x="500034" y="2857496"/>
+                        <a:ext cx="8166314" cy="2500330"/>
+                      </a:xfrm>
+                      <a:prstGeom prst="rect">
+                        <a:avLst/>
+                      </a:prstGeom>
+                      <a:noFill/>
+                      <a:ln>
+                        <a:noFill/>
+                      </a:ln>
+                      <a:effectLst/>
+                      <a:extLst>
+                        <a:ext uri="{909E8E84-426E-40DD-AFC4-6F175D3DCCD1}">
+                          <a14:hiddenFill xmlns:a14="http://schemas.microsoft.com/office/drawing/2010/main">
+                            <a:solidFill>
+                              <a:schemeClr val="accent1"/>
+                            </a:solidFill>
+                          </a14:hiddenFill>
+                        </a:ext>
+                        <a:ext uri="{91240B29-F687-4F45-9708-019B960494DF}">
+                          <a14:hiddenLine xmlns:a14="http://schemas.microsoft.com/office/drawing/2010/main" w="9525">
+                            <a:solidFill>
+                              <a:schemeClr val="tx1"/>
+                            </a:solidFill>
+                            <a:miter lim="800000"/>
+                            <a:headEnd/>
+                            <a:tailEnd/>
+                          </a14:hiddenLine>
+                        </a:ext>
+                        <a:ext uri="{AF507438-7753-43E0-B8FC-AC1667EBCBE1}">
+                          <a14:hiddenEffects xmlns:a14="http://schemas.microsoft.com/office/drawing/2010/main">
+                            <a:effectLst>
+                              <a:outerShdw dist="35921" dir="2700000" algn="ctr" rotWithShape="0">
+                                <a:schemeClr val="bg2"/>
+                              </a:outerShdw>
+                            </a:effectLst>
+                          </a14:hiddenEffects>
+                        </a:ext>
+                      </a:extLst>
+                    </p:spPr>
+                  </p:pic>
+                </p:oleObj>
+              </mc:Fallback>
+            </mc:AlternateContent>
           </a:graphicData>
         </a:graphic>
       </p:graphicFrame>
@@ -2685,6 +2857,13 @@
   <p:clrMapOvr>
     <a:masterClrMapping/>
   </p:clrMapOvr>
+  <p:timing>
+    <p:tnLst>
+      <p:par>
+        <p:cTn id="1" dur="indefinite" restart="never" nodeType="tmRoot"/>
+      </p:par>
+    </p:tnLst>
+  </p:timing>
 </p:sld>
 </file>
 
@@ -2767,19 +2946,15 @@
           <a:p>
             <a:r>
               <a:rPr lang="de-DE" dirty="0" smtClean="0"/>
-              <a:t>Transformationen  (IDP 1) </a:t>
-            </a:r>
-            <a:r>
-              <a:rPr lang="de-DE" dirty="0" smtClean="0"/>
-              <a:t>–</a:t>
-            </a:r>
-            <a:r>
-              <a:rPr lang="de-DE" dirty="0" smtClean="0"/>
-              <a:t> Diskussion </a:t>
-            </a:r>
-            <a:r>
-              <a:rPr lang="de-DE" dirty="0" smtClean="0"/>
-              <a:t>&amp; Entscheidung</a:t>
+              <a:t>Transformationen </a:t>
+            </a:r>
+            <a:r>
+              <a:rPr lang="de-DE" dirty="0" smtClean="0"/>
+              <a:t>(</a:t>
+            </a:r>
+            <a:r>
+              <a:rPr lang="de-DE" dirty="0" smtClean="0"/>
+              <a:t>IDP 1) – Diskussion &amp; Entscheidung</a:t>
             </a:r>
             <a:endParaRPr lang="de-DE" dirty="0"/>
           </a:p>
@@ -3204,11 +3379,15 @@
           <a:p>
             <a:r>
               <a:rPr lang="de-DE" dirty="0" smtClean="0"/>
-              <a:t>Transformationen  (IDP 1) – Implementierung</a:t>
-            </a:r>
-            <a:r>
-              <a:rPr lang="de-DE" dirty="0" smtClean="0"/>
-              <a:t/>
+              <a:t>Transformationen </a:t>
+            </a:r>
+            <a:r>
+              <a:rPr lang="de-DE" dirty="0" smtClean="0"/>
+              <a:t>(</a:t>
+            </a:r>
+            <a:r>
+              <a:rPr lang="de-DE" dirty="0" smtClean="0"/>
+              <a:t>IDP 1) – Implementierung</a:t>
             </a:r>
             <a:br>
               <a:rPr lang="de-DE" dirty="0" smtClean="0"/>
@@ -3235,9 +3414,59 @@
         </p:xfrm>
         <a:graphic>
           <a:graphicData uri="http://schemas.openxmlformats.org/presentationml/2006/ole">
-            <p:oleObj spid="_x0000_s1028" name="Visio" r:id="rId3" imgW="5505444" imgH="4162412" progId="Visio.Drawing.15">
-              <p:embed/>
-            </p:oleObj>
+            <mc:AlternateContent xmlns:mc="http://schemas.openxmlformats.org/markup-compatibility/2006">
+              <mc:Choice xmlns:v="urn:schemas-microsoft-com:vml" Requires="v">
+                <p:oleObj spid="_x0000_s1033" name="Visio" r:id="rId3" imgW="5505444" imgH="4162412" progId="Visio.Drawing.15">
+                  <p:embed/>
+                </p:oleObj>
+              </mc:Choice>
+              <mc:Fallback>
+                <p:oleObj name="Visio" r:id="rId3" imgW="5505444" imgH="4162412" progId="Visio.Drawing.15">
+                  <p:embed/>
+                  <p:pic>
+                    <p:nvPicPr>
+                      <p:cNvPr id="0" name="Picture 4"/>
+                      <p:cNvPicPr>
+                        <a:picLocks noChangeAspect="1" noChangeArrowheads="1"/>
+                      </p:cNvPicPr>
+                      <p:nvPr/>
+                    </p:nvPicPr>
+                    <p:blipFill>
+                      <a:blip r:embed="rId4">
+                        <a:extLst>
+                          <a:ext uri="{28A0092B-C50C-407E-A947-70E740481C1C}">
+                            <a14:useLocalDpi xmlns:a14="http://schemas.microsoft.com/office/drawing/2010/main" val="0"/>
+                          </a:ext>
+                        </a:extLst>
+                      </a:blip>
+                      <a:srcRect/>
+                      <a:stretch>
+                        <a:fillRect/>
+                      </a:stretch>
+                    </p:blipFill>
+                    <p:spPr bwMode="auto">
+                      <a:xfrm>
+                        <a:off x="1819275" y="1347788"/>
+                        <a:ext cx="5505450" cy="4162425"/>
+                      </a:xfrm>
+                      <a:prstGeom prst="rect">
+                        <a:avLst/>
+                      </a:prstGeom>
+                      <a:noFill/>
+                      <a:extLst>
+                        <a:ext uri="{909E8E84-426E-40DD-AFC4-6F175D3DCCD1}">
+                          <a14:hiddenFill xmlns:a14="http://schemas.microsoft.com/office/drawing/2010/main">
+                            <a:solidFill>
+                              <a:srgbClr val="FFFFFF"/>
+                            </a:solidFill>
+                          </a14:hiddenFill>
+                        </a:ext>
+                      </a:extLst>
+                    </p:spPr>
+                  </p:pic>
+                </p:oleObj>
+              </mc:Fallback>
+            </mc:AlternateContent>
           </a:graphicData>
         </a:graphic>
       </p:graphicFrame>
@@ -3338,22 +3567,22 @@
           <a:p>
             <a:r>
               <a:rPr lang="de-DE" dirty="0" smtClean="0"/>
-              <a:t>Transformationen  (IDP 1) – Implementierung</a:t>
-            </a:r>
-            <a:r>
-              <a:rPr lang="de-DE" dirty="0" smtClean="0"/>
-              <a:t/>
+              <a:t>Transformationen </a:t>
+            </a:r>
+            <a:r>
+              <a:rPr lang="de-DE" dirty="0" smtClean="0"/>
+              <a:t>(</a:t>
+            </a:r>
+            <a:r>
+              <a:rPr lang="de-DE" dirty="0" smtClean="0"/>
+              <a:t>IDP 1) – Implementierung</a:t>
             </a:r>
             <a:br>
               <a:rPr lang="de-DE" dirty="0" smtClean="0"/>
             </a:br>
             <a:r>
               <a:rPr lang="de-DE" sz="1400" dirty="0" smtClean="0"/>
-              <a:t>Metamodel </a:t>
-            </a:r>
-            <a:r>
-              <a:rPr lang="de-DE" sz="1400" dirty="0" smtClean="0"/>
-              <a:t>und Model</a:t>
+              <a:t>Metamodel und Model</a:t>
             </a:r>
             <a:endParaRPr lang="bg-BG" sz="1400" dirty="0"/>
           </a:p>
@@ -3373,9 +3602,82 @@
         </p:xfrm>
         <a:graphic>
           <a:graphicData uri="http://schemas.openxmlformats.org/presentationml/2006/ole">
-            <p:oleObj spid="_x0000_s2055" name="Visio" r:id="rId3" imgW="7334205" imgH="3190939" progId="Visio.Drawing.15">
-              <p:embed/>
-            </p:oleObj>
+            <mc:AlternateContent xmlns:mc="http://schemas.openxmlformats.org/markup-compatibility/2006">
+              <mc:Choice xmlns:v="urn:schemas-microsoft-com:vml" Requires="v">
+                <p:oleObj spid="_x0000_s2060" name="Visio" r:id="rId3" imgW="7334205" imgH="3190939" progId="Visio.Drawing.15">
+                  <p:embed/>
+                </p:oleObj>
+              </mc:Choice>
+              <mc:Fallback>
+                <p:oleObj name="Visio" r:id="rId3" imgW="7334205" imgH="3190939" progId="Visio.Drawing.15">
+                  <p:embed/>
+                  <p:pic>
+                    <p:nvPicPr>
+                      <p:cNvPr id="0" name="Picture 7"/>
+                      <p:cNvPicPr>
+                        <a:picLocks noChangeAspect="1" noChangeArrowheads="1"/>
+                      </p:cNvPicPr>
+                      <p:nvPr/>
+                    </p:nvPicPr>
+                    <p:blipFill>
+                      <a:blip r:embed="rId4">
+                        <a:extLst>
+                          <a:ext uri="{28A0092B-C50C-407E-A947-70E740481C1C}">
+                            <a14:useLocalDpi xmlns:a14="http://schemas.microsoft.com/office/drawing/2010/main" val="0"/>
+                          </a:ext>
+                        </a:extLst>
+                      </a:blip>
+                      <a:srcRect/>
+                      <a:stretch>
+                        <a:fillRect/>
+                      </a:stretch>
+                    </p:blipFill>
+                    <p:spPr bwMode="auto">
+                      <a:xfrm>
+                        <a:off x="250824" y="2500306"/>
+                        <a:ext cx="6334473" cy="2755907"/>
+                      </a:xfrm>
+                      <a:prstGeom prst="rect">
+                        <a:avLst/>
+                      </a:prstGeom>
+                      <a:noFill/>
+                      <a:ln>
+                        <a:noFill/>
+                      </a:ln>
+                      <a:effectLst/>
+                      <a:extLst>
+                        <a:ext uri="{909E8E84-426E-40DD-AFC4-6F175D3DCCD1}">
+                          <a14:hiddenFill xmlns:a14="http://schemas.microsoft.com/office/drawing/2010/main">
+                            <a:solidFill>
+                              <a:schemeClr val="accent1"/>
+                            </a:solidFill>
+                          </a14:hiddenFill>
+                        </a:ext>
+                        <a:ext uri="{91240B29-F687-4F45-9708-019B960494DF}">
+                          <a14:hiddenLine xmlns:a14="http://schemas.microsoft.com/office/drawing/2010/main" w="9525">
+                            <a:solidFill>
+                              <a:schemeClr val="tx1"/>
+                            </a:solidFill>
+                            <a:miter lim="800000"/>
+                            <a:headEnd/>
+                            <a:tailEnd/>
+                          </a14:hiddenLine>
+                        </a:ext>
+                        <a:ext uri="{AF507438-7753-43E0-B8FC-AC1667EBCBE1}">
+                          <a14:hiddenEffects xmlns:a14="http://schemas.microsoft.com/office/drawing/2010/main">
+                            <a:effectLst>
+                              <a:outerShdw dist="35921" dir="2700000" algn="ctr" rotWithShape="0">
+                                <a:schemeClr val="bg2"/>
+                              </a:outerShdw>
+                            </a:effectLst>
+                          </a14:hiddenEffects>
+                        </a:ext>
+                      </a:extLst>
+                    </p:spPr>
+                  </p:pic>
+                </p:oleObj>
+              </mc:Fallback>
+            </mc:AlternateContent>
           </a:graphicData>
         </a:graphic>
       </p:graphicFrame>
@@ -3433,11 +3735,15 @@
           <a:p>
             <a:r>
               <a:rPr lang="de-DE" dirty="0" smtClean="0"/>
-              <a:t>Transformationen  (IDP 1) – Implementierung</a:t>
-            </a:r>
-            <a:r>
-              <a:rPr lang="de-DE" dirty="0" smtClean="0"/>
-              <a:t/>
+              <a:t>Transformationen </a:t>
+            </a:r>
+            <a:r>
+              <a:rPr lang="de-DE" dirty="0" smtClean="0"/>
+              <a:t>(</a:t>
+            </a:r>
+            <a:r>
+              <a:rPr lang="de-DE" dirty="0" smtClean="0"/>
+              <a:t>IDP 1) – Implementierung</a:t>
             </a:r>
             <a:br>
               <a:rPr lang="de-DE" dirty="0" smtClean="0"/>
@@ -3464,9 +3770,59 @@
         </p:xfrm>
         <a:graphic>
           <a:graphicData uri="http://schemas.openxmlformats.org/presentationml/2006/ole">
-            <p:oleObj spid="_x0000_s27650" name="Visio" r:id="rId3" imgW="5505444" imgH="4162412" progId="Visio.Drawing.15">
-              <p:embed/>
-            </p:oleObj>
+            <mc:AlternateContent xmlns:mc="http://schemas.openxmlformats.org/markup-compatibility/2006">
+              <mc:Choice xmlns:v="urn:schemas-microsoft-com:vml" Requires="v">
+                <p:oleObj spid="_x0000_s27655" name="Visio" r:id="rId3" imgW="5505444" imgH="4162412" progId="Visio.Drawing.15">
+                  <p:embed/>
+                </p:oleObj>
+              </mc:Choice>
+              <mc:Fallback>
+                <p:oleObj name="Visio" r:id="rId3" imgW="5505444" imgH="4162412" progId="Visio.Drawing.15">
+                  <p:embed/>
+                  <p:pic>
+                    <p:nvPicPr>
+                      <p:cNvPr id="0" name="Object 4"/>
+                      <p:cNvPicPr>
+                        <a:picLocks noChangeAspect="1" noChangeArrowheads="1"/>
+                      </p:cNvPicPr>
+                      <p:nvPr/>
+                    </p:nvPicPr>
+                    <p:blipFill>
+                      <a:blip r:embed="rId4">
+                        <a:extLst>
+                          <a:ext uri="{28A0092B-C50C-407E-A947-70E740481C1C}">
+                            <a14:useLocalDpi xmlns:a14="http://schemas.microsoft.com/office/drawing/2010/main" val="0"/>
+                          </a:ext>
+                        </a:extLst>
+                      </a:blip>
+                      <a:srcRect/>
+                      <a:stretch>
+                        <a:fillRect/>
+                      </a:stretch>
+                    </p:blipFill>
+                    <p:spPr bwMode="auto">
+                      <a:xfrm>
+                        <a:off x="1819275" y="1347788"/>
+                        <a:ext cx="5505450" cy="4162425"/>
+                      </a:xfrm>
+                      <a:prstGeom prst="rect">
+                        <a:avLst/>
+                      </a:prstGeom>
+                      <a:noFill/>
+                      <a:extLst>
+                        <a:ext uri="{909E8E84-426E-40DD-AFC4-6F175D3DCCD1}">
+                          <a14:hiddenFill xmlns:a14="http://schemas.microsoft.com/office/drawing/2010/main">
+                            <a:solidFill>
+                              <a:srgbClr val="FFFFFF"/>
+                            </a:solidFill>
+                          </a14:hiddenFill>
+                        </a:ext>
+                      </a:extLst>
+                    </p:spPr>
+                  </p:pic>
+                </p:oleObj>
+              </mc:Fallback>
+            </mc:AlternateContent>
           </a:graphicData>
         </a:graphic>
       </p:graphicFrame>
@@ -3613,11 +3969,15 @@
           <a:p>
             <a:r>
               <a:rPr lang="de-DE" dirty="0" smtClean="0"/>
-              <a:t>Transformationen  (IDP 1) – Implementierung</a:t>
-            </a:r>
-            <a:r>
-              <a:rPr lang="de-DE" dirty="0" smtClean="0"/>
-              <a:t/>
+              <a:t>Transformationen </a:t>
+            </a:r>
+            <a:r>
+              <a:rPr lang="de-DE" dirty="0" smtClean="0"/>
+              <a:t>(</a:t>
+            </a:r>
+            <a:r>
+              <a:rPr lang="de-DE" dirty="0" smtClean="0"/>
+              <a:t>IDP 1) – Implementierung</a:t>
             </a:r>
             <a:br>
               <a:rPr lang="de-DE" dirty="0" smtClean="0"/>
@@ -3684,11 +4044,11 @@
           <a:p>
             <a:r>
               <a:rPr lang="de-DE" dirty="0" smtClean="0"/>
-              <a:t>Transformationen  (IDP 1) – Implementierung</a:t>
-            </a:r>
-            <a:r>
-              <a:rPr lang="de-DE" dirty="0" smtClean="0"/>
-              <a:t/>
+              <a:t>Transformationen </a:t>
+            </a:r>
+            <a:r>
+              <a:rPr lang="de-DE" dirty="0" smtClean="0"/>
+              <a:t>(IDP 1) – Implementierung</a:t>
             </a:r>
             <a:br>
               <a:rPr lang="de-DE" dirty="0" smtClean="0"/>
@@ -3715,9 +4075,82 @@
         </p:xfrm>
         <a:graphic>
           <a:graphicData uri="http://schemas.openxmlformats.org/presentationml/2006/ole">
-            <p:oleObj spid="_x0000_s5124" name="Visio" r:id="rId3" imgW="8029604" imgH="2505178" progId="Visio.Drawing.15">
-              <p:embed/>
-            </p:oleObj>
+            <mc:AlternateContent xmlns:mc="http://schemas.openxmlformats.org/markup-compatibility/2006">
+              <mc:Choice xmlns:v="urn:schemas-microsoft-com:vml" Requires="v">
+                <p:oleObj spid="_x0000_s5129" name="Visio" r:id="rId3" imgW="8029604" imgH="2505178" progId="Visio.Drawing.15">
+                  <p:embed/>
+                </p:oleObj>
+              </mc:Choice>
+              <mc:Fallback>
+                <p:oleObj name="Visio" r:id="rId3" imgW="8029604" imgH="2505178" progId="Visio.Drawing.15">
+                  <p:embed/>
+                  <p:pic>
+                    <p:nvPicPr>
+                      <p:cNvPr id="0" name="Picture 4"/>
+                      <p:cNvPicPr>
+                        <a:picLocks noChangeAspect="1" noChangeArrowheads="1"/>
+                      </p:cNvPicPr>
+                      <p:nvPr/>
+                    </p:nvPicPr>
+                    <p:blipFill>
+                      <a:blip r:embed="rId4">
+                        <a:extLst>
+                          <a:ext uri="{28A0092B-C50C-407E-A947-70E740481C1C}">
+                            <a14:useLocalDpi xmlns:a14="http://schemas.microsoft.com/office/drawing/2010/main" val="0"/>
+                          </a:ext>
+                        </a:extLst>
+                      </a:blip>
+                      <a:srcRect/>
+                      <a:stretch>
+                        <a:fillRect/>
+                      </a:stretch>
+                    </p:blipFill>
+                    <p:spPr bwMode="auto">
+                      <a:xfrm>
+                        <a:off x="539552" y="2004045"/>
+                        <a:ext cx="8029575" cy="2505075"/>
+                      </a:xfrm>
+                      <a:prstGeom prst="rect">
+                        <a:avLst/>
+                      </a:prstGeom>
+                      <a:noFill/>
+                      <a:ln>
+                        <a:noFill/>
+                      </a:ln>
+                      <a:effectLst/>
+                      <a:extLst>
+                        <a:ext uri="{909E8E84-426E-40DD-AFC4-6F175D3DCCD1}">
+                          <a14:hiddenFill xmlns:a14="http://schemas.microsoft.com/office/drawing/2010/main">
+                            <a:solidFill>
+                              <a:schemeClr val="accent1"/>
+                            </a:solidFill>
+                          </a14:hiddenFill>
+                        </a:ext>
+                        <a:ext uri="{91240B29-F687-4F45-9708-019B960494DF}">
+                          <a14:hiddenLine xmlns:a14="http://schemas.microsoft.com/office/drawing/2010/main" w="9525">
+                            <a:solidFill>
+                              <a:schemeClr val="tx1"/>
+                            </a:solidFill>
+                            <a:miter lim="800000"/>
+                            <a:headEnd/>
+                            <a:tailEnd/>
+                          </a14:hiddenLine>
+                        </a:ext>
+                        <a:ext uri="{AF507438-7753-43E0-B8FC-AC1667EBCBE1}">
+                          <a14:hiddenEffects xmlns:a14="http://schemas.microsoft.com/office/drawing/2010/main">
+                            <a:effectLst>
+                              <a:outerShdw dist="35921" dir="2700000" algn="ctr" rotWithShape="0">
+                                <a:schemeClr val="bg2"/>
+                              </a:outerShdw>
+                            </a:effectLst>
+                          </a14:hiddenEffects>
+                        </a:ext>
+                      </a:extLst>
+                    </p:spPr>
+                  </p:pic>
+                </p:oleObj>
+              </mc:Fallback>
+            </mc:AlternateContent>
           </a:graphicData>
         </a:graphic>
       </p:graphicFrame>
@@ -3838,11 +4271,11 @@
           <a:p>
             <a:r>
               <a:rPr lang="de-DE" dirty="0" smtClean="0"/>
-              <a:t>Transformationen  (IDP 1) – Implementierung</a:t>
-            </a:r>
-            <a:r>
-              <a:rPr lang="de-DE" dirty="0" smtClean="0"/>
-              <a:t/>
+              <a:t>Transformationen </a:t>
+            </a:r>
+            <a:r>
+              <a:rPr lang="de-DE" dirty="0" smtClean="0"/>
+              <a:t>(IDP 1) – Implementierung</a:t>
             </a:r>
             <a:br>
               <a:rPr lang="de-DE" dirty="0" smtClean="0"/>
@@ -5029,11 +5462,7 @@
             </a:pPr>
             <a:r>
               <a:rPr lang="en-US" dirty="0" smtClean="0"/>
-              <a:t> </a:t>
-            </a:r>
-            <a:r>
-              <a:rPr lang="en-US" dirty="0" smtClean="0"/>
-              <a:t>   </a:t>
+              <a:t>    </a:t>
             </a:r>
             <a:r>
               <a:rPr lang="en-US" dirty="0" err="1" smtClean="0"/>
@@ -5088,9 +5517,82 @@
         </p:xfrm>
         <a:graphic>
           <a:graphicData uri="http://schemas.openxmlformats.org/presentationml/2006/ole">
-            <p:oleObj spid="_x0000_s9219" name="Visio" r:id="rId3" imgW="10363251" imgH="6886536" progId="Visio.Drawing.15">
-              <p:embed/>
-            </p:oleObj>
+            <mc:AlternateContent xmlns:mc="http://schemas.openxmlformats.org/markup-compatibility/2006">
+              <mc:Choice xmlns:v="urn:schemas-microsoft-com:vml" Requires="v">
+                <p:oleObj spid="_x0000_s9224" name="Visio" r:id="rId3" imgW="10363251" imgH="6886536" progId="Visio.Drawing.15">
+                  <p:embed/>
+                </p:oleObj>
+              </mc:Choice>
+              <mc:Fallback>
+                <p:oleObj name="Visio" r:id="rId3" imgW="10363251" imgH="6886536" progId="Visio.Drawing.15">
+                  <p:embed/>
+                  <p:pic>
+                    <p:nvPicPr>
+                      <p:cNvPr id="0" name="Picture 3"/>
+                      <p:cNvPicPr>
+                        <a:picLocks noChangeAspect="1" noChangeArrowheads="1"/>
+                      </p:cNvPicPr>
+                      <p:nvPr/>
+                    </p:nvPicPr>
+                    <p:blipFill>
+                      <a:blip r:embed="rId4">
+                        <a:extLst>
+                          <a:ext uri="{28A0092B-C50C-407E-A947-70E740481C1C}">
+                            <a14:useLocalDpi xmlns:a14="http://schemas.microsoft.com/office/drawing/2010/main" val="0"/>
+                          </a:ext>
+                        </a:extLst>
+                      </a:blip>
+                      <a:srcRect/>
+                      <a:stretch>
+                        <a:fillRect/>
+                      </a:stretch>
+                    </p:blipFill>
+                    <p:spPr bwMode="auto">
+                      <a:xfrm>
+                        <a:off x="1746037" y="1285860"/>
+                        <a:ext cx="7064575" cy="4689480"/>
+                      </a:xfrm>
+                      <a:prstGeom prst="rect">
+                        <a:avLst/>
+                      </a:prstGeom>
+                      <a:noFill/>
+                      <a:ln>
+                        <a:noFill/>
+                      </a:ln>
+                      <a:effectLst/>
+                      <a:extLst>
+                        <a:ext uri="{909E8E84-426E-40DD-AFC4-6F175D3DCCD1}">
+                          <a14:hiddenFill xmlns:a14="http://schemas.microsoft.com/office/drawing/2010/main">
+                            <a:solidFill>
+                              <a:schemeClr val="accent1"/>
+                            </a:solidFill>
+                          </a14:hiddenFill>
+                        </a:ext>
+                        <a:ext uri="{91240B29-F687-4F45-9708-019B960494DF}">
+                          <a14:hiddenLine xmlns:a14="http://schemas.microsoft.com/office/drawing/2010/main" w="9525">
+                            <a:solidFill>
+                              <a:schemeClr val="tx1"/>
+                            </a:solidFill>
+                            <a:miter lim="800000"/>
+                            <a:headEnd/>
+                            <a:tailEnd/>
+                          </a14:hiddenLine>
+                        </a:ext>
+                        <a:ext uri="{AF507438-7753-43E0-B8FC-AC1667EBCBE1}">
+                          <a14:hiddenEffects xmlns:a14="http://schemas.microsoft.com/office/drawing/2010/main">
+                            <a:effectLst>
+                              <a:outerShdw dist="35921" dir="2700000" algn="ctr" rotWithShape="0">
+                                <a:schemeClr val="bg2"/>
+                              </a:outerShdw>
+                            </a:effectLst>
+                          </a14:hiddenEffects>
+                        </a:ext>
+                      </a:extLst>
+                    </p:spPr>
+                  </p:pic>
+                </p:oleObj>
+              </mc:Fallback>
+            </mc:AlternateContent>
           </a:graphicData>
         </a:graphic>
       </p:graphicFrame>
@@ -5233,20 +5735,12 @@
               <a:rPr lang="de-DE" dirty="0" smtClean="0"/>
               <a:t>Transformationen  (IDP 1) – Implementierung</a:t>
             </a:r>
-            <a:r>
-              <a:rPr lang="de-DE" dirty="0" smtClean="0"/>
-              <a:t/>
-            </a:r>
             <a:br>
               <a:rPr lang="de-DE" dirty="0" smtClean="0"/>
             </a:br>
             <a:r>
               <a:rPr lang="de-DE" sz="1400" dirty="0" smtClean="0"/>
-              <a:t>Technische </a:t>
-            </a:r>
-            <a:r>
-              <a:rPr lang="de-DE" sz="1400" dirty="0" smtClean="0"/>
-              <a:t>Aspekte</a:t>
+              <a:t>Technische Aspekte</a:t>
             </a:r>
             <a:endParaRPr lang="bg-BG" sz="1400" dirty="0"/>
           </a:p>
@@ -5529,7 +6023,6 @@
               <a:rPr lang="de-DE" sz="1800" dirty="0" smtClean="0"/>
               <a:t>Realisierung der Ziele</a:t>
             </a:r>
-            <a:endParaRPr lang="de-DE" sz="1800" dirty="0" smtClean="0"/>
           </a:p>
           <a:p>
             <a:pPr marL="723900" lvl="1" indent="-266700">
@@ -5546,7 +6039,6 @@
               <a:rPr lang="de-DE" sz="1800" dirty="0" smtClean="0"/>
               <a:t>Technische Grundlagen</a:t>
             </a:r>
-            <a:endParaRPr lang="de-DE" sz="1800" dirty="0" smtClean="0"/>
           </a:p>
           <a:p>
             <a:pPr marL="723900" lvl="1" indent="-266700">
@@ -5712,7 +6204,12 @@
             <p:ph type="body" sz="quarter" idx="10"/>
           </p:nvPr>
         </p:nvSpPr>
-        <p:spPr/>
+        <p:spPr>
+          <a:xfrm>
+            <a:off x="250824" y="933450"/>
+            <a:ext cx="8031164" cy="4495813"/>
+          </a:xfrm>
+        </p:spPr>
         <p:txBody>
           <a:bodyPr/>
           <a:lstStyle/>
@@ -5723,76 +6220,71 @@
             </a:r>
           </a:p>
           <a:p>
-            <a:r>
-              <a:rPr lang="de-DE" dirty="0" smtClean="0"/>
-              <a:t>Realisierung der Ziele</a:t>
-            </a:r>
-          </a:p>
-          <a:p>
-            <a:r>
-              <a:rPr lang="de-DE" dirty="0" smtClean="0"/>
-              <a:t>Technische Grundlagen</a:t>
-            </a:r>
-          </a:p>
-          <a:p>
-            <a:r>
-              <a:rPr lang="de-DE" dirty="0" smtClean="0"/>
-              <a:t>Implementierung</a:t>
-            </a:r>
-          </a:p>
-          <a:p>
             <a:pPr lvl="1"/>
             <a:r>
               <a:rPr lang="de-DE" dirty="0" smtClean="0"/>
-              <a:t>Aufbau des </a:t>
-            </a:r>
-            <a:r>
-              <a:rPr lang="de-DE" dirty="0" err="1" smtClean="0"/>
-              <a:t>Viz</a:t>
-            </a:r>
-            <a:r>
-              <a:rPr lang="de-DE" dirty="0" smtClean="0"/>
-              <a:t>-Modells</a:t>
+              <a:t>Import </a:t>
+            </a:r>
+            <a:r>
+              <a:rPr lang="de-DE" dirty="0"/>
+              <a:t>und Export aus verschiedenen Quellformaten</a:t>
             </a:r>
           </a:p>
           <a:p>
             <a:pPr lvl="1"/>
             <a:r>
               <a:rPr lang="de-DE" dirty="0"/>
-              <a:t>Einlesen von </a:t>
-            </a:r>
-            <a:r>
-              <a:rPr lang="de-DE" dirty="0" smtClean="0"/>
-              <a:t>Daten</a:t>
+              <a:t>Visualisierung des Gesamtmodells</a:t>
+            </a:r>
+          </a:p>
+          <a:p>
+            <a:pPr lvl="1"/>
+            <a:r>
+              <a:rPr lang="de-DE" dirty="0"/>
+              <a:t>Bearbeitung des Gesamtmodells</a:t>
+            </a:r>
+          </a:p>
+          <a:p>
+            <a:pPr lvl="1"/>
+            <a:r>
+              <a:rPr lang="de-DE" dirty="0"/>
+              <a:t>Analysen auf dem </a:t>
+            </a:r>
+            <a:r>
+              <a:rPr lang="de-DE" dirty="0" smtClean="0"/>
+              <a:t>Gesamtmodell</a:t>
+            </a:r>
+          </a:p>
+          <a:p>
+            <a:r>
+              <a:rPr lang="de-DE" dirty="0" smtClean="0"/>
+              <a:t>Anforderungen</a:t>
+            </a:r>
+          </a:p>
+          <a:p>
+            <a:pPr lvl="1"/>
+            <a:r>
+              <a:rPr lang="de-DE" dirty="0" smtClean="0"/>
+              <a:t>Benutzerfreundlichkeit</a:t>
+            </a:r>
+          </a:p>
+          <a:p>
+            <a:pPr lvl="1"/>
+            <a:r>
+              <a:rPr lang="de-DE" dirty="0" smtClean="0"/>
+              <a:t>Ohne Mehraufwand nutzbar</a:t>
+            </a:r>
+          </a:p>
+          <a:p>
+            <a:pPr lvl="1"/>
+            <a:r>
+              <a:rPr lang="de-DE" dirty="0" smtClean="0"/>
+              <a:t>Mehrnutzen generieren</a:t>
             </a:r>
             <a:endParaRPr lang="de-DE" dirty="0"/>
           </a:p>
           <a:p>
-            <a:pPr lvl="1"/>
-            <a:r>
-              <a:rPr lang="de-DE" dirty="0"/>
-              <a:t>Grafische </a:t>
-            </a:r>
-            <a:r>
-              <a:rPr lang="de-DE" dirty="0" smtClean="0"/>
-              <a:t>Darstellung</a:t>
-            </a:r>
-          </a:p>
-          <a:p>
-            <a:pPr lvl="2"/>
-            <a:r>
-              <a:rPr lang="de-DE" dirty="0" err="1" smtClean="0"/>
-              <a:t>GraphView</a:t>
-            </a:r>
             <a:endParaRPr lang="de-DE" dirty="0"/>
-          </a:p>
-          <a:p>
-            <a:pPr lvl="2"/>
-            <a:r>
-              <a:rPr lang="de-DE" dirty="0" err="1" smtClean="0"/>
-              <a:t>MatrixView</a:t>
-            </a:r>
-            <a:endParaRPr lang="de-DE" dirty="0" smtClean="0"/>
           </a:p>
         </p:txBody>
       </p:sp>
@@ -5813,12 +6305,36 @@
           <a:p>
             <a:r>
               <a:rPr lang="de-DE" dirty="0" smtClean="0"/>
-              <a:t>Visualisierung – TODO edit</a:t>
+              <a:t>Visualisierung (IDP 2) – Ziele</a:t>
             </a:r>
             <a:endParaRPr lang="de-DE" dirty="0"/>
           </a:p>
         </p:txBody>
       </p:sp>
+      <p:pic>
+        <p:nvPicPr>
+          <p:cNvPr id="4" name="Grafik 3"/>
+          <p:cNvPicPr>
+            <a:picLocks noChangeAspect="1"/>
+          </p:cNvPicPr>
+          <p:nvPr/>
+        </p:nvPicPr>
+        <p:blipFill>
+          <a:blip r:embed="rId2" cstate="print"/>
+          <a:stretch>
+            <a:fillRect/>
+          </a:stretch>
+        </p:blipFill>
+        <p:spPr>
+          <a:xfrm>
+            <a:off x="3851920" y="2705491"/>
+            <a:ext cx="4829445" cy="3099773"/>
+          </a:xfrm>
+          <a:prstGeom prst="rect">
+            <a:avLst/>
+          </a:prstGeom>
+        </p:spPr>
+      </p:pic>
     </p:spTree>
   </p:cSld>
   <p:clrMapOvr>
@@ -5877,21 +6393,114 @@
             </a:r>
           </a:p>
           <a:p>
+            <a:pPr lvl="1"/>
+            <a:r>
+              <a:rPr lang="de-DE" dirty="0"/>
+              <a:t>Automatischer Import </a:t>
+            </a:r>
+            <a:r>
+              <a:rPr lang="de-DE" dirty="0" smtClean="0"/>
+              <a:t>mit </a:t>
+            </a:r>
+            <a:r>
+              <a:rPr lang="de-DE" dirty="0"/>
+              <a:t>PSS-IF </a:t>
+            </a:r>
+            <a:r>
+              <a:rPr lang="de-DE" dirty="0" smtClean="0"/>
+              <a:t>Transform</a:t>
+            </a:r>
+          </a:p>
+          <a:p>
+            <a:pPr lvl="1"/>
+            <a:r>
+              <a:rPr lang="de-DE" dirty="0" smtClean="0"/>
+              <a:t>Export in verschiedene Zielsprachen mit </a:t>
+            </a:r>
+            <a:r>
+              <a:rPr lang="de-DE" dirty="0"/>
+              <a:t>PSS-IF </a:t>
+            </a:r>
+            <a:r>
+              <a:rPr lang="de-DE" dirty="0" smtClean="0"/>
+              <a:t>Transform</a:t>
+            </a:r>
+            <a:endParaRPr lang="de-DE" dirty="0"/>
+          </a:p>
+          <a:p>
             <a:r>
               <a:rPr lang="de-DE" dirty="0"/>
               <a:t>Visualisierung des Gesamtmodells</a:t>
             </a:r>
           </a:p>
           <a:p>
+            <a:pPr lvl="1"/>
+            <a:r>
+              <a:rPr lang="de-DE" dirty="0"/>
+              <a:t>Unterschiedliche Visualisierungen der </a:t>
+            </a:r>
+            <a:r>
+              <a:rPr lang="de-DE" dirty="0" smtClean="0"/>
+              <a:t>Elemente </a:t>
+            </a:r>
+            <a:r>
+              <a:rPr lang="de-DE" dirty="0"/>
+              <a:t>(Farbe, Form, Inhalt)</a:t>
+            </a:r>
+          </a:p>
+          <a:p>
+            <a:pPr lvl="1"/>
+            <a:r>
+              <a:rPr lang="de-DE" dirty="0"/>
+              <a:t>Verschiedene Ansichten auf das Modell (Graph, Matrix)</a:t>
+            </a:r>
+          </a:p>
+          <a:p>
             <a:r>
               <a:rPr lang="de-DE" dirty="0"/>
               <a:t>Bearbeitung des Gesamtmodells</a:t>
             </a:r>
           </a:p>
           <a:p>
+            <a:pPr lvl="1"/>
+            <a:r>
+              <a:rPr lang="de-DE" dirty="0"/>
+              <a:t>Modifikation der Element Attribute</a:t>
+            </a:r>
+          </a:p>
+          <a:p>
+            <a:pPr lvl="1"/>
+            <a:r>
+              <a:rPr lang="de-DE" dirty="0"/>
+              <a:t>Einfaches Einfügen und Löschen von Elementen</a:t>
+            </a:r>
+          </a:p>
+          <a:p>
             <a:r>
               <a:rPr lang="de-DE" dirty="0"/>
               <a:t>Analysen auf dem Gesamtmodell</a:t>
+            </a:r>
+          </a:p>
+          <a:p>
+            <a:pPr lvl="1"/>
+            <a:r>
+              <a:rPr lang="de-DE" dirty="0"/>
+              <a:t>Hervorheben von Zusammenhängen</a:t>
+            </a:r>
+          </a:p>
+          <a:p>
+            <a:pPr lvl="1"/>
+            <a:r>
+              <a:rPr lang="de-DE" dirty="0"/>
+              <a:t>Filtern </a:t>
+            </a:r>
+            <a:r>
+              <a:rPr lang="de-DE" dirty="0" smtClean="0"/>
+              <a:t>über Attribute </a:t>
+            </a:r>
+            <a:r>
+              <a:rPr lang="de-DE" dirty="0"/>
+              <a:t>und Elementtypen</a:t>
             </a:r>
           </a:p>
           <a:p>
@@ -5916,40 +6525,12 @@
           <a:p>
             <a:r>
               <a:rPr lang="de-DE" dirty="0" smtClean="0"/>
-              <a:t>Visualisierung (IDP 2) </a:t>
-            </a:r>
-            <a:r>
-              <a:rPr lang="de-DE" dirty="0" smtClean="0"/>
-              <a:t>– Ziele</a:t>
+              <a:t>Visualisierung (IDP 2) – Realisierung der Ziele</a:t>
             </a:r>
             <a:endParaRPr lang="de-DE" dirty="0"/>
           </a:p>
         </p:txBody>
       </p:sp>
-      <p:pic>
-        <p:nvPicPr>
-          <p:cNvPr id="4" name="Grafik 3"/>
-          <p:cNvPicPr>
-            <a:picLocks noChangeAspect="1"/>
-          </p:cNvPicPr>
-          <p:nvPr/>
-        </p:nvPicPr>
-        <p:blipFill>
-          <a:blip r:embed="rId2" cstate="print"/>
-          <a:stretch>
-            <a:fillRect/>
-          </a:stretch>
-        </p:blipFill>
-        <p:spPr>
-          <a:xfrm>
-            <a:off x="2987824" y="2412198"/>
-            <a:ext cx="5291738" cy="3396495"/>
-          </a:xfrm>
-          <a:prstGeom prst="rect">
-            <a:avLst/>
-          </a:prstGeom>
-        </p:spPr>
-      </p:pic>
     </p:spTree>
   </p:cSld>
   <p:clrMapOvr>
@@ -6004,94 +6585,135 @@
           <a:p>
             <a:r>
               <a:rPr lang="de-DE" dirty="0"/>
-              <a:t>Import und Export aus verschiedenen Quellformaten</a:t>
+              <a:t>PSS-IF </a:t>
+            </a:r>
+            <a:r>
+              <a:rPr lang="de-DE" dirty="0" smtClean="0"/>
+              <a:t>Core</a:t>
             </a:r>
           </a:p>
           <a:p>
             <a:pPr lvl="1"/>
             <a:r>
+              <a:rPr lang="de-DE" dirty="0" smtClean="0"/>
+              <a:t>Modellierungssprache des PSS-IF Modells</a:t>
+            </a:r>
+            <a:endParaRPr lang="de-DE" dirty="0"/>
+          </a:p>
+          <a:p>
+            <a:r>
+              <a:rPr lang="de-DE" dirty="0" smtClean="0"/>
+              <a:t>PSS-IF </a:t>
+            </a:r>
+            <a:r>
+              <a:rPr lang="de-DE" dirty="0" smtClean="0"/>
+              <a:t>Transform</a:t>
+            </a:r>
+          </a:p>
+          <a:p>
+            <a:pPr lvl="1"/>
+            <a:r>
+              <a:rPr lang="de-DE" dirty="0" smtClean="0"/>
+              <a:t>Transformationen aus Quellsprache zu PSS-IF</a:t>
+            </a:r>
+          </a:p>
+          <a:p>
+            <a:pPr lvl="1"/>
+            <a:r>
+              <a:rPr lang="de-DE" dirty="0" smtClean="0"/>
+              <a:t>Transformationen </a:t>
+            </a:r>
+            <a:r>
               <a:rPr lang="de-DE" dirty="0"/>
-              <a:t>Automatischer Import &amp; Export mit PSS-IF Transform</a:t>
-            </a:r>
-          </a:p>
-          <a:p>
+              <a:t>aus </a:t>
+            </a:r>
+            <a:r>
+              <a:rPr lang="de-DE" dirty="0" smtClean="0"/>
+              <a:t>PSS-IF zur Ausgabesprache</a:t>
+            </a:r>
+            <a:endParaRPr lang="de-DE" dirty="0"/>
+          </a:p>
+          <a:p>
+            <a:r>
+              <a:rPr lang="de-DE" dirty="0" smtClean="0"/>
+              <a:t>Jung2 </a:t>
+            </a:r>
+            <a:r>
+              <a:rPr lang="de-DE" dirty="0" smtClean="0"/>
+              <a:t>Framework</a:t>
+            </a:r>
+          </a:p>
+          <a:p>
+            <a:pPr lvl="1"/>
+            <a:r>
+              <a:rPr lang="de-DE" dirty="0" smtClean="0"/>
+              <a:t>Vorteile</a:t>
+            </a:r>
+            <a:endParaRPr lang="de-DE" dirty="0"/>
+          </a:p>
+          <a:p>
+            <a:pPr lvl="2"/>
+            <a:r>
+              <a:rPr lang="de-DE" dirty="0" smtClean="0"/>
+              <a:t>Framework </a:t>
+            </a:r>
             <a:r>
               <a:rPr lang="de-DE" dirty="0"/>
-              <a:t>Visualisierung des Gesamtmodells</a:t>
+              <a:t>zur Visualisierung von Graphen und Netzwerken</a:t>
+            </a:r>
+          </a:p>
+          <a:p>
+            <a:pPr lvl="2"/>
+            <a:r>
+              <a:rPr lang="de-DE" dirty="0"/>
+              <a:t>Open </a:t>
+            </a:r>
+            <a:r>
+              <a:rPr lang="de-DE" dirty="0" smtClean="0"/>
+              <a:t>Source</a:t>
+            </a:r>
+          </a:p>
+          <a:p>
+            <a:pPr lvl="2"/>
+            <a:r>
+              <a:rPr lang="de-DE" dirty="0" smtClean="0"/>
+              <a:t>Leicht anpassbar und erweiterbar</a:t>
+            </a:r>
+            <a:endParaRPr lang="de-DE" dirty="0"/>
+          </a:p>
+          <a:p>
+            <a:pPr lvl="2"/>
+            <a:r>
+              <a:rPr lang="de-DE" dirty="0" smtClean="0"/>
+              <a:t>Java </a:t>
+            </a:r>
+            <a:r>
+              <a:rPr lang="de-DE" dirty="0" smtClean="0"/>
+              <a:t>API</a:t>
             </a:r>
           </a:p>
           <a:p>
             <a:pPr lvl="1"/>
             <a:r>
-              <a:rPr lang="de-DE" dirty="0"/>
-              <a:t>Unterschiedliche Visualisierungen der </a:t>
-            </a:r>
-            <a:r>
-              <a:rPr lang="de-DE" dirty="0" smtClean="0"/>
-              <a:t>Elemente </a:t>
-            </a:r>
-            <a:r>
-              <a:rPr lang="de-DE" dirty="0"/>
-              <a:t>(Farbe, Form, Inhalt)</a:t>
-            </a:r>
-          </a:p>
-          <a:p>
-            <a:pPr lvl="1"/>
-            <a:r>
-              <a:rPr lang="de-DE" dirty="0"/>
-              <a:t>Verschiedene Ansichten auf das Modell (Graph, Matrix)</a:t>
-            </a:r>
-          </a:p>
-          <a:p>
-            <a:r>
-              <a:rPr lang="de-DE" dirty="0"/>
-              <a:t>Bearbeitung des Gesamtmodells</a:t>
-            </a:r>
-          </a:p>
-          <a:p>
-            <a:pPr lvl="1"/>
-            <a:r>
-              <a:rPr lang="de-DE" dirty="0"/>
-              <a:t>Modifikation der Element Attribute</a:t>
-            </a:r>
-          </a:p>
-          <a:p>
-            <a:pPr lvl="1"/>
-            <a:r>
-              <a:rPr lang="de-DE" dirty="0"/>
-              <a:t>Einfaches Einfügen und Löschen von Elementen</a:t>
-            </a:r>
-          </a:p>
-          <a:p>
-            <a:r>
-              <a:rPr lang="de-DE" dirty="0"/>
-              <a:t>Analysen auf dem Gesamtmodell</a:t>
-            </a:r>
-          </a:p>
-          <a:p>
-            <a:pPr lvl="1"/>
-            <a:r>
-              <a:rPr lang="de-DE" dirty="0"/>
-              <a:t>Hervorheben von Zusammenhängen</a:t>
-            </a:r>
-          </a:p>
-          <a:p>
-            <a:pPr lvl="1"/>
-            <a:r>
-              <a:rPr lang="de-DE" dirty="0"/>
-              <a:t>Filtern </a:t>
-            </a:r>
-            <a:r>
-              <a:rPr lang="de-DE" dirty="0" smtClean="0"/>
-              <a:t>über Attribute </a:t>
-            </a:r>
-            <a:r>
-              <a:rPr lang="de-DE" dirty="0"/>
-              <a:t>und Elementtypen</a:t>
-            </a:r>
-          </a:p>
-          <a:p>
-            <a:endParaRPr lang="de-DE" dirty="0"/>
+              <a:rPr lang="de-DE" dirty="0" smtClean="0"/>
+              <a:t>Nachteil</a:t>
+            </a:r>
+          </a:p>
+          <a:p>
+            <a:pPr lvl="2"/>
+            <a:r>
+              <a:rPr lang="de-DE" dirty="0" smtClean="0"/>
+              <a:t>Benötigt festgelegte Datenstruktur (</a:t>
+            </a:r>
+            <a:r>
+              <a:rPr lang="de-DE" dirty="0" err="1" smtClean="0"/>
+              <a:t>Viz</a:t>
+            </a:r>
+            <a:r>
+              <a:rPr lang="de-DE" dirty="0" smtClean="0"/>
+              <a:t>-Modell)</a:t>
+            </a:r>
+            <a:endParaRPr lang="de-DE" dirty="0" smtClean="0"/>
           </a:p>
         </p:txBody>
       </p:sp>
@@ -6112,11 +6734,7 @@
           <a:p>
             <a:r>
               <a:rPr lang="de-DE" dirty="0" smtClean="0"/>
-              <a:t>Visualisierung (IDP 2) – Realisierung </a:t>
-            </a:r>
-            <a:r>
-              <a:rPr lang="de-DE" dirty="0" smtClean="0"/>
-              <a:t>der Ziele</a:t>
+              <a:t>Visualisierung (IDP 2) – Technische Grundlagen</a:t>
             </a:r>
             <a:endParaRPr lang="de-DE" dirty="0"/>
           </a:p>
@@ -6156,90 +6774,6 @@
       </p:grpSpPr>
       <p:sp>
         <p:nvSpPr>
-          <p:cNvPr id="2" name="Textplatzhalter 1"/>
-          <p:cNvSpPr>
-            <a:spLocks noGrp="1"/>
-          </p:cNvSpPr>
-          <p:nvPr>
-            <p:ph type="body" sz="quarter" idx="10"/>
-          </p:nvPr>
-        </p:nvSpPr>
-        <p:spPr>
-          <a:xfrm>
-            <a:off x="250824" y="933450"/>
-            <a:ext cx="8031164" cy="4495813"/>
-          </a:xfrm>
-        </p:spPr>
-        <p:txBody>
-          <a:bodyPr/>
-          <a:lstStyle/>
-          <a:p>
-            <a:r>
-              <a:rPr lang="de-DE" dirty="0"/>
-              <a:t>PSS-IF Core</a:t>
-            </a:r>
-          </a:p>
-          <a:p>
-            <a:r>
-              <a:rPr lang="de-DE" dirty="0" smtClean="0"/>
-              <a:t>PSS-IF </a:t>
-            </a:r>
-            <a:r>
-              <a:rPr lang="de-DE" dirty="0"/>
-              <a:t>Transform</a:t>
-            </a:r>
-          </a:p>
-          <a:p>
-            <a:r>
-              <a:rPr lang="de-DE" dirty="0" smtClean="0"/>
-              <a:t>Jung2 </a:t>
-            </a:r>
-            <a:r>
-              <a:rPr lang="de-DE" dirty="0"/>
-              <a:t>Framework</a:t>
-            </a:r>
-          </a:p>
-          <a:p>
-            <a:pPr lvl="1"/>
-            <a:r>
-              <a:rPr lang="de-DE" dirty="0" smtClean="0"/>
-              <a:t>Framework </a:t>
-            </a:r>
-            <a:r>
-              <a:rPr lang="de-DE" dirty="0"/>
-              <a:t>zur Visualisierung von Graphen und Netzwerken</a:t>
-            </a:r>
-          </a:p>
-          <a:p>
-            <a:pPr lvl="1"/>
-            <a:r>
-              <a:rPr lang="de-DE" dirty="0"/>
-              <a:t>Open </a:t>
-            </a:r>
-            <a:r>
-              <a:rPr lang="de-DE" dirty="0" smtClean="0"/>
-              <a:t>Source</a:t>
-            </a:r>
-          </a:p>
-          <a:p>
-            <a:pPr lvl="1"/>
-            <a:r>
-              <a:rPr lang="de-DE" dirty="0" smtClean="0"/>
-              <a:t>Leicht anpassbar und erweiterbar</a:t>
-            </a:r>
-            <a:endParaRPr lang="de-DE" dirty="0"/>
-          </a:p>
-          <a:p>
-            <a:pPr lvl="1"/>
-            <a:r>
-              <a:rPr lang="de-DE" dirty="0" smtClean="0"/>
-              <a:t>Java API</a:t>
-            </a:r>
-          </a:p>
-        </p:txBody>
-      </p:sp>
-      <p:sp>
-        <p:nvSpPr>
           <p:cNvPr id="3" name="Titel 2"/>
           <p:cNvSpPr>
             <a:spLocks noGrp="1"/>
@@ -6248,23 +6782,61 @@
             <p:ph type="title"/>
           </p:nvPr>
         </p:nvSpPr>
-        <p:spPr/>
+        <p:spPr>
+          <a:xfrm>
+            <a:off x="250825" y="195526"/>
+            <a:ext cx="8031163" cy="600164"/>
+          </a:xfrm>
+        </p:spPr>
         <p:txBody>
           <a:bodyPr/>
           <a:lstStyle/>
           <a:p>
             <a:r>
               <a:rPr lang="de-DE" dirty="0" smtClean="0"/>
-              <a:t>Visualisierung (IDP 2) – Technische </a:t>
-            </a:r>
-            <a:r>
-              <a:rPr lang="de-DE" dirty="0" smtClean="0"/>
-              <a:t>Grundlagen</a:t>
-            </a:r>
-            <a:endParaRPr lang="de-DE" dirty="0"/>
+              <a:t>Visualisierung (IDP 2) – Implementierung</a:t>
+            </a:r>
+            <a:br>
+              <a:rPr lang="de-DE" dirty="0" smtClean="0"/>
+            </a:br>
+            <a:r>
+              <a:rPr lang="de-DE" sz="1400" dirty="0" smtClean="0"/>
+              <a:t>Aufbau des Viz-Modells</a:t>
+            </a:r>
+            <a:endParaRPr lang="de-DE" sz="1400" dirty="0"/>
           </a:p>
         </p:txBody>
       </p:sp>
+      <p:pic>
+        <p:nvPicPr>
+          <p:cNvPr id="2" name="Grafik 1"/>
+          <p:cNvPicPr>
+            <a:picLocks noChangeAspect="1"/>
+          </p:cNvPicPr>
+          <p:nvPr/>
+        </p:nvPicPr>
+        <p:blipFill>
+          <a:blip r:embed="rId2">
+            <a:extLst>
+              <a:ext uri="{28A0092B-C50C-407E-A947-70E740481C1C}">
+                <a14:useLocalDpi xmlns:a14="http://schemas.microsoft.com/office/drawing/2010/main" val="0"/>
+              </a:ext>
+            </a:extLst>
+          </a:blip>
+          <a:stretch>
+            <a:fillRect/>
+          </a:stretch>
+        </p:blipFill>
+        <p:spPr>
+          <a:xfrm>
+            <a:off x="2371938" y="692696"/>
+            <a:ext cx="4400125" cy="5358062"/>
+          </a:xfrm>
+          <a:prstGeom prst="rect">
+            <a:avLst/>
+          </a:prstGeom>
+        </p:spPr>
+      </p:pic>
     </p:spTree>
   </p:cSld>
   <p:clrMapOvr>
@@ -6322,15 +6894,15 @@
               <a:t>Visualisierung (IDP 2) – Implementierung</a:t>
             </a:r>
             <a:r>
-              <a:rPr lang="de-DE" dirty="0" smtClean="0"/>
+              <a:rPr lang="de-DE" dirty="0"/>
               <a:t/>
             </a:r>
             <a:br>
-              <a:rPr lang="de-DE" dirty="0" smtClean="0"/>
+              <a:rPr lang="de-DE" dirty="0"/>
             </a:br>
             <a:r>
               <a:rPr lang="de-DE" sz="1400" dirty="0" smtClean="0"/>
-              <a:t>Aufbau des Viz-Modells</a:t>
+              <a:t>Einlesen von Daten</a:t>
             </a:r>
             <a:endParaRPr lang="de-DE" sz="1400" dirty="0"/>
           </a:p>
@@ -6352,8 +6924,8 @@
         </p:blipFill>
         <p:spPr>
           <a:xfrm>
-            <a:off x="1835696" y="908720"/>
-            <a:ext cx="4288551" cy="4883454"/>
+            <a:off x="1872000" y="993579"/>
+            <a:ext cx="5400000" cy="4870841"/>
           </a:xfrm>
           <a:prstGeom prst="rect">
             <a:avLst/>
@@ -6361,6 +6933,11 @@
         </p:spPr>
       </p:pic>
     </p:spTree>
+    <p:extLst>
+      <p:ext uri="{BB962C8B-B14F-4D97-AF65-F5344CB8AC3E}">
+        <p14:creationId xmlns:p14="http://schemas.microsoft.com/office/powerpoint/2010/main" val="427906190"/>
+      </p:ext>
+    </p:extLst>
   </p:cSld>
   <p:clrMapOvr>
     <a:masterClrMapping/>
@@ -6414,106 +6991,6 @@
           <a:p>
             <a:r>
               <a:rPr lang="de-DE" dirty="0" smtClean="0"/>
-              <a:t>Visualisierung (IDP 2) – Implementierung</a:t>
-            </a:r>
-            <a:r>
-              <a:rPr lang="de-DE" dirty="0"/>
-              <a:t/>
-            </a:r>
-            <a:br>
-              <a:rPr lang="de-DE" dirty="0"/>
-            </a:br>
-            <a:r>
-              <a:rPr lang="de-DE" sz="1400" dirty="0" smtClean="0"/>
-              <a:t>Einlesen von Daten</a:t>
-            </a:r>
-            <a:endParaRPr lang="de-DE" sz="1400" dirty="0"/>
-          </a:p>
-        </p:txBody>
-      </p:sp>
-      <p:pic>
-        <p:nvPicPr>
-          <p:cNvPr id="4" name="Grafik 3"/>
-          <p:cNvPicPr>
-            <a:picLocks noChangeAspect="1"/>
-          </p:cNvPicPr>
-          <p:nvPr/>
-        </p:nvPicPr>
-        <p:blipFill>
-          <a:blip r:embed="rId2" cstate="print"/>
-          <a:stretch>
-            <a:fillRect/>
-          </a:stretch>
-        </p:blipFill>
-        <p:spPr>
-          <a:xfrm>
-            <a:off x="1872000" y="993579"/>
-            <a:ext cx="5400000" cy="4870841"/>
-          </a:xfrm>
-          <a:prstGeom prst="rect">
-            <a:avLst/>
-          </a:prstGeom>
-        </p:spPr>
-      </p:pic>
-    </p:spTree>
-    <p:extLst>
-      <p:ext uri="{BB962C8B-B14F-4D97-AF65-F5344CB8AC3E}">
-        <p14:creationId xmlns="" xmlns:p14="http://schemas.microsoft.com/office/powerpoint/2010/main" val="427906190"/>
-      </p:ext>
-    </p:extLst>
-  </p:cSld>
-  <p:clrMapOvr>
-    <a:masterClrMapping/>
-  </p:clrMapOvr>
-  <p:timing>
-    <p:tnLst>
-      <p:par>
-        <p:cTn id="1" dur="indefinite" restart="never" nodeType="tmRoot"/>
-      </p:par>
-    </p:tnLst>
-  </p:timing>
-</p:sld>
-</file>
-
-<file path=ppt/slides/slide28.xml><?xml version="1.0" encoding="utf-8"?>
-<p:sld xmlns:a="http://schemas.openxmlformats.org/drawingml/2006/main" xmlns:r="http://schemas.openxmlformats.org/officeDocument/2006/relationships" xmlns:p="http://schemas.openxmlformats.org/presentationml/2006/main">
-  <p:cSld>
-    <p:spTree>
-      <p:nvGrpSpPr>
-        <p:cNvPr id="1" name=""/>
-        <p:cNvGrpSpPr/>
-        <p:nvPr/>
-      </p:nvGrpSpPr>
-      <p:grpSpPr>
-        <a:xfrm>
-          <a:off x="0" y="0"/>
-          <a:ext cx="0" cy="0"/>
-          <a:chOff x="0" y="0"/>
-          <a:chExt cx="0" cy="0"/>
-        </a:xfrm>
-      </p:grpSpPr>
-      <p:sp>
-        <p:nvSpPr>
-          <p:cNvPr id="3" name="Titel 2"/>
-          <p:cNvSpPr>
-            <a:spLocks noGrp="1"/>
-          </p:cNvSpPr>
-          <p:nvPr>
-            <p:ph type="title"/>
-          </p:nvPr>
-        </p:nvSpPr>
-        <p:spPr>
-          <a:xfrm>
-            <a:off x="250825" y="195526"/>
-            <a:ext cx="8031163" cy="600164"/>
-          </a:xfrm>
-        </p:spPr>
-        <p:txBody>
-          <a:bodyPr/>
-          <a:lstStyle/>
-          <a:p>
-            <a:r>
-              <a:rPr lang="de-DE" dirty="0" smtClean="0"/>
               <a:t>Visualisierung (IDP 2) – GraphView</a:t>
             </a:r>
             <a:r>
@@ -6555,10 +7032,316 @@
           </a:prstGeom>
         </p:spPr>
       </p:pic>
+      <p:sp>
+        <p:nvSpPr>
+          <p:cNvPr id="2" name="Rechteck 1"/>
+          <p:cNvSpPr/>
+          <p:nvPr/>
+        </p:nvSpPr>
+        <p:spPr bwMode="auto">
+          <a:xfrm>
+            <a:off x="250825" y="1412776"/>
+            <a:ext cx="8031162" cy="3024336"/>
+          </a:xfrm>
+          <a:prstGeom prst="rect">
+            <a:avLst/>
+          </a:prstGeom>
+          <a:noFill/>
+          <a:ln>
+            <a:solidFill>
+              <a:srgbClr val="FF0000"/>
+            </a:solidFill>
+            <a:headEnd type="none" w="med" len="med"/>
+            <a:tailEnd type="triangle" w="med" len="med"/>
+          </a:ln>
+        </p:spPr>
+        <p:style>
+          <a:lnRef idx="2">
+            <a:schemeClr val="dk1"/>
+          </a:lnRef>
+          <a:fillRef idx="1">
+            <a:schemeClr val="lt1"/>
+          </a:fillRef>
+          <a:effectRef idx="0">
+            <a:schemeClr val="dk1"/>
+          </a:effectRef>
+          <a:fontRef idx="minor">
+            <a:schemeClr val="dk1"/>
+          </a:fontRef>
+        </p:style>
+        <p:txBody>
+          <a:bodyPr wrap="square" lIns="90000" tIns="46800" rIns="90000" bIns="46800" rtlCol="0" anchor="ctr">
+            <a:noAutofit/>
+          </a:bodyPr>
+          <a:lstStyle/>
+          <a:p>
+            <a:pPr algn="ctr" eaLnBrk="0" hangingPunct="0"/>
+            <a:endParaRPr lang="de-DE" sz="1400" dirty="0" smtClean="0"/>
+          </a:p>
+        </p:txBody>
+      </p:sp>
+      <p:sp>
+        <p:nvSpPr>
+          <p:cNvPr id="5" name="Textfeld 4"/>
+          <p:cNvSpPr txBox="1"/>
+          <p:nvPr/>
+        </p:nvSpPr>
+        <p:spPr>
+          <a:xfrm>
+            <a:off x="4266405" y="1428745"/>
+            <a:ext cx="4117024" cy="400110"/>
+          </a:xfrm>
+          <a:prstGeom prst="rect">
+            <a:avLst/>
+          </a:prstGeom>
+          <a:noFill/>
+        </p:spPr>
+        <p:txBody>
+          <a:bodyPr wrap="none" rtlCol="0">
+            <a:spAutoFit/>
+          </a:bodyPr>
+          <a:lstStyle/>
+          <a:p>
+            <a:r>
+              <a:rPr lang="de-DE" dirty="0" smtClean="0">
+                <a:solidFill>
+                  <a:srgbClr val="FF0000"/>
+                </a:solidFill>
+              </a:rPr>
+              <a:t>Visualisierung des PSS-IF Modells</a:t>
+            </a:r>
+            <a:endParaRPr lang="de-DE" dirty="0">
+              <a:solidFill>
+                <a:srgbClr val="FF0000"/>
+              </a:solidFill>
+            </a:endParaRPr>
+          </a:p>
+        </p:txBody>
+      </p:sp>
+      <p:sp>
+        <p:nvSpPr>
+          <p:cNvPr id="6" name="Rechteck 5"/>
+          <p:cNvSpPr/>
+          <p:nvPr/>
+        </p:nvSpPr>
+        <p:spPr bwMode="auto">
+          <a:xfrm>
+            <a:off x="250825" y="4437112"/>
+            <a:ext cx="6913463" cy="1152128"/>
+          </a:xfrm>
+          <a:prstGeom prst="rect">
+            <a:avLst/>
+          </a:prstGeom>
+          <a:noFill/>
+          <a:ln>
+            <a:solidFill>
+              <a:srgbClr val="FF0000"/>
+            </a:solidFill>
+            <a:headEnd type="none" w="med" len="med"/>
+            <a:tailEnd type="triangle" w="med" len="med"/>
+          </a:ln>
+        </p:spPr>
+        <p:style>
+          <a:lnRef idx="2">
+            <a:schemeClr val="dk1"/>
+          </a:lnRef>
+          <a:fillRef idx="1">
+            <a:schemeClr val="lt1"/>
+          </a:fillRef>
+          <a:effectRef idx="0">
+            <a:schemeClr val="dk1"/>
+          </a:effectRef>
+          <a:fontRef idx="minor">
+            <a:schemeClr val="dk1"/>
+          </a:fontRef>
+        </p:style>
+        <p:txBody>
+          <a:bodyPr wrap="square" lIns="90000" tIns="46800" rIns="90000" bIns="46800" rtlCol="0" anchor="ctr">
+            <a:noAutofit/>
+          </a:bodyPr>
+          <a:lstStyle/>
+          <a:p>
+            <a:pPr algn="ctr" eaLnBrk="0" hangingPunct="0"/>
+            <a:endParaRPr lang="de-DE" sz="1400" dirty="0" smtClean="0"/>
+          </a:p>
+        </p:txBody>
+      </p:sp>
+      <p:sp>
+        <p:nvSpPr>
+          <p:cNvPr id="7" name="Textfeld 6"/>
+          <p:cNvSpPr txBox="1"/>
+          <p:nvPr/>
+        </p:nvSpPr>
+        <p:spPr>
+          <a:xfrm>
+            <a:off x="1403648" y="5212544"/>
+            <a:ext cx="5069016" cy="400110"/>
+          </a:xfrm>
+          <a:prstGeom prst="rect">
+            <a:avLst/>
+          </a:prstGeom>
+          <a:noFill/>
+        </p:spPr>
+        <p:txBody>
+          <a:bodyPr wrap="none" rtlCol="0">
+            <a:spAutoFit/>
+          </a:bodyPr>
+          <a:lstStyle/>
+          <a:p>
+            <a:r>
+              <a:rPr lang="de-DE" dirty="0" smtClean="0">
+                <a:solidFill>
+                  <a:srgbClr val="FF0000"/>
+                </a:solidFill>
+              </a:rPr>
+              <a:t>Informationen über das selektierte Element</a:t>
+            </a:r>
+            <a:endParaRPr lang="de-DE" dirty="0">
+              <a:solidFill>
+                <a:srgbClr val="FF0000"/>
+              </a:solidFill>
+            </a:endParaRPr>
+          </a:p>
+        </p:txBody>
+      </p:sp>
+      <p:sp>
+        <p:nvSpPr>
+          <p:cNvPr id="8" name="Rechteck 7"/>
+          <p:cNvSpPr/>
+          <p:nvPr/>
+        </p:nvSpPr>
+        <p:spPr bwMode="auto">
+          <a:xfrm>
+            <a:off x="250825" y="1268760"/>
+            <a:ext cx="2736999" cy="144016"/>
+          </a:xfrm>
+          <a:prstGeom prst="rect">
+            <a:avLst/>
+          </a:prstGeom>
+          <a:noFill/>
+          <a:ln>
+            <a:solidFill>
+              <a:srgbClr val="FF0000"/>
+            </a:solidFill>
+            <a:headEnd type="none" w="med" len="med"/>
+            <a:tailEnd type="triangle" w="med" len="med"/>
+          </a:ln>
+        </p:spPr>
+        <p:style>
+          <a:lnRef idx="2">
+            <a:schemeClr val="dk1"/>
+          </a:lnRef>
+          <a:fillRef idx="1">
+            <a:schemeClr val="lt1"/>
+          </a:fillRef>
+          <a:effectRef idx="0">
+            <a:schemeClr val="dk1"/>
+          </a:effectRef>
+          <a:fontRef idx="minor">
+            <a:schemeClr val="dk1"/>
+          </a:fontRef>
+        </p:style>
+        <p:txBody>
+          <a:bodyPr wrap="square" lIns="90000" tIns="46800" rIns="90000" bIns="46800" rtlCol="0" anchor="ctr">
+            <a:noAutofit/>
+          </a:bodyPr>
+          <a:lstStyle/>
+          <a:p>
+            <a:pPr algn="ctr" eaLnBrk="0" hangingPunct="0"/>
+            <a:endParaRPr lang="de-DE" sz="1400" dirty="0" smtClean="0"/>
+          </a:p>
+        </p:txBody>
+      </p:sp>
+      <p:sp>
+        <p:nvSpPr>
+          <p:cNvPr id="9" name="Rechteck 8"/>
+          <p:cNvSpPr/>
+          <p:nvPr/>
+        </p:nvSpPr>
+        <p:spPr bwMode="auto">
+          <a:xfrm>
+            <a:off x="7164288" y="4437112"/>
+            <a:ext cx="1117699" cy="1138655"/>
+          </a:xfrm>
+          <a:prstGeom prst="rect">
+            <a:avLst/>
+          </a:prstGeom>
+          <a:noFill/>
+          <a:ln>
+            <a:solidFill>
+              <a:srgbClr val="FF0000"/>
+            </a:solidFill>
+            <a:headEnd type="none" w="med" len="med"/>
+            <a:tailEnd type="triangle" w="med" len="med"/>
+          </a:ln>
+        </p:spPr>
+        <p:style>
+          <a:lnRef idx="2">
+            <a:schemeClr val="dk1"/>
+          </a:lnRef>
+          <a:fillRef idx="1">
+            <a:schemeClr val="lt1"/>
+          </a:fillRef>
+          <a:effectRef idx="0">
+            <a:schemeClr val="dk1"/>
+          </a:effectRef>
+          <a:fontRef idx="minor">
+            <a:schemeClr val="dk1"/>
+          </a:fontRef>
+        </p:style>
+        <p:txBody>
+          <a:bodyPr wrap="square" lIns="90000" tIns="46800" rIns="90000" bIns="46800" rtlCol="0" anchor="ctr">
+            <a:noAutofit/>
+          </a:bodyPr>
+          <a:lstStyle/>
+          <a:p>
+            <a:pPr algn="ctr" eaLnBrk="0" hangingPunct="0"/>
+            <a:endParaRPr lang="de-DE" sz="1400" dirty="0" smtClean="0"/>
+          </a:p>
+        </p:txBody>
+      </p:sp>
+      <p:sp>
+        <p:nvSpPr>
+          <p:cNvPr id="10" name="Textfeld 9"/>
+          <p:cNvSpPr txBox="1"/>
+          <p:nvPr/>
+        </p:nvSpPr>
+        <p:spPr>
+          <a:xfrm>
+            <a:off x="899326" y="5605230"/>
+            <a:ext cx="7382662" cy="400110"/>
+          </a:xfrm>
+          <a:prstGeom prst="rect">
+            <a:avLst/>
+          </a:prstGeom>
+          <a:noFill/>
+        </p:spPr>
+        <p:txBody>
+          <a:bodyPr wrap="none" rtlCol="0">
+            <a:spAutoFit/>
+          </a:bodyPr>
+          <a:lstStyle/>
+          <a:p>
+            <a:r>
+              <a:rPr lang="de-DE" dirty="0" smtClean="0">
+                <a:solidFill>
+                  <a:srgbClr val="FF0000"/>
+                </a:solidFill>
+              </a:rPr>
+              <a:t>Einstellungen der Ansicht / Modifikationsoperationen / Analysen</a:t>
+            </a:r>
+            <a:endParaRPr lang="de-DE" dirty="0">
+              <a:solidFill>
+                <a:srgbClr val="FF0000"/>
+              </a:solidFill>
+            </a:endParaRPr>
+          </a:p>
+        </p:txBody>
+      </p:sp>
     </p:spTree>
     <p:extLst>
       <p:ext uri="{BB962C8B-B14F-4D97-AF65-F5344CB8AC3E}">
-        <p14:creationId xmlns="" xmlns:p14="http://schemas.microsoft.com/office/powerpoint/2010/main" val="3871759119"/>
+        <p14:creationId xmlns:p14="http://schemas.microsoft.com/office/powerpoint/2010/main" val="3871759119"/>
       </p:ext>
     </p:extLst>
   </p:cSld>
@@ -6568,14 +7351,437 @@
   <p:timing>
     <p:tnLst>
       <p:par>
-        <p:cTn id="1" dur="indefinite" restart="never" nodeType="tmRoot"/>
+        <p:cTn id="1" dur="indefinite" restart="never" nodeType="tmRoot">
+          <p:childTnLst>
+            <p:seq concurrent="1" nextAc="seek">
+              <p:cTn id="2" dur="indefinite" nodeType="mainSeq">
+                <p:childTnLst>
+                  <p:par>
+                    <p:cTn id="3" fill="hold">
+                      <p:stCondLst>
+                        <p:cond delay="indefinite"/>
+                      </p:stCondLst>
+                      <p:childTnLst>
+                        <p:par>
+                          <p:cTn id="4" fill="hold">
+                            <p:stCondLst>
+                              <p:cond delay="0"/>
+                            </p:stCondLst>
+                            <p:childTnLst>
+                              <p:par>
+                                <p:cTn id="5" presetID="1" presetClass="entr" presetSubtype="0" fill="hold" grpId="0" nodeType="clickEffect">
+                                  <p:stCondLst>
+                                    <p:cond delay="0"/>
+                                  </p:stCondLst>
+                                  <p:childTnLst>
+                                    <p:set>
+                                      <p:cBhvr>
+                                        <p:cTn id="6" dur="1" fill="hold">
+                                          <p:stCondLst>
+                                            <p:cond delay="0"/>
+                                          </p:stCondLst>
+                                        </p:cTn>
+                                        <p:tgtEl>
+                                          <p:spTgt spid="2"/>
+                                        </p:tgtEl>
+                                        <p:attrNameLst>
+                                          <p:attrName>style.visibility</p:attrName>
+                                        </p:attrNameLst>
+                                      </p:cBhvr>
+                                      <p:to>
+                                        <p:strVal val="visible"/>
+                                      </p:to>
+                                    </p:set>
+                                  </p:childTnLst>
+                                </p:cTn>
+                              </p:par>
+                              <p:par>
+                                <p:cTn id="7" presetID="1" presetClass="entr" presetSubtype="0" fill="hold" grpId="0" nodeType="withEffect">
+                                  <p:stCondLst>
+                                    <p:cond delay="0"/>
+                                  </p:stCondLst>
+                                  <p:childTnLst>
+                                    <p:set>
+                                      <p:cBhvr>
+                                        <p:cTn id="8" dur="1" fill="hold">
+                                          <p:stCondLst>
+                                            <p:cond delay="0"/>
+                                          </p:stCondLst>
+                                        </p:cTn>
+                                        <p:tgtEl>
+                                          <p:spTgt spid="5"/>
+                                        </p:tgtEl>
+                                        <p:attrNameLst>
+                                          <p:attrName>style.visibility</p:attrName>
+                                        </p:attrNameLst>
+                                      </p:cBhvr>
+                                      <p:to>
+                                        <p:strVal val="visible"/>
+                                      </p:to>
+                                    </p:set>
+                                  </p:childTnLst>
+                                </p:cTn>
+                              </p:par>
+                            </p:childTnLst>
+                          </p:cTn>
+                        </p:par>
+                      </p:childTnLst>
+                    </p:cTn>
+                  </p:par>
+                  <p:par>
+                    <p:cTn id="9" fill="hold">
+                      <p:stCondLst>
+                        <p:cond delay="indefinite"/>
+                      </p:stCondLst>
+                      <p:childTnLst>
+                        <p:par>
+                          <p:cTn id="10" fill="hold">
+                            <p:stCondLst>
+                              <p:cond delay="0"/>
+                            </p:stCondLst>
+                            <p:childTnLst>
+                              <p:par>
+                                <p:cTn id="11" presetID="1" presetClass="exit" presetSubtype="0" fill="hold" grpId="1" nodeType="clickEffect">
+                                  <p:stCondLst>
+                                    <p:cond delay="0"/>
+                                  </p:stCondLst>
+                                  <p:childTnLst>
+                                    <p:set>
+                                      <p:cBhvr>
+                                        <p:cTn id="12" dur="1" fill="hold">
+                                          <p:stCondLst>
+                                            <p:cond delay="0"/>
+                                          </p:stCondLst>
+                                        </p:cTn>
+                                        <p:tgtEl>
+                                          <p:spTgt spid="2"/>
+                                        </p:tgtEl>
+                                        <p:attrNameLst>
+                                          <p:attrName>style.visibility</p:attrName>
+                                        </p:attrNameLst>
+                                      </p:cBhvr>
+                                      <p:to>
+                                        <p:strVal val="hidden"/>
+                                      </p:to>
+                                    </p:set>
+                                  </p:childTnLst>
+                                </p:cTn>
+                              </p:par>
+                              <p:par>
+                                <p:cTn id="13" presetID="1" presetClass="exit" presetSubtype="0" fill="hold" grpId="1" nodeType="withEffect">
+                                  <p:stCondLst>
+                                    <p:cond delay="0"/>
+                                  </p:stCondLst>
+                                  <p:childTnLst>
+                                    <p:set>
+                                      <p:cBhvr>
+                                        <p:cTn id="14" dur="1" fill="hold">
+                                          <p:stCondLst>
+                                            <p:cond delay="0"/>
+                                          </p:stCondLst>
+                                        </p:cTn>
+                                        <p:tgtEl>
+                                          <p:spTgt spid="5"/>
+                                        </p:tgtEl>
+                                        <p:attrNameLst>
+                                          <p:attrName>style.visibility</p:attrName>
+                                        </p:attrNameLst>
+                                      </p:cBhvr>
+                                      <p:to>
+                                        <p:strVal val="hidden"/>
+                                      </p:to>
+                                    </p:set>
+                                  </p:childTnLst>
+                                </p:cTn>
+                              </p:par>
+                            </p:childTnLst>
+                          </p:cTn>
+                        </p:par>
+                      </p:childTnLst>
+                    </p:cTn>
+                  </p:par>
+                  <p:par>
+                    <p:cTn id="15" fill="hold">
+                      <p:stCondLst>
+                        <p:cond delay="indefinite"/>
+                      </p:stCondLst>
+                      <p:childTnLst>
+                        <p:par>
+                          <p:cTn id="16" fill="hold">
+                            <p:stCondLst>
+                              <p:cond delay="0"/>
+                            </p:stCondLst>
+                            <p:childTnLst>
+                              <p:par>
+                                <p:cTn id="17" presetID="1" presetClass="entr" presetSubtype="0" fill="hold" grpId="0" nodeType="clickEffect">
+                                  <p:stCondLst>
+                                    <p:cond delay="0"/>
+                                  </p:stCondLst>
+                                  <p:childTnLst>
+                                    <p:set>
+                                      <p:cBhvr>
+                                        <p:cTn id="18" dur="1" fill="hold">
+                                          <p:stCondLst>
+                                            <p:cond delay="0"/>
+                                          </p:stCondLst>
+                                        </p:cTn>
+                                        <p:tgtEl>
+                                          <p:spTgt spid="6"/>
+                                        </p:tgtEl>
+                                        <p:attrNameLst>
+                                          <p:attrName>style.visibility</p:attrName>
+                                        </p:attrNameLst>
+                                      </p:cBhvr>
+                                      <p:to>
+                                        <p:strVal val="visible"/>
+                                      </p:to>
+                                    </p:set>
+                                  </p:childTnLst>
+                                </p:cTn>
+                              </p:par>
+                              <p:par>
+                                <p:cTn id="19" presetID="1" presetClass="entr" presetSubtype="0" fill="hold" grpId="0" nodeType="withEffect">
+                                  <p:stCondLst>
+                                    <p:cond delay="0"/>
+                                  </p:stCondLst>
+                                  <p:childTnLst>
+                                    <p:set>
+                                      <p:cBhvr>
+                                        <p:cTn id="20" dur="1" fill="hold">
+                                          <p:stCondLst>
+                                            <p:cond delay="0"/>
+                                          </p:stCondLst>
+                                        </p:cTn>
+                                        <p:tgtEl>
+                                          <p:spTgt spid="7"/>
+                                        </p:tgtEl>
+                                        <p:attrNameLst>
+                                          <p:attrName>style.visibility</p:attrName>
+                                        </p:attrNameLst>
+                                      </p:cBhvr>
+                                      <p:to>
+                                        <p:strVal val="visible"/>
+                                      </p:to>
+                                    </p:set>
+                                  </p:childTnLst>
+                                </p:cTn>
+                              </p:par>
+                            </p:childTnLst>
+                          </p:cTn>
+                        </p:par>
+                      </p:childTnLst>
+                    </p:cTn>
+                  </p:par>
+                  <p:par>
+                    <p:cTn id="21" fill="hold">
+                      <p:stCondLst>
+                        <p:cond delay="indefinite"/>
+                      </p:stCondLst>
+                      <p:childTnLst>
+                        <p:par>
+                          <p:cTn id="22" fill="hold">
+                            <p:stCondLst>
+                              <p:cond delay="0"/>
+                            </p:stCondLst>
+                            <p:childTnLst>
+                              <p:par>
+                                <p:cTn id="23" presetID="1" presetClass="exit" presetSubtype="0" fill="hold" grpId="1" nodeType="clickEffect">
+                                  <p:stCondLst>
+                                    <p:cond delay="0"/>
+                                  </p:stCondLst>
+                                  <p:childTnLst>
+                                    <p:set>
+                                      <p:cBhvr>
+                                        <p:cTn id="24" dur="1" fill="hold">
+                                          <p:stCondLst>
+                                            <p:cond delay="0"/>
+                                          </p:stCondLst>
+                                        </p:cTn>
+                                        <p:tgtEl>
+                                          <p:spTgt spid="6"/>
+                                        </p:tgtEl>
+                                        <p:attrNameLst>
+                                          <p:attrName>style.visibility</p:attrName>
+                                        </p:attrNameLst>
+                                      </p:cBhvr>
+                                      <p:to>
+                                        <p:strVal val="hidden"/>
+                                      </p:to>
+                                    </p:set>
+                                  </p:childTnLst>
+                                </p:cTn>
+                              </p:par>
+                              <p:par>
+                                <p:cTn id="25" presetID="1" presetClass="exit" presetSubtype="0" fill="hold" grpId="1" nodeType="withEffect">
+                                  <p:stCondLst>
+                                    <p:cond delay="0"/>
+                                  </p:stCondLst>
+                                  <p:childTnLst>
+                                    <p:set>
+                                      <p:cBhvr>
+                                        <p:cTn id="26" dur="1" fill="hold">
+                                          <p:stCondLst>
+                                            <p:cond delay="0"/>
+                                          </p:stCondLst>
+                                        </p:cTn>
+                                        <p:tgtEl>
+                                          <p:spTgt spid="7"/>
+                                        </p:tgtEl>
+                                        <p:attrNameLst>
+                                          <p:attrName>style.visibility</p:attrName>
+                                        </p:attrNameLst>
+                                      </p:cBhvr>
+                                      <p:to>
+                                        <p:strVal val="hidden"/>
+                                      </p:to>
+                                    </p:set>
+                                  </p:childTnLst>
+                                </p:cTn>
+                              </p:par>
+                            </p:childTnLst>
+                          </p:cTn>
+                        </p:par>
+                      </p:childTnLst>
+                    </p:cTn>
+                  </p:par>
+                  <p:par>
+                    <p:cTn id="27" fill="hold">
+                      <p:stCondLst>
+                        <p:cond delay="indefinite"/>
+                      </p:stCondLst>
+                      <p:childTnLst>
+                        <p:par>
+                          <p:cTn id="28" fill="hold">
+                            <p:stCondLst>
+                              <p:cond delay="0"/>
+                            </p:stCondLst>
+                            <p:childTnLst>
+                              <p:par>
+                                <p:cTn id="29" presetID="1" presetClass="entr" presetSubtype="0" fill="hold" grpId="0" nodeType="clickEffect">
+                                  <p:stCondLst>
+                                    <p:cond delay="0"/>
+                                  </p:stCondLst>
+                                  <p:childTnLst>
+                                    <p:set>
+                                      <p:cBhvr>
+                                        <p:cTn id="30" dur="1" fill="hold">
+                                          <p:stCondLst>
+                                            <p:cond delay="0"/>
+                                          </p:stCondLst>
+                                        </p:cTn>
+                                        <p:tgtEl>
+                                          <p:spTgt spid="8"/>
+                                        </p:tgtEl>
+                                        <p:attrNameLst>
+                                          <p:attrName>style.visibility</p:attrName>
+                                        </p:attrNameLst>
+                                      </p:cBhvr>
+                                      <p:to>
+                                        <p:strVal val="visible"/>
+                                      </p:to>
+                                    </p:set>
+                                  </p:childTnLst>
+                                </p:cTn>
+                              </p:par>
+                              <p:par>
+                                <p:cTn id="31" presetID="1" presetClass="entr" presetSubtype="0" fill="hold" grpId="0" nodeType="withEffect">
+                                  <p:stCondLst>
+                                    <p:cond delay="0"/>
+                                  </p:stCondLst>
+                                  <p:childTnLst>
+                                    <p:set>
+                                      <p:cBhvr>
+                                        <p:cTn id="32" dur="1" fill="hold">
+                                          <p:stCondLst>
+                                            <p:cond delay="0"/>
+                                          </p:stCondLst>
+                                        </p:cTn>
+                                        <p:tgtEl>
+                                          <p:spTgt spid="9"/>
+                                        </p:tgtEl>
+                                        <p:attrNameLst>
+                                          <p:attrName>style.visibility</p:attrName>
+                                        </p:attrNameLst>
+                                      </p:cBhvr>
+                                      <p:to>
+                                        <p:strVal val="visible"/>
+                                      </p:to>
+                                    </p:set>
+                                  </p:childTnLst>
+                                </p:cTn>
+                              </p:par>
+                              <p:par>
+                                <p:cTn id="33" presetID="1" presetClass="entr" presetSubtype="0" fill="hold" grpId="0" nodeType="withEffect">
+                                  <p:stCondLst>
+                                    <p:cond delay="0"/>
+                                  </p:stCondLst>
+                                  <p:childTnLst>
+                                    <p:set>
+                                      <p:cBhvr>
+                                        <p:cTn id="34" dur="1" fill="hold">
+                                          <p:stCondLst>
+                                            <p:cond delay="0"/>
+                                          </p:stCondLst>
+                                        </p:cTn>
+                                        <p:tgtEl>
+                                          <p:spTgt spid="10"/>
+                                        </p:tgtEl>
+                                        <p:attrNameLst>
+                                          <p:attrName>style.visibility</p:attrName>
+                                        </p:attrNameLst>
+                                      </p:cBhvr>
+                                      <p:to>
+                                        <p:strVal val="visible"/>
+                                      </p:to>
+                                    </p:set>
+                                  </p:childTnLst>
+                                </p:cTn>
+                              </p:par>
+                            </p:childTnLst>
+                          </p:cTn>
+                        </p:par>
+                      </p:childTnLst>
+                    </p:cTn>
+                  </p:par>
+                </p:childTnLst>
+              </p:cTn>
+              <p:prevCondLst>
+                <p:cond evt="onPrev" delay="0">
+                  <p:tgtEl>
+                    <p:sldTgt/>
+                  </p:tgtEl>
+                </p:cond>
+              </p:prevCondLst>
+              <p:nextCondLst>
+                <p:cond evt="onNext" delay="0">
+                  <p:tgtEl>
+                    <p:sldTgt/>
+                  </p:tgtEl>
+                </p:cond>
+              </p:nextCondLst>
+            </p:seq>
+          </p:childTnLst>
+        </p:cTn>
       </p:par>
     </p:tnLst>
+    <p:bldLst>
+      <p:bldP spid="2" grpId="0" animBg="1"/>
+      <p:bldP spid="2" grpId="1" animBg="1"/>
+      <p:bldP spid="5" grpId="0"/>
+      <p:bldP spid="5" grpId="1"/>
+      <p:bldP spid="6" grpId="0" animBg="1"/>
+      <p:bldP spid="6" grpId="1" animBg="1"/>
+      <p:bldP spid="7" grpId="0"/>
+      <p:bldP spid="7" grpId="1"/>
+      <p:bldP spid="8" grpId="0" animBg="1"/>
+      <p:bldP spid="9" grpId="0" animBg="1"/>
+      <p:bldP spid="10" grpId="0"/>
+    </p:bldLst>
   </p:timing>
 </p:sld>
 </file>
 
-<file path=ppt/slides/slide29.xml><?xml version="1.0" encoding="utf-8"?>
+<file path=ppt/slides/slide28.xml><?xml version="1.0" encoding="utf-8"?>
 <p:sld xmlns:a="http://schemas.openxmlformats.org/drawingml/2006/main" xmlns:r="http://schemas.openxmlformats.org/officeDocument/2006/relationships" xmlns:p="http://schemas.openxmlformats.org/presentationml/2006/main">
   <p:cSld>
     <p:spTree>
@@ -6695,7 +7901,7 @@
         </p:blipFill>
         <p:spPr>
           <a:xfrm>
-            <a:off x="5761627" y="2492896"/>
+            <a:off x="5761627" y="1484784"/>
             <a:ext cx="2520361" cy="2909164"/>
           </a:xfrm>
           <a:prstGeom prst="rect">
@@ -6716,7 +7922,7 @@
         <p:spPr>
           <a:xfrm>
             <a:off x="250824" y="933451"/>
-            <a:ext cx="8031164" cy="407318"/>
+            <a:ext cx="2520421" cy="407318"/>
           </a:xfrm>
         </p:spPr>
         <p:txBody>
@@ -6728,7 +7934,11 @@
             </a:pPr>
             <a:r>
               <a:rPr lang="de-DE" dirty="0" smtClean="0"/>
-              <a:t>Einfügen von Knoten				Einfügen von Kanten</a:t>
+              <a:t>Einfügen von </a:t>
+            </a:r>
+            <a:r>
+              <a:rPr lang="de-DE" dirty="0" smtClean="0"/>
+              <a:t>Knoten</a:t>
             </a:r>
             <a:endParaRPr lang="de-DE" dirty="0"/>
           </a:p>
@@ -6744,8 +7954,8 @@
         </p:nvSpPr>
         <p:spPr>
           <a:xfrm>
-            <a:off x="4292611" y="3830101"/>
-            <a:ext cx="479698" cy="407318"/>
+            <a:off x="3347865" y="3830101"/>
+            <a:ext cx="2413762" cy="407318"/>
           </a:xfrm>
           <a:prstGeom prst="rect">
             <a:avLst/>
@@ -6919,7 +8129,11 @@
             </a:pPr>
             <a:r>
               <a:rPr lang="de-DE" kern="0" dirty="0" smtClean="0"/>
-              <a:t>(1)</a:t>
+              <a:t>(1</a:t>
+            </a:r>
+            <a:r>
+              <a:rPr lang="de-DE" kern="0" dirty="0" smtClean="0"/>
+              <a:t>) Startknoten und Endknoten der Kante festlegen</a:t>
             </a:r>
             <a:endParaRPr lang="de-DE" kern="0" dirty="0"/>
           </a:p>
@@ -6935,8 +8149,8 @@
         </p:nvSpPr>
         <p:spPr>
           <a:xfrm>
-            <a:off x="6781958" y="5517232"/>
-            <a:ext cx="479698" cy="407318"/>
+            <a:off x="5762824" y="4537963"/>
+            <a:ext cx="2519163" cy="407318"/>
           </a:xfrm>
           <a:prstGeom prst="rect">
             <a:avLst/>
@@ -7105,21 +8319,405 @@
           </a:lstStyle>
           <a:p>
             <a:pPr marL="0" indent="0">
-              <a:buFont typeface="Arial" charset="0"/>
               <a:buNone/>
             </a:pPr>
             <a:r>
               <a:rPr lang="de-DE" kern="0" dirty="0" smtClean="0"/>
-              <a:t>(2)</a:t>
-            </a:r>
-            <a:endParaRPr lang="de-DE" kern="0" dirty="0"/>
+              <a:t>(2</a:t>
+            </a:r>
+            <a:r>
+              <a:rPr lang="de-DE" kern="0" dirty="0" smtClean="0"/>
+              <a:t>) Kantentyp und </a:t>
+            </a:r>
+            <a:r>
+              <a:rPr lang="de-DE" dirty="0"/>
+              <a:t>Kantenarten </a:t>
+            </a:r>
+            <a:r>
+              <a:rPr lang="de-DE" kern="0" dirty="0" smtClean="0"/>
+              <a:t>festlegen</a:t>
+            </a:r>
+            <a:endParaRPr lang="de-DE" dirty="0"/>
+          </a:p>
+        </p:txBody>
+      </p:sp>
+      <p:sp>
+        <p:nvSpPr>
+          <p:cNvPr id="2" name="Textfeld 1"/>
+          <p:cNvSpPr txBox="1"/>
+          <p:nvPr/>
+        </p:nvSpPr>
+        <p:spPr>
+          <a:xfrm>
+            <a:off x="4434492" y="928642"/>
+            <a:ext cx="2565126" cy="707886"/>
+          </a:xfrm>
+          <a:prstGeom prst="rect">
+            <a:avLst/>
+          </a:prstGeom>
+          <a:noFill/>
+        </p:spPr>
+        <p:txBody>
+          <a:bodyPr wrap="none" rtlCol="0">
+            <a:spAutoFit/>
+          </a:bodyPr>
+          <a:lstStyle/>
+          <a:p>
+            <a:r>
+              <a:rPr lang="de-DE" dirty="0"/>
+              <a:t>Einfügen von Kanten</a:t>
+            </a:r>
+          </a:p>
+          <a:p>
+            <a:endParaRPr lang="de-DE" dirty="0"/>
           </a:p>
         </p:txBody>
       </p:sp>
     </p:spTree>
     <p:extLst>
       <p:ext uri="{BB962C8B-B14F-4D97-AF65-F5344CB8AC3E}">
-        <p14:creationId xmlns="" xmlns:p14="http://schemas.microsoft.com/office/powerpoint/2010/main" val="492424617"/>
+        <p14:creationId xmlns:p14="http://schemas.microsoft.com/office/powerpoint/2010/main" val="492424617"/>
+      </p:ext>
+    </p:extLst>
+  </p:cSld>
+  <p:clrMapOvr>
+    <a:masterClrMapping/>
+  </p:clrMapOvr>
+  <p:timing>
+    <p:tnLst>
+      <p:par>
+        <p:cTn id="1" dur="indefinite" restart="never" nodeType="tmRoot">
+          <p:childTnLst>
+            <p:seq concurrent="1" nextAc="seek">
+              <p:cTn id="2" dur="indefinite" nodeType="mainSeq">
+                <p:childTnLst>
+                  <p:par>
+                    <p:cTn id="3" fill="hold">
+                      <p:stCondLst>
+                        <p:cond delay="indefinite"/>
+                      </p:stCondLst>
+                      <p:childTnLst>
+                        <p:par>
+                          <p:cTn id="4" fill="hold">
+                            <p:stCondLst>
+                              <p:cond delay="0"/>
+                            </p:stCondLst>
+                            <p:childTnLst>
+                              <p:par>
+                                <p:cTn id="5" presetID="1" presetClass="entr" presetSubtype="0" fill="hold" grpId="0" nodeType="clickEffect">
+                                  <p:stCondLst>
+                                    <p:cond delay="0"/>
+                                  </p:stCondLst>
+                                  <p:childTnLst>
+                                    <p:set>
+                                      <p:cBhvr>
+                                        <p:cTn id="6" dur="1" fill="hold">
+                                          <p:stCondLst>
+                                            <p:cond delay="0"/>
+                                          </p:stCondLst>
+                                        </p:cTn>
+                                        <p:tgtEl>
+                                          <p:spTgt spid="2"/>
+                                        </p:tgtEl>
+                                        <p:attrNameLst>
+                                          <p:attrName>style.visibility</p:attrName>
+                                        </p:attrNameLst>
+                                      </p:cBhvr>
+                                      <p:to>
+                                        <p:strVal val="visible"/>
+                                      </p:to>
+                                    </p:set>
+                                  </p:childTnLst>
+                                </p:cTn>
+                              </p:par>
+                              <p:par>
+                                <p:cTn id="7" presetID="1" presetClass="entr" presetSubtype="0" fill="hold" nodeType="withEffect">
+                                  <p:stCondLst>
+                                    <p:cond delay="0"/>
+                                  </p:stCondLst>
+                                  <p:childTnLst>
+                                    <p:set>
+                                      <p:cBhvr>
+                                        <p:cTn id="8" dur="1" fill="hold">
+                                          <p:stCondLst>
+                                            <p:cond delay="0"/>
+                                          </p:stCondLst>
+                                        </p:cTn>
+                                        <p:tgtEl>
+                                          <p:spTgt spid="5"/>
+                                        </p:tgtEl>
+                                        <p:attrNameLst>
+                                          <p:attrName>style.visibility</p:attrName>
+                                        </p:attrNameLst>
+                                      </p:cBhvr>
+                                      <p:to>
+                                        <p:strVal val="visible"/>
+                                      </p:to>
+                                    </p:set>
+                                  </p:childTnLst>
+                                </p:cTn>
+                              </p:par>
+                              <p:par>
+                                <p:cTn id="9" presetID="1" presetClass="entr" presetSubtype="0" fill="hold" grpId="0" nodeType="withEffect">
+                                  <p:stCondLst>
+                                    <p:cond delay="0"/>
+                                  </p:stCondLst>
+                                  <p:childTnLst>
+                                    <p:set>
+                                      <p:cBhvr>
+                                        <p:cTn id="10" dur="1" fill="hold">
+                                          <p:stCondLst>
+                                            <p:cond delay="0"/>
+                                          </p:stCondLst>
+                                        </p:cTn>
+                                        <p:tgtEl>
+                                          <p:spTgt spid="9"/>
+                                        </p:tgtEl>
+                                        <p:attrNameLst>
+                                          <p:attrName>style.visibility</p:attrName>
+                                        </p:attrNameLst>
+                                      </p:cBhvr>
+                                      <p:to>
+                                        <p:strVal val="visible"/>
+                                      </p:to>
+                                    </p:set>
+                                  </p:childTnLst>
+                                </p:cTn>
+                              </p:par>
+                            </p:childTnLst>
+                          </p:cTn>
+                        </p:par>
+                      </p:childTnLst>
+                    </p:cTn>
+                  </p:par>
+                  <p:par>
+                    <p:cTn id="11" fill="hold">
+                      <p:stCondLst>
+                        <p:cond delay="indefinite"/>
+                      </p:stCondLst>
+                      <p:childTnLst>
+                        <p:par>
+                          <p:cTn id="12" fill="hold">
+                            <p:stCondLst>
+                              <p:cond delay="0"/>
+                            </p:stCondLst>
+                            <p:childTnLst>
+                              <p:par>
+                                <p:cTn id="13" presetID="1" presetClass="entr" presetSubtype="0" fill="hold" nodeType="clickEffect">
+                                  <p:stCondLst>
+                                    <p:cond delay="0"/>
+                                  </p:stCondLst>
+                                  <p:childTnLst>
+                                    <p:set>
+                                      <p:cBhvr>
+                                        <p:cTn id="14" dur="1" fill="hold">
+                                          <p:stCondLst>
+                                            <p:cond delay="0"/>
+                                          </p:stCondLst>
+                                        </p:cTn>
+                                        <p:tgtEl>
+                                          <p:spTgt spid="6"/>
+                                        </p:tgtEl>
+                                        <p:attrNameLst>
+                                          <p:attrName>style.visibility</p:attrName>
+                                        </p:attrNameLst>
+                                      </p:cBhvr>
+                                      <p:to>
+                                        <p:strVal val="visible"/>
+                                      </p:to>
+                                    </p:set>
+                                  </p:childTnLst>
+                                </p:cTn>
+                              </p:par>
+                              <p:par>
+                                <p:cTn id="15" presetID="1" presetClass="entr" presetSubtype="0" fill="hold" grpId="0" nodeType="withEffect">
+                                  <p:stCondLst>
+                                    <p:cond delay="0"/>
+                                  </p:stCondLst>
+                                  <p:childTnLst>
+                                    <p:set>
+                                      <p:cBhvr>
+                                        <p:cTn id="16" dur="1" fill="hold">
+                                          <p:stCondLst>
+                                            <p:cond delay="0"/>
+                                          </p:stCondLst>
+                                        </p:cTn>
+                                        <p:tgtEl>
+                                          <p:spTgt spid="10"/>
+                                        </p:tgtEl>
+                                        <p:attrNameLst>
+                                          <p:attrName>style.visibility</p:attrName>
+                                        </p:attrNameLst>
+                                      </p:cBhvr>
+                                      <p:to>
+                                        <p:strVal val="visible"/>
+                                      </p:to>
+                                    </p:set>
+                                  </p:childTnLst>
+                                </p:cTn>
+                              </p:par>
+                            </p:childTnLst>
+                          </p:cTn>
+                        </p:par>
+                      </p:childTnLst>
+                    </p:cTn>
+                  </p:par>
+                </p:childTnLst>
+              </p:cTn>
+              <p:prevCondLst>
+                <p:cond evt="onPrev" delay="0">
+                  <p:tgtEl>
+                    <p:sldTgt/>
+                  </p:tgtEl>
+                </p:cond>
+              </p:prevCondLst>
+              <p:nextCondLst>
+                <p:cond evt="onNext" delay="0">
+                  <p:tgtEl>
+                    <p:sldTgt/>
+                  </p:tgtEl>
+                </p:cond>
+              </p:nextCondLst>
+            </p:seq>
+          </p:childTnLst>
+        </p:cTn>
+      </p:par>
+    </p:tnLst>
+    <p:bldLst>
+      <p:bldP spid="9" grpId="0"/>
+      <p:bldP spid="10" grpId="0"/>
+      <p:bldP spid="2" grpId="0"/>
+    </p:bldLst>
+  </p:timing>
+</p:sld>
+</file>
+
+<file path=ppt/slides/slide29.xml><?xml version="1.0" encoding="utf-8"?>
+<p:sld xmlns:a="http://schemas.openxmlformats.org/drawingml/2006/main" xmlns:r="http://schemas.openxmlformats.org/officeDocument/2006/relationships" xmlns:p="http://schemas.openxmlformats.org/presentationml/2006/main">
+  <p:cSld>
+    <p:spTree>
+      <p:nvGrpSpPr>
+        <p:cNvPr id="1" name=""/>
+        <p:cNvGrpSpPr/>
+        <p:nvPr/>
+      </p:nvGrpSpPr>
+      <p:grpSpPr>
+        <a:xfrm>
+          <a:off x="0" y="0"/>
+          <a:ext cx="0" cy="0"/>
+          <a:chOff x="0" y="0"/>
+          <a:chExt cx="0" cy="0"/>
+        </a:xfrm>
+      </p:grpSpPr>
+      <p:sp>
+        <p:nvSpPr>
+          <p:cNvPr id="3" name="Titel 2"/>
+          <p:cNvSpPr>
+            <a:spLocks noGrp="1"/>
+          </p:cNvSpPr>
+          <p:nvPr>
+            <p:ph type="title"/>
+          </p:nvPr>
+        </p:nvSpPr>
+        <p:spPr>
+          <a:xfrm>
+            <a:off x="250825" y="195526"/>
+            <a:ext cx="8031163" cy="600164"/>
+          </a:xfrm>
+        </p:spPr>
+        <p:txBody>
+          <a:bodyPr/>
+          <a:lstStyle/>
+          <a:p>
+            <a:r>
+              <a:rPr lang="de-DE" dirty="0" smtClean="0"/>
+              <a:t>Visualisierung (IDP 2) – GraphView</a:t>
+            </a:r>
+            <a:r>
+              <a:rPr lang="de-DE" b="0" dirty="0" smtClean="0"/>
+              <a:t/>
+            </a:r>
+            <a:br>
+              <a:rPr lang="de-DE" b="0" dirty="0" smtClean="0"/>
+            </a:br>
+            <a:r>
+              <a:rPr lang="de-DE" sz="1400" dirty="0" smtClean="0"/>
+              <a:t>Analysen</a:t>
+            </a:r>
+            <a:endParaRPr lang="de-DE" dirty="0"/>
+          </a:p>
+        </p:txBody>
+      </p:sp>
+      <p:pic>
+        <p:nvPicPr>
+          <p:cNvPr id="4" name="Grafik 3"/>
+          <p:cNvPicPr>
+            <a:picLocks noChangeAspect="1"/>
+          </p:cNvPicPr>
+          <p:nvPr/>
+        </p:nvPicPr>
+        <p:blipFill>
+          <a:blip r:embed="rId2" cstate="print"/>
+          <a:stretch>
+            <a:fillRect/>
+          </a:stretch>
+        </p:blipFill>
+        <p:spPr>
+          <a:xfrm>
+            <a:off x="250825" y="1412776"/>
+            <a:ext cx="7987706" cy="3861530"/>
+          </a:xfrm>
+          <a:prstGeom prst="rect">
+            <a:avLst/>
+          </a:prstGeom>
+        </p:spPr>
+      </p:pic>
+      <p:sp>
+        <p:nvSpPr>
+          <p:cNvPr id="5" name="Textfeld 4"/>
+          <p:cNvSpPr txBox="1"/>
+          <p:nvPr/>
+        </p:nvSpPr>
+        <p:spPr>
+          <a:xfrm>
+            <a:off x="250825" y="904178"/>
+            <a:ext cx="6168676" cy="400110"/>
+          </a:xfrm>
+          <a:prstGeom prst="rect">
+            <a:avLst/>
+          </a:prstGeom>
+          <a:noFill/>
+        </p:spPr>
+        <p:txBody>
+          <a:bodyPr wrap="none" rtlCol="0">
+            <a:spAutoFit/>
+          </a:bodyPr>
+          <a:lstStyle/>
+          <a:p>
+            <a:r>
+              <a:rPr lang="de-DE" dirty="0"/>
+              <a:t>Hervorheben von Zusammenhängen (</a:t>
+            </a:r>
+            <a:r>
+              <a:rPr lang="de-DE" dirty="0" err="1"/>
+              <a:t>Depth</a:t>
+            </a:r>
+            <a:r>
+              <a:rPr lang="de-DE" dirty="0"/>
+              <a:t> Search</a:t>
+            </a:r>
+            <a:r>
+              <a:rPr lang="de-DE" dirty="0" smtClean="0"/>
+              <a:t>)</a:t>
+            </a:r>
+            <a:endParaRPr lang="de-DE" dirty="0"/>
+          </a:p>
+        </p:txBody>
+      </p:sp>
+    </p:spTree>
+    <p:extLst>
+      <p:ext uri="{BB962C8B-B14F-4D97-AF65-F5344CB8AC3E}">
+        <p14:creationId xmlns:p14="http://schemas.microsoft.com/office/powerpoint/2010/main" val="3583291954"/>
       </p:ext>
     </p:extLst>
   </p:cSld>
@@ -7182,11 +8780,7 @@
             </a:r>
             <a:r>
               <a:rPr lang="en-US" dirty="0" smtClean="0"/>
-              <a:t>  development of product-service-systems</a:t>
-            </a:r>
-            <a:r>
-              <a:rPr lang="en-US" dirty="0" smtClean="0"/>
-              <a:t>”</a:t>
+              <a:t>  development of product-service-systems”</a:t>
             </a:r>
           </a:p>
         </p:txBody>
@@ -7280,148 +8874,6 @@
       </p:grpSpPr>
       <p:sp>
         <p:nvSpPr>
-          <p:cNvPr id="3" name="Titel 2"/>
-          <p:cNvSpPr>
-            <a:spLocks noGrp="1"/>
-          </p:cNvSpPr>
-          <p:nvPr>
-            <p:ph type="title"/>
-          </p:nvPr>
-        </p:nvSpPr>
-        <p:spPr>
-          <a:xfrm>
-            <a:off x="250825" y="195526"/>
-            <a:ext cx="8031163" cy="600164"/>
-          </a:xfrm>
-        </p:spPr>
-        <p:txBody>
-          <a:bodyPr/>
-          <a:lstStyle/>
-          <a:p>
-            <a:r>
-              <a:rPr lang="de-DE" dirty="0" smtClean="0"/>
-              <a:t>Visualisierung (IDP 2) – GraphView</a:t>
-            </a:r>
-            <a:r>
-              <a:rPr lang="de-DE" b="0" dirty="0" smtClean="0"/>
-              <a:t/>
-            </a:r>
-            <a:br>
-              <a:rPr lang="de-DE" b="0" dirty="0" smtClean="0"/>
-            </a:br>
-            <a:r>
-              <a:rPr lang="de-DE" sz="1400" dirty="0" smtClean="0"/>
-              <a:t>Analysen</a:t>
-            </a:r>
-            <a:endParaRPr lang="de-DE" dirty="0"/>
-          </a:p>
-        </p:txBody>
-      </p:sp>
-      <p:pic>
-        <p:nvPicPr>
-          <p:cNvPr id="4" name="Grafik 3"/>
-          <p:cNvPicPr>
-            <a:picLocks noChangeAspect="1"/>
-          </p:cNvPicPr>
-          <p:nvPr/>
-        </p:nvPicPr>
-        <p:blipFill>
-          <a:blip r:embed="rId2" cstate="print"/>
-          <a:stretch>
-            <a:fillRect/>
-          </a:stretch>
-        </p:blipFill>
-        <p:spPr>
-          <a:xfrm>
-            <a:off x="250825" y="1412776"/>
-            <a:ext cx="7987706" cy="3861530"/>
-          </a:xfrm>
-          <a:prstGeom prst="rect">
-            <a:avLst/>
-          </a:prstGeom>
-        </p:spPr>
-      </p:pic>
-      <p:sp>
-        <p:nvSpPr>
-          <p:cNvPr id="5" name="Textfeld 4"/>
-          <p:cNvSpPr txBox="1"/>
-          <p:nvPr/>
-        </p:nvSpPr>
-        <p:spPr>
-          <a:xfrm>
-            <a:off x="250825" y="904178"/>
-            <a:ext cx="6168676" cy="400110"/>
-          </a:xfrm>
-          <a:prstGeom prst="rect">
-            <a:avLst/>
-          </a:prstGeom>
-          <a:noFill/>
-        </p:spPr>
-        <p:txBody>
-          <a:bodyPr wrap="none" rtlCol="0">
-            <a:spAutoFit/>
-          </a:bodyPr>
-          <a:lstStyle/>
-          <a:p>
-            <a:r>
-              <a:rPr lang="de-DE" dirty="0"/>
-              <a:t>Hervorheben von Zusammenhängen (</a:t>
-            </a:r>
-            <a:r>
-              <a:rPr lang="de-DE" dirty="0" err="1"/>
-              <a:t>Depth</a:t>
-            </a:r>
-            <a:r>
-              <a:rPr lang="de-DE" dirty="0"/>
-              <a:t> Search</a:t>
-            </a:r>
-            <a:r>
-              <a:rPr lang="de-DE" dirty="0" smtClean="0"/>
-              <a:t>)</a:t>
-            </a:r>
-            <a:endParaRPr lang="de-DE" dirty="0"/>
-          </a:p>
-        </p:txBody>
-      </p:sp>
-    </p:spTree>
-    <p:extLst>
-      <p:ext uri="{BB962C8B-B14F-4D97-AF65-F5344CB8AC3E}">
-        <p14:creationId xmlns="" xmlns:p14="http://schemas.microsoft.com/office/powerpoint/2010/main" val="3583291954"/>
-      </p:ext>
-    </p:extLst>
-  </p:cSld>
-  <p:clrMapOvr>
-    <a:masterClrMapping/>
-  </p:clrMapOvr>
-  <p:timing>
-    <p:tnLst>
-      <p:par>
-        <p:cTn id="1" dur="indefinite" restart="never" nodeType="tmRoot"/>
-      </p:par>
-    </p:tnLst>
-  </p:timing>
-</p:sld>
-</file>
-
-<file path=ppt/slides/slide31.xml><?xml version="1.0" encoding="utf-8"?>
-<p:sld xmlns:a="http://schemas.openxmlformats.org/drawingml/2006/main" xmlns:r="http://schemas.openxmlformats.org/officeDocument/2006/relationships" xmlns:p="http://schemas.openxmlformats.org/presentationml/2006/main">
-  <p:cSld>
-    <p:spTree>
-      <p:nvGrpSpPr>
-        <p:cNvPr id="1" name=""/>
-        <p:cNvGrpSpPr/>
-        <p:nvPr/>
-      </p:nvGrpSpPr>
-      <p:grpSpPr>
-        <a:xfrm>
-          <a:off x="0" y="0"/>
-          <a:ext cx="0" cy="0"/>
-          <a:chOff x="0" y="0"/>
-          <a:chExt cx="0" cy="0"/>
-        </a:xfrm>
-      </p:grpSpPr>
-      <p:sp>
-        <p:nvSpPr>
           <p:cNvPr id="2" name="Textplatzhalter 1"/>
           <p:cNvSpPr>
             <a:spLocks noGrp="1"/>
@@ -7500,7 +8952,23 @@
             <a:pPr lvl="1"/>
             <a:r>
               <a:rPr lang="de-DE" dirty="0"/>
-              <a:t>Alle Elemente welche die Bedingung erfüllen bleiben sichtbar</a:t>
+              <a:t>Alle </a:t>
+            </a:r>
+            <a:r>
+              <a:rPr lang="de-DE" dirty="0" smtClean="0"/>
+              <a:t>Elemente, die die </a:t>
+            </a:r>
+            <a:r>
+              <a:rPr lang="de-DE" dirty="0"/>
+              <a:t>Bedingung </a:t>
+            </a:r>
+            <a:r>
+              <a:rPr lang="de-DE" dirty="0" smtClean="0"/>
+              <a:t>erfüllen, </a:t>
+            </a:r>
+            <a:r>
+              <a:rPr lang="de-DE" dirty="0"/>
+              <a:t>bleiben sichtbar</a:t>
             </a:r>
           </a:p>
           <a:p>
@@ -7559,7 +9027,7 @@
           <a:blip r:embed="rId2" cstate="print">
             <a:extLst>
               <a:ext uri="{28A0092B-C50C-407E-A947-70E740481C1C}">
-                <a14:useLocalDpi xmlns="" xmlns:a14="http://schemas.microsoft.com/office/drawing/2010/main" val="0"/>
+                <a14:useLocalDpi xmlns:a14="http://schemas.microsoft.com/office/drawing/2010/main" val="0"/>
               </a:ext>
             </a:extLst>
           </a:blip>
@@ -7569,7 +9037,7 @@
         </p:blipFill>
         <p:spPr>
           <a:xfrm>
-            <a:off x="2711306" y="3509336"/>
+            <a:off x="4413703" y="3603561"/>
             <a:ext cx="3686689" cy="2057687"/>
           </a:xfrm>
           <a:prstGeom prst="rect">
@@ -7577,10 +9045,405 @@
           </a:prstGeom>
         </p:spPr>
       </p:pic>
+      <p:sp>
+        <p:nvSpPr>
+          <p:cNvPr id="5" name="Rechteck 4"/>
+          <p:cNvSpPr/>
+          <p:nvPr/>
+        </p:nvSpPr>
+        <p:spPr bwMode="auto">
+          <a:xfrm>
+            <a:off x="539552" y="3672700"/>
+            <a:ext cx="1008112" cy="504056"/>
+          </a:xfrm>
+          <a:prstGeom prst="rect">
+            <a:avLst/>
+          </a:prstGeom>
+          <a:ln>
+            <a:headEnd type="none" w="med" len="med"/>
+            <a:tailEnd type="triangle" w="med" len="med"/>
+          </a:ln>
+        </p:spPr>
+        <p:style>
+          <a:lnRef idx="2">
+            <a:schemeClr val="dk1"/>
+          </a:lnRef>
+          <a:fillRef idx="1">
+            <a:schemeClr val="lt1"/>
+          </a:fillRef>
+          <a:effectRef idx="0">
+            <a:schemeClr val="dk1"/>
+          </a:effectRef>
+          <a:fontRef idx="minor">
+            <a:schemeClr val="dk1"/>
+          </a:fontRef>
+        </p:style>
+        <p:txBody>
+          <a:bodyPr wrap="square" lIns="90000" tIns="46800" rIns="90000" bIns="46800" rtlCol="0" anchor="ctr">
+            <a:noAutofit/>
+          </a:bodyPr>
+          <a:lstStyle/>
+          <a:p>
+            <a:pPr algn="ctr" eaLnBrk="0" hangingPunct="0"/>
+            <a:r>
+              <a:rPr lang="de-DE" sz="1400" dirty="0" smtClean="0"/>
+              <a:t>Knoten 1</a:t>
+            </a:r>
+            <a:endParaRPr lang="de-DE" sz="1400" dirty="0" smtClean="0"/>
+          </a:p>
+        </p:txBody>
+      </p:sp>
+      <p:sp>
+        <p:nvSpPr>
+          <p:cNvPr id="8" name="Rechteck 7"/>
+          <p:cNvSpPr/>
+          <p:nvPr/>
+        </p:nvSpPr>
+        <p:spPr bwMode="auto">
+          <a:xfrm>
+            <a:off x="2123728" y="3356992"/>
+            <a:ext cx="1008112" cy="504056"/>
+          </a:xfrm>
+          <a:prstGeom prst="rect">
+            <a:avLst/>
+          </a:prstGeom>
+          <a:ln>
+            <a:solidFill>
+              <a:srgbClr val="0065BD"/>
+            </a:solidFill>
+            <a:headEnd type="none" w="med" len="med"/>
+            <a:tailEnd type="triangle" w="med" len="med"/>
+          </a:ln>
+        </p:spPr>
+        <p:style>
+          <a:lnRef idx="2">
+            <a:schemeClr val="dk1"/>
+          </a:lnRef>
+          <a:fillRef idx="1">
+            <a:schemeClr val="lt1"/>
+          </a:fillRef>
+          <a:effectRef idx="0">
+            <a:schemeClr val="dk1"/>
+          </a:effectRef>
+          <a:fontRef idx="minor">
+            <a:schemeClr val="dk1"/>
+          </a:fontRef>
+        </p:style>
+        <p:txBody>
+          <a:bodyPr wrap="square" lIns="90000" tIns="46800" rIns="90000" bIns="46800" rtlCol="0" anchor="ctr">
+            <a:noAutofit/>
+          </a:bodyPr>
+          <a:lstStyle/>
+          <a:p>
+            <a:pPr algn="ctr" eaLnBrk="0" hangingPunct="0"/>
+            <a:r>
+              <a:rPr lang="de-DE" sz="1400" dirty="0" smtClean="0"/>
+              <a:t>Knoten 2</a:t>
+            </a:r>
+            <a:endParaRPr lang="de-DE" sz="1400" dirty="0" smtClean="0"/>
+          </a:p>
+        </p:txBody>
+      </p:sp>
+      <p:sp>
+        <p:nvSpPr>
+          <p:cNvPr id="9" name="Rechteck 8"/>
+          <p:cNvSpPr/>
+          <p:nvPr/>
+        </p:nvSpPr>
+        <p:spPr bwMode="auto">
+          <a:xfrm>
+            <a:off x="2123728" y="3938913"/>
+            <a:ext cx="1008112" cy="504056"/>
+          </a:xfrm>
+          <a:prstGeom prst="rect">
+            <a:avLst/>
+          </a:prstGeom>
+          <a:ln>
+            <a:headEnd type="none" w="med" len="med"/>
+            <a:tailEnd type="triangle" w="med" len="med"/>
+          </a:ln>
+        </p:spPr>
+        <p:style>
+          <a:lnRef idx="2">
+            <a:schemeClr val="dk1"/>
+          </a:lnRef>
+          <a:fillRef idx="1">
+            <a:schemeClr val="lt1"/>
+          </a:fillRef>
+          <a:effectRef idx="0">
+            <a:schemeClr val="dk1"/>
+          </a:effectRef>
+          <a:fontRef idx="minor">
+            <a:schemeClr val="dk1"/>
+          </a:fontRef>
+        </p:style>
+        <p:txBody>
+          <a:bodyPr wrap="square" lIns="90000" tIns="46800" rIns="90000" bIns="46800" rtlCol="0" anchor="ctr">
+            <a:noAutofit/>
+          </a:bodyPr>
+          <a:lstStyle/>
+          <a:p>
+            <a:pPr algn="ctr" eaLnBrk="0" hangingPunct="0"/>
+            <a:r>
+              <a:rPr lang="de-DE" sz="1400" dirty="0" smtClean="0"/>
+              <a:t>Knoten 3</a:t>
+            </a:r>
+            <a:endParaRPr lang="de-DE" sz="1400" dirty="0" smtClean="0"/>
+          </a:p>
+        </p:txBody>
+      </p:sp>
+      <p:cxnSp>
+        <p:nvCxnSpPr>
+          <p:cNvPr id="11" name="Gerade Verbindung mit Pfeil 10"/>
+          <p:cNvCxnSpPr>
+            <a:stCxn id="5" idx="3"/>
+            <a:endCxn id="8" idx="1"/>
+          </p:cNvCxnSpPr>
+          <p:nvPr/>
+        </p:nvCxnSpPr>
+        <p:spPr>
+          <a:xfrm flipV="1">
+            <a:off x="1547664" y="3609020"/>
+            <a:ext cx="576064" cy="315708"/>
+          </a:xfrm>
+          <a:prstGeom prst="straightConnector1">
+            <a:avLst/>
+          </a:prstGeom>
+          <a:ln>
+            <a:tailEnd type="triangle"/>
+          </a:ln>
+        </p:spPr>
+        <p:style>
+          <a:lnRef idx="1">
+            <a:schemeClr val="dk1"/>
+          </a:lnRef>
+          <a:fillRef idx="0">
+            <a:schemeClr val="dk1"/>
+          </a:fillRef>
+          <a:effectRef idx="0">
+            <a:schemeClr val="dk1"/>
+          </a:effectRef>
+          <a:fontRef idx="minor">
+            <a:schemeClr val="tx1"/>
+          </a:fontRef>
+        </p:style>
+      </p:cxnSp>
+      <p:cxnSp>
+        <p:nvCxnSpPr>
+          <p:cNvPr id="13" name="Gerade Verbindung mit Pfeil 12"/>
+          <p:cNvCxnSpPr>
+            <a:stCxn id="5" idx="3"/>
+            <a:endCxn id="9" idx="1"/>
+          </p:cNvCxnSpPr>
+          <p:nvPr/>
+        </p:nvCxnSpPr>
+        <p:spPr>
+          <a:xfrm>
+            <a:off x="1547664" y="3924728"/>
+            <a:ext cx="576064" cy="266213"/>
+          </a:xfrm>
+          <a:prstGeom prst="straightConnector1">
+            <a:avLst/>
+          </a:prstGeom>
+          <a:ln>
+            <a:tailEnd type="triangle"/>
+          </a:ln>
+        </p:spPr>
+        <p:style>
+          <a:lnRef idx="1">
+            <a:schemeClr val="dk1"/>
+          </a:lnRef>
+          <a:fillRef idx="0">
+            <a:schemeClr val="dk1"/>
+          </a:fillRef>
+          <a:effectRef idx="0">
+            <a:schemeClr val="dk1"/>
+          </a:effectRef>
+          <a:fontRef idx="minor">
+            <a:schemeClr val="tx1"/>
+          </a:fontRef>
+        </p:style>
+      </p:cxnSp>
+      <p:sp>
+        <p:nvSpPr>
+          <p:cNvPr id="19" name="Rechteck 18"/>
+          <p:cNvSpPr/>
+          <p:nvPr/>
+        </p:nvSpPr>
+        <p:spPr bwMode="auto">
+          <a:xfrm>
+            <a:off x="554033" y="5291104"/>
+            <a:ext cx="1008112" cy="504056"/>
+          </a:xfrm>
+          <a:prstGeom prst="rect">
+            <a:avLst/>
+          </a:prstGeom>
+          <a:ln>
+            <a:headEnd type="none" w="med" len="med"/>
+            <a:tailEnd type="triangle" w="med" len="med"/>
+          </a:ln>
+        </p:spPr>
+        <p:style>
+          <a:lnRef idx="2">
+            <a:schemeClr val="dk1"/>
+          </a:lnRef>
+          <a:fillRef idx="1">
+            <a:schemeClr val="lt1"/>
+          </a:fillRef>
+          <a:effectRef idx="0">
+            <a:schemeClr val="dk1"/>
+          </a:effectRef>
+          <a:fontRef idx="minor">
+            <a:schemeClr val="dk1"/>
+          </a:fontRef>
+        </p:style>
+        <p:txBody>
+          <a:bodyPr wrap="square" lIns="90000" tIns="46800" rIns="90000" bIns="46800" rtlCol="0" anchor="ctr">
+            <a:noAutofit/>
+          </a:bodyPr>
+          <a:lstStyle/>
+          <a:p>
+            <a:pPr algn="ctr" eaLnBrk="0" hangingPunct="0"/>
+            <a:r>
+              <a:rPr lang="de-DE" sz="1400" dirty="0" smtClean="0"/>
+              <a:t>Knoten 1</a:t>
+            </a:r>
+            <a:endParaRPr lang="de-DE" sz="1400" dirty="0" smtClean="0"/>
+          </a:p>
+        </p:txBody>
+      </p:sp>
+      <p:sp>
+        <p:nvSpPr>
+          <p:cNvPr id="21" name="Rechteck 20"/>
+          <p:cNvSpPr/>
+          <p:nvPr/>
+        </p:nvSpPr>
+        <p:spPr bwMode="auto">
+          <a:xfrm>
+            <a:off x="2123728" y="5287358"/>
+            <a:ext cx="1008112" cy="504056"/>
+          </a:xfrm>
+          <a:prstGeom prst="rect">
+            <a:avLst/>
+          </a:prstGeom>
+          <a:ln>
+            <a:headEnd type="none" w="med" len="med"/>
+            <a:tailEnd type="triangle" w="med" len="med"/>
+          </a:ln>
+        </p:spPr>
+        <p:style>
+          <a:lnRef idx="2">
+            <a:schemeClr val="dk1"/>
+          </a:lnRef>
+          <a:fillRef idx="1">
+            <a:schemeClr val="lt1"/>
+          </a:fillRef>
+          <a:effectRef idx="0">
+            <a:schemeClr val="dk1"/>
+          </a:effectRef>
+          <a:fontRef idx="minor">
+            <a:schemeClr val="dk1"/>
+          </a:fontRef>
+        </p:style>
+        <p:txBody>
+          <a:bodyPr wrap="square" lIns="90000" tIns="46800" rIns="90000" bIns="46800" rtlCol="0" anchor="ctr">
+            <a:noAutofit/>
+          </a:bodyPr>
+          <a:lstStyle/>
+          <a:p>
+            <a:pPr algn="ctr" eaLnBrk="0" hangingPunct="0"/>
+            <a:r>
+              <a:rPr lang="de-DE" sz="1400" dirty="0" smtClean="0"/>
+              <a:t>Knoten 3</a:t>
+            </a:r>
+            <a:endParaRPr lang="de-DE" sz="1400" dirty="0" smtClean="0"/>
+          </a:p>
+        </p:txBody>
+      </p:sp>
+      <p:cxnSp>
+        <p:nvCxnSpPr>
+          <p:cNvPr id="23" name="Gerade Verbindung mit Pfeil 22"/>
+          <p:cNvCxnSpPr>
+            <a:stCxn id="19" idx="3"/>
+            <a:endCxn id="21" idx="1"/>
+          </p:cNvCxnSpPr>
+          <p:nvPr/>
+        </p:nvCxnSpPr>
+        <p:spPr>
+          <a:xfrm flipV="1">
+            <a:off x="1562145" y="5539386"/>
+            <a:ext cx="561583" cy="3746"/>
+          </a:xfrm>
+          <a:prstGeom prst="straightConnector1">
+            <a:avLst/>
+          </a:prstGeom>
+          <a:ln>
+            <a:tailEnd type="triangle"/>
+          </a:ln>
+        </p:spPr>
+        <p:style>
+          <a:lnRef idx="1">
+            <a:schemeClr val="dk1"/>
+          </a:lnRef>
+          <a:fillRef idx="0">
+            <a:schemeClr val="dk1"/>
+          </a:fillRef>
+          <a:effectRef idx="0">
+            <a:schemeClr val="dk1"/>
+          </a:effectRef>
+          <a:fontRef idx="minor">
+            <a:schemeClr val="tx1"/>
+          </a:fontRef>
+        </p:style>
+      </p:cxnSp>
+      <p:sp>
+        <p:nvSpPr>
+          <p:cNvPr id="25" name="Pfeil nach unten 24"/>
+          <p:cNvSpPr/>
+          <p:nvPr/>
+        </p:nvSpPr>
+        <p:spPr bwMode="auto">
+          <a:xfrm>
+            <a:off x="1691680" y="4464788"/>
+            <a:ext cx="360040" cy="576064"/>
+          </a:xfrm>
+          <a:prstGeom prst="downArrow">
+            <a:avLst/>
+          </a:prstGeom>
+          <a:ln>
+            <a:headEnd type="none" w="med" len="med"/>
+            <a:tailEnd type="triangle" w="med" len="med"/>
+          </a:ln>
+        </p:spPr>
+        <p:style>
+          <a:lnRef idx="2">
+            <a:schemeClr val="dk1"/>
+          </a:lnRef>
+          <a:fillRef idx="1">
+            <a:schemeClr val="lt1"/>
+          </a:fillRef>
+          <a:effectRef idx="0">
+            <a:schemeClr val="dk1"/>
+          </a:effectRef>
+          <a:fontRef idx="minor">
+            <a:schemeClr val="dk1"/>
+          </a:fontRef>
+        </p:style>
+        <p:txBody>
+          <a:bodyPr wrap="square" lIns="90000" tIns="46800" rIns="90000" bIns="46800" rtlCol="0" anchor="ctr">
+            <a:noAutofit/>
+          </a:bodyPr>
+          <a:lstStyle/>
+          <a:p>
+            <a:pPr algn="ctr" eaLnBrk="0" hangingPunct="0"/>
+            <a:endParaRPr lang="de-DE" sz="1400" dirty="0" smtClean="0"/>
+          </a:p>
+        </p:txBody>
+      </p:sp>
     </p:spTree>
     <p:extLst>
       <p:ext uri="{BB962C8B-B14F-4D97-AF65-F5344CB8AC3E}">
-        <p14:creationId xmlns="" xmlns:p14="http://schemas.microsoft.com/office/powerpoint/2010/main" val="2307760257"/>
+        <p14:creationId xmlns:p14="http://schemas.microsoft.com/office/powerpoint/2010/main" val="2307760257"/>
       </p:ext>
     </p:extLst>
   </p:cSld>
@@ -7597,8 +9460,8 @@
 </p:sld>
 </file>
 
-<file path=ppt/slides/slide32.xml><?xml version="1.0" encoding="utf-8"?>
-<p:sld xmlns:a="http://schemas.openxmlformats.org/drawingml/2006/main" xmlns:r="http://schemas.openxmlformats.org/officeDocument/2006/relationships" xmlns:p="http://schemas.openxmlformats.org/presentationml/2006/main">
+<file path=ppt/slides/slide31.xml><?xml version="1.0" encoding="utf-8"?>
+<p:sld xmlns:a="http://schemas.openxmlformats.org/drawingml/2006/main" xmlns:r="http://schemas.openxmlformats.org/officeDocument/2006/relationships" xmlns:p="http://schemas.openxmlformats.org/presentationml/2006/main" show="0">
   <p:cSld>
     <p:spTree>
       <p:nvGrpSpPr>
@@ -7672,7 +9535,7 @@
           <a:blip r:embed="rId2" cstate="print">
             <a:extLst>
               <a:ext uri="{28A0092B-C50C-407E-A947-70E740481C1C}">
-                <a14:useLocalDpi xmlns="" xmlns:a14="http://schemas.microsoft.com/office/drawing/2010/main" val="0"/>
+                <a14:useLocalDpi xmlns:a14="http://schemas.microsoft.com/office/drawing/2010/main" val="0"/>
               </a:ext>
             </a:extLst>
           </a:blip>
@@ -7693,13 +9556,21 @@
     </p:spTree>
     <p:extLst>
       <p:ext uri="{BB962C8B-B14F-4D97-AF65-F5344CB8AC3E}">
-        <p14:creationId xmlns="" xmlns:p14="http://schemas.microsoft.com/office/powerpoint/2010/main" val="2583957788"/>
+        <p14:creationId xmlns:p14="http://schemas.microsoft.com/office/powerpoint/2010/main" val="2583957788"/>
       </p:ext>
     </p:extLst>
   </p:cSld>
   <p:clrMapOvr>
     <a:masterClrMapping/>
   </p:clrMapOvr>
+  <mc:AlternateContent xmlns:mc="http://schemas.openxmlformats.org/markup-compatibility/2006">
+    <mc:Choice xmlns:p14="http://schemas.microsoft.com/office/powerpoint/2010/main" Requires="p14">
+      <p:transition spd="slow" p14:dur="2000"/>
+    </mc:Choice>
+    <mc:Fallback>
+      <p:transition spd="slow"/>
+    </mc:Fallback>
+  </mc:AlternateContent>
   <p:timing>
     <p:tnLst>
       <p:par>
@@ -7710,7 +9581,7 @@
 </p:sld>
 </file>
 
-<file path=ppt/slides/slide33.xml><?xml version="1.0" encoding="utf-8"?>
+<file path=ppt/slides/slide32.xml><?xml version="1.0" encoding="utf-8"?>
 <p:sld xmlns:a="http://schemas.openxmlformats.org/drawingml/2006/main" xmlns:r="http://schemas.openxmlformats.org/officeDocument/2006/relationships" xmlns:p="http://schemas.openxmlformats.org/presentationml/2006/main">
   <p:cSld>
     <p:spTree>
@@ -7845,9 +9716,396 @@
     </p:spTree>
     <p:extLst>
       <p:ext uri="{BB962C8B-B14F-4D97-AF65-F5344CB8AC3E}">
-        <p14:creationId xmlns="" xmlns:p14="http://schemas.microsoft.com/office/powerpoint/2010/main" val="834335964"/>
+        <p14:creationId xmlns:p14="http://schemas.microsoft.com/office/powerpoint/2010/main" val="834335964"/>
       </p:ext>
     </p:extLst>
+  </p:cSld>
+  <p:clrMapOvr>
+    <a:masterClrMapping/>
+  </p:clrMapOvr>
+  <p:timing>
+    <p:tnLst>
+      <p:par>
+        <p:cTn id="1" dur="indefinite" restart="never" nodeType="tmRoot"/>
+      </p:par>
+    </p:tnLst>
+  </p:timing>
+</p:sld>
+</file>
+
+<file path=ppt/slides/slide33.xml><?xml version="1.0" encoding="utf-8"?>
+<p:sld xmlns:a="http://schemas.openxmlformats.org/drawingml/2006/main" xmlns:r="http://schemas.openxmlformats.org/officeDocument/2006/relationships" xmlns:p="http://schemas.openxmlformats.org/presentationml/2006/main">
+  <p:cSld>
+    <p:spTree>
+      <p:nvGrpSpPr>
+        <p:cNvPr id="1" name=""/>
+        <p:cNvGrpSpPr/>
+        <p:nvPr/>
+      </p:nvGrpSpPr>
+      <p:grpSpPr>
+        <a:xfrm>
+          <a:off x="0" y="0"/>
+          <a:ext cx="0" cy="0"/>
+          <a:chOff x="0" y="0"/>
+          <a:chExt cx="0" cy="0"/>
+        </a:xfrm>
+      </p:grpSpPr>
+      <p:sp>
+        <p:nvSpPr>
+          <p:cNvPr id="3" name="Titel 2"/>
+          <p:cNvSpPr>
+            <a:spLocks noGrp="1"/>
+          </p:cNvSpPr>
+          <p:nvPr>
+            <p:ph type="title"/>
+          </p:nvPr>
+        </p:nvSpPr>
+        <p:spPr/>
+        <p:txBody>
+          <a:bodyPr/>
+          <a:lstStyle/>
+          <a:p>
+            <a:r>
+              <a:rPr lang="de-DE" dirty="0" smtClean="0"/>
+              <a:t>Agenda</a:t>
+            </a:r>
+            <a:endParaRPr lang="de-DE" dirty="0"/>
+          </a:p>
+        </p:txBody>
+      </p:sp>
+      <p:sp>
+        <p:nvSpPr>
+          <p:cNvPr id="5" name="Textplatzhalter 1"/>
+          <p:cNvSpPr txBox="1">
+            <a:spLocks/>
+          </p:cNvSpPr>
+          <p:nvPr/>
+        </p:nvSpPr>
+        <p:spPr>
+          <a:xfrm>
+            <a:off x="403224" y="1085850"/>
+            <a:ext cx="5329239" cy="4495813"/>
+          </a:xfrm>
+          <a:prstGeom prst="rect">
+            <a:avLst/>
+          </a:prstGeom>
+        </p:spPr>
+        <p:txBody>
+          <a:bodyPr/>
+          <a:lstStyle/>
+          <a:p>
+            <a:pPr marL="266700" marR="0" lvl="0" indent="-266700" algn="l" defTabSz="914400" rtl="0" eaLnBrk="1" fontAlgn="base" latinLnBrk="0" hangingPunct="1">
+              <a:lnSpc>
+                <a:spcPct val="150000"/>
+              </a:lnSpc>
+              <a:spcBef>
+                <a:spcPct val="20000"/>
+              </a:spcBef>
+              <a:spcAft>
+                <a:spcPct val="0"/>
+              </a:spcAft>
+              <a:buClr>
+                <a:srgbClr val="0065BD"/>
+              </a:buClr>
+              <a:buSzTx/>
+              <a:buFont typeface="Arial" charset="0"/>
+              <a:buChar char="●"/>
+              <a:tabLst/>
+              <a:defRPr/>
+            </a:pPr>
+            <a:r>
+              <a:rPr kumimoji="0" lang="de-DE" sz="2000" b="0" i="0" u="none" strike="noStrike" kern="0" cap="none" spc="0" normalizeH="0" baseline="0" noProof="0" dirty="0" smtClean="0">
+                <a:ln>
+                  <a:noFill/>
+                </a:ln>
+                <a:solidFill>
+                  <a:schemeClr val="tx1"/>
+                </a:solidFill>
+                <a:effectLst/>
+                <a:uLnTx/>
+                <a:uFillTx/>
+                <a:latin typeface="Arial" charset="0"/>
+                <a:ea typeface="+mn-ea"/>
+                <a:cs typeface="+mn-cs"/>
+              </a:rPr>
+              <a:t>Motivation</a:t>
+            </a:r>
+          </a:p>
+          <a:p>
+            <a:pPr marL="266700" marR="0" lvl="0" indent="-266700" algn="l" defTabSz="914400" rtl="0" eaLnBrk="1" fontAlgn="base" latinLnBrk="0" hangingPunct="1">
+              <a:lnSpc>
+                <a:spcPct val="150000"/>
+              </a:lnSpc>
+              <a:spcBef>
+                <a:spcPct val="20000"/>
+              </a:spcBef>
+              <a:spcAft>
+                <a:spcPct val="0"/>
+              </a:spcAft>
+              <a:buClr>
+                <a:srgbClr val="0065BD"/>
+              </a:buClr>
+              <a:buSzTx/>
+              <a:buFont typeface="Arial" charset="0"/>
+              <a:buChar char="●"/>
+              <a:tabLst/>
+              <a:defRPr/>
+            </a:pPr>
+            <a:r>
+              <a:rPr kumimoji="0" lang="de-DE" sz="2000" i="0" u="none" strike="noStrike" kern="0" cap="none" spc="0" normalizeH="0" baseline="0" noProof="0" dirty="0" smtClean="0">
+                <a:ln>
+                  <a:noFill/>
+                </a:ln>
+                <a:solidFill>
+                  <a:schemeClr val="tx1"/>
+                </a:solidFill>
+                <a:effectLst/>
+                <a:uLnTx/>
+                <a:uFillTx/>
+                <a:latin typeface="Arial" charset="0"/>
+                <a:ea typeface="+mn-ea"/>
+                <a:cs typeface="+mn-cs"/>
+              </a:rPr>
+              <a:t>Forschungsrichtungen</a:t>
+            </a:r>
+            <a:endParaRPr kumimoji="0" lang="de-DE" sz="2000" b="1" i="0" u="none" strike="noStrike" kern="0" cap="none" spc="0" normalizeH="0" baseline="0" noProof="0" dirty="0" smtClean="0">
+              <a:ln>
+                <a:noFill/>
+              </a:ln>
+              <a:solidFill>
+                <a:schemeClr val="tx1"/>
+              </a:solidFill>
+              <a:effectLst/>
+              <a:uLnTx/>
+              <a:uFillTx/>
+              <a:latin typeface="Arial" charset="0"/>
+              <a:ea typeface="+mn-ea"/>
+              <a:cs typeface="+mn-cs"/>
+            </a:endParaRPr>
+          </a:p>
+          <a:p>
+            <a:pPr marL="266700" marR="0" lvl="0" indent="-266700" algn="l" defTabSz="914400" rtl="0" eaLnBrk="1" fontAlgn="base" latinLnBrk="0" hangingPunct="1">
+              <a:lnSpc>
+                <a:spcPct val="150000"/>
+              </a:lnSpc>
+              <a:spcBef>
+                <a:spcPct val="20000"/>
+              </a:spcBef>
+              <a:spcAft>
+                <a:spcPct val="0"/>
+              </a:spcAft>
+              <a:buClr>
+                <a:srgbClr val="0065BD"/>
+              </a:buClr>
+              <a:buSzTx/>
+              <a:buFont typeface="Arial" charset="0"/>
+              <a:buChar char="●"/>
+              <a:tabLst/>
+              <a:defRPr/>
+            </a:pPr>
+            <a:r>
+              <a:rPr kumimoji="0" lang="de-DE" sz="2000" i="0" u="none" strike="noStrike" kern="0" cap="none" spc="0" normalizeH="0" baseline="0" noProof="0" dirty="0" smtClean="0">
+                <a:ln>
+                  <a:noFill/>
+                </a:ln>
+                <a:solidFill>
+                  <a:schemeClr val="tx1"/>
+                </a:solidFill>
+                <a:effectLst/>
+                <a:uLnTx/>
+                <a:uFillTx/>
+                <a:latin typeface="Arial" charset="0"/>
+                <a:ea typeface="+mn-ea"/>
+                <a:cs typeface="+mn-cs"/>
+              </a:rPr>
+              <a:t>Transformationen (IDP 1)</a:t>
+            </a:r>
+            <a:endParaRPr lang="de-DE" kern="0" noProof="0" dirty="0" smtClean="0">
+              <a:solidFill>
+                <a:schemeClr val="tx1"/>
+              </a:solidFill>
+            </a:endParaRPr>
+          </a:p>
+          <a:p>
+            <a:pPr marL="266700" marR="0" lvl="0" indent="-266700" algn="l" defTabSz="914400" rtl="0" eaLnBrk="1" fontAlgn="base" latinLnBrk="0" hangingPunct="1">
+              <a:lnSpc>
+                <a:spcPct val="150000"/>
+              </a:lnSpc>
+              <a:spcBef>
+                <a:spcPct val="20000"/>
+              </a:spcBef>
+              <a:spcAft>
+                <a:spcPct val="0"/>
+              </a:spcAft>
+              <a:buClr>
+                <a:srgbClr val="0065BD"/>
+              </a:buClr>
+              <a:buSzTx/>
+              <a:buFont typeface="Arial" charset="0"/>
+              <a:buChar char="●"/>
+              <a:tabLst/>
+              <a:defRPr/>
+            </a:pPr>
+            <a:r>
+              <a:rPr kumimoji="0" lang="de-DE" sz="2000" i="0" u="none" strike="noStrike" kern="0" cap="none" spc="0" normalizeH="0" baseline="0" noProof="0" dirty="0" smtClean="0">
+                <a:ln>
+                  <a:noFill/>
+                </a:ln>
+                <a:solidFill>
+                  <a:schemeClr val="tx1"/>
+                </a:solidFill>
+                <a:effectLst/>
+                <a:uLnTx/>
+                <a:uFillTx/>
+                <a:latin typeface="Arial" charset="0"/>
+                <a:ea typeface="+mn-ea"/>
+                <a:cs typeface="+mn-cs"/>
+              </a:rPr>
+              <a:t>Visualisierung (IDP 2)</a:t>
+            </a:r>
+          </a:p>
+          <a:p>
+            <a:pPr marL="266700" marR="0" lvl="0" indent="-266700" algn="l" defTabSz="914400" rtl="0" eaLnBrk="1" fontAlgn="base" latinLnBrk="0" hangingPunct="1">
+              <a:lnSpc>
+                <a:spcPct val="150000"/>
+              </a:lnSpc>
+              <a:spcBef>
+                <a:spcPct val="20000"/>
+              </a:spcBef>
+              <a:spcAft>
+                <a:spcPct val="0"/>
+              </a:spcAft>
+              <a:buClr>
+                <a:srgbClr val="0065BD"/>
+              </a:buClr>
+              <a:buSzTx/>
+              <a:buFont typeface="Arial" charset="0"/>
+              <a:buChar char="●"/>
+              <a:tabLst/>
+              <a:defRPr/>
+            </a:pPr>
+            <a:r>
+              <a:rPr kumimoji="0" lang="de-DE" sz="2000" b="1" i="0" u="none" strike="noStrike" kern="0" cap="none" spc="0" normalizeH="0" baseline="0" noProof="0" dirty="0" smtClean="0">
+                <a:ln>
+                  <a:noFill/>
+                </a:ln>
+                <a:solidFill>
+                  <a:schemeClr val="tx1"/>
+                </a:solidFill>
+                <a:effectLst/>
+                <a:uLnTx/>
+                <a:uFillTx/>
+                <a:latin typeface="Arial" charset="0"/>
+                <a:ea typeface="+mn-ea"/>
+                <a:cs typeface="+mn-cs"/>
+              </a:rPr>
+              <a:t>Ergebnisse</a:t>
+            </a:r>
+          </a:p>
+          <a:p>
+            <a:pPr marL="723900" lvl="1" indent="-266700">
+              <a:spcBef>
+                <a:spcPct val="20000"/>
+              </a:spcBef>
+              <a:buClr>
+                <a:srgbClr val="0065BD"/>
+              </a:buClr>
+              <a:buFont typeface="Arial" charset="0"/>
+              <a:buChar char="●"/>
+            </a:pPr>
+            <a:r>
+              <a:rPr lang="de-DE" sz="1800" kern="0" dirty="0" smtClean="0">
+                <a:solidFill>
+                  <a:schemeClr val="tx1"/>
+                </a:solidFill>
+              </a:rPr>
+              <a:t>Transformationen</a:t>
+            </a:r>
+          </a:p>
+          <a:p>
+            <a:pPr marL="723900" lvl="1" indent="-266700">
+              <a:spcBef>
+                <a:spcPct val="20000"/>
+              </a:spcBef>
+              <a:buClr>
+                <a:srgbClr val="0065BD"/>
+              </a:buClr>
+              <a:buFont typeface="Arial" charset="0"/>
+              <a:buChar char="●"/>
+            </a:pPr>
+            <a:r>
+              <a:rPr kumimoji="0" lang="de-DE" sz="1800" b="0" i="0" u="none" strike="noStrike" kern="0" cap="none" spc="0" normalizeH="0" baseline="0" noProof="0" dirty="0" smtClean="0">
+                <a:ln>
+                  <a:noFill/>
+                </a:ln>
+                <a:solidFill>
+                  <a:schemeClr val="tx1"/>
+                </a:solidFill>
+                <a:effectLst/>
+                <a:uLnTx/>
+                <a:uFillTx/>
+                <a:latin typeface="Arial" charset="0"/>
+                <a:ea typeface="+mn-ea"/>
+                <a:cs typeface="+mn-cs"/>
+              </a:rPr>
+              <a:t>Visualisierung</a:t>
+            </a:r>
+          </a:p>
+          <a:p>
+            <a:pPr marL="266700" marR="0" lvl="0" indent="-266700" algn="l" defTabSz="914400" rtl="0" eaLnBrk="1" fontAlgn="base" latinLnBrk="0" hangingPunct="1">
+              <a:lnSpc>
+                <a:spcPct val="150000"/>
+              </a:lnSpc>
+              <a:spcBef>
+                <a:spcPct val="20000"/>
+              </a:spcBef>
+              <a:spcAft>
+                <a:spcPct val="0"/>
+              </a:spcAft>
+              <a:buClr>
+                <a:srgbClr val="0065BD"/>
+              </a:buClr>
+              <a:buSzTx/>
+              <a:buFont typeface="Arial" charset="0"/>
+              <a:buChar char="●"/>
+              <a:tabLst/>
+              <a:defRPr/>
+            </a:pPr>
+            <a:r>
+              <a:rPr kumimoji="0" lang="de-DE" sz="2000" b="0" i="0" u="none" strike="noStrike" kern="0" cap="none" spc="0" normalizeH="0" baseline="0" noProof="0" dirty="0" smtClean="0">
+                <a:ln>
+                  <a:noFill/>
+                </a:ln>
+                <a:solidFill>
+                  <a:schemeClr val="tx1"/>
+                </a:solidFill>
+                <a:effectLst/>
+                <a:uLnTx/>
+                <a:uFillTx/>
+                <a:latin typeface="Arial" charset="0"/>
+                <a:ea typeface="+mn-ea"/>
+                <a:cs typeface="+mn-cs"/>
+              </a:rPr>
+              <a:t>Ausblick</a:t>
+            </a:r>
+            <a:endParaRPr kumimoji="0" lang="de-DE" sz="2000" b="0" i="0" u="none" strike="noStrike" kern="0" cap="none" spc="0" normalizeH="0" baseline="0" noProof="0" dirty="0">
+              <a:ln>
+                <a:noFill/>
+              </a:ln>
+              <a:solidFill>
+                <a:schemeClr val="tx1"/>
+              </a:solidFill>
+              <a:effectLst/>
+              <a:uLnTx/>
+              <a:uFillTx/>
+              <a:latin typeface="Arial" charset="0"/>
+              <a:ea typeface="+mn-ea"/>
+              <a:cs typeface="+mn-cs"/>
+            </a:endParaRPr>
+          </a:p>
+        </p:txBody>
+      </p:sp>
+    </p:spTree>
   </p:cSld>
   <p:clrMapOvr>
     <a:masterClrMapping/>
@@ -7881,6 +10139,108 @@
       </p:grpSpPr>
       <p:sp>
         <p:nvSpPr>
+          <p:cNvPr id="2" name="Textplatzhalter 1"/>
+          <p:cNvSpPr>
+            <a:spLocks noGrp="1"/>
+          </p:cNvSpPr>
+          <p:nvPr>
+            <p:ph type="body" sz="quarter" idx="10"/>
+          </p:nvPr>
+        </p:nvSpPr>
+        <p:spPr>
+          <a:xfrm>
+            <a:off x="250824" y="933450"/>
+            <a:ext cx="8031164" cy="4495813"/>
+          </a:xfrm>
+        </p:spPr>
+        <p:txBody>
+          <a:bodyPr/>
+          <a:lstStyle/>
+          <a:p>
+            <a:pPr marL="0" indent="0"/>
+            <a:r>
+              <a:rPr lang="de-DE" dirty="0" smtClean="0"/>
+              <a:t> Framework sowie Transformationen in der PoC erfolgreich umgestezt</a:t>
+            </a:r>
+          </a:p>
+          <a:p>
+            <a:pPr marL="0" indent="0"/>
+            <a:r>
+              <a:rPr lang="de-DE" dirty="0" smtClean="0"/>
+              <a:t> Atomare Transformationen ermöglichen einen hohen Wiederverwendungsgrad</a:t>
+            </a:r>
+          </a:p>
+          <a:p>
+            <a:pPr marL="0" indent="0"/>
+            <a:r>
+              <a:rPr lang="de-DE" dirty="0" smtClean="0"/>
+              <a:t> 6 Atomare Transformationen für die Umsetzung der 3 Sprachen ausreichend</a:t>
+            </a:r>
+          </a:p>
+          <a:p>
+            <a:pPr marL="0" indent="0"/>
+            <a:r>
+              <a:rPr lang="de-DE" dirty="0" smtClean="0"/>
+              <a:t> Eigenges Framework für die Verarbeitung von Visio 2013 (VSDX) Dateien</a:t>
+            </a:r>
+          </a:p>
+          <a:p>
+            <a:pPr marL="0" indent="0"/>
+            <a:r>
+              <a:rPr lang="de-DE" dirty="0" smtClean="0"/>
+              <a:t> 3 aus 4 Sprachen unterstützt</a:t>
+            </a:r>
+          </a:p>
+          <a:p>
+            <a:pPr marL="271463" lvl="1" indent="0"/>
+            <a:r>
+              <a:rPr lang="de-DE" dirty="0" smtClean="0"/>
+              <a:t> BPMN aufgrund spezielle Visio-Serialisierung nicht unterstützt</a:t>
+            </a:r>
+          </a:p>
+          <a:p>
+            <a:pPr marL="271463" lvl="1" indent="0"/>
+            <a:r>
+              <a:rPr lang="de-DE" dirty="0" smtClean="0"/>
+              <a:t> SysML4Mechatronics</a:t>
+            </a:r>
+          </a:p>
+          <a:p>
+            <a:pPr marL="531813" lvl="2" indent="0"/>
+            <a:r>
+              <a:rPr lang="de-DE" dirty="0" smtClean="0"/>
+              <a:t> Erster Ansatz mit UML-Serialisierung gescheitert</a:t>
+            </a:r>
+          </a:p>
+          <a:p>
+            <a:pPr marL="531813" lvl="2" indent="0"/>
+            <a:r>
+              <a:rPr lang="de-DE" dirty="0" smtClean="0"/>
+              <a:t> Zweiter Ansatz mit SFB 768 eCore erfolgreich</a:t>
+            </a:r>
+          </a:p>
+          <a:p>
+            <a:pPr marL="271463" lvl="1" indent="0"/>
+            <a:r>
+              <a:rPr lang="de-DE" dirty="0" smtClean="0"/>
+              <a:t> EPK: Nativ durch Visio VSDX Bibliothek</a:t>
+            </a:r>
+          </a:p>
+          <a:p>
+            <a:pPr marL="271463" lvl="1" indent="0"/>
+            <a:r>
+              <a:rPr lang="de-DE" dirty="0" smtClean="0"/>
+              <a:t> UFM als GraphML Export von Soley (check name!)</a:t>
+            </a:r>
+          </a:p>
+          <a:p>
+            <a:pPr marL="0" indent="0"/>
+            <a:endParaRPr lang="de-DE" dirty="0" smtClean="0"/>
+          </a:p>
+        </p:txBody>
+      </p:sp>
+      <p:sp>
+        <p:nvSpPr>
           <p:cNvPr id="3" name="Titel 2"/>
           <p:cNvSpPr>
             <a:spLocks noGrp="1"/>
@@ -7889,348 +10249,28 @@
             <p:ph type="title"/>
           </p:nvPr>
         </p:nvSpPr>
-        <p:spPr/>
-        <p:txBody>
-          <a:bodyPr/>
-          <a:lstStyle/>
-          <a:p>
-            <a:r>
-              <a:rPr lang="de-DE" dirty="0" smtClean="0"/>
-              <a:t>Agenda</a:t>
-            </a:r>
-            <a:endParaRPr lang="de-DE" dirty="0"/>
-          </a:p>
-        </p:txBody>
-      </p:sp>
-      <p:sp>
-        <p:nvSpPr>
-          <p:cNvPr id="5" name="Textplatzhalter 1"/>
-          <p:cNvSpPr txBox="1">
-            <a:spLocks/>
-          </p:cNvSpPr>
-          <p:nvPr/>
-        </p:nvSpPr>
         <p:spPr>
           <a:xfrm>
-            <a:off x="403224" y="1085850"/>
-            <a:ext cx="5329239" cy="4495813"/>
+            <a:off x="250825" y="195526"/>
+            <a:ext cx="8031163" cy="600164"/>
           </a:xfrm>
-          <a:prstGeom prst="rect">
-            <a:avLst/>
-          </a:prstGeom>
         </p:spPr>
         <p:txBody>
           <a:bodyPr/>
           <a:lstStyle/>
           <a:p>
-            <a:pPr marL="266700" marR="0" lvl="0" indent="-266700" algn="l" defTabSz="914400" rtl="0" eaLnBrk="1" fontAlgn="base" latinLnBrk="0" hangingPunct="1">
-              <a:lnSpc>
-                <a:spcPct val="150000"/>
-              </a:lnSpc>
-              <a:spcBef>
-                <a:spcPct val="20000"/>
-              </a:spcBef>
-              <a:spcAft>
-                <a:spcPct val="0"/>
-              </a:spcAft>
-              <a:buClr>
-                <a:srgbClr val="0065BD"/>
-              </a:buClr>
-              <a:buSzTx/>
-              <a:buFont typeface="Arial" charset="0"/>
-              <a:buChar char="●"/>
-              <a:tabLst/>
-              <a:defRPr/>
-            </a:pPr>
-            <a:r>
-              <a:rPr kumimoji="0" lang="de-DE" sz="2000" b="0" i="0" u="none" strike="noStrike" kern="0" cap="none" spc="0" normalizeH="0" baseline="0" noProof="0" dirty="0" smtClean="0">
-                <a:ln>
-                  <a:noFill/>
-                </a:ln>
-                <a:solidFill>
-                  <a:schemeClr val="tx1"/>
-                </a:solidFill>
-                <a:effectLst/>
-                <a:uLnTx/>
-                <a:uFillTx/>
-                <a:latin typeface="Arial" charset="0"/>
-                <a:ea typeface="+mn-ea"/>
-                <a:cs typeface="+mn-cs"/>
-              </a:rPr>
-              <a:t>Motivation</a:t>
-            </a:r>
-          </a:p>
-          <a:p>
-            <a:pPr marL="266700" marR="0" lvl="0" indent="-266700" algn="l" defTabSz="914400" rtl="0" eaLnBrk="1" fontAlgn="base" latinLnBrk="0" hangingPunct="1">
-              <a:lnSpc>
-                <a:spcPct val="150000"/>
-              </a:lnSpc>
-              <a:spcBef>
-                <a:spcPct val="20000"/>
-              </a:spcBef>
-              <a:spcAft>
-                <a:spcPct val="0"/>
-              </a:spcAft>
-              <a:buClr>
-                <a:srgbClr val="0065BD"/>
-              </a:buClr>
-              <a:buSzTx/>
-              <a:buFont typeface="Arial" charset="0"/>
-              <a:buChar char="●"/>
-              <a:tabLst/>
-              <a:defRPr/>
-            </a:pPr>
-            <a:r>
-              <a:rPr kumimoji="0" lang="de-DE" sz="2000" i="0" u="none" strike="noStrike" kern="0" cap="none" spc="0" normalizeH="0" baseline="0" noProof="0" dirty="0" smtClean="0">
-                <a:ln>
-                  <a:noFill/>
-                </a:ln>
-                <a:solidFill>
-                  <a:schemeClr val="tx1"/>
-                </a:solidFill>
-                <a:effectLst/>
-                <a:uLnTx/>
-                <a:uFillTx/>
-                <a:latin typeface="Arial" charset="0"/>
-                <a:ea typeface="+mn-ea"/>
-                <a:cs typeface="+mn-cs"/>
-              </a:rPr>
-              <a:t>Forschungsrichtungen</a:t>
-            </a:r>
-            <a:endParaRPr kumimoji="0" lang="de-DE" sz="2000" b="1" i="0" u="none" strike="noStrike" kern="0" cap="none" spc="0" normalizeH="0" baseline="0" noProof="0" dirty="0" smtClean="0">
-              <a:ln>
-                <a:noFill/>
-              </a:ln>
-              <a:solidFill>
-                <a:schemeClr val="tx1"/>
-              </a:solidFill>
-              <a:effectLst/>
-              <a:uLnTx/>
-              <a:uFillTx/>
-              <a:latin typeface="Arial" charset="0"/>
-              <a:ea typeface="+mn-ea"/>
-              <a:cs typeface="+mn-cs"/>
-            </a:endParaRPr>
-          </a:p>
-          <a:p>
-            <a:pPr marL="266700" marR="0" lvl="0" indent="-266700" algn="l" defTabSz="914400" rtl="0" eaLnBrk="1" fontAlgn="base" latinLnBrk="0" hangingPunct="1">
-              <a:lnSpc>
-                <a:spcPct val="150000"/>
-              </a:lnSpc>
-              <a:spcBef>
-                <a:spcPct val="20000"/>
-              </a:spcBef>
-              <a:spcAft>
-                <a:spcPct val="0"/>
-              </a:spcAft>
-              <a:buClr>
-                <a:srgbClr val="0065BD"/>
-              </a:buClr>
-              <a:buSzTx/>
-              <a:buFont typeface="Arial" charset="0"/>
-              <a:buChar char="●"/>
-              <a:tabLst/>
-              <a:defRPr/>
-            </a:pPr>
-            <a:r>
-              <a:rPr kumimoji="0" lang="de-DE" sz="2000" i="0" u="none" strike="noStrike" kern="0" cap="none" spc="0" normalizeH="0" baseline="0" noProof="0" dirty="0" smtClean="0">
-                <a:ln>
-                  <a:noFill/>
-                </a:ln>
-                <a:solidFill>
-                  <a:schemeClr val="tx1"/>
-                </a:solidFill>
-                <a:effectLst/>
-                <a:uLnTx/>
-                <a:uFillTx/>
-                <a:latin typeface="Arial" charset="0"/>
-                <a:ea typeface="+mn-ea"/>
-                <a:cs typeface="+mn-cs"/>
-              </a:rPr>
-              <a:t>Transformationen (IDP 1)</a:t>
-            </a:r>
-            <a:endParaRPr lang="de-DE" kern="0" noProof="0" dirty="0" smtClean="0">
-              <a:solidFill>
-                <a:schemeClr val="tx1"/>
-              </a:solidFill>
-            </a:endParaRPr>
-          </a:p>
-          <a:p>
-            <a:pPr marL="266700" marR="0" lvl="0" indent="-266700" algn="l" defTabSz="914400" rtl="0" eaLnBrk="1" fontAlgn="base" latinLnBrk="0" hangingPunct="1">
-              <a:lnSpc>
-                <a:spcPct val="150000"/>
-              </a:lnSpc>
-              <a:spcBef>
-                <a:spcPct val="20000"/>
-              </a:spcBef>
-              <a:spcAft>
-                <a:spcPct val="0"/>
-              </a:spcAft>
-              <a:buClr>
-                <a:srgbClr val="0065BD"/>
-              </a:buClr>
-              <a:buSzTx/>
-              <a:buFont typeface="Arial" charset="0"/>
-              <a:buChar char="●"/>
-              <a:tabLst/>
-              <a:defRPr/>
-            </a:pPr>
-            <a:r>
-              <a:rPr kumimoji="0" lang="de-DE" sz="2000" i="0" u="none" strike="noStrike" kern="0" cap="none" spc="0" normalizeH="0" baseline="0" noProof="0" dirty="0" smtClean="0">
-                <a:ln>
-                  <a:noFill/>
-                </a:ln>
-                <a:solidFill>
-                  <a:schemeClr val="tx1"/>
-                </a:solidFill>
-                <a:effectLst/>
-                <a:uLnTx/>
-                <a:uFillTx/>
-                <a:latin typeface="Arial" charset="0"/>
-                <a:ea typeface="+mn-ea"/>
-                <a:cs typeface="+mn-cs"/>
-              </a:rPr>
-              <a:t>Visualisierung (IDP 2)</a:t>
-            </a:r>
-          </a:p>
-          <a:p>
-            <a:pPr marL="266700" marR="0" lvl="0" indent="-266700" algn="l" defTabSz="914400" rtl="0" eaLnBrk="1" fontAlgn="base" latinLnBrk="0" hangingPunct="1">
-              <a:lnSpc>
-                <a:spcPct val="150000"/>
-              </a:lnSpc>
-              <a:spcBef>
-                <a:spcPct val="20000"/>
-              </a:spcBef>
-              <a:spcAft>
-                <a:spcPct val="0"/>
-              </a:spcAft>
-              <a:buClr>
-                <a:srgbClr val="0065BD"/>
-              </a:buClr>
-              <a:buSzTx/>
-              <a:buFont typeface="Arial" charset="0"/>
-              <a:buChar char="●"/>
-              <a:tabLst/>
-              <a:defRPr/>
-            </a:pPr>
-            <a:r>
-              <a:rPr kumimoji="0" lang="de-DE" sz="2000" b="1" i="0" u="none" strike="noStrike" kern="0" cap="none" spc="0" normalizeH="0" baseline="0" noProof="0" dirty="0" smtClean="0">
-                <a:ln>
-                  <a:noFill/>
-                </a:ln>
-                <a:solidFill>
-                  <a:schemeClr val="tx1"/>
-                </a:solidFill>
-                <a:effectLst/>
-                <a:uLnTx/>
-                <a:uFillTx/>
-                <a:latin typeface="Arial" charset="0"/>
-                <a:ea typeface="+mn-ea"/>
-                <a:cs typeface="+mn-cs"/>
-              </a:rPr>
+            <a:r>
+              <a:rPr lang="de-DE" dirty="0"/>
               <a:t>Ergebnisse</a:t>
             </a:r>
-          </a:p>
-          <a:p>
-            <a:pPr marL="723900" lvl="1" indent="-266700">
-              <a:spcBef>
-                <a:spcPct val="20000"/>
-              </a:spcBef>
-              <a:buClr>
-                <a:srgbClr val="0065BD"/>
-              </a:buClr>
-              <a:buFont typeface="Arial" charset="0"/>
-              <a:buChar char="●"/>
-            </a:pPr>
-            <a:r>
-              <a:rPr lang="de-DE" sz="1800" kern="0" dirty="0" smtClean="0">
-                <a:solidFill>
-                  <a:schemeClr val="tx1"/>
-                </a:solidFill>
-              </a:rPr>
+            <a:br>
+              <a:rPr lang="de-DE" dirty="0"/>
+            </a:br>
+            <a:r>
+              <a:rPr lang="de-DE" sz="1400" dirty="0" smtClean="0"/>
               <a:t>Transformationen</a:t>
             </a:r>
-          </a:p>
-          <a:p>
-            <a:pPr marL="723900" lvl="1" indent="-266700">
-              <a:spcBef>
-                <a:spcPct val="20000"/>
-              </a:spcBef>
-              <a:buClr>
-                <a:srgbClr val="0065BD"/>
-              </a:buClr>
-              <a:buFont typeface="Arial" charset="0"/>
-              <a:buChar char="●"/>
-            </a:pPr>
-            <a:r>
-              <a:rPr kumimoji="0" lang="de-DE" sz="1800" b="0" i="0" u="none" strike="noStrike" kern="0" cap="none" spc="0" normalizeH="0" baseline="0" noProof="0" dirty="0" smtClean="0">
-                <a:ln>
-                  <a:noFill/>
-                </a:ln>
-                <a:solidFill>
-                  <a:schemeClr val="tx1"/>
-                </a:solidFill>
-                <a:effectLst/>
-                <a:uLnTx/>
-                <a:uFillTx/>
-                <a:latin typeface="Arial" charset="0"/>
-                <a:ea typeface="+mn-ea"/>
-                <a:cs typeface="+mn-cs"/>
-              </a:rPr>
-              <a:t>Visualisierung</a:t>
-            </a:r>
-          </a:p>
-          <a:p>
-            <a:pPr marL="266700" marR="0" lvl="0" indent="-266700" algn="l" defTabSz="914400" rtl="0" eaLnBrk="1" fontAlgn="base" latinLnBrk="0" hangingPunct="1">
-              <a:lnSpc>
-                <a:spcPct val="150000"/>
-              </a:lnSpc>
-              <a:spcBef>
-                <a:spcPct val="20000"/>
-              </a:spcBef>
-              <a:spcAft>
-                <a:spcPct val="0"/>
-              </a:spcAft>
-              <a:buClr>
-                <a:srgbClr val="0065BD"/>
-              </a:buClr>
-              <a:buSzTx/>
-              <a:buFont typeface="Arial" charset="0"/>
-              <a:buChar char="●"/>
-              <a:tabLst/>
-              <a:defRPr/>
-            </a:pPr>
-            <a:r>
-              <a:rPr kumimoji="0" lang="de-DE" sz="2000" b="0" i="0" u="none" strike="noStrike" kern="0" cap="none" spc="0" normalizeH="0" baseline="0" noProof="0" dirty="0" smtClean="0">
-                <a:ln>
-                  <a:noFill/>
-                </a:ln>
-                <a:solidFill>
-                  <a:schemeClr val="tx1"/>
-                </a:solidFill>
-                <a:effectLst/>
-                <a:uLnTx/>
-                <a:uFillTx/>
-                <a:latin typeface="Arial" charset="0"/>
-                <a:ea typeface="+mn-ea"/>
-                <a:cs typeface="+mn-cs"/>
-              </a:rPr>
-              <a:t>Ausblick</a:t>
-            </a:r>
-            <a:endParaRPr kumimoji="0" lang="de-DE" sz="2000" b="0" i="0" u="none" strike="noStrike" kern="0" cap="none" spc="0" normalizeH="0" baseline="0" noProof="0" dirty="0">
-              <a:ln>
-                <a:noFill/>
-              </a:ln>
-              <a:solidFill>
-                <a:schemeClr val="tx1"/>
-              </a:solidFill>
-              <a:effectLst/>
-              <a:uLnTx/>
-              <a:uFillTx/>
-              <a:latin typeface="Arial" charset="0"/>
-              <a:ea typeface="+mn-ea"/>
-              <a:cs typeface="+mn-cs"/>
-            </a:endParaRPr>
+            <a:endParaRPr lang="de-DE" sz="1400" dirty="0"/>
           </a:p>
         </p:txBody>
       </p:sp>
@@ -8286,85 +10326,77 @@
           <a:bodyPr/>
           <a:lstStyle/>
           <a:p>
-            <a:pPr marL="0" indent="0"/>
-            <a:r>
-              <a:rPr lang="de-DE" dirty="0" smtClean="0"/>
-              <a:t> Framework sowie Transformationen in der PoC erfolgreich umgestezt</a:t>
-            </a:r>
-          </a:p>
-          <a:p>
-            <a:pPr marL="0" indent="0"/>
-            <a:r>
-              <a:rPr lang="de-DE" dirty="0" smtClean="0"/>
-              <a:t> Atomare Transformationen ermöglichen einen hohen Wiederverwendungsgrad</a:t>
-            </a:r>
-          </a:p>
-          <a:p>
-            <a:pPr marL="0" indent="0"/>
-            <a:r>
-              <a:rPr lang="de-DE" dirty="0" smtClean="0"/>
-              <a:t> 6 Atomare Transformationen für die Umsetzung der 3 Sprachen ausreichend</a:t>
-            </a:r>
-          </a:p>
-          <a:p>
-            <a:pPr marL="0" indent="0"/>
-            <a:r>
-              <a:rPr lang="de-DE" dirty="0" smtClean="0"/>
-              <a:t> Eigenges Framework für die Verarbeitung von Visio 2013 (VSDX) Dateien</a:t>
-            </a:r>
-          </a:p>
-          <a:p>
-            <a:pPr marL="0" indent="0"/>
-            <a:r>
-              <a:rPr lang="de-DE" dirty="0" smtClean="0"/>
-              <a:t> 3 aus 4 Sprachen unterstützt</a:t>
-            </a:r>
-          </a:p>
-          <a:p>
-            <a:pPr marL="271463" lvl="1" indent="0"/>
-            <a:r>
-              <a:rPr lang="de-DE" dirty="0" smtClean="0"/>
-              <a:t> BPMN aufgrund spezielle Visio-Serialisierung nicht unterstützt</a:t>
-            </a:r>
-          </a:p>
-          <a:p>
-            <a:pPr marL="271463" lvl="1" indent="0"/>
-            <a:r>
-              <a:rPr lang="de-DE" dirty="0" smtClean="0"/>
-              <a:t> SysML4Mechatronics</a:t>
-            </a:r>
-          </a:p>
-          <a:p>
-            <a:pPr marL="531813" lvl="2" indent="0"/>
-            <a:r>
-              <a:rPr lang="de-DE" dirty="0" smtClean="0"/>
-              <a:t> Erster Ansatz mit UML-Serialisierung gescheitert</a:t>
-            </a:r>
-          </a:p>
-          <a:p>
-            <a:pPr marL="531813" lvl="2" indent="0"/>
-            <a:r>
-              <a:rPr lang="de-DE" dirty="0" smtClean="0"/>
-              <a:t> Zweiter Ansatz mit SFB 768 eCore erfolgreich</a:t>
-            </a:r>
-          </a:p>
-          <a:p>
-            <a:pPr marL="271463" lvl="1" indent="0"/>
-            <a:r>
-              <a:rPr lang="de-DE" dirty="0" smtClean="0"/>
-              <a:t> EPK: Nativ durch Visio VSDX Bibliothek</a:t>
-            </a:r>
-          </a:p>
-          <a:p>
-            <a:pPr marL="271463" lvl="1" indent="0"/>
-            <a:r>
-              <a:rPr lang="de-DE" dirty="0" smtClean="0"/>
-              <a:t> UFM als GraphML Export von Soley (check name!)</a:t>
-            </a:r>
-          </a:p>
-          <a:p>
-            <a:pPr marL="0" indent="0"/>
-            <a:endParaRPr lang="de-DE" dirty="0" smtClean="0"/>
+            <a:r>
+              <a:rPr lang="de-DE" dirty="0" smtClean="0"/>
+              <a:t>Import </a:t>
+            </a:r>
+            <a:r>
+              <a:rPr lang="de-DE" dirty="0"/>
+              <a:t>und Export aus verschiedenen Quellformaten</a:t>
+            </a:r>
+          </a:p>
+          <a:p>
+            <a:pPr lvl="1"/>
+            <a:r>
+              <a:rPr lang="de-DE" dirty="0"/>
+              <a:t>Automatischer Import und sofortige Anzeige</a:t>
+            </a:r>
+          </a:p>
+          <a:p>
+            <a:r>
+              <a:rPr lang="de-DE" dirty="0"/>
+              <a:t>Visualisierung des Gesamtmodells</a:t>
+            </a:r>
+          </a:p>
+          <a:p>
+            <a:pPr lvl="1"/>
+            <a:r>
+              <a:rPr lang="de-DE" dirty="0"/>
+              <a:t>Matrix und Graphen Darstellung</a:t>
+            </a:r>
+          </a:p>
+          <a:p>
+            <a:r>
+              <a:rPr lang="de-DE" dirty="0"/>
+              <a:t>Bearbeitung des Gesamtmodells</a:t>
+            </a:r>
+          </a:p>
+          <a:p>
+            <a:pPr lvl="1"/>
+            <a:r>
+              <a:rPr lang="de-DE" dirty="0"/>
+              <a:t>Einfügen von Knoten und Kanten</a:t>
+            </a:r>
+          </a:p>
+          <a:p>
+            <a:pPr lvl="1"/>
+            <a:r>
+              <a:rPr lang="de-DE" dirty="0"/>
+              <a:t>Modifizieren der Attribute von Elementen</a:t>
+            </a:r>
+          </a:p>
+          <a:p>
+            <a:r>
+              <a:rPr lang="de-DE" dirty="0"/>
+              <a:t>Analysen auf dem Gesamtmodell</a:t>
+            </a:r>
+          </a:p>
+          <a:p>
+            <a:pPr lvl="1"/>
+            <a:r>
+              <a:rPr lang="de-DE" dirty="0"/>
+              <a:t>Hervorheben von Zusammenhängen</a:t>
+            </a:r>
+          </a:p>
+          <a:p>
+            <a:pPr lvl="1"/>
+            <a:r>
+              <a:rPr lang="de-DE" dirty="0"/>
+              <a:t>Filtern über Attribute und Elementtypen</a:t>
+            </a:r>
+          </a:p>
+          <a:p>
+            <a:endParaRPr lang="de-DE" dirty="0"/>
           </a:p>
         </p:txBody>
       </p:sp>
@@ -8389,21 +10421,26 @@
           <a:lstStyle/>
           <a:p>
             <a:r>
-              <a:rPr lang="de-DE" dirty="0"/>
+              <a:rPr lang="de-DE" dirty="0" smtClean="0"/>
               <a:t>Ergebnisse</a:t>
             </a:r>
             <a:br>
-              <a:rPr lang="de-DE" dirty="0"/>
+              <a:rPr lang="de-DE" dirty="0" smtClean="0"/>
             </a:br>
             <a:r>
               <a:rPr lang="de-DE" sz="1400" dirty="0" smtClean="0"/>
-              <a:t>Transformationen</a:t>
+              <a:t>Visualisierung</a:t>
             </a:r>
             <a:endParaRPr lang="de-DE" sz="1400" dirty="0"/>
           </a:p>
         </p:txBody>
       </p:sp>
     </p:spTree>
+    <p:extLst>
+      <p:ext uri="{BB962C8B-B14F-4D97-AF65-F5344CB8AC3E}">
+        <p14:creationId xmlns:p14="http://schemas.microsoft.com/office/powerpoint/2010/main" val="3015326985"/>
+      </p:ext>
+    </p:extLst>
   </p:cSld>
   <p:clrMapOvr>
     <a:masterClrMapping/>
@@ -8457,206 +10494,40 @@
           <a:p>
             <a:r>
               <a:rPr lang="de-DE" dirty="0" smtClean="0"/>
-              <a:t>Import </a:t>
-            </a:r>
-            <a:r>
-              <a:rPr lang="de-DE" dirty="0"/>
-              <a:t>und Export aus verschiedenen Quellformaten</a:t>
+              <a:t>Repository</a:t>
             </a:r>
           </a:p>
           <a:p>
             <a:pPr lvl="1"/>
             <a:r>
-              <a:rPr lang="de-DE" dirty="0"/>
-              <a:t>Automatischer Import und sofortige Anzeige</a:t>
-            </a:r>
-          </a:p>
-          <a:p>
-            <a:r>
-              <a:rPr lang="de-DE" dirty="0"/>
-              <a:t>Visualisierung des Gesamtmodells</a:t>
+              <a:rPr lang="de-DE" dirty="0" smtClean="0"/>
+              <a:t>Zentrale verwaltung eines Modells</a:t>
             </a:r>
           </a:p>
           <a:p>
             <a:pPr lvl="1"/>
             <a:r>
-              <a:rPr lang="de-DE" dirty="0"/>
-              <a:t>Matrix und Graphen Darstellung</a:t>
-            </a:r>
-          </a:p>
-          <a:p>
-            <a:r>
-              <a:rPr lang="de-DE" dirty="0"/>
-              <a:t>Bearbeitung des Gesamtmodells</a:t>
+              <a:rPr lang="de-DE" dirty="0" smtClean="0"/>
+              <a:t>Alle Rollen arbeiten durch geeignete Viewpoints auf dassselbe Modell</a:t>
             </a:r>
           </a:p>
           <a:p>
             <a:pPr lvl="1"/>
             <a:r>
-              <a:rPr lang="de-DE" dirty="0"/>
-              <a:t>Einfügen von Knoten und Kanten</a:t>
-            </a:r>
-          </a:p>
-          <a:p>
-            <a:pPr lvl="1"/>
-            <a:r>
-              <a:rPr lang="de-DE" dirty="0"/>
-              <a:t>Modifizieren der Attribute von Elementen</a:t>
-            </a:r>
-          </a:p>
-          <a:p>
-            <a:r>
-              <a:rPr lang="de-DE" dirty="0"/>
-              <a:t>Analysen auf dem Gesamtmodell</a:t>
-            </a:r>
-          </a:p>
-          <a:p>
-            <a:pPr lvl="1"/>
-            <a:r>
-              <a:rPr lang="de-DE" dirty="0"/>
-              <a:t>Hervorheben von Zusammenhängen</a:t>
-            </a:r>
-          </a:p>
-          <a:p>
-            <a:pPr lvl="1"/>
-            <a:r>
-              <a:rPr lang="de-DE" dirty="0"/>
-              <a:t>Filtern über Attribute und Elementtypen</a:t>
-            </a:r>
-          </a:p>
-          <a:p>
+              <a:rPr lang="de-DE" dirty="0" smtClean="0"/>
+              <a:t>Konsistenz und kollaboration dadurch transparent möglich</a:t>
+            </a:r>
+          </a:p>
+          <a:p>
+            <a:r>
+              <a:rPr lang="de-DE" dirty="0" smtClean="0"/>
+              <a:t>Mögliche </a:t>
+            </a:r>
+            <a:r>
+              <a:rPr lang="de-DE" dirty="0" smtClean="0"/>
+              <a:t>Verbesserungen der Visualisierung</a:t>
+            </a:r>
             <a:endParaRPr lang="de-DE" dirty="0"/>
-          </a:p>
-        </p:txBody>
-      </p:sp>
-      <p:sp>
-        <p:nvSpPr>
-          <p:cNvPr id="3" name="Titel 2"/>
-          <p:cNvSpPr>
-            <a:spLocks noGrp="1"/>
-          </p:cNvSpPr>
-          <p:nvPr>
-            <p:ph type="title"/>
-          </p:nvPr>
-        </p:nvSpPr>
-        <p:spPr>
-          <a:xfrm>
-            <a:off x="250825" y="195526"/>
-            <a:ext cx="8031163" cy="600164"/>
-          </a:xfrm>
-        </p:spPr>
-        <p:txBody>
-          <a:bodyPr/>
-          <a:lstStyle/>
-          <a:p>
-            <a:r>
-              <a:rPr lang="de-DE" dirty="0" smtClean="0"/>
-              <a:t>Ergebnisse</a:t>
-            </a:r>
-            <a:br>
-              <a:rPr lang="de-DE" dirty="0" smtClean="0"/>
-            </a:br>
-            <a:r>
-              <a:rPr lang="de-DE" sz="1400" dirty="0" smtClean="0"/>
-              <a:t>Visualisierung</a:t>
-            </a:r>
-            <a:endParaRPr lang="de-DE" sz="1400" dirty="0"/>
-          </a:p>
-        </p:txBody>
-      </p:sp>
-    </p:spTree>
-    <p:extLst>
-      <p:ext uri="{BB962C8B-B14F-4D97-AF65-F5344CB8AC3E}">
-        <p14:creationId xmlns="" xmlns:p14="http://schemas.microsoft.com/office/powerpoint/2010/main" val="3015326985"/>
-      </p:ext>
-    </p:extLst>
-  </p:cSld>
-  <p:clrMapOvr>
-    <a:masterClrMapping/>
-  </p:clrMapOvr>
-  <p:timing>
-    <p:tnLst>
-      <p:par>
-        <p:cTn id="1" dur="indefinite" restart="never" nodeType="tmRoot"/>
-      </p:par>
-    </p:tnLst>
-  </p:timing>
-</p:sld>
-</file>
-
-<file path=ppt/slides/slide37.xml><?xml version="1.0" encoding="utf-8"?>
-<p:sld xmlns:a="http://schemas.openxmlformats.org/drawingml/2006/main" xmlns:r="http://schemas.openxmlformats.org/officeDocument/2006/relationships" xmlns:p="http://schemas.openxmlformats.org/presentationml/2006/main">
-  <p:cSld>
-    <p:spTree>
-      <p:nvGrpSpPr>
-        <p:cNvPr id="1" name=""/>
-        <p:cNvGrpSpPr/>
-        <p:nvPr/>
-      </p:nvGrpSpPr>
-      <p:grpSpPr>
-        <a:xfrm>
-          <a:off x="0" y="0"/>
-          <a:ext cx="0" cy="0"/>
-          <a:chOff x="0" y="0"/>
-          <a:chExt cx="0" cy="0"/>
-        </a:xfrm>
-      </p:grpSpPr>
-      <p:sp>
-        <p:nvSpPr>
-          <p:cNvPr id="2" name="Textplatzhalter 1"/>
-          <p:cNvSpPr>
-            <a:spLocks noGrp="1"/>
-          </p:cNvSpPr>
-          <p:nvPr>
-            <p:ph type="body" sz="quarter" idx="10"/>
-          </p:nvPr>
-        </p:nvSpPr>
-        <p:spPr>
-          <a:xfrm>
-            <a:off x="250824" y="933450"/>
-            <a:ext cx="8031164" cy="4495813"/>
-          </a:xfrm>
-        </p:spPr>
-        <p:txBody>
-          <a:bodyPr/>
-          <a:lstStyle/>
-          <a:p>
-            <a:r>
-              <a:rPr lang="de-DE" dirty="0" smtClean="0"/>
-              <a:t>Repository</a:t>
-            </a:r>
-          </a:p>
-          <a:p>
-            <a:pPr lvl="1"/>
-            <a:r>
-              <a:rPr lang="de-DE" dirty="0" smtClean="0"/>
-              <a:t>Zentrale verwaltung eines Modells</a:t>
-            </a:r>
-          </a:p>
-          <a:p>
-            <a:pPr lvl="1"/>
-            <a:r>
-              <a:rPr lang="de-DE" dirty="0" smtClean="0"/>
-              <a:t>Alle Rollen arbeiten durch geeignete Viewpoints auf dassselbe Modell</a:t>
-            </a:r>
-          </a:p>
-          <a:p>
-            <a:pPr lvl="1"/>
-            <a:r>
-              <a:rPr lang="de-DE" dirty="0" smtClean="0"/>
-              <a:t>Konsistenz und kollaboration dadurch transparent möglich</a:t>
-            </a:r>
-            <a:endParaRPr lang="de-DE" dirty="0" smtClean="0"/>
-          </a:p>
-          <a:p>
-            <a:r>
-              <a:rPr lang="de-DE" dirty="0" smtClean="0"/>
-              <a:t>Mögliche </a:t>
-            </a:r>
-            <a:r>
-              <a:rPr lang="de-DE" dirty="0"/>
-              <a:t>Verbesserungen</a:t>
-            </a:r>
           </a:p>
           <a:p>
             <a:pPr lvl="1"/>
@@ -8682,8 +10553,13 @@
           <a:p>
             <a:r>
               <a:rPr lang="de-DE" dirty="0"/>
-              <a:t>Mögliche Erweiterungen</a:t>
-            </a:r>
+              <a:t>Mögliche </a:t>
+            </a:r>
+            <a:r>
+              <a:rPr lang="de-DE" dirty="0" smtClean="0"/>
+              <a:t>Erweiterungen der Visualisierung</a:t>
+            </a:r>
+            <a:endParaRPr lang="de-DE" dirty="0"/>
           </a:p>
           <a:p>
             <a:pPr lvl="1"/>
@@ -8750,7 +10626,7 @@
     </p:spTree>
     <p:extLst>
       <p:ext uri="{BB962C8B-B14F-4D97-AF65-F5344CB8AC3E}">
-        <p14:creationId xmlns="" xmlns:p14="http://schemas.microsoft.com/office/powerpoint/2010/main" val="2204816514"/>
+        <p14:creationId xmlns:p14="http://schemas.microsoft.com/office/powerpoint/2010/main" val="2204816514"/>
       </p:ext>
     </p:extLst>
   </p:cSld>
@@ -8767,7 +10643,7 @@
 </p:sld>
 </file>
 
-<file path=ppt/slides/slide38.xml><?xml version="1.0" encoding="utf-8"?>
+<file path=ppt/slides/slide37.xml><?xml version="1.0" encoding="utf-8"?>
 <p:sld xmlns:a="http://schemas.openxmlformats.org/drawingml/2006/main" xmlns:r="http://schemas.openxmlformats.org/officeDocument/2006/relationships" xmlns:p="http://schemas.openxmlformats.org/presentationml/2006/main">
   <p:cSld>
     <p:spTree>
@@ -9036,7 +10912,7 @@
         <p:spPr>
           <a:xfrm>
             <a:off x="1000100" y="3929066"/>
-            <a:ext cx="5289551" cy="1928826"/>
+            <a:ext cx="5735937" cy="2091600"/>
           </a:xfrm>
           <a:prstGeom prst="rect">
             <a:avLst/>
@@ -9091,11 +10967,7 @@
           <a:p>
             <a:r>
               <a:rPr lang="de-DE" dirty="0" smtClean="0"/>
-              <a:t>IDP 1: Modellbasierte </a:t>
-            </a:r>
-            <a:r>
-              <a:rPr lang="de-DE" dirty="0" smtClean="0"/>
-              <a:t>Transformationen für PSS</a:t>
+              <a:t>IDP 1: Modellbasierte Transformationen für PSS</a:t>
             </a:r>
             <a:endParaRPr lang="bg-BG" dirty="0"/>
           </a:p>
@@ -9125,11 +10997,7 @@
           <a:p>
             <a:r>
               <a:rPr lang="de-DE" dirty="0" smtClean="0"/>
-              <a:t>IDP 2: </a:t>
-            </a:r>
-            <a:r>
-              <a:rPr lang="de-DE" dirty="0" smtClean="0"/>
-              <a:t>Interdisziplinäre Nutzung von Modellinformationen in der Entwicklung von PSS</a:t>
+              <a:t>IDP 2: Interdisziplinäre Nutzung von Modellinformationen in der Entwicklung von PSS</a:t>
             </a:r>
             <a:endParaRPr lang="bg-BG" dirty="0"/>
           </a:p>
@@ -9388,15 +11256,7 @@
             </a:pPr>
             <a:r>
               <a:rPr lang="de-DE" sz="1800" dirty="0" smtClean="0"/>
-              <a:t>Diskussion </a:t>
-            </a:r>
-            <a:r>
-              <a:rPr lang="de-DE" sz="1800" dirty="0" smtClean="0"/>
-              <a:t>&amp; </a:t>
-            </a:r>
-            <a:r>
-              <a:rPr lang="de-DE" sz="1800" dirty="0" smtClean="0"/>
-              <a:t>Entscheidung</a:t>
+              <a:t>Diskussion &amp; Entscheidung</a:t>
             </a:r>
           </a:p>
           <a:p>
@@ -9613,11 +11473,7 @@
           <a:p>
             <a:r>
               <a:rPr lang="de-DE" dirty="0" smtClean="0"/>
-              <a:t>Transformation von Modellen zwischen jeweils zwei </a:t>
-            </a:r>
-            <a:r>
-              <a:rPr lang="de-DE" dirty="0" smtClean="0"/>
-              <a:t>Sprachen</a:t>
+              <a:t>Transformation von Modellen zwischen jeweils zwei Sprachen</a:t>
             </a:r>
           </a:p>
           <a:p>
@@ -9625,7 +11481,6 @@
               <a:rPr lang="de-DE" dirty="0" smtClean="0"/>
               <a:t>Möglichst informationsverlust-frei</a:t>
             </a:r>
-            <a:endParaRPr lang="de-DE" dirty="0" smtClean="0"/>
           </a:p>
           <a:p>
             <a:r>
@@ -9645,7 +11500,6 @@
               <a:rPr lang="de-DE" dirty="0" smtClean="0"/>
               <a:t>Ereignisgesteuerte Prozess-Ketten (EPK)</a:t>
             </a:r>
-            <a:endParaRPr lang="de-DE" dirty="0" smtClean="0"/>
           </a:p>
           <a:p>
             <a:pPr lvl="1"/>
@@ -9653,7 +11507,6 @@
               <a:rPr lang="de-DE" dirty="0" smtClean="0"/>
               <a:t>Business Process Modelling Notation (BPMN)</a:t>
             </a:r>
-            <a:endParaRPr lang="de-DE" dirty="0" smtClean="0"/>
           </a:p>
           <a:p>
             <a:pPr lvl="1"/>
@@ -9661,7 +11514,6 @@
               <a:rPr lang="de-DE" dirty="0" smtClean="0"/>
               <a:t>Umsatzorientierte Funktions-Modellierung (UFM)</a:t>
             </a:r>
-            <a:endParaRPr lang="de-DE" dirty="0" smtClean="0"/>
           </a:p>
           <a:p>
             <a:pPr lvl="1"/>
@@ -9715,9 +11567,82 @@
         </p:xfrm>
         <a:graphic>
           <a:graphicData uri="http://schemas.openxmlformats.org/presentationml/2006/ole">
-            <p:oleObj spid="_x0000_s3078" name="Visio" r:id="rId3" imgW="4867253" imgH="1609661" progId="Visio.Drawing.15">
-              <p:embed/>
-            </p:oleObj>
+            <mc:AlternateContent xmlns:mc="http://schemas.openxmlformats.org/markup-compatibility/2006">
+              <mc:Choice xmlns:v="urn:schemas-microsoft-com:vml" Requires="v">
+                <p:oleObj spid="_x0000_s3083" name="Visio" r:id="rId3" imgW="4867253" imgH="1609661" progId="Visio.Drawing.15">
+                  <p:embed/>
+                </p:oleObj>
+              </mc:Choice>
+              <mc:Fallback>
+                <p:oleObj name="Visio" r:id="rId3" imgW="4867253" imgH="1609661" progId="Visio.Drawing.15">
+                  <p:embed/>
+                  <p:pic>
+                    <p:nvPicPr>
+                      <p:cNvPr id="0" name="Picture 6"/>
+                      <p:cNvPicPr>
+                        <a:picLocks noChangeAspect="1" noChangeArrowheads="1"/>
+                      </p:cNvPicPr>
+                      <p:nvPr/>
+                    </p:nvPicPr>
+                    <p:blipFill>
+                      <a:blip r:embed="rId4">
+                        <a:extLst>
+                          <a:ext uri="{28A0092B-C50C-407E-A947-70E740481C1C}">
+                            <a14:useLocalDpi xmlns:a14="http://schemas.microsoft.com/office/drawing/2010/main" val="0"/>
+                          </a:ext>
+                        </a:extLst>
+                      </a:blip>
+                      <a:srcRect/>
+                      <a:stretch>
+                        <a:fillRect/>
+                      </a:stretch>
+                    </p:blipFill>
+                    <p:spPr bwMode="auto">
+                      <a:xfrm>
+                        <a:off x="1428728" y="928670"/>
+                        <a:ext cx="6379312" cy="2109792"/>
+                      </a:xfrm>
+                      <a:prstGeom prst="rect">
+                        <a:avLst/>
+                      </a:prstGeom>
+                      <a:noFill/>
+                      <a:ln>
+                        <a:noFill/>
+                      </a:ln>
+                      <a:effectLst/>
+                      <a:extLst>
+                        <a:ext uri="{909E8E84-426E-40DD-AFC4-6F175D3DCCD1}">
+                          <a14:hiddenFill xmlns:a14="http://schemas.microsoft.com/office/drawing/2010/main">
+                            <a:solidFill>
+                              <a:schemeClr val="accent1"/>
+                            </a:solidFill>
+                          </a14:hiddenFill>
+                        </a:ext>
+                        <a:ext uri="{91240B29-F687-4F45-9708-019B960494DF}">
+                          <a14:hiddenLine xmlns:a14="http://schemas.microsoft.com/office/drawing/2010/main" w="9525">
+                            <a:solidFill>
+                              <a:schemeClr val="tx1"/>
+                            </a:solidFill>
+                            <a:miter lim="800000"/>
+                            <a:headEnd/>
+                            <a:tailEnd/>
+                          </a14:hiddenLine>
+                        </a:ext>
+                        <a:ext uri="{AF507438-7753-43E0-B8FC-AC1667EBCBE1}">
+                          <a14:hiddenEffects xmlns:a14="http://schemas.microsoft.com/office/drawing/2010/main">
+                            <a:effectLst>
+                              <a:outerShdw dist="35921" dir="2700000" algn="ctr" rotWithShape="0">
+                                <a:schemeClr val="bg2"/>
+                              </a:outerShdw>
+                            </a:effectLst>
+                          </a14:hiddenEffects>
+                        </a:ext>
+                      </a:extLst>
+                    </p:spPr>
+                  </p:pic>
+                </p:oleObj>
+              </mc:Fallback>
+            </mc:AlternateContent>
           </a:graphicData>
         </a:graphic>
       </p:graphicFrame>
@@ -9777,7 +11702,6 @@
               <a:rPr lang="de-DE" dirty="0" smtClean="0"/>
               <a:t>Direkten Transformationen (kein Zwischenformat)</a:t>
             </a:r>
-            <a:endParaRPr lang="de-DE" dirty="0" smtClean="0"/>
           </a:p>
           <a:p>
             <a:pPr lvl="1"/>
@@ -9796,13 +11720,8 @@
           <a:p>
             <a:r>
               <a:rPr lang="de-DE" dirty="0" smtClean="0"/>
-              <a:t>Indirekten</a:t>
-            </a:r>
-            <a:r>
-              <a:rPr lang="de-DE" dirty="0" smtClean="0"/>
-              <a:t> Transformationen (mit Zwischenformat)</a:t>
-            </a:r>
-            <a:endParaRPr lang="de-DE" dirty="0" smtClean="0"/>
+              <a:t>Indirekten Transformationen (mit Zwischenformat)</a:t>
+            </a:r>
           </a:p>
           <a:p>
             <a:pPr lvl="1"/>
@@ -9842,15 +11761,7 @@
           <a:p>
             <a:r>
               <a:rPr lang="de-DE" dirty="0" smtClean="0"/>
-              <a:t>Transformationen (IDP 1) </a:t>
-            </a:r>
-            <a:r>
-              <a:rPr lang="de-DE" dirty="0" smtClean="0"/>
-              <a:t>– </a:t>
-            </a:r>
-            <a:r>
-              <a:rPr lang="de-DE" dirty="0" smtClean="0"/>
-              <a:t>Lösungsmöglichkeiten</a:t>
+              <a:t>Transformationen (IDP 1) – Lösungsmöglichkeiten</a:t>
             </a:r>
             <a:endParaRPr lang="de-DE" dirty="0"/>
           </a:p>
@@ -9870,9 +11781,82 @@
         </p:xfrm>
         <a:graphic>
           <a:graphicData uri="http://schemas.openxmlformats.org/presentationml/2006/ole">
-            <p:oleObj spid="_x0000_s21505" name="Visio" r:id="rId3" imgW="6286384" imgH="2038363" progId="Visio.Drawing.15">
-              <p:embed/>
-            </p:oleObj>
+            <mc:AlternateContent xmlns:mc="http://schemas.openxmlformats.org/markup-compatibility/2006">
+              <mc:Choice xmlns:v="urn:schemas-microsoft-com:vml" Requires="v">
+                <p:oleObj spid="_x0000_s21510" name="Visio" r:id="rId3" imgW="6286384" imgH="2038363" progId="Visio.Drawing.15">
+                  <p:embed/>
+                </p:oleObj>
+              </mc:Choice>
+              <mc:Fallback>
+                <p:oleObj name="Visio" r:id="rId3" imgW="6286384" imgH="2038363" progId="Visio.Drawing.15">
+                  <p:embed/>
+                  <p:pic>
+                    <p:nvPicPr>
+                      <p:cNvPr id="0" name="Picture 1"/>
+                      <p:cNvPicPr>
+                        <a:picLocks noChangeAspect="1" noChangeArrowheads="1"/>
+                      </p:cNvPicPr>
+                      <p:nvPr/>
+                    </p:nvPicPr>
+                    <p:blipFill>
+                      <a:blip r:embed="rId4">
+                        <a:extLst>
+                          <a:ext uri="{28A0092B-C50C-407E-A947-70E740481C1C}">
+                            <a14:useLocalDpi xmlns:a14="http://schemas.microsoft.com/office/drawing/2010/main" val="0"/>
+                          </a:ext>
+                        </a:extLst>
+                      </a:blip>
+                      <a:srcRect/>
+                      <a:stretch>
+                        <a:fillRect/>
+                      </a:stretch>
+                    </p:blipFill>
+                    <p:spPr bwMode="auto">
+                      <a:xfrm>
+                        <a:off x="785786" y="714356"/>
+                        <a:ext cx="7711298" cy="2500330"/>
+                      </a:xfrm>
+                      <a:prstGeom prst="rect">
+                        <a:avLst/>
+                      </a:prstGeom>
+                      <a:noFill/>
+                      <a:ln>
+                        <a:noFill/>
+                      </a:ln>
+                      <a:effectLst/>
+                      <a:extLst>
+                        <a:ext uri="{909E8E84-426E-40DD-AFC4-6F175D3DCCD1}">
+                          <a14:hiddenFill xmlns:a14="http://schemas.microsoft.com/office/drawing/2010/main">
+                            <a:solidFill>
+                              <a:schemeClr val="accent1"/>
+                            </a:solidFill>
+                          </a14:hiddenFill>
+                        </a:ext>
+                        <a:ext uri="{91240B29-F687-4F45-9708-019B960494DF}">
+                          <a14:hiddenLine xmlns:a14="http://schemas.microsoft.com/office/drawing/2010/main" w="9525">
+                            <a:solidFill>
+                              <a:schemeClr val="tx1"/>
+                            </a:solidFill>
+                            <a:miter lim="800000"/>
+                            <a:headEnd/>
+                            <a:tailEnd/>
+                          </a14:hiddenLine>
+                        </a:ext>
+                        <a:ext uri="{AF507438-7753-43E0-B8FC-AC1667EBCBE1}">
+                          <a14:hiddenEffects xmlns:a14="http://schemas.microsoft.com/office/drawing/2010/main">
+                            <a:effectLst>
+                              <a:outerShdw dist="35921" dir="2700000" algn="ctr" rotWithShape="0">
+                                <a:schemeClr val="bg2"/>
+                              </a:outerShdw>
+                            </a:effectLst>
+                          </a14:hiddenEffects>
+                        </a:ext>
+                      </a:extLst>
+                    </p:spPr>
+                  </p:pic>
+                </p:oleObj>
+              </mc:Fallback>
+            </mc:AlternateContent>
           </a:graphicData>
         </a:graphic>
       </p:graphicFrame>
@@ -9933,15 +11917,7 @@
             </a:pPr>
             <a:r>
               <a:rPr lang="de-DE" dirty="0" smtClean="0"/>
-              <a:t>Direkte Überführung eines Modells in der Quellsprache A zu einem Modell in </a:t>
-            </a:r>
-            <a:r>
-              <a:rPr lang="de-DE" dirty="0" smtClean="0"/>
-              <a:t>der Zielsprache B, auf </a:t>
-            </a:r>
-            <a:r>
-              <a:rPr lang="de-DE" dirty="0" smtClean="0"/>
-              <a:t>Ebene der konkreten Syntax der jeweiligen Sprachen</a:t>
+              <a:t>Direkte Überführung eines Modells in der Quellsprache A zu einem Modell in der Zielsprache B, auf Ebene der konkreten Syntax der jeweiligen Sprachen</a:t>
             </a:r>
           </a:p>
           <a:p>
@@ -9955,18 +11931,12 @@
               <a:rPr lang="de-DE" dirty="0" smtClean="0"/>
               <a:t>Nachteil: Aufwand steigt exponentiell in der Anzahl an Sprachen und Formate</a:t>
             </a:r>
-            <a:endParaRPr lang="de-DE" dirty="0" smtClean="0"/>
-          </a:p>
-          <a:p>
-            <a:r>
-              <a:rPr lang="de-DE" dirty="0" smtClean="0"/>
-              <a:t>Beispiel: </a:t>
-            </a:r>
-            <a:r>
-              <a:rPr lang="de-DE" dirty="0" smtClean="0"/>
-              <a:t>XSLT</a:t>
-            </a:r>
-            <a:endParaRPr lang="de-DE" dirty="0" smtClean="0"/>
+          </a:p>
+          <a:p>
+            <a:r>
+              <a:rPr lang="de-DE" dirty="0" smtClean="0"/>
+              <a:t>Beispiel: XSLT</a:t>
+            </a:r>
           </a:p>
         </p:txBody>
       </p:sp>
@@ -9992,22 +11962,14 @@
           <a:p>
             <a:r>
               <a:rPr lang="de-DE" dirty="0" smtClean="0"/>
-              <a:t>Transformationen (IDP 1) </a:t>
-            </a:r>
-            <a:r>
-              <a:rPr lang="de-DE" dirty="0" smtClean="0"/>
-              <a:t>– Lösungsmöglichkeit 1</a:t>
+              <a:t>Transformationen (IDP 1) – Lösungsmöglichkeit 1</a:t>
             </a:r>
             <a:br>
               <a:rPr lang="de-DE" dirty="0" smtClean="0"/>
             </a:br>
             <a:r>
               <a:rPr lang="de-DE" sz="1400" dirty="0" smtClean="0"/>
-              <a:t>Direkte </a:t>
-            </a:r>
-            <a:r>
-              <a:rPr lang="de-DE" sz="1400" dirty="0" smtClean="0"/>
-              <a:t>syntax-abhängigte Transformation </a:t>
+              <a:t>Direkte syntax-abhängigte Transformation </a:t>
             </a:r>
             <a:endParaRPr lang="bg-BG" sz="1400" dirty="0"/>
           </a:p>
@@ -10027,9 +11989,82 @@
         </p:xfrm>
         <a:graphic>
           <a:graphicData uri="http://schemas.openxmlformats.org/presentationml/2006/ole">
-            <p:oleObj spid="_x0000_s4102" name="Visio" r:id="rId3" imgW="7496114" imgH="3209861" progId="Visio.Drawing.15">
-              <p:embed/>
-            </p:oleObj>
+            <mc:AlternateContent xmlns:mc="http://schemas.openxmlformats.org/markup-compatibility/2006">
+              <mc:Choice xmlns:v="urn:schemas-microsoft-com:vml" Requires="v">
+                <p:oleObj spid="_x0000_s4107" name="Visio" r:id="rId3" imgW="7496114" imgH="3209861" progId="Visio.Drawing.15">
+                  <p:embed/>
+                </p:oleObj>
+              </mc:Choice>
+              <mc:Fallback>
+                <p:oleObj name="Visio" r:id="rId3" imgW="7496114" imgH="3209861" progId="Visio.Drawing.15">
+                  <p:embed/>
+                  <p:pic>
+                    <p:nvPicPr>
+                      <p:cNvPr id="0" name="Picture 6"/>
+                      <p:cNvPicPr>
+                        <a:picLocks noChangeAspect="1" noChangeArrowheads="1"/>
+                      </p:cNvPicPr>
+                      <p:nvPr/>
+                    </p:nvPicPr>
+                    <p:blipFill>
+                      <a:blip r:embed="rId4">
+                        <a:extLst>
+                          <a:ext uri="{28A0092B-C50C-407E-A947-70E740481C1C}">
+                            <a14:useLocalDpi xmlns:a14="http://schemas.microsoft.com/office/drawing/2010/main" val="0"/>
+                          </a:ext>
+                        </a:extLst>
+                      </a:blip>
+                      <a:srcRect/>
+                      <a:stretch>
+                        <a:fillRect/>
+                      </a:stretch>
+                    </p:blipFill>
+                    <p:spPr bwMode="auto">
+                      <a:xfrm>
+                        <a:off x="785813" y="2786058"/>
+                        <a:ext cx="7496175" cy="3209925"/>
+                      </a:xfrm>
+                      <a:prstGeom prst="rect">
+                        <a:avLst/>
+                      </a:prstGeom>
+                      <a:noFill/>
+                      <a:ln>
+                        <a:noFill/>
+                      </a:ln>
+                      <a:effectLst/>
+                      <a:extLst>
+                        <a:ext uri="{909E8E84-426E-40DD-AFC4-6F175D3DCCD1}">
+                          <a14:hiddenFill xmlns:a14="http://schemas.microsoft.com/office/drawing/2010/main">
+                            <a:solidFill>
+                              <a:schemeClr val="accent1"/>
+                            </a:solidFill>
+                          </a14:hiddenFill>
+                        </a:ext>
+                        <a:ext uri="{91240B29-F687-4F45-9708-019B960494DF}">
+                          <a14:hiddenLine xmlns:a14="http://schemas.microsoft.com/office/drawing/2010/main" w="9525">
+                            <a:solidFill>
+                              <a:schemeClr val="tx1"/>
+                            </a:solidFill>
+                            <a:miter lim="800000"/>
+                            <a:headEnd/>
+                            <a:tailEnd/>
+                          </a14:hiddenLine>
+                        </a:ext>
+                        <a:ext uri="{AF507438-7753-43E0-B8FC-AC1667EBCBE1}">
+                          <a14:hiddenEffects xmlns:a14="http://schemas.microsoft.com/office/drawing/2010/main">
+                            <a:effectLst>
+                              <a:outerShdw dist="35921" dir="2700000" algn="ctr" rotWithShape="0">
+                                <a:schemeClr val="bg2"/>
+                              </a:outerShdw>
+                            </a:effectLst>
+                          </a14:hiddenEffects>
+                        </a:ext>
+                      </a:extLst>
+                    </p:spPr>
+                  </p:pic>
+                </p:oleObj>
+              </mc:Fallback>
+            </mc:AlternateContent>
           </a:graphicData>
         </a:graphic>
       </p:graphicFrame>
@@ -10038,6 +12073,13 @@
   <p:clrMapOvr>
     <a:masterClrMapping/>
   </p:clrMapOvr>
+  <p:timing>
+    <p:tnLst>
+      <p:par>
+        <p:cTn id="1" dur="indefinite" restart="never" nodeType="tmRoot"/>
+      </p:par>
+    </p:tnLst>
+  </p:timing>
 </p:sld>
 </file>
 

--- a/pssif/doc/PSSIF.pptx
+++ b/pssif/doc/PSSIF.pptx
@@ -5,10 +5,10 @@
     <p:sldMasterId id="2147483837" r:id="rId1"/>
   </p:sldMasterIdLst>
   <p:notesMasterIdLst>
-    <p:notesMasterId r:id="rId39"/>
+    <p:notesMasterId r:id="rId40"/>
   </p:notesMasterIdLst>
   <p:handoutMasterIdLst>
-    <p:handoutMasterId r:id="rId40"/>
+    <p:handoutMasterId r:id="rId41"/>
   </p:handoutMasterIdLst>
   <p:sldIdLst>
     <p:sldId id="256" r:id="rId2"/>
@@ -25,34 +25,35 @@
     <p:sldId id="290" r:id="rId13"/>
     <p:sldId id="262" r:id="rId14"/>
     <p:sldId id="263" r:id="rId15"/>
-    <p:sldId id="291" r:id="rId16"/>
-    <p:sldId id="297" r:id="rId17"/>
-    <p:sldId id="292" r:id="rId18"/>
-    <p:sldId id="293" r:id="rId19"/>
+    <p:sldId id="299" r:id="rId16"/>
+    <p:sldId id="291" r:id="rId17"/>
+    <p:sldId id="297" r:id="rId18"/>
+    <p:sldId id="292" r:id="rId19"/>
     <p:sldId id="296" r:id="rId20"/>
-    <p:sldId id="295" r:id="rId21"/>
-    <p:sldId id="275" r:id="rId22"/>
-    <p:sldId id="269" r:id="rId23"/>
-    <p:sldId id="270" r:id="rId24"/>
-    <p:sldId id="271" r:id="rId25"/>
-    <p:sldId id="272" r:id="rId26"/>
-    <p:sldId id="277" r:id="rId27"/>
-    <p:sldId id="278" r:id="rId28"/>
-    <p:sldId id="279" r:id="rId29"/>
-    <p:sldId id="280" r:id="rId30"/>
-    <p:sldId id="281" r:id="rId31"/>
-    <p:sldId id="282" r:id="rId32"/>
-    <p:sldId id="283" r:id="rId33"/>
-    <p:sldId id="276" r:id="rId34"/>
-    <p:sldId id="265" r:id="rId35"/>
-    <p:sldId id="286" r:id="rId36"/>
-    <p:sldId id="285" r:id="rId37"/>
-    <p:sldId id="267" r:id="rId38"/>
+    <p:sldId id="298" r:id="rId21"/>
+    <p:sldId id="295" r:id="rId22"/>
+    <p:sldId id="275" r:id="rId23"/>
+    <p:sldId id="269" r:id="rId24"/>
+    <p:sldId id="270" r:id="rId25"/>
+    <p:sldId id="271" r:id="rId26"/>
+    <p:sldId id="272" r:id="rId27"/>
+    <p:sldId id="277" r:id="rId28"/>
+    <p:sldId id="278" r:id="rId29"/>
+    <p:sldId id="279" r:id="rId30"/>
+    <p:sldId id="280" r:id="rId31"/>
+    <p:sldId id="281" r:id="rId32"/>
+    <p:sldId id="282" r:id="rId33"/>
+    <p:sldId id="283" r:id="rId34"/>
+    <p:sldId id="276" r:id="rId35"/>
+    <p:sldId id="300" r:id="rId36"/>
+    <p:sldId id="286" r:id="rId37"/>
+    <p:sldId id="285" r:id="rId38"/>
+    <p:sldId id="267" r:id="rId39"/>
   </p:sldIdLst>
   <p:sldSz cx="9144000" cy="6858000" type="screen4x3"/>
   <p:notesSz cx="6797675" cy="9926638"/>
   <p:custDataLst>
-    <p:tags r:id="rId41"/>
+    <p:tags r:id="rId42"/>
   </p:custDataLst>
   <p:defaultTextStyle>
     <a:defPPr>
@@ -181,7 +182,7 @@
   </p:defaultTextStyle>
   <p:extLst>
     <p:ext uri="{EFAFB233-063F-42B5-8137-9DF3F51BA10A}">
-      <p15:sldGuideLst xmlns:p15="http://schemas.microsoft.com/office/powerpoint/2012/main">
+      <p15:sldGuideLst xmlns:p15="http://schemas.microsoft.com/office/powerpoint/2012/main" xmlns="">
         <p15:guide id="1" orient="horz" pos="3612">
           <p15:clr>
             <a:srgbClr val="A4A3A4"/>
@@ -255,7 +256,7 @@
       </p15:sldGuideLst>
     </p:ext>
     <p:ext uri="{2D200454-40CA-4A62-9FC3-DE9A4176ACB9}">
-      <p15:notesGuideLst xmlns:p15="http://schemas.microsoft.com/office/powerpoint/2012/main">
+      <p15:notesGuideLst xmlns:p15="http://schemas.microsoft.com/office/powerpoint/2012/main" xmlns="">
         <p15:guide id="1" orient="horz" pos="3128">
           <p15:clr>
             <a:srgbClr val="A4A3A4"/>
@@ -501,7 +502,7 @@
     </p:spTree>
     <p:extLst>
       <p:ext uri="{BB962C8B-B14F-4D97-AF65-F5344CB8AC3E}">
-        <p14:creationId xmlns:p14="http://schemas.microsoft.com/office/powerpoint/2010/main" val="164483809"/>
+        <p14:creationId xmlns:p14="http://schemas.microsoft.com/office/powerpoint/2010/main" xmlns="" val="164483809"/>
       </p:ext>
     </p:extLst>
   </p:cSld>
@@ -843,7 +844,7 @@
     </p:spTree>
     <p:extLst>
       <p:ext uri="{BB962C8B-B14F-4D97-AF65-F5344CB8AC3E}">
-        <p14:creationId xmlns:p14="http://schemas.microsoft.com/office/powerpoint/2010/main" val="220946427"/>
+        <p14:creationId xmlns:p14="http://schemas.microsoft.com/office/powerpoint/2010/main" xmlns="" val="220946427"/>
       </p:ext>
     </p:extLst>
   </p:cSld>
@@ -973,6 +974,141 @@
 </p:notesMaster>
 </file>
 
+<file path=ppt/notesSlides/notesSlide1.xml><?xml version="1.0" encoding="utf-8"?>
+<p:notes xmlns:a="http://schemas.openxmlformats.org/drawingml/2006/main" xmlns:r="http://schemas.openxmlformats.org/officeDocument/2006/relationships" xmlns:p="http://schemas.openxmlformats.org/presentationml/2006/main">
+  <p:cSld>
+    <p:spTree>
+      <p:nvGrpSpPr>
+        <p:cNvPr id="1" name=""/>
+        <p:cNvGrpSpPr/>
+        <p:nvPr/>
+      </p:nvGrpSpPr>
+      <p:grpSpPr>
+        <a:xfrm>
+          <a:off x="0" y="0"/>
+          <a:ext cx="0" cy="0"/>
+          <a:chOff x="0" y="0"/>
+          <a:chExt cx="0" cy="0"/>
+        </a:xfrm>
+      </p:grpSpPr>
+      <p:sp>
+        <p:nvSpPr>
+          <p:cNvPr id="2" name="Folienbildplatzhalter 1"/>
+          <p:cNvSpPr>
+            <a:spLocks noGrp="1" noRot="1" noChangeAspect="1"/>
+          </p:cNvSpPr>
+          <p:nvPr>
+            <p:ph type="sldImg"/>
+          </p:nvPr>
+        </p:nvSpPr>
+        <p:spPr/>
+      </p:sp>
+      <p:sp>
+        <p:nvSpPr>
+          <p:cNvPr id="3" name="Notizenplatzhalter 2"/>
+          <p:cNvSpPr>
+            <a:spLocks noGrp="1"/>
+          </p:cNvSpPr>
+          <p:nvPr>
+            <p:ph type="body" idx="1"/>
+          </p:nvPr>
+        </p:nvSpPr>
+        <p:spPr/>
+        <p:txBody>
+          <a:bodyPr>
+            <a:normAutofit/>
+          </a:bodyPr>
+          <a:lstStyle/>
+          <a:p>
+            <a:r>
+              <a:rPr lang="en-US" dirty="0" err="1" smtClean="0"/>
+              <a:t>Standardtechnologien</a:t>
+            </a:r>
+            <a:r>
+              <a:rPr lang="en-US" dirty="0" smtClean="0"/>
+              <a:t>,</a:t>
+            </a:r>
+            <a:r>
+              <a:rPr lang="en-US" baseline="0" dirty="0" smtClean="0"/>
+              <a:t> </a:t>
+            </a:r>
+            <a:r>
+              <a:rPr lang="en-US" baseline="0" dirty="0" err="1" smtClean="0"/>
+              <a:t>verbreitete</a:t>
+            </a:r>
+            <a:r>
+              <a:rPr lang="en-US" baseline="0" dirty="0" smtClean="0"/>
+              <a:t> </a:t>
+            </a:r>
+            <a:r>
+              <a:rPr lang="en-US" baseline="0" dirty="0" err="1" smtClean="0"/>
+              <a:t>Akzeptanz</a:t>
+            </a:r>
+            <a:r>
+              <a:rPr lang="en-US" baseline="0" dirty="0" smtClean="0"/>
+              <a:t>, </a:t>
+            </a:r>
+            <a:r>
+              <a:rPr lang="en-US" baseline="0" dirty="0" err="1" smtClean="0"/>
+              <a:t>Erfahrung</a:t>
+            </a:r>
+            <a:r>
+              <a:rPr lang="en-US" baseline="0" dirty="0" smtClean="0"/>
+              <a:t> </a:t>
+            </a:r>
+            <a:r>
+              <a:rPr lang="en-US" baseline="0" dirty="0" err="1" smtClean="0"/>
+              <a:t>der</a:t>
+            </a:r>
+            <a:r>
+              <a:rPr lang="en-US" baseline="0" dirty="0" smtClean="0"/>
+              <a:t> </a:t>
+            </a:r>
+            <a:r>
+              <a:rPr lang="en-US" baseline="0" dirty="0" err="1" smtClean="0"/>
+              <a:t>Entwickler</a:t>
+            </a:r>
+            <a:endParaRPr lang="en-US" dirty="0"/>
+          </a:p>
+        </p:txBody>
+      </p:sp>
+      <p:sp>
+        <p:nvSpPr>
+          <p:cNvPr id="4" name="Foliennummernplatzhalter 3"/>
+          <p:cNvSpPr>
+            <a:spLocks noGrp="1"/>
+          </p:cNvSpPr>
+          <p:nvPr>
+            <p:ph type="sldNum" sz="quarter" idx="10"/>
+          </p:nvPr>
+        </p:nvSpPr>
+        <p:spPr/>
+        <p:txBody>
+          <a:bodyPr/>
+          <a:lstStyle/>
+          <a:p>
+            <a:pPr>
+              <a:defRPr/>
+            </a:pPr>
+            <a:fld id="{ED4D3AE2-379F-42E4-8D9A-7FC6B448ACB2}" type="slidenum">
+              <a:rPr lang="de-DE" smtClean="0"/>
+              <a:pPr>
+                <a:defRPr/>
+              </a:pPr>
+              <a:t>21</a:t>
+            </a:fld>
+            <a:endParaRPr lang="de-DE"/>
+          </a:p>
+        </p:txBody>
+      </p:sp>
+    </p:spTree>
+  </p:cSld>
+  <p:clrMapOvr>
+    <a:masterClrMapping/>
+  </p:clrMapOvr>
+</p:notes>
+</file>
+
 <file path=ppt/slideLayouts/slideLayout1.xml><?xml version="1.0" encoding="utf-8"?>
 <p:sldLayout xmlns:a="http://schemas.openxmlformats.org/drawingml/2006/main" xmlns:r="http://schemas.openxmlformats.org/officeDocument/2006/relationships" xmlns:p="http://schemas.openxmlformats.org/presentationml/2006/main" preserve="1" userDrawn="1">
   <p:cSld name="1_Titelfolie">
@@ -1276,7 +1412,7 @@
           <a:blip r:embed="rId3" cstate="print">
             <a:extLst>
               <a:ext uri="{28A0092B-C50C-407E-A947-70E740481C1C}">
-                <a14:useLocalDpi xmlns:a14="http://schemas.microsoft.com/office/drawing/2010/main" val="0"/>
+                <a14:useLocalDpi xmlns:a14="http://schemas.microsoft.com/office/drawing/2010/main" xmlns="" val="0"/>
               </a:ext>
             </a:extLst>
           </a:blip>
@@ -1306,7 +1442,7 @@
           <a:blip r:embed="rId4" cstate="print">
             <a:extLst>
               <a:ext uri="{28A0092B-C50C-407E-A947-70E740481C1C}">
-                <a14:useLocalDpi xmlns:a14="http://schemas.microsoft.com/office/drawing/2010/main" val="0"/>
+                <a14:useLocalDpi xmlns:a14="http://schemas.microsoft.com/office/drawing/2010/main" xmlns="" val="0"/>
               </a:ext>
             </a:extLst>
           </a:blip>
@@ -1336,7 +1472,7 @@
           <a:blip r:embed="rId5" cstate="print">
             <a:extLst>
               <a:ext uri="{28A0092B-C50C-407E-A947-70E740481C1C}">
-                <a14:useLocalDpi xmlns:a14="http://schemas.microsoft.com/office/drawing/2010/main" val="0"/>
+                <a14:useLocalDpi xmlns:a14="http://schemas.microsoft.com/office/drawing/2010/main" xmlns="" val="0"/>
               </a:ext>
             </a:extLst>
           </a:blip>
@@ -1631,7 +1767,7 @@
           <a:blip r:embed="rId2" cstate="print">
             <a:extLst>
               <a:ext uri="{28A0092B-C50C-407E-A947-70E740481C1C}">
-                <a14:useLocalDpi xmlns:a14="http://schemas.microsoft.com/office/drawing/2010/main" val="0"/>
+                <a14:useLocalDpi xmlns:a14="http://schemas.microsoft.com/office/drawing/2010/main" xmlns="" val="0"/>
               </a:ext>
             </a:extLst>
           </a:blip>
@@ -1661,7 +1797,7 @@
           <a:blip r:embed="rId3" cstate="print">
             <a:extLst>
               <a:ext uri="{28A0092B-C50C-407E-A947-70E740481C1C}">
-                <a14:useLocalDpi xmlns:a14="http://schemas.microsoft.com/office/drawing/2010/main" val="0"/>
+                <a14:useLocalDpi xmlns:a14="http://schemas.microsoft.com/office/drawing/2010/main" xmlns="" val="0"/>
               </a:ext>
             </a:extLst>
           </a:blip>
@@ -1691,7 +1827,7 @@
           <a:blip r:embed="rId4" cstate="print">
             <a:extLst>
               <a:ext uri="{28A0092B-C50C-407E-A947-70E740481C1C}">
-                <a14:useLocalDpi xmlns:a14="http://schemas.microsoft.com/office/drawing/2010/main" val="0"/>
+                <a14:useLocalDpi xmlns:a14="http://schemas.microsoft.com/office/drawing/2010/main" xmlns="" val="0"/>
               </a:ext>
             </a:extLst>
           </a:blip>
@@ -2295,7 +2431,15 @@
           <a:p>
             <a:r>
               <a:rPr lang="de-DE" dirty="0" smtClean="0"/>
-              <a:t>Vorteil: Abstraktion des konkreten Syntax</a:t>
+              <a:t>Vorteil: Abstraktion </a:t>
+            </a:r>
+            <a:r>
+              <a:rPr lang="de-DE" dirty="0" smtClean="0"/>
+              <a:t>der </a:t>
+            </a:r>
+            <a:r>
+              <a:rPr lang="de-DE" dirty="0" smtClean="0"/>
+              <a:t>konkreten Syntax</a:t>
             </a:r>
           </a:p>
           <a:p>
@@ -2355,82 +2499,9 @@
         </p:xfrm>
         <a:graphic>
           <a:graphicData uri="http://schemas.openxmlformats.org/presentationml/2006/ole">
-            <mc:AlternateContent xmlns:mc="http://schemas.openxmlformats.org/markup-compatibility/2006">
-              <mc:Choice xmlns:v="urn:schemas-microsoft-com:vml" Requires="v">
-                <p:oleObj spid="_x0000_s25606" name="Visio" r:id="rId3" imgW="6800715" imgH="3000375" progId="Visio.Drawing.15">
-                  <p:embed/>
-                </p:oleObj>
-              </mc:Choice>
-              <mc:Fallback>
-                <p:oleObj name="Visio" r:id="rId3" imgW="6800715" imgH="3000375" progId="Visio.Drawing.15">
-                  <p:embed/>
-                  <p:pic>
-                    <p:nvPicPr>
-                      <p:cNvPr id="0" name="Picture 1"/>
-                      <p:cNvPicPr>
-                        <a:picLocks noChangeAspect="1" noChangeArrowheads="1"/>
-                      </p:cNvPicPr>
-                      <p:nvPr/>
-                    </p:nvPicPr>
-                    <p:blipFill>
-                      <a:blip r:embed="rId4">
-                        <a:extLst>
-                          <a:ext uri="{28A0092B-C50C-407E-A947-70E740481C1C}">
-                            <a14:useLocalDpi xmlns:a14="http://schemas.microsoft.com/office/drawing/2010/main" val="0"/>
-                          </a:ext>
-                        </a:extLst>
-                      </a:blip>
-                      <a:srcRect/>
-                      <a:stretch>
-                        <a:fillRect/>
-                      </a:stretch>
-                    </p:blipFill>
-                    <p:spPr bwMode="auto">
-                      <a:xfrm>
-                        <a:off x="642909" y="2428868"/>
-                        <a:ext cx="7772407" cy="3429003"/>
-                      </a:xfrm>
-                      <a:prstGeom prst="rect">
-                        <a:avLst/>
-                      </a:prstGeom>
-                      <a:noFill/>
-                      <a:ln>
-                        <a:noFill/>
-                      </a:ln>
-                      <a:effectLst/>
-                      <a:extLst>
-                        <a:ext uri="{909E8E84-426E-40DD-AFC4-6F175D3DCCD1}">
-                          <a14:hiddenFill xmlns:a14="http://schemas.microsoft.com/office/drawing/2010/main">
-                            <a:solidFill>
-                              <a:schemeClr val="accent1"/>
-                            </a:solidFill>
-                          </a14:hiddenFill>
-                        </a:ext>
-                        <a:ext uri="{91240B29-F687-4F45-9708-019B960494DF}">
-                          <a14:hiddenLine xmlns:a14="http://schemas.microsoft.com/office/drawing/2010/main" w="9525">
-                            <a:solidFill>
-                              <a:schemeClr val="tx1"/>
-                            </a:solidFill>
-                            <a:miter lim="800000"/>
-                            <a:headEnd/>
-                            <a:tailEnd/>
-                          </a14:hiddenLine>
-                        </a:ext>
-                        <a:ext uri="{AF507438-7753-43E0-B8FC-AC1667EBCBE1}">
-                          <a14:hiddenEffects xmlns:a14="http://schemas.microsoft.com/office/drawing/2010/main">
-                            <a:effectLst>
-                              <a:outerShdw dist="35921" dir="2700000" algn="ctr" rotWithShape="0">
-                                <a:schemeClr val="bg2"/>
-                              </a:outerShdw>
-                            </a:effectLst>
-                          </a14:hiddenEffects>
-                        </a:ext>
-                      </a:extLst>
-                    </p:spPr>
-                  </p:pic>
-                </p:oleObj>
-              </mc:Fallback>
-            </mc:AlternateContent>
+            <p:oleObj spid="_x0000_s25606" name="Visio" r:id="rId3" imgW="6800715" imgH="3000375" progId="Visio.Drawing.15">
+              <p:embed/>
+            </p:oleObj>
           </a:graphicData>
         </a:graphic>
       </p:graphicFrame>
@@ -2488,14 +2559,32 @@
           <a:p>
             <a:r>
               <a:rPr lang="de-DE" dirty="0" smtClean="0"/>
-              <a:t>Transformation von der Quellsprache in ein eigenes fixes Schema</a:t>
-            </a:r>
-          </a:p>
-          <a:p>
-            <a:r>
-              <a:rPr lang="de-DE" dirty="0" smtClean="0"/>
-              <a:t>Darauf folgende Transformation von den eigenen Schema in der Zielsprache</a:t>
-            </a:r>
+              <a:t>Transformation von der Quellsprache in ein </a:t>
+            </a:r>
+            <a:r>
+              <a:rPr lang="de-DE" dirty="0" smtClean="0"/>
+              <a:t>fixes Zwischenschema</a:t>
+            </a:r>
+            <a:endParaRPr lang="de-DE" dirty="0" smtClean="0"/>
+          </a:p>
+          <a:p>
+            <a:r>
+              <a:rPr lang="de-DE" dirty="0" smtClean="0"/>
+              <a:t>Darauf folgende Transformation </a:t>
+            </a:r>
+            <a:r>
+              <a:rPr lang="de-DE" dirty="0" smtClean="0"/>
+              <a:t>vom Zwischenschema </a:t>
+            </a:r>
+            <a:r>
+              <a:rPr lang="de-DE" dirty="0" smtClean="0"/>
+              <a:t>in </a:t>
+            </a:r>
+            <a:r>
+              <a:rPr lang="de-DE" dirty="0" smtClean="0"/>
+              <a:t>die Zielsprache</a:t>
+            </a:r>
+            <a:endParaRPr lang="de-DE" dirty="0" smtClean="0"/>
           </a:p>
           <a:p>
             <a:r>
@@ -2555,87 +2644,14 @@
           <p:nvPr/>
         </p:nvGraphicFramePr>
         <p:xfrm>
-          <a:off x="857224" y="2571744"/>
-          <a:ext cx="7286676" cy="3286148"/>
+          <a:off x="1187624" y="2805318"/>
+          <a:ext cx="6768752" cy="3052574"/>
         </p:xfrm>
         <a:graphic>
           <a:graphicData uri="http://schemas.openxmlformats.org/presentationml/2006/ole">
-            <mc:AlternateContent xmlns:mc="http://schemas.openxmlformats.org/markup-compatibility/2006">
-              <mc:Choice xmlns:v="urn:schemas-microsoft-com:vml" Requires="v">
-                <p:oleObj spid="_x0000_s24582" name="Visio" r:id="rId3" imgW="6800715" imgH="3067140" progId="Visio.Drawing.15">
-                  <p:embed/>
-                </p:oleObj>
-              </mc:Choice>
-              <mc:Fallback>
-                <p:oleObj name="Visio" r:id="rId3" imgW="6800715" imgH="3067140" progId="Visio.Drawing.15">
-                  <p:embed/>
-                  <p:pic>
-                    <p:nvPicPr>
-                      <p:cNvPr id="0" name="Picture 1"/>
-                      <p:cNvPicPr>
-                        <a:picLocks noChangeAspect="1" noChangeArrowheads="1"/>
-                      </p:cNvPicPr>
-                      <p:nvPr/>
-                    </p:nvPicPr>
-                    <p:blipFill>
-                      <a:blip r:embed="rId4">
-                        <a:extLst>
-                          <a:ext uri="{28A0092B-C50C-407E-A947-70E740481C1C}">
-                            <a14:useLocalDpi xmlns:a14="http://schemas.microsoft.com/office/drawing/2010/main" val="0"/>
-                          </a:ext>
-                        </a:extLst>
-                      </a:blip>
-                      <a:srcRect/>
-                      <a:stretch>
-                        <a:fillRect/>
-                      </a:stretch>
-                    </p:blipFill>
-                    <p:spPr bwMode="auto">
-                      <a:xfrm>
-                        <a:off x="857224" y="2571744"/>
-                        <a:ext cx="7286676" cy="3286148"/>
-                      </a:xfrm>
-                      <a:prstGeom prst="rect">
-                        <a:avLst/>
-                      </a:prstGeom>
-                      <a:noFill/>
-                      <a:ln>
-                        <a:noFill/>
-                      </a:ln>
-                      <a:effectLst/>
-                      <a:extLst>
-                        <a:ext uri="{909E8E84-426E-40DD-AFC4-6F175D3DCCD1}">
-                          <a14:hiddenFill xmlns:a14="http://schemas.microsoft.com/office/drawing/2010/main">
-                            <a:solidFill>
-                              <a:schemeClr val="accent1"/>
-                            </a:solidFill>
-                          </a14:hiddenFill>
-                        </a:ext>
-                        <a:ext uri="{91240B29-F687-4F45-9708-019B960494DF}">
-                          <a14:hiddenLine xmlns:a14="http://schemas.microsoft.com/office/drawing/2010/main" w="9525">
-                            <a:solidFill>
-                              <a:schemeClr val="tx1"/>
-                            </a:solidFill>
-                            <a:miter lim="800000"/>
-                            <a:headEnd/>
-                            <a:tailEnd/>
-                          </a14:hiddenLine>
-                        </a:ext>
-                        <a:ext uri="{AF507438-7753-43E0-B8FC-AC1667EBCBE1}">
-                          <a14:hiddenEffects xmlns:a14="http://schemas.microsoft.com/office/drawing/2010/main">
-                            <a:effectLst>
-                              <a:outerShdw dist="35921" dir="2700000" algn="ctr" rotWithShape="0">
-                                <a:schemeClr val="bg2"/>
-                              </a:outerShdw>
-                            </a:effectLst>
-                          </a14:hiddenEffects>
-                        </a:ext>
-                      </a:extLst>
-                    </p:spPr>
-                  </p:pic>
-                </p:oleObj>
-              </mc:Fallback>
-            </mc:AlternateContent>
+            <p:oleObj spid="_x0000_s24582" name="Visio" r:id="rId3" imgW="6800715" imgH="3067140" progId="Visio.Drawing.15">
+              <p:embed/>
+            </p:oleObj>
           </a:graphicData>
         </a:graphic>
       </p:graphicFrame>
@@ -2738,15 +2754,7 @@
           <a:p>
             <a:r>
               <a:rPr lang="de-DE" dirty="0" smtClean="0"/>
-              <a:t>Transformationen </a:t>
-            </a:r>
-            <a:r>
-              <a:rPr lang="de-DE" dirty="0" smtClean="0"/>
-              <a:t>(</a:t>
-            </a:r>
-            <a:r>
-              <a:rPr lang="de-DE" dirty="0" smtClean="0"/>
-              <a:t>IDP 1) – Lösungsmöglichkeit 4</a:t>
+              <a:t>Transformationen (IDP 1) – Lösungsmöglichkeit 4</a:t>
             </a:r>
             <a:br>
               <a:rPr lang="de-DE" dirty="0" smtClean="0"/>
@@ -2773,82 +2781,9 @@
         </p:xfrm>
         <a:graphic>
           <a:graphicData uri="http://schemas.openxmlformats.org/presentationml/2006/ole">
-            <mc:AlternateContent xmlns:mc="http://schemas.openxmlformats.org/markup-compatibility/2006">
-              <mc:Choice xmlns:v="urn:schemas-microsoft-com:vml" Requires="v">
-                <p:oleObj spid="_x0000_s23558" name="Visio" r:id="rId3" imgW="7248393" imgH="2219196" progId="Visio.Drawing.15">
-                  <p:embed/>
-                </p:oleObj>
-              </mc:Choice>
-              <mc:Fallback>
-                <p:oleObj name="Visio" r:id="rId3" imgW="7248393" imgH="2219196" progId="Visio.Drawing.15">
-                  <p:embed/>
-                  <p:pic>
-                    <p:nvPicPr>
-                      <p:cNvPr id="0" name="Picture 1"/>
-                      <p:cNvPicPr>
-                        <a:picLocks noChangeAspect="1" noChangeArrowheads="1"/>
-                      </p:cNvPicPr>
-                      <p:nvPr/>
-                    </p:nvPicPr>
-                    <p:blipFill>
-                      <a:blip r:embed="rId4">
-                        <a:extLst>
-                          <a:ext uri="{28A0092B-C50C-407E-A947-70E740481C1C}">
-                            <a14:useLocalDpi xmlns:a14="http://schemas.microsoft.com/office/drawing/2010/main" val="0"/>
-                          </a:ext>
-                        </a:extLst>
-                      </a:blip>
-                      <a:srcRect/>
-                      <a:stretch>
-                        <a:fillRect/>
-                      </a:stretch>
-                    </p:blipFill>
-                    <p:spPr bwMode="auto">
-                      <a:xfrm>
-                        <a:off x="500034" y="2857496"/>
-                        <a:ext cx="8166314" cy="2500330"/>
-                      </a:xfrm>
-                      <a:prstGeom prst="rect">
-                        <a:avLst/>
-                      </a:prstGeom>
-                      <a:noFill/>
-                      <a:ln>
-                        <a:noFill/>
-                      </a:ln>
-                      <a:effectLst/>
-                      <a:extLst>
-                        <a:ext uri="{909E8E84-426E-40DD-AFC4-6F175D3DCCD1}">
-                          <a14:hiddenFill xmlns:a14="http://schemas.microsoft.com/office/drawing/2010/main">
-                            <a:solidFill>
-                              <a:schemeClr val="accent1"/>
-                            </a:solidFill>
-                          </a14:hiddenFill>
-                        </a:ext>
-                        <a:ext uri="{91240B29-F687-4F45-9708-019B960494DF}">
-                          <a14:hiddenLine xmlns:a14="http://schemas.microsoft.com/office/drawing/2010/main" w="9525">
-                            <a:solidFill>
-                              <a:schemeClr val="tx1"/>
-                            </a:solidFill>
-                            <a:miter lim="800000"/>
-                            <a:headEnd/>
-                            <a:tailEnd/>
-                          </a14:hiddenLine>
-                        </a:ext>
-                        <a:ext uri="{AF507438-7753-43E0-B8FC-AC1667EBCBE1}">
-                          <a14:hiddenEffects xmlns:a14="http://schemas.microsoft.com/office/drawing/2010/main">
-                            <a:effectLst>
-                              <a:outerShdw dist="35921" dir="2700000" algn="ctr" rotWithShape="0">
-                                <a:schemeClr val="bg2"/>
-                              </a:outerShdw>
-                            </a:effectLst>
-                          </a14:hiddenEffects>
-                        </a:ext>
-                      </a:extLst>
-                    </p:spPr>
-                  </p:pic>
-                </p:oleObj>
-              </mc:Fallback>
-            </mc:AlternateContent>
+            <p:oleObj spid="_x0000_s23558" name="Visio" r:id="rId3" imgW="7248393" imgH="2219196" progId="Visio.Drawing.15">
+              <p:embed/>
+            </p:oleObj>
           </a:graphicData>
         </a:graphic>
       </p:graphicFrame>
@@ -2906,13 +2841,29 @@
           <a:p>
             <a:r>
               <a:rPr lang="de-DE" dirty="0" smtClean="0"/>
-              <a:t>Annahme: Weitere Sprachen werden dazu kommen</a:t>
-            </a:r>
-          </a:p>
-          <a:p>
-            <a:r>
-              <a:rPr lang="de-DE" dirty="0" smtClean="0"/>
-              <a:t>Weitere Transformationen werden bekannt werden</a:t>
+              <a:t>Annahmen: </a:t>
+            </a:r>
+          </a:p>
+          <a:p>
+            <a:pPr lvl="1"/>
+            <a:r>
+              <a:rPr lang="de-DE" dirty="0" smtClean="0"/>
+              <a:t>Weitere </a:t>
+            </a:r>
+            <a:r>
+              <a:rPr lang="de-DE" dirty="0" smtClean="0"/>
+              <a:t>Sprachen werden dazu kommen</a:t>
+            </a:r>
+          </a:p>
+          <a:p>
+            <a:pPr lvl="1"/>
+            <a:r>
+              <a:rPr lang="de-DE" dirty="0" smtClean="0"/>
+              <a:t>Weitere Transformationen werden </a:t>
+            </a:r>
+            <a:r>
+              <a:rPr lang="de-DE" dirty="0" smtClean="0"/>
+              <a:t>benötigt werden</a:t>
             </a:r>
             <a:endParaRPr lang="de-DE" dirty="0"/>
           </a:p>
@@ -2946,15 +2897,7 @@
           <a:p>
             <a:r>
               <a:rPr lang="de-DE" dirty="0" smtClean="0"/>
-              <a:t>Transformationen </a:t>
-            </a:r>
-            <a:r>
-              <a:rPr lang="de-DE" dirty="0" smtClean="0"/>
-              <a:t>(</a:t>
-            </a:r>
-            <a:r>
-              <a:rPr lang="de-DE" dirty="0" smtClean="0"/>
-              <a:t>IDP 1) – Diskussion &amp; Entscheidung</a:t>
+              <a:t>Transformationen (IDP 1) – Diskussion &amp; Entscheidung</a:t>
             </a:r>
             <a:endParaRPr lang="de-DE" dirty="0"/>
           </a:p>
@@ -2969,7 +2912,7 @@
           <p:nvPr/>
         </p:nvGraphicFramePr>
         <p:xfrm>
-          <a:off x="642910" y="2428868"/>
+          <a:off x="642910" y="2656570"/>
           <a:ext cx="7929620" cy="3364718"/>
         </p:xfrm>
         <a:graphic>
@@ -3379,15 +3322,7 @@
           <a:p>
             <a:r>
               <a:rPr lang="de-DE" dirty="0" smtClean="0"/>
-              <a:t>Transformationen </a:t>
-            </a:r>
-            <a:r>
-              <a:rPr lang="de-DE" dirty="0" smtClean="0"/>
-              <a:t>(</a:t>
-            </a:r>
-            <a:r>
-              <a:rPr lang="de-DE" dirty="0" smtClean="0"/>
-              <a:t>IDP 1) – Implementierung</a:t>
+              <a:t>Transformationen (IDP 1) – Implementierung</a:t>
             </a:r>
             <a:br>
               <a:rPr lang="de-DE" dirty="0" smtClean="0"/>
@@ -3409,64 +3344,34 @@
           <p:nvPr/>
         </p:nvGraphicFramePr>
         <p:xfrm>
-          <a:off x="1819275" y="1347788"/>
+          <a:off x="1819275" y="1160748"/>
           <a:ext cx="5505450" cy="4162425"/>
         </p:xfrm>
         <a:graphic>
           <a:graphicData uri="http://schemas.openxmlformats.org/presentationml/2006/ole">
-            <mc:AlternateContent xmlns:mc="http://schemas.openxmlformats.org/markup-compatibility/2006">
-              <mc:Choice xmlns:v="urn:schemas-microsoft-com:vml" Requires="v">
-                <p:oleObj spid="_x0000_s1033" name="Visio" r:id="rId3" imgW="5505444" imgH="4162412" progId="Visio.Drawing.15">
-                  <p:embed/>
-                </p:oleObj>
-              </mc:Choice>
-              <mc:Fallback>
-                <p:oleObj name="Visio" r:id="rId3" imgW="5505444" imgH="4162412" progId="Visio.Drawing.15">
-                  <p:embed/>
-                  <p:pic>
-                    <p:nvPicPr>
-                      <p:cNvPr id="0" name="Picture 4"/>
-                      <p:cNvPicPr>
-                        <a:picLocks noChangeAspect="1" noChangeArrowheads="1"/>
-                      </p:cNvPicPr>
-                      <p:nvPr/>
-                    </p:nvPicPr>
-                    <p:blipFill>
-                      <a:blip r:embed="rId4">
-                        <a:extLst>
-                          <a:ext uri="{28A0092B-C50C-407E-A947-70E740481C1C}">
-                            <a14:useLocalDpi xmlns:a14="http://schemas.microsoft.com/office/drawing/2010/main" val="0"/>
-                          </a:ext>
-                        </a:extLst>
-                      </a:blip>
-                      <a:srcRect/>
-                      <a:stretch>
-                        <a:fillRect/>
-                      </a:stretch>
-                    </p:blipFill>
-                    <p:spPr bwMode="auto">
-                      <a:xfrm>
-                        <a:off x="1819275" y="1347788"/>
-                        <a:ext cx="5505450" cy="4162425"/>
-                      </a:xfrm>
-                      <a:prstGeom prst="rect">
-                        <a:avLst/>
-                      </a:prstGeom>
-                      <a:noFill/>
-                      <a:extLst>
-                        <a:ext uri="{909E8E84-426E-40DD-AFC4-6F175D3DCCD1}">
-                          <a14:hiddenFill xmlns:a14="http://schemas.microsoft.com/office/drawing/2010/main">
-                            <a:solidFill>
-                              <a:srgbClr val="FFFFFF"/>
-                            </a:solidFill>
-                          </a14:hiddenFill>
-                        </a:ext>
-                      </a:extLst>
-                    </p:spPr>
-                  </p:pic>
-                </p:oleObj>
-              </mc:Fallback>
-            </mc:AlternateContent>
+            <p:oleObj spid="_x0000_s1033" name="Visio" r:id="rId3" imgW="5505444" imgH="4162376" progId="Visio.Drawing.15">
+              <p:embed/>
+            </p:oleObj>
+          </a:graphicData>
+        </a:graphic>
+      </p:graphicFrame>
+      <p:graphicFrame>
+        <p:nvGraphicFramePr>
+          <p:cNvPr id="6" name="Object 3"/>
+          <p:cNvGraphicFramePr>
+            <a:graphicFrameLocks noChangeAspect="1"/>
+          </p:cNvGraphicFramePr>
+          <p:nvPr/>
+        </p:nvGraphicFramePr>
+        <p:xfrm>
+          <a:off x="1819275" y="1160748"/>
+          <a:ext cx="5505450" cy="4162425"/>
+        </p:xfrm>
+        <a:graphic>
+          <a:graphicData uri="http://schemas.openxmlformats.org/presentationml/2006/ole">
+            <p:oleObj spid="_x0000_s1036" name="Visio" r:id="rId4" imgW="5505444" imgH="4162376" progId="Visio.Drawing.15">
+              <p:embed/>
+            </p:oleObj>
           </a:graphicData>
         </a:graphic>
       </p:graphicFrame>
@@ -3478,7 +3383,102 @@
   <p:timing>
     <p:tnLst>
       <p:par>
-        <p:cTn id="1" dur="indefinite" restart="never" nodeType="tmRoot"/>
+        <p:cTn id="1" dur="indefinite" restart="never" nodeType="tmRoot">
+          <p:childTnLst>
+            <p:seq concurrent="1" nextAc="seek">
+              <p:cTn id="2" dur="indefinite" nodeType="mainSeq">
+                <p:childTnLst>
+                  <p:par>
+                    <p:cTn id="3" fill="hold">
+                      <p:stCondLst>
+                        <p:cond delay="indefinite"/>
+                      </p:stCondLst>
+                      <p:childTnLst>
+                        <p:par>
+                          <p:cTn id="4" fill="hold">
+                            <p:stCondLst>
+                              <p:cond delay="0"/>
+                            </p:stCondLst>
+                            <p:childTnLst>
+                              <p:par>
+                                <p:cTn id="5" presetID="1" presetClass="exit" presetSubtype="0" fill="hold" nodeType="clickEffect">
+                                  <p:stCondLst>
+                                    <p:cond delay="0"/>
+                                  </p:stCondLst>
+                                  <p:childTnLst>
+                                    <p:set>
+                                      <p:cBhvr>
+                                        <p:cTn id="6" dur="1" fill="hold">
+                                          <p:stCondLst>
+                                            <p:cond delay="0"/>
+                                          </p:stCondLst>
+                                        </p:cTn>
+                                        <p:tgtEl>
+                                          <p:spTgt spid="4"/>
+                                        </p:tgtEl>
+                                        <p:attrNameLst>
+                                          <p:attrName>style.visibility</p:attrName>
+                                        </p:attrNameLst>
+                                      </p:cBhvr>
+                                      <p:to>
+                                        <p:strVal val="hidden"/>
+                                      </p:to>
+                                    </p:set>
+                                  </p:childTnLst>
+                                </p:cTn>
+                              </p:par>
+                              <p:par>
+                                <p:cTn id="7" presetID="1" presetClass="entr" presetSubtype="0" fill="hold" nodeType="withEffect">
+                                  <p:stCondLst>
+                                    <p:cond delay="0"/>
+                                  </p:stCondLst>
+                                  <p:childTnLst>
+                                    <p:set>
+                                      <p:cBhvr>
+                                        <p:cTn id="8" dur="1" fill="hold">
+                                          <p:stCondLst>
+                                            <p:cond delay="0"/>
+                                          </p:stCondLst>
+                                        </p:cTn>
+                                        <p:tgtEl>
+                                          <p:spTgt spid="6"/>
+                                        </p:tgtEl>
+                                        <p:attrNameLst>
+                                          <p:attrName>style.visibility</p:attrName>
+                                        </p:attrNameLst>
+                                      </p:cBhvr>
+                                      <p:to>
+                                        <p:strVal val="visible"/>
+                                      </p:to>
+                                    </p:set>
+                                  </p:childTnLst>
+                                </p:cTn>
+                              </p:par>
+                            </p:childTnLst>
+                          </p:cTn>
+                        </p:par>
+                      </p:childTnLst>
+                    </p:cTn>
+                  </p:par>
+                </p:childTnLst>
+              </p:cTn>
+              <p:prevCondLst>
+                <p:cond evt="onPrev" delay="0">
+                  <p:tgtEl>
+                    <p:sldTgt/>
+                  </p:tgtEl>
+                </p:cond>
+              </p:prevCondLst>
+              <p:nextCondLst>
+                <p:cond evt="onNext" delay="0">
+                  <p:tgtEl>
+                    <p:sldTgt/>
+                  </p:tgtEl>
+                </p:cond>
+              </p:nextCondLst>
+            </p:seq>
+          </p:childTnLst>
+        </p:cTn>
       </p:par>
     </p:tnLst>
   </p:timing>
@@ -3512,36 +3512,51 @@
             <p:ph type="body" sz="quarter" idx="10"/>
           </p:nvPr>
         </p:nvSpPr>
-        <p:spPr/>
+        <p:spPr>
+          <a:xfrm>
+            <a:off x="250824" y="933450"/>
+            <a:ext cx="8569648" cy="4495813"/>
+          </a:xfrm>
+        </p:spPr>
         <p:txBody>
           <a:bodyPr/>
           <a:lstStyle/>
           <a:p>
             <a:r>
               <a:rPr lang="de-DE" dirty="0" smtClean="0"/>
-              <a:t>Metamodel und Model</a:t>
-            </a:r>
-          </a:p>
-          <a:p>
-            <a:r>
-              <a:rPr lang="de-DE" dirty="0" smtClean="0"/>
-              <a:t>Viewpoint is auch Metamodel</a:t>
-            </a:r>
-          </a:p>
-          <a:p>
-            <a:r>
-              <a:rPr lang="de-DE" dirty="0" smtClean="0"/>
-              <a:t>Model ist implizit eine View mit dem entspr. Viewpoint</a:t>
-            </a:r>
-          </a:p>
-          <a:p>
-            <a:pPr>
-              <a:buNone/>
-            </a:pPr>
-            <a:endParaRPr lang="de-DE" dirty="0" smtClean="0"/>
-          </a:p>
-          <a:p>
-            <a:endParaRPr lang="bg-BG" dirty="0"/>
+              <a:t>SFB 768</a:t>
+            </a:r>
+            <a:r>
+              <a:rPr lang="de-DE" dirty="0" smtClean="0"/>
+              <a:t>:</a:t>
+            </a:r>
+            <a:br>
+              <a:rPr lang="de-DE" dirty="0" smtClean="0"/>
+            </a:br>
+            <a:r>
+              <a:rPr lang="de-DE" dirty="0" smtClean="0"/>
+              <a:t>„</a:t>
+            </a:r>
+            <a:r>
+              <a:rPr lang="en-US" dirty="0" smtClean="0"/>
+              <a:t>Concept for an Integration-framework to enable the </a:t>
+            </a:r>
+            <a:r>
+              <a:rPr lang="en-US" dirty="0" err="1" smtClean="0"/>
+              <a:t>crossdisciplinary</a:t>
+            </a:r>
+            <a:r>
+              <a:rPr lang="en-US" dirty="0" smtClean="0"/>
+              <a:t> </a:t>
+            </a:r>
+            <a:r>
+              <a:rPr lang="en-US" dirty="0" smtClean="0"/>
+              <a:t>development </a:t>
+            </a:r>
+            <a:r>
+              <a:rPr lang="en-US" dirty="0" smtClean="0"/>
+              <a:t>of product-service-systems”</a:t>
+            </a:r>
           </a:p>
         </p:txBody>
       </p:sp>
@@ -3555,132 +3570,51 @@
             <p:ph type="title"/>
           </p:nvPr>
         </p:nvSpPr>
-        <p:spPr>
-          <a:xfrm>
-            <a:off x="250825" y="195526"/>
-            <a:ext cx="8031163" cy="600164"/>
-          </a:xfrm>
-        </p:spPr>
+        <p:spPr/>
         <p:txBody>
           <a:bodyPr/>
           <a:lstStyle/>
           <a:p>
             <a:r>
               <a:rPr lang="de-DE" dirty="0" smtClean="0"/>
-              <a:t>Transformationen </a:t>
-            </a:r>
-            <a:r>
-              <a:rPr lang="de-DE" dirty="0" smtClean="0"/>
-              <a:t>(</a:t>
-            </a:r>
-            <a:r>
-              <a:rPr lang="de-DE" dirty="0" smtClean="0"/>
-              <a:t>IDP 1) – Implementierung</a:t>
-            </a:r>
-            <a:br>
-              <a:rPr lang="de-DE" dirty="0" smtClean="0"/>
-            </a:br>
-            <a:r>
-              <a:rPr lang="de-DE" sz="1400" dirty="0" smtClean="0"/>
-              <a:t>Metamodel und Model</a:t>
-            </a:r>
-            <a:endParaRPr lang="bg-BG" sz="1400" dirty="0"/>
+              <a:t>Grundlage – Das PSS-Integrationsframework (PSS-IF)</a:t>
+            </a:r>
+            <a:endParaRPr lang="bg-BG" dirty="0"/>
           </a:p>
         </p:txBody>
       </p:sp>
-      <p:graphicFrame>
-        <p:nvGraphicFramePr>
-          <p:cNvPr id="2051" name="Object 3"/>
-          <p:cNvGraphicFramePr>
-            <a:graphicFrameLocks noChangeAspect="1"/>
-          </p:cNvGraphicFramePr>
+      <p:pic>
+        <p:nvPicPr>
+          <p:cNvPr id="8193" name="Picture 1"/>
+          <p:cNvPicPr>
+            <a:picLocks noChangeAspect="1" noChangeArrowheads="1"/>
+          </p:cNvPicPr>
           <p:nvPr/>
-        </p:nvGraphicFramePr>
-        <p:xfrm>
-          <a:off x="250824" y="2500306"/>
-          <a:ext cx="6334473" cy="2755907"/>
-        </p:xfrm>
-        <a:graphic>
-          <a:graphicData uri="http://schemas.openxmlformats.org/presentationml/2006/ole">
-            <mc:AlternateContent xmlns:mc="http://schemas.openxmlformats.org/markup-compatibility/2006">
-              <mc:Choice xmlns:v="urn:schemas-microsoft-com:vml" Requires="v">
-                <p:oleObj spid="_x0000_s2060" name="Visio" r:id="rId3" imgW="7334205" imgH="3190939" progId="Visio.Drawing.15">
-                  <p:embed/>
-                </p:oleObj>
-              </mc:Choice>
-              <mc:Fallback>
-                <p:oleObj name="Visio" r:id="rId3" imgW="7334205" imgH="3190939" progId="Visio.Drawing.15">
-                  <p:embed/>
-                  <p:pic>
-                    <p:nvPicPr>
-                      <p:cNvPr id="0" name="Picture 7"/>
-                      <p:cNvPicPr>
-                        <a:picLocks noChangeAspect="1" noChangeArrowheads="1"/>
-                      </p:cNvPicPr>
-                      <p:nvPr/>
-                    </p:nvPicPr>
-                    <p:blipFill>
-                      <a:blip r:embed="rId4">
-                        <a:extLst>
-                          <a:ext uri="{28A0092B-C50C-407E-A947-70E740481C1C}">
-                            <a14:useLocalDpi xmlns:a14="http://schemas.microsoft.com/office/drawing/2010/main" val="0"/>
-                          </a:ext>
-                        </a:extLst>
-                      </a:blip>
-                      <a:srcRect/>
-                      <a:stretch>
-                        <a:fillRect/>
-                      </a:stretch>
-                    </p:blipFill>
-                    <p:spPr bwMode="auto">
-                      <a:xfrm>
-                        <a:off x="250824" y="2500306"/>
-                        <a:ext cx="6334473" cy="2755907"/>
-                      </a:xfrm>
-                      <a:prstGeom prst="rect">
-                        <a:avLst/>
-                      </a:prstGeom>
-                      <a:noFill/>
-                      <a:ln>
-                        <a:noFill/>
-                      </a:ln>
-                      <a:effectLst/>
-                      <a:extLst>
-                        <a:ext uri="{909E8E84-426E-40DD-AFC4-6F175D3DCCD1}">
-                          <a14:hiddenFill xmlns:a14="http://schemas.microsoft.com/office/drawing/2010/main">
-                            <a:solidFill>
-                              <a:schemeClr val="accent1"/>
-                            </a:solidFill>
-                          </a14:hiddenFill>
-                        </a:ext>
-                        <a:ext uri="{91240B29-F687-4F45-9708-019B960494DF}">
-                          <a14:hiddenLine xmlns:a14="http://schemas.microsoft.com/office/drawing/2010/main" w="9525">
-                            <a:solidFill>
-                              <a:schemeClr val="tx1"/>
-                            </a:solidFill>
-                            <a:miter lim="800000"/>
-                            <a:headEnd/>
-                            <a:tailEnd/>
-                          </a14:hiddenLine>
-                        </a:ext>
-                        <a:ext uri="{AF507438-7753-43E0-B8FC-AC1667EBCBE1}">
-                          <a14:hiddenEffects xmlns:a14="http://schemas.microsoft.com/office/drawing/2010/main">
-                            <a:effectLst>
-                              <a:outerShdw dist="35921" dir="2700000" algn="ctr" rotWithShape="0">
-                                <a:schemeClr val="bg2"/>
-                              </a:outerShdw>
-                            </a:effectLst>
-                          </a14:hiddenEffects>
-                        </a:ext>
-                      </a:extLst>
-                    </p:spPr>
-                  </p:pic>
-                </p:oleObj>
-              </mc:Fallback>
-            </mc:AlternateContent>
-          </a:graphicData>
-        </a:graphic>
-      </p:graphicFrame>
+        </p:nvPicPr>
+        <p:blipFill>
+          <a:blip r:embed="rId2" cstate="print"/>
+          <a:srcRect/>
+          <a:stretch>
+            <a:fillRect/>
+          </a:stretch>
+        </p:blipFill>
+        <p:spPr bwMode="auto">
+          <a:xfrm>
+            <a:off x="2562225" y="2119089"/>
+            <a:ext cx="4019550" cy="3686175"/>
+          </a:xfrm>
+          <a:prstGeom prst="rect">
+            <a:avLst/>
+          </a:prstGeom>
+          <a:noFill/>
+          <a:ln w="9525">
+            <a:noFill/>
+            <a:miter lim="800000"/>
+            <a:headEnd/>
+            <a:tailEnd/>
+          </a:ln>
+        </p:spPr>
+      </p:pic>
     </p:spTree>
   </p:cSld>
   <p:clrMapOvr>
@@ -3715,7 +3649,43 @@
       </p:grpSpPr>
       <p:sp>
         <p:nvSpPr>
-          <p:cNvPr id="3" name="Titel 2"/>
+          <p:cNvPr id="2" name="Text Placeholder 1"/>
+          <p:cNvSpPr>
+            <a:spLocks noGrp="1"/>
+          </p:cNvSpPr>
+          <p:nvPr>
+            <p:ph type="body" sz="quarter" idx="10"/>
+          </p:nvPr>
+        </p:nvSpPr>
+        <p:spPr>
+          <a:xfrm>
+            <a:off x="250824" y="933450"/>
+            <a:ext cx="8569648" cy="4495813"/>
+          </a:xfrm>
+        </p:spPr>
+        <p:txBody>
+          <a:bodyPr/>
+          <a:lstStyle/>
+          <a:p>
+            <a:r>
+              <a:rPr lang="de-DE" dirty="0" smtClean="0"/>
+              <a:t>Beschreibungssprache in Anlehnung an PSS-IF Meta-Meta-Level</a:t>
+            </a:r>
+          </a:p>
+          <a:p>
+            <a:r>
+              <a:rPr lang="de-DE" dirty="0" smtClean="0"/>
+              <a:t>Zugriff auf Daten nur über ein Metamodel (Instanz des Meta-Meta-Levels)</a:t>
+            </a:r>
+          </a:p>
+          <a:p>
+            <a:endParaRPr lang="bg-BG" dirty="0"/>
+          </a:p>
+        </p:txBody>
+      </p:sp>
+      <p:sp>
+        <p:nvSpPr>
+          <p:cNvPr id="3" name="Title 2"/>
           <p:cNvSpPr>
             <a:spLocks noGrp="1"/>
           </p:cNvSpPr>
@@ -3735,94 +3705,36 @@
           <a:p>
             <a:r>
               <a:rPr lang="de-DE" dirty="0" smtClean="0"/>
-              <a:t>Transformationen </a:t>
-            </a:r>
-            <a:r>
-              <a:rPr lang="de-DE" dirty="0" smtClean="0"/>
-              <a:t>(</a:t>
-            </a:r>
-            <a:r>
-              <a:rPr lang="de-DE" dirty="0" smtClean="0"/>
-              <a:t>IDP 1) – Implementierung</a:t>
+              <a:t>Transformationen (IDP 1) – Implementierung</a:t>
             </a:r>
             <a:br>
               <a:rPr lang="de-DE" dirty="0" smtClean="0"/>
             </a:br>
             <a:r>
               <a:rPr lang="de-DE" sz="1400" dirty="0" smtClean="0"/>
-              <a:t>Konzept</a:t>
-            </a:r>
-            <a:endParaRPr lang="de-DE" sz="1400" dirty="0"/>
+              <a:t>Metamodel und Model</a:t>
+            </a:r>
+            <a:endParaRPr lang="bg-BG" sz="1400" dirty="0"/>
           </a:p>
         </p:txBody>
       </p:sp>
       <p:graphicFrame>
         <p:nvGraphicFramePr>
-          <p:cNvPr id="4" name="Object 3"/>
+          <p:cNvPr id="2051" name="Object 3"/>
           <p:cNvGraphicFramePr>
             <a:graphicFrameLocks noChangeAspect="1"/>
           </p:cNvGraphicFramePr>
           <p:nvPr/>
         </p:nvGraphicFramePr>
         <p:xfrm>
-          <a:off x="1819275" y="1347788"/>
-          <a:ext cx="5505450" cy="4162425"/>
+          <a:off x="456756" y="2204864"/>
+          <a:ext cx="8275544" cy="3600399"/>
         </p:xfrm>
         <a:graphic>
           <a:graphicData uri="http://schemas.openxmlformats.org/presentationml/2006/ole">
-            <mc:AlternateContent xmlns:mc="http://schemas.openxmlformats.org/markup-compatibility/2006">
-              <mc:Choice xmlns:v="urn:schemas-microsoft-com:vml" Requires="v">
-                <p:oleObj spid="_x0000_s27655" name="Visio" r:id="rId3" imgW="5505444" imgH="4162412" progId="Visio.Drawing.15">
-                  <p:embed/>
-                </p:oleObj>
-              </mc:Choice>
-              <mc:Fallback>
-                <p:oleObj name="Visio" r:id="rId3" imgW="5505444" imgH="4162412" progId="Visio.Drawing.15">
-                  <p:embed/>
-                  <p:pic>
-                    <p:nvPicPr>
-                      <p:cNvPr id="0" name="Object 4"/>
-                      <p:cNvPicPr>
-                        <a:picLocks noChangeAspect="1" noChangeArrowheads="1"/>
-                      </p:cNvPicPr>
-                      <p:nvPr/>
-                    </p:nvPicPr>
-                    <p:blipFill>
-                      <a:blip r:embed="rId4">
-                        <a:extLst>
-                          <a:ext uri="{28A0092B-C50C-407E-A947-70E740481C1C}">
-                            <a14:useLocalDpi xmlns:a14="http://schemas.microsoft.com/office/drawing/2010/main" val="0"/>
-                          </a:ext>
-                        </a:extLst>
-                      </a:blip>
-                      <a:srcRect/>
-                      <a:stretch>
-                        <a:fillRect/>
-                      </a:stretch>
-                    </p:blipFill>
-                    <p:spPr bwMode="auto">
-                      <a:xfrm>
-                        <a:off x="1819275" y="1347788"/>
-                        <a:ext cx="5505450" cy="4162425"/>
-                      </a:xfrm>
-                      <a:prstGeom prst="rect">
-                        <a:avLst/>
-                      </a:prstGeom>
-                      <a:noFill/>
-                      <a:extLst>
-                        <a:ext uri="{909E8E84-426E-40DD-AFC4-6F175D3DCCD1}">
-                          <a14:hiddenFill xmlns:a14="http://schemas.microsoft.com/office/drawing/2010/main">
-                            <a:solidFill>
-                              <a:srgbClr val="FFFFFF"/>
-                            </a:solidFill>
-                          </a14:hiddenFill>
-                        </a:ext>
-                      </a:extLst>
-                    </p:spPr>
-                  </p:pic>
-                </p:oleObj>
-              </mc:Fallback>
-            </mc:AlternateContent>
+            <p:oleObj spid="_x0000_s2060" name="Visio" r:id="rId3" imgW="7334205" imgH="3190939" progId="Visio.Drawing.15">
+              <p:embed/>
+            </p:oleObj>
           </a:graphicData>
         </a:graphic>
       </p:graphicFrame>
@@ -3860,96 +3772,7 @@
       </p:grpSpPr>
       <p:sp>
         <p:nvSpPr>
-          <p:cNvPr id="2" name="Text Placeholder 1"/>
-          <p:cNvSpPr>
-            <a:spLocks noGrp="1"/>
-          </p:cNvSpPr>
-          <p:nvPr>
-            <p:ph type="body" sz="quarter" idx="10"/>
-          </p:nvPr>
-        </p:nvSpPr>
-        <p:spPr/>
-        <p:txBody>
-          <a:bodyPr/>
-          <a:lstStyle/>
-          <a:p>
-            <a:r>
-              <a:rPr lang="de-DE" dirty="0" smtClean="0"/>
-              <a:t>Implizit durch:</a:t>
-            </a:r>
-          </a:p>
-          <a:p>
-            <a:pPr lvl="1"/>
-            <a:r>
-              <a:rPr lang="de-DE" dirty="0" smtClean="0"/>
-              <a:t>Menge an vordefinierten atomarer Transformationen</a:t>
-            </a:r>
-          </a:p>
-          <a:p>
-            <a:pPr lvl="1"/>
-            <a:r>
-              <a:rPr lang="de-DE" dirty="0" smtClean="0"/>
-              <a:t>Sukzessiver Aufbau des Viewpoints durch Anwendung atomarer Transformationsregeln auf ein Metamodel</a:t>
-            </a:r>
-          </a:p>
-          <a:p>
-            <a:r>
-              <a:rPr lang="de-DE" dirty="0" smtClean="0"/>
-              <a:t>Atomare Transformationen:</a:t>
-            </a:r>
-          </a:p>
-          <a:p>
-            <a:pPr lvl="1"/>
-            <a:r>
-              <a:rPr lang="de-DE" dirty="0" err="1" smtClean="0"/>
-              <a:t>Rename</a:t>
-            </a:r>
-            <a:endParaRPr lang="de-DE" dirty="0" smtClean="0"/>
-          </a:p>
-          <a:p>
-            <a:pPr lvl="1"/>
-            <a:r>
-              <a:rPr lang="de-DE" dirty="0" smtClean="0"/>
-              <a:t>Alias</a:t>
-            </a:r>
-          </a:p>
-          <a:p>
-            <a:pPr lvl="1"/>
-            <a:r>
-              <a:rPr lang="de-DE" dirty="0" err="1" smtClean="0"/>
-              <a:t>Artificialize</a:t>
-            </a:r>
-            <a:endParaRPr lang="de-DE" dirty="0" smtClean="0"/>
-          </a:p>
-          <a:p>
-            <a:pPr lvl="1"/>
-            <a:r>
-              <a:rPr lang="de-DE" dirty="0" err="1" smtClean="0"/>
-              <a:t>Hide</a:t>
-            </a:r>
-            <a:endParaRPr lang="de-DE" dirty="0" smtClean="0"/>
-          </a:p>
-          <a:p>
-            <a:pPr lvl="1"/>
-            <a:r>
-              <a:rPr lang="de-DE" dirty="0" err="1" smtClean="0"/>
-              <a:t>Deinstantify</a:t>
-            </a:r>
-            <a:endParaRPr lang="de-DE" dirty="0" smtClean="0"/>
-          </a:p>
-          <a:p>
-            <a:pPr lvl="1"/>
-            <a:r>
-              <a:rPr lang="de-DE" dirty="0" err="1" smtClean="0"/>
-              <a:t>Join</a:t>
-            </a:r>
-            <a:endParaRPr lang="de-DE" dirty="0" smtClean="0"/>
-          </a:p>
-        </p:txBody>
-      </p:sp>
-      <p:sp>
-        <p:nvSpPr>
-          <p:cNvPr id="3" name="Title 2"/>
+          <p:cNvPr id="3" name="Titel 2"/>
           <p:cNvSpPr>
             <a:spLocks noGrp="1"/>
           </p:cNvSpPr>
@@ -3969,27 +3792,59 @@
           <a:p>
             <a:r>
               <a:rPr lang="de-DE" dirty="0" smtClean="0"/>
-              <a:t>Transformationen </a:t>
-            </a:r>
-            <a:r>
-              <a:rPr lang="de-DE" dirty="0" smtClean="0"/>
-              <a:t>(</a:t>
-            </a:r>
-            <a:r>
-              <a:rPr lang="de-DE" dirty="0" smtClean="0"/>
-              <a:t>IDP 1) – Implementierung</a:t>
+              <a:t>Transformationen (IDP 1) – Implementierung</a:t>
             </a:r>
             <a:br>
               <a:rPr lang="de-DE" dirty="0" smtClean="0"/>
             </a:br>
             <a:r>
               <a:rPr lang="de-DE" sz="1400" dirty="0" smtClean="0"/>
-              <a:t>Realisierung der (Modell)Transformationen</a:t>
-            </a:r>
-            <a:endParaRPr lang="bg-BG" sz="1400" dirty="0"/>
+              <a:t>Konzept</a:t>
+            </a:r>
+            <a:endParaRPr lang="de-DE" sz="1400" dirty="0"/>
           </a:p>
         </p:txBody>
       </p:sp>
+      <p:graphicFrame>
+        <p:nvGraphicFramePr>
+          <p:cNvPr id="4" name="Object 3"/>
+          <p:cNvGraphicFramePr>
+            <a:graphicFrameLocks noChangeAspect="1"/>
+          </p:cNvGraphicFramePr>
+          <p:nvPr/>
+        </p:nvGraphicFramePr>
+        <p:xfrm>
+          <a:off x="1819275" y="1347788"/>
+          <a:ext cx="5505450" cy="4162425"/>
+        </p:xfrm>
+        <a:graphic>
+          <a:graphicData uri="http://schemas.openxmlformats.org/presentationml/2006/ole">
+            <p:oleObj spid="_x0000_s27655" name="Visio" r:id="rId3" imgW="5505444" imgH="4162412" progId="Visio.Drawing.15">
+              <p:embed/>
+            </p:oleObj>
+          </a:graphicData>
+        </a:graphic>
+      </p:graphicFrame>
+      <p:graphicFrame>
+        <p:nvGraphicFramePr>
+          <p:cNvPr id="5" name="Object 3"/>
+          <p:cNvGraphicFramePr>
+            <a:graphicFrameLocks noChangeAspect="1"/>
+          </p:cNvGraphicFramePr>
+          <p:nvPr/>
+        </p:nvGraphicFramePr>
+        <p:xfrm>
+          <a:off x="1819275" y="1347788"/>
+          <a:ext cx="5505450" cy="4162425"/>
+        </p:xfrm>
+        <a:graphic>
+          <a:graphicData uri="http://schemas.openxmlformats.org/presentationml/2006/ole">
+            <p:oleObj spid="_x0000_s27656" name="Visio" r:id="rId4" imgW="5505444" imgH="4162376" progId="Visio.Drawing.15">
+              <p:embed/>
+            </p:oleObj>
+          </a:graphicData>
+        </a:graphic>
+      </p:graphicFrame>
     </p:spTree>
   </p:cSld>
   <p:clrMapOvr>
@@ -3998,7 +3853,102 @@
   <p:timing>
     <p:tnLst>
       <p:par>
-        <p:cTn id="1" dur="indefinite" restart="never" nodeType="tmRoot"/>
+        <p:cTn id="1" dur="indefinite" restart="never" nodeType="tmRoot">
+          <p:childTnLst>
+            <p:seq concurrent="1" nextAc="seek">
+              <p:cTn id="2" dur="indefinite" nodeType="mainSeq">
+                <p:childTnLst>
+                  <p:par>
+                    <p:cTn id="3" fill="hold">
+                      <p:stCondLst>
+                        <p:cond delay="indefinite"/>
+                      </p:stCondLst>
+                      <p:childTnLst>
+                        <p:par>
+                          <p:cTn id="4" fill="hold">
+                            <p:stCondLst>
+                              <p:cond delay="0"/>
+                            </p:stCondLst>
+                            <p:childTnLst>
+                              <p:par>
+                                <p:cTn id="5" presetID="1" presetClass="exit" presetSubtype="0" fill="hold" nodeType="clickEffect">
+                                  <p:stCondLst>
+                                    <p:cond delay="0"/>
+                                  </p:stCondLst>
+                                  <p:childTnLst>
+                                    <p:set>
+                                      <p:cBhvr>
+                                        <p:cTn id="6" dur="1" fill="hold">
+                                          <p:stCondLst>
+                                            <p:cond delay="0"/>
+                                          </p:stCondLst>
+                                        </p:cTn>
+                                        <p:tgtEl>
+                                          <p:spTgt spid="4"/>
+                                        </p:tgtEl>
+                                        <p:attrNameLst>
+                                          <p:attrName>style.visibility</p:attrName>
+                                        </p:attrNameLst>
+                                      </p:cBhvr>
+                                      <p:to>
+                                        <p:strVal val="hidden"/>
+                                      </p:to>
+                                    </p:set>
+                                  </p:childTnLst>
+                                </p:cTn>
+                              </p:par>
+                              <p:par>
+                                <p:cTn id="7" presetID="1" presetClass="entr" presetSubtype="0" fill="hold" nodeType="withEffect">
+                                  <p:stCondLst>
+                                    <p:cond delay="0"/>
+                                  </p:stCondLst>
+                                  <p:childTnLst>
+                                    <p:set>
+                                      <p:cBhvr>
+                                        <p:cTn id="8" dur="1" fill="hold">
+                                          <p:stCondLst>
+                                            <p:cond delay="0"/>
+                                          </p:stCondLst>
+                                        </p:cTn>
+                                        <p:tgtEl>
+                                          <p:spTgt spid="5"/>
+                                        </p:tgtEl>
+                                        <p:attrNameLst>
+                                          <p:attrName>style.visibility</p:attrName>
+                                        </p:attrNameLst>
+                                      </p:cBhvr>
+                                      <p:to>
+                                        <p:strVal val="visible"/>
+                                      </p:to>
+                                    </p:set>
+                                  </p:childTnLst>
+                                </p:cTn>
+                              </p:par>
+                            </p:childTnLst>
+                          </p:cTn>
+                        </p:par>
+                      </p:childTnLst>
+                    </p:cTn>
+                  </p:par>
+                </p:childTnLst>
+              </p:cTn>
+              <p:prevCondLst>
+                <p:cond evt="onPrev" delay="0">
+                  <p:tgtEl>
+                    <p:sldTgt/>
+                  </p:tgtEl>
+                </p:cond>
+              </p:prevCondLst>
+              <p:nextCondLst>
+                <p:cond evt="onNext" delay="0">
+                  <p:tgtEl>
+                    <p:sldTgt/>
+                  </p:tgtEl>
+                </p:cond>
+              </p:nextCondLst>
+            </p:seq>
+          </p:childTnLst>
+        </p:cTn>
       </p:par>
     </p:tnLst>
   </p:timing>
@@ -4024,6 +3974,182 @@
       </p:grpSpPr>
       <p:sp>
         <p:nvSpPr>
+          <p:cNvPr id="2" name="Text Placeholder 1"/>
+          <p:cNvSpPr>
+            <a:spLocks noGrp="1"/>
+          </p:cNvSpPr>
+          <p:nvPr>
+            <p:ph type="body" sz="quarter" idx="10"/>
+          </p:nvPr>
+        </p:nvSpPr>
+        <p:spPr>
+          <a:xfrm>
+            <a:off x="250824" y="933450"/>
+            <a:ext cx="8641656" cy="4495813"/>
+          </a:xfrm>
+        </p:spPr>
+        <p:txBody>
+          <a:bodyPr/>
+          <a:lstStyle/>
+          <a:p>
+            <a:r>
+              <a:rPr lang="de-DE" dirty="0" smtClean="0"/>
+              <a:t>Aufbau von </a:t>
+            </a:r>
+            <a:r>
+              <a:rPr lang="de-DE" dirty="0" err="1" smtClean="0"/>
+              <a:t>Viewpoint</a:t>
+            </a:r>
+            <a:r>
+              <a:rPr lang="de-DE" dirty="0" smtClean="0"/>
+              <a:t> </a:t>
+            </a:r>
+            <a:r>
+              <a:rPr lang="de-DE" dirty="0" smtClean="0"/>
+              <a:t>und </a:t>
+            </a:r>
+            <a:r>
+              <a:rPr lang="de-DE" dirty="0" smtClean="0"/>
+              <a:t>View</a:t>
+            </a:r>
+          </a:p>
+          <a:p>
+            <a:pPr lvl="1"/>
+            <a:r>
+              <a:rPr lang="de-DE" dirty="0" smtClean="0"/>
+              <a:t>Sukzessive </a:t>
+            </a:r>
+            <a:r>
+              <a:rPr lang="de-DE" dirty="0" smtClean="0"/>
+              <a:t>durch Anwendung </a:t>
+            </a:r>
+            <a:r>
+              <a:rPr lang="de-DE" dirty="0" smtClean="0"/>
+              <a:t>atomarer Transformationen </a:t>
+            </a:r>
+            <a:r>
+              <a:rPr lang="de-DE" dirty="0" smtClean="0"/>
+              <a:t>auf ein </a:t>
+            </a:r>
+            <a:r>
+              <a:rPr lang="de-DE" dirty="0" smtClean="0"/>
+              <a:t>Metamodel</a:t>
+            </a:r>
+          </a:p>
+          <a:p>
+            <a:pPr lvl="1"/>
+            <a:r>
+              <a:rPr lang="de-DE" dirty="0" smtClean="0"/>
+              <a:t>Ein </a:t>
+            </a:r>
+            <a:r>
+              <a:rPr lang="de-DE" dirty="0" err="1" smtClean="0"/>
+              <a:t>Viewpoint</a:t>
+            </a:r>
+            <a:r>
+              <a:rPr lang="de-DE" dirty="0" smtClean="0"/>
+              <a:t> </a:t>
+            </a:r>
+            <a:r>
+              <a:rPr lang="de-DE" dirty="0" smtClean="0"/>
+              <a:t>ist ein Metamodel</a:t>
+            </a:r>
+          </a:p>
+          <a:p>
+            <a:pPr lvl="1"/>
+            <a:r>
+              <a:rPr lang="de-DE" dirty="0" smtClean="0"/>
+              <a:t>View </a:t>
+            </a:r>
+            <a:r>
+              <a:rPr lang="de-DE" dirty="0" smtClean="0"/>
+              <a:t>implizit mittels Operatoren im </a:t>
+            </a:r>
+            <a:r>
+              <a:rPr lang="de-DE" dirty="0" err="1" smtClean="0"/>
+              <a:t>Viewpoint</a:t>
+            </a:r>
+            <a:r>
+              <a:rPr lang="de-DE" dirty="0" smtClean="0"/>
+              <a:t> beschrieben</a:t>
+            </a:r>
+            <a:endParaRPr lang="de-DE" dirty="0" smtClean="0"/>
+          </a:p>
+          <a:p>
+            <a:endParaRPr lang="de-DE" dirty="0" smtClean="0"/>
+          </a:p>
+          <a:p>
+            <a:endParaRPr lang="de-DE" dirty="0" smtClean="0"/>
+          </a:p>
+          <a:p>
+            <a:r>
+              <a:rPr lang="de-DE" dirty="0" smtClean="0"/>
+              <a:t>A</a:t>
+            </a:r>
+            <a:r>
+              <a:rPr lang="de-DE" dirty="0" smtClean="0"/>
+              <a:t>tomare </a:t>
+            </a:r>
+            <a:r>
+              <a:rPr lang="de-DE" dirty="0" smtClean="0"/>
+              <a:t>Transformationen</a:t>
+            </a:r>
+          </a:p>
+          <a:p>
+            <a:pPr lvl="1"/>
+            <a:r>
+              <a:rPr lang="de-DE" dirty="0" err="1" smtClean="0"/>
+              <a:t>Rename</a:t>
+            </a:r>
+            <a:endParaRPr lang="de-DE" dirty="0" smtClean="0"/>
+          </a:p>
+          <a:p>
+            <a:pPr lvl="1"/>
+            <a:r>
+              <a:rPr lang="de-DE" dirty="0" smtClean="0"/>
+              <a:t>Alias</a:t>
+            </a:r>
+          </a:p>
+          <a:p>
+            <a:pPr lvl="1"/>
+            <a:r>
+              <a:rPr lang="de-DE" dirty="0" err="1" smtClean="0"/>
+              <a:t>Artificialize</a:t>
+            </a:r>
+            <a:endParaRPr lang="de-DE" dirty="0" smtClean="0"/>
+          </a:p>
+          <a:p>
+            <a:pPr lvl="1"/>
+            <a:r>
+              <a:rPr lang="de-DE" dirty="0" err="1" smtClean="0"/>
+              <a:t>Hide</a:t>
+            </a:r>
+            <a:endParaRPr lang="de-DE" dirty="0" smtClean="0"/>
+          </a:p>
+          <a:p>
+            <a:pPr lvl="1"/>
+            <a:r>
+              <a:rPr lang="de-DE" dirty="0" err="1" smtClean="0"/>
+              <a:t>Deinstantify</a:t>
+            </a:r>
+            <a:endParaRPr lang="de-DE" dirty="0" smtClean="0"/>
+          </a:p>
+          <a:p>
+            <a:pPr lvl="1"/>
+            <a:r>
+              <a:rPr lang="de-DE" dirty="0" err="1" smtClean="0"/>
+              <a:t>Join</a:t>
+            </a:r>
+            <a:endParaRPr lang="de-DE" dirty="0" smtClean="0"/>
+          </a:p>
+          <a:p>
+            <a:pPr lvl="1"/>
+            <a:endParaRPr lang="de-DE" dirty="0" smtClean="0"/>
+          </a:p>
+        </p:txBody>
+      </p:sp>
+      <p:sp>
+        <p:nvSpPr>
           <p:cNvPr id="3" name="Title 2"/>
           <p:cNvSpPr>
             <a:spLocks noGrp="1"/>
@@ -4044,116 +4170,19 @@
           <a:p>
             <a:r>
               <a:rPr lang="de-DE" dirty="0" smtClean="0"/>
-              <a:t>Transformationen </a:t>
-            </a:r>
-            <a:r>
-              <a:rPr lang="de-DE" dirty="0" smtClean="0"/>
-              <a:t>(IDP 1) – Implementierung</a:t>
+              <a:t>Transformationen (IDP 1) – Implementierung</a:t>
             </a:r>
             <a:br>
               <a:rPr lang="de-DE" dirty="0" smtClean="0"/>
             </a:br>
             <a:r>
               <a:rPr lang="de-DE" sz="1400" dirty="0" smtClean="0"/>
-              <a:t>Beispiel Umsatzorientierte Funtkionsmodellierung (UFM)</a:t>
+              <a:t>Realisierung der (Modell)Transformationen</a:t>
             </a:r>
             <a:endParaRPr lang="bg-BG" sz="1400" dirty="0"/>
           </a:p>
         </p:txBody>
       </p:sp>
-      <p:graphicFrame>
-        <p:nvGraphicFramePr>
-          <p:cNvPr id="5122" name="Object 2"/>
-          <p:cNvGraphicFramePr>
-            <a:graphicFrameLocks noChangeAspect="1"/>
-          </p:cNvGraphicFramePr>
-          <p:nvPr/>
-        </p:nvGraphicFramePr>
-        <p:xfrm>
-          <a:off x="539552" y="2004045"/>
-          <a:ext cx="8029575" cy="2505075"/>
-        </p:xfrm>
-        <a:graphic>
-          <a:graphicData uri="http://schemas.openxmlformats.org/presentationml/2006/ole">
-            <mc:AlternateContent xmlns:mc="http://schemas.openxmlformats.org/markup-compatibility/2006">
-              <mc:Choice xmlns:v="urn:schemas-microsoft-com:vml" Requires="v">
-                <p:oleObj spid="_x0000_s5129" name="Visio" r:id="rId3" imgW="8029604" imgH="2505178" progId="Visio.Drawing.15">
-                  <p:embed/>
-                </p:oleObj>
-              </mc:Choice>
-              <mc:Fallback>
-                <p:oleObj name="Visio" r:id="rId3" imgW="8029604" imgH="2505178" progId="Visio.Drawing.15">
-                  <p:embed/>
-                  <p:pic>
-                    <p:nvPicPr>
-                      <p:cNvPr id="0" name="Picture 4"/>
-                      <p:cNvPicPr>
-                        <a:picLocks noChangeAspect="1" noChangeArrowheads="1"/>
-                      </p:cNvPicPr>
-                      <p:nvPr/>
-                    </p:nvPicPr>
-                    <p:blipFill>
-                      <a:blip r:embed="rId4">
-                        <a:extLst>
-                          <a:ext uri="{28A0092B-C50C-407E-A947-70E740481C1C}">
-                            <a14:useLocalDpi xmlns:a14="http://schemas.microsoft.com/office/drawing/2010/main" val="0"/>
-                          </a:ext>
-                        </a:extLst>
-                      </a:blip>
-                      <a:srcRect/>
-                      <a:stretch>
-                        <a:fillRect/>
-                      </a:stretch>
-                    </p:blipFill>
-                    <p:spPr bwMode="auto">
-                      <a:xfrm>
-                        <a:off x="539552" y="2004045"/>
-                        <a:ext cx="8029575" cy="2505075"/>
-                      </a:xfrm>
-                      <a:prstGeom prst="rect">
-                        <a:avLst/>
-                      </a:prstGeom>
-                      <a:noFill/>
-                      <a:ln>
-                        <a:noFill/>
-                      </a:ln>
-                      <a:effectLst/>
-                      <a:extLst>
-                        <a:ext uri="{909E8E84-426E-40DD-AFC4-6F175D3DCCD1}">
-                          <a14:hiddenFill xmlns:a14="http://schemas.microsoft.com/office/drawing/2010/main">
-                            <a:solidFill>
-                              <a:schemeClr val="accent1"/>
-                            </a:solidFill>
-                          </a14:hiddenFill>
-                        </a:ext>
-                        <a:ext uri="{91240B29-F687-4F45-9708-019B960494DF}">
-                          <a14:hiddenLine xmlns:a14="http://schemas.microsoft.com/office/drawing/2010/main" w="9525">
-                            <a:solidFill>
-                              <a:schemeClr val="tx1"/>
-                            </a:solidFill>
-                            <a:miter lim="800000"/>
-                            <a:headEnd/>
-                            <a:tailEnd/>
-                          </a14:hiddenLine>
-                        </a:ext>
-                        <a:ext uri="{AF507438-7753-43E0-B8FC-AC1667EBCBE1}">
-                          <a14:hiddenEffects xmlns:a14="http://schemas.microsoft.com/office/drawing/2010/main">
-                            <a:effectLst>
-                              <a:outerShdw dist="35921" dir="2700000" algn="ctr" rotWithShape="0">
-                                <a:schemeClr val="bg2"/>
-                              </a:outerShdw>
-                            </a:effectLst>
-                          </a14:hiddenEffects>
-                        </a:ext>
-                      </a:extLst>
-                    </p:spPr>
-                  </p:pic>
-                </p:oleObj>
-              </mc:Fallback>
-            </mc:AlternateContent>
-          </a:graphicData>
-        </a:graphic>
-      </p:graphicFrame>
     </p:spTree>
   </p:cSld>
   <p:clrMapOvr>
@@ -4196,54 +4225,34 @@
             <p:ph type="body" sz="quarter" idx="10"/>
           </p:nvPr>
         </p:nvSpPr>
-        <p:spPr/>
+        <p:spPr>
+          <a:xfrm>
+            <a:off x="250824" y="933450"/>
+            <a:ext cx="8569648" cy="4495813"/>
+          </a:xfrm>
+        </p:spPr>
         <p:txBody>
           <a:bodyPr/>
           <a:lstStyle/>
           <a:p>
+            <a:pPr marL="342900" indent="-342900">
+              <a:buNone/>
+            </a:pPr>
+            <a:r>
+              <a:rPr lang="en-US" dirty="0" err="1" smtClean="0"/>
+              <a:t>Anforderung</a:t>
+            </a:r>
             <a:r>
               <a:rPr lang="en-US" dirty="0" smtClean="0"/>
-              <a:t>Create artificial Blocks (</a:t>
+              <a:t> an den Viewpoint </a:t>
             </a:r>
             <a:r>
               <a:rPr lang="en-US" dirty="0" err="1" smtClean="0"/>
-              <a:t>Artificialize</a:t>
+              <a:t>der</a:t>
             </a:r>
             <a:r>
               <a:rPr lang="en-US" dirty="0" smtClean="0"/>
-              <a:t>)</a:t>
-            </a:r>
-          </a:p>
-          <a:p>
-            <a:r>
-              <a:rPr lang="en-US" dirty="0" smtClean="0"/>
-              <a:t>Create artificial </a:t>
-            </a:r>
-            <a:r>
-              <a:rPr lang="en-US" dirty="0" err="1" smtClean="0"/>
-              <a:t>ControlFlow</a:t>
-            </a:r>
-            <a:r>
-              <a:rPr lang="en-US" dirty="0" smtClean="0"/>
-              <a:t> (</a:t>
-            </a:r>
-            <a:r>
-              <a:rPr lang="en-US" dirty="0" err="1" smtClean="0"/>
-              <a:t>Artificialize</a:t>
-            </a:r>
-            <a:r>
-              <a:rPr lang="en-US" dirty="0" smtClean="0"/>
-              <a:t>)</a:t>
-            </a:r>
-          </a:p>
-          <a:p>
-            <a:r>
-              <a:rPr lang="en-US" dirty="0" smtClean="0"/>
-              <a:t>Join </a:t>
-            </a:r>
-            <a:r>
-              <a:rPr lang="en-US" dirty="0" err="1" smtClean="0"/>
-              <a:t>InformationFlow</a:t>
+              <a:t> UFM</a:t>
             </a:r>
             <a:endParaRPr lang="en-US" dirty="0"/>
           </a:p>
@@ -4271,567 +4280,559 @@
           <a:p>
             <a:r>
               <a:rPr lang="de-DE" dirty="0" smtClean="0"/>
-              <a:t>Transformationen </a:t>
-            </a:r>
-            <a:r>
-              <a:rPr lang="de-DE" dirty="0" smtClean="0"/>
-              <a:t>(IDP 1) – Implementierung</a:t>
+              <a:t>Transformationen (IDP 1) – Implementierung</a:t>
             </a:r>
             <a:br>
               <a:rPr lang="de-DE" dirty="0" smtClean="0"/>
             </a:br>
             <a:r>
               <a:rPr lang="de-DE" sz="1400" dirty="0" smtClean="0"/>
-              <a:t>Beispiel Umsatzorientierte Funktionsmodellierung (UFM)</a:t>
+              <a:t>Beispiel Umsatzorientierte Funktionsmodellierung (UFM</a:t>
+            </a:r>
+            <a:r>
+              <a:rPr lang="de-DE" sz="1400" dirty="0" smtClean="0"/>
+              <a:t>)</a:t>
             </a:r>
             <a:endParaRPr lang="bg-BG" sz="1400" dirty="0"/>
+          </a:p>
+        </p:txBody>
+      </p:sp>
+      <p:graphicFrame>
+        <p:nvGraphicFramePr>
+          <p:cNvPr id="29702" name="Object 6"/>
+          <p:cNvGraphicFramePr>
+            <a:graphicFrameLocks noChangeAspect="1"/>
+          </p:cNvGraphicFramePr>
+          <p:nvPr/>
+        </p:nvGraphicFramePr>
+        <p:xfrm>
+          <a:off x="557213" y="2924944"/>
+          <a:ext cx="8029575" cy="2505075"/>
+        </p:xfrm>
+        <a:graphic>
+          <a:graphicData uri="http://schemas.openxmlformats.org/presentationml/2006/ole">
+            <p:oleObj spid="_x0000_s29702" name="Visio" r:id="rId3" imgW="8029661" imgH="2504984" progId="Visio.Drawing.15">
+              <p:embed/>
+            </p:oleObj>
+          </a:graphicData>
+        </a:graphic>
+      </p:graphicFrame>
+    </p:spTree>
+  </p:cSld>
+  <p:clrMapOvr>
+    <a:masterClrMapping/>
+  </p:clrMapOvr>
+  <p:timing>
+    <p:tnLst>
+      <p:par>
+        <p:cTn id="1" dur="indefinite" restart="never" nodeType="tmRoot"/>
+      </p:par>
+    </p:tnLst>
+  </p:timing>
+</p:sld>
+</file>
+
+<file path=ppt/slides/slide2.xml><?xml version="1.0" encoding="utf-8"?>
+<p:sld xmlns:a="http://schemas.openxmlformats.org/drawingml/2006/main" xmlns:r="http://schemas.openxmlformats.org/officeDocument/2006/relationships" xmlns:p="http://schemas.openxmlformats.org/presentationml/2006/main">
+  <p:cSld>
+    <p:spTree>
+      <p:nvGrpSpPr>
+        <p:cNvPr id="1" name=""/>
+        <p:cNvGrpSpPr/>
+        <p:nvPr/>
+      </p:nvGrpSpPr>
+      <p:grpSpPr>
+        <a:xfrm>
+          <a:off x="0" y="0"/>
+          <a:ext cx="0" cy="0"/>
+          <a:chOff x="0" y="0"/>
+          <a:chExt cx="0" cy="0"/>
+        </a:xfrm>
+      </p:grpSpPr>
+      <p:sp>
+        <p:nvSpPr>
+          <p:cNvPr id="5" name="Textplatzhalter 4"/>
+          <p:cNvSpPr>
+            <a:spLocks noGrp="1"/>
+          </p:cNvSpPr>
+          <p:nvPr>
+            <p:ph type="body" sz="quarter" idx="10"/>
+          </p:nvPr>
+        </p:nvSpPr>
+        <p:spPr>
+          <a:xfrm>
+            <a:off x="250824" y="933450"/>
+            <a:ext cx="8321704" cy="4495813"/>
+          </a:xfrm>
+        </p:spPr>
+        <p:txBody>
+          <a:bodyPr/>
+          <a:lstStyle/>
+          <a:p>
+            <a:r>
+              <a:rPr lang="en-US" dirty="0" err="1" smtClean="0"/>
+              <a:t>Wissen</a:t>
+            </a:r>
+            <a:r>
+              <a:rPr lang="en-US" dirty="0" smtClean="0"/>
+              <a:t> in </a:t>
+            </a:r>
+            <a:r>
+              <a:rPr lang="en-US" dirty="0" err="1" smtClean="0"/>
+              <a:t>fachspezifischen</a:t>
+            </a:r>
+            <a:r>
+              <a:rPr lang="en-US" dirty="0" smtClean="0"/>
+              <a:t> </a:t>
+            </a:r>
+            <a:r>
+              <a:rPr lang="en-US" dirty="0" err="1" smtClean="0"/>
+              <a:t>Modellen</a:t>
+            </a:r>
+            <a:r>
+              <a:rPr lang="en-US" dirty="0" smtClean="0"/>
+              <a:t> </a:t>
+            </a:r>
+            <a:r>
+              <a:rPr lang="en-US" dirty="0" err="1" smtClean="0"/>
+              <a:t>verteilt</a:t>
+            </a:r>
+            <a:endParaRPr lang="en-US" dirty="0" smtClean="0"/>
+          </a:p>
+          <a:p>
+            <a:r>
+              <a:rPr lang="en-US" dirty="0" err="1" smtClean="0"/>
+              <a:t>Kollaboration</a:t>
+            </a:r>
+            <a:r>
+              <a:rPr lang="en-US" dirty="0" smtClean="0"/>
+              <a:t> </a:t>
+            </a:r>
+            <a:r>
+              <a:rPr lang="en-US" dirty="0" err="1" smtClean="0"/>
+              <a:t>erforderlich</a:t>
+            </a:r>
+            <a:endParaRPr lang="en-US" dirty="0" smtClean="0"/>
+          </a:p>
+          <a:p>
+            <a:r>
+              <a:rPr lang="en-US" dirty="0" err="1" smtClean="0"/>
+              <a:t>Konsistentes</a:t>
+            </a:r>
+            <a:r>
+              <a:rPr lang="en-US" dirty="0" smtClean="0"/>
+              <a:t> </a:t>
+            </a:r>
+            <a:r>
+              <a:rPr lang="en-US" dirty="0" err="1" smtClean="0"/>
+              <a:t>Bild</a:t>
+            </a:r>
+            <a:r>
+              <a:rPr lang="en-US" dirty="0" smtClean="0"/>
+              <a:t> </a:t>
+            </a:r>
+            <a:r>
+              <a:rPr lang="en-US" dirty="0" err="1" smtClean="0"/>
+              <a:t>schwer</a:t>
+            </a:r>
+            <a:endParaRPr lang="en-US" dirty="0" smtClean="0"/>
+          </a:p>
+          <a:p>
+            <a:pPr>
+              <a:buNone/>
+            </a:pPr>
+            <a:r>
+              <a:rPr lang="en-US" dirty="0" smtClean="0"/>
+              <a:t>    </a:t>
+            </a:r>
+            <a:r>
+              <a:rPr lang="en-US" dirty="0" err="1" smtClean="0"/>
+              <a:t>zu</a:t>
+            </a:r>
+            <a:r>
+              <a:rPr lang="en-US" dirty="0" smtClean="0"/>
+              <a:t> </a:t>
+            </a:r>
+            <a:r>
+              <a:rPr lang="en-US" dirty="0" err="1" smtClean="0"/>
+              <a:t>schaffen</a:t>
+            </a:r>
+            <a:endParaRPr lang="en-US" dirty="0" smtClean="0"/>
           </a:p>
         </p:txBody>
       </p:sp>
       <p:sp>
         <p:nvSpPr>
-          <p:cNvPr id="7" name="Rechteck 6"/>
-          <p:cNvSpPr/>
+          <p:cNvPr id="3" name="Titel 2"/>
+          <p:cNvSpPr>
+            <a:spLocks noGrp="1"/>
+          </p:cNvSpPr>
+          <p:nvPr>
+            <p:ph type="title"/>
+          </p:nvPr>
+        </p:nvSpPr>
+        <p:spPr/>
+        <p:txBody>
+          <a:bodyPr/>
+          <a:lstStyle/>
+          <a:p>
+            <a:r>
+              <a:rPr lang="de-DE" dirty="0" smtClean="0"/>
+              <a:t>Motivation</a:t>
+            </a:r>
+            <a:endParaRPr lang="de-DE" dirty="0"/>
+          </a:p>
+        </p:txBody>
+      </p:sp>
+      <p:graphicFrame>
+        <p:nvGraphicFramePr>
+          <p:cNvPr id="9219" name="Object 3"/>
+          <p:cNvGraphicFramePr>
+            <a:graphicFrameLocks noChangeAspect="1"/>
+          </p:cNvGraphicFramePr>
           <p:nvPr/>
+        </p:nvGraphicFramePr>
+        <p:xfrm>
+          <a:off x="1979712" y="1484784"/>
+          <a:ext cx="6830900" cy="4534366"/>
+        </p:xfrm>
+        <a:graphic>
+          <a:graphicData uri="http://schemas.openxmlformats.org/presentationml/2006/ole">
+            <p:oleObj spid="_x0000_s9224" name="Visio" r:id="rId3" imgW="10363300" imgH="6886545" progId="Visio.Drawing.15">
+              <p:embed/>
+            </p:oleObj>
+          </a:graphicData>
+        </a:graphic>
+      </p:graphicFrame>
+    </p:spTree>
+  </p:cSld>
+  <p:clrMapOvr>
+    <a:masterClrMapping/>
+  </p:clrMapOvr>
+  <p:timing>
+    <p:tnLst>
+      <p:par>
+        <p:cTn id="1" dur="indefinite" restart="never" nodeType="tmRoot"/>
+      </p:par>
+    </p:tnLst>
+  </p:timing>
+</p:sld>
+</file>
+
+<file path=ppt/slides/slide20.xml><?xml version="1.0" encoding="utf-8"?>
+<p:sld xmlns:a="http://schemas.openxmlformats.org/drawingml/2006/main" xmlns:r="http://schemas.openxmlformats.org/officeDocument/2006/relationships" xmlns:p="http://schemas.openxmlformats.org/presentationml/2006/main">
+  <p:cSld>
+    <p:spTree>
+      <p:nvGrpSpPr>
+        <p:cNvPr id="1" name=""/>
+        <p:cNvGrpSpPr/>
+        <p:nvPr/>
+      </p:nvGrpSpPr>
+      <p:grpSpPr>
+        <a:xfrm>
+          <a:off x="0" y="0"/>
+          <a:ext cx="0" cy="0"/>
+          <a:chOff x="0" y="0"/>
+          <a:chExt cx="0" cy="0"/>
+        </a:xfrm>
+      </p:grpSpPr>
+      <p:graphicFrame>
+        <p:nvGraphicFramePr>
+          <p:cNvPr id="29707" name="Object 6"/>
+          <p:cNvGraphicFramePr>
+            <a:graphicFrameLocks noChangeAspect="1"/>
+          </p:cNvGraphicFramePr>
+          <p:nvPr/>
+        </p:nvGraphicFramePr>
+        <p:xfrm>
+          <a:off x="557213" y="2924944"/>
+          <a:ext cx="8029575" cy="2505075"/>
+        </p:xfrm>
+        <a:graphic>
+          <a:graphicData uri="http://schemas.openxmlformats.org/presentationml/2006/ole">
+            <p:oleObj spid="_x0000_s30724" name="Visio" r:id="rId3" imgW="8029661" imgH="2504984" progId="Visio.Drawing.15">
+              <p:embed/>
+            </p:oleObj>
+          </a:graphicData>
+        </a:graphic>
+      </p:graphicFrame>
+      <p:graphicFrame>
+        <p:nvGraphicFramePr>
+          <p:cNvPr id="29" name="Object 6"/>
+          <p:cNvGraphicFramePr>
+            <a:graphicFrameLocks noChangeAspect="1"/>
+          </p:cNvGraphicFramePr>
+          <p:nvPr/>
+        </p:nvGraphicFramePr>
+        <p:xfrm>
+          <a:off x="557213" y="2924944"/>
+          <a:ext cx="8029575" cy="2505075"/>
+        </p:xfrm>
+        <a:graphic>
+          <a:graphicData uri="http://schemas.openxmlformats.org/presentationml/2006/ole">
+            <p:oleObj spid="_x0000_s30725" name="Visio" r:id="rId4" imgW="8029661" imgH="2504984" progId="Visio.Drawing.15">
+              <p:embed/>
+            </p:oleObj>
+          </a:graphicData>
+        </a:graphic>
+      </p:graphicFrame>
+      <p:graphicFrame>
+        <p:nvGraphicFramePr>
+          <p:cNvPr id="32" name="Object 6"/>
+          <p:cNvGraphicFramePr>
+            <a:graphicFrameLocks noChangeAspect="1"/>
+          </p:cNvGraphicFramePr>
+          <p:nvPr/>
+        </p:nvGraphicFramePr>
+        <p:xfrm>
+          <a:off x="557213" y="2924944"/>
+          <a:ext cx="8029575" cy="2505075"/>
+        </p:xfrm>
+        <a:graphic>
+          <a:graphicData uri="http://schemas.openxmlformats.org/presentationml/2006/ole">
+            <p:oleObj spid="_x0000_s30726" name="Visio" r:id="rId5" imgW="8029661" imgH="2504984" progId="Visio.Drawing.15">
+              <p:embed/>
+            </p:oleObj>
+          </a:graphicData>
+        </a:graphic>
+      </p:graphicFrame>
+      <p:sp>
+        <p:nvSpPr>
+          <p:cNvPr id="19" name="Textplatzhalter 18"/>
+          <p:cNvSpPr>
+            <a:spLocks noGrp="1"/>
+          </p:cNvSpPr>
+          <p:nvPr>
+            <p:ph type="body" sz="quarter" idx="10"/>
+          </p:nvPr>
         </p:nvSpPr>
-        <p:spPr bwMode="auto">
+        <p:spPr>
           <a:xfrm>
-            <a:off x="1979712" y="5013176"/>
-            <a:ext cx="1512168" cy="554360"/>
+            <a:off x="250824" y="933450"/>
+            <a:ext cx="8569648" cy="4495813"/>
           </a:xfrm>
-          <a:prstGeom prst="rect">
-            <a:avLst/>
-          </a:prstGeom>
-          <a:ln>
-            <a:headEnd type="none" w="med" len="med"/>
-            <a:tailEnd type="triangle" w="med" len="med"/>
-          </a:ln>
         </p:spPr>
-        <p:style>
-          <a:lnRef idx="2">
-            <a:schemeClr val="dk1"/>
-          </a:lnRef>
-          <a:fillRef idx="1">
-            <a:schemeClr val="lt1"/>
-          </a:fillRef>
-          <a:effectRef idx="0">
-            <a:schemeClr val="dk1"/>
-          </a:effectRef>
-          <a:fontRef idx="minor">
-            <a:schemeClr val="dk1"/>
-          </a:fontRef>
-        </p:style>
         <p:txBody>
-          <a:bodyPr wrap="square" lIns="90000" tIns="46800" rIns="90000" bIns="46800" rtlCol="0" anchor="ctr">
-            <a:noAutofit/>
-          </a:bodyPr>
+          <a:bodyPr/>
           <a:lstStyle/>
           <a:p>
-            <a:pPr algn="ctr" eaLnBrk="0" hangingPunct="0"/>
-            <a:r>
-              <a:rPr lang="en-US" sz="1400" u="sng" dirty="0" smtClean="0"/>
-              <a:t>:State</a:t>
-            </a:r>
+            <a:pPr marL="342900" indent="-342900">
+              <a:buNone/>
+            </a:pPr>
+            <a:r>
+              <a:rPr lang="en-US" dirty="0" err="1" smtClean="0"/>
+              <a:t>Erzeugung</a:t>
+            </a:r>
+            <a:r>
+              <a:rPr lang="en-US" dirty="0" smtClean="0"/>
+              <a:t> </a:t>
+            </a:r>
+            <a:r>
+              <a:rPr lang="en-US" dirty="0" smtClean="0"/>
+              <a:t>des Viewpoints </a:t>
+            </a:r>
+            <a:r>
+              <a:rPr lang="en-US" dirty="0" err="1" smtClean="0"/>
+              <a:t>mittels</a:t>
+            </a:r>
+            <a:r>
+              <a:rPr lang="en-US" dirty="0" smtClean="0"/>
+              <a:t> </a:t>
+            </a:r>
+            <a:r>
+              <a:rPr lang="en-US" dirty="0" err="1" smtClean="0"/>
+              <a:t>Transformationen</a:t>
+            </a:r>
+            <a:endParaRPr lang="en-US" dirty="0" smtClean="0"/>
+          </a:p>
+          <a:p>
+            <a:pPr marL="342900" indent="-342900">
+              <a:buFont typeface="+mj-lt"/>
+              <a:buAutoNum type="arabicPeriod"/>
+            </a:pPr>
+            <a:r>
+              <a:rPr lang="en-US" dirty="0" err="1" smtClean="0"/>
+              <a:t>Erzeugen</a:t>
+            </a:r>
+            <a:r>
+              <a:rPr lang="en-US" dirty="0" smtClean="0"/>
+              <a:t> </a:t>
+            </a:r>
+            <a:r>
+              <a:rPr lang="en-US" dirty="0" err="1" smtClean="0"/>
+              <a:t>der</a:t>
+            </a:r>
+            <a:r>
+              <a:rPr lang="en-US" dirty="0" smtClean="0"/>
+              <a:t> </a:t>
+            </a:r>
+            <a:r>
+              <a:rPr lang="en-US" dirty="0" err="1" smtClean="0"/>
+              <a:t>künstlichen</a:t>
+            </a:r>
+            <a:r>
+              <a:rPr lang="en-US" dirty="0" smtClean="0"/>
+              <a:t> </a:t>
+            </a:r>
+            <a:r>
+              <a:rPr lang="en-US" dirty="0" err="1" smtClean="0"/>
+              <a:t>Blöcke</a:t>
+            </a:r>
+            <a:r>
+              <a:rPr lang="en-US" dirty="0" smtClean="0"/>
+              <a:t> (</a:t>
+            </a:r>
+            <a:r>
+              <a:rPr lang="en-US" dirty="0" err="1" smtClean="0"/>
+              <a:t>Artificialize</a:t>
+            </a:r>
+            <a:r>
+              <a:rPr lang="en-US" dirty="0" smtClean="0"/>
+              <a:t>)</a:t>
+            </a:r>
+          </a:p>
+          <a:p>
+            <a:pPr marL="342900" indent="-342900">
+              <a:buFont typeface="+mj-lt"/>
+              <a:buAutoNum type="arabicPeriod"/>
+            </a:pPr>
+            <a:r>
+              <a:rPr lang="en-US" dirty="0" err="1" smtClean="0"/>
+              <a:t>Erzeugen</a:t>
+            </a:r>
+            <a:r>
+              <a:rPr lang="en-US" dirty="0" smtClean="0"/>
+              <a:t> des </a:t>
+            </a:r>
+            <a:r>
+              <a:rPr lang="en-US" dirty="0" err="1" smtClean="0"/>
+              <a:t>künstlichen</a:t>
+            </a:r>
+            <a:r>
+              <a:rPr lang="en-US" dirty="0" smtClean="0"/>
+              <a:t> </a:t>
+            </a:r>
+            <a:r>
+              <a:rPr lang="en-US" dirty="0" err="1" smtClean="0"/>
+              <a:t>Kontrollflusses</a:t>
+            </a:r>
+            <a:r>
+              <a:rPr lang="en-US" dirty="0" smtClean="0"/>
+              <a:t> (</a:t>
+            </a:r>
+            <a:r>
+              <a:rPr lang="en-US" dirty="0" err="1" smtClean="0"/>
+              <a:t>Artificialize</a:t>
+            </a:r>
+            <a:r>
+              <a:rPr lang="en-US" dirty="0" smtClean="0"/>
+              <a:t>)</a:t>
+            </a:r>
+          </a:p>
+          <a:p>
+            <a:pPr marL="342900" indent="-342900">
+              <a:buFont typeface="+mj-lt"/>
+              <a:buAutoNum type="arabicPeriod"/>
+            </a:pPr>
+            <a:r>
+              <a:rPr lang="en-US" dirty="0" err="1" smtClean="0"/>
+              <a:t>Zusammenführen</a:t>
+            </a:r>
+            <a:r>
+              <a:rPr lang="en-US" dirty="0" smtClean="0"/>
+              <a:t> </a:t>
+            </a:r>
+            <a:r>
+              <a:rPr lang="en-US" dirty="0" err="1" smtClean="0"/>
+              <a:t>der</a:t>
+            </a:r>
+            <a:r>
+              <a:rPr lang="en-US" dirty="0" smtClean="0"/>
+              <a:t> </a:t>
+            </a:r>
+            <a:r>
+              <a:rPr lang="en-US" dirty="0" err="1" smtClean="0"/>
+              <a:t>Beziehung</a:t>
+            </a:r>
+            <a:r>
+              <a:rPr lang="en-US" dirty="0" smtClean="0"/>
+              <a:t> Block-State-Function-Block </a:t>
+            </a:r>
+            <a:r>
+              <a:rPr lang="en-US" dirty="0" err="1" smtClean="0"/>
+              <a:t>für</a:t>
+            </a:r>
+            <a:r>
+              <a:rPr lang="en-US" dirty="0" smtClean="0"/>
+              <a:t> </a:t>
+            </a:r>
+            <a:r>
+              <a:rPr lang="en-US" dirty="0" err="1" smtClean="0"/>
+              <a:t>Informationsflüsse</a:t>
+            </a:r>
+            <a:r>
+              <a:rPr lang="en-US" dirty="0" smtClean="0"/>
+              <a:t> (Join)</a:t>
+            </a:r>
+            <a:endParaRPr lang="en-US" dirty="0"/>
           </a:p>
         </p:txBody>
       </p:sp>
       <p:sp>
         <p:nvSpPr>
-          <p:cNvPr id="8" name="Rechteck 7"/>
-          <p:cNvSpPr/>
-          <p:nvPr/>
-        </p:nvSpPr>
-        <p:spPr bwMode="auto">
-          <a:xfrm>
-            <a:off x="5076056" y="5013176"/>
-            <a:ext cx="1512168" cy="554360"/>
-          </a:xfrm>
-          <a:prstGeom prst="rect">
-            <a:avLst/>
-          </a:prstGeom>
-          <a:ln>
-            <a:headEnd type="none" w="med" len="med"/>
-            <a:tailEnd type="triangle" w="med" len="med"/>
-          </a:ln>
-        </p:spPr>
-        <p:style>
-          <a:lnRef idx="2">
-            <a:schemeClr val="dk1"/>
-          </a:lnRef>
-          <a:fillRef idx="1">
-            <a:schemeClr val="lt1"/>
-          </a:fillRef>
-          <a:effectRef idx="0">
-            <a:schemeClr val="dk1"/>
-          </a:effectRef>
-          <a:fontRef idx="minor">
-            <a:schemeClr val="dk1"/>
-          </a:fontRef>
-        </p:style>
-        <p:txBody>
-          <a:bodyPr wrap="square" lIns="90000" tIns="46800" rIns="90000" bIns="46800" rtlCol="0" anchor="ctr">
-            <a:noAutofit/>
-          </a:bodyPr>
-          <a:lstStyle/>
-          <a:p>
-            <a:pPr algn="ctr" eaLnBrk="0" hangingPunct="0"/>
-            <a:r>
-              <a:rPr lang="en-US" sz="1400" u="sng" dirty="0" smtClean="0"/>
-              <a:t>:Function</a:t>
-            </a:r>
-          </a:p>
-        </p:txBody>
-      </p:sp>
-      <p:cxnSp>
-        <p:nvCxnSpPr>
-          <p:cNvPr id="10" name="Gerade Verbindung mit Pfeil 9"/>
-          <p:cNvCxnSpPr>
-            <a:stCxn id="7" idx="3"/>
-            <a:endCxn id="8" idx="1"/>
-          </p:cNvCxnSpPr>
-          <p:nvPr/>
-        </p:nvCxnSpPr>
-        <p:spPr>
-          <a:xfrm>
-            <a:off x="3491880" y="5290356"/>
-            <a:ext cx="1584176" cy="0"/>
-          </a:xfrm>
-          <a:prstGeom prst="straightConnector1">
-            <a:avLst/>
-          </a:prstGeom>
-          <a:ln>
-            <a:tailEnd type="arrow"/>
-          </a:ln>
-        </p:spPr>
-        <p:style>
-          <a:lnRef idx="1">
-            <a:schemeClr val="dk1"/>
-          </a:lnRef>
-          <a:fillRef idx="0">
-            <a:schemeClr val="dk1"/>
-          </a:fillRef>
-          <a:effectRef idx="0">
-            <a:schemeClr val="dk1"/>
-          </a:effectRef>
-          <a:fontRef idx="minor">
-            <a:schemeClr val="tx1"/>
-          </a:fontRef>
-        </p:style>
-      </p:cxnSp>
-      <p:sp>
-        <p:nvSpPr>
-          <p:cNvPr id="11" name="Textfeld 10"/>
-          <p:cNvSpPr txBox="1"/>
-          <p:nvPr/>
+          <p:cNvPr id="3" name="Title 2"/>
+          <p:cNvSpPr>
+            <a:spLocks noGrp="1"/>
+          </p:cNvSpPr>
+          <p:nvPr>
+            <p:ph type="title"/>
+          </p:nvPr>
         </p:nvSpPr>
         <p:spPr>
           <a:xfrm>
-            <a:off x="3563888" y="5085184"/>
-            <a:ext cx="1394934" cy="246221"/>
+            <a:off x="250825" y="195526"/>
+            <a:ext cx="8031163" cy="600164"/>
           </a:xfrm>
-          <a:prstGeom prst="rect">
-            <a:avLst/>
-          </a:prstGeom>
-          <a:noFill/>
         </p:spPr>
         <p:txBody>
-          <a:bodyPr wrap="none" rtlCol="0">
-            <a:spAutoFit/>
-          </a:bodyPr>
+          <a:bodyPr/>
           <a:lstStyle/>
           <a:p>
             <a:r>
-              <a:rPr lang="en-US" sz="1000" dirty="0" smtClean="0"/>
-              <a:t>&lt;&lt;</a:t>
-            </a:r>
-            <a:r>
-              <a:rPr lang="en-US" sz="1000" dirty="0" err="1" smtClean="0"/>
-              <a:t>InformationFlow</a:t>
-            </a:r>
-            <a:r>
-              <a:rPr lang="en-US" sz="1000" dirty="0" smtClean="0"/>
-              <a:t>&gt;&gt;</a:t>
-            </a:r>
-            <a:endParaRPr lang="en-US" sz="1000" dirty="0"/>
+              <a:rPr lang="de-DE" dirty="0" smtClean="0"/>
+              <a:t>Transformationen (IDP 1) – Implementierung</a:t>
+            </a:r>
+            <a:br>
+              <a:rPr lang="de-DE" dirty="0" smtClean="0"/>
+            </a:br>
+            <a:r>
+              <a:rPr lang="de-DE" sz="1400" dirty="0" smtClean="0"/>
+              <a:t>Beispiel Umsatzorientierte Funktionsmodellierung (UFM)</a:t>
+            </a:r>
+            <a:endParaRPr lang="bg-BG" sz="1400" dirty="0"/>
           </a:p>
         </p:txBody>
       </p:sp>
-      <p:sp>
-        <p:nvSpPr>
-          <p:cNvPr id="13" name="Rechteck 12"/>
-          <p:cNvSpPr/>
+      <p:graphicFrame>
+        <p:nvGraphicFramePr>
+          <p:cNvPr id="29702" name="Object 6"/>
+          <p:cNvGraphicFramePr>
+            <a:graphicFrameLocks noChangeAspect="1"/>
+          </p:cNvGraphicFramePr>
           <p:nvPr/>
-        </p:nvSpPr>
-        <p:spPr bwMode="auto">
-          <a:xfrm>
-            <a:off x="1979712" y="3501008"/>
-            <a:ext cx="1512168" cy="554360"/>
-          </a:xfrm>
-          <a:prstGeom prst="rect">
-            <a:avLst/>
-          </a:prstGeom>
-          <a:ln>
-            <a:headEnd type="none" w="med" len="med"/>
-            <a:tailEnd type="triangle" w="med" len="med"/>
-          </a:ln>
-        </p:spPr>
-        <p:style>
-          <a:lnRef idx="2">
-            <a:schemeClr val="dk1"/>
-          </a:lnRef>
-          <a:fillRef idx="1">
-            <a:schemeClr val="lt1"/>
-          </a:fillRef>
-          <a:effectRef idx="0">
-            <a:schemeClr val="dk1"/>
-          </a:effectRef>
-          <a:fontRef idx="minor">
-            <a:schemeClr val="dk1"/>
-          </a:fontRef>
-        </p:style>
-        <p:txBody>
-          <a:bodyPr wrap="square" lIns="90000" tIns="46800" rIns="90000" bIns="46800" rtlCol="0" anchor="ctr">
-            <a:noAutofit/>
-          </a:bodyPr>
-          <a:lstStyle/>
-          <a:p>
-            <a:pPr algn="ctr" eaLnBrk="0" hangingPunct="0"/>
-            <a:r>
-              <a:rPr lang="en-US" sz="1400" u="sng" dirty="0" smtClean="0"/>
-              <a:t>:Block</a:t>
-            </a:r>
-          </a:p>
-        </p:txBody>
-      </p:sp>
-      <p:sp>
-        <p:nvSpPr>
-          <p:cNvPr id="14" name="Rechteck 13"/>
-          <p:cNvSpPr/>
-          <p:nvPr/>
-        </p:nvSpPr>
-        <p:spPr bwMode="auto">
-          <a:xfrm>
-            <a:off x="5076056" y="3501008"/>
-            <a:ext cx="1512168" cy="554360"/>
-          </a:xfrm>
-          <a:prstGeom prst="rect">
-            <a:avLst/>
-          </a:prstGeom>
-          <a:ln>
-            <a:headEnd type="none" w="med" len="med"/>
-            <a:tailEnd type="triangle" w="med" len="med"/>
-          </a:ln>
-        </p:spPr>
-        <p:style>
-          <a:lnRef idx="2">
-            <a:schemeClr val="dk1"/>
-          </a:lnRef>
-          <a:fillRef idx="1">
-            <a:schemeClr val="lt1"/>
-          </a:fillRef>
-          <a:effectRef idx="0">
-            <a:schemeClr val="dk1"/>
-          </a:effectRef>
-          <a:fontRef idx="minor">
-            <a:schemeClr val="dk1"/>
-          </a:fontRef>
-        </p:style>
-        <p:txBody>
-          <a:bodyPr wrap="square" lIns="90000" tIns="46800" rIns="90000" bIns="46800" rtlCol="0" anchor="ctr">
-            <a:noAutofit/>
-          </a:bodyPr>
-          <a:lstStyle/>
-          <a:p>
-            <a:pPr algn="ctr" eaLnBrk="0" hangingPunct="0"/>
-            <a:r>
-              <a:rPr lang="en-US" sz="1400" u="sng" dirty="0" smtClean="0"/>
-              <a:t>:Block</a:t>
-            </a:r>
-          </a:p>
-        </p:txBody>
-      </p:sp>
-      <p:cxnSp>
-        <p:nvCxnSpPr>
-          <p:cNvPr id="16" name="Gerade Verbindung mit Pfeil 15"/>
-          <p:cNvCxnSpPr>
-            <a:stCxn id="7" idx="0"/>
-            <a:endCxn id="13" idx="2"/>
-          </p:cNvCxnSpPr>
-          <p:nvPr/>
-        </p:nvCxnSpPr>
-        <p:spPr>
-          <a:xfrm flipV="1">
-            <a:off x="2735796" y="4055368"/>
-            <a:ext cx="0" cy="957808"/>
-          </a:xfrm>
-          <a:prstGeom prst="straightConnector1">
-            <a:avLst/>
-          </a:prstGeom>
-          <a:ln>
-            <a:tailEnd type="arrow"/>
-          </a:ln>
-        </p:spPr>
-        <p:style>
-          <a:lnRef idx="1">
-            <a:schemeClr val="dk1"/>
-          </a:lnRef>
-          <a:fillRef idx="0">
-            <a:schemeClr val="dk1"/>
-          </a:fillRef>
-          <a:effectRef idx="0">
-            <a:schemeClr val="dk1"/>
-          </a:effectRef>
-          <a:fontRef idx="minor">
-            <a:schemeClr val="tx1"/>
-          </a:fontRef>
-        </p:style>
-      </p:cxnSp>
-      <p:cxnSp>
-        <p:nvCxnSpPr>
-          <p:cNvPr id="18" name="Gerade Verbindung mit Pfeil 17"/>
-          <p:cNvCxnSpPr>
-            <a:stCxn id="8" idx="0"/>
-            <a:endCxn id="14" idx="2"/>
-          </p:cNvCxnSpPr>
-          <p:nvPr/>
-        </p:nvCxnSpPr>
-        <p:spPr>
-          <a:xfrm flipV="1">
-            <a:off x="5832140" y="4055368"/>
-            <a:ext cx="0" cy="957808"/>
-          </a:xfrm>
-          <a:prstGeom prst="straightConnector1">
-            <a:avLst/>
-          </a:prstGeom>
-          <a:ln>
-            <a:tailEnd type="arrow"/>
-          </a:ln>
-        </p:spPr>
-        <p:style>
-          <a:lnRef idx="1">
-            <a:schemeClr val="dk1"/>
-          </a:lnRef>
-          <a:fillRef idx="0">
-            <a:schemeClr val="dk1"/>
-          </a:fillRef>
-          <a:effectRef idx="0">
-            <a:schemeClr val="dk1"/>
-          </a:effectRef>
-          <a:fontRef idx="minor">
-            <a:schemeClr val="tx1"/>
-          </a:fontRef>
-        </p:style>
-      </p:cxnSp>
-      <p:sp>
-        <p:nvSpPr>
-          <p:cNvPr id="20" name="Textfeld 19"/>
-          <p:cNvSpPr txBox="1"/>
-          <p:nvPr/>
-        </p:nvSpPr>
-        <p:spPr>
-          <a:xfrm>
-            <a:off x="2123728" y="4437112"/>
-            <a:ext cx="1188146" cy="246221"/>
-          </a:xfrm>
-          <a:prstGeom prst="rect">
-            <a:avLst/>
-          </a:prstGeom>
-          <a:noFill/>
-        </p:spPr>
-        <p:txBody>
-          <a:bodyPr wrap="none" rtlCol="0">
-            <a:spAutoFit/>
-          </a:bodyPr>
-          <a:lstStyle/>
-          <a:p>
-            <a:r>
-              <a:rPr lang="en-US" sz="1000" dirty="0" smtClean="0"/>
-              <a:t>&lt;&lt;Relationship&gt;&gt;</a:t>
-            </a:r>
-            <a:endParaRPr lang="en-US" sz="1000" dirty="0"/>
-          </a:p>
-        </p:txBody>
-      </p:sp>
-      <p:sp>
-        <p:nvSpPr>
-          <p:cNvPr id="21" name="Textfeld 20"/>
-          <p:cNvSpPr txBox="1"/>
-          <p:nvPr/>
-        </p:nvSpPr>
-        <p:spPr>
-          <a:xfrm>
-            <a:off x="5238067" y="4437112"/>
-            <a:ext cx="1188146" cy="246221"/>
-          </a:xfrm>
-          <a:prstGeom prst="rect">
-            <a:avLst/>
-          </a:prstGeom>
-          <a:noFill/>
-        </p:spPr>
-        <p:txBody>
-          <a:bodyPr wrap="none" rtlCol="0">
-            <a:spAutoFit/>
-          </a:bodyPr>
-          <a:lstStyle/>
-          <a:p>
-            <a:r>
-              <a:rPr lang="en-US" sz="1000" dirty="0" smtClean="0"/>
-              <a:t>&lt;&lt;Relationship&gt;&gt;</a:t>
-            </a:r>
-            <a:endParaRPr lang="en-US" sz="1000" dirty="0"/>
-          </a:p>
-        </p:txBody>
-      </p:sp>
-      <p:cxnSp>
-        <p:nvCxnSpPr>
-          <p:cNvPr id="22" name="Gerade Verbindung mit Pfeil 21"/>
-          <p:cNvCxnSpPr>
-            <a:stCxn id="7" idx="2"/>
-            <a:endCxn id="8" idx="2"/>
-          </p:cNvCxnSpPr>
-          <p:nvPr/>
-        </p:nvCxnSpPr>
-        <p:spPr>
-          <a:xfrm rot="16200000" flipH="1">
-            <a:off x="4283968" y="4019364"/>
-            <a:ext cx="12700" cy="3096344"/>
-          </a:xfrm>
-          <a:prstGeom prst="bentConnector3">
-            <a:avLst>
-              <a:gd name="adj1" fmla="val 2828568"/>
-            </a:avLst>
-          </a:prstGeom>
-          <a:ln>
-            <a:tailEnd type="arrow"/>
-          </a:ln>
-        </p:spPr>
-        <p:style>
-          <a:lnRef idx="1">
-            <a:schemeClr val="dk1"/>
-          </a:lnRef>
-          <a:fillRef idx="0">
-            <a:schemeClr val="dk1"/>
-          </a:fillRef>
-          <a:effectRef idx="0">
-            <a:schemeClr val="dk1"/>
-          </a:effectRef>
-          <a:fontRef idx="minor">
-            <a:schemeClr val="tx1"/>
-          </a:fontRef>
-        </p:style>
-      </p:cxnSp>
-      <p:sp>
-        <p:nvSpPr>
-          <p:cNvPr id="23" name="Textfeld 22"/>
-          <p:cNvSpPr txBox="1"/>
-          <p:nvPr/>
-        </p:nvSpPr>
-        <p:spPr>
-          <a:xfrm>
-            <a:off x="3619114" y="5690646"/>
-            <a:ext cx="1168910" cy="246221"/>
-          </a:xfrm>
-          <a:prstGeom prst="rect">
-            <a:avLst/>
-          </a:prstGeom>
-          <a:noFill/>
-        </p:spPr>
-        <p:txBody>
-          <a:bodyPr wrap="none" rtlCol="0">
-            <a:spAutoFit/>
-          </a:bodyPr>
-          <a:lstStyle/>
-          <a:p>
-            <a:r>
-              <a:rPr lang="en-US" sz="1000" dirty="0" smtClean="0"/>
-              <a:t>&lt;&lt;</a:t>
-            </a:r>
-            <a:r>
-              <a:rPr lang="en-US" sz="1000" dirty="0" err="1" smtClean="0"/>
-              <a:t>ControlFlow</a:t>
-            </a:r>
-            <a:r>
-              <a:rPr lang="en-US" sz="1000" dirty="0" smtClean="0"/>
-              <a:t>&gt;&gt;</a:t>
-            </a:r>
-            <a:endParaRPr lang="en-US" sz="1000" dirty="0"/>
-          </a:p>
-        </p:txBody>
-      </p:sp>
-      <p:cxnSp>
-        <p:nvCxnSpPr>
-          <p:cNvPr id="30" name="Gerade Verbindung mit Pfeil 29"/>
-          <p:cNvCxnSpPr>
-            <a:stCxn id="13" idx="3"/>
-            <a:endCxn id="14" idx="1"/>
-          </p:cNvCxnSpPr>
-          <p:nvPr/>
-        </p:nvCxnSpPr>
-        <p:spPr>
-          <a:xfrm>
-            <a:off x="3491880" y="3778188"/>
-            <a:ext cx="1584176" cy="0"/>
-          </a:xfrm>
-          <a:prstGeom prst="straightConnector1">
-            <a:avLst/>
-          </a:prstGeom>
-          <a:ln>
-            <a:tailEnd type="arrow"/>
-          </a:ln>
-        </p:spPr>
-        <p:style>
-          <a:lnRef idx="1">
-            <a:schemeClr val="dk1"/>
-          </a:lnRef>
-          <a:fillRef idx="0">
-            <a:schemeClr val="dk1"/>
-          </a:fillRef>
-          <a:effectRef idx="0">
-            <a:schemeClr val="dk1"/>
-          </a:effectRef>
-          <a:fontRef idx="minor">
-            <a:schemeClr val="tx1"/>
-          </a:fontRef>
-        </p:style>
-      </p:cxnSp>
-      <p:sp>
-        <p:nvSpPr>
-          <p:cNvPr id="31" name="Textfeld 30"/>
-          <p:cNvSpPr txBox="1"/>
-          <p:nvPr/>
-        </p:nvSpPr>
-        <p:spPr>
-          <a:xfrm>
-            <a:off x="3537106" y="3542819"/>
-            <a:ext cx="1394934" cy="246221"/>
-          </a:xfrm>
-          <a:prstGeom prst="rect">
-            <a:avLst/>
-          </a:prstGeom>
-          <a:noFill/>
-        </p:spPr>
-        <p:txBody>
-          <a:bodyPr wrap="none" rtlCol="0">
-            <a:spAutoFit/>
-          </a:bodyPr>
-          <a:lstStyle/>
-          <a:p>
-            <a:r>
-              <a:rPr lang="en-US" sz="1000" dirty="0" smtClean="0"/>
-              <a:t>&lt;&lt;</a:t>
-            </a:r>
-            <a:r>
-              <a:rPr lang="en-US" sz="1000" dirty="0" err="1" smtClean="0"/>
-              <a:t>InformationFlow</a:t>
-            </a:r>
-            <a:r>
-              <a:rPr lang="en-US" sz="1000" dirty="0" smtClean="0"/>
-              <a:t>&gt;&gt;</a:t>
-            </a:r>
-            <a:endParaRPr lang="en-US" sz="1000" dirty="0"/>
-          </a:p>
-        </p:txBody>
-      </p:sp>
+        </p:nvGraphicFramePr>
+        <p:xfrm>
+          <a:off x="557213" y="2924944"/>
+          <a:ext cx="8029575" cy="2505075"/>
+        </p:xfrm>
+        <a:graphic>
+          <a:graphicData uri="http://schemas.openxmlformats.org/presentationml/2006/ole">
+            <p:oleObj spid="_x0000_s30722" name="Visio" r:id="rId6" imgW="8029661" imgH="2504984" progId="Visio.Drawing.15">
+              <p:embed/>
+            </p:oleObj>
+          </a:graphicData>
+        </a:graphic>
+      </p:graphicFrame>
     </p:spTree>
   </p:cSld>
   <p:clrMapOvr>
@@ -4871,171 +4872,9 @@
                                           </p:stCondLst>
                                         </p:cTn>
                                         <p:tgtEl>
-                                          <p:spTgt spid="13"/>
-                                        </p:tgtEl>
-                                        <p:attrNameLst>
-                                          <p:attrName>style.visibility</p:attrName>
-                                        </p:attrNameLst>
-                                      </p:cBhvr>
-                                      <p:to>
-                                        <p:strVal val="visible"/>
-                                      </p:to>
-                                    </p:set>
-                                  </p:childTnLst>
-                                </p:cTn>
-                              </p:par>
-                              <p:par>
-                                <p:cTn id="7" presetID="1" presetClass="entr" presetSubtype="0" fill="hold" grpId="0" nodeType="withEffect">
-                                  <p:stCondLst>
-                                    <p:cond delay="0"/>
-                                  </p:stCondLst>
-                                  <p:childTnLst>
-                                    <p:set>
-                                      <p:cBhvr>
-                                        <p:cTn id="8" dur="1" fill="hold">
-                                          <p:stCondLst>
-                                            <p:cond delay="0"/>
-                                          </p:stCondLst>
-                                        </p:cTn>
-                                        <p:tgtEl>
-                                          <p:spTgt spid="14"/>
-                                        </p:tgtEl>
-                                        <p:attrNameLst>
-                                          <p:attrName>style.visibility</p:attrName>
-                                        </p:attrNameLst>
-                                      </p:cBhvr>
-                                      <p:to>
-                                        <p:strVal val="visible"/>
-                                      </p:to>
-                                    </p:set>
-                                  </p:childTnLst>
-                                </p:cTn>
-                              </p:par>
-                              <p:par>
-                                <p:cTn id="9" presetID="1" presetClass="entr" presetSubtype="0" fill="hold" nodeType="withEffect">
-                                  <p:stCondLst>
-                                    <p:cond delay="0"/>
-                                  </p:stCondLst>
-                                  <p:childTnLst>
-                                    <p:set>
-                                      <p:cBhvr>
-                                        <p:cTn id="10" dur="1" fill="hold">
-                                          <p:stCondLst>
-                                            <p:cond delay="0"/>
-                                          </p:stCondLst>
-                                        </p:cTn>
-                                        <p:tgtEl>
-                                          <p:spTgt spid="16"/>
-                                        </p:tgtEl>
-                                        <p:attrNameLst>
-                                          <p:attrName>style.visibility</p:attrName>
-                                        </p:attrNameLst>
-                                      </p:cBhvr>
-                                      <p:to>
-                                        <p:strVal val="visible"/>
-                                      </p:to>
-                                    </p:set>
-                                  </p:childTnLst>
-                                </p:cTn>
-                              </p:par>
-                              <p:par>
-                                <p:cTn id="11" presetID="1" presetClass="entr" presetSubtype="0" fill="hold" nodeType="withEffect">
-                                  <p:stCondLst>
-                                    <p:cond delay="0"/>
-                                  </p:stCondLst>
-                                  <p:childTnLst>
-                                    <p:set>
-                                      <p:cBhvr>
-                                        <p:cTn id="12" dur="1" fill="hold">
-                                          <p:stCondLst>
-                                            <p:cond delay="0"/>
-                                          </p:stCondLst>
-                                        </p:cTn>
-                                        <p:tgtEl>
-                                          <p:spTgt spid="18"/>
-                                        </p:tgtEl>
-                                        <p:attrNameLst>
-                                          <p:attrName>style.visibility</p:attrName>
-                                        </p:attrNameLst>
-                                      </p:cBhvr>
-                                      <p:to>
-                                        <p:strVal val="visible"/>
-                                      </p:to>
-                                    </p:set>
-                                  </p:childTnLst>
-                                </p:cTn>
-                              </p:par>
-                              <p:par>
-                                <p:cTn id="13" presetID="1" presetClass="entr" presetSubtype="0" fill="hold" grpId="0" nodeType="withEffect">
-                                  <p:stCondLst>
-                                    <p:cond delay="0"/>
-                                  </p:stCondLst>
-                                  <p:childTnLst>
-                                    <p:set>
-                                      <p:cBhvr>
-                                        <p:cTn id="14" dur="1" fill="hold">
-                                          <p:stCondLst>
-                                            <p:cond delay="0"/>
-                                          </p:stCondLst>
-                                        </p:cTn>
-                                        <p:tgtEl>
-                                          <p:spTgt spid="20"/>
-                                        </p:tgtEl>
-                                        <p:attrNameLst>
-                                          <p:attrName>style.visibility</p:attrName>
-                                        </p:attrNameLst>
-                                      </p:cBhvr>
-                                      <p:to>
-                                        <p:strVal val="visible"/>
-                                      </p:to>
-                                    </p:set>
-                                  </p:childTnLst>
-                                </p:cTn>
-                              </p:par>
-                              <p:par>
-                                <p:cTn id="15" presetID="1" presetClass="entr" presetSubtype="0" fill="hold" grpId="0" nodeType="withEffect">
-                                  <p:stCondLst>
-                                    <p:cond delay="0"/>
-                                  </p:stCondLst>
-                                  <p:childTnLst>
-                                    <p:set>
-                                      <p:cBhvr>
-                                        <p:cTn id="16" dur="1" fill="hold">
-                                          <p:stCondLst>
-                                            <p:cond delay="0"/>
-                                          </p:stCondLst>
-                                        </p:cTn>
-                                        <p:tgtEl>
-                                          <p:spTgt spid="21"/>
-                                        </p:tgtEl>
-                                        <p:attrNameLst>
-                                          <p:attrName>style.visibility</p:attrName>
-                                        </p:attrNameLst>
-                                      </p:cBhvr>
-                                      <p:to>
-                                        <p:strVal val="visible"/>
-                                      </p:to>
-                                    </p:set>
-                                  </p:childTnLst>
-                                </p:cTn>
-                              </p:par>
-                              <p:par>
-                                <p:cTn id="17" presetID="1" presetClass="entr" presetSubtype="0" fill="hold" grpId="0" nodeType="withEffect">
-                                  <p:stCondLst>
-                                    <p:cond delay="0"/>
-                                  </p:stCondLst>
-                                  <p:childTnLst>
-                                    <p:set>
-                                      <p:cBhvr>
-                                        <p:cTn id="18" dur="1" fill="hold">
-                                          <p:stCondLst>
-                                            <p:cond delay="0"/>
-                                          </p:stCondLst>
-                                        </p:cTn>
-                                        <p:tgtEl>
                                           <p:spTgt spid="19">
                                             <p:txEl>
-                                              <p:pRg st="0" end="0"/>
+                                              <p:pRg st="1" end="1"/>
                                             </p:txEl>
                                           </p:spTgt>
                                         </p:tgtEl>
@@ -5057,32 +4896,32 @@
                     </p:cTn>
                   </p:par>
                   <p:par>
-                    <p:cTn id="19" fill="hold">
+                    <p:cTn id="7" fill="hold">
                       <p:stCondLst>
                         <p:cond delay="indefinite"/>
                       </p:stCondLst>
                       <p:childTnLst>
                         <p:par>
-                          <p:cTn id="20" fill="hold">
+                          <p:cTn id="8" fill="hold">
                             <p:stCondLst>
                               <p:cond delay="0"/>
                             </p:stCondLst>
                             <p:childTnLst>
                               <p:par>
-                                <p:cTn id="21" presetID="1" presetClass="entr" presetSubtype="0" fill="hold" nodeType="clickEffect">
+                                <p:cTn id="9" presetID="1" presetClass="entr" presetSubtype="0" fill="hold" nodeType="clickEffect">
                                   <p:stCondLst>
                                     <p:cond delay="0"/>
                                   </p:stCondLst>
                                   <p:childTnLst>
                                     <p:set>
                                       <p:cBhvr>
-                                        <p:cTn id="22" dur="1" fill="hold">
+                                        <p:cTn id="10" dur="1" fill="hold">
                                           <p:stCondLst>
                                             <p:cond delay="0"/>
                                           </p:stCondLst>
                                         </p:cTn>
                                         <p:tgtEl>
-                                          <p:spTgt spid="22"/>
+                                          <p:spTgt spid="29707"/>
                                         </p:tgtEl>
                                         <p:attrNameLst>
                                           <p:attrName>style.visibility</p:attrName>
@@ -5096,20 +4935,69 @@
                                 </p:cTn>
                               </p:par>
                               <p:par>
-                                <p:cTn id="23" presetID="1" presetClass="entr" presetSubtype="0" fill="hold" grpId="0" nodeType="withEffect">
+                                <p:cTn id="11" presetID="1" presetClass="exit" presetSubtype="0" fill="hold" nodeType="withEffect">
                                   <p:stCondLst>
                                     <p:cond delay="0"/>
                                   </p:stCondLst>
                                   <p:childTnLst>
                                     <p:set>
                                       <p:cBhvr>
-                                        <p:cTn id="24" dur="1" fill="hold">
+                                        <p:cTn id="12" dur="1" fill="hold">
                                           <p:stCondLst>
                                             <p:cond delay="0"/>
                                           </p:stCondLst>
                                         </p:cTn>
                                         <p:tgtEl>
-                                          <p:spTgt spid="23"/>
+                                          <p:spTgt spid="29702"/>
+                                        </p:tgtEl>
+                                        <p:attrNameLst>
+                                          <p:attrName>style.visibility</p:attrName>
+                                        </p:attrNameLst>
+                                      </p:cBhvr>
+                                      <p:to>
+                                        <p:strVal val="hidden"/>
+                                      </p:to>
+                                    </p:set>
+                                  </p:childTnLst>
+                                </p:cTn>
+                              </p:par>
+                            </p:childTnLst>
+                          </p:cTn>
+                        </p:par>
+                      </p:childTnLst>
+                    </p:cTn>
+                  </p:par>
+                  <p:par>
+                    <p:cTn id="13" fill="hold">
+                      <p:stCondLst>
+                        <p:cond delay="indefinite"/>
+                      </p:stCondLst>
+                      <p:childTnLst>
+                        <p:par>
+                          <p:cTn id="14" fill="hold">
+                            <p:stCondLst>
+                              <p:cond delay="0"/>
+                            </p:stCondLst>
+                            <p:childTnLst>
+                              <p:par>
+                                <p:cTn id="15" presetID="1" presetClass="entr" presetSubtype="0" fill="hold" grpId="0" nodeType="clickEffect">
+                                  <p:stCondLst>
+                                    <p:cond delay="0"/>
+                                  </p:stCondLst>
+                                  <p:childTnLst>
+                                    <p:set>
+                                      <p:cBhvr>
+                                        <p:cTn id="16" dur="1" fill="hold">
+                                          <p:stCondLst>
+                                            <p:cond delay="0"/>
+                                          </p:stCondLst>
+                                        </p:cTn>
+                                        <p:tgtEl>
+                                          <p:spTgt spid="19">
+                                            <p:txEl>
+                                              <p:pRg st="2" end="2"/>
+                                            </p:txEl>
+                                          </p:spTgt>
                                         </p:tgtEl>
                                         <p:attrNameLst>
                                           <p:attrName>style.visibility</p:attrName>
@@ -5122,8 +5010,98 @@
                                   </p:childTnLst>
                                 </p:cTn>
                               </p:par>
+                            </p:childTnLst>
+                          </p:cTn>
+                        </p:par>
+                      </p:childTnLst>
+                    </p:cTn>
+                  </p:par>
+                  <p:par>
+                    <p:cTn id="17" fill="hold">
+                      <p:stCondLst>
+                        <p:cond delay="indefinite"/>
+                      </p:stCondLst>
+                      <p:childTnLst>
+                        <p:par>
+                          <p:cTn id="18" fill="hold">
+                            <p:stCondLst>
+                              <p:cond delay="0"/>
+                            </p:stCondLst>
+                            <p:childTnLst>
                               <p:par>
-                                <p:cTn id="25" presetID="1" presetClass="entr" presetSubtype="0" fill="hold" grpId="0" nodeType="withEffect">
+                                <p:cTn id="19" presetID="1" presetClass="exit" presetSubtype="0" fill="hold" nodeType="clickEffect">
+                                  <p:stCondLst>
+                                    <p:cond delay="0"/>
+                                  </p:stCondLst>
+                                  <p:childTnLst>
+                                    <p:set>
+                                      <p:cBhvr>
+                                        <p:cTn id="20" dur="1" fill="hold">
+                                          <p:stCondLst>
+                                            <p:cond delay="0"/>
+                                          </p:stCondLst>
+                                        </p:cTn>
+                                        <p:tgtEl>
+                                          <p:spTgt spid="29707"/>
+                                        </p:tgtEl>
+                                        <p:attrNameLst>
+                                          <p:attrName>style.visibility</p:attrName>
+                                        </p:attrNameLst>
+                                      </p:cBhvr>
+                                      <p:to>
+                                        <p:strVal val="hidden"/>
+                                      </p:to>
+                                    </p:set>
+                                  </p:childTnLst>
+                                </p:cTn>
+                              </p:par>
+                              <p:par>
+                                <p:cTn id="21" presetID="1" presetClass="entr" presetSubtype="0" fill="hold" nodeType="withEffect">
+                                  <p:stCondLst>
+                                    <p:cond delay="0"/>
+                                  </p:stCondLst>
+                                  <p:childTnLst>
+                                    <p:set>
+                                      <p:cBhvr>
+                                        <p:cTn id="22" dur="1" fill="hold">
+                                          <p:stCondLst>
+                                            <p:cond delay="0"/>
+                                          </p:stCondLst>
+                                        </p:cTn>
+                                        <p:tgtEl>
+                                          <p:spTgt spid="29"/>
+                                        </p:tgtEl>
+                                        <p:attrNameLst>
+                                          <p:attrName>style.visibility</p:attrName>
+                                        </p:attrNameLst>
+                                      </p:cBhvr>
+                                      <p:to>
+                                        <p:strVal val="visible"/>
+                                      </p:to>
+                                    </p:set>
+                                  </p:childTnLst>
+                                </p:cTn>
+                              </p:par>
+                            </p:childTnLst>
+                          </p:cTn>
+                        </p:par>
+                      </p:childTnLst>
+                    </p:cTn>
+                  </p:par>
+                  <p:par>
+                    <p:cTn id="23" fill="hold">
+                      <p:stCondLst>
+                        <p:cond delay="indefinite"/>
+                      </p:stCondLst>
+                      <p:childTnLst>
+                        <p:par>
+                          <p:cTn id="24" fill="hold">
+                            <p:stCondLst>
+                              <p:cond delay="0"/>
+                            </p:stCondLst>
+                            <p:childTnLst>
+                              <p:par>
+                                <p:cTn id="25" presetID="1" presetClass="entr" presetSubtype="0" fill="hold" grpId="0" nodeType="clickEffect">
                                   <p:stCondLst>
                                     <p:cond delay="0"/>
                                   </p:stCondLst>
@@ -5138,7 +5116,7 @@
                                         <p:tgtEl>
                                           <p:spTgt spid="19">
                                             <p:txEl>
-                                              <p:pRg st="1" end="1"/>
+                                              <p:pRg st="3" end="3"/>
                                             </p:txEl>
                                           </p:spTgt>
                                         </p:tgtEl>
@@ -5172,7 +5150,7 @@
                             </p:stCondLst>
                             <p:childTnLst>
                               <p:par>
-                                <p:cTn id="29" presetID="1" presetClass="entr" presetSubtype="0" fill="hold" nodeType="clickEffect">
+                                <p:cTn id="29" presetID="1" presetClass="exit" presetSubtype="0" fill="hold" nodeType="clickEffect">
                                   <p:stCondLst>
                                     <p:cond delay="0"/>
                                   </p:stCondLst>
@@ -5185,61 +5163,7 @@
                                           </p:stCondLst>
                                         </p:cTn>
                                         <p:tgtEl>
-                                          <p:spTgt spid="30"/>
-                                        </p:tgtEl>
-                                        <p:attrNameLst>
-                                          <p:attrName>style.visibility</p:attrName>
-                                        </p:attrNameLst>
-                                      </p:cBhvr>
-                                      <p:to>
-                                        <p:strVal val="visible"/>
-                                      </p:to>
-                                    </p:set>
-                                  </p:childTnLst>
-                                </p:cTn>
-                              </p:par>
-                              <p:par>
-                                <p:cTn id="31" presetID="1" presetClass="entr" presetSubtype="0" fill="hold" grpId="0" nodeType="withEffect">
-                                  <p:stCondLst>
-                                    <p:cond delay="0"/>
-                                  </p:stCondLst>
-                                  <p:childTnLst>
-                                    <p:set>
-                                      <p:cBhvr>
-                                        <p:cTn id="32" dur="1" fill="hold">
-                                          <p:stCondLst>
-                                            <p:cond delay="0"/>
-                                          </p:stCondLst>
-                                        </p:cTn>
-                                        <p:tgtEl>
-                                          <p:spTgt spid="31"/>
-                                        </p:tgtEl>
-                                        <p:attrNameLst>
-                                          <p:attrName>style.visibility</p:attrName>
-                                        </p:attrNameLst>
-                                      </p:cBhvr>
-                                      <p:to>
-                                        <p:strVal val="visible"/>
-                                      </p:to>
-                                    </p:set>
-                                  </p:childTnLst>
-                                </p:cTn>
-                              </p:par>
-                              <p:par>
-                                <p:cTn id="33" presetID="1" presetClass="exit" presetSubtype="0" fill="hold" nodeType="withEffect">
-                                  <p:stCondLst>
-                                    <p:cond delay="0"/>
-                                  </p:stCondLst>
-                                  <p:childTnLst>
-                                    <p:set>
-                                      <p:cBhvr>
-                                        <p:cTn id="34" dur="1" fill="hold">
-                                          <p:stCondLst>
-                                            <p:cond delay="0"/>
-                                          </p:stCondLst>
-                                        </p:cTn>
-                                        <p:tgtEl>
-                                          <p:spTgt spid="10"/>
+                                          <p:spTgt spid="29"/>
                                         </p:tgtEl>
                                         <p:attrNameLst>
                                           <p:attrName>style.visibility</p:attrName>
@@ -5253,51 +5177,20 @@
                                 </p:cTn>
                               </p:par>
                               <p:par>
-                                <p:cTn id="35" presetID="1" presetClass="exit" presetSubtype="0" fill="hold" grpId="0" nodeType="withEffect">
+                                <p:cTn id="31" presetID="1" presetClass="entr" presetSubtype="0" fill="hold" nodeType="withEffect">
                                   <p:stCondLst>
                                     <p:cond delay="0"/>
                                   </p:stCondLst>
                                   <p:childTnLst>
                                     <p:set>
                                       <p:cBhvr>
-                                        <p:cTn id="36" dur="1" fill="hold">
+                                        <p:cTn id="32" dur="1" fill="hold">
                                           <p:stCondLst>
                                             <p:cond delay="0"/>
                                           </p:stCondLst>
                                         </p:cTn>
                                         <p:tgtEl>
-                                          <p:spTgt spid="11"/>
-                                        </p:tgtEl>
-                                        <p:attrNameLst>
-                                          <p:attrName>style.visibility</p:attrName>
-                                        </p:attrNameLst>
-                                      </p:cBhvr>
-                                      <p:to>
-                                        <p:strVal val="hidden"/>
-                                      </p:to>
-                                    </p:set>
-                                  </p:childTnLst>
-                                </p:cTn>
-                              </p:par>
-                              <p:par>
-                                <p:cTn id="37" presetID="1" presetClass="entr" presetSubtype="0" fill="hold" grpId="0" nodeType="withEffect">
-                                  <p:stCondLst>
-                                    <p:cond delay="0"/>
-                                  </p:stCondLst>
-                                  <p:childTnLst>
-                                    <p:set>
-                                      <p:cBhvr>
-                                        <p:cTn id="38" dur="1" fill="hold">
-                                          <p:stCondLst>
-                                            <p:cond delay="0"/>
-                                          </p:stCondLst>
-                                        </p:cTn>
-                                        <p:tgtEl>
-                                          <p:spTgt spid="19">
-                                            <p:txEl>
-                                              <p:pRg st="2" end="2"/>
-                                            </p:txEl>
-                                          </p:spTgt>
+                                          <p:spTgt spid="32"/>
                                         </p:tgtEl>
                                         <p:attrNameLst>
                                           <p:attrName>style.visibility</p:attrName>
@@ -5339,279 +5232,12 @@
     </p:tnLst>
     <p:bldLst>
       <p:bldP spid="19" grpId="0" uiExpand="1" build="p"/>
-      <p:bldP spid="11" grpId="0"/>
-      <p:bldP spid="13" grpId="0" animBg="1"/>
-      <p:bldP spid="14" grpId="0" animBg="1"/>
-      <p:bldP spid="20" grpId="0"/>
-      <p:bldP spid="21" grpId="0"/>
-      <p:bldP spid="23" grpId="0" uiExpand="1"/>
-      <p:bldP spid="31" grpId="0"/>
     </p:bldLst>
   </p:timing>
 </p:sld>
 </file>
 
-<file path=ppt/slides/slide2.xml><?xml version="1.0" encoding="utf-8"?>
-<p:sld xmlns:a="http://schemas.openxmlformats.org/drawingml/2006/main" xmlns:r="http://schemas.openxmlformats.org/officeDocument/2006/relationships" xmlns:p="http://schemas.openxmlformats.org/presentationml/2006/main">
-  <p:cSld>
-    <p:spTree>
-      <p:nvGrpSpPr>
-        <p:cNvPr id="1" name=""/>
-        <p:cNvGrpSpPr/>
-        <p:nvPr/>
-      </p:nvGrpSpPr>
-      <p:grpSpPr>
-        <a:xfrm>
-          <a:off x="0" y="0"/>
-          <a:ext cx="0" cy="0"/>
-          <a:chOff x="0" y="0"/>
-          <a:chExt cx="0" cy="0"/>
-        </a:xfrm>
-      </p:grpSpPr>
-      <p:sp>
-        <p:nvSpPr>
-          <p:cNvPr id="5" name="Textplatzhalter 4"/>
-          <p:cNvSpPr>
-            <a:spLocks noGrp="1"/>
-          </p:cNvSpPr>
-          <p:nvPr>
-            <p:ph type="body" sz="quarter" idx="10"/>
-          </p:nvPr>
-        </p:nvSpPr>
-        <p:spPr>
-          <a:xfrm>
-            <a:off x="250824" y="933450"/>
-            <a:ext cx="8321704" cy="4495813"/>
-          </a:xfrm>
-        </p:spPr>
-        <p:txBody>
-          <a:bodyPr/>
-          <a:lstStyle/>
-          <a:p>
-            <a:r>
-              <a:rPr lang="en-US" dirty="0" err="1" smtClean="0"/>
-              <a:t>Wissen</a:t>
-            </a:r>
-            <a:r>
-              <a:rPr lang="en-US" dirty="0" smtClean="0"/>
-              <a:t> in </a:t>
-            </a:r>
-            <a:r>
-              <a:rPr lang="en-US" dirty="0" err="1" smtClean="0"/>
-              <a:t>fachspezifischen</a:t>
-            </a:r>
-            <a:r>
-              <a:rPr lang="en-US" dirty="0" smtClean="0"/>
-              <a:t> </a:t>
-            </a:r>
-            <a:r>
-              <a:rPr lang="en-US" dirty="0" err="1" smtClean="0"/>
-              <a:t>Modellen</a:t>
-            </a:r>
-            <a:r>
-              <a:rPr lang="en-US" dirty="0" smtClean="0"/>
-              <a:t> </a:t>
-            </a:r>
-            <a:r>
-              <a:rPr lang="en-US" dirty="0" err="1" smtClean="0"/>
-              <a:t>verteilt</a:t>
-            </a:r>
-            <a:endParaRPr lang="en-US" dirty="0" smtClean="0"/>
-          </a:p>
-          <a:p>
-            <a:r>
-              <a:rPr lang="en-US" dirty="0" err="1" smtClean="0"/>
-              <a:t>Kollaboration</a:t>
-            </a:r>
-            <a:r>
-              <a:rPr lang="en-US" dirty="0" smtClean="0"/>
-              <a:t> </a:t>
-            </a:r>
-            <a:r>
-              <a:rPr lang="en-US" dirty="0" err="1" smtClean="0"/>
-              <a:t>erforderlich</a:t>
-            </a:r>
-            <a:endParaRPr lang="en-US" dirty="0" smtClean="0"/>
-          </a:p>
-          <a:p>
-            <a:r>
-              <a:rPr lang="en-US" dirty="0" err="1" smtClean="0"/>
-              <a:t>Konsistentes</a:t>
-            </a:r>
-            <a:r>
-              <a:rPr lang="en-US" dirty="0" smtClean="0"/>
-              <a:t> </a:t>
-            </a:r>
-            <a:r>
-              <a:rPr lang="en-US" dirty="0" err="1" smtClean="0"/>
-              <a:t>Bild</a:t>
-            </a:r>
-            <a:r>
-              <a:rPr lang="en-US" dirty="0" smtClean="0"/>
-              <a:t> </a:t>
-            </a:r>
-            <a:r>
-              <a:rPr lang="en-US" dirty="0" err="1" smtClean="0"/>
-              <a:t>schwer</a:t>
-            </a:r>
-            <a:endParaRPr lang="en-US" dirty="0" smtClean="0"/>
-          </a:p>
-          <a:p>
-            <a:pPr>
-              <a:buNone/>
-            </a:pPr>
-            <a:r>
-              <a:rPr lang="en-US" dirty="0" smtClean="0"/>
-              <a:t>    </a:t>
-            </a:r>
-            <a:r>
-              <a:rPr lang="en-US" dirty="0" err="1" smtClean="0"/>
-              <a:t>zu</a:t>
-            </a:r>
-            <a:r>
-              <a:rPr lang="en-US" dirty="0" smtClean="0"/>
-              <a:t> </a:t>
-            </a:r>
-            <a:r>
-              <a:rPr lang="en-US" dirty="0" err="1" smtClean="0"/>
-              <a:t>schaffen</a:t>
-            </a:r>
-            <a:endParaRPr lang="en-US" dirty="0" smtClean="0"/>
-          </a:p>
-        </p:txBody>
-      </p:sp>
-      <p:sp>
-        <p:nvSpPr>
-          <p:cNvPr id="3" name="Titel 2"/>
-          <p:cNvSpPr>
-            <a:spLocks noGrp="1"/>
-          </p:cNvSpPr>
-          <p:nvPr>
-            <p:ph type="title"/>
-          </p:nvPr>
-        </p:nvSpPr>
-        <p:spPr/>
-        <p:txBody>
-          <a:bodyPr/>
-          <a:lstStyle/>
-          <a:p>
-            <a:r>
-              <a:rPr lang="de-DE" dirty="0" smtClean="0"/>
-              <a:t>Motivation</a:t>
-            </a:r>
-            <a:endParaRPr lang="de-DE" dirty="0"/>
-          </a:p>
-        </p:txBody>
-      </p:sp>
-      <p:graphicFrame>
-        <p:nvGraphicFramePr>
-          <p:cNvPr id="9219" name="Object 3"/>
-          <p:cNvGraphicFramePr>
-            <a:graphicFrameLocks noChangeAspect="1"/>
-          </p:cNvGraphicFramePr>
-          <p:nvPr/>
-        </p:nvGraphicFramePr>
-        <p:xfrm>
-          <a:off x="1746037" y="1285860"/>
-          <a:ext cx="7064575" cy="4689480"/>
-        </p:xfrm>
-        <a:graphic>
-          <a:graphicData uri="http://schemas.openxmlformats.org/presentationml/2006/ole">
-            <mc:AlternateContent xmlns:mc="http://schemas.openxmlformats.org/markup-compatibility/2006">
-              <mc:Choice xmlns:v="urn:schemas-microsoft-com:vml" Requires="v">
-                <p:oleObj spid="_x0000_s9224" name="Visio" r:id="rId3" imgW="10363251" imgH="6886536" progId="Visio.Drawing.15">
-                  <p:embed/>
-                </p:oleObj>
-              </mc:Choice>
-              <mc:Fallback>
-                <p:oleObj name="Visio" r:id="rId3" imgW="10363251" imgH="6886536" progId="Visio.Drawing.15">
-                  <p:embed/>
-                  <p:pic>
-                    <p:nvPicPr>
-                      <p:cNvPr id="0" name="Picture 3"/>
-                      <p:cNvPicPr>
-                        <a:picLocks noChangeAspect="1" noChangeArrowheads="1"/>
-                      </p:cNvPicPr>
-                      <p:nvPr/>
-                    </p:nvPicPr>
-                    <p:blipFill>
-                      <a:blip r:embed="rId4">
-                        <a:extLst>
-                          <a:ext uri="{28A0092B-C50C-407E-A947-70E740481C1C}">
-                            <a14:useLocalDpi xmlns:a14="http://schemas.microsoft.com/office/drawing/2010/main" val="0"/>
-                          </a:ext>
-                        </a:extLst>
-                      </a:blip>
-                      <a:srcRect/>
-                      <a:stretch>
-                        <a:fillRect/>
-                      </a:stretch>
-                    </p:blipFill>
-                    <p:spPr bwMode="auto">
-                      <a:xfrm>
-                        <a:off x="1746037" y="1285860"/>
-                        <a:ext cx="7064575" cy="4689480"/>
-                      </a:xfrm>
-                      <a:prstGeom prst="rect">
-                        <a:avLst/>
-                      </a:prstGeom>
-                      <a:noFill/>
-                      <a:ln>
-                        <a:noFill/>
-                      </a:ln>
-                      <a:effectLst/>
-                      <a:extLst>
-                        <a:ext uri="{909E8E84-426E-40DD-AFC4-6F175D3DCCD1}">
-                          <a14:hiddenFill xmlns:a14="http://schemas.microsoft.com/office/drawing/2010/main">
-                            <a:solidFill>
-                              <a:schemeClr val="accent1"/>
-                            </a:solidFill>
-                          </a14:hiddenFill>
-                        </a:ext>
-                        <a:ext uri="{91240B29-F687-4F45-9708-019B960494DF}">
-                          <a14:hiddenLine xmlns:a14="http://schemas.microsoft.com/office/drawing/2010/main" w="9525">
-                            <a:solidFill>
-                              <a:schemeClr val="tx1"/>
-                            </a:solidFill>
-                            <a:miter lim="800000"/>
-                            <a:headEnd/>
-                            <a:tailEnd/>
-                          </a14:hiddenLine>
-                        </a:ext>
-                        <a:ext uri="{AF507438-7753-43E0-B8FC-AC1667EBCBE1}">
-                          <a14:hiddenEffects xmlns:a14="http://schemas.microsoft.com/office/drawing/2010/main">
-                            <a:effectLst>
-                              <a:outerShdw dist="35921" dir="2700000" algn="ctr" rotWithShape="0">
-                                <a:schemeClr val="bg2"/>
-                              </a:outerShdw>
-                            </a:effectLst>
-                          </a14:hiddenEffects>
-                        </a:ext>
-                      </a:extLst>
-                    </p:spPr>
-                  </p:pic>
-                </p:oleObj>
-              </mc:Fallback>
-            </mc:AlternateContent>
-          </a:graphicData>
-        </a:graphic>
-      </p:graphicFrame>
-    </p:spTree>
-  </p:cSld>
-  <p:clrMapOvr>
-    <a:masterClrMapping/>
-  </p:clrMapOvr>
-  <p:timing>
-    <p:tnLst>
-      <p:par>
-        <p:cTn id="1" dur="indefinite" restart="never" nodeType="tmRoot"/>
-      </p:par>
-    </p:tnLst>
-  </p:timing>
-</p:sld>
-</file>
-
-<file path=ppt/slides/slide20.xml><?xml version="1.0" encoding="utf-8"?>
+<file path=ppt/slides/slide21.xml><?xml version="1.0" encoding="utf-8"?>
 <p:sld xmlns:a="http://schemas.openxmlformats.org/drawingml/2006/main" xmlns:r="http://schemas.openxmlformats.org/officeDocument/2006/relationships" xmlns:p="http://schemas.openxmlformats.org/presentationml/2006/main">
   <p:cSld>
     <p:spTree>
@@ -5638,76 +5264,144 @@
             <p:ph type="body" sz="quarter" idx="10"/>
           </p:nvPr>
         </p:nvSpPr>
-        <p:spPr/>
+        <p:spPr>
+          <a:xfrm>
+            <a:off x="250824" y="933450"/>
+            <a:ext cx="8569648" cy="5087838"/>
+          </a:xfrm>
+        </p:spPr>
         <p:txBody>
           <a:bodyPr/>
           <a:lstStyle/>
           <a:p>
             <a:r>
               <a:rPr lang="de-DE" dirty="0" smtClean="0"/>
-              <a:t>Java, Maven, Junit, EMF, Guava</a:t>
-            </a:r>
-          </a:p>
-          <a:p>
-            <a:r>
-              <a:rPr lang="de-DE" dirty="0" smtClean="0"/>
-              <a:t>Warum?</a:t>
+              <a:t>Technische Ziele der Architektur</a:t>
             </a:r>
           </a:p>
           <a:p>
             <a:pPr lvl="1"/>
             <a:r>
               <a:rPr lang="de-DE" dirty="0" smtClean="0"/>
-              <a:t>Standardtechnologien</a:t>
+              <a:t>Hohe Wiederverwendbarkeit</a:t>
             </a:r>
           </a:p>
           <a:p>
             <a:pPr lvl="1"/>
             <a:r>
               <a:rPr lang="de-DE" dirty="0" smtClean="0"/>
-              <a:t>Verbreitete Akzeptanz</a:t>
+              <a:t>Hohe </a:t>
+            </a:r>
+            <a:r>
+              <a:rPr lang="de-DE" dirty="0" smtClean="0"/>
+              <a:t>Flexibilität (</a:t>
+            </a:r>
+            <a:r>
+              <a:rPr lang="de-DE" dirty="0" err="1" smtClean="0"/>
+              <a:t>loose</a:t>
+            </a:r>
+            <a:r>
+              <a:rPr lang="de-DE" dirty="0" smtClean="0"/>
+              <a:t> </a:t>
+            </a:r>
+            <a:r>
+              <a:rPr lang="de-DE" dirty="0" err="1" smtClean="0"/>
+              <a:t>coupling</a:t>
+            </a:r>
+            <a:r>
+              <a:rPr lang="de-DE" dirty="0" smtClean="0"/>
+              <a:t>)</a:t>
             </a:r>
           </a:p>
           <a:p>
             <a:pPr lvl="1"/>
             <a:r>
               <a:rPr lang="de-DE" dirty="0" smtClean="0"/>
-              <a:t>Erfahrung</a:t>
-            </a:r>
-          </a:p>
-          <a:p>
-            <a:r>
-              <a:rPr lang="de-DE" dirty="0" smtClean="0"/>
-              <a:t>Zielarchitektur:</a:t>
+              <a:t>Geringer Wartungsaufwand</a:t>
             </a:r>
           </a:p>
           <a:p>
             <a:pPr lvl="1"/>
-            <a:r>
-              <a:rPr lang="de-DE" dirty="0" smtClean="0"/>
-              <a:t>Max reusability</a:t>
+            <a:endParaRPr lang="de-DE" dirty="0" smtClean="0"/>
+          </a:p>
+          <a:p>
+            <a:r>
+              <a:rPr lang="de-DE" dirty="0" smtClean="0"/>
+              <a:t>Technologien</a:t>
             </a:r>
           </a:p>
           <a:p>
             <a:pPr lvl="1"/>
             <a:r>
               <a:rPr lang="de-DE" dirty="0" smtClean="0"/>
-              <a:t>Max flexibility (loose coupling)</a:t>
+              <a:t>Java</a:t>
             </a:r>
           </a:p>
           <a:p>
             <a:pPr lvl="1"/>
             <a:r>
-              <a:rPr lang="de-DE" dirty="0" smtClean="0"/>
-              <a:t>Min maintenance effort</a:t>
-            </a:r>
+              <a:rPr lang="de-DE" dirty="0" err="1" smtClean="0"/>
+              <a:t>git</a:t>
+            </a:r>
+            <a:endParaRPr lang="de-DE" dirty="0" smtClean="0"/>
           </a:p>
           <a:p>
             <a:pPr lvl="1"/>
             <a:r>
               <a:rPr lang="de-DE" dirty="0" smtClean="0"/>
-              <a:t>Patterns!</a:t>
-            </a:r>
+              <a:t>Apache </a:t>
+            </a:r>
+            <a:r>
+              <a:rPr lang="de-DE" dirty="0" err="1" smtClean="0"/>
+              <a:t>Maven</a:t>
+            </a:r>
+            <a:endParaRPr lang="de-DE" dirty="0" smtClean="0"/>
+          </a:p>
+          <a:p>
+            <a:pPr lvl="1"/>
+            <a:r>
+              <a:rPr lang="de-DE" dirty="0" err="1" smtClean="0"/>
+              <a:t>Junit</a:t>
+            </a:r>
+            <a:endParaRPr lang="de-DE" dirty="0" smtClean="0"/>
+          </a:p>
+          <a:p>
+            <a:pPr lvl="1"/>
+            <a:endParaRPr lang="de-DE" dirty="0" smtClean="0"/>
+          </a:p>
+          <a:p>
+            <a:r>
+              <a:rPr lang="de-DE" dirty="0" smtClean="0"/>
+              <a:t>Bibliotheken</a:t>
+            </a:r>
+          </a:p>
+          <a:p>
+            <a:pPr lvl="1"/>
+            <a:r>
+              <a:rPr lang="de-DE" dirty="0" smtClean="0"/>
+              <a:t>Apache </a:t>
+            </a:r>
+            <a:r>
+              <a:rPr lang="de-DE" dirty="0" err="1" smtClean="0"/>
+              <a:t>Compress</a:t>
+            </a:r>
+            <a:endParaRPr lang="de-DE" dirty="0" smtClean="0"/>
+          </a:p>
+          <a:p>
+            <a:pPr lvl="1"/>
+            <a:r>
+              <a:rPr lang="de-DE" dirty="0" err="1" smtClean="0"/>
+              <a:t>Guava</a:t>
+            </a:r>
+            <a:endParaRPr lang="de-DE" dirty="0" smtClean="0"/>
+          </a:p>
+          <a:p>
+            <a:pPr lvl="1"/>
+            <a:r>
+              <a:rPr lang="de-DE" dirty="0" smtClean="0"/>
+              <a:t>EMF</a:t>
+            </a:r>
+            <a:endParaRPr lang="de-DE" dirty="0" smtClean="0"/>
           </a:p>
         </p:txBody>
       </p:sp>
@@ -5743,422 +5437,6 @@
               <a:t>Technische Aspekte</a:t>
             </a:r>
             <a:endParaRPr lang="bg-BG" sz="1400" dirty="0"/>
-          </a:p>
-        </p:txBody>
-      </p:sp>
-    </p:spTree>
-  </p:cSld>
-  <p:clrMapOvr>
-    <a:masterClrMapping/>
-  </p:clrMapOvr>
-  <p:timing>
-    <p:tnLst>
-      <p:par>
-        <p:cTn id="1" dur="indefinite" restart="never" nodeType="tmRoot"/>
-      </p:par>
-    </p:tnLst>
-  </p:timing>
-</p:sld>
-</file>
-
-<file path=ppt/slides/slide21.xml><?xml version="1.0" encoding="utf-8"?>
-<p:sld xmlns:a="http://schemas.openxmlformats.org/drawingml/2006/main" xmlns:r="http://schemas.openxmlformats.org/officeDocument/2006/relationships" xmlns:p="http://schemas.openxmlformats.org/presentationml/2006/main">
-  <p:cSld>
-    <p:spTree>
-      <p:nvGrpSpPr>
-        <p:cNvPr id="1" name=""/>
-        <p:cNvGrpSpPr/>
-        <p:nvPr/>
-      </p:nvGrpSpPr>
-      <p:grpSpPr>
-        <a:xfrm>
-          <a:off x="0" y="0"/>
-          <a:ext cx="0" cy="0"/>
-          <a:chOff x="0" y="0"/>
-          <a:chExt cx="0" cy="0"/>
-        </a:xfrm>
-      </p:grpSpPr>
-      <p:sp>
-        <p:nvSpPr>
-          <p:cNvPr id="3" name="Titel 2"/>
-          <p:cNvSpPr>
-            <a:spLocks noGrp="1"/>
-          </p:cNvSpPr>
-          <p:nvPr>
-            <p:ph type="title"/>
-          </p:nvPr>
-        </p:nvSpPr>
-        <p:spPr/>
-        <p:txBody>
-          <a:bodyPr/>
-          <a:lstStyle/>
-          <a:p>
-            <a:r>
-              <a:rPr lang="de-DE" dirty="0" smtClean="0"/>
-              <a:t>Agenda</a:t>
-            </a:r>
-            <a:endParaRPr lang="de-DE" dirty="0"/>
-          </a:p>
-        </p:txBody>
-      </p:sp>
-      <p:sp>
-        <p:nvSpPr>
-          <p:cNvPr id="5" name="Textplatzhalter 1"/>
-          <p:cNvSpPr txBox="1">
-            <a:spLocks/>
-          </p:cNvSpPr>
-          <p:nvPr/>
-        </p:nvSpPr>
-        <p:spPr>
-          <a:xfrm>
-            <a:off x="403224" y="1085850"/>
-            <a:ext cx="5329239" cy="4495813"/>
-          </a:xfrm>
-          <a:prstGeom prst="rect">
-            <a:avLst/>
-          </a:prstGeom>
-        </p:spPr>
-        <p:txBody>
-          <a:bodyPr/>
-          <a:lstStyle/>
-          <a:p>
-            <a:pPr marL="266700" marR="0" lvl="0" indent="-266700" algn="l" defTabSz="914400" rtl="0" eaLnBrk="1" fontAlgn="base" latinLnBrk="0" hangingPunct="1">
-              <a:lnSpc>
-                <a:spcPct val="150000"/>
-              </a:lnSpc>
-              <a:spcBef>
-                <a:spcPct val="20000"/>
-              </a:spcBef>
-              <a:spcAft>
-                <a:spcPct val="0"/>
-              </a:spcAft>
-              <a:buClr>
-                <a:srgbClr val="0065BD"/>
-              </a:buClr>
-              <a:buSzTx/>
-              <a:buFont typeface="Arial" charset="0"/>
-              <a:buChar char="●"/>
-              <a:tabLst/>
-              <a:defRPr/>
-            </a:pPr>
-            <a:r>
-              <a:rPr kumimoji="0" lang="de-DE" sz="2000" b="0" i="0" u="none" strike="noStrike" kern="0" cap="none" spc="0" normalizeH="0" baseline="0" noProof="0" dirty="0" smtClean="0">
-                <a:ln>
-                  <a:noFill/>
-                </a:ln>
-                <a:solidFill>
-                  <a:schemeClr val="tx1"/>
-                </a:solidFill>
-                <a:effectLst/>
-                <a:uLnTx/>
-                <a:uFillTx/>
-                <a:latin typeface="Arial" charset="0"/>
-                <a:ea typeface="+mn-ea"/>
-                <a:cs typeface="+mn-cs"/>
-              </a:rPr>
-              <a:t>Motivation</a:t>
-            </a:r>
-          </a:p>
-          <a:p>
-            <a:pPr marL="266700" marR="0" lvl="0" indent="-266700" algn="l" defTabSz="914400" rtl="0" eaLnBrk="1" fontAlgn="base" latinLnBrk="0" hangingPunct="1">
-              <a:lnSpc>
-                <a:spcPct val="150000"/>
-              </a:lnSpc>
-              <a:spcBef>
-                <a:spcPct val="20000"/>
-              </a:spcBef>
-              <a:spcAft>
-                <a:spcPct val="0"/>
-              </a:spcAft>
-              <a:buClr>
-                <a:srgbClr val="0065BD"/>
-              </a:buClr>
-              <a:buSzTx/>
-              <a:buFont typeface="Arial" charset="0"/>
-              <a:buChar char="●"/>
-              <a:tabLst/>
-              <a:defRPr/>
-            </a:pPr>
-            <a:r>
-              <a:rPr kumimoji="0" lang="de-DE" sz="2000" i="0" u="none" strike="noStrike" kern="0" cap="none" spc="0" normalizeH="0" baseline="0" noProof="0" dirty="0" smtClean="0">
-                <a:ln>
-                  <a:noFill/>
-                </a:ln>
-                <a:solidFill>
-                  <a:schemeClr val="tx1"/>
-                </a:solidFill>
-                <a:effectLst/>
-                <a:uLnTx/>
-                <a:uFillTx/>
-                <a:latin typeface="Arial" charset="0"/>
-                <a:ea typeface="+mn-ea"/>
-                <a:cs typeface="+mn-cs"/>
-              </a:rPr>
-              <a:t>Forschungsrichtungen</a:t>
-            </a:r>
-            <a:endParaRPr kumimoji="0" lang="de-DE" sz="2000" b="1" i="0" u="none" strike="noStrike" kern="0" cap="none" spc="0" normalizeH="0" baseline="0" noProof="0" dirty="0" smtClean="0">
-              <a:ln>
-                <a:noFill/>
-              </a:ln>
-              <a:solidFill>
-                <a:schemeClr val="tx1"/>
-              </a:solidFill>
-              <a:effectLst/>
-              <a:uLnTx/>
-              <a:uFillTx/>
-              <a:latin typeface="Arial" charset="0"/>
-              <a:ea typeface="+mn-ea"/>
-              <a:cs typeface="+mn-cs"/>
-            </a:endParaRPr>
-          </a:p>
-          <a:p>
-            <a:pPr marL="266700" marR="0" lvl="0" indent="-266700" algn="l" defTabSz="914400" rtl="0" eaLnBrk="1" fontAlgn="base" latinLnBrk="0" hangingPunct="1">
-              <a:lnSpc>
-                <a:spcPct val="150000"/>
-              </a:lnSpc>
-              <a:spcBef>
-                <a:spcPct val="20000"/>
-              </a:spcBef>
-              <a:spcAft>
-                <a:spcPct val="0"/>
-              </a:spcAft>
-              <a:buClr>
-                <a:srgbClr val="0065BD"/>
-              </a:buClr>
-              <a:buSzTx/>
-              <a:buFont typeface="Arial" charset="0"/>
-              <a:buChar char="●"/>
-              <a:tabLst/>
-              <a:defRPr/>
-            </a:pPr>
-            <a:r>
-              <a:rPr kumimoji="0" lang="de-DE" sz="2000" i="0" u="none" strike="noStrike" kern="0" cap="none" spc="0" normalizeH="0" baseline="0" noProof="0" dirty="0" smtClean="0">
-                <a:ln>
-                  <a:noFill/>
-                </a:ln>
-                <a:solidFill>
-                  <a:schemeClr val="tx1"/>
-                </a:solidFill>
-                <a:effectLst/>
-                <a:uLnTx/>
-                <a:uFillTx/>
-                <a:latin typeface="Arial" charset="0"/>
-                <a:ea typeface="+mn-ea"/>
-                <a:cs typeface="+mn-cs"/>
-              </a:rPr>
-              <a:t>Transformationen (IDP 1)</a:t>
-            </a:r>
-            <a:endParaRPr lang="de-DE" kern="0" noProof="0" dirty="0" smtClean="0">
-              <a:solidFill>
-                <a:schemeClr val="tx1"/>
-              </a:solidFill>
-            </a:endParaRPr>
-          </a:p>
-          <a:p>
-            <a:pPr marL="266700" marR="0" lvl="0" indent="-266700" algn="l" defTabSz="914400" rtl="0" eaLnBrk="1" fontAlgn="base" latinLnBrk="0" hangingPunct="1">
-              <a:lnSpc>
-                <a:spcPct val="150000"/>
-              </a:lnSpc>
-              <a:spcBef>
-                <a:spcPct val="20000"/>
-              </a:spcBef>
-              <a:spcAft>
-                <a:spcPct val="0"/>
-              </a:spcAft>
-              <a:buClr>
-                <a:srgbClr val="0065BD"/>
-              </a:buClr>
-              <a:buSzTx/>
-              <a:buFont typeface="Arial" charset="0"/>
-              <a:buChar char="●"/>
-              <a:tabLst/>
-              <a:defRPr/>
-            </a:pPr>
-            <a:r>
-              <a:rPr kumimoji="0" lang="de-DE" sz="2000" b="1" i="0" u="none" strike="noStrike" kern="0" cap="none" spc="0" normalizeH="0" baseline="0" noProof="0" dirty="0" smtClean="0">
-                <a:ln>
-                  <a:noFill/>
-                </a:ln>
-                <a:solidFill>
-                  <a:schemeClr val="tx1"/>
-                </a:solidFill>
-                <a:effectLst/>
-                <a:uLnTx/>
-                <a:uFillTx/>
-                <a:latin typeface="Arial" charset="0"/>
-                <a:ea typeface="+mn-ea"/>
-                <a:cs typeface="+mn-cs"/>
-              </a:rPr>
-              <a:t>Visualisierung (IDP 2)</a:t>
-            </a:r>
-          </a:p>
-          <a:p>
-            <a:pPr marL="723900" lvl="1" indent="-266700">
-              <a:spcBef>
-                <a:spcPct val="20000"/>
-              </a:spcBef>
-              <a:buClr>
-                <a:srgbClr val="0065BD"/>
-              </a:buClr>
-              <a:buFont typeface="Arial" charset="0"/>
-              <a:buChar char="●"/>
-            </a:pPr>
-            <a:r>
-              <a:rPr lang="de-DE" sz="1800" dirty="0" smtClean="0"/>
-              <a:t>Ziele</a:t>
-            </a:r>
-          </a:p>
-          <a:p>
-            <a:pPr marL="723900" lvl="1" indent="-266700">
-              <a:spcBef>
-                <a:spcPct val="20000"/>
-              </a:spcBef>
-              <a:buClr>
-                <a:srgbClr val="0065BD"/>
-              </a:buClr>
-              <a:buFont typeface="Arial" charset="0"/>
-              <a:buChar char="●"/>
-            </a:pPr>
-            <a:r>
-              <a:rPr lang="de-DE" sz="1800" dirty="0" smtClean="0"/>
-              <a:t>Realisierung der Ziele</a:t>
-            </a:r>
-          </a:p>
-          <a:p>
-            <a:pPr marL="723900" lvl="1" indent="-266700">
-              <a:spcBef>
-                <a:spcPct val="20000"/>
-              </a:spcBef>
-              <a:buClr>
-                <a:srgbClr val="0065BD"/>
-              </a:buClr>
-              <a:buFont typeface="Arial" charset="0"/>
-              <a:buChar char="●"/>
-            </a:pPr>
-            <a:r>
-              <a:rPr lang="de-DE" sz="1800" dirty="0" smtClean="0"/>
-              <a:t>Technische Grundlagen</a:t>
-            </a:r>
-          </a:p>
-          <a:p>
-            <a:pPr marL="723900" lvl="1" indent="-266700">
-              <a:spcBef>
-                <a:spcPct val="20000"/>
-              </a:spcBef>
-              <a:buClr>
-                <a:srgbClr val="0065BD"/>
-              </a:buClr>
-              <a:buFont typeface="Arial" charset="0"/>
-              <a:buChar char="●"/>
-            </a:pPr>
-            <a:r>
-              <a:rPr lang="de-DE" sz="1800" dirty="0" smtClean="0"/>
-              <a:t>Implementierung</a:t>
-            </a:r>
-            <a:endParaRPr kumimoji="0" lang="de-DE" sz="2000" b="0" i="0" u="none" strike="noStrike" kern="0" cap="none" spc="0" normalizeH="0" baseline="0" noProof="0" dirty="0" smtClean="0">
-              <a:ln>
-                <a:noFill/>
-              </a:ln>
-              <a:solidFill>
-                <a:schemeClr val="tx1"/>
-              </a:solidFill>
-              <a:effectLst/>
-              <a:uLnTx/>
-              <a:uFillTx/>
-              <a:latin typeface="Arial" charset="0"/>
-              <a:ea typeface="+mn-ea"/>
-              <a:cs typeface="+mn-cs"/>
-            </a:endParaRPr>
-          </a:p>
-          <a:p>
-            <a:pPr marL="266700" marR="0" lvl="0" indent="-266700" algn="l" defTabSz="914400" rtl="0" eaLnBrk="1" fontAlgn="base" latinLnBrk="0" hangingPunct="1">
-              <a:lnSpc>
-                <a:spcPct val="150000"/>
-              </a:lnSpc>
-              <a:spcBef>
-                <a:spcPct val="20000"/>
-              </a:spcBef>
-              <a:spcAft>
-                <a:spcPct val="0"/>
-              </a:spcAft>
-              <a:buClr>
-                <a:srgbClr val="0065BD"/>
-              </a:buClr>
-              <a:buSzTx/>
-              <a:buFont typeface="Arial" charset="0"/>
-              <a:buChar char="●"/>
-              <a:tabLst/>
-              <a:defRPr/>
-            </a:pPr>
-            <a:r>
-              <a:rPr kumimoji="0" lang="de-DE" sz="2000" b="0" i="0" u="none" strike="noStrike" kern="0" cap="none" spc="0" normalizeH="0" baseline="0" noProof="0" dirty="0" smtClean="0">
-                <a:ln>
-                  <a:noFill/>
-                </a:ln>
-                <a:solidFill>
-                  <a:schemeClr val="tx1"/>
-                </a:solidFill>
-                <a:effectLst/>
-                <a:uLnTx/>
-                <a:uFillTx/>
-                <a:latin typeface="Arial" charset="0"/>
-                <a:ea typeface="+mn-ea"/>
-                <a:cs typeface="+mn-cs"/>
-              </a:rPr>
-              <a:t>Ergebnisse</a:t>
-            </a:r>
-          </a:p>
-          <a:p>
-            <a:pPr marL="266700" marR="0" lvl="0" indent="-266700" algn="l" defTabSz="914400" rtl="0" eaLnBrk="1" fontAlgn="base" latinLnBrk="0" hangingPunct="1">
-              <a:lnSpc>
-                <a:spcPct val="150000"/>
-              </a:lnSpc>
-              <a:spcBef>
-                <a:spcPct val="20000"/>
-              </a:spcBef>
-              <a:spcAft>
-                <a:spcPct val="0"/>
-              </a:spcAft>
-              <a:buClr>
-                <a:srgbClr val="0065BD"/>
-              </a:buClr>
-              <a:buSzTx/>
-              <a:buFont typeface="Arial" charset="0"/>
-              <a:buChar char="●"/>
-              <a:tabLst/>
-              <a:defRPr/>
-            </a:pPr>
-            <a:r>
-              <a:rPr kumimoji="0" lang="de-DE" sz="2000" b="0" i="0" u="none" strike="noStrike" kern="0" cap="none" spc="0" normalizeH="0" baseline="0" noProof="0" dirty="0" smtClean="0">
-                <a:ln>
-                  <a:noFill/>
-                </a:ln>
-                <a:solidFill>
-                  <a:schemeClr val="tx1"/>
-                </a:solidFill>
-                <a:effectLst/>
-                <a:uLnTx/>
-                <a:uFillTx/>
-                <a:latin typeface="Arial" charset="0"/>
-                <a:ea typeface="+mn-ea"/>
-                <a:cs typeface="+mn-cs"/>
-              </a:rPr>
-              <a:t>Ausblick</a:t>
-            </a:r>
-            <a:endParaRPr kumimoji="0" lang="de-DE" sz="2000" b="0" i="0" u="none" strike="noStrike" kern="0" cap="none" spc="0" normalizeH="0" baseline="0" noProof="0" dirty="0">
-              <a:ln>
-                <a:noFill/>
-              </a:ln>
-              <a:solidFill>
-                <a:schemeClr val="tx1"/>
-              </a:solidFill>
-              <a:effectLst/>
-              <a:uLnTx/>
-              <a:uFillTx/>
-              <a:latin typeface="Arial" charset="0"/>
-              <a:ea typeface="+mn-ea"/>
-              <a:cs typeface="+mn-cs"/>
-            </a:endParaRPr>
           </a:p>
         </p:txBody>
       </p:sp>
@@ -6196,100 +5474,6 @@
       </p:grpSpPr>
       <p:sp>
         <p:nvSpPr>
-          <p:cNvPr id="2" name="Textplatzhalter 1"/>
-          <p:cNvSpPr>
-            <a:spLocks noGrp="1"/>
-          </p:cNvSpPr>
-          <p:nvPr>
-            <p:ph type="body" sz="quarter" idx="10"/>
-          </p:nvPr>
-        </p:nvSpPr>
-        <p:spPr>
-          <a:xfrm>
-            <a:off x="250824" y="933450"/>
-            <a:ext cx="8031164" cy="4495813"/>
-          </a:xfrm>
-        </p:spPr>
-        <p:txBody>
-          <a:bodyPr/>
-          <a:lstStyle/>
-          <a:p>
-            <a:r>
-              <a:rPr lang="de-DE" dirty="0" smtClean="0"/>
-              <a:t>Ziele</a:t>
-            </a:r>
-          </a:p>
-          <a:p>
-            <a:pPr lvl="1"/>
-            <a:r>
-              <a:rPr lang="de-DE" dirty="0" smtClean="0"/>
-              <a:t>Import </a:t>
-            </a:r>
-            <a:r>
-              <a:rPr lang="de-DE" dirty="0"/>
-              <a:t>und Export aus verschiedenen Quellformaten</a:t>
-            </a:r>
-          </a:p>
-          <a:p>
-            <a:pPr lvl="1"/>
-            <a:r>
-              <a:rPr lang="de-DE" dirty="0"/>
-              <a:t>Visualisierung des Gesamtmodells</a:t>
-            </a:r>
-          </a:p>
-          <a:p>
-            <a:pPr lvl="1"/>
-            <a:r>
-              <a:rPr lang="de-DE" dirty="0"/>
-              <a:t>Bearbeitung des Gesamtmodells</a:t>
-            </a:r>
-          </a:p>
-          <a:p>
-            <a:pPr lvl="1"/>
-            <a:r>
-              <a:rPr lang="de-DE" dirty="0"/>
-              <a:t>Analysen auf dem </a:t>
-            </a:r>
-            <a:r>
-              <a:rPr lang="de-DE" dirty="0" smtClean="0"/>
-              <a:t>Gesamtmodell</a:t>
-            </a:r>
-          </a:p>
-          <a:p>
-            <a:r>
-              <a:rPr lang="de-DE" dirty="0" smtClean="0"/>
-              <a:t>Anforderungen</a:t>
-            </a:r>
-          </a:p>
-          <a:p>
-            <a:pPr lvl="1"/>
-            <a:r>
-              <a:rPr lang="de-DE" dirty="0" smtClean="0"/>
-              <a:t>Benutzerfreundlichkeit</a:t>
-            </a:r>
-          </a:p>
-          <a:p>
-            <a:pPr lvl="1"/>
-            <a:r>
-              <a:rPr lang="de-DE" dirty="0" smtClean="0"/>
-              <a:t>Ohne Mehraufwand nutzbar</a:t>
-            </a:r>
-          </a:p>
-          <a:p>
-            <a:pPr lvl="1"/>
-            <a:r>
-              <a:rPr lang="de-DE" dirty="0" smtClean="0"/>
-              <a:t>Mehrnutzen generieren</a:t>
-            </a:r>
-            <a:endParaRPr lang="de-DE" dirty="0"/>
-          </a:p>
-          <a:p>
-            <a:endParaRPr lang="de-DE" dirty="0"/>
-          </a:p>
-        </p:txBody>
-      </p:sp>
-      <p:sp>
-        <p:nvSpPr>
           <p:cNvPr id="3" name="Titel 2"/>
           <p:cNvSpPr>
             <a:spLocks noGrp="1"/>
@@ -6305,36 +5489,373 @@
           <a:p>
             <a:r>
               <a:rPr lang="de-DE" dirty="0" smtClean="0"/>
-              <a:t>Visualisierung (IDP 2) – Ziele</a:t>
+              <a:t>Agenda</a:t>
             </a:r>
             <a:endParaRPr lang="de-DE" dirty="0"/>
           </a:p>
         </p:txBody>
       </p:sp>
-      <p:pic>
-        <p:nvPicPr>
-          <p:cNvPr id="4" name="Grafik 3"/>
-          <p:cNvPicPr>
-            <a:picLocks noChangeAspect="1"/>
-          </p:cNvPicPr>
+      <p:sp>
+        <p:nvSpPr>
+          <p:cNvPr id="5" name="Textplatzhalter 1"/>
+          <p:cNvSpPr txBox="1">
+            <a:spLocks/>
+          </p:cNvSpPr>
           <p:nvPr/>
-        </p:nvPicPr>
-        <p:blipFill>
-          <a:blip r:embed="rId2" cstate="print"/>
-          <a:stretch>
-            <a:fillRect/>
-          </a:stretch>
-        </p:blipFill>
+        </p:nvSpPr>
         <p:spPr>
           <a:xfrm>
-            <a:off x="3851920" y="2705491"/>
-            <a:ext cx="4829445" cy="3099773"/>
+            <a:off x="403224" y="1085850"/>
+            <a:ext cx="5329239" cy="4495813"/>
           </a:xfrm>
           <a:prstGeom prst="rect">
             <a:avLst/>
           </a:prstGeom>
         </p:spPr>
-      </p:pic>
+        <p:txBody>
+          <a:bodyPr/>
+          <a:lstStyle/>
+          <a:p>
+            <a:pPr marL="266700" marR="0" lvl="0" indent="-266700" algn="l" defTabSz="914400" rtl="0" eaLnBrk="1" fontAlgn="base" latinLnBrk="0" hangingPunct="1">
+              <a:lnSpc>
+                <a:spcPct val="150000"/>
+              </a:lnSpc>
+              <a:spcBef>
+                <a:spcPct val="20000"/>
+              </a:spcBef>
+              <a:spcAft>
+                <a:spcPct val="0"/>
+              </a:spcAft>
+              <a:buClr>
+                <a:srgbClr val="0065BD"/>
+              </a:buClr>
+              <a:buSzTx/>
+              <a:buFont typeface="Arial" charset="0"/>
+              <a:buChar char="●"/>
+              <a:tabLst/>
+              <a:defRPr/>
+            </a:pPr>
+            <a:r>
+              <a:rPr kumimoji="0" lang="de-DE" sz="2000" b="0" i="0" u="none" strike="noStrike" kern="0" cap="none" spc="0" normalizeH="0" baseline="0" noProof="0" dirty="0" smtClean="0">
+                <a:ln>
+                  <a:noFill/>
+                </a:ln>
+                <a:solidFill>
+                  <a:schemeClr val="tx1"/>
+                </a:solidFill>
+                <a:effectLst/>
+                <a:uLnTx/>
+                <a:uFillTx/>
+                <a:latin typeface="Arial" charset="0"/>
+                <a:ea typeface="+mn-ea"/>
+                <a:cs typeface="+mn-cs"/>
+              </a:rPr>
+              <a:t>Motivation</a:t>
+            </a:r>
+          </a:p>
+          <a:p>
+            <a:pPr marL="266700" marR="0" lvl="0" indent="-266700" algn="l" defTabSz="914400" rtl="0" eaLnBrk="1" fontAlgn="base" latinLnBrk="0" hangingPunct="1">
+              <a:lnSpc>
+                <a:spcPct val="150000"/>
+              </a:lnSpc>
+              <a:spcBef>
+                <a:spcPct val="20000"/>
+              </a:spcBef>
+              <a:spcAft>
+                <a:spcPct val="0"/>
+              </a:spcAft>
+              <a:buClr>
+                <a:srgbClr val="0065BD"/>
+              </a:buClr>
+              <a:buSzTx/>
+              <a:buFont typeface="Arial" charset="0"/>
+              <a:buChar char="●"/>
+              <a:tabLst/>
+              <a:defRPr/>
+            </a:pPr>
+            <a:r>
+              <a:rPr kumimoji="0" lang="de-DE" sz="2000" i="0" u="none" strike="noStrike" kern="0" cap="none" spc="0" normalizeH="0" baseline="0" noProof="0" dirty="0" smtClean="0">
+                <a:ln>
+                  <a:noFill/>
+                </a:ln>
+                <a:solidFill>
+                  <a:schemeClr val="tx1"/>
+                </a:solidFill>
+                <a:effectLst/>
+                <a:uLnTx/>
+                <a:uFillTx/>
+                <a:latin typeface="Arial" charset="0"/>
+                <a:ea typeface="+mn-ea"/>
+                <a:cs typeface="+mn-cs"/>
+              </a:rPr>
+              <a:t>Forschungsrichtungen</a:t>
+            </a:r>
+            <a:endParaRPr kumimoji="0" lang="de-DE" sz="2000" b="1" i="0" u="none" strike="noStrike" kern="0" cap="none" spc="0" normalizeH="0" baseline="0" noProof="0" dirty="0" smtClean="0">
+              <a:ln>
+                <a:noFill/>
+              </a:ln>
+              <a:solidFill>
+                <a:schemeClr val="tx1"/>
+              </a:solidFill>
+              <a:effectLst/>
+              <a:uLnTx/>
+              <a:uFillTx/>
+              <a:latin typeface="Arial" charset="0"/>
+              <a:ea typeface="+mn-ea"/>
+              <a:cs typeface="+mn-cs"/>
+            </a:endParaRPr>
+          </a:p>
+          <a:p>
+            <a:pPr marL="266700" marR="0" lvl="0" indent="-266700" algn="l" defTabSz="914400" rtl="0" eaLnBrk="1" fontAlgn="base" latinLnBrk="0" hangingPunct="1">
+              <a:lnSpc>
+                <a:spcPct val="150000"/>
+              </a:lnSpc>
+              <a:spcBef>
+                <a:spcPct val="20000"/>
+              </a:spcBef>
+              <a:spcAft>
+                <a:spcPct val="0"/>
+              </a:spcAft>
+              <a:buClr>
+                <a:srgbClr val="0065BD"/>
+              </a:buClr>
+              <a:buSzTx/>
+              <a:buFont typeface="Arial" charset="0"/>
+              <a:buChar char="●"/>
+              <a:tabLst/>
+              <a:defRPr/>
+            </a:pPr>
+            <a:r>
+              <a:rPr kumimoji="0" lang="de-DE" sz="2000" i="0" u="none" strike="noStrike" kern="0" cap="none" spc="0" normalizeH="0" baseline="0" noProof="0" dirty="0" smtClean="0">
+                <a:ln>
+                  <a:noFill/>
+                </a:ln>
+                <a:solidFill>
+                  <a:schemeClr val="tx1"/>
+                </a:solidFill>
+                <a:effectLst/>
+                <a:uLnTx/>
+                <a:uFillTx/>
+                <a:latin typeface="Arial" charset="0"/>
+                <a:ea typeface="+mn-ea"/>
+                <a:cs typeface="+mn-cs"/>
+              </a:rPr>
+              <a:t>Transformationen (IDP 1)</a:t>
+            </a:r>
+            <a:endParaRPr lang="de-DE" kern="0" noProof="0" dirty="0" smtClean="0">
+              <a:solidFill>
+                <a:schemeClr val="tx1"/>
+              </a:solidFill>
+            </a:endParaRPr>
+          </a:p>
+          <a:p>
+            <a:pPr marL="266700" marR="0" lvl="0" indent="-266700" algn="l" defTabSz="914400" rtl="0" eaLnBrk="1" fontAlgn="base" latinLnBrk="0" hangingPunct="1">
+              <a:lnSpc>
+                <a:spcPct val="150000"/>
+              </a:lnSpc>
+              <a:spcBef>
+                <a:spcPct val="20000"/>
+              </a:spcBef>
+              <a:spcAft>
+                <a:spcPct val="0"/>
+              </a:spcAft>
+              <a:buClr>
+                <a:srgbClr val="0065BD"/>
+              </a:buClr>
+              <a:buSzTx/>
+              <a:buFont typeface="Arial" charset="0"/>
+              <a:buChar char="●"/>
+              <a:tabLst/>
+              <a:defRPr/>
+            </a:pPr>
+            <a:r>
+              <a:rPr kumimoji="0" lang="de-DE" sz="2000" b="1" i="0" u="none" strike="noStrike" kern="0" cap="none" spc="0" normalizeH="0" baseline="0" noProof="0" dirty="0" smtClean="0">
+                <a:ln>
+                  <a:noFill/>
+                </a:ln>
+                <a:solidFill>
+                  <a:schemeClr val="tx1"/>
+                </a:solidFill>
+                <a:effectLst/>
+                <a:uLnTx/>
+                <a:uFillTx/>
+                <a:latin typeface="Arial" charset="0"/>
+                <a:ea typeface="+mn-ea"/>
+                <a:cs typeface="+mn-cs"/>
+              </a:rPr>
+              <a:t>Visualisierung (IDP 2)</a:t>
+            </a:r>
+          </a:p>
+          <a:p>
+            <a:pPr marL="723900" lvl="1" indent="-266700">
+              <a:spcBef>
+                <a:spcPct val="20000"/>
+              </a:spcBef>
+              <a:buClr>
+                <a:srgbClr val="0065BD"/>
+              </a:buClr>
+              <a:buFont typeface="Arial" charset="0"/>
+              <a:buChar char="●"/>
+            </a:pPr>
+            <a:r>
+              <a:rPr lang="de-DE" sz="1800" dirty="0" smtClean="0"/>
+              <a:t>Ziele</a:t>
+            </a:r>
+          </a:p>
+          <a:p>
+            <a:pPr marL="723900" lvl="1" indent="-266700">
+              <a:spcBef>
+                <a:spcPct val="20000"/>
+              </a:spcBef>
+              <a:buClr>
+                <a:srgbClr val="0065BD"/>
+              </a:buClr>
+              <a:buFont typeface="Arial" charset="0"/>
+              <a:buChar char="●"/>
+            </a:pPr>
+            <a:r>
+              <a:rPr lang="de-DE" sz="1800" dirty="0" smtClean="0"/>
+              <a:t>Realisierung der Ziele</a:t>
+            </a:r>
+          </a:p>
+          <a:p>
+            <a:pPr marL="723900" lvl="1" indent="-266700">
+              <a:spcBef>
+                <a:spcPct val="20000"/>
+              </a:spcBef>
+              <a:buClr>
+                <a:srgbClr val="0065BD"/>
+              </a:buClr>
+              <a:buFont typeface="Arial" charset="0"/>
+              <a:buChar char="●"/>
+            </a:pPr>
+            <a:r>
+              <a:rPr lang="de-DE" sz="1800" dirty="0" smtClean="0"/>
+              <a:t>Technische Grundlagen</a:t>
+            </a:r>
+          </a:p>
+          <a:p>
+            <a:pPr marL="723900" lvl="1" indent="-266700">
+              <a:spcBef>
+                <a:spcPct val="20000"/>
+              </a:spcBef>
+              <a:buClr>
+                <a:srgbClr val="0065BD"/>
+              </a:buClr>
+              <a:buFont typeface="Arial" charset="0"/>
+              <a:buChar char="●"/>
+            </a:pPr>
+            <a:r>
+              <a:rPr lang="de-DE" sz="1800" dirty="0" smtClean="0"/>
+              <a:t>Implementierung</a:t>
+            </a:r>
+            <a:endParaRPr kumimoji="0" lang="de-DE" sz="2000" b="0" i="0" u="none" strike="noStrike" kern="0" cap="none" spc="0" normalizeH="0" baseline="0" noProof="0" dirty="0" smtClean="0">
+              <a:ln>
+                <a:noFill/>
+              </a:ln>
+              <a:solidFill>
+                <a:schemeClr val="tx1"/>
+              </a:solidFill>
+              <a:effectLst/>
+              <a:uLnTx/>
+              <a:uFillTx/>
+              <a:latin typeface="Arial" charset="0"/>
+              <a:ea typeface="+mn-ea"/>
+              <a:cs typeface="+mn-cs"/>
+            </a:endParaRPr>
+          </a:p>
+          <a:p>
+            <a:pPr marL="266700" marR="0" lvl="0" indent="-266700" algn="l" defTabSz="914400" rtl="0" eaLnBrk="1" fontAlgn="base" latinLnBrk="0" hangingPunct="1">
+              <a:lnSpc>
+                <a:spcPct val="150000"/>
+              </a:lnSpc>
+              <a:spcBef>
+                <a:spcPct val="20000"/>
+              </a:spcBef>
+              <a:spcAft>
+                <a:spcPct val="0"/>
+              </a:spcAft>
+              <a:buClr>
+                <a:srgbClr val="0065BD"/>
+              </a:buClr>
+              <a:buSzTx/>
+              <a:buFont typeface="Arial" charset="0"/>
+              <a:buChar char="●"/>
+              <a:tabLst/>
+              <a:defRPr/>
+            </a:pPr>
+            <a:r>
+              <a:rPr kumimoji="0" lang="de-DE" sz="2000" b="0" i="0" u="none" strike="noStrike" kern="0" cap="none" spc="0" normalizeH="0" baseline="0" noProof="0" dirty="0" smtClean="0">
+                <a:ln>
+                  <a:noFill/>
+                </a:ln>
+                <a:solidFill>
+                  <a:schemeClr val="tx1"/>
+                </a:solidFill>
+                <a:effectLst/>
+                <a:uLnTx/>
+                <a:uFillTx/>
+                <a:latin typeface="Arial" charset="0"/>
+                <a:ea typeface="+mn-ea"/>
+                <a:cs typeface="+mn-cs"/>
+              </a:rPr>
+              <a:t>Ergebnisse</a:t>
+            </a:r>
+          </a:p>
+          <a:p>
+            <a:pPr marL="266700" marR="0" lvl="0" indent="-266700" algn="l" defTabSz="914400" rtl="0" eaLnBrk="1" fontAlgn="base" latinLnBrk="0" hangingPunct="1">
+              <a:lnSpc>
+                <a:spcPct val="150000"/>
+              </a:lnSpc>
+              <a:spcBef>
+                <a:spcPct val="20000"/>
+              </a:spcBef>
+              <a:spcAft>
+                <a:spcPct val="0"/>
+              </a:spcAft>
+              <a:buClr>
+                <a:srgbClr val="0065BD"/>
+              </a:buClr>
+              <a:buSzTx/>
+              <a:buFont typeface="Arial" charset="0"/>
+              <a:buChar char="●"/>
+              <a:tabLst/>
+              <a:defRPr/>
+            </a:pPr>
+            <a:r>
+              <a:rPr kumimoji="0" lang="de-DE" sz="2000" b="0" i="0" u="none" strike="noStrike" kern="0" cap="none" spc="0" normalizeH="0" baseline="0" noProof="0" dirty="0" smtClean="0">
+                <a:ln>
+                  <a:noFill/>
+                </a:ln>
+                <a:solidFill>
+                  <a:schemeClr val="tx1"/>
+                </a:solidFill>
+                <a:effectLst/>
+                <a:uLnTx/>
+                <a:uFillTx/>
+                <a:latin typeface="Arial" charset="0"/>
+                <a:ea typeface="+mn-ea"/>
+                <a:cs typeface="+mn-cs"/>
+              </a:rPr>
+              <a:t>Ausblick</a:t>
+            </a:r>
+            <a:endParaRPr kumimoji="0" lang="de-DE" sz="2000" b="0" i="0" u="none" strike="noStrike" kern="0" cap="none" spc="0" normalizeH="0" baseline="0" noProof="0" dirty="0">
+              <a:ln>
+                <a:noFill/>
+              </a:ln>
+              <a:solidFill>
+                <a:schemeClr val="tx1"/>
+              </a:solidFill>
+              <a:effectLst/>
+              <a:uLnTx/>
+              <a:uFillTx/>
+              <a:latin typeface="Arial" charset="0"/>
+              <a:ea typeface="+mn-ea"/>
+              <a:cs typeface="+mn-cs"/>
+            </a:endParaRPr>
+          </a:p>
+        </p:txBody>
+      </p:sp>
     </p:spTree>
   </p:cSld>
   <p:clrMapOvr>
@@ -6388,46 +5909,23 @@
           <a:lstStyle/>
           <a:p>
             <a:r>
+              <a:rPr lang="de-DE" dirty="0" smtClean="0"/>
+              <a:t>Ziele</a:t>
+            </a:r>
+          </a:p>
+          <a:p>
+            <a:pPr lvl="1"/>
+            <a:r>
+              <a:rPr lang="de-DE" dirty="0" smtClean="0"/>
+              <a:t>Import </a:t>
+            </a:r>
+            <a:r>
               <a:rPr lang="de-DE" dirty="0"/>
-              <a:t>Import und Export aus verschiedenen Quellformaten</a:t>
+              <a:t>und Export aus verschiedenen Quellformaten</a:t>
             </a:r>
           </a:p>
           <a:p>
             <a:pPr lvl="1"/>
-            <a:r>
-              <a:rPr lang="de-DE" dirty="0"/>
-              <a:t>Automatischer Import </a:t>
-            </a:r>
-            <a:r>
-              <a:rPr lang="de-DE" dirty="0" smtClean="0"/>
-              <a:t>mit </a:t>
-            </a:r>
-            <a:r>
-              <a:rPr lang="de-DE" dirty="0"/>
-              <a:t>PSS-IF </a:t>
-            </a:r>
-            <a:r>
-              <a:rPr lang="de-DE" dirty="0" smtClean="0"/>
-              <a:t>Transform</a:t>
-            </a:r>
-          </a:p>
-          <a:p>
-            <a:pPr lvl="1"/>
-            <a:r>
-              <a:rPr lang="de-DE" dirty="0" smtClean="0"/>
-              <a:t>Export in verschiedene Zielsprachen mit </a:t>
-            </a:r>
-            <a:r>
-              <a:rPr lang="de-DE" dirty="0"/>
-              <a:t>PSS-IF </a:t>
-            </a:r>
-            <a:r>
-              <a:rPr lang="de-DE" dirty="0" smtClean="0"/>
-              <a:t>Transform</a:t>
-            </a:r>
-            <a:endParaRPr lang="de-DE" dirty="0"/>
-          </a:p>
-          <a:p>
             <a:r>
               <a:rPr lang="de-DE" dirty="0"/>
               <a:t>Visualisierung des Gesamtmodells</a:t>
@@ -6437,71 +5935,47 @@
             <a:pPr lvl="1"/>
             <a:r>
               <a:rPr lang="de-DE" dirty="0"/>
-              <a:t>Unterschiedliche Visualisierungen der </a:t>
-            </a:r>
-            <a:r>
-              <a:rPr lang="de-DE" dirty="0" smtClean="0"/>
-              <a:t>Elemente </a:t>
-            </a:r>
+              <a:t>Bearbeitung des Gesamtmodells</a:t>
+            </a:r>
+          </a:p>
+          <a:p>
+            <a:pPr lvl="1"/>
             <a:r>
               <a:rPr lang="de-DE" dirty="0"/>
-              <a:t>(Farbe, Form, Inhalt)</a:t>
+              <a:t>Analysen auf dem </a:t>
+            </a:r>
+            <a:r>
+              <a:rPr lang="de-DE" dirty="0" smtClean="0"/>
+              <a:t>Gesamtmodell</a:t>
+            </a:r>
+          </a:p>
+          <a:p>
+            <a:r>
+              <a:rPr lang="de-DE" dirty="0" smtClean="0"/>
+              <a:t>Anforderungen</a:t>
             </a:r>
           </a:p>
           <a:p>
             <a:pPr lvl="1"/>
             <a:r>
-              <a:rPr lang="de-DE" dirty="0"/>
-              <a:t>Verschiedene Ansichten auf das Modell (Graph, Matrix)</a:t>
-            </a:r>
-          </a:p>
-          <a:p>
-            <a:r>
-              <a:rPr lang="de-DE" dirty="0"/>
-              <a:t>Bearbeitung des Gesamtmodells</a:t>
+              <a:rPr lang="de-DE" dirty="0" smtClean="0"/>
+              <a:t>Benutzerfreundlichkeit</a:t>
             </a:r>
           </a:p>
           <a:p>
             <a:pPr lvl="1"/>
             <a:r>
-              <a:rPr lang="de-DE" dirty="0"/>
-              <a:t>Modifikation der Element Attribute</a:t>
+              <a:rPr lang="de-DE" dirty="0" smtClean="0"/>
+              <a:t>Ohne Mehraufwand nutzbar</a:t>
             </a:r>
           </a:p>
           <a:p>
             <a:pPr lvl="1"/>
             <a:r>
-              <a:rPr lang="de-DE" dirty="0"/>
-              <a:t>Einfaches Einfügen und Löschen von Elementen</a:t>
-            </a:r>
-          </a:p>
-          <a:p>
-            <a:r>
-              <a:rPr lang="de-DE" dirty="0"/>
-              <a:t>Analysen auf dem Gesamtmodell</a:t>
-            </a:r>
-          </a:p>
-          <a:p>
-            <a:pPr lvl="1"/>
-            <a:r>
-              <a:rPr lang="de-DE" dirty="0"/>
-              <a:t>Hervorheben von Zusammenhängen</a:t>
-            </a:r>
-          </a:p>
-          <a:p>
-            <a:pPr lvl="1"/>
-            <a:r>
-              <a:rPr lang="de-DE" dirty="0"/>
-              <a:t>Filtern </a:t>
-            </a:r>
-            <a:r>
-              <a:rPr lang="de-DE" dirty="0" smtClean="0"/>
-              <a:t>über Attribute </a:t>
-            </a:r>
-            <a:r>
-              <a:rPr lang="de-DE" dirty="0"/>
-              <a:t>und Elementtypen</a:t>
-            </a:r>
+              <a:rPr lang="de-DE" dirty="0" smtClean="0"/>
+              <a:t>Mehrnutzen generieren</a:t>
+            </a:r>
+            <a:endParaRPr lang="de-DE" dirty="0"/>
           </a:p>
           <a:p>
             <a:endParaRPr lang="de-DE" dirty="0"/>
@@ -6525,12 +5999,36 @@
           <a:p>
             <a:r>
               <a:rPr lang="de-DE" dirty="0" smtClean="0"/>
-              <a:t>Visualisierung (IDP 2) – Realisierung der Ziele</a:t>
+              <a:t>Visualisierung (IDP 2) – Ziele</a:t>
             </a:r>
             <a:endParaRPr lang="de-DE" dirty="0"/>
           </a:p>
         </p:txBody>
       </p:sp>
+      <p:pic>
+        <p:nvPicPr>
+          <p:cNvPr id="4" name="Grafik 3"/>
+          <p:cNvPicPr>
+            <a:picLocks noChangeAspect="1"/>
+          </p:cNvPicPr>
+          <p:nvPr/>
+        </p:nvPicPr>
+        <p:blipFill>
+          <a:blip r:embed="rId2" cstate="print"/>
+          <a:stretch>
+            <a:fillRect/>
+          </a:stretch>
+        </p:blipFill>
+        <p:spPr>
+          <a:xfrm>
+            <a:off x="3851920" y="2705491"/>
+            <a:ext cx="4829445" cy="3099773"/>
+          </a:xfrm>
+          <a:prstGeom prst="rect">
+            <a:avLst/>
+          </a:prstGeom>
+        </p:spPr>
+      </p:pic>
     </p:spTree>
   </p:cSld>
   <p:clrMapOvr>
@@ -6585,135 +6083,122 @@
           <a:p>
             <a:r>
               <a:rPr lang="de-DE" dirty="0"/>
+              <a:t>Import und Export aus verschiedenen Quellformaten</a:t>
+            </a:r>
+          </a:p>
+          <a:p>
+            <a:pPr lvl="1"/>
+            <a:r>
+              <a:rPr lang="de-DE" dirty="0"/>
+              <a:t>Automatischer Import </a:t>
+            </a:r>
+            <a:r>
+              <a:rPr lang="de-DE" dirty="0" smtClean="0"/>
+              <a:t>mit </a:t>
+            </a:r>
+            <a:r>
+              <a:rPr lang="de-DE" dirty="0"/>
               <a:t>PSS-IF </a:t>
             </a:r>
             <a:r>
               <a:rPr lang="de-DE" dirty="0" smtClean="0"/>
-              <a:t>Core</a:t>
+              <a:t>Transform</a:t>
             </a:r>
           </a:p>
           <a:p>
             <a:pPr lvl="1"/>
             <a:r>
               <a:rPr lang="de-DE" dirty="0" smtClean="0"/>
-              <a:t>Modellierungssprache des PSS-IF Modells</a:t>
+              <a:t>Export in verschiedene Zielsprachen mit </a:t>
+            </a:r>
+            <a:r>
+              <a:rPr lang="de-DE" dirty="0"/>
+              <a:t>PSS-IF </a:t>
+            </a:r>
+            <a:r>
+              <a:rPr lang="de-DE" dirty="0" smtClean="0"/>
+              <a:t>Transform</a:t>
             </a:r>
             <a:endParaRPr lang="de-DE" dirty="0"/>
           </a:p>
           <a:p>
             <a:r>
-              <a:rPr lang="de-DE" dirty="0" smtClean="0"/>
-              <a:t>PSS-IF </a:t>
-            </a:r>
-            <a:r>
-              <a:rPr lang="de-DE" dirty="0" smtClean="0"/>
-              <a:t>Transform</a:t>
+              <a:rPr lang="de-DE" dirty="0"/>
+              <a:t>Visualisierung des Gesamtmodells</a:t>
             </a:r>
           </a:p>
           <a:p>
             <a:pPr lvl="1"/>
             <a:r>
-              <a:rPr lang="de-DE" dirty="0" smtClean="0"/>
-              <a:t>Transformationen aus Quellsprache zu PSS-IF</a:t>
+              <a:rPr lang="de-DE" dirty="0"/>
+              <a:t>Unterschiedliche Visualisierungen der </a:t>
+            </a:r>
+            <a:r>
+              <a:rPr lang="de-DE" dirty="0" smtClean="0"/>
+              <a:t>Elemente </a:t>
+            </a:r>
+            <a:r>
+              <a:rPr lang="de-DE" dirty="0"/>
+              <a:t>(Farbe, Form, Inhalt)</a:t>
             </a:r>
           </a:p>
           <a:p>
             <a:pPr lvl="1"/>
             <a:r>
-              <a:rPr lang="de-DE" dirty="0" smtClean="0"/>
-              <a:t>Transformationen </a:t>
-            </a:r>
-            <a:r>
               <a:rPr lang="de-DE" dirty="0"/>
-              <a:t>aus </a:t>
-            </a:r>
-            <a:r>
-              <a:rPr lang="de-DE" dirty="0" smtClean="0"/>
-              <a:t>PSS-IF zur Ausgabesprache</a:t>
-            </a:r>
+              <a:t>Verschiedene Ansichten auf das Modell (Graph, Matrix)</a:t>
+            </a:r>
+          </a:p>
+          <a:p>
+            <a:r>
+              <a:rPr lang="de-DE" dirty="0"/>
+              <a:t>Bearbeitung des Gesamtmodells</a:t>
+            </a:r>
+          </a:p>
+          <a:p>
+            <a:pPr lvl="1"/>
+            <a:r>
+              <a:rPr lang="de-DE" dirty="0"/>
+              <a:t>Modifikation der Element Attribute</a:t>
+            </a:r>
+          </a:p>
+          <a:p>
+            <a:pPr lvl="1"/>
+            <a:r>
+              <a:rPr lang="de-DE" dirty="0"/>
+              <a:t>Einfaches Einfügen und Löschen von Elementen</a:t>
+            </a:r>
+          </a:p>
+          <a:p>
+            <a:r>
+              <a:rPr lang="de-DE" dirty="0"/>
+              <a:t>Analysen auf dem Gesamtmodell</a:t>
+            </a:r>
+          </a:p>
+          <a:p>
+            <a:pPr lvl="1"/>
+            <a:r>
+              <a:rPr lang="de-DE" dirty="0"/>
+              <a:t>Hervorheben von Zusammenhängen</a:t>
+            </a:r>
+          </a:p>
+          <a:p>
+            <a:pPr lvl="1"/>
+            <a:r>
+              <a:rPr lang="de-DE" dirty="0"/>
+              <a:t>Filtern </a:t>
+            </a:r>
+            <a:r>
+              <a:rPr lang="de-DE" dirty="0" smtClean="0"/>
+              <a:t>über Attribute </a:t>
+            </a:r>
+            <a:r>
+              <a:rPr lang="de-DE" dirty="0"/>
+              <a:t>und Elementtypen</a:t>
+            </a:r>
+          </a:p>
+          <a:p>
             <a:endParaRPr lang="de-DE" dirty="0"/>
-          </a:p>
-          <a:p>
-            <a:r>
-              <a:rPr lang="de-DE" dirty="0" smtClean="0"/>
-              <a:t>Jung2 </a:t>
-            </a:r>
-            <a:r>
-              <a:rPr lang="de-DE" dirty="0" smtClean="0"/>
-              <a:t>Framework</a:t>
-            </a:r>
-          </a:p>
-          <a:p>
-            <a:pPr lvl="1"/>
-            <a:r>
-              <a:rPr lang="de-DE" dirty="0" smtClean="0"/>
-              <a:t>Vorteile</a:t>
-            </a:r>
-            <a:endParaRPr lang="de-DE" dirty="0"/>
-          </a:p>
-          <a:p>
-            <a:pPr lvl="2"/>
-            <a:r>
-              <a:rPr lang="de-DE" dirty="0" smtClean="0"/>
-              <a:t>Framework </a:t>
-            </a:r>
-            <a:r>
-              <a:rPr lang="de-DE" dirty="0"/>
-              <a:t>zur Visualisierung von Graphen und Netzwerken</a:t>
-            </a:r>
-          </a:p>
-          <a:p>
-            <a:pPr lvl="2"/>
-            <a:r>
-              <a:rPr lang="de-DE" dirty="0"/>
-              <a:t>Open </a:t>
-            </a:r>
-            <a:r>
-              <a:rPr lang="de-DE" dirty="0" smtClean="0"/>
-              <a:t>Source</a:t>
-            </a:r>
-          </a:p>
-          <a:p>
-            <a:pPr lvl="2"/>
-            <a:r>
-              <a:rPr lang="de-DE" dirty="0" smtClean="0"/>
-              <a:t>Leicht anpassbar und erweiterbar</a:t>
-            </a:r>
-            <a:endParaRPr lang="de-DE" dirty="0"/>
-          </a:p>
-          <a:p>
-            <a:pPr lvl="2"/>
-            <a:r>
-              <a:rPr lang="de-DE" dirty="0" smtClean="0"/>
-              <a:t>Java </a:t>
-            </a:r>
-            <a:r>
-              <a:rPr lang="de-DE" dirty="0" smtClean="0"/>
-              <a:t>API</a:t>
-            </a:r>
-          </a:p>
-          <a:p>
-            <a:pPr lvl="1"/>
-            <a:r>
-              <a:rPr lang="de-DE" dirty="0" smtClean="0"/>
-              <a:t>Nachteil</a:t>
-            </a:r>
-          </a:p>
-          <a:p>
-            <a:pPr lvl="2"/>
-            <a:r>
-              <a:rPr lang="de-DE" dirty="0" smtClean="0"/>
-              <a:t>Benötigt festgelegte Datenstruktur (</a:t>
-            </a:r>
-            <a:r>
-              <a:rPr lang="de-DE" dirty="0" err="1" smtClean="0"/>
-              <a:t>Viz</a:t>
-            </a:r>
-            <a:r>
-              <a:rPr lang="de-DE" dirty="0" smtClean="0"/>
-              <a:t>-Modell)</a:t>
-            </a:r>
-            <a:endParaRPr lang="de-DE" dirty="0" smtClean="0"/>
           </a:p>
         </p:txBody>
       </p:sp>
@@ -6734,7 +6219,7 @@
           <a:p>
             <a:r>
               <a:rPr lang="de-DE" dirty="0" smtClean="0"/>
-              <a:t>Visualisierung (IDP 2) – Technische Grundlagen</a:t>
+              <a:t>Visualisierung (IDP 2) – Realisierung der Ziele</a:t>
             </a:r>
             <a:endParaRPr lang="de-DE" dirty="0"/>
           </a:p>
@@ -6774,6 +6259,147 @@
       </p:grpSpPr>
       <p:sp>
         <p:nvSpPr>
+          <p:cNvPr id="2" name="Textplatzhalter 1"/>
+          <p:cNvSpPr>
+            <a:spLocks noGrp="1"/>
+          </p:cNvSpPr>
+          <p:nvPr>
+            <p:ph type="body" sz="quarter" idx="10"/>
+          </p:nvPr>
+        </p:nvSpPr>
+        <p:spPr>
+          <a:xfrm>
+            <a:off x="250824" y="933450"/>
+            <a:ext cx="8031164" cy="4495813"/>
+          </a:xfrm>
+        </p:spPr>
+        <p:txBody>
+          <a:bodyPr/>
+          <a:lstStyle/>
+          <a:p>
+            <a:r>
+              <a:rPr lang="de-DE" dirty="0"/>
+              <a:t>PSS-IF </a:t>
+            </a:r>
+            <a:r>
+              <a:rPr lang="de-DE" dirty="0" smtClean="0"/>
+              <a:t>Core</a:t>
+            </a:r>
+          </a:p>
+          <a:p>
+            <a:pPr lvl="1"/>
+            <a:r>
+              <a:rPr lang="de-DE" dirty="0" smtClean="0"/>
+              <a:t>Modellierungssprache des PSS-IF Modells</a:t>
+            </a:r>
+            <a:endParaRPr lang="de-DE" dirty="0"/>
+          </a:p>
+          <a:p>
+            <a:r>
+              <a:rPr lang="de-DE" dirty="0" smtClean="0"/>
+              <a:t>PSS-IF Transform</a:t>
+            </a:r>
+          </a:p>
+          <a:p>
+            <a:pPr lvl="1"/>
+            <a:r>
+              <a:rPr lang="de-DE" dirty="0" smtClean="0"/>
+              <a:t>Transformationen aus Quellsprache zu PSS-IF</a:t>
+            </a:r>
+          </a:p>
+          <a:p>
+            <a:pPr lvl="1"/>
+            <a:r>
+              <a:rPr lang="de-DE" dirty="0" smtClean="0"/>
+              <a:t>Transformationen </a:t>
+            </a:r>
+            <a:r>
+              <a:rPr lang="de-DE" dirty="0"/>
+              <a:t>aus </a:t>
+            </a:r>
+            <a:r>
+              <a:rPr lang="de-DE" dirty="0" smtClean="0"/>
+              <a:t>PSS-IF zur Ausgabesprache</a:t>
+            </a:r>
+            <a:endParaRPr lang="de-DE" dirty="0"/>
+          </a:p>
+          <a:p>
+            <a:r>
+              <a:rPr lang="de-DE" dirty="0" smtClean="0"/>
+              <a:t>Jung2 Framework</a:t>
+            </a:r>
+          </a:p>
+          <a:p>
+            <a:pPr lvl="1"/>
+            <a:r>
+              <a:rPr lang="de-DE" dirty="0" smtClean="0"/>
+              <a:t>Vorteile</a:t>
+            </a:r>
+            <a:endParaRPr lang="de-DE" dirty="0"/>
+          </a:p>
+          <a:p>
+            <a:pPr lvl="2"/>
+            <a:r>
+              <a:rPr lang="de-DE" dirty="0" smtClean="0"/>
+              <a:t>Framework </a:t>
+            </a:r>
+            <a:r>
+              <a:rPr lang="de-DE" dirty="0"/>
+              <a:t>zur Visualisierung von Graphen und Netzwerken</a:t>
+            </a:r>
+          </a:p>
+          <a:p>
+            <a:pPr lvl="2"/>
+            <a:r>
+              <a:rPr lang="de-DE" dirty="0"/>
+              <a:t>Open </a:t>
+            </a:r>
+            <a:r>
+              <a:rPr lang="de-DE" dirty="0" smtClean="0"/>
+              <a:t>Source</a:t>
+            </a:r>
+          </a:p>
+          <a:p>
+            <a:pPr lvl="2"/>
+            <a:r>
+              <a:rPr lang="de-DE" dirty="0" smtClean="0"/>
+              <a:t>Leicht anpassbar und erweiterbar</a:t>
+            </a:r>
+            <a:endParaRPr lang="de-DE" dirty="0"/>
+          </a:p>
+          <a:p>
+            <a:pPr lvl="2"/>
+            <a:r>
+              <a:rPr lang="de-DE" dirty="0" smtClean="0"/>
+              <a:t>Java API</a:t>
+            </a:r>
+          </a:p>
+          <a:p>
+            <a:pPr lvl="1"/>
+            <a:r>
+              <a:rPr lang="de-DE" dirty="0" smtClean="0"/>
+              <a:t>Nachteil</a:t>
+            </a:r>
+          </a:p>
+          <a:p>
+            <a:pPr lvl="2"/>
+            <a:r>
+              <a:rPr lang="de-DE" dirty="0" smtClean="0"/>
+              <a:t>Benötigt festgelegte Datenstruktur (</a:t>
+            </a:r>
+            <a:r>
+              <a:rPr lang="de-DE" dirty="0" err="1" smtClean="0"/>
+              <a:t>Viz</a:t>
+            </a:r>
+            <a:r>
+              <a:rPr lang="de-DE" dirty="0" smtClean="0"/>
+              <a:t>-Modell)</a:t>
+            </a:r>
+          </a:p>
+        </p:txBody>
+      </p:sp>
+      <p:sp>
+        <p:nvSpPr>
           <p:cNvPr id="3" name="Titel 2"/>
           <p:cNvSpPr>
             <a:spLocks noGrp="1"/>
@@ -6782,61 +6408,19 @@
             <p:ph type="title"/>
           </p:nvPr>
         </p:nvSpPr>
-        <p:spPr>
-          <a:xfrm>
-            <a:off x="250825" y="195526"/>
-            <a:ext cx="8031163" cy="600164"/>
-          </a:xfrm>
-        </p:spPr>
+        <p:spPr/>
         <p:txBody>
           <a:bodyPr/>
           <a:lstStyle/>
           <a:p>
             <a:r>
               <a:rPr lang="de-DE" dirty="0" smtClean="0"/>
-              <a:t>Visualisierung (IDP 2) – Implementierung</a:t>
-            </a:r>
-            <a:br>
-              <a:rPr lang="de-DE" dirty="0" smtClean="0"/>
-            </a:br>
-            <a:r>
-              <a:rPr lang="de-DE" sz="1400" dirty="0" smtClean="0"/>
-              <a:t>Aufbau des Viz-Modells</a:t>
-            </a:r>
-            <a:endParaRPr lang="de-DE" sz="1400" dirty="0"/>
+              <a:t>Visualisierung (IDP 2) – Technische Grundlagen</a:t>
+            </a:r>
+            <a:endParaRPr lang="de-DE" dirty="0"/>
           </a:p>
         </p:txBody>
       </p:sp>
-      <p:pic>
-        <p:nvPicPr>
-          <p:cNvPr id="2" name="Grafik 1"/>
-          <p:cNvPicPr>
-            <a:picLocks noChangeAspect="1"/>
-          </p:cNvPicPr>
-          <p:nvPr/>
-        </p:nvPicPr>
-        <p:blipFill>
-          <a:blip r:embed="rId2">
-            <a:extLst>
-              <a:ext uri="{28A0092B-C50C-407E-A947-70E740481C1C}">
-                <a14:useLocalDpi xmlns:a14="http://schemas.microsoft.com/office/drawing/2010/main" val="0"/>
-              </a:ext>
-            </a:extLst>
-          </a:blip>
-          <a:stretch>
-            <a:fillRect/>
-          </a:stretch>
-        </p:blipFill>
-        <p:spPr>
-          <a:xfrm>
-            <a:off x="2371938" y="692696"/>
-            <a:ext cx="4400125" cy="5358062"/>
-          </a:xfrm>
-          <a:prstGeom prst="rect">
-            <a:avLst/>
-          </a:prstGeom>
-        </p:spPr>
-      </p:pic>
     </p:spTree>
   </p:cSld>
   <p:clrMapOvr>
@@ -6893,6 +6477,103 @@
               <a:rPr lang="de-DE" dirty="0" smtClean="0"/>
               <a:t>Visualisierung (IDP 2) – Implementierung</a:t>
             </a:r>
+            <a:br>
+              <a:rPr lang="de-DE" dirty="0" smtClean="0"/>
+            </a:br>
+            <a:r>
+              <a:rPr lang="de-DE" sz="1400" dirty="0" smtClean="0"/>
+              <a:t>Aufbau des Viz-Modells</a:t>
+            </a:r>
+            <a:endParaRPr lang="de-DE" sz="1400" dirty="0"/>
+          </a:p>
+        </p:txBody>
+      </p:sp>
+      <p:pic>
+        <p:nvPicPr>
+          <p:cNvPr id="2" name="Grafik 1"/>
+          <p:cNvPicPr>
+            <a:picLocks noChangeAspect="1"/>
+          </p:cNvPicPr>
+          <p:nvPr/>
+        </p:nvPicPr>
+        <p:blipFill>
+          <a:blip r:embed="rId2" cstate="print">
+            <a:extLst>
+              <a:ext uri="{28A0092B-C50C-407E-A947-70E740481C1C}">
+                <a14:useLocalDpi xmlns:a14="http://schemas.microsoft.com/office/drawing/2010/main" xmlns="" val="0"/>
+              </a:ext>
+            </a:extLst>
+          </a:blip>
+          <a:stretch>
+            <a:fillRect/>
+          </a:stretch>
+        </p:blipFill>
+        <p:spPr>
+          <a:xfrm>
+            <a:off x="2371938" y="692696"/>
+            <a:ext cx="4400125" cy="5358062"/>
+          </a:xfrm>
+          <a:prstGeom prst="rect">
+            <a:avLst/>
+          </a:prstGeom>
+        </p:spPr>
+      </p:pic>
+    </p:spTree>
+  </p:cSld>
+  <p:clrMapOvr>
+    <a:masterClrMapping/>
+  </p:clrMapOvr>
+  <p:timing>
+    <p:tnLst>
+      <p:par>
+        <p:cTn id="1" dur="indefinite" restart="never" nodeType="tmRoot"/>
+      </p:par>
+    </p:tnLst>
+  </p:timing>
+</p:sld>
+</file>
+
+<file path=ppt/slides/slide27.xml><?xml version="1.0" encoding="utf-8"?>
+<p:sld xmlns:a="http://schemas.openxmlformats.org/drawingml/2006/main" xmlns:r="http://schemas.openxmlformats.org/officeDocument/2006/relationships" xmlns:p="http://schemas.openxmlformats.org/presentationml/2006/main">
+  <p:cSld>
+    <p:spTree>
+      <p:nvGrpSpPr>
+        <p:cNvPr id="1" name=""/>
+        <p:cNvGrpSpPr/>
+        <p:nvPr/>
+      </p:nvGrpSpPr>
+      <p:grpSpPr>
+        <a:xfrm>
+          <a:off x="0" y="0"/>
+          <a:ext cx="0" cy="0"/>
+          <a:chOff x="0" y="0"/>
+          <a:chExt cx="0" cy="0"/>
+        </a:xfrm>
+      </p:grpSpPr>
+      <p:sp>
+        <p:nvSpPr>
+          <p:cNvPr id="3" name="Titel 2"/>
+          <p:cNvSpPr>
+            <a:spLocks noGrp="1"/>
+          </p:cNvSpPr>
+          <p:nvPr>
+            <p:ph type="title"/>
+          </p:nvPr>
+        </p:nvSpPr>
+        <p:spPr>
+          <a:xfrm>
+            <a:off x="250825" y="195526"/>
+            <a:ext cx="8031163" cy="600164"/>
+          </a:xfrm>
+        </p:spPr>
+        <p:txBody>
+          <a:bodyPr/>
+          <a:lstStyle/>
+          <a:p>
+            <a:r>
+              <a:rPr lang="de-DE" dirty="0" smtClean="0"/>
+              <a:t>Visualisierung (IDP 2) – Implementierung</a:t>
+            </a:r>
             <a:r>
               <a:rPr lang="de-DE" dirty="0"/>
               <a:t/>
@@ -6935,7 +6616,7 @@
     </p:spTree>
     <p:extLst>
       <p:ext uri="{BB962C8B-B14F-4D97-AF65-F5344CB8AC3E}">
-        <p14:creationId xmlns:p14="http://schemas.microsoft.com/office/powerpoint/2010/main" val="427906190"/>
+        <p14:creationId xmlns:p14="http://schemas.microsoft.com/office/powerpoint/2010/main" xmlns="" val="427906190"/>
       </p:ext>
     </p:extLst>
   </p:cSld>
@@ -6952,7 +6633,7 @@
 </p:sld>
 </file>
 
-<file path=ppt/slides/slide27.xml><?xml version="1.0" encoding="utf-8"?>
+<file path=ppt/slides/slide28.xml><?xml version="1.0" encoding="utf-8"?>
 <p:sld xmlns:a="http://schemas.openxmlformats.org/drawingml/2006/main" xmlns:r="http://schemas.openxmlformats.org/officeDocument/2006/relationships" xmlns:p="http://schemas.openxmlformats.org/presentationml/2006/main">
   <p:cSld>
     <p:spTree>
@@ -7341,7 +7022,7 @@
     </p:spTree>
     <p:extLst>
       <p:ext uri="{BB962C8B-B14F-4D97-AF65-F5344CB8AC3E}">
-        <p14:creationId xmlns:p14="http://schemas.microsoft.com/office/powerpoint/2010/main" val="3871759119"/>
+        <p14:creationId xmlns:p14="http://schemas.microsoft.com/office/powerpoint/2010/main" xmlns="" val="3871759119"/>
       </p:ext>
     </p:extLst>
   </p:cSld>
@@ -7781,7 +7462,7 @@
 </p:sld>
 </file>
 
-<file path=ppt/slides/slide28.xml><?xml version="1.0" encoding="utf-8"?>
+<file path=ppt/slides/slide29.xml><?xml version="1.0" encoding="utf-8"?>
 <p:sld xmlns:a="http://schemas.openxmlformats.org/drawingml/2006/main" xmlns:r="http://schemas.openxmlformats.org/officeDocument/2006/relationships" xmlns:p="http://schemas.openxmlformats.org/presentationml/2006/main">
   <p:cSld>
     <p:spTree>
@@ -7934,11 +7615,7 @@
             </a:pPr>
             <a:r>
               <a:rPr lang="de-DE" dirty="0" smtClean="0"/>
-              <a:t>Einfügen von </a:t>
-            </a:r>
-            <a:r>
-              <a:rPr lang="de-DE" dirty="0" smtClean="0"/>
-              <a:t>Knoten</a:t>
+              <a:t>Einfügen von Knoten</a:t>
             </a:r>
             <a:endParaRPr lang="de-DE" dirty="0"/>
           </a:p>
@@ -8129,11 +7806,7 @@
             </a:pPr>
             <a:r>
               <a:rPr lang="de-DE" kern="0" dirty="0" smtClean="0"/>
-              <a:t>(1</a:t>
-            </a:r>
-            <a:r>
-              <a:rPr lang="de-DE" kern="0" dirty="0" smtClean="0"/>
-              <a:t>) Startknoten und Endknoten der Kante festlegen</a:t>
+              <a:t>(1) Startknoten und Endknoten der Kante festlegen</a:t>
             </a:r>
             <a:endParaRPr lang="de-DE" kern="0" dirty="0"/>
           </a:p>
@@ -8323,11 +7996,7 @@
             </a:pPr>
             <a:r>
               <a:rPr lang="de-DE" kern="0" dirty="0" smtClean="0"/>
-              <a:t>(2</a:t>
-            </a:r>
-            <a:r>
-              <a:rPr lang="de-DE" kern="0" dirty="0" smtClean="0"/>
-              <a:t>) Kantentyp und </a:t>
+              <a:t>(2) Kantentyp und </a:t>
             </a:r>
             <a:r>
               <a:rPr lang="de-DE" dirty="0"/>
@@ -8376,7 +8045,7 @@
     </p:spTree>
     <p:extLst>
       <p:ext uri="{BB962C8B-B14F-4D97-AF65-F5344CB8AC3E}">
-        <p14:creationId xmlns:p14="http://schemas.microsoft.com/office/powerpoint/2010/main" val="492424617"/>
+        <p14:creationId xmlns:p14="http://schemas.microsoft.com/office/powerpoint/2010/main" xmlns="" val="492424617"/>
       </p:ext>
     </p:extLst>
   </p:cSld>
@@ -8592,148 +8261,6 @@
 </p:sld>
 </file>
 
-<file path=ppt/slides/slide29.xml><?xml version="1.0" encoding="utf-8"?>
-<p:sld xmlns:a="http://schemas.openxmlformats.org/drawingml/2006/main" xmlns:r="http://schemas.openxmlformats.org/officeDocument/2006/relationships" xmlns:p="http://schemas.openxmlformats.org/presentationml/2006/main">
-  <p:cSld>
-    <p:spTree>
-      <p:nvGrpSpPr>
-        <p:cNvPr id="1" name=""/>
-        <p:cNvGrpSpPr/>
-        <p:nvPr/>
-      </p:nvGrpSpPr>
-      <p:grpSpPr>
-        <a:xfrm>
-          <a:off x="0" y="0"/>
-          <a:ext cx="0" cy="0"/>
-          <a:chOff x="0" y="0"/>
-          <a:chExt cx="0" cy="0"/>
-        </a:xfrm>
-      </p:grpSpPr>
-      <p:sp>
-        <p:nvSpPr>
-          <p:cNvPr id="3" name="Titel 2"/>
-          <p:cNvSpPr>
-            <a:spLocks noGrp="1"/>
-          </p:cNvSpPr>
-          <p:nvPr>
-            <p:ph type="title"/>
-          </p:nvPr>
-        </p:nvSpPr>
-        <p:spPr>
-          <a:xfrm>
-            <a:off x="250825" y="195526"/>
-            <a:ext cx="8031163" cy="600164"/>
-          </a:xfrm>
-        </p:spPr>
-        <p:txBody>
-          <a:bodyPr/>
-          <a:lstStyle/>
-          <a:p>
-            <a:r>
-              <a:rPr lang="de-DE" dirty="0" smtClean="0"/>
-              <a:t>Visualisierung (IDP 2) – GraphView</a:t>
-            </a:r>
-            <a:r>
-              <a:rPr lang="de-DE" b="0" dirty="0" smtClean="0"/>
-              <a:t/>
-            </a:r>
-            <a:br>
-              <a:rPr lang="de-DE" b="0" dirty="0" smtClean="0"/>
-            </a:br>
-            <a:r>
-              <a:rPr lang="de-DE" sz="1400" dirty="0" smtClean="0"/>
-              <a:t>Analysen</a:t>
-            </a:r>
-            <a:endParaRPr lang="de-DE" dirty="0"/>
-          </a:p>
-        </p:txBody>
-      </p:sp>
-      <p:pic>
-        <p:nvPicPr>
-          <p:cNvPr id="4" name="Grafik 3"/>
-          <p:cNvPicPr>
-            <a:picLocks noChangeAspect="1"/>
-          </p:cNvPicPr>
-          <p:nvPr/>
-        </p:nvPicPr>
-        <p:blipFill>
-          <a:blip r:embed="rId2" cstate="print"/>
-          <a:stretch>
-            <a:fillRect/>
-          </a:stretch>
-        </p:blipFill>
-        <p:spPr>
-          <a:xfrm>
-            <a:off x="250825" y="1412776"/>
-            <a:ext cx="7987706" cy="3861530"/>
-          </a:xfrm>
-          <a:prstGeom prst="rect">
-            <a:avLst/>
-          </a:prstGeom>
-        </p:spPr>
-      </p:pic>
-      <p:sp>
-        <p:nvSpPr>
-          <p:cNvPr id="5" name="Textfeld 4"/>
-          <p:cNvSpPr txBox="1"/>
-          <p:nvPr/>
-        </p:nvSpPr>
-        <p:spPr>
-          <a:xfrm>
-            <a:off x="250825" y="904178"/>
-            <a:ext cx="6168676" cy="400110"/>
-          </a:xfrm>
-          <a:prstGeom prst="rect">
-            <a:avLst/>
-          </a:prstGeom>
-          <a:noFill/>
-        </p:spPr>
-        <p:txBody>
-          <a:bodyPr wrap="none" rtlCol="0">
-            <a:spAutoFit/>
-          </a:bodyPr>
-          <a:lstStyle/>
-          <a:p>
-            <a:r>
-              <a:rPr lang="de-DE" dirty="0"/>
-              <a:t>Hervorheben von Zusammenhängen (</a:t>
-            </a:r>
-            <a:r>
-              <a:rPr lang="de-DE" dirty="0" err="1"/>
-              <a:t>Depth</a:t>
-            </a:r>
-            <a:r>
-              <a:rPr lang="de-DE" dirty="0"/>
-              <a:t> Search</a:t>
-            </a:r>
-            <a:r>
-              <a:rPr lang="de-DE" dirty="0" smtClean="0"/>
-              <a:t>)</a:t>
-            </a:r>
-            <a:endParaRPr lang="de-DE" dirty="0"/>
-          </a:p>
-        </p:txBody>
-      </p:sp>
-    </p:spTree>
-    <p:extLst>
-      <p:ext uri="{BB962C8B-B14F-4D97-AF65-F5344CB8AC3E}">
-        <p14:creationId xmlns:p14="http://schemas.microsoft.com/office/powerpoint/2010/main" val="3583291954"/>
-      </p:ext>
-    </p:extLst>
-  </p:cSld>
-  <p:clrMapOvr>
-    <a:masterClrMapping/>
-  </p:clrMapOvr>
-  <p:timing>
-    <p:tnLst>
-      <p:par>
-        <p:cTn id="1" dur="indefinite" restart="never" nodeType="tmRoot"/>
-      </p:par>
-    </p:tnLst>
-  </p:timing>
-</p:sld>
-</file>
-
 <file path=ppt/slides/slide3.xml><?xml version="1.0" encoding="utf-8"?>
 <p:sld xmlns:a="http://schemas.openxmlformats.org/drawingml/2006/main" xmlns:r="http://schemas.openxmlformats.org/officeDocument/2006/relationships" xmlns:p="http://schemas.openxmlformats.org/presentationml/2006/main">
   <p:cSld>
@@ -8761,14 +8288,30 @@
             <p:ph type="body" sz="quarter" idx="10"/>
           </p:nvPr>
         </p:nvSpPr>
-        <p:spPr/>
+        <p:spPr>
+          <a:xfrm>
+            <a:off x="250824" y="933450"/>
+            <a:ext cx="8569648" cy="4495813"/>
+          </a:xfrm>
+        </p:spPr>
         <p:txBody>
           <a:bodyPr/>
           <a:lstStyle/>
           <a:p>
             <a:r>
               <a:rPr lang="de-DE" dirty="0" smtClean="0"/>
-              <a:t>SFB 768: „</a:t>
+              <a:t>SFB 768</a:t>
+            </a:r>
+            <a:r>
+              <a:rPr lang="de-DE" dirty="0" smtClean="0"/>
+              <a:t>:</a:t>
+            </a:r>
+            <a:br>
+              <a:rPr lang="de-DE" dirty="0" smtClean="0"/>
+            </a:br>
+            <a:r>
+              <a:rPr lang="de-DE" dirty="0" smtClean="0"/>
+              <a:t>„</a:t>
             </a:r>
             <a:r>
               <a:rPr lang="en-US" dirty="0" smtClean="0"/>
@@ -8780,7 +8323,15 @@
             </a:r>
             <a:r>
               <a:rPr lang="en-US" dirty="0" smtClean="0"/>
-              <a:t>  development of product-service-systems”</a:t>
+              <a:t> </a:t>
+            </a:r>
+            <a:r>
+              <a:rPr lang="en-US" dirty="0" smtClean="0"/>
+              <a:t>development </a:t>
+            </a:r>
+            <a:r>
+              <a:rPr lang="en-US" dirty="0" smtClean="0"/>
+              <a:t>of product-service-systems”</a:t>
             </a:r>
           </a:p>
         </p:txBody>
@@ -8825,7 +8376,7 @@
         </p:blipFill>
         <p:spPr bwMode="auto">
           <a:xfrm>
-            <a:off x="4499992" y="2060848"/>
+            <a:off x="2562225" y="2119089"/>
             <a:ext cx="4019550" cy="3686175"/>
           </a:xfrm>
           <a:prstGeom prst="rect">
@@ -8874,6 +8425,148 @@
       </p:grpSpPr>
       <p:sp>
         <p:nvSpPr>
+          <p:cNvPr id="3" name="Titel 2"/>
+          <p:cNvSpPr>
+            <a:spLocks noGrp="1"/>
+          </p:cNvSpPr>
+          <p:nvPr>
+            <p:ph type="title"/>
+          </p:nvPr>
+        </p:nvSpPr>
+        <p:spPr>
+          <a:xfrm>
+            <a:off x="250825" y="195526"/>
+            <a:ext cx="8031163" cy="600164"/>
+          </a:xfrm>
+        </p:spPr>
+        <p:txBody>
+          <a:bodyPr/>
+          <a:lstStyle/>
+          <a:p>
+            <a:r>
+              <a:rPr lang="de-DE" dirty="0" smtClean="0"/>
+              <a:t>Visualisierung (IDP 2) – GraphView</a:t>
+            </a:r>
+            <a:r>
+              <a:rPr lang="de-DE" b="0" dirty="0" smtClean="0"/>
+              <a:t/>
+            </a:r>
+            <a:br>
+              <a:rPr lang="de-DE" b="0" dirty="0" smtClean="0"/>
+            </a:br>
+            <a:r>
+              <a:rPr lang="de-DE" sz="1400" dirty="0" smtClean="0"/>
+              <a:t>Analysen</a:t>
+            </a:r>
+            <a:endParaRPr lang="de-DE" dirty="0"/>
+          </a:p>
+        </p:txBody>
+      </p:sp>
+      <p:pic>
+        <p:nvPicPr>
+          <p:cNvPr id="4" name="Grafik 3"/>
+          <p:cNvPicPr>
+            <a:picLocks noChangeAspect="1"/>
+          </p:cNvPicPr>
+          <p:nvPr/>
+        </p:nvPicPr>
+        <p:blipFill>
+          <a:blip r:embed="rId2" cstate="print"/>
+          <a:stretch>
+            <a:fillRect/>
+          </a:stretch>
+        </p:blipFill>
+        <p:spPr>
+          <a:xfrm>
+            <a:off x="250825" y="1412776"/>
+            <a:ext cx="7987706" cy="3861530"/>
+          </a:xfrm>
+          <a:prstGeom prst="rect">
+            <a:avLst/>
+          </a:prstGeom>
+        </p:spPr>
+      </p:pic>
+      <p:sp>
+        <p:nvSpPr>
+          <p:cNvPr id="5" name="Textfeld 4"/>
+          <p:cNvSpPr txBox="1"/>
+          <p:nvPr/>
+        </p:nvSpPr>
+        <p:spPr>
+          <a:xfrm>
+            <a:off x="250825" y="904178"/>
+            <a:ext cx="6168676" cy="400110"/>
+          </a:xfrm>
+          <a:prstGeom prst="rect">
+            <a:avLst/>
+          </a:prstGeom>
+          <a:noFill/>
+        </p:spPr>
+        <p:txBody>
+          <a:bodyPr wrap="none" rtlCol="0">
+            <a:spAutoFit/>
+          </a:bodyPr>
+          <a:lstStyle/>
+          <a:p>
+            <a:r>
+              <a:rPr lang="de-DE" dirty="0"/>
+              <a:t>Hervorheben von Zusammenhängen (</a:t>
+            </a:r>
+            <a:r>
+              <a:rPr lang="de-DE" dirty="0" err="1"/>
+              <a:t>Depth</a:t>
+            </a:r>
+            <a:r>
+              <a:rPr lang="de-DE" dirty="0"/>
+              <a:t> Search</a:t>
+            </a:r>
+            <a:r>
+              <a:rPr lang="de-DE" dirty="0" smtClean="0"/>
+              <a:t>)</a:t>
+            </a:r>
+            <a:endParaRPr lang="de-DE" dirty="0"/>
+          </a:p>
+        </p:txBody>
+      </p:sp>
+    </p:spTree>
+    <p:extLst>
+      <p:ext uri="{BB962C8B-B14F-4D97-AF65-F5344CB8AC3E}">
+        <p14:creationId xmlns:p14="http://schemas.microsoft.com/office/powerpoint/2010/main" xmlns="" val="3583291954"/>
+      </p:ext>
+    </p:extLst>
+  </p:cSld>
+  <p:clrMapOvr>
+    <a:masterClrMapping/>
+  </p:clrMapOvr>
+  <p:timing>
+    <p:tnLst>
+      <p:par>
+        <p:cTn id="1" dur="indefinite" restart="never" nodeType="tmRoot"/>
+      </p:par>
+    </p:tnLst>
+  </p:timing>
+</p:sld>
+</file>
+
+<file path=ppt/slides/slide31.xml><?xml version="1.0" encoding="utf-8"?>
+<p:sld xmlns:a="http://schemas.openxmlformats.org/drawingml/2006/main" xmlns:r="http://schemas.openxmlformats.org/officeDocument/2006/relationships" xmlns:p="http://schemas.openxmlformats.org/presentationml/2006/main">
+  <p:cSld>
+    <p:spTree>
+      <p:nvGrpSpPr>
+        <p:cNvPr id="1" name=""/>
+        <p:cNvGrpSpPr/>
+        <p:nvPr/>
+      </p:nvGrpSpPr>
+      <p:grpSpPr>
+        <a:xfrm>
+          <a:off x="0" y="0"/>
+          <a:ext cx="0" cy="0"/>
+          <a:chOff x="0" y="0"/>
+          <a:chExt cx="0" cy="0"/>
+        </a:xfrm>
+      </p:grpSpPr>
+      <p:sp>
+        <p:nvSpPr>
           <p:cNvPr id="2" name="Textplatzhalter 1"/>
           <p:cNvSpPr>
             <a:spLocks noGrp="1"/>
@@ -9027,7 +8720,7 @@
           <a:blip r:embed="rId2" cstate="print">
             <a:extLst>
               <a:ext uri="{28A0092B-C50C-407E-A947-70E740481C1C}">
-                <a14:useLocalDpi xmlns:a14="http://schemas.microsoft.com/office/drawing/2010/main" val="0"/>
+                <a14:useLocalDpi xmlns:a14="http://schemas.microsoft.com/office/drawing/2010/main" xmlns="" val="0"/>
               </a:ext>
             </a:extLst>
           </a:blip>
@@ -9089,7 +8782,6 @@
               <a:rPr lang="de-DE" sz="1400" dirty="0" smtClean="0"/>
               <a:t>Knoten 1</a:t>
             </a:r>
-            <a:endParaRPr lang="de-DE" sz="1400" dirty="0" smtClean="0"/>
           </a:p>
         </p:txBody>
       </p:sp>
@@ -9140,7 +8832,6 @@
               <a:rPr lang="de-DE" sz="1400" dirty="0" smtClean="0"/>
               <a:t>Knoten 2</a:t>
             </a:r>
-            <a:endParaRPr lang="de-DE" sz="1400" dirty="0" smtClean="0"/>
           </a:p>
         </p:txBody>
       </p:sp>
@@ -9188,7 +8879,6 @@
               <a:rPr lang="de-DE" sz="1400" dirty="0" smtClean="0"/>
               <a:t>Knoten 3</a:t>
             </a:r>
-            <a:endParaRPr lang="de-DE" sz="1400" dirty="0" smtClean="0"/>
           </a:p>
         </p:txBody>
       </p:sp>
@@ -9308,7 +8998,6 @@
               <a:rPr lang="de-DE" sz="1400" dirty="0" smtClean="0"/>
               <a:t>Knoten 1</a:t>
             </a:r>
-            <a:endParaRPr lang="de-DE" sz="1400" dirty="0" smtClean="0"/>
           </a:p>
         </p:txBody>
       </p:sp>
@@ -9356,7 +9045,6 @@
               <a:rPr lang="de-DE" sz="1400" dirty="0" smtClean="0"/>
               <a:t>Knoten 3</a:t>
             </a:r>
-            <a:endParaRPr lang="de-DE" sz="1400" dirty="0" smtClean="0"/>
           </a:p>
         </p:txBody>
       </p:sp>
@@ -9443,7 +9131,7 @@
     </p:spTree>
     <p:extLst>
       <p:ext uri="{BB962C8B-B14F-4D97-AF65-F5344CB8AC3E}">
-        <p14:creationId xmlns:p14="http://schemas.microsoft.com/office/powerpoint/2010/main" val="2307760257"/>
+        <p14:creationId xmlns:p14="http://schemas.microsoft.com/office/powerpoint/2010/main" xmlns="" val="2307760257"/>
       </p:ext>
     </p:extLst>
   </p:cSld>
@@ -9460,7 +9148,7 @@
 </p:sld>
 </file>
 
-<file path=ppt/slides/slide31.xml><?xml version="1.0" encoding="utf-8"?>
+<file path=ppt/slides/slide32.xml><?xml version="1.0" encoding="utf-8"?>
 <p:sld xmlns:a="http://schemas.openxmlformats.org/drawingml/2006/main" xmlns:r="http://schemas.openxmlformats.org/officeDocument/2006/relationships" xmlns:p="http://schemas.openxmlformats.org/presentationml/2006/main" show="0">
   <p:cSld>
     <p:spTree>
@@ -9535,7 +9223,7 @@
           <a:blip r:embed="rId2" cstate="print">
             <a:extLst>
               <a:ext uri="{28A0092B-C50C-407E-A947-70E740481C1C}">
-                <a14:useLocalDpi xmlns:a14="http://schemas.microsoft.com/office/drawing/2010/main" val="0"/>
+                <a14:useLocalDpi xmlns:a14="http://schemas.microsoft.com/office/drawing/2010/main" xmlns="" val="0"/>
               </a:ext>
             </a:extLst>
           </a:blip>
@@ -9556,7 +9244,7 @@
     </p:spTree>
     <p:extLst>
       <p:ext uri="{BB962C8B-B14F-4D97-AF65-F5344CB8AC3E}">
-        <p14:creationId xmlns:p14="http://schemas.microsoft.com/office/powerpoint/2010/main" val="2583957788"/>
+        <p14:creationId xmlns:p14="http://schemas.microsoft.com/office/powerpoint/2010/main" xmlns="" val="2583957788"/>
       </p:ext>
     </p:extLst>
   </p:cSld>
@@ -9564,7 +9252,7 @@
     <a:masterClrMapping/>
   </p:clrMapOvr>
   <mc:AlternateContent xmlns:mc="http://schemas.openxmlformats.org/markup-compatibility/2006">
-    <mc:Choice xmlns:p14="http://schemas.microsoft.com/office/powerpoint/2010/main" Requires="p14">
+    <mc:Choice xmlns:p14="http://schemas.microsoft.com/office/powerpoint/2010/main" xmlns="" Requires="p14">
       <p:transition spd="slow" p14:dur="2000"/>
     </mc:Choice>
     <mc:Fallback>
@@ -9581,7 +9269,7 @@
 </p:sld>
 </file>
 
-<file path=ppt/slides/slide32.xml><?xml version="1.0" encoding="utf-8"?>
+<file path=ppt/slides/slide33.xml><?xml version="1.0" encoding="utf-8"?>
 <p:sld xmlns:a="http://schemas.openxmlformats.org/drawingml/2006/main" xmlns:r="http://schemas.openxmlformats.org/officeDocument/2006/relationships" xmlns:p="http://schemas.openxmlformats.org/presentationml/2006/main">
   <p:cSld>
     <p:spTree>
@@ -9716,396 +9404,9 @@
     </p:spTree>
     <p:extLst>
       <p:ext uri="{BB962C8B-B14F-4D97-AF65-F5344CB8AC3E}">
-        <p14:creationId xmlns:p14="http://schemas.microsoft.com/office/powerpoint/2010/main" val="834335964"/>
+        <p14:creationId xmlns:p14="http://schemas.microsoft.com/office/powerpoint/2010/main" xmlns="" val="834335964"/>
       </p:ext>
     </p:extLst>
-  </p:cSld>
-  <p:clrMapOvr>
-    <a:masterClrMapping/>
-  </p:clrMapOvr>
-  <p:timing>
-    <p:tnLst>
-      <p:par>
-        <p:cTn id="1" dur="indefinite" restart="never" nodeType="tmRoot"/>
-      </p:par>
-    </p:tnLst>
-  </p:timing>
-</p:sld>
-</file>
-
-<file path=ppt/slides/slide33.xml><?xml version="1.0" encoding="utf-8"?>
-<p:sld xmlns:a="http://schemas.openxmlformats.org/drawingml/2006/main" xmlns:r="http://schemas.openxmlformats.org/officeDocument/2006/relationships" xmlns:p="http://schemas.openxmlformats.org/presentationml/2006/main">
-  <p:cSld>
-    <p:spTree>
-      <p:nvGrpSpPr>
-        <p:cNvPr id="1" name=""/>
-        <p:cNvGrpSpPr/>
-        <p:nvPr/>
-      </p:nvGrpSpPr>
-      <p:grpSpPr>
-        <a:xfrm>
-          <a:off x="0" y="0"/>
-          <a:ext cx="0" cy="0"/>
-          <a:chOff x="0" y="0"/>
-          <a:chExt cx="0" cy="0"/>
-        </a:xfrm>
-      </p:grpSpPr>
-      <p:sp>
-        <p:nvSpPr>
-          <p:cNvPr id="3" name="Titel 2"/>
-          <p:cNvSpPr>
-            <a:spLocks noGrp="1"/>
-          </p:cNvSpPr>
-          <p:nvPr>
-            <p:ph type="title"/>
-          </p:nvPr>
-        </p:nvSpPr>
-        <p:spPr/>
-        <p:txBody>
-          <a:bodyPr/>
-          <a:lstStyle/>
-          <a:p>
-            <a:r>
-              <a:rPr lang="de-DE" dirty="0" smtClean="0"/>
-              <a:t>Agenda</a:t>
-            </a:r>
-            <a:endParaRPr lang="de-DE" dirty="0"/>
-          </a:p>
-        </p:txBody>
-      </p:sp>
-      <p:sp>
-        <p:nvSpPr>
-          <p:cNvPr id="5" name="Textplatzhalter 1"/>
-          <p:cNvSpPr txBox="1">
-            <a:spLocks/>
-          </p:cNvSpPr>
-          <p:nvPr/>
-        </p:nvSpPr>
-        <p:spPr>
-          <a:xfrm>
-            <a:off x="403224" y="1085850"/>
-            <a:ext cx="5329239" cy="4495813"/>
-          </a:xfrm>
-          <a:prstGeom prst="rect">
-            <a:avLst/>
-          </a:prstGeom>
-        </p:spPr>
-        <p:txBody>
-          <a:bodyPr/>
-          <a:lstStyle/>
-          <a:p>
-            <a:pPr marL="266700" marR="0" lvl="0" indent="-266700" algn="l" defTabSz="914400" rtl="0" eaLnBrk="1" fontAlgn="base" latinLnBrk="0" hangingPunct="1">
-              <a:lnSpc>
-                <a:spcPct val="150000"/>
-              </a:lnSpc>
-              <a:spcBef>
-                <a:spcPct val="20000"/>
-              </a:spcBef>
-              <a:spcAft>
-                <a:spcPct val="0"/>
-              </a:spcAft>
-              <a:buClr>
-                <a:srgbClr val="0065BD"/>
-              </a:buClr>
-              <a:buSzTx/>
-              <a:buFont typeface="Arial" charset="0"/>
-              <a:buChar char="●"/>
-              <a:tabLst/>
-              <a:defRPr/>
-            </a:pPr>
-            <a:r>
-              <a:rPr kumimoji="0" lang="de-DE" sz="2000" b="0" i="0" u="none" strike="noStrike" kern="0" cap="none" spc="0" normalizeH="0" baseline="0" noProof="0" dirty="0" smtClean="0">
-                <a:ln>
-                  <a:noFill/>
-                </a:ln>
-                <a:solidFill>
-                  <a:schemeClr val="tx1"/>
-                </a:solidFill>
-                <a:effectLst/>
-                <a:uLnTx/>
-                <a:uFillTx/>
-                <a:latin typeface="Arial" charset="0"/>
-                <a:ea typeface="+mn-ea"/>
-                <a:cs typeface="+mn-cs"/>
-              </a:rPr>
-              <a:t>Motivation</a:t>
-            </a:r>
-          </a:p>
-          <a:p>
-            <a:pPr marL="266700" marR="0" lvl="0" indent="-266700" algn="l" defTabSz="914400" rtl="0" eaLnBrk="1" fontAlgn="base" latinLnBrk="0" hangingPunct="1">
-              <a:lnSpc>
-                <a:spcPct val="150000"/>
-              </a:lnSpc>
-              <a:spcBef>
-                <a:spcPct val="20000"/>
-              </a:spcBef>
-              <a:spcAft>
-                <a:spcPct val="0"/>
-              </a:spcAft>
-              <a:buClr>
-                <a:srgbClr val="0065BD"/>
-              </a:buClr>
-              <a:buSzTx/>
-              <a:buFont typeface="Arial" charset="0"/>
-              <a:buChar char="●"/>
-              <a:tabLst/>
-              <a:defRPr/>
-            </a:pPr>
-            <a:r>
-              <a:rPr kumimoji="0" lang="de-DE" sz="2000" i="0" u="none" strike="noStrike" kern="0" cap="none" spc="0" normalizeH="0" baseline="0" noProof="0" dirty="0" smtClean="0">
-                <a:ln>
-                  <a:noFill/>
-                </a:ln>
-                <a:solidFill>
-                  <a:schemeClr val="tx1"/>
-                </a:solidFill>
-                <a:effectLst/>
-                <a:uLnTx/>
-                <a:uFillTx/>
-                <a:latin typeface="Arial" charset="0"/>
-                <a:ea typeface="+mn-ea"/>
-                <a:cs typeface="+mn-cs"/>
-              </a:rPr>
-              <a:t>Forschungsrichtungen</a:t>
-            </a:r>
-            <a:endParaRPr kumimoji="0" lang="de-DE" sz="2000" b="1" i="0" u="none" strike="noStrike" kern="0" cap="none" spc="0" normalizeH="0" baseline="0" noProof="0" dirty="0" smtClean="0">
-              <a:ln>
-                <a:noFill/>
-              </a:ln>
-              <a:solidFill>
-                <a:schemeClr val="tx1"/>
-              </a:solidFill>
-              <a:effectLst/>
-              <a:uLnTx/>
-              <a:uFillTx/>
-              <a:latin typeface="Arial" charset="0"/>
-              <a:ea typeface="+mn-ea"/>
-              <a:cs typeface="+mn-cs"/>
-            </a:endParaRPr>
-          </a:p>
-          <a:p>
-            <a:pPr marL="266700" marR="0" lvl="0" indent="-266700" algn="l" defTabSz="914400" rtl="0" eaLnBrk="1" fontAlgn="base" latinLnBrk="0" hangingPunct="1">
-              <a:lnSpc>
-                <a:spcPct val="150000"/>
-              </a:lnSpc>
-              <a:spcBef>
-                <a:spcPct val="20000"/>
-              </a:spcBef>
-              <a:spcAft>
-                <a:spcPct val="0"/>
-              </a:spcAft>
-              <a:buClr>
-                <a:srgbClr val="0065BD"/>
-              </a:buClr>
-              <a:buSzTx/>
-              <a:buFont typeface="Arial" charset="0"/>
-              <a:buChar char="●"/>
-              <a:tabLst/>
-              <a:defRPr/>
-            </a:pPr>
-            <a:r>
-              <a:rPr kumimoji="0" lang="de-DE" sz="2000" i="0" u="none" strike="noStrike" kern="0" cap="none" spc="0" normalizeH="0" baseline="0" noProof="0" dirty="0" smtClean="0">
-                <a:ln>
-                  <a:noFill/>
-                </a:ln>
-                <a:solidFill>
-                  <a:schemeClr val="tx1"/>
-                </a:solidFill>
-                <a:effectLst/>
-                <a:uLnTx/>
-                <a:uFillTx/>
-                <a:latin typeface="Arial" charset="0"/>
-                <a:ea typeface="+mn-ea"/>
-                <a:cs typeface="+mn-cs"/>
-              </a:rPr>
-              <a:t>Transformationen (IDP 1)</a:t>
-            </a:r>
-            <a:endParaRPr lang="de-DE" kern="0" noProof="0" dirty="0" smtClean="0">
-              <a:solidFill>
-                <a:schemeClr val="tx1"/>
-              </a:solidFill>
-            </a:endParaRPr>
-          </a:p>
-          <a:p>
-            <a:pPr marL="266700" marR="0" lvl="0" indent="-266700" algn="l" defTabSz="914400" rtl="0" eaLnBrk="1" fontAlgn="base" latinLnBrk="0" hangingPunct="1">
-              <a:lnSpc>
-                <a:spcPct val="150000"/>
-              </a:lnSpc>
-              <a:spcBef>
-                <a:spcPct val="20000"/>
-              </a:spcBef>
-              <a:spcAft>
-                <a:spcPct val="0"/>
-              </a:spcAft>
-              <a:buClr>
-                <a:srgbClr val="0065BD"/>
-              </a:buClr>
-              <a:buSzTx/>
-              <a:buFont typeface="Arial" charset="0"/>
-              <a:buChar char="●"/>
-              <a:tabLst/>
-              <a:defRPr/>
-            </a:pPr>
-            <a:r>
-              <a:rPr kumimoji="0" lang="de-DE" sz="2000" i="0" u="none" strike="noStrike" kern="0" cap="none" spc="0" normalizeH="0" baseline="0" noProof="0" dirty="0" smtClean="0">
-                <a:ln>
-                  <a:noFill/>
-                </a:ln>
-                <a:solidFill>
-                  <a:schemeClr val="tx1"/>
-                </a:solidFill>
-                <a:effectLst/>
-                <a:uLnTx/>
-                <a:uFillTx/>
-                <a:latin typeface="Arial" charset="0"/>
-                <a:ea typeface="+mn-ea"/>
-                <a:cs typeface="+mn-cs"/>
-              </a:rPr>
-              <a:t>Visualisierung (IDP 2)</a:t>
-            </a:r>
-          </a:p>
-          <a:p>
-            <a:pPr marL="266700" marR="0" lvl="0" indent="-266700" algn="l" defTabSz="914400" rtl="0" eaLnBrk="1" fontAlgn="base" latinLnBrk="0" hangingPunct="1">
-              <a:lnSpc>
-                <a:spcPct val="150000"/>
-              </a:lnSpc>
-              <a:spcBef>
-                <a:spcPct val="20000"/>
-              </a:spcBef>
-              <a:spcAft>
-                <a:spcPct val="0"/>
-              </a:spcAft>
-              <a:buClr>
-                <a:srgbClr val="0065BD"/>
-              </a:buClr>
-              <a:buSzTx/>
-              <a:buFont typeface="Arial" charset="0"/>
-              <a:buChar char="●"/>
-              <a:tabLst/>
-              <a:defRPr/>
-            </a:pPr>
-            <a:r>
-              <a:rPr kumimoji="0" lang="de-DE" sz="2000" b="1" i="0" u="none" strike="noStrike" kern="0" cap="none" spc="0" normalizeH="0" baseline="0" noProof="0" dirty="0" smtClean="0">
-                <a:ln>
-                  <a:noFill/>
-                </a:ln>
-                <a:solidFill>
-                  <a:schemeClr val="tx1"/>
-                </a:solidFill>
-                <a:effectLst/>
-                <a:uLnTx/>
-                <a:uFillTx/>
-                <a:latin typeface="Arial" charset="0"/>
-                <a:ea typeface="+mn-ea"/>
-                <a:cs typeface="+mn-cs"/>
-              </a:rPr>
-              <a:t>Ergebnisse</a:t>
-            </a:r>
-          </a:p>
-          <a:p>
-            <a:pPr marL="723900" lvl="1" indent="-266700">
-              <a:spcBef>
-                <a:spcPct val="20000"/>
-              </a:spcBef>
-              <a:buClr>
-                <a:srgbClr val="0065BD"/>
-              </a:buClr>
-              <a:buFont typeface="Arial" charset="0"/>
-              <a:buChar char="●"/>
-            </a:pPr>
-            <a:r>
-              <a:rPr lang="de-DE" sz="1800" kern="0" dirty="0" smtClean="0">
-                <a:solidFill>
-                  <a:schemeClr val="tx1"/>
-                </a:solidFill>
-              </a:rPr>
-              <a:t>Transformationen</a:t>
-            </a:r>
-          </a:p>
-          <a:p>
-            <a:pPr marL="723900" lvl="1" indent="-266700">
-              <a:spcBef>
-                <a:spcPct val="20000"/>
-              </a:spcBef>
-              <a:buClr>
-                <a:srgbClr val="0065BD"/>
-              </a:buClr>
-              <a:buFont typeface="Arial" charset="0"/>
-              <a:buChar char="●"/>
-            </a:pPr>
-            <a:r>
-              <a:rPr kumimoji="0" lang="de-DE" sz="1800" b="0" i="0" u="none" strike="noStrike" kern="0" cap="none" spc="0" normalizeH="0" baseline="0" noProof="0" dirty="0" smtClean="0">
-                <a:ln>
-                  <a:noFill/>
-                </a:ln>
-                <a:solidFill>
-                  <a:schemeClr val="tx1"/>
-                </a:solidFill>
-                <a:effectLst/>
-                <a:uLnTx/>
-                <a:uFillTx/>
-                <a:latin typeface="Arial" charset="0"/>
-                <a:ea typeface="+mn-ea"/>
-                <a:cs typeface="+mn-cs"/>
-              </a:rPr>
-              <a:t>Visualisierung</a:t>
-            </a:r>
-          </a:p>
-          <a:p>
-            <a:pPr marL="266700" marR="0" lvl="0" indent="-266700" algn="l" defTabSz="914400" rtl="0" eaLnBrk="1" fontAlgn="base" latinLnBrk="0" hangingPunct="1">
-              <a:lnSpc>
-                <a:spcPct val="150000"/>
-              </a:lnSpc>
-              <a:spcBef>
-                <a:spcPct val="20000"/>
-              </a:spcBef>
-              <a:spcAft>
-                <a:spcPct val="0"/>
-              </a:spcAft>
-              <a:buClr>
-                <a:srgbClr val="0065BD"/>
-              </a:buClr>
-              <a:buSzTx/>
-              <a:buFont typeface="Arial" charset="0"/>
-              <a:buChar char="●"/>
-              <a:tabLst/>
-              <a:defRPr/>
-            </a:pPr>
-            <a:r>
-              <a:rPr kumimoji="0" lang="de-DE" sz="2000" b="0" i="0" u="none" strike="noStrike" kern="0" cap="none" spc="0" normalizeH="0" baseline="0" noProof="0" dirty="0" smtClean="0">
-                <a:ln>
-                  <a:noFill/>
-                </a:ln>
-                <a:solidFill>
-                  <a:schemeClr val="tx1"/>
-                </a:solidFill>
-                <a:effectLst/>
-                <a:uLnTx/>
-                <a:uFillTx/>
-                <a:latin typeface="Arial" charset="0"/>
-                <a:ea typeface="+mn-ea"/>
-                <a:cs typeface="+mn-cs"/>
-              </a:rPr>
-              <a:t>Ausblick</a:t>
-            </a:r>
-            <a:endParaRPr kumimoji="0" lang="de-DE" sz="2000" b="0" i="0" u="none" strike="noStrike" kern="0" cap="none" spc="0" normalizeH="0" baseline="0" noProof="0" dirty="0">
-              <a:ln>
-                <a:noFill/>
-              </a:ln>
-              <a:solidFill>
-                <a:schemeClr val="tx1"/>
-              </a:solidFill>
-              <a:effectLst/>
-              <a:uLnTx/>
-              <a:uFillTx/>
-              <a:latin typeface="Arial" charset="0"/>
-              <a:ea typeface="+mn-ea"/>
-              <a:cs typeface="+mn-cs"/>
-            </a:endParaRPr>
-          </a:p>
-        </p:txBody>
-      </p:sp>
-    </p:spTree>
   </p:cSld>
   <p:clrMapOvr>
     <a:masterClrMapping/>
@@ -10139,108 +9440,6 @@
       </p:grpSpPr>
       <p:sp>
         <p:nvSpPr>
-          <p:cNvPr id="2" name="Textplatzhalter 1"/>
-          <p:cNvSpPr>
-            <a:spLocks noGrp="1"/>
-          </p:cNvSpPr>
-          <p:nvPr>
-            <p:ph type="body" sz="quarter" idx="10"/>
-          </p:nvPr>
-        </p:nvSpPr>
-        <p:spPr>
-          <a:xfrm>
-            <a:off x="250824" y="933450"/>
-            <a:ext cx="8031164" cy="4495813"/>
-          </a:xfrm>
-        </p:spPr>
-        <p:txBody>
-          <a:bodyPr/>
-          <a:lstStyle/>
-          <a:p>
-            <a:pPr marL="0" indent="0"/>
-            <a:r>
-              <a:rPr lang="de-DE" dirty="0" smtClean="0"/>
-              <a:t> Framework sowie Transformationen in der PoC erfolgreich umgestezt</a:t>
-            </a:r>
-          </a:p>
-          <a:p>
-            <a:pPr marL="0" indent="0"/>
-            <a:r>
-              <a:rPr lang="de-DE" dirty="0" smtClean="0"/>
-              <a:t> Atomare Transformationen ermöglichen einen hohen Wiederverwendungsgrad</a:t>
-            </a:r>
-          </a:p>
-          <a:p>
-            <a:pPr marL="0" indent="0"/>
-            <a:r>
-              <a:rPr lang="de-DE" dirty="0" smtClean="0"/>
-              <a:t> 6 Atomare Transformationen für die Umsetzung der 3 Sprachen ausreichend</a:t>
-            </a:r>
-          </a:p>
-          <a:p>
-            <a:pPr marL="0" indent="0"/>
-            <a:r>
-              <a:rPr lang="de-DE" dirty="0" smtClean="0"/>
-              <a:t> Eigenges Framework für die Verarbeitung von Visio 2013 (VSDX) Dateien</a:t>
-            </a:r>
-          </a:p>
-          <a:p>
-            <a:pPr marL="0" indent="0"/>
-            <a:r>
-              <a:rPr lang="de-DE" dirty="0" smtClean="0"/>
-              <a:t> 3 aus 4 Sprachen unterstützt</a:t>
-            </a:r>
-          </a:p>
-          <a:p>
-            <a:pPr marL="271463" lvl="1" indent="0"/>
-            <a:r>
-              <a:rPr lang="de-DE" dirty="0" smtClean="0"/>
-              <a:t> BPMN aufgrund spezielle Visio-Serialisierung nicht unterstützt</a:t>
-            </a:r>
-          </a:p>
-          <a:p>
-            <a:pPr marL="271463" lvl="1" indent="0"/>
-            <a:r>
-              <a:rPr lang="de-DE" dirty="0" smtClean="0"/>
-              <a:t> SysML4Mechatronics</a:t>
-            </a:r>
-          </a:p>
-          <a:p>
-            <a:pPr marL="531813" lvl="2" indent="0"/>
-            <a:r>
-              <a:rPr lang="de-DE" dirty="0" smtClean="0"/>
-              <a:t> Erster Ansatz mit UML-Serialisierung gescheitert</a:t>
-            </a:r>
-          </a:p>
-          <a:p>
-            <a:pPr marL="531813" lvl="2" indent="0"/>
-            <a:r>
-              <a:rPr lang="de-DE" dirty="0" smtClean="0"/>
-              <a:t> Zweiter Ansatz mit SFB 768 eCore erfolgreich</a:t>
-            </a:r>
-          </a:p>
-          <a:p>
-            <a:pPr marL="271463" lvl="1" indent="0"/>
-            <a:r>
-              <a:rPr lang="de-DE" dirty="0" smtClean="0"/>
-              <a:t> EPK: Nativ durch Visio VSDX Bibliothek</a:t>
-            </a:r>
-          </a:p>
-          <a:p>
-            <a:pPr marL="271463" lvl="1" indent="0"/>
-            <a:r>
-              <a:rPr lang="de-DE" dirty="0" smtClean="0"/>
-              <a:t> UFM als GraphML Export von Soley (check name!)</a:t>
-            </a:r>
-          </a:p>
-          <a:p>
-            <a:pPr marL="0" indent="0"/>
-            <a:endParaRPr lang="de-DE" dirty="0" smtClean="0"/>
-          </a:p>
-        </p:txBody>
-      </p:sp>
-      <p:sp>
-        <p:nvSpPr>
           <p:cNvPr id="3" name="Titel 2"/>
           <p:cNvSpPr>
             <a:spLocks noGrp="1"/>
@@ -10249,28 +9448,348 @@
             <p:ph type="title"/>
           </p:nvPr>
         </p:nvSpPr>
+        <p:spPr/>
+        <p:txBody>
+          <a:bodyPr/>
+          <a:lstStyle/>
+          <a:p>
+            <a:r>
+              <a:rPr lang="de-DE" dirty="0" smtClean="0"/>
+              <a:t>Agenda</a:t>
+            </a:r>
+            <a:endParaRPr lang="de-DE" dirty="0"/>
+          </a:p>
+        </p:txBody>
+      </p:sp>
+      <p:sp>
+        <p:nvSpPr>
+          <p:cNvPr id="5" name="Textplatzhalter 1"/>
+          <p:cNvSpPr txBox="1">
+            <a:spLocks/>
+          </p:cNvSpPr>
+          <p:nvPr/>
+        </p:nvSpPr>
         <p:spPr>
           <a:xfrm>
-            <a:off x="250825" y="195526"/>
-            <a:ext cx="8031163" cy="600164"/>
+            <a:off x="403224" y="1085850"/>
+            <a:ext cx="5329239" cy="4495813"/>
           </a:xfrm>
+          <a:prstGeom prst="rect">
+            <a:avLst/>
+          </a:prstGeom>
         </p:spPr>
         <p:txBody>
           <a:bodyPr/>
           <a:lstStyle/>
           <a:p>
-            <a:r>
-              <a:rPr lang="de-DE" dirty="0"/>
+            <a:pPr marL="266700" marR="0" lvl="0" indent="-266700" algn="l" defTabSz="914400" rtl="0" eaLnBrk="1" fontAlgn="base" latinLnBrk="0" hangingPunct="1">
+              <a:lnSpc>
+                <a:spcPct val="150000"/>
+              </a:lnSpc>
+              <a:spcBef>
+                <a:spcPct val="20000"/>
+              </a:spcBef>
+              <a:spcAft>
+                <a:spcPct val="0"/>
+              </a:spcAft>
+              <a:buClr>
+                <a:srgbClr val="0065BD"/>
+              </a:buClr>
+              <a:buSzTx/>
+              <a:buFont typeface="Arial" charset="0"/>
+              <a:buChar char="●"/>
+              <a:tabLst/>
+              <a:defRPr/>
+            </a:pPr>
+            <a:r>
+              <a:rPr kumimoji="0" lang="de-DE" sz="2000" b="0" i="0" u="none" strike="noStrike" kern="0" cap="none" spc="0" normalizeH="0" baseline="0" noProof="0" dirty="0" smtClean="0">
+                <a:ln>
+                  <a:noFill/>
+                </a:ln>
+                <a:solidFill>
+                  <a:schemeClr val="tx1"/>
+                </a:solidFill>
+                <a:effectLst/>
+                <a:uLnTx/>
+                <a:uFillTx/>
+                <a:latin typeface="Arial" charset="0"/>
+                <a:ea typeface="+mn-ea"/>
+                <a:cs typeface="+mn-cs"/>
+              </a:rPr>
+              <a:t>Motivation</a:t>
+            </a:r>
+          </a:p>
+          <a:p>
+            <a:pPr marL="266700" marR="0" lvl="0" indent="-266700" algn="l" defTabSz="914400" rtl="0" eaLnBrk="1" fontAlgn="base" latinLnBrk="0" hangingPunct="1">
+              <a:lnSpc>
+                <a:spcPct val="150000"/>
+              </a:lnSpc>
+              <a:spcBef>
+                <a:spcPct val="20000"/>
+              </a:spcBef>
+              <a:spcAft>
+                <a:spcPct val="0"/>
+              </a:spcAft>
+              <a:buClr>
+                <a:srgbClr val="0065BD"/>
+              </a:buClr>
+              <a:buSzTx/>
+              <a:buFont typeface="Arial" charset="0"/>
+              <a:buChar char="●"/>
+              <a:tabLst/>
+              <a:defRPr/>
+            </a:pPr>
+            <a:r>
+              <a:rPr kumimoji="0" lang="de-DE" sz="2000" i="0" u="none" strike="noStrike" kern="0" cap="none" spc="0" normalizeH="0" baseline="0" noProof="0" dirty="0" smtClean="0">
+                <a:ln>
+                  <a:noFill/>
+                </a:ln>
+                <a:solidFill>
+                  <a:schemeClr val="tx1"/>
+                </a:solidFill>
+                <a:effectLst/>
+                <a:uLnTx/>
+                <a:uFillTx/>
+                <a:latin typeface="Arial" charset="0"/>
+                <a:ea typeface="+mn-ea"/>
+                <a:cs typeface="+mn-cs"/>
+              </a:rPr>
+              <a:t>Forschungsrichtungen</a:t>
+            </a:r>
+            <a:endParaRPr kumimoji="0" lang="de-DE" sz="2000" b="1" i="0" u="none" strike="noStrike" kern="0" cap="none" spc="0" normalizeH="0" baseline="0" noProof="0" dirty="0" smtClean="0">
+              <a:ln>
+                <a:noFill/>
+              </a:ln>
+              <a:solidFill>
+                <a:schemeClr val="tx1"/>
+              </a:solidFill>
+              <a:effectLst/>
+              <a:uLnTx/>
+              <a:uFillTx/>
+              <a:latin typeface="Arial" charset="0"/>
+              <a:ea typeface="+mn-ea"/>
+              <a:cs typeface="+mn-cs"/>
+            </a:endParaRPr>
+          </a:p>
+          <a:p>
+            <a:pPr marL="266700" marR="0" lvl="0" indent="-266700" algn="l" defTabSz="914400" rtl="0" eaLnBrk="1" fontAlgn="base" latinLnBrk="0" hangingPunct="1">
+              <a:lnSpc>
+                <a:spcPct val="150000"/>
+              </a:lnSpc>
+              <a:spcBef>
+                <a:spcPct val="20000"/>
+              </a:spcBef>
+              <a:spcAft>
+                <a:spcPct val="0"/>
+              </a:spcAft>
+              <a:buClr>
+                <a:srgbClr val="0065BD"/>
+              </a:buClr>
+              <a:buSzTx/>
+              <a:buFont typeface="Arial" charset="0"/>
+              <a:buChar char="●"/>
+              <a:tabLst/>
+              <a:defRPr/>
+            </a:pPr>
+            <a:r>
+              <a:rPr kumimoji="0" lang="de-DE" sz="2000" i="0" u="none" strike="noStrike" kern="0" cap="none" spc="0" normalizeH="0" baseline="0" noProof="0" dirty="0" smtClean="0">
+                <a:ln>
+                  <a:noFill/>
+                </a:ln>
+                <a:solidFill>
+                  <a:schemeClr val="tx1"/>
+                </a:solidFill>
+                <a:effectLst/>
+                <a:uLnTx/>
+                <a:uFillTx/>
+                <a:latin typeface="Arial" charset="0"/>
+                <a:ea typeface="+mn-ea"/>
+                <a:cs typeface="+mn-cs"/>
+              </a:rPr>
+              <a:t>Transformationen (IDP 1)</a:t>
+            </a:r>
+            <a:endParaRPr lang="de-DE" kern="0" noProof="0" dirty="0" smtClean="0">
+              <a:solidFill>
+                <a:schemeClr val="tx1"/>
+              </a:solidFill>
+            </a:endParaRPr>
+          </a:p>
+          <a:p>
+            <a:pPr marL="266700" marR="0" lvl="0" indent="-266700" algn="l" defTabSz="914400" rtl="0" eaLnBrk="1" fontAlgn="base" latinLnBrk="0" hangingPunct="1">
+              <a:lnSpc>
+                <a:spcPct val="150000"/>
+              </a:lnSpc>
+              <a:spcBef>
+                <a:spcPct val="20000"/>
+              </a:spcBef>
+              <a:spcAft>
+                <a:spcPct val="0"/>
+              </a:spcAft>
+              <a:buClr>
+                <a:srgbClr val="0065BD"/>
+              </a:buClr>
+              <a:buSzTx/>
+              <a:buFont typeface="Arial" charset="0"/>
+              <a:buChar char="●"/>
+              <a:tabLst/>
+              <a:defRPr/>
+            </a:pPr>
+            <a:r>
+              <a:rPr kumimoji="0" lang="de-DE" sz="2000" i="0" u="none" strike="noStrike" kern="0" cap="none" spc="0" normalizeH="0" baseline="0" noProof="0" dirty="0" smtClean="0">
+                <a:ln>
+                  <a:noFill/>
+                </a:ln>
+                <a:solidFill>
+                  <a:schemeClr val="tx1"/>
+                </a:solidFill>
+                <a:effectLst/>
+                <a:uLnTx/>
+                <a:uFillTx/>
+                <a:latin typeface="Arial" charset="0"/>
+                <a:ea typeface="+mn-ea"/>
+                <a:cs typeface="+mn-cs"/>
+              </a:rPr>
+              <a:t>Visualisierung (IDP 2)</a:t>
+            </a:r>
+          </a:p>
+          <a:p>
+            <a:pPr marL="266700" marR="0" lvl="0" indent="-266700" algn="l" defTabSz="914400" rtl="0" eaLnBrk="1" fontAlgn="base" latinLnBrk="0" hangingPunct="1">
+              <a:lnSpc>
+                <a:spcPct val="150000"/>
+              </a:lnSpc>
+              <a:spcBef>
+                <a:spcPct val="20000"/>
+              </a:spcBef>
+              <a:spcAft>
+                <a:spcPct val="0"/>
+              </a:spcAft>
+              <a:buClr>
+                <a:srgbClr val="0065BD"/>
+              </a:buClr>
+              <a:buSzTx/>
+              <a:buFont typeface="Arial" charset="0"/>
+              <a:buChar char="●"/>
+              <a:tabLst/>
+              <a:defRPr/>
+            </a:pPr>
+            <a:r>
+              <a:rPr kumimoji="0" lang="de-DE" sz="2000" b="1" i="0" u="none" strike="noStrike" kern="0" cap="none" spc="0" normalizeH="0" baseline="0" noProof="0" dirty="0" smtClean="0">
+                <a:ln>
+                  <a:noFill/>
+                </a:ln>
+                <a:solidFill>
+                  <a:schemeClr val="tx1"/>
+                </a:solidFill>
+                <a:effectLst/>
+                <a:uLnTx/>
+                <a:uFillTx/>
+                <a:latin typeface="Arial" charset="0"/>
+                <a:ea typeface="+mn-ea"/>
+                <a:cs typeface="+mn-cs"/>
+              </a:rPr>
               <a:t>Ergebnisse</a:t>
             </a:r>
-            <a:br>
-              <a:rPr lang="de-DE" dirty="0"/>
-            </a:br>
-            <a:r>
-              <a:rPr lang="de-DE" sz="1400" dirty="0" smtClean="0"/>
+          </a:p>
+          <a:p>
+            <a:pPr marL="723900" lvl="1" indent="-266700">
+              <a:spcBef>
+                <a:spcPct val="20000"/>
+              </a:spcBef>
+              <a:buClr>
+                <a:srgbClr val="0065BD"/>
+              </a:buClr>
+              <a:buFont typeface="Arial" charset="0"/>
+              <a:buChar char="●"/>
+            </a:pPr>
+            <a:r>
+              <a:rPr lang="de-DE" sz="1800" kern="0" dirty="0" smtClean="0">
+                <a:solidFill>
+                  <a:schemeClr val="tx1"/>
+                </a:solidFill>
+              </a:rPr>
               <a:t>Transformationen</a:t>
             </a:r>
-            <a:endParaRPr lang="de-DE" sz="1400" dirty="0"/>
+          </a:p>
+          <a:p>
+            <a:pPr marL="723900" lvl="1" indent="-266700">
+              <a:spcBef>
+                <a:spcPct val="20000"/>
+              </a:spcBef>
+              <a:buClr>
+                <a:srgbClr val="0065BD"/>
+              </a:buClr>
+              <a:buFont typeface="Arial" charset="0"/>
+              <a:buChar char="●"/>
+            </a:pPr>
+            <a:r>
+              <a:rPr kumimoji="0" lang="de-DE" sz="1800" b="0" i="0" u="none" strike="noStrike" kern="0" cap="none" spc="0" normalizeH="0" baseline="0" noProof="0" dirty="0" smtClean="0">
+                <a:ln>
+                  <a:noFill/>
+                </a:ln>
+                <a:solidFill>
+                  <a:schemeClr val="tx1"/>
+                </a:solidFill>
+                <a:effectLst/>
+                <a:uLnTx/>
+                <a:uFillTx/>
+                <a:latin typeface="Arial" charset="0"/>
+                <a:ea typeface="+mn-ea"/>
+                <a:cs typeface="+mn-cs"/>
+              </a:rPr>
+              <a:t>Visualisierung</a:t>
+            </a:r>
+          </a:p>
+          <a:p>
+            <a:pPr marL="266700" marR="0" lvl="0" indent="-266700" algn="l" defTabSz="914400" rtl="0" eaLnBrk="1" fontAlgn="base" latinLnBrk="0" hangingPunct="1">
+              <a:lnSpc>
+                <a:spcPct val="150000"/>
+              </a:lnSpc>
+              <a:spcBef>
+                <a:spcPct val="20000"/>
+              </a:spcBef>
+              <a:spcAft>
+                <a:spcPct val="0"/>
+              </a:spcAft>
+              <a:buClr>
+                <a:srgbClr val="0065BD"/>
+              </a:buClr>
+              <a:buSzTx/>
+              <a:buFont typeface="Arial" charset="0"/>
+              <a:buChar char="●"/>
+              <a:tabLst/>
+              <a:defRPr/>
+            </a:pPr>
+            <a:r>
+              <a:rPr kumimoji="0" lang="de-DE" sz="2000" b="0" i="0" u="none" strike="noStrike" kern="0" cap="none" spc="0" normalizeH="0" baseline="0" noProof="0" dirty="0" smtClean="0">
+                <a:ln>
+                  <a:noFill/>
+                </a:ln>
+                <a:solidFill>
+                  <a:schemeClr val="tx1"/>
+                </a:solidFill>
+                <a:effectLst/>
+                <a:uLnTx/>
+                <a:uFillTx/>
+                <a:latin typeface="Arial" charset="0"/>
+                <a:ea typeface="+mn-ea"/>
+                <a:cs typeface="+mn-cs"/>
+              </a:rPr>
+              <a:t>Ausblick</a:t>
+            </a:r>
+            <a:endParaRPr kumimoji="0" lang="de-DE" sz="2000" b="0" i="0" u="none" strike="noStrike" kern="0" cap="none" spc="0" normalizeH="0" baseline="0" noProof="0" dirty="0">
+              <a:ln>
+                <a:noFill/>
+              </a:ln>
+              <a:solidFill>
+                <a:schemeClr val="tx1"/>
+              </a:solidFill>
+              <a:effectLst/>
+              <a:uLnTx/>
+              <a:uFillTx/>
+              <a:latin typeface="Arial" charset="0"/>
+              <a:ea typeface="+mn-ea"/>
+              <a:cs typeface="+mn-cs"/>
+            </a:endParaRPr>
           </a:p>
         </p:txBody>
       </p:sp>
@@ -10319,84 +9838,210 @@
         <p:spPr>
           <a:xfrm>
             <a:off x="250824" y="933450"/>
-            <a:ext cx="8031164" cy="4495813"/>
+            <a:ext cx="8641656" cy="4495813"/>
           </a:xfrm>
         </p:spPr>
         <p:txBody>
           <a:bodyPr/>
           <a:lstStyle/>
           <a:p>
-            <a:r>
-              <a:rPr lang="de-DE" dirty="0" smtClean="0"/>
-              <a:t>Import </a:t>
-            </a:r>
-            <a:r>
-              <a:rPr lang="de-DE" dirty="0"/>
-              <a:t>und Export aus verschiedenen Quellformaten</a:t>
+            <a:pPr>
+              <a:lnSpc>
+                <a:spcPct val="150000"/>
+              </a:lnSpc>
+            </a:pPr>
+            <a:r>
+              <a:rPr lang="de-DE" dirty="0" smtClean="0"/>
+              <a:t>Framework sowie Transformationen im </a:t>
+            </a:r>
+            <a:r>
+              <a:rPr lang="de-DE" dirty="0" err="1" smtClean="0"/>
+              <a:t>PoC</a:t>
+            </a:r>
+            <a:r>
+              <a:rPr lang="de-DE" dirty="0" smtClean="0"/>
+              <a:t> erfolgreich </a:t>
+            </a:r>
+            <a:r>
+              <a:rPr lang="de-DE" dirty="0" err="1" smtClean="0"/>
+              <a:t>umgestezt</a:t>
+            </a:r>
+            <a:endParaRPr lang="de-DE" dirty="0" smtClean="0"/>
+          </a:p>
+          <a:p>
+            <a:pPr>
+              <a:lnSpc>
+                <a:spcPct val="150000"/>
+              </a:lnSpc>
+            </a:pPr>
+            <a:r>
+              <a:rPr lang="de-DE" dirty="0" smtClean="0"/>
+              <a:t>Atomare </a:t>
+            </a:r>
+            <a:r>
+              <a:rPr lang="de-DE" dirty="0" smtClean="0"/>
+              <a:t>Transformationen ermöglichen einen hohen Wiederverwendungsgrad</a:t>
+            </a:r>
+          </a:p>
+          <a:p>
+            <a:pPr>
+              <a:lnSpc>
+                <a:spcPct val="150000"/>
+              </a:lnSpc>
+            </a:pPr>
+            <a:r>
+              <a:rPr lang="de-DE" dirty="0" smtClean="0"/>
+              <a:t>6 </a:t>
+            </a:r>
+            <a:r>
+              <a:rPr lang="de-DE" dirty="0" smtClean="0"/>
+              <a:t>Atomare Transformationen für die Umsetzung der 3 Sprachen ausreichend</a:t>
+            </a:r>
+          </a:p>
+          <a:p>
+            <a:pPr>
+              <a:lnSpc>
+                <a:spcPct val="150000"/>
+              </a:lnSpc>
+            </a:pPr>
+            <a:r>
+              <a:rPr lang="de-DE" dirty="0" smtClean="0"/>
+              <a:t>Eigenes </a:t>
+            </a:r>
+            <a:r>
+              <a:rPr lang="de-DE" dirty="0" smtClean="0"/>
+              <a:t>Framework für die Verarbeitung von Visio 2013 (VSDX) Dateien</a:t>
+            </a:r>
+          </a:p>
+          <a:p>
+            <a:pPr>
+              <a:lnSpc>
+                <a:spcPct val="150000"/>
+              </a:lnSpc>
+            </a:pPr>
+            <a:r>
+              <a:rPr lang="de-DE" dirty="0" smtClean="0"/>
+              <a:t>3 </a:t>
+            </a:r>
+            <a:r>
+              <a:rPr lang="de-DE" dirty="0" smtClean="0"/>
+              <a:t>von 4 Sprachen </a:t>
+            </a:r>
+            <a:r>
+              <a:rPr lang="de-DE" dirty="0" smtClean="0"/>
+              <a:t>unterstützt</a:t>
             </a:r>
           </a:p>
           <a:p>
             <a:pPr lvl="1"/>
             <a:r>
-              <a:rPr lang="de-DE" dirty="0"/>
-              <a:t>Automatischer Import und sofortige Anzeige</a:t>
-            </a:r>
-          </a:p>
-          <a:p>
-            <a:r>
-              <a:rPr lang="de-DE" dirty="0"/>
-              <a:t>Visualisierung des Gesamtmodells</a:t>
+              <a:rPr lang="de-DE" dirty="0" smtClean="0"/>
+              <a:t>BPMN </a:t>
+            </a:r>
+            <a:r>
+              <a:rPr lang="de-DE" dirty="0" smtClean="0"/>
+              <a:t>aufgrund </a:t>
+            </a:r>
+            <a:r>
+              <a:rPr lang="de-DE" dirty="0" smtClean="0"/>
+              <a:t>spezieller </a:t>
+            </a:r>
+            <a:r>
+              <a:rPr lang="de-DE" dirty="0" smtClean="0"/>
+              <a:t>Visio-</a:t>
+            </a:r>
+            <a:r>
+              <a:rPr lang="de-DE" dirty="0" err="1" smtClean="0"/>
+              <a:t>Serialisierung</a:t>
+            </a:r>
+            <a:r>
+              <a:rPr lang="de-DE" dirty="0" smtClean="0"/>
+              <a:t> nicht unterstützt</a:t>
             </a:r>
           </a:p>
           <a:p>
             <a:pPr lvl="1"/>
             <a:r>
-              <a:rPr lang="de-DE" dirty="0"/>
-              <a:t>Matrix und Graphen Darstellung</a:t>
-            </a:r>
-          </a:p>
-          <a:p>
-            <a:r>
-              <a:rPr lang="de-DE" dirty="0"/>
-              <a:t>Bearbeitung des Gesamtmodells</a:t>
+              <a:rPr lang="de-DE" dirty="0" smtClean="0"/>
+              <a:t>SysML4Mechatronics</a:t>
+            </a:r>
+            <a:endParaRPr lang="de-DE" dirty="0" smtClean="0"/>
+          </a:p>
+          <a:p>
+            <a:pPr lvl="2"/>
+            <a:r>
+              <a:rPr lang="de-DE" dirty="0" smtClean="0"/>
+              <a:t>Erster </a:t>
+            </a:r>
+            <a:r>
+              <a:rPr lang="de-DE" dirty="0" smtClean="0"/>
+              <a:t>Ansatz mit UML-</a:t>
+            </a:r>
+            <a:r>
+              <a:rPr lang="de-DE" dirty="0" err="1" smtClean="0"/>
+              <a:t>Serialisierung</a:t>
+            </a:r>
+            <a:r>
+              <a:rPr lang="de-DE" dirty="0" smtClean="0"/>
+              <a:t> gescheitert</a:t>
+            </a:r>
+          </a:p>
+          <a:p>
+            <a:pPr lvl="2"/>
+            <a:r>
+              <a:rPr lang="de-DE" dirty="0" smtClean="0"/>
+              <a:t>Zweiter </a:t>
+            </a:r>
+            <a:r>
+              <a:rPr lang="de-DE" dirty="0" smtClean="0"/>
+              <a:t>Ansatz mit SFB 768 </a:t>
+            </a:r>
+            <a:r>
+              <a:rPr lang="de-DE" dirty="0" err="1" smtClean="0"/>
+              <a:t>eCore</a:t>
+            </a:r>
+            <a:r>
+              <a:rPr lang="de-DE" dirty="0" smtClean="0"/>
+              <a:t> erfolgreich</a:t>
             </a:r>
           </a:p>
           <a:p>
             <a:pPr lvl="1"/>
             <a:r>
-              <a:rPr lang="de-DE" dirty="0"/>
-              <a:t>Einfügen von Knoten und Kanten</a:t>
+              <a:rPr lang="de-DE" dirty="0" smtClean="0"/>
+              <a:t>EPK</a:t>
+            </a:r>
+            <a:r>
+              <a:rPr lang="de-DE" dirty="0" smtClean="0"/>
+              <a:t>: Nativ durch Visio VSDX Bibliothek</a:t>
             </a:r>
           </a:p>
           <a:p>
             <a:pPr lvl="1"/>
             <a:r>
-              <a:rPr lang="de-DE" dirty="0"/>
-              <a:t>Modifizieren der Attribute von Elementen</a:t>
-            </a:r>
-          </a:p>
-          <a:p>
-            <a:r>
-              <a:rPr lang="de-DE" dirty="0"/>
-              <a:t>Analysen auf dem Gesamtmodell</a:t>
-            </a:r>
-          </a:p>
-          <a:p>
-            <a:pPr lvl="1"/>
-            <a:r>
-              <a:rPr lang="de-DE" dirty="0"/>
-              <a:t>Hervorheben von Zusammenhängen</a:t>
-            </a:r>
-          </a:p>
-          <a:p>
-            <a:pPr lvl="1"/>
-            <a:r>
-              <a:rPr lang="de-DE" dirty="0"/>
-              <a:t>Filtern über Attribute und Elementtypen</a:t>
-            </a:r>
-          </a:p>
-          <a:p>
-            <a:endParaRPr lang="de-DE" dirty="0"/>
+              <a:rPr lang="de-DE" dirty="0" smtClean="0"/>
+              <a:t>UFM </a:t>
+            </a:r>
+            <a:r>
+              <a:rPr lang="de-DE" dirty="0" smtClean="0"/>
+              <a:t>als </a:t>
+            </a:r>
+            <a:r>
+              <a:rPr lang="de-DE" dirty="0" err="1" smtClean="0"/>
+              <a:t>GraphML</a:t>
+            </a:r>
+            <a:r>
+              <a:rPr lang="de-DE" dirty="0" smtClean="0"/>
+              <a:t> Export von </a:t>
+            </a:r>
+            <a:r>
+              <a:rPr lang="de-DE" dirty="0" err="1" smtClean="0"/>
+              <a:t>Soley</a:t>
+            </a:r>
+            <a:endParaRPr lang="de-DE" dirty="0" smtClean="0"/>
+          </a:p>
+          <a:p>
+            <a:endParaRPr lang="en-US" dirty="0"/>
           </a:p>
         </p:txBody>
       </p:sp>
@@ -10429,18 +10074,13 @@
             </a:br>
             <a:r>
               <a:rPr lang="de-DE" sz="1400" dirty="0" smtClean="0"/>
-              <a:t>Visualisierung</a:t>
-            </a:r>
-            <a:endParaRPr lang="de-DE" sz="1400" dirty="0"/>
+              <a:t>Transformationen</a:t>
+            </a:r>
+            <a:endParaRPr lang="en-US" dirty="0"/>
           </a:p>
         </p:txBody>
       </p:sp>
     </p:spTree>
-    <p:extLst>
-      <p:ext uri="{BB962C8B-B14F-4D97-AF65-F5344CB8AC3E}">
-        <p14:creationId xmlns:p14="http://schemas.microsoft.com/office/powerpoint/2010/main" val="3015326985"/>
-      </p:ext>
-    </p:extLst>
   </p:cSld>
   <p:clrMapOvr>
     <a:masterClrMapping/>
@@ -10494,6 +10134,172 @@
           <a:p>
             <a:r>
               <a:rPr lang="de-DE" dirty="0" smtClean="0"/>
+              <a:t>Import </a:t>
+            </a:r>
+            <a:r>
+              <a:rPr lang="de-DE" dirty="0"/>
+              <a:t>und Export aus verschiedenen Quellformaten</a:t>
+            </a:r>
+          </a:p>
+          <a:p>
+            <a:pPr lvl="1"/>
+            <a:r>
+              <a:rPr lang="de-DE" dirty="0"/>
+              <a:t>Automatischer Import und sofortige Anzeige</a:t>
+            </a:r>
+          </a:p>
+          <a:p>
+            <a:r>
+              <a:rPr lang="de-DE" dirty="0"/>
+              <a:t>Visualisierung des Gesamtmodells</a:t>
+            </a:r>
+          </a:p>
+          <a:p>
+            <a:pPr lvl="1"/>
+            <a:r>
+              <a:rPr lang="de-DE" dirty="0"/>
+              <a:t>Matrix und Graphen Darstellung</a:t>
+            </a:r>
+          </a:p>
+          <a:p>
+            <a:r>
+              <a:rPr lang="de-DE" dirty="0"/>
+              <a:t>Bearbeitung des Gesamtmodells</a:t>
+            </a:r>
+          </a:p>
+          <a:p>
+            <a:pPr lvl="1"/>
+            <a:r>
+              <a:rPr lang="de-DE" dirty="0"/>
+              <a:t>Einfügen von Knoten und Kanten</a:t>
+            </a:r>
+          </a:p>
+          <a:p>
+            <a:pPr lvl="1"/>
+            <a:r>
+              <a:rPr lang="de-DE" dirty="0"/>
+              <a:t>Modifizieren der Attribute von Elementen</a:t>
+            </a:r>
+          </a:p>
+          <a:p>
+            <a:r>
+              <a:rPr lang="de-DE" dirty="0"/>
+              <a:t>Analysen auf dem Gesamtmodell</a:t>
+            </a:r>
+          </a:p>
+          <a:p>
+            <a:pPr lvl="1"/>
+            <a:r>
+              <a:rPr lang="de-DE" dirty="0"/>
+              <a:t>Hervorheben von Zusammenhängen</a:t>
+            </a:r>
+          </a:p>
+          <a:p>
+            <a:pPr lvl="1"/>
+            <a:r>
+              <a:rPr lang="de-DE" dirty="0"/>
+              <a:t>Filtern über Attribute und Elementtypen</a:t>
+            </a:r>
+          </a:p>
+          <a:p>
+            <a:endParaRPr lang="de-DE" dirty="0"/>
+          </a:p>
+        </p:txBody>
+      </p:sp>
+      <p:sp>
+        <p:nvSpPr>
+          <p:cNvPr id="3" name="Titel 2"/>
+          <p:cNvSpPr>
+            <a:spLocks noGrp="1"/>
+          </p:cNvSpPr>
+          <p:nvPr>
+            <p:ph type="title"/>
+          </p:nvPr>
+        </p:nvSpPr>
+        <p:spPr>
+          <a:xfrm>
+            <a:off x="250825" y="195526"/>
+            <a:ext cx="8031163" cy="600164"/>
+          </a:xfrm>
+        </p:spPr>
+        <p:txBody>
+          <a:bodyPr/>
+          <a:lstStyle/>
+          <a:p>
+            <a:r>
+              <a:rPr lang="de-DE" dirty="0" smtClean="0"/>
+              <a:t>Ergebnisse</a:t>
+            </a:r>
+            <a:br>
+              <a:rPr lang="de-DE" dirty="0" smtClean="0"/>
+            </a:br>
+            <a:r>
+              <a:rPr lang="de-DE" sz="1400" dirty="0" smtClean="0"/>
+              <a:t>Visualisierung</a:t>
+            </a:r>
+            <a:endParaRPr lang="de-DE" sz="1400" dirty="0"/>
+          </a:p>
+        </p:txBody>
+      </p:sp>
+    </p:spTree>
+    <p:extLst>
+      <p:ext uri="{BB962C8B-B14F-4D97-AF65-F5344CB8AC3E}">
+        <p14:creationId xmlns:p14="http://schemas.microsoft.com/office/powerpoint/2010/main" xmlns="" val="3015326985"/>
+      </p:ext>
+    </p:extLst>
+  </p:cSld>
+  <p:clrMapOvr>
+    <a:masterClrMapping/>
+  </p:clrMapOvr>
+  <p:timing>
+    <p:tnLst>
+      <p:par>
+        <p:cTn id="1" dur="indefinite" restart="never" nodeType="tmRoot"/>
+      </p:par>
+    </p:tnLst>
+  </p:timing>
+</p:sld>
+</file>
+
+<file path=ppt/slides/slide37.xml><?xml version="1.0" encoding="utf-8"?>
+<p:sld xmlns:a="http://schemas.openxmlformats.org/drawingml/2006/main" xmlns:r="http://schemas.openxmlformats.org/officeDocument/2006/relationships" xmlns:p="http://schemas.openxmlformats.org/presentationml/2006/main">
+  <p:cSld>
+    <p:spTree>
+      <p:nvGrpSpPr>
+        <p:cNvPr id="1" name=""/>
+        <p:cNvGrpSpPr/>
+        <p:nvPr/>
+      </p:nvGrpSpPr>
+      <p:grpSpPr>
+        <a:xfrm>
+          <a:off x="0" y="0"/>
+          <a:ext cx="0" cy="0"/>
+          <a:chOff x="0" y="0"/>
+          <a:chExt cx="0" cy="0"/>
+        </a:xfrm>
+      </p:grpSpPr>
+      <p:sp>
+        <p:nvSpPr>
+          <p:cNvPr id="2" name="Textplatzhalter 1"/>
+          <p:cNvSpPr>
+            <a:spLocks noGrp="1"/>
+          </p:cNvSpPr>
+          <p:nvPr>
+            <p:ph type="body" sz="quarter" idx="10"/>
+          </p:nvPr>
+        </p:nvSpPr>
+        <p:spPr>
+          <a:xfrm>
+            <a:off x="250824" y="933450"/>
+            <a:ext cx="8031164" cy="4495813"/>
+          </a:xfrm>
+        </p:spPr>
+        <p:txBody>
+          <a:bodyPr/>
+          <a:lstStyle/>
+          <a:p>
+            <a:r>
+              <a:rPr lang="de-DE" dirty="0" smtClean="0"/>
               <a:t>Repository</a:t>
             </a:r>
           </a:p>
@@ -10521,11 +10327,7 @@
           <a:p>
             <a:r>
               <a:rPr lang="de-DE" dirty="0" smtClean="0"/>
-              <a:t>Mögliche </a:t>
-            </a:r>
-            <a:r>
-              <a:rPr lang="de-DE" dirty="0" smtClean="0"/>
-              <a:t>Verbesserungen der Visualisierung</a:t>
+              <a:t>Mögliche Verbesserungen der Visualisierung</a:t>
             </a:r>
             <a:endParaRPr lang="de-DE" dirty="0"/>
           </a:p>
@@ -10626,7 +10428,7 @@
     </p:spTree>
     <p:extLst>
       <p:ext uri="{BB962C8B-B14F-4D97-AF65-F5344CB8AC3E}">
-        <p14:creationId xmlns:p14="http://schemas.microsoft.com/office/powerpoint/2010/main" val="2204816514"/>
+        <p14:creationId xmlns:p14="http://schemas.microsoft.com/office/powerpoint/2010/main" xmlns="" val="2204816514"/>
       </p:ext>
     </p:extLst>
   </p:cSld>
@@ -10643,7 +10445,7 @@
 </p:sld>
 </file>
 
-<file path=ppt/slides/slide37.xml><?xml version="1.0" encoding="utf-8"?>
+<file path=ppt/slides/slide38.xml><?xml version="1.0" encoding="utf-8"?>
 <p:sld xmlns:a="http://schemas.openxmlformats.org/drawingml/2006/main" xmlns:r="http://schemas.openxmlformats.org/officeDocument/2006/relationships" xmlns:p="http://schemas.openxmlformats.org/presentationml/2006/main">
   <p:cSld>
     <p:spTree>
@@ -10911,8 +10713,8 @@
         </p:blipFill>
         <p:spPr>
           <a:xfrm>
-            <a:off x="1000100" y="3929066"/>
-            <a:ext cx="5735937" cy="2091600"/>
+            <a:off x="2301325" y="3929066"/>
+            <a:ext cx="4541350" cy="1656000"/>
           </a:xfrm>
           <a:prstGeom prst="rect">
             <a:avLst/>
@@ -10935,8 +10737,8 @@
         </p:blipFill>
         <p:spPr>
           <a:xfrm>
-            <a:off x="971601" y="1080519"/>
-            <a:ext cx="5289550" cy="2092754"/>
+            <a:off x="2220119" y="1052936"/>
+            <a:ext cx="4549600" cy="1800000"/>
           </a:xfrm>
           <a:prstGeom prst="rect">
             <a:avLst/>
@@ -11479,8 +11281,13 @@
           <a:p>
             <a:r>
               <a:rPr lang="de-DE" dirty="0" smtClean="0"/>
-              <a:t>Möglichst informationsverlust-frei</a:t>
-            </a:r>
+              <a:t>Möglichst </a:t>
+            </a:r>
+            <a:r>
+              <a:rPr lang="de-DE" dirty="0" smtClean="0"/>
+              <a:t>ohne Informationsverluste</a:t>
+            </a:r>
+            <a:endParaRPr lang="de-DE" dirty="0" smtClean="0"/>
           </a:p>
           <a:p>
             <a:r>
@@ -11567,82 +11374,9 @@
         </p:xfrm>
         <a:graphic>
           <a:graphicData uri="http://schemas.openxmlformats.org/presentationml/2006/ole">
-            <mc:AlternateContent xmlns:mc="http://schemas.openxmlformats.org/markup-compatibility/2006">
-              <mc:Choice xmlns:v="urn:schemas-microsoft-com:vml" Requires="v">
-                <p:oleObj spid="_x0000_s3083" name="Visio" r:id="rId3" imgW="4867253" imgH="1609661" progId="Visio.Drawing.15">
-                  <p:embed/>
-                </p:oleObj>
-              </mc:Choice>
-              <mc:Fallback>
-                <p:oleObj name="Visio" r:id="rId3" imgW="4867253" imgH="1609661" progId="Visio.Drawing.15">
-                  <p:embed/>
-                  <p:pic>
-                    <p:nvPicPr>
-                      <p:cNvPr id="0" name="Picture 6"/>
-                      <p:cNvPicPr>
-                        <a:picLocks noChangeAspect="1" noChangeArrowheads="1"/>
-                      </p:cNvPicPr>
-                      <p:nvPr/>
-                    </p:nvPicPr>
-                    <p:blipFill>
-                      <a:blip r:embed="rId4">
-                        <a:extLst>
-                          <a:ext uri="{28A0092B-C50C-407E-A947-70E740481C1C}">
-                            <a14:useLocalDpi xmlns:a14="http://schemas.microsoft.com/office/drawing/2010/main" val="0"/>
-                          </a:ext>
-                        </a:extLst>
-                      </a:blip>
-                      <a:srcRect/>
-                      <a:stretch>
-                        <a:fillRect/>
-                      </a:stretch>
-                    </p:blipFill>
-                    <p:spPr bwMode="auto">
-                      <a:xfrm>
-                        <a:off x="1428728" y="928670"/>
-                        <a:ext cx="6379312" cy="2109792"/>
-                      </a:xfrm>
-                      <a:prstGeom prst="rect">
-                        <a:avLst/>
-                      </a:prstGeom>
-                      <a:noFill/>
-                      <a:ln>
-                        <a:noFill/>
-                      </a:ln>
-                      <a:effectLst/>
-                      <a:extLst>
-                        <a:ext uri="{909E8E84-426E-40DD-AFC4-6F175D3DCCD1}">
-                          <a14:hiddenFill xmlns:a14="http://schemas.microsoft.com/office/drawing/2010/main">
-                            <a:solidFill>
-                              <a:schemeClr val="accent1"/>
-                            </a:solidFill>
-                          </a14:hiddenFill>
-                        </a:ext>
-                        <a:ext uri="{91240B29-F687-4F45-9708-019B960494DF}">
-                          <a14:hiddenLine xmlns:a14="http://schemas.microsoft.com/office/drawing/2010/main" w="9525">
-                            <a:solidFill>
-                              <a:schemeClr val="tx1"/>
-                            </a:solidFill>
-                            <a:miter lim="800000"/>
-                            <a:headEnd/>
-                            <a:tailEnd/>
-                          </a14:hiddenLine>
-                        </a:ext>
-                        <a:ext uri="{AF507438-7753-43E0-B8FC-AC1667EBCBE1}">
-                          <a14:hiddenEffects xmlns:a14="http://schemas.microsoft.com/office/drawing/2010/main">
-                            <a:effectLst>
-                              <a:outerShdw dist="35921" dir="2700000" algn="ctr" rotWithShape="0">
-                                <a:schemeClr val="bg2"/>
-                              </a:outerShdw>
-                            </a:effectLst>
-                          </a14:hiddenEffects>
-                        </a:ext>
-                      </a:extLst>
-                    </p:spPr>
-                  </p:pic>
-                </p:oleObj>
-              </mc:Fallback>
-            </mc:AlternateContent>
+            <p:oleObj spid="_x0000_s3083" name="Visio" r:id="rId3" imgW="4867253" imgH="1609661" progId="Visio.Drawing.15">
+              <p:embed/>
+            </p:oleObj>
           </a:graphicData>
         </a:graphic>
       </p:graphicFrame>
@@ -11781,82 +11515,9 @@
         </p:xfrm>
         <a:graphic>
           <a:graphicData uri="http://schemas.openxmlformats.org/presentationml/2006/ole">
-            <mc:AlternateContent xmlns:mc="http://schemas.openxmlformats.org/markup-compatibility/2006">
-              <mc:Choice xmlns:v="urn:schemas-microsoft-com:vml" Requires="v">
-                <p:oleObj spid="_x0000_s21510" name="Visio" r:id="rId3" imgW="6286384" imgH="2038363" progId="Visio.Drawing.15">
-                  <p:embed/>
-                </p:oleObj>
-              </mc:Choice>
-              <mc:Fallback>
-                <p:oleObj name="Visio" r:id="rId3" imgW="6286384" imgH="2038363" progId="Visio.Drawing.15">
-                  <p:embed/>
-                  <p:pic>
-                    <p:nvPicPr>
-                      <p:cNvPr id="0" name="Picture 1"/>
-                      <p:cNvPicPr>
-                        <a:picLocks noChangeAspect="1" noChangeArrowheads="1"/>
-                      </p:cNvPicPr>
-                      <p:nvPr/>
-                    </p:nvPicPr>
-                    <p:blipFill>
-                      <a:blip r:embed="rId4">
-                        <a:extLst>
-                          <a:ext uri="{28A0092B-C50C-407E-A947-70E740481C1C}">
-                            <a14:useLocalDpi xmlns:a14="http://schemas.microsoft.com/office/drawing/2010/main" val="0"/>
-                          </a:ext>
-                        </a:extLst>
-                      </a:blip>
-                      <a:srcRect/>
-                      <a:stretch>
-                        <a:fillRect/>
-                      </a:stretch>
-                    </p:blipFill>
-                    <p:spPr bwMode="auto">
-                      <a:xfrm>
-                        <a:off x="785786" y="714356"/>
-                        <a:ext cx="7711298" cy="2500330"/>
-                      </a:xfrm>
-                      <a:prstGeom prst="rect">
-                        <a:avLst/>
-                      </a:prstGeom>
-                      <a:noFill/>
-                      <a:ln>
-                        <a:noFill/>
-                      </a:ln>
-                      <a:effectLst/>
-                      <a:extLst>
-                        <a:ext uri="{909E8E84-426E-40DD-AFC4-6F175D3DCCD1}">
-                          <a14:hiddenFill xmlns:a14="http://schemas.microsoft.com/office/drawing/2010/main">
-                            <a:solidFill>
-                              <a:schemeClr val="accent1"/>
-                            </a:solidFill>
-                          </a14:hiddenFill>
-                        </a:ext>
-                        <a:ext uri="{91240B29-F687-4F45-9708-019B960494DF}">
-                          <a14:hiddenLine xmlns:a14="http://schemas.microsoft.com/office/drawing/2010/main" w="9525">
-                            <a:solidFill>
-                              <a:schemeClr val="tx1"/>
-                            </a:solidFill>
-                            <a:miter lim="800000"/>
-                            <a:headEnd/>
-                            <a:tailEnd/>
-                          </a14:hiddenLine>
-                        </a:ext>
-                        <a:ext uri="{AF507438-7753-43E0-B8FC-AC1667EBCBE1}">
-                          <a14:hiddenEffects xmlns:a14="http://schemas.microsoft.com/office/drawing/2010/main">
-                            <a:effectLst>
-                              <a:outerShdw dist="35921" dir="2700000" algn="ctr" rotWithShape="0">
-                                <a:schemeClr val="bg2"/>
-                              </a:outerShdw>
-                            </a:effectLst>
-                          </a14:hiddenEffects>
-                        </a:ext>
-                      </a:extLst>
-                    </p:spPr>
-                  </p:pic>
-                </p:oleObj>
-              </mc:Fallback>
-            </mc:AlternateContent>
+            <p:oleObj spid="_x0000_s21510" name="Visio" r:id="rId3" imgW="6286384" imgH="2038363" progId="Visio.Drawing.15">
+              <p:embed/>
+            </p:oleObj>
           </a:graphicData>
         </a:graphic>
       </p:graphicFrame>
@@ -11905,19 +11566,35 @@
         <p:spPr>
           <a:xfrm>
             <a:off x="250824" y="933450"/>
-            <a:ext cx="8393142" cy="4495813"/>
+            <a:ext cx="8569648" cy="4495813"/>
           </a:xfrm>
         </p:spPr>
         <p:txBody>
           <a:bodyPr/>
           <a:lstStyle/>
           <a:p>
-            <a:pPr>
+            <a:pPr marL="0">
               <a:buNone/>
             </a:pPr>
             <a:r>
               <a:rPr lang="de-DE" dirty="0" smtClean="0"/>
-              <a:t>Direkte Überführung eines Modells in der Quellsprache A zu einem Modell in der Zielsprache B, auf Ebene der konkreten Syntax der jeweiligen Sprachen</a:t>
+              <a:t>Direkte Überführung eines Modells in der Quellsprache A </a:t>
+            </a:r>
+            <a:r>
+              <a:rPr lang="de-DE" dirty="0" smtClean="0"/>
+              <a:t>in ein </a:t>
+            </a:r>
+            <a:r>
+              <a:rPr lang="de-DE" dirty="0" smtClean="0"/>
+              <a:t>Modell in </a:t>
+            </a:r>
+            <a:r>
+              <a:rPr lang="de-DE" dirty="0" smtClean="0"/>
+              <a:t>der Zielsprache </a:t>
+            </a:r>
+            <a:r>
+              <a:rPr lang="de-DE" dirty="0" smtClean="0"/>
+              <a:t>B, auf Ebene der konkreten Syntax der jeweiligen Sprachen</a:t>
             </a:r>
           </a:p>
           <a:p>
@@ -11929,7 +11606,15 @@
           <a:p>
             <a:r>
               <a:rPr lang="de-DE" dirty="0" smtClean="0"/>
-              <a:t>Nachteil: Aufwand steigt exponentiell in der Anzahl an Sprachen und Formate</a:t>
+              <a:t>Nachteil: Aufwand steigt exponentiell in der Anzahl </a:t>
+            </a:r>
+            <a:r>
+              <a:rPr lang="de-DE" dirty="0" smtClean="0"/>
+              <a:t>der Sprachen </a:t>
+            </a:r>
+            <a:r>
+              <a:rPr lang="de-DE" dirty="0" smtClean="0"/>
+              <a:t>und Formate</a:t>
             </a:r>
           </a:p>
           <a:p>
@@ -11989,82 +11674,9 @@
         </p:xfrm>
         <a:graphic>
           <a:graphicData uri="http://schemas.openxmlformats.org/presentationml/2006/ole">
-            <mc:AlternateContent xmlns:mc="http://schemas.openxmlformats.org/markup-compatibility/2006">
-              <mc:Choice xmlns:v="urn:schemas-microsoft-com:vml" Requires="v">
-                <p:oleObj spid="_x0000_s4107" name="Visio" r:id="rId3" imgW="7496114" imgH="3209861" progId="Visio.Drawing.15">
-                  <p:embed/>
-                </p:oleObj>
-              </mc:Choice>
-              <mc:Fallback>
-                <p:oleObj name="Visio" r:id="rId3" imgW="7496114" imgH="3209861" progId="Visio.Drawing.15">
-                  <p:embed/>
-                  <p:pic>
-                    <p:nvPicPr>
-                      <p:cNvPr id="0" name="Picture 6"/>
-                      <p:cNvPicPr>
-                        <a:picLocks noChangeAspect="1" noChangeArrowheads="1"/>
-                      </p:cNvPicPr>
-                      <p:nvPr/>
-                    </p:nvPicPr>
-                    <p:blipFill>
-                      <a:blip r:embed="rId4">
-                        <a:extLst>
-                          <a:ext uri="{28A0092B-C50C-407E-A947-70E740481C1C}">
-                            <a14:useLocalDpi xmlns:a14="http://schemas.microsoft.com/office/drawing/2010/main" val="0"/>
-                          </a:ext>
-                        </a:extLst>
-                      </a:blip>
-                      <a:srcRect/>
-                      <a:stretch>
-                        <a:fillRect/>
-                      </a:stretch>
-                    </p:blipFill>
-                    <p:spPr bwMode="auto">
-                      <a:xfrm>
-                        <a:off x="785813" y="2786058"/>
-                        <a:ext cx="7496175" cy="3209925"/>
-                      </a:xfrm>
-                      <a:prstGeom prst="rect">
-                        <a:avLst/>
-                      </a:prstGeom>
-                      <a:noFill/>
-                      <a:ln>
-                        <a:noFill/>
-                      </a:ln>
-                      <a:effectLst/>
-                      <a:extLst>
-                        <a:ext uri="{909E8E84-426E-40DD-AFC4-6F175D3DCCD1}">
-                          <a14:hiddenFill xmlns:a14="http://schemas.microsoft.com/office/drawing/2010/main">
-                            <a:solidFill>
-                              <a:schemeClr val="accent1"/>
-                            </a:solidFill>
-                          </a14:hiddenFill>
-                        </a:ext>
-                        <a:ext uri="{91240B29-F687-4F45-9708-019B960494DF}">
-                          <a14:hiddenLine xmlns:a14="http://schemas.microsoft.com/office/drawing/2010/main" w="9525">
-                            <a:solidFill>
-                              <a:schemeClr val="tx1"/>
-                            </a:solidFill>
-                            <a:miter lim="800000"/>
-                            <a:headEnd/>
-                            <a:tailEnd/>
-                          </a14:hiddenLine>
-                        </a:ext>
-                        <a:ext uri="{AF507438-7753-43E0-B8FC-AC1667EBCBE1}">
-                          <a14:hiddenEffects xmlns:a14="http://schemas.microsoft.com/office/drawing/2010/main">
-                            <a:effectLst>
-                              <a:outerShdw dist="35921" dir="2700000" algn="ctr" rotWithShape="0">
-                                <a:schemeClr val="bg2"/>
-                              </a:outerShdw>
-                            </a:effectLst>
-                          </a14:hiddenEffects>
-                        </a:ext>
-                      </a:extLst>
-                    </p:spPr>
-                  </p:pic>
-                </p:oleObj>
-              </mc:Fallback>
-            </mc:AlternateContent>
+            <p:oleObj spid="_x0000_s4107" name="Visio" r:id="rId3" imgW="7496114" imgH="3209861" progId="Visio.Drawing.15">
+              <p:embed/>
+            </p:oleObj>
           </a:graphicData>
         </a:graphic>
       </p:graphicFrame>

--- a/pssif/doc/PSSIF.pptx
+++ b/pssif/doc/PSSIF.pptx
@@ -182,7 +182,7 @@
   </p:defaultTextStyle>
   <p:extLst>
     <p:ext uri="{EFAFB233-063F-42B5-8137-9DF3F51BA10A}">
-      <p15:sldGuideLst xmlns:p15="http://schemas.microsoft.com/office/powerpoint/2012/main" xmlns="">
+      <p15:sldGuideLst xmlns:p15="http://schemas.microsoft.com/office/powerpoint/2012/main">
         <p15:guide id="1" orient="horz" pos="3612">
           <p15:clr>
             <a:srgbClr val="A4A3A4"/>
@@ -256,7 +256,7 @@
       </p15:sldGuideLst>
     </p:ext>
     <p:ext uri="{2D200454-40CA-4A62-9FC3-DE9A4176ACB9}">
-      <p15:notesGuideLst xmlns:p15="http://schemas.microsoft.com/office/powerpoint/2012/main" xmlns="">
+      <p15:notesGuideLst xmlns:p15="http://schemas.microsoft.com/office/powerpoint/2012/main">
         <p15:guide id="1" orient="horz" pos="3128">
           <p15:clr>
             <a:srgbClr val="A4A3A4"/>
@@ -502,7 +502,7 @@
     </p:spTree>
     <p:extLst>
       <p:ext uri="{BB962C8B-B14F-4D97-AF65-F5344CB8AC3E}">
-        <p14:creationId xmlns:p14="http://schemas.microsoft.com/office/powerpoint/2010/main" xmlns="" val="164483809"/>
+        <p14:creationId xmlns:p14="http://schemas.microsoft.com/office/powerpoint/2010/main" val="164483809"/>
       </p:ext>
     </p:extLst>
   </p:cSld>
@@ -844,7 +844,7 @@
     </p:spTree>
     <p:extLst>
       <p:ext uri="{BB962C8B-B14F-4D97-AF65-F5344CB8AC3E}">
-        <p14:creationId xmlns:p14="http://schemas.microsoft.com/office/powerpoint/2010/main" xmlns="" val="220946427"/>
+        <p14:creationId xmlns:p14="http://schemas.microsoft.com/office/powerpoint/2010/main" val="220946427"/>
       </p:ext>
     </p:extLst>
   </p:cSld>
@@ -1102,6 +1102,11 @@
         </p:txBody>
       </p:sp>
     </p:spTree>
+    <p:extLst>
+      <p:ext uri="{BB962C8B-B14F-4D97-AF65-F5344CB8AC3E}">
+        <p14:creationId xmlns:p14="http://schemas.microsoft.com/office/powerpoint/2010/main" val="1112880489"/>
+      </p:ext>
+    </p:extLst>
   </p:cSld>
   <p:clrMapOvr>
     <a:masterClrMapping/>
@@ -1412,7 +1417,7 @@
           <a:blip r:embed="rId3" cstate="print">
             <a:extLst>
               <a:ext uri="{28A0092B-C50C-407E-A947-70E740481C1C}">
-                <a14:useLocalDpi xmlns:a14="http://schemas.microsoft.com/office/drawing/2010/main" xmlns="" val="0"/>
+                <a14:useLocalDpi xmlns:a14="http://schemas.microsoft.com/office/drawing/2010/main" val="0"/>
               </a:ext>
             </a:extLst>
           </a:blip>
@@ -1442,7 +1447,7 @@
           <a:blip r:embed="rId4" cstate="print">
             <a:extLst>
               <a:ext uri="{28A0092B-C50C-407E-A947-70E740481C1C}">
-                <a14:useLocalDpi xmlns:a14="http://schemas.microsoft.com/office/drawing/2010/main" xmlns="" val="0"/>
+                <a14:useLocalDpi xmlns:a14="http://schemas.microsoft.com/office/drawing/2010/main" val="0"/>
               </a:ext>
             </a:extLst>
           </a:blip>
@@ -1472,7 +1477,7 @@
           <a:blip r:embed="rId5" cstate="print">
             <a:extLst>
               <a:ext uri="{28A0092B-C50C-407E-A947-70E740481C1C}">
-                <a14:useLocalDpi xmlns:a14="http://schemas.microsoft.com/office/drawing/2010/main" xmlns="" val="0"/>
+                <a14:useLocalDpi xmlns:a14="http://schemas.microsoft.com/office/drawing/2010/main" val="0"/>
               </a:ext>
             </a:extLst>
           </a:blip>
@@ -1767,7 +1772,7 @@
           <a:blip r:embed="rId2" cstate="print">
             <a:extLst>
               <a:ext uri="{28A0092B-C50C-407E-A947-70E740481C1C}">
-                <a14:useLocalDpi xmlns:a14="http://schemas.microsoft.com/office/drawing/2010/main" xmlns="" val="0"/>
+                <a14:useLocalDpi xmlns:a14="http://schemas.microsoft.com/office/drawing/2010/main" val="0"/>
               </a:ext>
             </a:extLst>
           </a:blip>
@@ -1797,7 +1802,7 @@
           <a:blip r:embed="rId3" cstate="print">
             <a:extLst>
               <a:ext uri="{28A0092B-C50C-407E-A947-70E740481C1C}">
-                <a14:useLocalDpi xmlns:a14="http://schemas.microsoft.com/office/drawing/2010/main" xmlns="" val="0"/>
+                <a14:useLocalDpi xmlns:a14="http://schemas.microsoft.com/office/drawing/2010/main" val="0"/>
               </a:ext>
             </a:extLst>
           </a:blip>
@@ -1827,7 +1832,7 @@
           <a:blip r:embed="rId4" cstate="print">
             <a:extLst>
               <a:ext uri="{28A0092B-C50C-407E-A947-70E740481C1C}">
-                <a14:useLocalDpi xmlns:a14="http://schemas.microsoft.com/office/drawing/2010/main" xmlns="" val="0"/>
+                <a14:useLocalDpi xmlns:a14="http://schemas.microsoft.com/office/drawing/2010/main" val="0"/>
               </a:ext>
             </a:extLst>
           </a:blip>
@@ -2431,15 +2436,7 @@
           <a:p>
             <a:r>
               <a:rPr lang="de-DE" dirty="0" smtClean="0"/>
-              <a:t>Vorteil: Abstraktion </a:t>
-            </a:r>
-            <a:r>
-              <a:rPr lang="de-DE" dirty="0" smtClean="0"/>
-              <a:t>der </a:t>
-            </a:r>
-            <a:r>
-              <a:rPr lang="de-DE" dirty="0" smtClean="0"/>
-              <a:t>konkreten Syntax</a:t>
+              <a:t>Vorteil: Abstraktion der konkreten Syntax</a:t>
             </a:r>
           </a:p>
           <a:p>
@@ -2499,9 +2496,82 @@
         </p:xfrm>
         <a:graphic>
           <a:graphicData uri="http://schemas.openxmlformats.org/presentationml/2006/ole">
-            <p:oleObj spid="_x0000_s25606" name="Visio" r:id="rId3" imgW="6800715" imgH="3000375" progId="Visio.Drawing.15">
-              <p:embed/>
-            </p:oleObj>
+            <mc:AlternateContent xmlns:mc="http://schemas.openxmlformats.org/markup-compatibility/2006">
+              <mc:Choice xmlns:v="urn:schemas-microsoft-com:vml" Requires="v">
+                <p:oleObj spid="_x0000_s25608" name="Visio" r:id="rId3" imgW="6800715" imgH="3000375" progId="Visio.Drawing.15">
+                  <p:embed/>
+                </p:oleObj>
+              </mc:Choice>
+              <mc:Fallback>
+                <p:oleObj name="Visio" r:id="rId3" imgW="6800715" imgH="3000375" progId="Visio.Drawing.15">
+                  <p:embed/>
+                  <p:pic>
+                    <p:nvPicPr>
+                      <p:cNvPr id="0" name="Picture 6"/>
+                      <p:cNvPicPr>
+                        <a:picLocks noChangeAspect="1" noChangeArrowheads="1"/>
+                      </p:cNvPicPr>
+                      <p:nvPr/>
+                    </p:nvPicPr>
+                    <p:blipFill>
+                      <a:blip r:embed="rId4">
+                        <a:extLst>
+                          <a:ext uri="{28A0092B-C50C-407E-A947-70E740481C1C}">
+                            <a14:useLocalDpi xmlns:a14="http://schemas.microsoft.com/office/drawing/2010/main" val="0"/>
+                          </a:ext>
+                        </a:extLst>
+                      </a:blip>
+                      <a:srcRect/>
+                      <a:stretch>
+                        <a:fillRect/>
+                      </a:stretch>
+                    </p:blipFill>
+                    <p:spPr bwMode="auto">
+                      <a:xfrm>
+                        <a:off x="642909" y="2428868"/>
+                        <a:ext cx="7772407" cy="3429003"/>
+                      </a:xfrm>
+                      <a:prstGeom prst="rect">
+                        <a:avLst/>
+                      </a:prstGeom>
+                      <a:noFill/>
+                      <a:ln>
+                        <a:noFill/>
+                      </a:ln>
+                      <a:effectLst/>
+                      <a:extLst>
+                        <a:ext uri="{909E8E84-426E-40DD-AFC4-6F175D3DCCD1}">
+                          <a14:hiddenFill xmlns:a14="http://schemas.microsoft.com/office/drawing/2010/main">
+                            <a:solidFill>
+                              <a:schemeClr val="accent1"/>
+                            </a:solidFill>
+                          </a14:hiddenFill>
+                        </a:ext>
+                        <a:ext uri="{91240B29-F687-4F45-9708-019B960494DF}">
+                          <a14:hiddenLine xmlns:a14="http://schemas.microsoft.com/office/drawing/2010/main" w="9525">
+                            <a:solidFill>
+                              <a:schemeClr val="tx1"/>
+                            </a:solidFill>
+                            <a:miter lim="800000"/>
+                            <a:headEnd/>
+                            <a:tailEnd/>
+                          </a14:hiddenLine>
+                        </a:ext>
+                        <a:ext uri="{AF507438-7753-43E0-B8FC-AC1667EBCBE1}">
+                          <a14:hiddenEffects xmlns:a14="http://schemas.microsoft.com/office/drawing/2010/main">
+                            <a:effectLst>
+                              <a:outerShdw dist="35921" dir="2700000" algn="ctr" rotWithShape="0">
+                                <a:schemeClr val="bg2"/>
+                              </a:outerShdw>
+                            </a:effectLst>
+                          </a14:hiddenEffects>
+                        </a:ext>
+                      </a:extLst>
+                    </p:spPr>
+                  </p:pic>
+                </p:oleObj>
+              </mc:Fallback>
+            </mc:AlternateContent>
           </a:graphicData>
         </a:graphic>
       </p:graphicFrame>
@@ -2559,32 +2629,14 @@
           <a:p>
             <a:r>
               <a:rPr lang="de-DE" dirty="0" smtClean="0"/>
-              <a:t>Transformation von der Quellsprache in ein </a:t>
-            </a:r>
-            <a:r>
-              <a:rPr lang="de-DE" dirty="0" smtClean="0"/>
-              <a:t>fixes Zwischenschema</a:t>
-            </a:r>
-            <a:endParaRPr lang="de-DE" dirty="0" smtClean="0"/>
-          </a:p>
-          <a:p>
-            <a:r>
-              <a:rPr lang="de-DE" dirty="0" smtClean="0"/>
-              <a:t>Darauf folgende Transformation </a:t>
-            </a:r>
-            <a:r>
-              <a:rPr lang="de-DE" dirty="0" smtClean="0"/>
-              <a:t>vom Zwischenschema </a:t>
-            </a:r>
-            <a:r>
-              <a:rPr lang="de-DE" dirty="0" smtClean="0"/>
-              <a:t>in </a:t>
-            </a:r>
-            <a:r>
-              <a:rPr lang="de-DE" dirty="0" smtClean="0"/>
-              <a:t>die Zielsprache</a:t>
-            </a:r>
-            <a:endParaRPr lang="de-DE" dirty="0" smtClean="0"/>
+              <a:t>Transformation von der Quellsprache in ein fixes Zwischenschema</a:t>
+            </a:r>
+          </a:p>
+          <a:p>
+            <a:r>
+              <a:rPr lang="de-DE" dirty="0" smtClean="0"/>
+              <a:t>Darauf folgende Transformation vom Zwischenschema in die Zielsprache</a:t>
+            </a:r>
           </a:p>
           <a:p>
             <a:r>
@@ -2649,9 +2701,82 @@
         </p:xfrm>
         <a:graphic>
           <a:graphicData uri="http://schemas.openxmlformats.org/presentationml/2006/ole">
-            <p:oleObj spid="_x0000_s24582" name="Visio" r:id="rId3" imgW="6800715" imgH="3067140" progId="Visio.Drawing.15">
-              <p:embed/>
-            </p:oleObj>
+            <mc:AlternateContent xmlns:mc="http://schemas.openxmlformats.org/markup-compatibility/2006">
+              <mc:Choice xmlns:v="urn:schemas-microsoft-com:vml" Requires="v">
+                <p:oleObj spid="_x0000_s24584" name="Visio" r:id="rId3" imgW="6800715" imgH="3067140" progId="Visio.Drawing.15">
+                  <p:embed/>
+                </p:oleObj>
+              </mc:Choice>
+              <mc:Fallback>
+                <p:oleObj name="Visio" r:id="rId3" imgW="6800715" imgH="3067140" progId="Visio.Drawing.15">
+                  <p:embed/>
+                  <p:pic>
+                    <p:nvPicPr>
+                      <p:cNvPr id="0" name="Picture 6"/>
+                      <p:cNvPicPr>
+                        <a:picLocks noChangeAspect="1" noChangeArrowheads="1"/>
+                      </p:cNvPicPr>
+                      <p:nvPr/>
+                    </p:nvPicPr>
+                    <p:blipFill>
+                      <a:blip r:embed="rId4">
+                        <a:extLst>
+                          <a:ext uri="{28A0092B-C50C-407E-A947-70E740481C1C}">
+                            <a14:useLocalDpi xmlns:a14="http://schemas.microsoft.com/office/drawing/2010/main" val="0"/>
+                          </a:ext>
+                        </a:extLst>
+                      </a:blip>
+                      <a:srcRect/>
+                      <a:stretch>
+                        <a:fillRect/>
+                      </a:stretch>
+                    </p:blipFill>
+                    <p:spPr bwMode="auto">
+                      <a:xfrm>
+                        <a:off x="1187624" y="2805318"/>
+                        <a:ext cx="6768752" cy="3052574"/>
+                      </a:xfrm>
+                      <a:prstGeom prst="rect">
+                        <a:avLst/>
+                      </a:prstGeom>
+                      <a:noFill/>
+                      <a:ln>
+                        <a:noFill/>
+                      </a:ln>
+                      <a:effectLst/>
+                      <a:extLst>
+                        <a:ext uri="{909E8E84-426E-40DD-AFC4-6F175D3DCCD1}">
+                          <a14:hiddenFill xmlns:a14="http://schemas.microsoft.com/office/drawing/2010/main">
+                            <a:solidFill>
+                              <a:schemeClr val="accent1"/>
+                            </a:solidFill>
+                          </a14:hiddenFill>
+                        </a:ext>
+                        <a:ext uri="{91240B29-F687-4F45-9708-019B960494DF}">
+                          <a14:hiddenLine xmlns:a14="http://schemas.microsoft.com/office/drawing/2010/main" w="9525">
+                            <a:solidFill>
+                              <a:schemeClr val="tx1"/>
+                            </a:solidFill>
+                            <a:miter lim="800000"/>
+                            <a:headEnd/>
+                            <a:tailEnd/>
+                          </a14:hiddenLine>
+                        </a:ext>
+                        <a:ext uri="{AF507438-7753-43E0-B8FC-AC1667EBCBE1}">
+                          <a14:hiddenEffects xmlns:a14="http://schemas.microsoft.com/office/drawing/2010/main">
+                            <a:effectLst>
+                              <a:outerShdw dist="35921" dir="2700000" algn="ctr" rotWithShape="0">
+                                <a:schemeClr val="bg2"/>
+                              </a:outerShdw>
+                            </a:effectLst>
+                          </a14:hiddenEffects>
+                        </a:ext>
+                      </a:extLst>
+                    </p:spPr>
+                  </p:pic>
+                </p:oleObj>
+              </mc:Fallback>
+            </mc:AlternateContent>
           </a:graphicData>
         </a:graphic>
       </p:graphicFrame>
@@ -2781,9 +2906,82 @@
         </p:xfrm>
         <a:graphic>
           <a:graphicData uri="http://schemas.openxmlformats.org/presentationml/2006/ole">
-            <p:oleObj spid="_x0000_s23558" name="Visio" r:id="rId3" imgW="7248393" imgH="2219196" progId="Visio.Drawing.15">
-              <p:embed/>
-            </p:oleObj>
+            <mc:AlternateContent xmlns:mc="http://schemas.openxmlformats.org/markup-compatibility/2006">
+              <mc:Choice xmlns:v="urn:schemas-microsoft-com:vml" Requires="v">
+                <p:oleObj spid="_x0000_s23560" name="Visio" r:id="rId3" imgW="7248393" imgH="2219196" progId="Visio.Drawing.15">
+                  <p:embed/>
+                </p:oleObj>
+              </mc:Choice>
+              <mc:Fallback>
+                <p:oleObj name="Visio" r:id="rId3" imgW="7248393" imgH="2219196" progId="Visio.Drawing.15">
+                  <p:embed/>
+                  <p:pic>
+                    <p:nvPicPr>
+                      <p:cNvPr id="0" name="Picture 6"/>
+                      <p:cNvPicPr>
+                        <a:picLocks noChangeAspect="1" noChangeArrowheads="1"/>
+                      </p:cNvPicPr>
+                      <p:nvPr/>
+                    </p:nvPicPr>
+                    <p:blipFill>
+                      <a:blip r:embed="rId4">
+                        <a:extLst>
+                          <a:ext uri="{28A0092B-C50C-407E-A947-70E740481C1C}">
+                            <a14:useLocalDpi xmlns:a14="http://schemas.microsoft.com/office/drawing/2010/main" val="0"/>
+                          </a:ext>
+                        </a:extLst>
+                      </a:blip>
+                      <a:srcRect/>
+                      <a:stretch>
+                        <a:fillRect/>
+                      </a:stretch>
+                    </p:blipFill>
+                    <p:spPr bwMode="auto">
+                      <a:xfrm>
+                        <a:off x="500034" y="2857496"/>
+                        <a:ext cx="8166314" cy="2500330"/>
+                      </a:xfrm>
+                      <a:prstGeom prst="rect">
+                        <a:avLst/>
+                      </a:prstGeom>
+                      <a:noFill/>
+                      <a:ln>
+                        <a:noFill/>
+                      </a:ln>
+                      <a:effectLst/>
+                      <a:extLst>
+                        <a:ext uri="{909E8E84-426E-40DD-AFC4-6F175D3DCCD1}">
+                          <a14:hiddenFill xmlns:a14="http://schemas.microsoft.com/office/drawing/2010/main">
+                            <a:solidFill>
+                              <a:schemeClr val="accent1"/>
+                            </a:solidFill>
+                          </a14:hiddenFill>
+                        </a:ext>
+                        <a:ext uri="{91240B29-F687-4F45-9708-019B960494DF}">
+                          <a14:hiddenLine xmlns:a14="http://schemas.microsoft.com/office/drawing/2010/main" w="9525">
+                            <a:solidFill>
+                              <a:schemeClr val="tx1"/>
+                            </a:solidFill>
+                            <a:miter lim="800000"/>
+                            <a:headEnd/>
+                            <a:tailEnd/>
+                          </a14:hiddenLine>
+                        </a:ext>
+                        <a:ext uri="{AF507438-7753-43E0-B8FC-AC1667EBCBE1}">
+                          <a14:hiddenEffects xmlns:a14="http://schemas.microsoft.com/office/drawing/2010/main">
+                            <a:effectLst>
+                              <a:outerShdw dist="35921" dir="2700000" algn="ctr" rotWithShape="0">
+                                <a:schemeClr val="bg2"/>
+                              </a:outerShdw>
+                            </a:effectLst>
+                          </a14:hiddenEffects>
+                        </a:ext>
+                      </a:extLst>
+                    </p:spPr>
+                  </p:pic>
+                </p:oleObj>
+              </mc:Fallback>
+            </mc:AlternateContent>
           </a:graphicData>
         </a:graphic>
       </p:graphicFrame>
@@ -2848,22 +3046,14 @@
             <a:pPr lvl="1"/>
             <a:r>
               <a:rPr lang="de-DE" dirty="0" smtClean="0"/>
-              <a:t>Weitere </a:t>
-            </a:r>
-            <a:r>
-              <a:rPr lang="de-DE" dirty="0" smtClean="0"/>
-              <a:t>Sprachen werden dazu kommen</a:t>
+              <a:t>Weitere Sprachen werden dazu kommen</a:t>
             </a:r>
           </a:p>
           <a:p>
             <a:pPr lvl="1"/>
             <a:r>
               <a:rPr lang="de-DE" dirty="0" smtClean="0"/>
-              <a:t>Weitere Transformationen werden </a:t>
-            </a:r>
-            <a:r>
-              <a:rPr lang="de-DE" dirty="0" smtClean="0"/>
-              <a:t>benötigt werden</a:t>
+              <a:t>Weitere Transformationen werden benötigt werden</a:t>
             </a:r>
             <a:endParaRPr lang="de-DE" dirty="0"/>
           </a:p>
@@ -3349,9 +3539,59 @@
         </p:xfrm>
         <a:graphic>
           <a:graphicData uri="http://schemas.openxmlformats.org/presentationml/2006/ole">
-            <p:oleObj spid="_x0000_s1033" name="Visio" r:id="rId3" imgW="5505444" imgH="4162376" progId="Visio.Drawing.15">
-              <p:embed/>
-            </p:oleObj>
+            <mc:AlternateContent xmlns:mc="http://schemas.openxmlformats.org/markup-compatibility/2006">
+              <mc:Choice xmlns:v="urn:schemas-microsoft-com:vml" Requires="v">
+                <p:oleObj spid="_x0000_s1039" name="Visio" r:id="rId3" imgW="5505444" imgH="4162376" progId="Visio.Drawing.15">
+                  <p:embed/>
+                </p:oleObj>
+              </mc:Choice>
+              <mc:Fallback>
+                <p:oleObj name="Visio" r:id="rId3" imgW="5505444" imgH="4162376" progId="Visio.Drawing.15">
+                  <p:embed/>
+                  <p:pic>
+                    <p:nvPicPr>
+                      <p:cNvPr id="0" name="Picture 9"/>
+                      <p:cNvPicPr>
+                        <a:picLocks noChangeAspect="1" noChangeArrowheads="1"/>
+                      </p:cNvPicPr>
+                      <p:nvPr/>
+                    </p:nvPicPr>
+                    <p:blipFill>
+                      <a:blip r:embed="rId4">
+                        <a:extLst>
+                          <a:ext uri="{28A0092B-C50C-407E-A947-70E740481C1C}">
+                            <a14:useLocalDpi xmlns:a14="http://schemas.microsoft.com/office/drawing/2010/main" val="0"/>
+                          </a:ext>
+                        </a:extLst>
+                      </a:blip>
+                      <a:srcRect/>
+                      <a:stretch>
+                        <a:fillRect/>
+                      </a:stretch>
+                    </p:blipFill>
+                    <p:spPr bwMode="auto">
+                      <a:xfrm>
+                        <a:off x="1819275" y="1160748"/>
+                        <a:ext cx="5505450" cy="4162425"/>
+                      </a:xfrm>
+                      <a:prstGeom prst="rect">
+                        <a:avLst/>
+                      </a:prstGeom>
+                      <a:noFill/>
+                      <a:extLst>
+                        <a:ext uri="{909E8E84-426E-40DD-AFC4-6F175D3DCCD1}">
+                          <a14:hiddenFill xmlns:a14="http://schemas.microsoft.com/office/drawing/2010/main">
+                            <a:solidFill>
+                              <a:srgbClr val="FFFFFF"/>
+                            </a:solidFill>
+                          </a14:hiddenFill>
+                        </a:ext>
+                      </a:extLst>
+                    </p:spPr>
+                  </p:pic>
+                </p:oleObj>
+              </mc:Fallback>
+            </mc:AlternateContent>
           </a:graphicData>
         </a:graphic>
       </p:graphicFrame>
@@ -3369,9 +3609,59 @@
         </p:xfrm>
         <a:graphic>
           <a:graphicData uri="http://schemas.openxmlformats.org/presentationml/2006/ole">
-            <p:oleObj spid="_x0000_s1036" name="Visio" r:id="rId4" imgW="5505444" imgH="4162376" progId="Visio.Drawing.15">
-              <p:embed/>
-            </p:oleObj>
+            <mc:AlternateContent xmlns:mc="http://schemas.openxmlformats.org/markup-compatibility/2006">
+              <mc:Choice xmlns:v="urn:schemas-microsoft-com:vml" Requires="v">
+                <p:oleObj spid="_x0000_s1040" name="Visio" r:id="rId5" imgW="5505444" imgH="4162376" progId="Visio.Drawing.15">
+                  <p:embed/>
+                </p:oleObj>
+              </mc:Choice>
+              <mc:Fallback>
+                <p:oleObj name="Visio" r:id="rId5" imgW="5505444" imgH="4162376" progId="Visio.Drawing.15">
+                  <p:embed/>
+                  <p:pic>
+                    <p:nvPicPr>
+                      <p:cNvPr id="0" name="Object 9"/>
+                      <p:cNvPicPr>
+                        <a:picLocks noChangeAspect="1" noChangeArrowheads="1"/>
+                      </p:cNvPicPr>
+                      <p:nvPr/>
+                    </p:nvPicPr>
+                    <p:blipFill>
+                      <a:blip r:embed="rId6">
+                        <a:extLst>
+                          <a:ext uri="{28A0092B-C50C-407E-A947-70E740481C1C}">
+                            <a14:useLocalDpi xmlns:a14="http://schemas.microsoft.com/office/drawing/2010/main" val="0"/>
+                          </a:ext>
+                        </a:extLst>
+                      </a:blip>
+                      <a:srcRect/>
+                      <a:stretch>
+                        <a:fillRect/>
+                      </a:stretch>
+                    </p:blipFill>
+                    <p:spPr bwMode="auto">
+                      <a:xfrm>
+                        <a:off x="1819275" y="1160748"/>
+                        <a:ext cx="5505450" cy="4162425"/>
+                      </a:xfrm>
+                      <a:prstGeom prst="rect">
+                        <a:avLst/>
+                      </a:prstGeom>
+                      <a:noFill/>
+                      <a:extLst>
+                        <a:ext uri="{909E8E84-426E-40DD-AFC4-6F175D3DCCD1}">
+                          <a14:hiddenFill xmlns:a14="http://schemas.microsoft.com/office/drawing/2010/main">
+                            <a:solidFill>
+                              <a:srgbClr val="FFFFFF"/>
+                            </a:solidFill>
+                          </a14:hiddenFill>
+                        </a:ext>
+                      </a:extLst>
+                    </p:spPr>
+                  </p:pic>
+                </p:oleObj>
+              </mc:Fallback>
+            </mc:AlternateContent>
           </a:graphicData>
         </a:graphic>
       </p:graphicFrame>
@@ -3524,11 +3814,7 @@
           <a:p>
             <a:r>
               <a:rPr lang="de-DE" dirty="0" smtClean="0"/>
-              <a:t>SFB 768</a:t>
-            </a:r>
-            <a:r>
-              <a:rPr lang="de-DE" dirty="0" smtClean="0"/>
-              <a:t>:</a:t>
+              <a:t>SFB 768:</a:t>
             </a:r>
             <a:br>
               <a:rPr lang="de-DE" dirty="0" smtClean="0"/>
@@ -3547,15 +3833,7 @@
             </a:r>
             <a:r>
               <a:rPr lang="en-US" dirty="0" smtClean="0"/>
-              <a:t> </a:t>
-            </a:r>
-            <a:r>
-              <a:rPr lang="en-US" dirty="0" smtClean="0"/>
-              <a:t>development </a:t>
-            </a:r>
-            <a:r>
-              <a:rPr lang="en-US" dirty="0" smtClean="0"/>
-              <a:t>of product-service-systems”</a:t>
+              <a:t> development of product-service-systems”</a:t>
             </a:r>
           </a:p>
         </p:txBody>
@@ -3732,9 +4010,82 @@
         </p:xfrm>
         <a:graphic>
           <a:graphicData uri="http://schemas.openxmlformats.org/presentationml/2006/ole">
-            <p:oleObj spid="_x0000_s2060" name="Visio" r:id="rId3" imgW="7334205" imgH="3190939" progId="Visio.Drawing.15">
-              <p:embed/>
-            </p:oleObj>
+            <mc:AlternateContent xmlns:mc="http://schemas.openxmlformats.org/markup-compatibility/2006">
+              <mc:Choice xmlns:v="urn:schemas-microsoft-com:vml" Requires="v">
+                <p:oleObj spid="_x0000_s2062" name="Visio" r:id="rId3" imgW="7334205" imgH="3190939" progId="Visio.Drawing.15">
+                  <p:embed/>
+                </p:oleObj>
+              </mc:Choice>
+              <mc:Fallback>
+                <p:oleObj name="Visio" r:id="rId3" imgW="7334205" imgH="3190939" progId="Visio.Drawing.15">
+                  <p:embed/>
+                  <p:pic>
+                    <p:nvPicPr>
+                      <p:cNvPr id="0" name="Picture 12"/>
+                      <p:cNvPicPr>
+                        <a:picLocks noChangeAspect="1" noChangeArrowheads="1"/>
+                      </p:cNvPicPr>
+                      <p:nvPr/>
+                    </p:nvPicPr>
+                    <p:blipFill>
+                      <a:blip r:embed="rId4">
+                        <a:extLst>
+                          <a:ext uri="{28A0092B-C50C-407E-A947-70E740481C1C}">
+                            <a14:useLocalDpi xmlns:a14="http://schemas.microsoft.com/office/drawing/2010/main" val="0"/>
+                          </a:ext>
+                        </a:extLst>
+                      </a:blip>
+                      <a:srcRect/>
+                      <a:stretch>
+                        <a:fillRect/>
+                      </a:stretch>
+                    </p:blipFill>
+                    <p:spPr bwMode="auto">
+                      <a:xfrm>
+                        <a:off x="456756" y="2204864"/>
+                        <a:ext cx="8275544" cy="3600399"/>
+                      </a:xfrm>
+                      <a:prstGeom prst="rect">
+                        <a:avLst/>
+                      </a:prstGeom>
+                      <a:noFill/>
+                      <a:ln>
+                        <a:noFill/>
+                      </a:ln>
+                      <a:effectLst/>
+                      <a:extLst>
+                        <a:ext uri="{909E8E84-426E-40DD-AFC4-6F175D3DCCD1}">
+                          <a14:hiddenFill xmlns:a14="http://schemas.microsoft.com/office/drawing/2010/main">
+                            <a:solidFill>
+                              <a:schemeClr val="accent1"/>
+                            </a:solidFill>
+                          </a14:hiddenFill>
+                        </a:ext>
+                        <a:ext uri="{91240B29-F687-4F45-9708-019B960494DF}">
+                          <a14:hiddenLine xmlns:a14="http://schemas.microsoft.com/office/drawing/2010/main" w="9525">
+                            <a:solidFill>
+                              <a:schemeClr val="tx1"/>
+                            </a:solidFill>
+                            <a:miter lim="800000"/>
+                            <a:headEnd/>
+                            <a:tailEnd/>
+                          </a14:hiddenLine>
+                        </a:ext>
+                        <a:ext uri="{AF507438-7753-43E0-B8FC-AC1667EBCBE1}">
+                          <a14:hiddenEffects xmlns:a14="http://schemas.microsoft.com/office/drawing/2010/main">
+                            <a:effectLst>
+                              <a:outerShdw dist="35921" dir="2700000" algn="ctr" rotWithShape="0">
+                                <a:schemeClr val="bg2"/>
+                              </a:outerShdw>
+                            </a:effectLst>
+                          </a14:hiddenEffects>
+                        </a:ext>
+                      </a:extLst>
+                    </p:spPr>
+                  </p:pic>
+                </p:oleObj>
+              </mc:Fallback>
+            </mc:AlternateContent>
           </a:graphicData>
         </a:graphic>
       </p:graphicFrame>
@@ -3819,9 +4170,59 @@
         </p:xfrm>
         <a:graphic>
           <a:graphicData uri="http://schemas.openxmlformats.org/presentationml/2006/ole">
-            <p:oleObj spid="_x0000_s27655" name="Visio" r:id="rId3" imgW="5505444" imgH="4162412" progId="Visio.Drawing.15">
-              <p:embed/>
-            </p:oleObj>
+            <mc:AlternateContent xmlns:mc="http://schemas.openxmlformats.org/markup-compatibility/2006">
+              <mc:Choice xmlns:v="urn:schemas-microsoft-com:vml" Requires="v">
+                <p:oleObj spid="_x0000_s27659" name="Visio" r:id="rId3" imgW="5505444" imgH="4162412" progId="Visio.Drawing.15">
+                  <p:embed/>
+                </p:oleObj>
+              </mc:Choice>
+              <mc:Fallback>
+                <p:oleObj name="Visio" r:id="rId3" imgW="5505444" imgH="4162412" progId="Visio.Drawing.15">
+                  <p:embed/>
+                  <p:pic>
+                    <p:nvPicPr>
+                      <p:cNvPr id="0" name="Picture 7"/>
+                      <p:cNvPicPr>
+                        <a:picLocks noChangeAspect="1" noChangeArrowheads="1"/>
+                      </p:cNvPicPr>
+                      <p:nvPr/>
+                    </p:nvPicPr>
+                    <p:blipFill>
+                      <a:blip r:embed="rId4">
+                        <a:extLst>
+                          <a:ext uri="{28A0092B-C50C-407E-A947-70E740481C1C}">
+                            <a14:useLocalDpi xmlns:a14="http://schemas.microsoft.com/office/drawing/2010/main" val="0"/>
+                          </a:ext>
+                        </a:extLst>
+                      </a:blip>
+                      <a:srcRect/>
+                      <a:stretch>
+                        <a:fillRect/>
+                      </a:stretch>
+                    </p:blipFill>
+                    <p:spPr bwMode="auto">
+                      <a:xfrm>
+                        <a:off x="1819275" y="1347788"/>
+                        <a:ext cx="5505450" cy="4162425"/>
+                      </a:xfrm>
+                      <a:prstGeom prst="rect">
+                        <a:avLst/>
+                      </a:prstGeom>
+                      <a:noFill/>
+                      <a:extLst>
+                        <a:ext uri="{909E8E84-426E-40DD-AFC4-6F175D3DCCD1}">
+                          <a14:hiddenFill xmlns:a14="http://schemas.microsoft.com/office/drawing/2010/main">
+                            <a:solidFill>
+                              <a:srgbClr val="FFFFFF"/>
+                            </a:solidFill>
+                          </a14:hiddenFill>
+                        </a:ext>
+                      </a:extLst>
+                    </p:spPr>
+                  </p:pic>
+                </p:oleObj>
+              </mc:Fallback>
+            </mc:AlternateContent>
           </a:graphicData>
         </a:graphic>
       </p:graphicFrame>
@@ -3839,9 +4240,59 @@
         </p:xfrm>
         <a:graphic>
           <a:graphicData uri="http://schemas.openxmlformats.org/presentationml/2006/ole">
-            <p:oleObj spid="_x0000_s27656" name="Visio" r:id="rId4" imgW="5505444" imgH="4162376" progId="Visio.Drawing.15">
-              <p:embed/>
-            </p:oleObj>
+            <mc:AlternateContent xmlns:mc="http://schemas.openxmlformats.org/markup-compatibility/2006">
+              <mc:Choice xmlns:v="urn:schemas-microsoft-com:vml" Requires="v">
+                <p:oleObj spid="_x0000_s27660" name="Visio" r:id="rId5" imgW="5505444" imgH="4162376" progId="Visio.Drawing.15">
+                  <p:embed/>
+                </p:oleObj>
+              </mc:Choice>
+              <mc:Fallback>
+                <p:oleObj name="Visio" r:id="rId5" imgW="5505444" imgH="4162376" progId="Visio.Drawing.15">
+                  <p:embed/>
+                  <p:pic>
+                    <p:nvPicPr>
+                      <p:cNvPr id="0" name="Object 7"/>
+                      <p:cNvPicPr>
+                        <a:picLocks noChangeAspect="1" noChangeArrowheads="1"/>
+                      </p:cNvPicPr>
+                      <p:nvPr/>
+                    </p:nvPicPr>
+                    <p:blipFill>
+                      <a:blip r:embed="rId6">
+                        <a:extLst>
+                          <a:ext uri="{28A0092B-C50C-407E-A947-70E740481C1C}">
+                            <a14:useLocalDpi xmlns:a14="http://schemas.microsoft.com/office/drawing/2010/main" val="0"/>
+                          </a:ext>
+                        </a:extLst>
+                      </a:blip>
+                      <a:srcRect/>
+                      <a:stretch>
+                        <a:fillRect/>
+                      </a:stretch>
+                    </p:blipFill>
+                    <p:spPr bwMode="auto">
+                      <a:xfrm>
+                        <a:off x="1819275" y="1347788"/>
+                        <a:ext cx="5505450" cy="4162425"/>
+                      </a:xfrm>
+                      <a:prstGeom prst="rect">
+                        <a:avLst/>
+                      </a:prstGeom>
+                      <a:noFill/>
+                      <a:extLst>
+                        <a:ext uri="{909E8E84-426E-40DD-AFC4-6F175D3DCCD1}">
+                          <a14:hiddenFill xmlns:a14="http://schemas.microsoft.com/office/drawing/2010/main">
+                            <a:solidFill>
+                              <a:srgbClr val="FFFFFF"/>
+                            </a:solidFill>
+                          </a14:hiddenFill>
+                        </a:ext>
+                      </a:extLst>
+                    </p:spPr>
+                  </p:pic>
+                </p:oleObj>
+              </mc:Fallback>
+            </mc:AlternateContent>
           </a:graphicData>
         </a:graphic>
       </p:graphicFrame>
@@ -4002,38 +4453,14 @@
             </a:r>
             <a:r>
               <a:rPr lang="de-DE" dirty="0" smtClean="0"/>
-              <a:t> </a:t>
-            </a:r>
-            <a:r>
-              <a:rPr lang="de-DE" dirty="0" smtClean="0"/>
-              <a:t>und </a:t>
-            </a:r>
-            <a:r>
-              <a:rPr lang="de-DE" dirty="0" smtClean="0"/>
-              <a:t>View</a:t>
+              <a:t> und View</a:t>
             </a:r>
           </a:p>
           <a:p>
             <a:pPr lvl="1"/>
             <a:r>
               <a:rPr lang="de-DE" dirty="0" smtClean="0"/>
-              <a:t>Sukzessive </a:t>
-            </a:r>
-            <a:r>
-              <a:rPr lang="de-DE" dirty="0" smtClean="0"/>
-              <a:t>durch Anwendung </a:t>
-            </a:r>
-            <a:r>
-              <a:rPr lang="de-DE" dirty="0" smtClean="0"/>
-              <a:t>atomarer Transformationen </a:t>
-            </a:r>
-            <a:r>
-              <a:rPr lang="de-DE" dirty="0" smtClean="0"/>
-              <a:t>auf ein </a:t>
-            </a:r>
-            <a:r>
-              <a:rPr lang="de-DE" dirty="0" smtClean="0"/>
-              <a:t>Metamodel</a:t>
+              <a:t>Sukzessive durch Anwendung atomarer Transformationen auf ein Metamodel</a:t>
             </a:r>
           </a:p>
           <a:p>
@@ -4048,22 +4475,14 @@
             </a:r>
             <a:r>
               <a:rPr lang="de-DE" dirty="0" smtClean="0"/>
-              <a:t> </a:t>
-            </a:r>
-            <a:r>
-              <a:rPr lang="de-DE" dirty="0" smtClean="0"/>
-              <a:t>ist ein Metamodel</a:t>
+              <a:t> ist ein Metamodel</a:t>
             </a:r>
           </a:p>
           <a:p>
             <a:pPr lvl="1"/>
             <a:r>
               <a:rPr lang="de-DE" dirty="0" smtClean="0"/>
-              <a:t>View </a:t>
-            </a:r>
-            <a:r>
-              <a:rPr lang="de-DE" dirty="0" smtClean="0"/>
-              <a:t>implizit mittels Operatoren im </a:t>
+              <a:t>View implizit mittels Operatoren im </a:t>
             </a:r>
             <a:r>
               <a:rPr lang="de-DE" dirty="0" err="1" smtClean="0"/>
@@ -4073,26 +4492,17 @@
               <a:rPr lang="de-DE" dirty="0" smtClean="0"/>
               <a:t> beschrieben</a:t>
             </a:r>
+          </a:p>
+          <a:p>
             <a:endParaRPr lang="de-DE" dirty="0" smtClean="0"/>
           </a:p>
           <a:p>
             <a:endParaRPr lang="de-DE" dirty="0" smtClean="0"/>
           </a:p>
           <a:p>
-            <a:endParaRPr lang="de-DE" dirty="0" smtClean="0"/>
-          </a:p>
-          <a:p>
-            <a:r>
-              <a:rPr lang="de-DE" dirty="0" smtClean="0"/>
-              <a:t>A</a:t>
-            </a:r>
-            <a:r>
-              <a:rPr lang="de-DE" dirty="0" smtClean="0"/>
-              <a:t>tomare </a:t>
-            </a:r>
-            <a:r>
-              <a:rPr lang="de-DE" dirty="0" smtClean="0"/>
-              <a:t>Transformationen</a:t>
+            <a:r>
+              <a:rPr lang="de-DE" dirty="0" smtClean="0"/>
+              <a:t>Atomare Transformationen</a:t>
             </a:r>
           </a:p>
           <a:p>
@@ -4287,11 +4697,7 @@
             </a:br>
             <a:r>
               <a:rPr lang="de-DE" sz="1400" dirty="0" smtClean="0"/>
-              <a:t>Beispiel Umsatzorientierte Funktionsmodellierung (UFM</a:t>
-            </a:r>
-            <a:r>
-              <a:rPr lang="de-DE" sz="1400" dirty="0" smtClean="0"/>
-              <a:t>)</a:t>
+              <a:t>Beispiel Umsatzorientierte Funktionsmodellierung (UFM)</a:t>
             </a:r>
             <a:endParaRPr lang="bg-BG" sz="1400" dirty="0"/>
           </a:p>
@@ -4311,9 +4717,82 @@
         </p:xfrm>
         <a:graphic>
           <a:graphicData uri="http://schemas.openxmlformats.org/presentationml/2006/ole">
-            <p:oleObj spid="_x0000_s29702" name="Visio" r:id="rId3" imgW="8029661" imgH="2504984" progId="Visio.Drawing.15">
-              <p:embed/>
-            </p:oleObj>
+            <mc:AlternateContent xmlns:mc="http://schemas.openxmlformats.org/markup-compatibility/2006">
+              <mc:Choice xmlns:v="urn:schemas-microsoft-com:vml" Requires="v">
+                <p:oleObj spid="_x0000_s29704" name="Visio" r:id="rId3" imgW="8029661" imgH="2504984" progId="Visio.Drawing.15">
+                  <p:embed/>
+                </p:oleObj>
+              </mc:Choice>
+              <mc:Fallback>
+                <p:oleObj name="Visio" r:id="rId3" imgW="8029661" imgH="2504984" progId="Visio.Drawing.15">
+                  <p:embed/>
+                  <p:pic>
+                    <p:nvPicPr>
+                      <p:cNvPr id="0" name="Picture 6"/>
+                      <p:cNvPicPr>
+                        <a:picLocks noChangeAspect="1" noChangeArrowheads="1"/>
+                      </p:cNvPicPr>
+                      <p:nvPr/>
+                    </p:nvPicPr>
+                    <p:blipFill>
+                      <a:blip r:embed="rId4">
+                        <a:extLst>
+                          <a:ext uri="{28A0092B-C50C-407E-A947-70E740481C1C}">
+                            <a14:useLocalDpi xmlns:a14="http://schemas.microsoft.com/office/drawing/2010/main" val="0"/>
+                          </a:ext>
+                        </a:extLst>
+                      </a:blip>
+                      <a:srcRect/>
+                      <a:stretch>
+                        <a:fillRect/>
+                      </a:stretch>
+                    </p:blipFill>
+                    <p:spPr bwMode="auto">
+                      <a:xfrm>
+                        <a:off x="557213" y="2924944"/>
+                        <a:ext cx="8029575" cy="2505075"/>
+                      </a:xfrm>
+                      <a:prstGeom prst="rect">
+                        <a:avLst/>
+                      </a:prstGeom>
+                      <a:noFill/>
+                      <a:ln>
+                        <a:noFill/>
+                      </a:ln>
+                      <a:effectLst/>
+                      <a:extLst>
+                        <a:ext uri="{909E8E84-426E-40DD-AFC4-6F175D3DCCD1}">
+                          <a14:hiddenFill xmlns:a14="http://schemas.microsoft.com/office/drawing/2010/main">
+                            <a:solidFill>
+                              <a:schemeClr val="accent1"/>
+                            </a:solidFill>
+                          </a14:hiddenFill>
+                        </a:ext>
+                        <a:ext uri="{91240B29-F687-4F45-9708-019B960494DF}">
+                          <a14:hiddenLine xmlns:a14="http://schemas.microsoft.com/office/drawing/2010/main" w="9525">
+                            <a:solidFill>
+                              <a:schemeClr val="tx1"/>
+                            </a:solidFill>
+                            <a:miter lim="800000"/>
+                            <a:headEnd/>
+                            <a:tailEnd/>
+                          </a14:hiddenLine>
+                        </a:ext>
+                        <a:ext uri="{AF507438-7753-43E0-B8FC-AC1667EBCBE1}">
+                          <a14:hiddenEffects xmlns:a14="http://schemas.microsoft.com/office/drawing/2010/main">
+                            <a:effectLst>
+                              <a:outerShdw dist="35921" dir="2700000" algn="ctr" rotWithShape="0">
+                                <a:schemeClr val="bg2"/>
+                              </a:outerShdw>
+                            </a:effectLst>
+                          </a14:hiddenEffects>
+                        </a:ext>
+                      </a:extLst>
+                    </p:spPr>
+                  </p:pic>
+                </p:oleObj>
+              </mc:Fallback>
+            </mc:AlternateContent>
           </a:graphicData>
         </a:graphic>
       </p:graphicFrame>
@@ -4498,9 +4977,82 @@
         </p:xfrm>
         <a:graphic>
           <a:graphicData uri="http://schemas.openxmlformats.org/presentationml/2006/ole">
-            <p:oleObj spid="_x0000_s9224" name="Visio" r:id="rId3" imgW="10363300" imgH="6886545" progId="Visio.Drawing.15">
-              <p:embed/>
-            </p:oleObj>
+            <mc:AlternateContent xmlns:mc="http://schemas.openxmlformats.org/markup-compatibility/2006">
+              <mc:Choice xmlns:v="urn:schemas-microsoft-com:vml" Requires="v">
+                <p:oleObj spid="_x0000_s9226" name="Visio" r:id="rId3" imgW="10363300" imgH="6886545" progId="Visio.Drawing.15">
+                  <p:embed/>
+                </p:oleObj>
+              </mc:Choice>
+              <mc:Fallback>
+                <p:oleObj name="Visio" r:id="rId3" imgW="10363300" imgH="6886545" progId="Visio.Drawing.15">
+                  <p:embed/>
+                  <p:pic>
+                    <p:nvPicPr>
+                      <p:cNvPr id="0" name="Picture 8"/>
+                      <p:cNvPicPr>
+                        <a:picLocks noChangeAspect="1" noChangeArrowheads="1"/>
+                      </p:cNvPicPr>
+                      <p:nvPr/>
+                    </p:nvPicPr>
+                    <p:blipFill>
+                      <a:blip r:embed="rId4">
+                        <a:extLst>
+                          <a:ext uri="{28A0092B-C50C-407E-A947-70E740481C1C}">
+                            <a14:useLocalDpi xmlns:a14="http://schemas.microsoft.com/office/drawing/2010/main" val="0"/>
+                          </a:ext>
+                        </a:extLst>
+                      </a:blip>
+                      <a:srcRect/>
+                      <a:stretch>
+                        <a:fillRect/>
+                      </a:stretch>
+                    </p:blipFill>
+                    <p:spPr bwMode="auto">
+                      <a:xfrm>
+                        <a:off x="1979712" y="1484784"/>
+                        <a:ext cx="6830900" cy="4534366"/>
+                      </a:xfrm>
+                      <a:prstGeom prst="rect">
+                        <a:avLst/>
+                      </a:prstGeom>
+                      <a:noFill/>
+                      <a:ln>
+                        <a:noFill/>
+                      </a:ln>
+                      <a:effectLst/>
+                      <a:extLst>
+                        <a:ext uri="{909E8E84-426E-40DD-AFC4-6F175D3DCCD1}">
+                          <a14:hiddenFill xmlns:a14="http://schemas.microsoft.com/office/drawing/2010/main">
+                            <a:solidFill>
+                              <a:schemeClr val="accent1"/>
+                            </a:solidFill>
+                          </a14:hiddenFill>
+                        </a:ext>
+                        <a:ext uri="{91240B29-F687-4F45-9708-019B960494DF}">
+                          <a14:hiddenLine xmlns:a14="http://schemas.microsoft.com/office/drawing/2010/main" w="9525">
+                            <a:solidFill>
+                              <a:schemeClr val="tx1"/>
+                            </a:solidFill>
+                            <a:miter lim="800000"/>
+                            <a:headEnd/>
+                            <a:tailEnd/>
+                          </a14:hiddenLine>
+                        </a:ext>
+                        <a:ext uri="{AF507438-7753-43E0-B8FC-AC1667EBCBE1}">
+                          <a14:hiddenEffects xmlns:a14="http://schemas.microsoft.com/office/drawing/2010/main">
+                            <a:effectLst>
+                              <a:outerShdw dist="35921" dir="2700000" algn="ctr" rotWithShape="0">
+                                <a:schemeClr val="bg2"/>
+                              </a:outerShdw>
+                            </a:effectLst>
+                          </a14:hiddenEffects>
+                        </a:ext>
+                      </a:extLst>
+                    </p:spPr>
+                  </p:pic>
+                </p:oleObj>
+              </mc:Fallback>
+            </mc:AlternateContent>
           </a:graphicData>
         </a:graphic>
       </p:graphicFrame>
@@ -4550,9 +5102,82 @@
         </p:xfrm>
         <a:graphic>
           <a:graphicData uri="http://schemas.openxmlformats.org/presentationml/2006/ole">
-            <p:oleObj spid="_x0000_s30724" name="Visio" r:id="rId3" imgW="8029661" imgH="2504984" progId="Visio.Drawing.15">
-              <p:embed/>
-            </p:oleObj>
+            <mc:AlternateContent xmlns:mc="http://schemas.openxmlformats.org/markup-compatibility/2006">
+              <mc:Choice xmlns:v="urn:schemas-microsoft-com:vml" Requires="v">
+                <p:oleObj spid="_x0000_s30731" name="Visio" r:id="rId3" imgW="8029661" imgH="2504984" progId="Visio.Drawing.15">
+                  <p:embed/>
+                </p:oleObj>
+              </mc:Choice>
+              <mc:Fallback>
+                <p:oleObj name="Visio" r:id="rId3" imgW="8029661" imgH="2504984" progId="Visio.Drawing.15">
+                  <p:embed/>
+                  <p:pic>
+                    <p:nvPicPr>
+                      <p:cNvPr id="0" name="Object 11"/>
+                      <p:cNvPicPr>
+                        <a:picLocks noChangeAspect="1" noChangeArrowheads="1"/>
+                      </p:cNvPicPr>
+                      <p:nvPr/>
+                    </p:nvPicPr>
+                    <p:blipFill>
+                      <a:blip r:embed="rId4">
+                        <a:extLst>
+                          <a:ext uri="{28A0092B-C50C-407E-A947-70E740481C1C}">
+                            <a14:useLocalDpi xmlns:a14="http://schemas.microsoft.com/office/drawing/2010/main" val="0"/>
+                          </a:ext>
+                        </a:extLst>
+                      </a:blip>
+                      <a:srcRect/>
+                      <a:stretch>
+                        <a:fillRect/>
+                      </a:stretch>
+                    </p:blipFill>
+                    <p:spPr bwMode="auto">
+                      <a:xfrm>
+                        <a:off x="557213" y="2924944"/>
+                        <a:ext cx="8029575" cy="2505075"/>
+                      </a:xfrm>
+                      <a:prstGeom prst="rect">
+                        <a:avLst/>
+                      </a:prstGeom>
+                      <a:noFill/>
+                      <a:ln>
+                        <a:noFill/>
+                      </a:ln>
+                      <a:effectLst/>
+                      <a:extLst>
+                        <a:ext uri="{909E8E84-426E-40DD-AFC4-6F175D3DCCD1}">
+                          <a14:hiddenFill xmlns:a14="http://schemas.microsoft.com/office/drawing/2010/main">
+                            <a:solidFill>
+                              <a:schemeClr val="accent1"/>
+                            </a:solidFill>
+                          </a14:hiddenFill>
+                        </a:ext>
+                        <a:ext uri="{91240B29-F687-4F45-9708-019B960494DF}">
+                          <a14:hiddenLine xmlns:a14="http://schemas.microsoft.com/office/drawing/2010/main" w="9525">
+                            <a:solidFill>
+                              <a:schemeClr val="tx1"/>
+                            </a:solidFill>
+                            <a:miter lim="800000"/>
+                            <a:headEnd/>
+                            <a:tailEnd/>
+                          </a14:hiddenLine>
+                        </a:ext>
+                        <a:ext uri="{AF507438-7753-43E0-B8FC-AC1667EBCBE1}">
+                          <a14:hiddenEffects xmlns:a14="http://schemas.microsoft.com/office/drawing/2010/main">
+                            <a:effectLst>
+                              <a:outerShdw dist="35921" dir="2700000" algn="ctr" rotWithShape="0">
+                                <a:schemeClr val="bg2"/>
+                              </a:outerShdw>
+                            </a:effectLst>
+                          </a14:hiddenEffects>
+                        </a:ext>
+                      </a:extLst>
+                    </p:spPr>
+                  </p:pic>
+                </p:oleObj>
+              </mc:Fallback>
+            </mc:AlternateContent>
           </a:graphicData>
         </a:graphic>
       </p:graphicFrame>
@@ -4570,9 +5195,82 @@
         </p:xfrm>
         <a:graphic>
           <a:graphicData uri="http://schemas.openxmlformats.org/presentationml/2006/ole">
-            <p:oleObj spid="_x0000_s30725" name="Visio" r:id="rId4" imgW="8029661" imgH="2504984" progId="Visio.Drawing.15">
-              <p:embed/>
-            </p:oleObj>
+            <mc:AlternateContent xmlns:mc="http://schemas.openxmlformats.org/markup-compatibility/2006">
+              <mc:Choice xmlns:v="urn:schemas-microsoft-com:vml" Requires="v">
+                <p:oleObj spid="_x0000_s30732" name="Visio" r:id="rId5" imgW="8029661" imgH="2504984" progId="Visio.Drawing.15">
+                  <p:embed/>
+                </p:oleObj>
+              </mc:Choice>
+              <mc:Fallback>
+                <p:oleObj name="Visio" r:id="rId5" imgW="8029661" imgH="2504984" progId="Visio.Drawing.15">
+                  <p:embed/>
+                  <p:pic>
+                    <p:nvPicPr>
+                      <p:cNvPr id="0" name="Object 12"/>
+                      <p:cNvPicPr>
+                        <a:picLocks noChangeAspect="1" noChangeArrowheads="1"/>
+                      </p:cNvPicPr>
+                      <p:nvPr/>
+                    </p:nvPicPr>
+                    <p:blipFill>
+                      <a:blip r:embed="rId6">
+                        <a:extLst>
+                          <a:ext uri="{28A0092B-C50C-407E-A947-70E740481C1C}">
+                            <a14:useLocalDpi xmlns:a14="http://schemas.microsoft.com/office/drawing/2010/main" val="0"/>
+                          </a:ext>
+                        </a:extLst>
+                      </a:blip>
+                      <a:srcRect/>
+                      <a:stretch>
+                        <a:fillRect/>
+                      </a:stretch>
+                    </p:blipFill>
+                    <p:spPr bwMode="auto">
+                      <a:xfrm>
+                        <a:off x="557213" y="2924944"/>
+                        <a:ext cx="8029575" cy="2505075"/>
+                      </a:xfrm>
+                      <a:prstGeom prst="rect">
+                        <a:avLst/>
+                      </a:prstGeom>
+                      <a:noFill/>
+                      <a:ln>
+                        <a:noFill/>
+                      </a:ln>
+                      <a:effectLst/>
+                      <a:extLst>
+                        <a:ext uri="{909E8E84-426E-40DD-AFC4-6F175D3DCCD1}">
+                          <a14:hiddenFill xmlns:a14="http://schemas.microsoft.com/office/drawing/2010/main">
+                            <a:solidFill>
+                              <a:schemeClr val="accent1"/>
+                            </a:solidFill>
+                          </a14:hiddenFill>
+                        </a:ext>
+                        <a:ext uri="{91240B29-F687-4F45-9708-019B960494DF}">
+                          <a14:hiddenLine xmlns:a14="http://schemas.microsoft.com/office/drawing/2010/main" w="9525">
+                            <a:solidFill>
+                              <a:schemeClr val="tx1"/>
+                            </a:solidFill>
+                            <a:miter lim="800000"/>
+                            <a:headEnd/>
+                            <a:tailEnd/>
+                          </a14:hiddenLine>
+                        </a:ext>
+                        <a:ext uri="{AF507438-7753-43E0-B8FC-AC1667EBCBE1}">
+                          <a14:hiddenEffects xmlns:a14="http://schemas.microsoft.com/office/drawing/2010/main">
+                            <a:effectLst>
+                              <a:outerShdw dist="35921" dir="2700000" algn="ctr" rotWithShape="0">
+                                <a:schemeClr val="bg2"/>
+                              </a:outerShdw>
+                            </a:effectLst>
+                          </a14:hiddenEffects>
+                        </a:ext>
+                      </a:extLst>
+                    </p:spPr>
+                  </p:pic>
+                </p:oleObj>
+              </mc:Fallback>
+            </mc:AlternateContent>
           </a:graphicData>
         </a:graphic>
       </p:graphicFrame>
@@ -4590,9 +5288,82 @@
         </p:xfrm>
         <a:graphic>
           <a:graphicData uri="http://schemas.openxmlformats.org/presentationml/2006/ole">
-            <p:oleObj spid="_x0000_s30726" name="Visio" r:id="rId5" imgW="8029661" imgH="2504984" progId="Visio.Drawing.15">
-              <p:embed/>
-            </p:oleObj>
+            <mc:AlternateContent xmlns:mc="http://schemas.openxmlformats.org/markup-compatibility/2006">
+              <mc:Choice xmlns:v="urn:schemas-microsoft-com:vml" Requires="v">
+                <p:oleObj spid="_x0000_s30733" name="Visio" r:id="rId7" imgW="8029661" imgH="2504984" progId="Visio.Drawing.15">
+                  <p:embed/>
+                </p:oleObj>
+              </mc:Choice>
+              <mc:Fallback>
+                <p:oleObj name="Visio" r:id="rId7" imgW="8029661" imgH="2504984" progId="Visio.Drawing.15">
+                  <p:embed/>
+                  <p:pic>
+                    <p:nvPicPr>
+                      <p:cNvPr id="0" name="Picture 6"/>
+                      <p:cNvPicPr>
+                        <a:picLocks noChangeAspect="1" noChangeArrowheads="1"/>
+                      </p:cNvPicPr>
+                      <p:nvPr/>
+                    </p:nvPicPr>
+                    <p:blipFill>
+                      <a:blip r:embed="rId8">
+                        <a:extLst>
+                          <a:ext uri="{28A0092B-C50C-407E-A947-70E740481C1C}">
+                            <a14:useLocalDpi xmlns:a14="http://schemas.microsoft.com/office/drawing/2010/main" val="0"/>
+                          </a:ext>
+                        </a:extLst>
+                      </a:blip>
+                      <a:srcRect/>
+                      <a:stretch>
+                        <a:fillRect/>
+                      </a:stretch>
+                    </p:blipFill>
+                    <p:spPr bwMode="auto">
+                      <a:xfrm>
+                        <a:off x="557213" y="2924944"/>
+                        <a:ext cx="8029575" cy="2505075"/>
+                      </a:xfrm>
+                      <a:prstGeom prst="rect">
+                        <a:avLst/>
+                      </a:prstGeom>
+                      <a:noFill/>
+                      <a:ln>
+                        <a:noFill/>
+                      </a:ln>
+                      <a:effectLst/>
+                      <a:extLst>
+                        <a:ext uri="{909E8E84-426E-40DD-AFC4-6F175D3DCCD1}">
+                          <a14:hiddenFill xmlns:a14="http://schemas.microsoft.com/office/drawing/2010/main">
+                            <a:solidFill>
+                              <a:schemeClr val="accent1"/>
+                            </a:solidFill>
+                          </a14:hiddenFill>
+                        </a:ext>
+                        <a:ext uri="{91240B29-F687-4F45-9708-019B960494DF}">
+                          <a14:hiddenLine xmlns:a14="http://schemas.microsoft.com/office/drawing/2010/main" w="9525">
+                            <a:solidFill>
+                              <a:schemeClr val="tx1"/>
+                            </a:solidFill>
+                            <a:miter lim="800000"/>
+                            <a:headEnd/>
+                            <a:tailEnd/>
+                          </a14:hiddenLine>
+                        </a:ext>
+                        <a:ext uri="{AF507438-7753-43E0-B8FC-AC1667EBCBE1}">
+                          <a14:hiddenEffects xmlns:a14="http://schemas.microsoft.com/office/drawing/2010/main">
+                            <a:effectLst>
+                              <a:outerShdw dist="35921" dir="2700000" algn="ctr" rotWithShape="0">
+                                <a:schemeClr val="bg2"/>
+                              </a:outerShdw>
+                            </a:effectLst>
+                          </a14:hiddenEffects>
+                        </a:ext>
+                      </a:extLst>
+                    </p:spPr>
+                  </p:pic>
+                </p:oleObj>
+              </mc:Fallback>
+            </mc:AlternateContent>
           </a:graphicData>
         </a:graphic>
       </p:graphicFrame>
@@ -4625,11 +5396,7 @@
             </a:r>
             <a:r>
               <a:rPr lang="en-US" dirty="0" smtClean="0"/>
-              <a:t> </a:t>
-            </a:r>
-            <a:r>
-              <a:rPr lang="en-US" dirty="0" smtClean="0"/>
-              <a:t>des Viewpoints </a:t>
+              <a:t> des Viewpoints </a:t>
             </a:r>
             <a:r>
               <a:rPr lang="en-US" dirty="0" err="1" smtClean="0"/>
@@ -4827,9 +5594,82 @@
         </p:xfrm>
         <a:graphic>
           <a:graphicData uri="http://schemas.openxmlformats.org/presentationml/2006/ole">
-            <p:oleObj spid="_x0000_s30722" name="Visio" r:id="rId6" imgW="8029661" imgH="2504984" progId="Visio.Drawing.15">
-              <p:embed/>
-            </p:oleObj>
+            <mc:AlternateContent xmlns:mc="http://schemas.openxmlformats.org/markup-compatibility/2006">
+              <mc:Choice xmlns:v="urn:schemas-microsoft-com:vml" Requires="v">
+                <p:oleObj spid="_x0000_s30734" name="Visio" r:id="rId9" imgW="8029661" imgH="2504984" progId="Visio.Drawing.15">
+                  <p:embed/>
+                </p:oleObj>
+              </mc:Choice>
+              <mc:Fallback>
+                <p:oleObj name="Visio" r:id="rId9" imgW="8029661" imgH="2504984" progId="Visio.Drawing.15">
+                  <p:embed/>
+                  <p:pic>
+                    <p:nvPicPr>
+                      <p:cNvPr id="0" name="Object 6"/>
+                      <p:cNvPicPr>
+                        <a:picLocks noChangeAspect="1" noChangeArrowheads="1"/>
+                      </p:cNvPicPr>
+                      <p:nvPr/>
+                    </p:nvPicPr>
+                    <p:blipFill>
+                      <a:blip r:embed="rId10">
+                        <a:extLst>
+                          <a:ext uri="{28A0092B-C50C-407E-A947-70E740481C1C}">
+                            <a14:useLocalDpi xmlns:a14="http://schemas.microsoft.com/office/drawing/2010/main" val="0"/>
+                          </a:ext>
+                        </a:extLst>
+                      </a:blip>
+                      <a:srcRect/>
+                      <a:stretch>
+                        <a:fillRect/>
+                      </a:stretch>
+                    </p:blipFill>
+                    <p:spPr bwMode="auto">
+                      <a:xfrm>
+                        <a:off x="557213" y="2924944"/>
+                        <a:ext cx="8029575" cy="2505075"/>
+                      </a:xfrm>
+                      <a:prstGeom prst="rect">
+                        <a:avLst/>
+                      </a:prstGeom>
+                      <a:noFill/>
+                      <a:ln>
+                        <a:noFill/>
+                      </a:ln>
+                      <a:effectLst/>
+                      <a:extLst>
+                        <a:ext uri="{909E8E84-426E-40DD-AFC4-6F175D3DCCD1}">
+                          <a14:hiddenFill xmlns:a14="http://schemas.microsoft.com/office/drawing/2010/main">
+                            <a:solidFill>
+                              <a:schemeClr val="accent1"/>
+                            </a:solidFill>
+                          </a14:hiddenFill>
+                        </a:ext>
+                        <a:ext uri="{91240B29-F687-4F45-9708-019B960494DF}">
+                          <a14:hiddenLine xmlns:a14="http://schemas.microsoft.com/office/drawing/2010/main" w="9525">
+                            <a:solidFill>
+                              <a:schemeClr val="tx1"/>
+                            </a:solidFill>
+                            <a:miter lim="800000"/>
+                            <a:headEnd/>
+                            <a:tailEnd/>
+                          </a14:hiddenLine>
+                        </a:ext>
+                        <a:ext uri="{AF507438-7753-43E0-B8FC-AC1667EBCBE1}">
+                          <a14:hiddenEffects xmlns:a14="http://schemas.microsoft.com/office/drawing/2010/main">
+                            <a:effectLst>
+                              <a:outerShdw dist="35921" dir="2700000" algn="ctr" rotWithShape="0">
+                                <a:schemeClr val="bg2"/>
+                              </a:outerShdw>
+                            </a:effectLst>
+                          </a14:hiddenEffects>
+                        </a:ext>
+                      </a:extLst>
+                    </p:spPr>
+                  </p:pic>
+                </p:oleObj>
+              </mc:Fallback>
+            </mc:AlternateContent>
           </a:graphicData>
         </a:graphic>
       </p:graphicFrame>
@@ -5290,11 +6130,7 @@
             <a:pPr lvl="1"/>
             <a:r>
               <a:rPr lang="de-DE" dirty="0" smtClean="0"/>
-              <a:t>Hohe </a:t>
-            </a:r>
-            <a:r>
-              <a:rPr lang="de-DE" dirty="0" smtClean="0"/>
-              <a:t>Flexibilität (</a:t>
+              <a:t>Hohe Flexibilität (</a:t>
             </a:r>
             <a:r>
               <a:rPr lang="de-DE" dirty="0" err="1" smtClean="0"/>
@@ -5401,7 +6237,6 @@
               <a:rPr lang="de-DE" dirty="0" smtClean="0"/>
               <a:t>EMF</a:t>
             </a:r>
-            <a:endParaRPr lang="de-DE" dirty="0" smtClean="0"/>
           </a:p>
         </p:txBody>
       </p:sp>
@@ -6326,12 +7161,28 @@
           <a:p>
             <a:r>
               <a:rPr lang="de-DE" dirty="0" smtClean="0"/>
-              <a:t>Jung2 Framework</a:t>
+              <a:t>Jung2 </a:t>
+            </a:r>
+            <a:r>
+              <a:rPr lang="de-DE" dirty="0" smtClean="0"/>
+              <a:t>Framework</a:t>
             </a:r>
           </a:p>
           <a:p>
             <a:pPr lvl="1"/>
             <a:r>
+              <a:rPr lang="de-DE" dirty="0"/>
+              <a:t>Framework zur Visualisierung von Graphen und </a:t>
+            </a:r>
+            <a:r>
+              <a:rPr lang="de-DE" dirty="0" smtClean="0"/>
+              <a:t>Netzwerken</a:t>
+            </a:r>
+            <a:endParaRPr lang="de-DE" dirty="0" smtClean="0"/>
+          </a:p>
+          <a:p>
+            <a:pPr lvl="1"/>
+            <a:r>
               <a:rPr lang="de-DE" dirty="0" smtClean="0"/>
               <a:t>Vorteile</a:t>
             </a:r>
@@ -6341,17 +7192,6 @@
             <a:pPr lvl="2"/>
             <a:r>
               <a:rPr lang="de-DE" dirty="0" smtClean="0"/>
-              <a:t>Framework </a:t>
-            </a:r>
-            <a:r>
-              <a:rPr lang="de-DE" dirty="0"/>
-              <a:t>zur Visualisierung von Graphen und Netzwerken</a:t>
-            </a:r>
-          </a:p>
-          <a:p>
-            <a:pPr lvl="2"/>
-            <a:r>
-              <a:rPr lang="de-DE" dirty="0"/>
               <a:t>Open </a:t>
             </a:r>
             <a:r>
@@ -6500,7 +7340,7 @@
           <a:blip r:embed="rId2" cstate="print">
             <a:extLst>
               <a:ext uri="{28A0092B-C50C-407E-A947-70E740481C1C}">
-                <a14:useLocalDpi xmlns:a14="http://schemas.microsoft.com/office/drawing/2010/main" xmlns="" val="0"/>
+                <a14:useLocalDpi xmlns:a14="http://schemas.microsoft.com/office/drawing/2010/main" val="0"/>
               </a:ext>
             </a:extLst>
           </a:blip>
@@ -6616,7 +7456,7 @@
     </p:spTree>
     <p:extLst>
       <p:ext uri="{BB962C8B-B14F-4D97-AF65-F5344CB8AC3E}">
-        <p14:creationId xmlns:p14="http://schemas.microsoft.com/office/powerpoint/2010/main" xmlns="" val="427906190"/>
+        <p14:creationId xmlns:p14="http://schemas.microsoft.com/office/powerpoint/2010/main" val="427906190"/>
       </p:ext>
     </p:extLst>
   </p:cSld>
@@ -7022,7 +7862,7 @@
     </p:spTree>
     <p:extLst>
       <p:ext uri="{BB962C8B-B14F-4D97-AF65-F5344CB8AC3E}">
-        <p14:creationId xmlns:p14="http://schemas.microsoft.com/office/powerpoint/2010/main" xmlns="" val="3871759119"/>
+        <p14:creationId xmlns:p14="http://schemas.microsoft.com/office/powerpoint/2010/main" val="3871759119"/>
       </p:ext>
     </p:extLst>
   </p:cSld>
@@ -8045,7 +8885,7 @@
     </p:spTree>
     <p:extLst>
       <p:ext uri="{BB962C8B-B14F-4D97-AF65-F5344CB8AC3E}">
-        <p14:creationId xmlns:p14="http://schemas.microsoft.com/office/powerpoint/2010/main" xmlns="" val="492424617"/>
+        <p14:creationId xmlns:p14="http://schemas.microsoft.com/office/powerpoint/2010/main" val="492424617"/>
       </p:ext>
     </p:extLst>
   </p:cSld>
@@ -8300,11 +9140,7 @@
           <a:p>
             <a:r>
               <a:rPr lang="de-DE" dirty="0" smtClean="0"/>
-              <a:t>SFB 768</a:t>
-            </a:r>
-            <a:r>
-              <a:rPr lang="de-DE" dirty="0" smtClean="0"/>
-              <a:t>:</a:t>
+              <a:t>SFB 768:</a:t>
             </a:r>
             <a:br>
               <a:rPr lang="de-DE" dirty="0" smtClean="0"/>
@@ -8323,15 +9159,7 @@
             </a:r>
             <a:r>
               <a:rPr lang="en-US" dirty="0" smtClean="0"/>
-              <a:t> </a:t>
-            </a:r>
-            <a:r>
-              <a:rPr lang="en-US" dirty="0" smtClean="0"/>
-              <a:t>development </a:t>
-            </a:r>
-            <a:r>
-              <a:rPr lang="en-US" dirty="0" smtClean="0"/>
-              <a:t>of product-service-systems”</a:t>
+              <a:t> development of product-service-systems”</a:t>
             </a:r>
           </a:p>
         </p:txBody>
@@ -8531,7 +9359,7 @@
     </p:spTree>
     <p:extLst>
       <p:ext uri="{BB962C8B-B14F-4D97-AF65-F5344CB8AC3E}">
-        <p14:creationId xmlns:p14="http://schemas.microsoft.com/office/powerpoint/2010/main" xmlns="" val="3583291954"/>
+        <p14:creationId xmlns:p14="http://schemas.microsoft.com/office/powerpoint/2010/main" val="3583291954"/>
       </p:ext>
     </p:extLst>
   </p:cSld>
@@ -8661,10 +9489,12 @@
             </a:r>
             <a:r>
               <a:rPr lang="de-DE" dirty="0"/>
-              <a:t>bleiben sichtbar</a:t>
-            </a:r>
-          </a:p>
-          <a:p>
+              <a:t>bleiben </a:t>
+            </a:r>
+            <a:r>
+              <a:rPr lang="de-DE" dirty="0" smtClean="0"/>
+              <a:t>sichtbar</a:t>
+            </a:r>
             <a:endParaRPr lang="de-DE" dirty="0"/>
           </a:p>
         </p:txBody>
@@ -8720,7 +9550,7 @@
           <a:blip r:embed="rId2" cstate="print">
             <a:extLst>
               <a:ext uri="{28A0092B-C50C-407E-A947-70E740481C1C}">
-                <a14:useLocalDpi xmlns:a14="http://schemas.microsoft.com/office/drawing/2010/main" xmlns="" val="0"/>
+                <a14:useLocalDpi xmlns:a14="http://schemas.microsoft.com/office/drawing/2010/main" val="0"/>
               </a:ext>
             </a:extLst>
           </a:blip>
@@ -8730,7 +9560,7 @@
         </p:blipFill>
         <p:spPr>
           <a:xfrm>
-            <a:off x="4413703" y="3603561"/>
+            <a:off x="5004744" y="3750565"/>
             <a:ext cx="3686689" cy="2057687"/>
           </a:xfrm>
           <a:prstGeom prst="rect">
@@ -8746,7 +9576,7 @@
         </p:nvSpPr>
         <p:spPr bwMode="auto">
           <a:xfrm>
-            <a:off x="539552" y="3672700"/>
+            <a:off x="539552" y="3750565"/>
             <a:ext cx="1008112" cy="504056"/>
           </a:xfrm>
           <a:prstGeom prst="rect">
@@ -8793,7 +9623,7 @@
         </p:nvSpPr>
         <p:spPr bwMode="auto">
           <a:xfrm>
-            <a:off x="2123728" y="3356992"/>
+            <a:off x="2123728" y="3434857"/>
             <a:ext cx="1008112" cy="504056"/>
           </a:xfrm>
           <a:prstGeom prst="rect">
@@ -8843,7 +9673,7 @@
         </p:nvSpPr>
         <p:spPr bwMode="auto">
           <a:xfrm>
-            <a:off x="2123728" y="3938913"/>
+            <a:off x="2123728" y="4016778"/>
             <a:ext cx="1008112" cy="504056"/>
           </a:xfrm>
           <a:prstGeom prst="rect">
@@ -8893,7 +9723,7 @@
         </p:nvCxnSpPr>
         <p:spPr>
           <a:xfrm flipV="1">
-            <a:off x="1547664" y="3609020"/>
+            <a:off x="1547664" y="3686885"/>
             <a:ext cx="576064" cy="315708"/>
           </a:xfrm>
           <a:prstGeom prst="straightConnector1">
@@ -8929,7 +9759,7 @@
         </p:nvCxnSpPr>
         <p:spPr>
           <a:xfrm>
-            <a:off x="1547664" y="3924728"/>
+            <a:off x="1547664" y="4002593"/>
             <a:ext cx="576064" cy="266213"/>
           </a:xfrm>
           <a:prstGeom prst="straightConnector1">
@@ -8962,7 +9792,7 @@
         </p:nvSpPr>
         <p:spPr bwMode="auto">
           <a:xfrm>
-            <a:off x="554033" y="5291104"/>
+            <a:off x="554033" y="5368969"/>
             <a:ext cx="1008112" cy="504056"/>
           </a:xfrm>
           <a:prstGeom prst="rect">
@@ -9009,7 +9839,7 @@
         </p:nvSpPr>
         <p:spPr bwMode="auto">
           <a:xfrm>
-            <a:off x="2123728" y="5287358"/>
+            <a:off x="2123728" y="5365223"/>
             <a:ext cx="1008112" cy="504056"/>
           </a:xfrm>
           <a:prstGeom prst="rect">
@@ -9059,7 +9889,7 @@
         </p:nvCxnSpPr>
         <p:spPr>
           <a:xfrm flipV="1">
-            <a:off x="1562145" y="5539386"/>
+            <a:off x="1562145" y="5617251"/>
             <a:ext cx="561583" cy="3746"/>
           </a:xfrm>
           <a:prstGeom prst="straightConnector1">
@@ -9092,7 +9922,7 @@
         </p:nvSpPr>
         <p:spPr bwMode="auto">
           <a:xfrm>
-            <a:off x="1691680" y="4464788"/>
+            <a:off x="1691680" y="4542653"/>
             <a:ext cx="360040" cy="576064"/>
           </a:xfrm>
           <a:prstGeom prst="downArrow">
@@ -9128,10 +9958,194 @@
           </a:p>
         </p:txBody>
       </p:sp>
+      <p:sp>
+        <p:nvSpPr>
+          <p:cNvPr id="15" name="Rechteck 14"/>
+          <p:cNvSpPr/>
+          <p:nvPr/>
+        </p:nvSpPr>
+        <p:spPr bwMode="auto">
+          <a:xfrm>
+            <a:off x="3445087" y="4669430"/>
+            <a:ext cx="352900" cy="102112"/>
+          </a:xfrm>
+          <a:prstGeom prst="rect">
+            <a:avLst/>
+          </a:prstGeom>
+          <a:solidFill>
+            <a:srgbClr val="0070C0"/>
+          </a:solidFill>
+          <a:ln>
+            <a:solidFill>
+              <a:srgbClr val="0065BD"/>
+            </a:solidFill>
+            <a:headEnd type="none" w="med" len="med"/>
+            <a:tailEnd type="triangle" w="med" len="med"/>
+          </a:ln>
+        </p:spPr>
+        <p:style>
+          <a:lnRef idx="2">
+            <a:schemeClr val="dk1"/>
+          </a:lnRef>
+          <a:fillRef idx="1">
+            <a:schemeClr val="lt1"/>
+          </a:fillRef>
+          <a:effectRef idx="0">
+            <a:schemeClr val="dk1"/>
+          </a:effectRef>
+          <a:fontRef idx="minor">
+            <a:schemeClr val="dk1"/>
+          </a:fontRef>
+        </p:style>
+        <p:txBody>
+          <a:bodyPr wrap="square" lIns="90000" tIns="46800" rIns="90000" bIns="46800" rtlCol="0" anchor="ctr">
+            <a:noAutofit/>
+          </a:bodyPr>
+          <a:lstStyle/>
+          <a:p>
+            <a:pPr algn="ctr" eaLnBrk="0" hangingPunct="0"/>
+            <a:endParaRPr lang="de-DE" sz="1400" dirty="0" smtClean="0">
+              <a:solidFill>
+                <a:srgbClr val="0070C0"/>
+              </a:solidFill>
+            </a:endParaRPr>
+          </a:p>
+        </p:txBody>
+      </p:sp>
+      <p:sp>
+        <p:nvSpPr>
+          <p:cNvPr id="16" name="Rechteck 15"/>
+          <p:cNvSpPr/>
+          <p:nvPr/>
+        </p:nvSpPr>
+        <p:spPr bwMode="auto">
+          <a:xfrm>
+            <a:off x="3434784" y="5122994"/>
+            <a:ext cx="352900" cy="102112"/>
+          </a:xfrm>
+          <a:prstGeom prst="rect">
+            <a:avLst/>
+          </a:prstGeom>
+          <a:solidFill>
+            <a:schemeClr val="tx1"/>
+          </a:solidFill>
+          <a:ln>
+            <a:solidFill>
+              <a:schemeClr val="tx1"/>
+            </a:solidFill>
+            <a:headEnd type="none" w="med" len="med"/>
+            <a:tailEnd type="triangle" w="med" len="med"/>
+          </a:ln>
+        </p:spPr>
+        <p:style>
+          <a:lnRef idx="2">
+            <a:schemeClr val="dk1"/>
+          </a:lnRef>
+          <a:fillRef idx="1">
+            <a:schemeClr val="lt1"/>
+          </a:fillRef>
+          <a:effectRef idx="0">
+            <a:schemeClr val="dk1"/>
+          </a:effectRef>
+          <a:fontRef idx="minor">
+            <a:schemeClr val="dk1"/>
+          </a:fontRef>
+        </p:style>
+        <p:txBody>
+          <a:bodyPr wrap="square" lIns="90000" tIns="46800" rIns="90000" bIns="46800" rtlCol="0" anchor="ctr">
+            <a:noAutofit/>
+          </a:bodyPr>
+          <a:lstStyle/>
+          <a:p>
+            <a:pPr algn="ctr" eaLnBrk="0" hangingPunct="0"/>
+            <a:endParaRPr lang="de-DE" sz="1400" dirty="0" smtClean="0">
+              <a:solidFill>
+                <a:srgbClr val="0070C0"/>
+              </a:solidFill>
+            </a:endParaRPr>
+          </a:p>
+        </p:txBody>
+      </p:sp>
+      <p:sp>
+        <p:nvSpPr>
+          <p:cNvPr id="7" name="Textfeld 6"/>
+          <p:cNvSpPr txBox="1"/>
+          <p:nvPr/>
+        </p:nvSpPr>
+        <p:spPr>
+          <a:xfrm>
+            <a:off x="3870691" y="4520431"/>
+            <a:ext cx="811697" cy="400110"/>
+          </a:xfrm>
+          <a:prstGeom prst="rect">
+            <a:avLst/>
+          </a:prstGeom>
+          <a:noFill/>
+        </p:spPr>
+        <p:txBody>
+          <a:bodyPr wrap="none" rtlCol="0">
+            <a:spAutoFit/>
+          </a:bodyPr>
+          <a:lstStyle/>
+          <a:p>
+            <a:r>
+              <a:rPr lang="de-DE" dirty="0" smtClean="0">
+                <a:solidFill>
+                  <a:srgbClr val="0070C0"/>
+                </a:solidFill>
+              </a:rPr>
+              <a:t>Typ 1</a:t>
+            </a:r>
+            <a:endParaRPr lang="de-DE" dirty="0">
+              <a:solidFill>
+                <a:srgbClr val="0070C0"/>
+              </a:solidFill>
+            </a:endParaRPr>
+          </a:p>
+        </p:txBody>
+      </p:sp>
+      <p:sp>
+        <p:nvSpPr>
+          <p:cNvPr id="18" name="Textfeld 17"/>
+          <p:cNvSpPr txBox="1"/>
+          <p:nvPr/>
+        </p:nvSpPr>
+        <p:spPr>
+          <a:xfrm>
+            <a:off x="3870691" y="4973995"/>
+            <a:ext cx="811697" cy="400110"/>
+          </a:xfrm>
+          <a:prstGeom prst="rect">
+            <a:avLst/>
+          </a:prstGeom>
+          <a:noFill/>
+        </p:spPr>
+        <p:txBody>
+          <a:bodyPr wrap="none" rtlCol="0">
+            <a:spAutoFit/>
+          </a:bodyPr>
+          <a:lstStyle/>
+          <a:p>
+            <a:r>
+              <a:rPr lang="de-DE" dirty="0" smtClean="0">
+                <a:solidFill>
+                  <a:schemeClr val="tx1"/>
+                </a:solidFill>
+              </a:rPr>
+              <a:t>Typ 2</a:t>
+            </a:r>
+            <a:endParaRPr lang="de-DE" dirty="0">
+              <a:solidFill>
+                <a:schemeClr val="tx1"/>
+              </a:solidFill>
+            </a:endParaRPr>
+          </a:p>
+        </p:txBody>
+      </p:sp>
     </p:spTree>
     <p:extLst>
       <p:ext uri="{BB962C8B-B14F-4D97-AF65-F5344CB8AC3E}">
-        <p14:creationId xmlns:p14="http://schemas.microsoft.com/office/powerpoint/2010/main" xmlns="" val="2307760257"/>
+        <p14:creationId xmlns:p14="http://schemas.microsoft.com/office/powerpoint/2010/main" val="2307760257"/>
       </p:ext>
     </p:extLst>
   </p:cSld>
@@ -9223,7 +10237,7 @@
           <a:blip r:embed="rId2" cstate="print">
             <a:extLst>
               <a:ext uri="{28A0092B-C50C-407E-A947-70E740481C1C}">
-                <a14:useLocalDpi xmlns:a14="http://schemas.microsoft.com/office/drawing/2010/main" xmlns="" val="0"/>
+                <a14:useLocalDpi xmlns:a14="http://schemas.microsoft.com/office/drawing/2010/main" val="0"/>
               </a:ext>
             </a:extLst>
           </a:blip>
@@ -9244,18 +10258,18 @@
     </p:spTree>
     <p:extLst>
       <p:ext uri="{BB962C8B-B14F-4D97-AF65-F5344CB8AC3E}">
-        <p14:creationId xmlns:p14="http://schemas.microsoft.com/office/powerpoint/2010/main" xmlns="" val="2583957788"/>
+        <p14:creationId xmlns:p14="http://schemas.microsoft.com/office/powerpoint/2010/main" val="2583957788"/>
       </p:ext>
     </p:extLst>
   </p:cSld>
   <p:clrMapOvr>
     <a:masterClrMapping/>
   </p:clrMapOvr>
-  <mc:AlternateContent xmlns:mc="http://schemas.openxmlformats.org/markup-compatibility/2006">
-    <mc:Choice xmlns:p14="http://schemas.microsoft.com/office/powerpoint/2010/main" xmlns="" Requires="p14">
+  <mc:AlternateContent xmlns:mc="http://schemas.openxmlformats.org/markup-compatibility/2006" xmlns:p14="http://schemas.microsoft.com/office/powerpoint/2010/main">
+    <mc:Choice Requires="p14">
       <p:transition spd="slow" p14:dur="2000"/>
     </mc:Choice>
-    <mc:Fallback>
+    <mc:Fallback xmlns="">
       <p:transition spd="slow"/>
     </mc:Fallback>
   </mc:AlternateContent>
@@ -9401,10 +10415,221 @@
           </a:prstGeom>
         </p:spPr>
       </p:pic>
+      <p:sp>
+        <p:nvSpPr>
+          <p:cNvPr id="6" name="Rechteck 5"/>
+          <p:cNvSpPr/>
+          <p:nvPr/>
+        </p:nvSpPr>
+        <p:spPr bwMode="auto">
+          <a:xfrm>
+            <a:off x="250825" y="836713"/>
+            <a:ext cx="2736999" cy="3538026"/>
+          </a:xfrm>
+          <a:prstGeom prst="rect">
+            <a:avLst/>
+          </a:prstGeom>
+          <a:noFill/>
+          <a:ln>
+            <a:solidFill>
+              <a:srgbClr val="FF0000"/>
+            </a:solidFill>
+            <a:headEnd type="none" w="med" len="med"/>
+            <a:tailEnd type="triangle" w="med" len="med"/>
+          </a:ln>
+        </p:spPr>
+        <p:style>
+          <a:lnRef idx="2">
+            <a:schemeClr val="dk1"/>
+          </a:lnRef>
+          <a:fillRef idx="1">
+            <a:schemeClr val="lt1"/>
+          </a:fillRef>
+          <a:effectRef idx="0">
+            <a:schemeClr val="dk1"/>
+          </a:effectRef>
+          <a:fontRef idx="minor">
+            <a:schemeClr val="dk1"/>
+          </a:fontRef>
+        </p:style>
+        <p:txBody>
+          <a:bodyPr wrap="square" lIns="90000" tIns="46800" rIns="90000" bIns="46800" rtlCol="0" anchor="ctr">
+            <a:noAutofit/>
+          </a:bodyPr>
+          <a:lstStyle/>
+          <a:p>
+            <a:pPr algn="ctr" eaLnBrk="0" hangingPunct="0"/>
+            <a:endParaRPr lang="de-DE" sz="1400" dirty="0" smtClean="0"/>
+          </a:p>
+        </p:txBody>
+      </p:sp>
+      <p:sp>
+        <p:nvSpPr>
+          <p:cNvPr id="9" name="Freihandform 8"/>
+          <p:cNvSpPr/>
+          <p:nvPr/>
+        </p:nvSpPr>
+        <p:spPr bwMode="auto">
+          <a:xfrm>
+            <a:off x="708212" y="2859741"/>
+            <a:ext cx="7386917" cy="2420471"/>
+          </a:xfrm>
+          <a:custGeom>
+            <a:avLst/>
+            <a:gdLst>
+              <a:gd name="connsiteX0" fmla="*/ 2259106 w 7386917"/>
+              <a:gd name="connsiteY0" fmla="*/ 0 h 2420471"/>
+              <a:gd name="connsiteX1" fmla="*/ 7377953 w 7386917"/>
+              <a:gd name="connsiteY1" fmla="*/ 0 h 2420471"/>
+              <a:gd name="connsiteX2" fmla="*/ 7386917 w 7386917"/>
+              <a:gd name="connsiteY2" fmla="*/ 2420471 h 2420471"/>
+              <a:gd name="connsiteX3" fmla="*/ 0 w 7386917"/>
+              <a:gd name="connsiteY3" fmla="*/ 2420471 h 2420471"/>
+              <a:gd name="connsiteX4" fmla="*/ 8964 w 7386917"/>
+              <a:gd name="connsiteY4" fmla="*/ 1488141 h 2420471"/>
+              <a:gd name="connsiteX5" fmla="*/ 2321859 w 7386917"/>
+              <a:gd name="connsiteY5" fmla="*/ 1506071 h 2420471"/>
+              <a:gd name="connsiteX6" fmla="*/ 2259106 w 7386917"/>
+              <a:gd name="connsiteY6" fmla="*/ 0 h 2420471"/>
+            </a:gdLst>
+            <a:ahLst/>
+            <a:cxnLst>
+              <a:cxn ang="0">
+                <a:pos x="connsiteX0" y="connsiteY0"/>
+              </a:cxn>
+              <a:cxn ang="0">
+                <a:pos x="connsiteX1" y="connsiteY1"/>
+              </a:cxn>
+              <a:cxn ang="0">
+                <a:pos x="connsiteX2" y="connsiteY2"/>
+              </a:cxn>
+              <a:cxn ang="0">
+                <a:pos x="connsiteX3" y="connsiteY3"/>
+              </a:cxn>
+              <a:cxn ang="0">
+                <a:pos x="connsiteX4" y="connsiteY4"/>
+              </a:cxn>
+              <a:cxn ang="0">
+                <a:pos x="connsiteX5" y="connsiteY5"/>
+              </a:cxn>
+              <a:cxn ang="0">
+                <a:pos x="connsiteX6" y="connsiteY6"/>
+              </a:cxn>
+            </a:cxnLst>
+            <a:rect l="l" t="t" r="r" b="b"/>
+            <a:pathLst>
+              <a:path w="7386917" h="2420471">
+                <a:moveTo>
+                  <a:pt x="2259106" y="0"/>
+                </a:moveTo>
+                <a:lnTo>
+                  <a:pt x="7377953" y="0"/>
+                </a:lnTo>
+                <a:lnTo>
+                  <a:pt x="7386917" y="2420471"/>
+                </a:lnTo>
+                <a:lnTo>
+                  <a:pt x="0" y="2420471"/>
+                </a:lnTo>
+                <a:lnTo>
+                  <a:pt x="8964" y="1488141"/>
+                </a:lnTo>
+                <a:lnTo>
+                  <a:pt x="2321859" y="1506071"/>
+                </a:lnTo>
+                <a:lnTo>
+                  <a:pt x="2259106" y="0"/>
+                </a:lnTo>
+                <a:close/>
+              </a:path>
+            </a:pathLst>
+          </a:custGeom>
+          <a:noFill/>
+          <a:ln>
+            <a:solidFill>
+              <a:srgbClr val="FF0000"/>
+            </a:solidFill>
+            <a:headEnd type="none" w="med" len="med"/>
+            <a:tailEnd type="triangle" w="med" len="med"/>
+          </a:ln>
+        </p:spPr>
+        <p:style>
+          <a:lnRef idx="2">
+            <a:schemeClr val="dk1"/>
+          </a:lnRef>
+          <a:fillRef idx="1">
+            <a:schemeClr val="lt1"/>
+          </a:fillRef>
+          <a:effectRef idx="0">
+            <a:schemeClr val="dk1"/>
+          </a:effectRef>
+          <a:fontRef idx="minor">
+            <a:schemeClr val="dk1"/>
+          </a:fontRef>
+        </p:style>
+        <p:txBody>
+          <a:bodyPr wrap="square" lIns="90000" tIns="46800" rIns="90000" bIns="46800" rtlCol="0" anchor="ctr">
+            <a:noAutofit/>
+          </a:bodyPr>
+          <a:lstStyle/>
+          <a:p>
+            <a:pPr algn="ctr" eaLnBrk="0" hangingPunct="0"/>
+            <a:endParaRPr lang="de-DE" sz="1400" dirty="0" smtClean="0"/>
+          </a:p>
+        </p:txBody>
+      </p:sp>
+      <p:sp>
+        <p:nvSpPr>
+          <p:cNvPr id="10" name="Rechteck 9"/>
+          <p:cNvSpPr/>
+          <p:nvPr/>
+        </p:nvSpPr>
+        <p:spPr bwMode="auto">
+          <a:xfrm>
+            <a:off x="7956376" y="2780928"/>
+            <a:ext cx="936104" cy="360040"/>
+          </a:xfrm>
+          <a:prstGeom prst="rect">
+            <a:avLst/>
+          </a:prstGeom>
+          <a:noFill/>
+          <a:ln>
+            <a:solidFill>
+              <a:srgbClr val="FF0000"/>
+            </a:solidFill>
+            <a:headEnd type="none" w="med" len="med"/>
+            <a:tailEnd type="triangle" w="med" len="med"/>
+          </a:ln>
+        </p:spPr>
+        <p:style>
+          <a:lnRef idx="2">
+            <a:schemeClr val="dk1"/>
+          </a:lnRef>
+          <a:fillRef idx="1">
+            <a:schemeClr val="lt1"/>
+          </a:fillRef>
+          <a:effectRef idx="0">
+            <a:schemeClr val="dk1"/>
+          </a:effectRef>
+          <a:fontRef idx="minor">
+            <a:schemeClr val="dk1"/>
+          </a:fontRef>
+        </p:style>
+        <p:txBody>
+          <a:bodyPr wrap="square" lIns="90000" tIns="46800" rIns="90000" bIns="46800" rtlCol="0" anchor="ctr">
+            <a:noAutofit/>
+          </a:bodyPr>
+          <a:lstStyle/>
+          <a:p>
+            <a:pPr algn="ctr" eaLnBrk="0" hangingPunct="0"/>
+            <a:endParaRPr lang="de-DE" sz="1400" dirty="0" smtClean="0"/>
+          </a:p>
+        </p:txBody>
+      </p:sp>
     </p:spTree>
     <p:extLst>
       <p:ext uri="{BB962C8B-B14F-4D97-AF65-F5344CB8AC3E}">
-        <p14:creationId xmlns:p14="http://schemas.microsoft.com/office/powerpoint/2010/main" xmlns="" val="834335964"/>
+        <p14:creationId xmlns:p14="http://schemas.microsoft.com/office/powerpoint/2010/main" val="834335964"/>
       </p:ext>
     </p:extLst>
   </p:cSld>
@@ -9414,9 +10639,228 @@
   <p:timing>
     <p:tnLst>
       <p:par>
-        <p:cTn id="1" dur="indefinite" restart="never" nodeType="tmRoot"/>
+        <p:cTn id="1" dur="indefinite" restart="never" nodeType="tmRoot">
+          <p:childTnLst>
+            <p:seq concurrent="1" nextAc="seek">
+              <p:cTn id="2" dur="indefinite" nodeType="mainSeq">
+                <p:childTnLst>
+                  <p:par>
+                    <p:cTn id="3" fill="hold">
+                      <p:stCondLst>
+                        <p:cond delay="indefinite"/>
+                      </p:stCondLst>
+                      <p:childTnLst>
+                        <p:par>
+                          <p:cTn id="4" fill="hold">
+                            <p:stCondLst>
+                              <p:cond delay="0"/>
+                            </p:stCondLst>
+                            <p:childTnLst>
+                              <p:par>
+                                <p:cTn id="5" presetID="1" presetClass="entr" presetSubtype="0" fill="hold" grpId="0" nodeType="clickEffect">
+                                  <p:stCondLst>
+                                    <p:cond delay="0"/>
+                                  </p:stCondLst>
+                                  <p:childTnLst>
+                                    <p:set>
+                                      <p:cBhvr>
+                                        <p:cTn id="6" dur="1" fill="hold">
+                                          <p:stCondLst>
+                                            <p:cond delay="0"/>
+                                          </p:stCondLst>
+                                        </p:cTn>
+                                        <p:tgtEl>
+                                          <p:spTgt spid="6"/>
+                                        </p:tgtEl>
+                                        <p:attrNameLst>
+                                          <p:attrName>style.visibility</p:attrName>
+                                        </p:attrNameLst>
+                                      </p:cBhvr>
+                                      <p:to>
+                                        <p:strVal val="visible"/>
+                                      </p:to>
+                                    </p:set>
+                                  </p:childTnLst>
+                                </p:cTn>
+                              </p:par>
+                            </p:childTnLst>
+                          </p:cTn>
+                        </p:par>
+                      </p:childTnLst>
+                    </p:cTn>
+                  </p:par>
+                  <p:par>
+                    <p:cTn id="7" fill="hold">
+                      <p:stCondLst>
+                        <p:cond delay="indefinite"/>
+                      </p:stCondLst>
+                      <p:childTnLst>
+                        <p:par>
+                          <p:cTn id="8" fill="hold">
+                            <p:stCondLst>
+                              <p:cond delay="0"/>
+                            </p:stCondLst>
+                            <p:childTnLst>
+                              <p:par>
+                                <p:cTn id="9" presetID="1" presetClass="entr" presetSubtype="0" fill="hold" grpId="0" nodeType="clickEffect">
+                                  <p:stCondLst>
+                                    <p:cond delay="0"/>
+                                  </p:stCondLst>
+                                  <p:childTnLst>
+                                    <p:set>
+                                      <p:cBhvr>
+                                        <p:cTn id="10" dur="1" fill="hold">
+                                          <p:stCondLst>
+                                            <p:cond delay="0"/>
+                                          </p:stCondLst>
+                                        </p:cTn>
+                                        <p:tgtEl>
+                                          <p:spTgt spid="9"/>
+                                        </p:tgtEl>
+                                        <p:attrNameLst>
+                                          <p:attrName>style.visibility</p:attrName>
+                                        </p:attrNameLst>
+                                      </p:cBhvr>
+                                      <p:to>
+                                        <p:strVal val="visible"/>
+                                      </p:to>
+                                    </p:set>
+                                  </p:childTnLst>
+                                </p:cTn>
+                              </p:par>
+                              <p:par>
+                                <p:cTn id="11" presetID="1" presetClass="exit" presetSubtype="0" fill="hold" grpId="1" nodeType="withEffect">
+                                  <p:stCondLst>
+                                    <p:cond delay="0"/>
+                                  </p:stCondLst>
+                                  <p:childTnLst>
+                                    <p:set>
+                                      <p:cBhvr>
+                                        <p:cTn id="12" dur="1" fill="hold">
+                                          <p:stCondLst>
+                                            <p:cond delay="0"/>
+                                          </p:stCondLst>
+                                        </p:cTn>
+                                        <p:tgtEl>
+                                          <p:spTgt spid="6"/>
+                                        </p:tgtEl>
+                                        <p:attrNameLst>
+                                          <p:attrName>style.visibility</p:attrName>
+                                        </p:attrNameLst>
+                                      </p:cBhvr>
+                                      <p:to>
+                                        <p:strVal val="hidden"/>
+                                      </p:to>
+                                    </p:set>
+                                  </p:childTnLst>
+                                </p:cTn>
+                              </p:par>
+                            </p:childTnLst>
+                          </p:cTn>
+                        </p:par>
+                      </p:childTnLst>
+                    </p:cTn>
+                  </p:par>
+                  <p:par>
+                    <p:cTn id="13" fill="hold">
+                      <p:stCondLst>
+                        <p:cond delay="indefinite"/>
+                      </p:stCondLst>
+                      <p:childTnLst>
+                        <p:par>
+                          <p:cTn id="14" fill="hold">
+                            <p:stCondLst>
+                              <p:cond delay="0"/>
+                            </p:stCondLst>
+                            <p:childTnLst>
+                              <p:par>
+                                <p:cTn id="15" presetID="1" presetClass="entr" presetSubtype="0" fill="hold" grpId="0" nodeType="clickEffect">
+                                  <p:stCondLst>
+                                    <p:cond delay="0"/>
+                                  </p:stCondLst>
+                                  <p:childTnLst>
+                                    <p:set>
+                                      <p:cBhvr>
+                                        <p:cTn id="16" dur="1" fill="hold">
+                                          <p:stCondLst>
+                                            <p:cond delay="0"/>
+                                          </p:stCondLst>
+                                        </p:cTn>
+                                        <p:tgtEl>
+                                          <p:spTgt spid="10"/>
+                                        </p:tgtEl>
+                                        <p:attrNameLst>
+                                          <p:attrName>style.visibility</p:attrName>
+                                        </p:attrNameLst>
+                                      </p:cBhvr>
+                                      <p:to>
+                                        <p:strVal val="visible"/>
+                                      </p:to>
+                                    </p:set>
+                                  </p:childTnLst>
+                                </p:cTn>
+                              </p:par>
+                              <p:par>
+                                <p:cTn id="17" presetID="1" presetClass="exit" presetSubtype="0" fill="hold" grpId="1" nodeType="withEffect">
+                                  <p:stCondLst>
+                                    <p:cond delay="0"/>
+                                  </p:stCondLst>
+                                  <p:childTnLst>
+                                    <p:set>
+                                      <p:cBhvr>
+                                        <p:cTn id="18" dur="1" fill="hold">
+                                          <p:stCondLst>
+                                            <p:cond delay="0"/>
+                                          </p:stCondLst>
+                                        </p:cTn>
+                                        <p:tgtEl>
+                                          <p:spTgt spid="9"/>
+                                        </p:tgtEl>
+                                        <p:attrNameLst>
+                                          <p:attrName>style.visibility</p:attrName>
+                                        </p:attrNameLst>
+                                      </p:cBhvr>
+                                      <p:to>
+                                        <p:strVal val="hidden"/>
+                                      </p:to>
+                                    </p:set>
+                                  </p:childTnLst>
+                                </p:cTn>
+                              </p:par>
+                            </p:childTnLst>
+                          </p:cTn>
+                        </p:par>
+                      </p:childTnLst>
+                    </p:cTn>
+                  </p:par>
+                </p:childTnLst>
+              </p:cTn>
+              <p:prevCondLst>
+                <p:cond evt="onPrev" delay="0">
+                  <p:tgtEl>
+                    <p:sldTgt/>
+                  </p:tgtEl>
+                </p:cond>
+              </p:prevCondLst>
+              <p:nextCondLst>
+                <p:cond evt="onNext" delay="0">
+                  <p:tgtEl>
+                    <p:sldTgt/>
+                  </p:tgtEl>
+                </p:cond>
+              </p:nextCondLst>
+            </p:seq>
+          </p:childTnLst>
+        </p:cTn>
       </p:par>
     </p:tnLst>
+    <p:bldLst>
+      <p:bldP spid="6" grpId="0" animBg="1"/>
+      <p:bldP spid="6" grpId="1" animBg="1"/>
+      <p:bldP spid="9" grpId="0" animBg="1"/>
+      <p:bldP spid="9" grpId="1" animBg="1"/>
+      <p:bldP spid="10" grpId="0" animBg="1"/>
+    </p:bldLst>
   </p:timing>
 </p:sld>
 </file>
@@ -9863,8 +11307,8 @@
               <a:t> erfolgreich </a:t>
             </a:r>
             <a:r>
-              <a:rPr lang="de-DE" dirty="0" err="1" smtClean="0"/>
-              <a:t>umgestezt</a:t>
+              <a:rPr lang="de-DE" dirty="0" smtClean="0"/>
+              <a:t>umgesetzt</a:t>
             </a:r>
             <a:endParaRPr lang="de-DE" dirty="0" smtClean="0"/>
           </a:p>
@@ -9876,11 +11320,7 @@
             </a:pPr>
             <a:r>
               <a:rPr lang="de-DE" dirty="0" smtClean="0"/>
-              <a:t>Atomare </a:t>
-            </a:r>
-            <a:r>
-              <a:rPr lang="de-DE" dirty="0" smtClean="0"/>
-              <a:t>Transformationen ermöglichen einen hohen Wiederverwendungsgrad</a:t>
+              <a:t>Atomare Transformationen ermöglichen einen hohen Wiederverwendungsgrad</a:t>
             </a:r>
           </a:p>
           <a:p>
@@ -9891,11 +11331,7 @@
             </a:pPr>
             <a:r>
               <a:rPr lang="de-DE" dirty="0" smtClean="0"/>
-              <a:t>6 </a:t>
-            </a:r>
-            <a:r>
-              <a:rPr lang="de-DE" dirty="0" smtClean="0"/>
-              <a:t>Atomare Transformationen für die Umsetzung der 3 Sprachen ausreichend</a:t>
+              <a:t>6 Atomare Transformationen für die Umsetzung der 3 Sprachen ausreichend</a:t>
             </a:r>
           </a:p>
           <a:p>
@@ -9906,11 +11342,7 @@
             </a:pPr>
             <a:r>
               <a:rPr lang="de-DE" dirty="0" smtClean="0"/>
-              <a:t>Eigenes </a:t>
-            </a:r>
-            <a:r>
-              <a:rPr lang="de-DE" dirty="0" smtClean="0"/>
-              <a:t>Framework für die Verarbeitung von Visio 2013 (VSDX) Dateien</a:t>
+              <a:t>Eigenes Framework für die Verarbeitung von Visio 2013 (VSDX) Dateien</a:t>
             </a:r>
           </a:p>
           <a:p>
@@ -9921,34 +11353,14 @@
             </a:pPr>
             <a:r>
               <a:rPr lang="de-DE" dirty="0" smtClean="0"/>
-              <a:t>3 </a:t>
-            </a:r>
-            <a:r>
-              <a:rPr lang="de-DE" dirty="0" smtClean="0"/>
-              <a:t>von 4 Sprachen </a:t>
-            </a:r>
-            <a:r>
-              <a:rPr lang="de-DE" dirty="0" smtClean="0"/>
-              <a:t>unterstützt</a:t>
+              <a:t>3 von 4 Sprachen unterstützt</a:t>
             </a:r>
           </a:p>
           <a:p>
             <a:pPr lvl="1"/>
             <a:r>
               <a:rPr lang="de-DE" dirty="0" smtClean="0"/>
-              <a:t>BPMN </a:t>
-            </a:r>
-            <a:r>
-              <a:rPr lang="de-DE" dirty="0" smtClean="0"/>
-              <a:t>aufgrund </a:t>
-            </a:r>
-            <a:r>
-              <a:rPr lang="de-DE" dirty="0" smtClean="0"/>
-              <a:t>spezieller </a:t>
-            </a:r>
-            <a:r>
-              <a:rPr lang="de-DE" dirty="0" smtClean="0"/>
-              <a:t>Visio-</a:t>
+              <a:t>BPMN aufgrund spezieller Visio-</a:t>
             </a:r>
             <a:r>
               <a:rPr lang="de-DE" dirty="0" err="1" smtClean="0"/>
@@ -9965,17 +11377,12 @@
               <a:rPr lang="de-DE" dirty="0" smtClean="0"/>
               <a:t>SysML4Mechatronics</a:t>
             </a:r>
-            <a:endParaRPr lang="de-DE" dirty="0" smtClean="0"/>
           </a:p>
           <a:p>
             <a:pPr lvl="2"/>
             <a:r>
               <a:rPr lang="de-DE" dirty="0" smtClean="0"/>
-              <a:t>Erster </a:t>
-            </a:r>
-            <a:r>
-              <a:rPr lang="de-DE" dirty="0" smtClean="0"/>
-              <a:t>Ansatz mit UML-</a:t>
+              <a:t>Erster Ansatz mit UML-</a:t>
             </a:r>
             <a:r>
               <a:rPr lang="de-DE" dirty="0" err="1" smtClean="0"/>
@@ -9990,11 +11397,7 @@
             <a:pPr lvl="2"/>
             <a:r>
               <a:rPr lang="de-DE" dirty="0" smtClean="0"/>
-              <a:t>Zweiter </a:t>
-            </a:r>
-            <a:r>
-              <a:rPr lang="de-DE" dirty="0" smtClean="0"/>
-              <a:t>Ansatz mit SFB 768 </a:t>
+              <a:t>Zweiter Ansatz mit SFB 768 </a:t>
             </a:r>
             <a:r>
               <a:rPr lang="de-DE" dirty="0" err="1" smtClean="0"/>
@@ -10009,22 +11412,14 @@
             <a:pPr lvl="1"/>
             <a:r>
               <a:rPr lang="de-DE" dirty="0" smtClean="0"/>
-              <a:t>EPK</a:t>
-            </a:r>
-            <a:r>
-              <a:rPr lang="de-DE" dirty="0" smtClean="0"/>
-              <a:t>: Nativ durch Visio VSDX Bibliothek</a:t>
+              <a:t>EPK: Nativ durch Visio VSDX Bibliothek</a:t>
             </a:r>
           </a:p>
           <a:p>
             <a:pPr lvl="1"/>
             <a:r>
               <a:rPr lang="de-DE" dirty="0" smtClean="0"/>
-              <a:t>UFM </a:t>
-            </a:r>
-            <a:r>
-              <a:rPr lang="de-DE" dirty="0" smtClean="0"/>
-              <a:t>als </a:t>
+              <a:t>UFM als </a:t>
             </a:r>
             <a:r>
               <a:rPr lang="de-DE" dirty="0" err="1" smtClean="0"/>
@@ -10145,8 +11540,28 @@
             <a:pPr lvl="1"/>
             <a:r>
               <a:rPr lang="de-DE" dirty="0"/>
-              <a:t>Automatischer Import und sofortige Anzeige</a:t>
-            </a:r>
+              <a:t>Automatischer Import </a:t>
+            </a:r>
+            <a:r>
+              <a:rPr lang="de-DE" dirty="0" smtClean="0"/>
+              <a:t>mit </a:t>
+            </a:r>
+            <a:r>
+              <a:rPr lang="de-DE" dirty="0"/>
+              <a:t>sofortige </a:t>
+            </a:r>
+            <a:r>
+              <a:rPr lang="de-DE" dirty="0" smtClean="0"/>
+              <a:t>Visualisierung</a:t>
+            </a:r>
+          </a:p>
+          <a:p>
+            <a:pPr lvl="1"/>
+            <a:r>
+              <a:rPr lang="de-DE" dirty="0" smtClean="0"/>
+              <a:t>Einfacher Export</a:t>
+            </a:r>
+            <a:endParaRPr lang="de-DE" dirty="0"/>
           </a:p>
           <a:p>
             <a:r>
@@ -10244,7 +11659,7 @@
     </p:spTree>
     <p:extLst>
       <p:ext uri="{BB962C8B-B14F-4D97-AF65-F5344CB8AC3E}">
-        <p14:creationId xmlns:p14="http://schemas.microsoft.com/office/powerpoint/2010/main" xmlns="" val="3015326985"/>
+        <p14:creationId xmlns:p14="http://schemas.microsoft.com/office/powerpoint/2010/main" val="3015326985"/>
       </p:ext>
     </p:extLst>
   </p:cSld>
@@ -10428,7 +11843,7 @@
     </p:spTree>
     <p:extLst>
       <p:ext uri="{BB962C8B-B14F-4D97-AF65-F5344CB8AC3E}">
-        <p14:creationId xmlns:p14="http://schemas.microsoft.com/office/powerpoint/2010/main" xmlns="" val="2204816514"/>
+        <p14:creationId xmlns:p14="http://schemas.microsoft.com/office/powerpoint/2010/main" val="2204816514"/>
       </p:ext>
     </p:extLst>
   </p:cSld>
@@ -11281,13 +12696,8 @@
           <a:p>
             <a:r>
               <a:rPr lang="de-DE" dirty="0" smtClean="0"/>
-              <a:t>Möglichst </a:t>
-            </a:r>
-            <a:r>
-              <a:rPr lang="de-DE" dirty="0" smtClean="0"/>
-              <a:t>ohne Informationsverluste</a:t>
-            </a:r>
-            <a:endParaRPr lang="de-DE" dirty="0" smtClean="0"/>
+              <a:t>Möglichst ohne Informationsverluste</a:t>
+            </a:r>
           </a:p>
           <a:p>
             <a:r>
@@ -11374,9 +12784,82 @@
         </p:xfrm>
         <a:graphic>
           <a:graphicData uri="http://schemas.openxmlformats.org/presentationml/2006/ole">
-            <p:oleObj spid="_x0000_s3083" name="Visio" r:id="rId3" imgW="4867253" imgH="1609661" progId="Visio.Drawing.15">
-              <p:embed/>
-            </p:oleObj>
+            <mc:AlternateContent xmlns:mc="http://schemas.openxmlformats.org/markup-compatibility/2006">
+              <mc:Choice xmlns:v="urn:schemas-microsoft-com:vml" Requires="v">
+                <p:oleObj spid="_x0000_s3085" name="Visio" r:id="rId3" imgW="4867253" imgH="1609661" progId="Visio.Drawing.15">
+                  <p:embed/>
+                </p:oleObj>
+              </mc:Choice>
+              <mc:Fallback>
+                <p:oleObj name="Visio" r:id="rId3" imgW="4867253" imgH="1609661" progId="Visio.Drawing.15">
+                  <p:embed/>
+                  <p:pic>
+                    <p:nvPicPr>
+                      <p:cNvPr id="0" name="Picture 11"/>
+                      <p:cNvPicPr>
+                        <a:picLocks noChangeAspect="1" noChangeArrowheads="1"/>
+                      </p:cNvPicPr>
+                      <p:nvPr/>
+                    </p:nvPicPr>
+                    <p:blipFill>
+                      <a:blip r:embed="rId4">
+                        <a:extLst>
+                          <a:ext uri="{28A0092B-C50C-407E-A947-70E740481C1C}">
+                            <a14:useLocalDpi xmlns:a14="http://schemas.microsoft.com/office/drawing/2010/main" val="0"/>
+                          </a:ext>
+                        </a:extLst>
+                      </a:blip>
+                      <a:srcRect/>
+                      <a:stretch>
+                        <a:fillRect/>
+                      </a:stretch>
+                    </p:blipFill>
+                    <p:spPr bwMode="auto">
+                      <a:xfrm>
+                        <a:off x="1428728" y="928670"/>
+                        <a:ext cx="6379312" cy="2109792"/>
+                      </a:xfrm>
+                      <a:prstGeom prst="rect">
+                        <a:avLst/>
+                      </a:prstGeom>
+                      <a:noFill/>
+                      <a:ln>
+                        <a:noFill/>
+                      </a:ln>
+                      <a:effectLst/>
+                      <a:extLst>
+                        <a:ext uri="{909E8E84-426E-40DD-AFC4-6F175D3DCCD1}">
+                          <a14:hiddenFill xmlns:a14="http://schemas.microsoft.com/office/drawing/2010/main">
+                            <a:solidFill>
+                              <a:schemeClr val="accent1"/>
+                            </a:solidFill>
+                          </a14:hiddenFill>
+                        </a:ext>
+                        <a:ext uri="{91240B29-F687-4F45-9708-019B960494DF}">
+                          <a14:hiddenLine xmlns:a14="http://schemas.microsoft.com/office/drawing/2010/main" w="9525">
+                            <a:solidFill>
+                              <a:schemeClr val="tx1"/>
+                            </a:solidFill>
+                            <a:miter lim="800000"/>
+                            <a:headEnd/>
+                            <a:tailEnd/>
+                          </a14:hiddenLine>
+                        </a:ext>
+                        <a:ext uri="{AF507438-7753-43E0-B8FC-AC1667EBCBE1}">
+                          <a14:hiddenEffects xmlns:a14="http://schemas.microsoft.com/office/drawing/2010/main">
+                            <a:effectLst>
+                              <a:outerShdw dist="35921" dir="2700000" algn="ctr" rotWithShape="0">
+                                <a:schemeClr val="bg2"/>
+                              </a:outerShdw>
+                            </a:effectLst>
+                          </a14:hiddenEffects>
+                        </a:ext>
+                      </a:extLst>
+                    </p:spPr>
+                  </p:pic>
+                </p:oleObj>
+              </mc:Fallback>
+            </mc:AlternateContent>
           </a:graphicData>
         </a:graphic>
       </p:graphicFrame>
@@ -11515,9 +12998,82 @@
         </p:xfrm>
         <a:graphic>
           <a:graphicData uri="http://schemas.openxmlformats.org/presentationml/2006/ole">
-            <p:oleObj spid="_x0000_s21510" name="Visio" r:id="rId3" imgW="6286384" imgH="2038363" progId="Visio.Drawing.15">
-              <p:embed/>
-            </p:oleObj>
+            <mc:AlternateContent xmlns:mc="http://schemas.openxmlformats.org/markup-compatibility/2006">
+              <mc:Choice xmlns:v="urn:schemas-microsoft-com:vml" Requires="v">
+                <p:oleObj spid="_x0000_s21512" name="Visio" r:id="rId3" imgW="6286384" imgH="2038363" progId="Visio.Drawing.15">
+                  <p:embed/>
+                </p:oleObj>
+              </mc:Choice>
+              <mc:Fallback>
+                <p:oleObj name="Visio" r:id="rId3" imgW="6286384" imgH="2038363" progId="Visio.Drawing.15">
+                  <p:embed/>
+                  <p:pic>
+                    <p:nvPicPr>
+                      <p:cNvPr id="0" name="Picture 6"/>
+                      <p:cNvPicPr>
+                        <a:picLocks noChangeAspect="1" noChangeArrowheads="1"/>
+                      </p:cNvPicPr>
+                      <p:nvPr/>
+                    </p:nvPicPr>
+                    <p:blipFill>
+                      <a:blip r:embed="rId4">
+                        <a:extLst>
+                          <a:ext uri="{28A0092B-C50C-407E-A947-70E740481C1C}">
+                            <a14:useLocalDpi xmlns:a14="http://schemas.microsoft.com/office/drawing/2010/main" val="0"/>
+                          </a:ext>
+                        </a:extLst>
+                      </a:blip>
+                      <a:srcRect/>
+                      <a:stretch>
+                        <a:fillRect/>
+                      </a:stretch>
+                    </p:blipFill>
+                    <p:spPr bwMode="auto">
+                      <a:xfrm>
+                        <a:off x="785786" y="714356"/>
+                        <a:ext cx="7711298" cy="2500330"/>
+                      </a:xfrm>
+                      <a:prstGeom prst="rect">
+                        <a:avLst/>
+                      </a:prstGeom>
+                      <a:noFill/>
+                      <a:ln>
+                        <a:noFill/>
+                      </a:ln>
+                      <a:effectLst/>
+                      <a:extLst>
+                        <a:ext uri="{909E8E84-426E-40DD-AFC4-6F175D3DCCD1}">
+                          <a14:hiddenFill xmlns:a14="http://schemas.microsoft.com/office/drawing/2010/main">
+                            <a:solidFill>
+                              <a:schemeClr val="accent1"/>
+                            </a:solidFill>
+                          </a14:hiddenFill>
+                        </a:ext>
+                        <a:ext uri="{91240B29-F687-4F45-9708-019B960494DF}">
+                          <a14:hiddenLine xmlns:a14="http://schemas.microsoft.com/office/drawing/2010/main" w="9525">
+                            <a:solidFill>
+                              <a:schemeClr val="tx1"/>
+                            </a:solidFill>
+                            <a:miter lim="800000"/>
+                            <a:headEnd/>
+                            <a:tailEnd/>
+                          </a14:hiddenLine>
+                        </a:ext>
+                        <a:ext uri="{AF507438-7753-43E0-B8FC-AC1667EBCBE1}">
+                          <a14:hiddenEffects xmlns:a14="http://schemas.microsoft.com/office/drawing/2010/main">
+                            <a:effectLst>
+                              <a:outerShdw dist="35921" dir="2700000" algn="ctr" rotWithShape="0">
+                                <a:schemeClr val="bg2"/>
+                              </a:outerShdw>
+                            </a:effectLst>
+                          </a14:hiddenEffects>
+                        </a:ext>
+                      </a:extLst>
+                    </p:spPr>
+                  </p:pic>
+                </p:oleObj>
+              </mc:Fallback>
+            </mc:AlternateContent>
           </a:graphicData>
         </a:graphic>
       </p:graphicFrame>
@@ -11578,23 +13134,7 @@
             </a:pPr>
             <a:r>
               <a:rPr lang="de-DE" dirty="0" smtClean="0"/>
-              <a:t>Direkte Überführung eines Modells in der Quellsprache A </a:t>
-            </a:r>
-            <a:r>
-              <a:rPr lang="de-DE" dirty="0" smtClean="0"/>
-              <a:t>in ein </a:t>
-            </a:r>
-            <a:r>
-              <a:rPr lang="de-DE" dirty="0" smtClean="0"/>
-              <a:t>Modell in </a:t>
-            </a:r>
-            <a:r>
-              <a:rPr lang="de-DE" dirty="0" smtClean="0"/>
-              <a:t>der Zielsprache </a:t>
-            </a:r>
-            <a:r>
-              <a:rPr lang="de-DE" dirty="0" smtClean="0"/>
-              <a:t>B, auf Ebene der konkreten Syntax der jeweiligen Sprachen</a:t>
+              <a:t>Direkte Überführung eines Modells in der Quellsprache A in ein Modell in der Zielsprache B, auf Ebene der konkreten Syntax der jeweiligen Sprachen</a:t>
             </a:r>
           </a:p>
           <a:p>
@@ -11606,15 +13146,7 @@
           <a:p>
             <a:r>
               <a:rPr lang="de-DE" dirty="0" smtClean="0"/>
-              <a:t>Nachteil: Aufwand steigt exponentiell in der Anzahl </a:t>
-            </a:r>
-            <a:r>
-              <a:rPr lang="de-DE" dirty="0" smtClean="0"/>
-              <a:t>der Sprachen </a:t>
-            </a:r>
-            <a:r>
-              <a:rPr lang="de-DE" dirty="0" smtClean="0"/>
-              <a:t>und Formate</a:t>
+              <a:t>Nachteil: Aufwand steigt exponentiell in der Anzahl der Sprachen und Formate</a:t>
             </a:r>
           </a:p>
           <a:p>
@@ -11674,9 +13206,82 @@
         </p:xfrm>
         <a:graphic>
           <a:graphicData uri="http://schemas.openxmlformats.org/presentationml/2006/ole">
-            <p:oleObj spid="_x0000_s4107" name="Visio" r:id="rId3" imgW="7496114" imgH="3209861" progId="Visio.Drawing.15">
-              <p:embed/>
-            </p:oleObj>
+            <mc:AlternateContent xmlns:mc="http://schemas.openxmlformats.org/markup-compatibility/2006">
+              <mc:Choice xmlns:v="urn:schemas-microsoft-com:vml" Requires="v">
+                <p:oleObj spid="_x0000_s4109" name="Visio" r:id="rId3" imgW="7496114" imgH="3209861" progId="Visio.Drawing.15">
+                  <p:embed/>
+                </p:oleObj>
+              </mc:Choice>
+              <mc:Fallback>
+                <p:oleObj name="Visio" r:id="rId3" imgW="7496114" imgH="3209861" progId="Visio.Drawing.15">
+                  <p:embed/>
+                  <p:pic>
+                    <p:nvPicPr>
+                      <p:cNvPr id="0" name="Picture 11"/>
+                      <p:cNvPicPr>
+                        <a:picLocks noChangeAspect="1" noChangeArrowheads="1"/>
+                      </p:cNvPicPr>
+                      <p:nvPr/>
+                    </p:nvPicPr>
+                    <p:blipFill>
+                      <a:blip r:embed="rId4">
+                        <a:extLst>
+                          <a:ext uri="{28A0092B-C50C-407E-A947-70E740481C1C}">
+                            <a14:useLocalDpi xmlns:a14="http://schemas.microsoft.com/office/drawing/2010/main" val="0"/>
+                          </a:ext>
+                        </a:extLst>
+                      </a:blip>
+                      <a:srcRect/>
+                      <a:stretch>
+                        <a:fillRect/>
+                      </a:stretch>
+                    </p:blipFill>
+                    <p:spPr bwMode="auto">
+                      <a:xfrm>
+                        <a:off x="785813" y="2786058"/>
+                        <a:ext cx="7496175" cy="3209925"/>
+                      </a:xfrm>
+                      <a:prstGeom prst="rect">
+                        <a:avLst/>
+                      </a:prstGeom>
+                      <a:noFill/>
+                      <a:ln>
+                        <a:noFill/>
+                      </a:ln>
+                      <a:effectLst/>
+                      <a:extLst>
+                        <a:ext uri="{909E8E84-426E-40DD-AFC4-6F175D3DCCD1}">
+                          <a14:hiddenFill xmlns:a14="http://schemas.microsoft.com/office/drawing/2010/main">
+                            <a:solidFill>
+                              <a:schemeClr val="accent1"/>
+                            </a:solidFill>
+                          </a14:hiddenFill>
+                        </a:ext>
+                        <a:ext uri="{91240B29-F687-4F45-9708-019B960494DF}">
+                          <a14:hiddenLine xmlns:a14="http://schemas.microsoft.com/office/drawing/2010/main" w="9525">
+                            <a:solidFill>
+                              <a:schemeClr val="tx1"/>
+                            </a:solidFill>
+                            <a:miter lim="800000"/>
+                            <a:headEnd/>
+                            <a:tailEnd/>
+                          </a14:hiddenLine>
+                        </a:ext>
+                        <a:ext uri="{AF507438-7753-43E0-B8FC-AC1667EBCBE1}">
+                          <a14:hiddenEffects xmlns:a14="http://schemas.microsoft.com/office/drawing/2010/main">
+                            <a:effectLst>
+                              <a:outerShdw dist="35921" dir="2700000" algn="ctr" rotWithShape="0">
+                                <a:schemeClr val="bg2"/>
+                              </a:outerShdw>
+                            </a:effectLst>
+                          </a14:hiddenEffects>
+                        </a:ext>
+                      </a:extLst>
+                    </p:spPr>
+                  </p:pic>
+                </p:oleObj>
+              </mc:Fallback>
+            </mc:AlternateContent>
           </a:graphicData>
         </a:graphic>
       </p:graphicFrame>

--- a/pssif/doc/PSSIF.pptx
+++ b/pssif/doc/PSSIF.pptx
@@ -182,7 +182,7 @@
   </p:defaultTextStyle>
   <p:extLst>
     <p:ext uri="{EFAFB233-063F-42B5-8137-9DF3F51BA10A}">
-      <p15:sldGuideLst xmlns:p15="http://schemas.microsoft.com/office/powerpoint/2012/main">
+      <p15:sldGuideLst xmlns:p15="http://schemas.microsoft.com/office/powerpoint/2012/main" xmlns="">
         <p15:guide id="1" orient="horz" pos="3612">
           <p15:clr>
             <a:srgbClr val="A4A3A4"/>
@@ -256,7 +256,7 @@
       </p15:sldGuideLst>
     </p:ext>
     <p:ext uri="{2D200454-40CA-4A62-9FC3-DE9A4176ACB9}">
-      <p15:notesGuideLst xmlns:p15="http://schemas.microsoft.com/office/powerpoint/2012/main">
+      <p15:notesGuideLst xmlns:p15="http://schemas.microsoft.com/office/powerpoint/2012/main" xmlns="">
         <p15:guide id="1" orient="horz" pos="3128">
           <p15:clr>
             <a:srgbClr val="A4A3A4"/>
@@ -502,7 +502,7 @@
     </p:spTree>
     <p:extLst>
       <p:ext uri="{BB962C8B-B14F-4D97-AF65-F5344CB8AC3E}">
-        <p14:creationId xmlns:p14="http://schemas.microsoft.com/office/powerpoint/2010/main" val="164483809"/>
+        <p14:creationId xmlns:p14="http://schemas.microsoft.com/office/powerpoint/2010/main" xmlns="" val="164483809"/>
       </p:ext>
     </p:extLst>
   </p:cSld>
@@ -844,7 +844,7 @@
     </p:spTree>
     <p:extLst>
       <p:ext uri="{BB962C8B-B14F-4D97-AF65-F5344CB8AC3E}">
-        <p14:creationId xmlns:p14="http://schemas.microsoft.com/office/powerpoint/2010/main" val="220946427"/>
+        <p14:creationId xmlns:p14="http://schemas.microsoft.com/office/powerpoint/2010/main" xmlns="" val="220946427"/>
       </p:ext>
     </p:extLst>
   </p:cSld>
@@ -1104,7 +1104,7 @@
     </p:spTree>
     <p:extLst>
       <p:ext uri="{BB962C8B-B14F-4D97-AF65-F5344CB8AC3E}">
-        <p14:creationId xmlns:p14="http://schemas.microsoft.com/office/powerpoint/2010/main" val="1112880489"/>
+        <p14:creationId xmlns:p14="http://schemas.microsoft.com/office/powerpoint/2010/main" xmlns="" val="1112880489"/>
       </p:ext>
     </p:extLst>
   </p:cSld>
@@ -1417,7 +1417,7 @@
           <a:blip r:embed="rId3" cstate="print">
             <a:extLst>
               <a:ext uri="{28A0092B-C50C-407E-A947-70E740481C1C}">
-                <a14:useLocalDpi xmlns:a14="http://schemas.microsoft.com/office/drawing/2010/main" val="0"/>
+                <a14:useLocalDpi xmlns:a14="http://schemas.microsoft.com/office/drawing/2010/main" xmlns="" val="0"/>
               </a:ext>
             </a:extLst>
           </a:blip>
@@ -1447,7 +1447,7 @@
           <a:blip r:embed="rId4" cstate="print">
             <a:extLst>
               <a:ext uri="{28A0092B-C50C-407E-A947-70E740481C1C}">
-                <a14:useLocalDpi xmlns:a14="http://schemas.microsoft.com/office/drawing/2010/main" val="0"/>
+                <a14:useLocalDpi xmlns:a14="http://schemas.microsoft.com/office/drawing/2010/main" xmlns="" val="0"/>
               </a:ext>
             </a:extLst>
           </a:blip>
@@ -1477,7 +1477,7 @@
           <a:blip r:embed="rId5" cstate="print">
             <a:extLst>
               <a:ext uri="{28A0092B-C50C-407E-A947-70E740481C1C}">
-                <a14:useLocalDpi xmlns:a14="http://schemas.microsoft.com/office/drawing/2010/main" val="0"/>
+                <a14:useLocalDpi xmlns:a14="http://schemas.microsoft.com/office/drawing/2010/main" xmlns="" val="0"/>
               </a:ext>
             </a:extLst>
           </a:blip>
@@ -1772,7 +1772,7 @@
           <a:blip r:embed="rId2" cstate="print">
             <a:extLst>
               <a:ext uri="{28A0092B-C50C-407E-A947-70E740481C1C}">
-                <a14:useLocalDpi xmlns:a14="http://schemas.microsoft.com/office/drawing/2010/main" val="0"/>
+                <a14:useLocalDpi xmlns:a14="http://schemas.microsoft.com/office/drawing/2010/main" xmlns="" val="0"/>
               </a:ext>
             </a:extLst>
           </a:blip>
@@ -1802,7 +1802,7 @@
           <a:blip r:embed="rId3" cstate="print">
             <a:extLst>
               <a:ext uri="{28A0092B-C50C-407E-A947-70E740481C1C}">
-                <a14:useLocalDpi xmlns:a14="http://schemas.microsoft.com/office/drawing/2010/main" val="0"/>
+                <a14:useLocalDpi xmlns:a14="http://schemas.microsoft.com/office/drawing/2010/main" xmlns="" val="0"/>
               </a:ext>
             </a:extLst>
           </a:blip>
@@ -1832,7 +1832,7 @@
           <a:blip r:embed="rId4" cstate="print">
             <a:extLst>
               <a:ext uri="{28A0092B-C50C-407E-A947-70E740481C1C}">
-                <a14:useLocalDpi xmlns:a14="http://schemas.microsoft.com/office/drawing/2010/main" val="0"/>
+                <a14:useLocalDpi xmlns:a14="http://schemas.microsoft.com/office/drawing/2010/main" xmlns="" val="0"/>
               </a:ext>
             </a:extLst>
           </a:blip>
@@ -2496,82 +2496,9 @@
         </p:xfrm>
         <a:graphic>
           <a:graphicData uri="http://schemas.openxmlformats.org/presentationml/2006/ole">
-            <mc:AlternateContent xmlns:mc="http://schemas.openxmlformats.org/markup-compatibility/2006">
-              <mc:Choice xmlns:v="urn:schemas-microsoft-com:vml" Requires="v">
-                <p:oleObj spid="_x0000_s25608" name="Visio" r:id="rId3" imgW="6800715" imgH="3000375" progId="Visio.Drawing.15">
-                  <p:embed/>
-                </p:oleObj>
-              </mc:Choice>
-              <mc:Fallback>
-                <p:oleObj name="Visio" r:id="rId3" imgW="6800715" imgH="3000375" progId="Visio.Drawing.15">
-                  <p:embed/>
-                  <p:pic>
-                    <p:nvPicPr>
-                      <p:cNvPr id="0" name="Picture 6"/>
-                      <p:cNvPicPr>
-                        <a:picLocks noChangeAspect="1" noChangeArrowheads="1"/>
-                      </p:cNvPicPr>
-                      <p:nvPr/>
-                    </p:nvPicPr>
-                    <p:blipFill>
-                      <a:blip r:embed="rId4">
-                        <a:extLst>
-                          <a:ext uri="{28A0092B-C50C-407E-A947-70E740481C1C}">
-                            <a14:useLocalDpi xmlns:a14="http://schemas.microsoft.com/office/drawing/2010/main" val="0"/>
-                          </a:ext>
-                        </a:extLst>
-                      </a:blip>
-                      <a:srcRect/>
-                      <a:stretch>
-                        <a:fillRect/>
-                      </a:stretch>
-                    </p:blipFill>
-                    <p:spPr bwMode="auto">
-                      <a:xfrm>
-                        <a:off x="642909" y="2428868"/>
-                        <a:ext cx="7772407" cy="3429003"/>
-                      </a:xfrm>
-                      <a:prstGeom prst="rect">
-                        <a:avLst/>
-                      </a:prstGeom>
-                      <a:noFill/>
-                      <a:ln>
-                        <a:noFill/>
-                      </a:ln>
-                      <a:effectLst/>
-                      <a:extLst>
-                        <a:ext uri="{909E8E84-426E-40DD-AFC4-6F175D3DCCD1}">
-                          <a14:hiddenFill xmlns:a14="http://schemas.microsoft.com/office/drawing/2010/main">
-                            <a:solidFill>
-                              <a:schemeClr val="accent1"/>
-                            </a:solidFill>
-                          </a14:hiddenFill>
-                        </a:ext>
-                        <a:ext uri="{91240B29-F687-4F45-9708-019B960494DF}">
-                          <a14:hiddenLine xmlns:a14="http://schemas.microsoft.com/office/drawing/2010/main" w="9525">
-                            <a:solidFill>
-                              <a:schemeClr val="tx1"/>
-                            </a:solidFill>
-                            <a:miter lim="800000"/>
-                            <a:headEnd/>
-                            <a:tailEnd/>
-                          </a14:hiddenLine>
-                        </a:ext>
-                        <a:ext uri="{AF507438-7753-43E0-B8FC-AC1667EBCBE1}">
-                          <a14:hiddenEffects xmlns:a14="http://schemas.microsoft.com/office/drawing/2010/main">
-                            <a:effectLst>
-                              <a:outerShdw dist="35921" dir="2700000" algn="ctr" rotWithShape="0">
-                                <a:schemeClr val="bg2"/>
-                              </a:outerShdw>
-                            </a:effectLst>
-                          </a14:hiddenEffects>
-                        </a:ext>
-                      </a:extLst>
-                    </p:spPr>
-                  </p:pic>
-                </p:oleObj>
-              </mc:Fallback>
-            </mc:AlternateContent>
+            <p:oleObj spid="_x0000_s25608" name="Visio" r:id="rId3" imgW="6800715" imgH="3000375" progId="Visio.Drawing.15">
+              <p:embed/>
+            </p:oleObj>
           </a:graphicData>
         </a:graphic>
       </p:graphicFrame>
@@ -2701,82 +2628,9 @@
         </p:xfrm>
         <a:graphic>
           <a:graphicData uri="http://schemas.openxmlformats.org/presentationml/2006/ole">
-            <mc:AlternateContent xmlns:mc="http://schemas.openxmlformats.org/markup-compatibility/2006">
-              <mc:Choice xmlns:v="urn:schemas-microsoft-com:vml" Requires="v">
-                <p:oleObj spid="_x0000_s24584" name="Visio" r:id="rId3" imgW="6800715" imgH="3067140" progId="Visio.Drawing.15">
-                  <p:embed/>
-                </p:oleObj>
-              </mc:Choice>
-              <mc:Fallback>
-                <p:oleObj name="Visio" r:id="rId3" imgW="6800715" imgH="3067140" progId="Visio.Drawing.15">
-                  <p:embed/>
-                  <p:pic>
-                    <p:nvPicPr>
-                      <p:cNvPr id="0" name="Picture 6"/>
-                      <p:cNvPicPr>
-                        <a:picLocks noChangeAspect="1" noChangeArrowheads="1"/>
-                      </p:cNvPicPr>
-                      <p:nvPr/>
-                    </p:nvPicPr>
-                    <p:blipFill>
-                      <a:blip r:embed="rId4">
-                        <a:extLst>
-                          <a:ext uri="{28A0092B-C50C-407E-A947-70E740481C1C}">
-                            <a14:useLocalDpi xmlns:a14="http://schemas.microsoft.com/office/drawing/2010/main" val="0"/>
-                          </a:ext>
-                        </a:extLst>
-                      </a:blip>
-                      <a:srcRect/>
-                      <a:stretch>
-                        <a:fillRect/>
-                      </a:stretch>
-                    </p:blipFill>
-                    <p:spPr bwMode="auto">
-                      <a:xfrm>
-                        <a:off x="1187624" y="2805318"/>
-                        <a:ext cx="6768752" cy="3052574"/>
-                      </a:xfrm>
-                      <a:prstGeom prst="rect">
-                        <a:avLst/>
-                      </a:prstGeom>
-                      <a:noFill/>
-                      <a:ln>
-                        <a:noFill/>
-                      </a:ln>
-                      <a:effectLst/>
-                      <a:extLst>
-                        <a:ext uri="{909E8E84-426E-40DD-AFC4-6F175D3DCCD1}">
-                          <a14:hiddenFill xmlns:a14="http://schemas.microsoft.com/office/drawing/2010/main">
-                            <a:solidFill>
-                              <a:schemeClr val="accent1"/>
-                            </a:solidFill>
-                          </a14:hiddenFill>
-                        </a:ext>
-                        <a:ext uri="{91240B29-F687-4F45-9708-019B960494DF}">
-                          <a14:hiddenLine xmlns:a14="http://schemas.microsoft.com/office/drawing/2010/main" w="9525">
-                            <a:solidFill>
-                              <a:schemeClr val="tx1"/>
-                            </a:solidFill>
-                            <a:miter lim="800000"/>
-                            <a:headEnd/>
-                            <a:tailEnd/>
-                          </a14:hiddenLine>
-                        </a:ext>
-                        <a:ext uri="{AF507438-7753-43E0-B8FC-AC1667EBCBE1}">
-                          <a14:hiddenEffects xmlns:a14="http://schemas.microsoft.com/office/drawing/2010/main">
-                            <a:effectLst>
-                              <a:outerShdw dist="35921" dir="2700000" algn="ctr" rotWithShape="0">
-                                <a:schemeClr val="bg2"/>
-                              </a:outerShdw>
-                            </a:effectLst>
-                          </a14:hiddenEffects>
-                        </a:ext>
-                      </a:extLst>
-                    </p:spPr>
-                  </p:pic>
-                </p:oleObj>
-              </mc:Fallback>
-            </mc:AlternateContent>
+            <p:oleObj spid="_x0000_s24584" name="Visio" r:id="rId3" imgW="6800715" imgH="3067140" progId="Visio.Drawing.15">
+              <p:embed/>
+            </p:oleObj>
           </a:graphicData>
         </a:graphic>
       </p:graphicFrame>
@@ -2906,82 +2760,9 @@
         </p:xfrm>
         <a:graphic>
           <a:graphicData uri="http://schemas.openxmlformats.org/presentationml/2006/ole">
-            <mc:AlternateContent xmlns:mc="http://schemas.openxmlformats.org/markup-compatibility/2006">
-              <mc:Choice xmlns:v="urn:schemas-microsoft-com:vml" Requires="v">
-                <p:oleObj spid="_x0000_s23560" name="Visio" r:id="rId3" imgW="7248393" imgH="2219196" progId="Visio.Drawing.15">
-                  <p:embed/>
-                </p:oleObj>
-              </mc:Choice>
-              <mc:Fallback>
-                <p:oleObj name="Visio" r:id="rId3" imgW="7248393" imgH="2219196" progId="Visio.Drawing.15">
-                  <p:embed/>
-                  <p:pic>
-                    <p:nvPicPr>
-                      <p:cNvPr id="0" name="Picture 6"/>
-                      <p:cNvPicPr>
-                        <a:picLocks noChangeAspect="1" noChangeArrowheads="1"/>
-                      </p:cNvPicPr>
-                      <p:nvPr/>
-                    </p:nvPicPr>
-                    <p:blipFill>
-                      <a:blip r:embed="rId4">
-                        <a:extLst>
-                          <a:ext uri="{28A0092B-C50C-407E-A947-70E740481C1C}">
-                            <a14:useLocalDpi xmlns:a14="http://schemas.microsoft.com/office/drawing/2010/main" val="0"/>
-                          </a:ext>
-                        </a:extLst>
-                      </a:blip>
-                      <a:srcRect/>
-                      <a:stretch>
-                        <a:fillRect/>
-                      </a:stretch>
-                    </p:blipFill>
-                    <p:spPr bwMode="auto">
-                      <a:xfrm>
-                        <a:off x="500034" y="2857496"/>
-                        <a:ext cx="8166314" cy="2500330"/>
-                      </a:xfrm>
-                      <a:prstGeom prst="rect">
-                        <a:avLst/>
-                      </a:prstGeom>
-                      <a:noFill/>
-                      <a:ln>
-                        <a:noFill/>
-                      </a:ln>
-                      <a:effectLst/>
-                      <a:extLst>
-                        <a:ext uri="{909E8E84-426E-40DD-AFC4-6F175D3DCCD1}">
-                          <a14:hiddenFill xmlns:a14="http://schemas.microsoft.com/office/drawing/2010/main">
-                            <a:solidFill>
-                              <a:schemeClr val="accent1"/>
-                            </a:solidFill>
-                          </a14:hiddenFill>
-                        </a:ext>
-                        <a:ext uri="{91240B29-F687-4F45-9708-019B960494DF}">
-                          <a14:hiddenLine xmlns:a14="http://schemas.microsoft.com/office/drawing/2010/main" w="9525">
-                            <a:solidFill>
-                              <a:schemeClr val="tx1"/>
-                            </a:solidFill>
-                            <a:miter lim="800000"/>
-                            <a:headEnd/>
-                            <a:tailEnd/>
-                          </a14:hiddenLine>
-                        </a:ext>
-                        <a:ext uri="{AF507438-7753-43E0-B8FC-AC1667EBCBE1}">
-                          <a14:hiddenEffects xmlns:a14="http://schemas.microsoft.com/office/drawing/2010/main">
-                            <a:effectLst>
-                              <a:outerShdw dist="35921" dir="2700000" algn="ctr" rotWithShape="0">
-                                <a:schemeClr val="bg2"/>
-                              </a:outerShdw>
-                            </a:effectLst>
-                          </a14:hiddenEffects>
-                        </a:ext>
-                      </a:extLst>
-                    </p:spPr>
-                  </p:pic>
-                </p:oleObj>
-              </mc:Fallback>
-            </mc:AlternateContent>
+            <p:oleObj spid="_x0000_s23560" name="Visio" r:id="rId3" imgW="7248393" imgH="2219196" progId="Visio.Drawing.15">
+              <p:embed/>
+            </p:oleObj>
           </a:graphicData>
         </a:graphic>
       </p:graphicFrame>
@@ -3539,59 +3320,9 @@
         </p:xfrm>
         <a:graphic>
           <a:graphicData uri="http://schemas.openxmlformats.org/presentationml/2006/ole">
-            <mc:AlternateContent xmlns:mc="http://schemas.openxmlformats.org/markup-compatibility/2006">
-              <mc:Choice xmlns:v="urn:schemas-microsoft-com:vml" Requires="v">
-                <p:oleObj spid="_x0000_s1039" name="Visio" r:id="rId3" imgW="5505444" imgH="4162376" progId="Visio.Drawing.15">
-                  <p:embed/>
-                </p:oleObj>
-              </mc:Choice>
-              <mc:Fallback>
-                <p:oleObj name="Visio" r:id="rId3" imgW="5505444" imgH="4162376" progId="Visio.Drawing.15">
-                  <p:embed/>
-                  <p:pic>
-                    <p:nvPicPr>
-                      <p:cNvPr id="0" name="Picture 9"/>
-                      <p:cNvPicPr>
-                        <a:picLocks noChangeAspect="1" noChangeArrowheads="1"/>
-                      </p:cNvPicPr>
-                      <p:nvPr/>
-                    </p:nvPicPr>
-                    <p:blipFill>
-                      <a:blip r:embed="rId4">
-                        <a:extLst>
-                          <a:ext uri="{28A0092B-C50C-407E-A947-70E740481C1C}">
-                            <a14:useLocalDpi xmlns:a14="http://schemas.microsoft.com/office/drawing/2010/main" val="0"/>
-                          </a:ext>
-                        </a:extLst>
-                      </a:blip>
-                      <a:srcRect/>
-                      <a:stretch>
-                        <a:fillRect/>
-                      </a:stretch>
-                    </p:blipFill>
-                    <p:spPr bwMode="auto">
-                      <a:xfrm>
-                        <a:off x="1819275" y="1160748"/>
-                        <a:ext cx="5505450" cy="4162425"/>
-                      </a:xfrm>
-                      <a:prstGeom prst="rect">
-                        <a:avLst/>
-                      </a:prstGeom>
-                      <a:noFill/>
-                      <a:extLst>
-                        <a:ext uri="{909E8E84-426E-40DD-AFC4-6F175D3DCCD1}">
-                          <a14:hiddenFill xmlns:a14="http://schemas.microsoft.com/office/drawing/2010/main">
-                            <a:solidFill>
-                              <a:srgbClr val="FFFFFF"/>
-                            </a:solidFill>
-                          </a14:hiddenFill>
-                        </a:ext>
-                      </a:extLst>
-                    </p:spPr>
-                  </p:pic>
-                </p:oleObj>
-              </mc:Fallback>
-            </mc:AlternateContent>
+            <p:oleObj spid="_x0000_s1039" name="Visio" r:id="rId3" imgW="5505444" imgH="4162376" progId="Visio.Drawing.15">
+              <p:embed/>
+            </p:oleObj>
           </a:graphicData>
         </a:graphic>
       </p:graphicFrame>
@@ -3609,59 +3340,9 @@
         </p:xfrm>
         <a:graphic>
           <a:graphicData uri="http://schemas.openxmlformats.org/presentationml/2006/ole">
-            <mc:AlternateContent xmlns:mc="http://schemas.openxmlformats.org/markup-compatibility/2006">
-              <mc:Choice xmlns:v="urn:schemas-microsoft-com:vml" Requires="v">
-                <p:oleObj spid="_x0000_s1040" name="Visio" r:id="rId5" imgW="5505444" imgH="4162376" progId="Visio.Drawing.15">
-                  <p:embed/>
-                </p:oleObj>
-              </mc:Choice>
-              <mc:Fallback>
-                <p:oleObj name="Visio" r:id="rId5" imgW="5505444" imgH="4162376" progId="Visio.Drawing.15">
-                  <p:embed/>
-                  <p:pic>
-                    <p:nvPicPr>
-                      <p:cNvPr id="0" name="Object 9"/>
-                      <p:cNvPicPr>
-                        <a:picLocks noChangeAspect="1" noChangeArrowheads="1"/>
-                      </p:cNvPicPr>
-                      <p:nvPr/>
-                    </p:nvPicPr>
-                    <p:blipFill>
-                      <a:blip r:embed="rId6">
-                        <a:extLst>
-                          <a:ext uri="{28A0092B-C50C-407E-A947-70E740481C1C}">
-                            <a14:useLocalDpi xmlns:a14="http://schemas.microsoft.com/office/drawing/2010/main" val="0"/>
-                          </a:ext>
-                        </a:extLst>
-                      </a:blip>
-                      <a:srcRect/>
-                      <a:stretch>
-                        <a:fillRect/>
-                      </a:stretch>
-                    </p:blipFill>
-                    <p:spPr bwMode="auto">
-                      <a:xfrm>
-                        <a:off x="1819275" y="1160748"/>
-                        <a:ext cx="5505450" cy="4162425"/>
-                      </a:xfrm>
-                      <a:prstGeom prst="rect">
-                        <a:avLst/>
-                      </a:prstGeom>
-                      <a:noFill/>
-                      <a:extLst>
-                        <a:ext uri="{909E8E84-426E-40DD-AFC4-6F175D3DCCD1}">
-                          <a14:hiddenFill xmlns:a14="http://schemas.microsoft.com/office/drawing/2010/main">
-                            <a:solidFill>
-                              <a:srgbClr val="FFFFFF"/>
-                            </a:solidFill>
-                          </a14:hiddenFill>
-                        </a:ext>
-                      </a:extLst>
-                    </p:spPr>
-                  </p:pic>
-                </p:oleObj>
-              </mc:Fallback>
-            </mc:AlternateContent>
+            <p:oleObj spid="_x0000_s1040" name="Visio" r:id="rId4" imgW="5505444" imgH="4162376" progId="Visio.Drawing.15">
+              <p:embed/>
+            </p:oleObj>
           </a:graphicData>
         </a:graphic>
       </p:graphicFrame>
@@ -4010,82 +3691,9 @@
         </p:xfrm>
         <a:graphic>
           <a:graphicData uri="http://schemas.openxmlformats.org/presentationml/2006/ole">
-            <mc:AlternateContent xmlns:mc="http://schemas.openxmlformats.org/markup-compatibility/2006">
-              <mc:Choice xmlns:v="urn:schemas-microsoft-com:vml" Requires="v">
-                <p:oleObj spid="_x0000_s2062" name="Visio" r:id="rId3" imgW="7334205" imgH="3190939" progId="Visio.Drawing.15">
-                  <p:embed/>
-                </p:oleObj>
-              </mc:Choice>
-              <mc:Fallback>
-                <p:oleObj name="Visio" r:id="rId3" imgW="7334205" imgH="3190939" progId="Visio.Drawing.15">
-                  <p:embed/>
-                  <p:pic>
-                    <p:nvPicPr>
-                      <p:cNvPr id="0" name="Picture 12"/>
-                      <p:cNvPicPr>
-                        <a:picLocks noChangeAspect="1" noChangeArrowheads="1"/>
-                      </p:cNvPicPr>
-                      <p:nvPr/>
-                    </p:nvPicPr>
-                    <p:blipFill>
-                      <a:blip r:embed="rId4">
-                        <a:extLst>
-                          <a:ext uri="{28A0092B-C50C-407E-A947-70E740481C1C}">
-                            <a14:useLocalDpi xmlns:a14="http://schemas.microsoft.com/office/drawing/2010/main" val="0"/>
-                          </a:ext>
-                        </a:extLst>
-                      </a:blip>
-                      <a:srcRect/>
-                      <a:stretch>
-                        <a:fillRect/>
-                      </a:stretch>
-                    </p:blipFill>
-                    <p:spPr bwMode="auto">
-                      <a:xfrm>
-                        <a:off x="456756" y="2204864"/>
-                        <a:ext cx="8275544" cy="3600399"/>
-                      </a:xfrm>
-                      <a:prstGeom prst="rect">
-                        <a:avLst/>
-                      </a:prstGeom>
-                      <a:noFill/>
-                      <a:ln>
-                        <a:noFill/>
-                      </a:ln>
-                      <a:effectLst/>
-                      <a:extLst>
-                        <a:ext uri="{909E8E84-426E-40DD-AFC4-6F175D3DCCD1}">
-                          <a14:hiddenFill xmlns:a14="http://schemas.microsoft.com/office/drawing/2010/main">
-                            <a:solidFill>
-                              <a:schemeClr val="accent1"/>
-                            </a:solidFill>
-                          </a14:hiddenFill>
-                        </a:ext>
-                        <a:ext uri="{91240B29-F687-4F45-9708-019B960494DF}">
-                          <a14:hiddenLine xmlns:a14="http://schemas.microsoft.com/office/drawing/2010/main" w="9525">
-                            <a:solidFill>
-                              <a:schemeClr val="tx1"/>
-                            </a:solidFill>
-                            <a:miter lim="800000"/>
-                            <a:headEnd/>
-                            <a:tailEnd/>
-                          </a14:hiddenLine>
-                        </a:ext>
-                        <a:ext uri="{AF507438-7753-43E0-B8FC-AC1667EBCBE1}">
-                          <a14:hiddenEffects xmlns:a14="http://schemas.microsoft.com/office/drawing/2010/main">
-                            <a:effectLst>
-                              <a:outerShdw dist="35921" dir="2700000" algn="ctr" rotWithShape="0">
-                                <a:schemeClr val="bg2"/>
-                              </a:outerShdw>
-                            </a:effectLst>
-                          </a14:hiddenEffects>
-                        </a:ext>
-                      </a:extLst>
-                    </p:spPr>
-                  </p:pic>
-                </p:oleObj>
-              </mc:Fallback>
-            </mc:AlternateContent>
+            <p:oleObj spid="_x0000_s2062" name="Visio" r:id="rId3" imgW="7334205" imgH="3190939" progId="Visio.Drawing.15">
+              <p:embed/>
+            </p:oleObj>
           </a:graphicData>
         </a:graphic>
       </p:graphicFrame>
@@ -4170,59 +3778,9 @@
         </p:xfrm>
         <a:graphic>
           <a:graphicData uri="http://schemas.openxmlformats.org/presentationml/2006/ole">
-            <mc:AlternateContent xmlns:mc="http://schemas.openxmlformats.org/markup-compatibility/2006">
-              <mc:Choice xmlns:v="urn:schemas-microsoft-com:vml" Requires="v">
-                <p:oleObj spid="_x0000_s27659" name="Visio" r:id="rId3" imgW="5505444" imgH="4162412" progId="Visio.Drawing.15">
-                  <p:embed/>
-                </p:oleObj>
-              </mc:Choice>
-              <mc:Fallback>
-                <p:oleObj name="Visio" r:id="rId3" imgW="5505444" imgH="4162412" progId="Visio.Drawing.15">
-                  <p:embed/>
-                  <p:pic>
-                    <p:nvPicPr>
-                      <p:cNvPr id="0" name="Picture 7"/>
-                      <p:cNvPicPr>
-                        <a:picLocks noChangeAspect="1" noChangeArrowheads="1"/>
-                      </p:cNvPicPr>
-                      <p:nvPr/>
-                    </p:nvPicPr>
-                    <p:blipFill>
-                      <a:blip r:embed="rId4">
-                        <a:extLst>
-                          <a:ext uri="{28A0092B-C50C-407E-A947-70E740481C1C}">
-                            <a14:useLocalDpi xmlns:a14="http://schemas.microsoft.com/office/drawing/2010/main" val="0"/>
-                          </a:ext>
-                        </a:extLst>
-                      </a:blip>
-                      <a:srcRect/>
-                      <a:stretch>
-                        <a:fillRect/>
-                      </a:stretch>
-                    </p:blipFill>
-                    <p:spPr bwMode="auto">
-                      <a:xfrm>
-                        <a:off x="1819275" y="1347788"/>
-                        <a:ext cx="5505450" cy="4162425"/>
-                      </a:xfrm>
-                      <a:prstGeom prst="rect">
-                        <a:avLst/>
-                      </a:prstGeom>
-                      <a:noFill/>
-                      <a:extLst>
-                        <a:ext uri="{909E8E84-426E-40DD-AFC4-6F175D3DCCD1}">
-                          <a14:hiddenFill xmlns:a14="http://schemas.microsoft.com/office/drawing/2010/main">
-                            <a:solidFill>
-                              <a:srgbClr val="FFFFFF"/>
-                            </a:solidFill>
-                          </a14:hiddenFill>
-                        </a:ext>
-                      </a:extLst>
-                    </p:spPr>
-                  </p:pic>
-                </p:oleObj>
-              </mc:Fallback>
-            </mc:AlternateContent>
+            <p:oleObj spid="_x0000_s27659" name="Visio" r:id="rId3" imgW="5505444" imgH="4162412" progId="Visio.Drawing.15">
+              <p:embed/>
+            </p:oleObj>
           </a:graphicData>
         </a:graphic>
       </p:graphicFrame>
@@ -4240,59 +3798,9 @@
         </p:xfrm>
         <a:graphic>
           <a:graphicData uri="http://schemas.openxmlformats.org/presentationml/2006/ole">
-            <mc:AlternateContent xmlns:mc="http://schemas.openxmlformats.org/markup-compatibility/2006">
-              <mc:Choice xmlns:v="urn:schemas-microsoft-com:vml" Requires="v">
-                <p:oleObj spid="_x0000_s27660" name="Visio" r:id="rId5" imgW="5505444" imgH="4162376" progId="Visio.Drawing.15">
-                  <p:embed/>
-                </p:oleObj>
-              </mc:Choice>
-              <mc:Fallback>
-                <p:oleObj name="Visio" r:id="rId5" imgW="5505444" imgH="4162376" progId="Visio.Drawing.15">
-                  <p:embed/>
-                  <p:pic>
-                    <p:nvPicPr>
-                      <p:cNvPr id="0" name="Object 7"/>
-                      <p:cNvPicPr>
-                        <a:picLocks noChangeAspect="1" noChangeArrowheads="1"/>
-                      </p:cNvPicPr>
-                      <p:nvPr/>
-                    </p:nvPicPr>
-                    <p:blipFill>
-                      <a:blip r:embed="rId6">
-                        <a:extLst>
-                          <a:ext uri="{28A0092B-C50C-407E-A947-70E740481C1C}">
-                            <a14:useLocalDpi xmlns:a14="http://schemas.microsoft.com/office/drawing/2010/main" val="0"/>
-                          </a:ext>
-                        </a:extLst>
-                      </a:blip>
-                      <a:srcRect/>
-                      <a:stretch>
-                        <a:fillRect/>
-                      </a:stretch>
-                    </p:blipFill>
-                    <p:spPr bwMode="auto">
-                      <a:xfrm>
-                        <a:off x="1819275" y="1347788"/>
-                        <a:ext cx="5505450" cy="4162425"/>
-                      </a:xfrm>
-                      <a:prstGeom prst="rect">
-                        <a:avLst/>
-                      </a:prstGeom>
-                      <a:noFill/>
-                      <a:extLst>
-                        <a:ext uri="{909E8E84-426E-40DD-AFC4-6F175D3DCCD1}">
-                          <a14:hiddenFill xmlns:a14="http://schemas.microsoft.com/office/drawing/2010/main">
-                            <a:solidFill>
-                              <a:srgbClr val="FFFFFF"/>
-                            </a:solidFill>
-                          </a14:hiddenFill>
-                        </a:ext>
-                      </a:extLst>
-                    </p:spPr>
-                  </p:pic>
-                </p:oleObj>
-              </mc:Fallback>
-            </mc:AlternateContent>
+            <p:oleObj spid="_x0000_s27660" name="Visio" r:id="rId4" imgW="5505444" imgH="4162376" progId="Visio.Drawing.15">
+              <p:embed/>
+            </p:oleObj>
           </a:graphicData>
         </a:graphic>
       </p:graphicFrame>
@@ -4717,82 +4225,9 @@
         </p:xfrm>
         <a:graphic>
           <a:graphicData uri="http://schemas.openxmlformats.org/presentationml/2006/ole">
-            <mc:AlternateContent xmlns:mc="http://schemas.openxmlformats.org/markup-compatibility/2006">
-              <mc:Choice xmlns:v="urn:schemas-microsoft-com:vml" Requires="v">
-                <p:oleObj spid="_x0000_s29704" name="Visio" r:id="rId3" imgW="8029661" imgH="2504984" progId="Visio.Drawing.15">
-                  <p:embed/>
-                </p:oleObj>
-              </mc:Choice>
-              <mc:Fallback>
-                <p:oleObj name="Visio" r:id="rId3" imgW="8029661" imgH="2504984" progId="Visio.Drawing.15">
-                  <p:embed/>
-                  <p:pic>
-                    <p:nvPicPr>
-                      <p:cNvPr id="0" name="Picture 6"/>
-                      <p:cNvPicPr>
-                        <a:picLocks noChangeAspect="1" noChangeArrowheads="1"/>
-                      </p:cNvPicPr>
-                      <p:nvPr/>
-                    </p:nvPicPr>
-                    <p:blipFill>
-                      <a:blip r:embed="rId4">
-                        <a:extLst>
-                          <a:ext uri="{28A0092B-C50C-407E-A947-70E740481C1C}">
-                            <a14:useLocalDpi xmlns:a14="http://schemas.microsoft.com/office/drawing/2010/main" val="0"/>
-                          </a:ext>
-                        </a:extLst>
-                      </a:blip>
-                      <a:srcRect/>
-                      <a:stretch>
-                        <a:fillRect/>
-                      </a:stretch>
-                    </p:blipFill>
-                    <p:spPr bwMode="auto">
-                      <a:xfrm>
-                        <a:off x="557213" y="2924944"/>
-                        <a:ext cx="8029575" cy="2505075"/>
-                      </a:xfrm>
-                      <a:prstGeom prst="rect">
-                        <a:avLst/>
-                      </a:prstGeom>
-                      <a:noFill/>
-                      <a:ln>
-                        <a:noFill/>
-                      </a:ln>
-                      <a:effectLst/>
-                      <a:extLst>
-                        <a:ext uri="{909E8E84-426E-40DD-AFC4-6F175D3DCCD1}">
-                          <a14:hiddenFill xmlns:a14="http://schemas.microsoft.com/office/drawing/2010/main">
-                            <a:solidFill>
-                              <a:schemeClr val="accent1"/>
-                            </a:solidFill>
-                          </a14:hiddenFill>
-                        </a:ext>
-                        <a:ext uri="{91240B29-F687-4F45-9708-019B960494DF}">
-                          <a14:hiddenLine xmlns:a14="http://schemas.microsoft.com/office/drawing/2010/main" w="9525">
-                            <a:solidFill>
-                              <a:schemeClr val="tx1"/>
-                            </a:solidFill>
-                            <a:miter lim="800000"/>
-                            <a:headEnd/>
-                            <a:tailEnd/>
-                          </a14:hiddenLine>
-                        </a:ext>
-                        <a:ext uri="{AF507438-7753-43E0-B8FC-AC1667EBCBE1}">
-                          <a14:hiddenEffects xmlns:a14="http://schemas.microsoft.com/office/drawing/2010/main">
-                            <a:effectLst>
-                              <a:outerShdw dist="35921" dir="2700000" algn="ctr" rotWithShape="0">
-                                <a:schemeClr val="bg2"/>
-                              </a:outerShdw>
-                            </a:effectLst>
-                          </a14:hiddenEffects>
-                        </a:ext>
-                      </a:extLst>
-                    </p:spPr>
-                  </p:pic>
-                </p:oleObj>
-              </mc:Fallback>
-            </mc:AlternateContent>
+            <p:oleObj spid="_x0000_s29704" name="Visio" r:id="rId3" imgW="8029661" imgH="2504984" progId="Visio.Drawing.15">
+              <p:embed/>
+            </p:oleObj>
           </a:graphicData>
         </a:graphic>
       </p:graphicFrame>
@@ -4977,82 +4412,9 @@
         </p:xfrm>
         <a:graphic>
           <a:graphicData uri="http://schemas.openxmlformats.org/presentationml/2006/ole">
-            <mc:AlternateContent xmlns:mc="http://schemas.openxmlformats.org/markup-compatibility/2006">
-              <mc:Choice xmlns:v="urn:schemas-microsoft-com:vml" Requires="v">
-                <p:oleObj spid="_x0000_s9226" name="Visio" r:id="rId3" imgW="10363300" imgH="6886545" progId="Visio.Drawing.15">
-                  <p:embed/>
-                </p:oleObj>
-              </mc:Choice>
-              <mc:Fallback>
-                <p:oleObj name="Visio" r:id="rId3" imgW="10363300" imgH="6886545" progId="Visio.Drawing.15">
-                  <p:embed/>
-                  <p:pic>
-                    <p:nvPicPr>
-                      <p:cNvPr id="0" name="Picture 8"/>
-                      <p:cNvPicPr>
-                        <a:picLocks noChangeAspect="1" noChangeArrowheads="1"/>
-                      </p:cNvPicPr>
-                      <p:nvPr/>
-                    </p:nvPicPr>
-                    <p:blipFill>
-                      <a:blip r:embed="rId4">
-                        <a:extLst>
-                          <a:ext uri="{28A0092B-C50C-407E-A947-70E740481C1C}">
-                            <a14:useLocalDpi xmlns:a14="http://schemas.microsoft.com/office/drawing/2010/main" val="0"/>
-                          </a:ext>
-                        </a:extLst>
-                      </a:blip>
-                      <a:srcRect/>
-                      <a:stretch>
-                        <a:fillRect/>
-                      </a:stretch>
-                    </p:blipFill>
-                    <p:spPr bwMode="auto">
-                      <a:xfrm>
-                        <a:off x="1979712" y="1484784"/>
-                        <a:ext cx="6830900" cy="4534366"/>
-                      </a:xfrm>
-                      <a:prstGeom prst="rect">
-                        <a:avLst/>
-                      </a:prstGeom>
-                      <a:noFill/>
-                      <a:ln>
-                        <a:noFill/>
-                      </a:ln>
-                      <a:effectLst/>
-                      <a:extLst>
-                        <a:ext uri="{909E8E84-426E-40DD-AFC4-6F175D3DCCD1}">
-                          <a14:hiddenFill xmlns:a14="http://schemas.microsoft.com/office/drawing/2010/main">
-                            <a:solidFill>
-                              <a:schemeClr val="accent1"/>
-                            </a:solidFill>
-                          </a14:hiddenFill>
-                        </a:ext>
-                        <a:ext uri="{91240B29-F687-4F45-9708-019B960494DF}">
-                          <a14:hiddenLine xmlns:a14="http://schemas.microsoft.com/office/drawing/2010/main" w="9525">
-                            <a:solidFill>
-                              <a:schemeClr val="tx1"/>
-                            </a:solidFill>
-                            <a:miter lim="800000"/>
-                            <a:headEnd/>
-                            <a:tailEnd/>
-                          </a14:hiddenLine>
-                        </a:ext>
-                        <a:ext uri="{AF507438-7753-43E0-B8FC-AC1667EBCBE1}">
-                          <a14:hiddenEffects xmlns:a14="http://schemas.microsoft.com/office/drawing/2010/main">
-                            <a:effectLst>
-                              <a:outerShdw dist="35921" dir="2700000" algn="ctr" rotWithShape="0">
-                                <a:schemeClr val="bg2"/>
-                              </a:outerShdw>
-                            </a:effectLst>
-                          </a14:hiddenEffects>
-                        </a:ext>
-                      </a:extLst>
-                    </p:spPr>
-                  </p:pic>
-                </p:oleObj>
-              </mc:Fallback>
-            </mc:AlternateContent>
+            <p:oleObj spid="_x0000_s9226" name="Visio" r:id="rId3" imgW="10363200" imgH="6886545" progId="Visio.Drawing.15">
+              <p:embed/>
+            </p:oleObj>
           </a:graphicData>
         </a:graphic>
       </p:graphicFrame>
@@ -5102,82 +4464,9 @@
         </p:xfrm>
         <a:graphic>
           <a:graphicData uri="http://schemas.openxmlformats.org/presentationml/2006/ole">
-            <mc:AlternateContent xmlns:mc="http://schemas.openxmlformats.org/markup-compatibility/2006">
-              <mc:Choice xmlns:v="urn:schemas-microsoft-com:vml" Requires="v">
-                <p:oleObj spid="_x0000_s30731" name="Visio" r:id="rId3" imgW="8029661" imgH="2504984" progId="Visio.Drawing.15">
-                  <p:embed/>
-                </p:oleObj>
-              </mc:Choice>
-              <mc:Fallback>
-                <p:oleObj name="Visio" r:id="rId3" imgW="8029661" imgH="2504984" progId="Visio.Drawing.15">
-                  <p:embed/>
-                  <p:pic>
-                    <p:nvPicPr>
-                      <p:cNvPr id="0" name="Object 11"/>
-                      <p:cNvPicPr>
-                        <a:picLocks noChangeAspect="1" noChangeArrowheads="1"/>
-                      </p:cNvPicPr>
-                      <p:nvPr/>
-                    </p:nvPicPr>
-                    <p:blipFill>
-                      <a:blip r:embed="rId4">
-                        <a:extLst>
-                          <a:ext uri="{28A0092B-C50C-407E-A947-70E740481C1C}">
-                            <a14:useLocalDpi xmlns:a14="http://schemas.microsoft.com/office/drawing/2010/main" val="0"/>
-                          </a:ext>
-                        </a:extLst>
-                      </a:blip>
-                      <a:srcRect/>
-                      <a:stretch>
-                        <a:fillRect/>
-                      </a:stretch>
-                    </p:blipFill>
-                    <p:spPr bwMode="auto">
-                      <a:xfrm>
-                        <a:off x="557213" y="2924944"/>
-                        <a:ext cx="8029575" cy="2505075"/>
-                      </a:xfrm>
-                      <a:prstGeom prst="rect">
-                        <a:avLst/>
-                      </a:prstGeom>
-                      <a:noFill/>
-                      <a:ln>
-                        <a:noFill/>
-                      </a:ln>
-                      <a:effectLst/>
-                      <a:extLst>
-                        <a:ext uri="{909E8E84-426E-40DD-AFC4-6F175D3DCCD1}">
-                          <a14:hiddenFill xmlns:a14="http://schemas.microsoft.com/office/drawing/2010/main">
-                            <a:solidFill>
-                              <a:schemeClr val="accent1"/>
-                            </a:solidFill>
-                          </a14:hiddenFill>
-                        </a:ext>
-                        <a:ext uri="{91240B29-F687-4F45-9708-019B960494DF}">
-                          <a14:hiddenLine xmlns:a14="http://schemas.microsoft.com/office/drawing/2010/main" w="9525">
-                            <a:solidFill>
-                              <a:schemeClr val="tx1"/>
-                            </a:solidFill>
-                            <a:miter lim="800000"/>
-                            <a:headEnd/>
-                            <a:tailEnd/>
-                          </a14:hiddenLine>
-                        </a:ext>
-                        <a:ext uri="{AF507438-7753-43E0-B8FC-AC1667EBCBE1}">
-                          <a14:hiddenEffects xmlns:a14="http://schemas.microsoft.com/office/drawing/2010/main">
-                            <a:effectLst>
-                              <a:outerShdw dist="35921" dir="2700000" algn="ctr" rotWithShape="0">
-                                <a:schemeClr val="bg2"/>
-                              </a:outerShdw>
-                            </a:effectLst>
-                          </a14:hiddenEffects>
-                        </a:ext>
-                      </a:extLst>
-                    </p:spPr>
-                  </p:pic>
-                </p:oleObj>
-              </mc:Fallback>
-            </mc:AlternateContent>
+            <p:oleObj spid="_x0000_s30731" name="Visio" r:id="rId3" imgW="8029661" imgH="2504984" progId="Visio.Drawing.15">
+              <p:embed/>
+            </p:oleObj>
           </a:graphicData>
         </a:graphic>
       </p:graphicFrame>
@@ -5195,82 +4484,9 @@
         </p:xfrm>
         <a:graphic>
           <a:graphicData uri="http://schemas.openxmlformats.org/presentationml/2006/ole">
-            <mc:AlternateContent xmlns:mc="http://schemas.openxmlformats.org/markup-compatibility/2006">
-              <mc:Choice xmlns:v="urn:schemas-microsoft-com:vml" Requires="v">
-                <p:oleObj spid="_x0000_s30732" name="Visio" r:id="rId5" imgW="8029661" imgH="2504984" progId="Visio.Drawing.15">
-                  <p:embed/>
-                </p:oleObj>
-              </mc:Choice>
-              <mc:Fallback>
-                <p:oleObj name="Visio" r:id="rId5" imgW="8029661" imgH="2504984" progId="Visio.Drawing.15">
-                  <p:embed/>
-                  <p:pic>
-                    <p:nvPicPr>
-                      <p:cNvPr id="0" name="Object 12"/>
-                      <p:cNvPicPr>
-                        <a:picLocks noChangeAspect="1" noChangeArrowheads="1"/>
-                      </p:cNvPicPr>
-                      <p:nvPr/>
-                    </p:nvPicPr>
-                    <p:blipFill>
-                      <a:blip r:embed="rId6">
-                        <a:extLst>
-                          <a:ext uri="{28A0092B-C50C-407E-A947-70E740481C1C}">
-                            <a14:useLocalDpi xmlns:a14="http://schemas.microsoft.com/office/drawing/2010/main" val="0"/>
-                          </a:ext>
-                        </a:extLst>
-                      </a:blip>
-                      <a:srcRect/>
-                      <a:stretch>
-                        <a:fillRect/>
-                      </a:stretch>
-                    </p:blipFill>
-                    <p:spPr bwMode="auto">
-                      <a:xfrm>
-                        <a:off x="557213" y="2924944"/>
-                        <a:ext cx="8029575" cy="2505075"/>
-                      </a:xfrm>
-                      <a:prstGeom prst="rect">
-                        <a:avLst/>
-                      </a:prstGeom>
-                      <a:noFill/>
-                      <a:ln>
-                        <a:noFill/>
-                      </a:ln>
-                      <a:effectLst/>
-                      <a:extLst>
-                        <a:ext uri="{909E8E84-426E-40DD-AFC4-6F175D3DCCD1}">
-                          <a14:hiddenFill xmlns:a14="http://schemas.microsoft.com/office/drawing/2010/main">
-                            <a:solidFill>
-                              <a:schemeClr val="accent1"/>
-                            </a:solidFill>
-                          </a14:hiddenFill>
-                        </a:ext>
-                        <a:ext uri="{91240B29-F687-4F45-9708-019B960494DF}">
-                          <a14:hiddenLine xmlns:a14="http://schemas.microsoft.com/office/drawing/2010/main" w="9525">
-                            <a:solidFill>
-                              <a:schemeClr val="tx1"/>
-                            </a:solidFill>
-                            <a:miter lim="800000"/>
-                            <a:headEnd/>
-                            <a:tailEnd/>
-                          </a14:hiddenLine>
-                        </a:ext>
-                        <a:ext uri="{AF507438-7753-43E0-B8FC-AC1667EBCBE1}">
-                          <a14:hiddenEffects xmlns:a14="http://schemas.microsoft.com/office/drawing/2010/main">
-                            <a:effectLst>
-                              <a:outerShdw dist="35921" dir="2700000" algn="ctr" rotWithShape="0">
-                                <a:schemeClr val="bg2"/>
-                              </a:outerShdw>
-                            </a:effectLst>
-                          </a14:hiddenEffects>
-                        </a:ext>
-                      </a:extLst>
-                    </p:spPr>
-                  </p:pic>
-                </p:oleObj>
-              </mc:Fallback>
-            </mc:AlternateContent>
+            <p:oleObj spid="_x0000_s30732" name="Visio" r:id="rId4" imgW="8029661" imgH="2504984" progId="Visio.Drawing.15">
+              <p:embed/>
+            </p:oleObj>
           </a:graphicData>
         </a:graphic>
       </p:graphicFrame>
@@ -5288,82 +4504,9 @@
         </p:xfrm>
         <a:graphic>
           <a:graphicData uri="http://schemas.openxmlformats.org/presentationml/2006/ole">
-            <mc:AlternateContent xmlns:mc="http://schemas.openxmlformats.org/markup-compatibility/2006">
-              <mc:Choice xmlns:v="urn:schemas-microsoft-com:vml" Requires="v">
-                <p:oleObj spid="_x0000_s30733" name="Visio" r:id="rId7" imgW="8029661" imgH="2504984" progId="Visio.Drawing.15">
-                  <p:embed/>
-                </p:oleObj>
-              </mc:Choice>
-              <mc:Fallback>
-                <p:oleObj name="Visio" r:id="rId7" imgW="8029661" imgH="2504984" progId="Visio.Drawing.15">
-                  <p:embed/>
-                  <p:pic>
-                    <p:nvPicPr>
-                      <p:cNvPr id="0" name="Picture 6"/>
-                      <p:cNvPicPr>
-                        <a:picLocks noChangeAspect="1" noChangeArrowheads="1"/>
-                      </p:cNvPicPr>
-                      <p:nvPr/>
-                    </p:nvPicPr>
-                    <p:blipFill>
-                      <a:blip r:embed="rId8">
-                        <a:extLst>
-                          <a:ext uri="{28A0092B-C50C-407E-A947-70E740481C1C}">
-                            <a14:useLocalDpi xmlns:a14="http://schemas.microsoft.com/office/drawing/2010/main" val="0"/>
-                          </a:ext>
-                        </a:extLst>
-                      </a:blip>
-                      <a:srcRect/>
-                      <a:stretch>
-                        <a:fillRect/>
-                      </a:stretch>
-                    </p:blipFill>
-                    <p:spPr bwMode="auto">
-                      <a:xfrm>
-                        <a:off x="557213" y="2924944"/>
-                        <a:ext cx="8029575" cy="2505075"/>
-                      </a:xfrm>
-                      <a:prstGeom prst="rect">
-                        <a:avLst/>
-                      </a:prstGeom>
-                      <a:noFill/>
-                      <a:ln>
-                        <a:noFill/>
-                      </a:ln>
-                      <a:effectLst/>
-                      <a:extLst>
-                        <a:ext uri="{909E8E84-426E-40DD-AFC4-6F175D3DCCD1}">
-                          <a14:hiddenFill xmlns:a14="http://schemas.microsoft.com/office/drawing/2010/main">
-                            <a:solidFill>
-                              <a:schemeClr val="accent1"/>
-                            </a:solidFill>
-                          </a14:hiddenFill>
-                        </a:ext>
-                        <a:ext uri="{91240B29-F687-4F45-9708-019B960494DF}">
-                          <a14:hiddenLine xmlns:a14="http://schemas.microsoft.com/office/drawing/2010/main" w="9525">
-                            <a:solidFill>
-                              <a:schemeClr val="tx1"/>
-                            </a:solidFill>
-                            <a:miter lim="800000"/>
-                            <a:headEnd/>
-                            <a:tailEnd/>
-                          </a14:hiddenLine>
-                        </a:ext>
-                        <a:ext uri="{AF507438-7753-43E0-B8FC-AC1667EBCBE1}">
-                          <a14:hiddenEffects xmlns:a14="http://schemas.microsoft.com/office/drawing/2010/main">
-                            <a:effectLst>
-                              <a:outerShdw dist="35921" dir="2700000" algn="ctr" rotWithShape="0">
-                                <a:schemeClr val="bg2"/>
-                              </a:outerShdw>
-                            </a:effectLst>
-                          </a14:hiddenEffects>
-                        </a:ext>
-                      </a:extLst>
-                    </p:spPr>
-                  </p:pic>
-                </p:oleObj>
-              </mc:Fallback>
-            </mc:AlternateContent>
+            <p:oleObj spid="_x0000_s30733" name="Visio" r:id="rId5" imgW="8029661" imgH="2504984" progId="Visio.Drawing.15">
+              <p:embed/>
+            </p:oleObj>
           </a:graphicData>
         </a:graphic>
       </p:graphicFrame>
@@ -5594,82 +4737,9 @@
         </p:xfrm>
         <a:graphic>
           <a:graphicData uri="http://schemas.openxmlformats.org/presentationml/2006/ole">
-            <mc:AlternateContent xmlns:mc="http://schemas.openxmlformats.org/markup-compatibility/2006">
-              <mc:Choice xmlns:v="urn:schemas-microsoft-com:vml" Requires="v">
-                <p:oleObj spid="_x0000_s30734" name="Visio" r:id="rId9" imgW="8029661" imgH="2504984" progId="Visio.Drawing.15">
-                  <p:embed/>
-                </p:oleObj>
-              </mc:Choice>
-              <mc:Fallback>
-                <p:oleObj name="Visio" r:id="rId9" imgW="8029661" imgH="2504984" progId="Visio.Drawing.15">
-                  <p:embed/>
-                  <p:pic>
-                    <p:nvPicPr>
-                      <p:cNvPr id="0" name="Object 6"/>
-                      <p:cNvPicPr>
-                        <a:picLocks noChangeAspect="1" noChangeArrowheads="1"/>
-                      </p:cNvPicPr>
-                      <p:nvPr/>
-                    </p:nvPicPr>
-                    <p:blipFill>
-                      <a:blip r:embed="rId10">
-                        <a:extLst>
-                          <a:ext uri="{28A0092B-C50C-407E-A947-70E740481C1C}">
-                            <a14:useLocalDpi xmlns:a14="http://schemas.microsoft.com/office/drawing/2010/main" val="0"/>
-                          </a:ext>
-                        </a:extLst>
-                      </a:blip>
-                      <a:srcRect/>
-                      <a:stretch>
-                        <a:fillRect/>
-                      </a:stretch>
-                    </p:blipFill>
-                    <p:spPr bwMode="auto">
-                      <a:xfrm>
-                        <a:off x="557213" y="2924944"/>
-                        <a:ext cx="8029575" cy="2505075"/>
-                      </a:xfrm>
-                      <a:prstGeom prst="rect">
-                        <a:avLst/>
-                      </a:prstGeom>
-                      <a:noFill/>
-                      <a:ln>
-                        <a:noFill/>
-                      </a:ln>
-                      <a:effectLst/>
-                      <a:extLst>
-                        <a:ext uri="{909E8E84-426E-40DD-AFC4-6F175D3DCCD1}">
-                          <a14:hiddenFill xmlns:a14="http://schemas.microsoft.com/office/drawing/2010/main">
-                            <a:solidFill>
-                              <a:schemeClr val="accent1"/>
-                            </a:solidFill>
-                          </a14:hiddenFill>
-                        </a:ext>
-                        <a:ext uri="{91240B29-F687-4F45-9708-019B960494DF}">
-                          <a14:hiddenLine xmlns:a14="http://schemas.microsoft.com/office/drawing/2010/main" w="9525">
-                            <a:solidFill>
-                              <a:schemeClr val="tx1"/>
-                            </a:solidFill>
-                            <a:miter lim="800000"/>
-                            <a:headEnd/>
-                            <a:tailEnd/>
-                          </a14:hiddenLine>
-                        </a:ext>
-                        <a:ext uri="{AF507438-7753-43E0-B8FC-AC1667EBCBE1}">
-                          <a14:hiddenEffects xmlns:a14="http://schemas.microsoft.com/office/drawing/2010/main">
-                            <a:effectLst>
-                              <a:outerShdw dist="35921" dir="2700000" algn="ctr" rotWithShape="0">
-                                <a:schemeClr val="bg2"/>
-                              </a:outerShdw>
-                            </a:effectLst>
-                          </a14:hiddenEffects>
-                        </a:ext>
-                      </a:extLst>
-                    </p:spPr>
-                  </p:pic>
-                </p:oleObj>
-              </mc:Fallback>
-            </mc:AlternateContent>
+            <p:oleObj spid="_x0000_s30734" name="Visio" r:id="rId6" imgW="8029661" imgH="2504984" progId="Visio.Drawing.15">
+              <p:embed/>
+            </p:oleObj>
           </a:graphicData>
         </a:graphic>
       </p:graphicFrame>
@@ -7161,11 +6231,7 @@
           <a:p>
             <a:r>
               <a:rPr lang="de-DE" dirty="0" smtClean="0"/>
-              <a:t>Jung2 </a:t>
-            </a:r>
-            <a:r>
-              <a:rPr lang="de-DE" dirty="0" smtClean="0"/>
-              <a:t>Framework</a:t>
+              <a:t>Jung2 Framework</a:t>
             </a:r>
           </a:p>
           <a:p>
@@ -7178,7 +6244,6 @@
               <a:rPr lang="de-DE" dirty="0" smtClean="0"/>
               <a:t>Netzwerken</a:t>
             </a:r>
-            <a:endParaRPr lang="de-DE" dirty="0" smtClean="0"/>
           </a:p>
           <a:p>
             <a:pPr lvl="1"/>
@@ -7192,11 +6257,7 @@
             <a:pPr lvl="2"/>
             <a:r>
               <a:rPr lang="de-DE" dirty="0" smtClean="0"/>
-              <a:t>Open </a:t>
-            </a:r>
-            <a:r>
-              <a:rPr lang="de-DE" dirty="0" smtClean="0"/>
-              <a:t>Source</a:t>
+              <a:t>Open Source</a:t>
             </a:r>
           </a:p>
           <a:p>
@@ -7340,7 +6401,7 @@
           <a:blip r:embed="rId2" cstate="print">
             <a:extLst>
               <a:ext uri="{28A0092B-C50C-407E-A947-70E740481C1C}">
-                <a14:useLocalDpi xmlns:a14="http://schemas.microsoft.com/office/drawing/2010/main" val="0"/>
+                <a14:useLocalDpi xmlns:a14="http://schemas.microsoft.com/office/drawing/2010/main" xmlns="" val="0"/>
               </a:ext>
             </a:extLst>
           </a:blip>
@@ -7456,7 +6517,7 @@
     </p:spTree>
     <p:extLst>
       <p:ext uri="{BB962C8B-B14F-4D97-AF65-F5344CB8AC3E}">
-        <p14:creationId xmlns:p14="http://schemas.microsoft.com/office/powerpoint/2010/main" val="427906190"/>
+        <p14:creationId xmlns:p14="http://schemas.microsoft.com/office/powerpoint/2010/main" xmlns="" val="427906190"/>
       </p:ext>
     </p:extLst>
   </p:cSld>
@@ -7862,7 +6923,7 @@
     </p:spTree>
     <p:extLst>
       <p:ext uri="{BB962C8B-B14F-4D97-AF65-F5344CB8AC3E}">
-        <p14:creationId xmlns:p14="http://schemas.microsoft.com/office/powerpoint/2010/main" val="3871759119"/>
+        <p14:creationId xmlns:p14="http://schemas.microsoft.com/office/powerpoint/2010/main" xmlns="" val="3871759119"/>
       </p:ext>
     </p:extLst>
   </p:cSld>
@@ -8885,7 +7946,7 @@
     </p:spTree>
     <p:extLst>
       <p:ext uri="{BB962C8B-B14F-4D97-AF65-F5344CB8AC3E}">
-        <p14:creationId xmlns:p14="http://schemas.microsoft.com/office/powerpoint/2010/main" val="492424617"/>
+        <p14:creationId xmlns:p14="http://schemas.microsoft.com/office/powerpoint/2010/main" xmlns="" val="492424617"/>
       </p:ext>
     </p:extLst>
   </p:cSld>
@@ -9359,7 +8420,7 @@
     </p:spTree>
     <p:extLst>
       <p:ext uri="{BB962C8B-B14F-4D97-AF65-F5344CB8AC3E}">
-        <p14:creationId xmlns:p14="http://schemas.microsoft.com/office/powerpoint/2010/main" val="3583291954"/>
+        <p14:creationId xmlns:p14="http://schemas.microsoft.com/office/powerpoint/2010/main" xmlns="" val="3583291954"/>
       </p:ext>
     </p:extLst>
   </p:cSld>
@@ -9550,7 +8611,7 @@
           <a:blip r:embed="rId2" cstate="print">
             <a:extLst>
               <a:ext uri="{28A0092B-C50C-407E-A947-70E740481C1C}">
-                <a14:useLocalDpi xmlns:a14="http://schemas.microsoft.com/office/drawing/2010/main" val="0"/>
+                <a14:useLocalDpi xmlns:a14="http://schemas.microsoft.com/office/drawing/2010/main" xmlns="" val="0"/>
               </a:ext>
             </a:extLst>
           </a:blip>
@@ -10145,7 +9206,7 @@
     </p:spTree>
     <p:extLst>
       <p:ext uri="{BB962C8B-B14F-4D97-AF65-F5344CB8AC3E}">
-        <p14:creationId xmlns:p14="http://schemas.microsoft.com/office/powerpoint/2010/main" val="2307760257"/>
+        <p14:creationId xmlns:p14="http://schemas.microsoft.com/office/powerpoint/2010/main" xmlns="" val="2307760257"/>
       </p:ext>
     </p:extLst>
   </p:cSld>
@@ -10237,7 +9298,7 @@
           <a:blip r:embed="rId2" cstate="print">
             <a:extLst>
               <a:ext uri="{28A0092B-C50C-407E-A947-70E740481C1C}">
-                <a14:useLocalDpi xmlns:a14="http://schemas.microsoft.com/office/drawing/2010/main" val="0"/>
+                <a14:useLocalDpi xmlns:a14="http://schemas.microsoft.com/office/drawing/2010/main" xmlns="" val="0"/>
               </a:ext>
             </a:extLst>
           </a:blip>
@@ -10258,18 +9319,18 @@
     </p:spTree>
     <p:extLst>
       <p:ext uri="{BB962C8B-B14F-4D97-AF65-F5344CB8AC3E}">
-        <p14:creationId xmlns:p14="http://schemas.microsoft.com/office/powerpoint/2010/main" val="2583957788"/>
+        <p14:creationId xmlns:p14="http://schemas.microsoft.com/office/powerpoint/2010/main" xmlns="" val="2583957788"/>
       </p:ext>
     </p:extLst>
   </p:cSld>
   <p:clrMapOvr>
     <a:masterClrMapping/>
   </p:clrMapOvr>
-  <mc:AlternateContent xmlns:mc="http://schemas.openxmlformats.org/markup-compatibility/2006" xmlns:p14="http://schemas.microsoft.com/office/powerpoint/2010/main">
-    <mc:Choice Requires="p14">
+  <mc:AlternateContent xmlns:mc="http://schemas.openxmlformats.org/markup-compatibility/2006">
+    <mc:Choice xmlns:p14="http://schemas.microsoft.com/office/powerpoint/2010/main" xmlns="" Requires="p14">
       <p:transition spd="slow" p14:dur="2000"/>
     </mc:Choice>
-    <mc:Fallback xmlns="">
+    <mc:Fallback>
       <p:transition spd="slow"/>
     </mc:Fallback>
   </mc:AlternateContent>
@@ -10629,7 +9690,7 @@
     </p:spTree>
     <p:extLst>
       <p:ext uri="{BB962C8B-B14F-4D97-AF65-F5344CB8AC3E}">
-        <p14:creationId xmlns:p14="http://schemas.microsoft.com/office/powerpoint/2010/main" val="834335964"/>
+        <p14:creationId xmlns:p14="http://schemas.microsoft.com/office/powerpoint/2010/main" xmlns="" val="834335964"/>
       </p:ext>
     </p:extLst>
   </p:cSld>
@@ -11304,13 +10365,8 @@
             </a:r>
             <a:r>
               <a:rPr lang="de-DE" dirty="0" smtClean="0"/>
-              <a:t> erfolgreich </a:t>
-            </a:r>
-            <a:r>
-              <a:rPr lang="de-DE" dirty="0" smtClean="0"/>
-              <a:t>umgesetzt</a:t>
-            </a:r>
-            <a:endParaRPr lang="de-DE" dirty="0" smtClean="0"/>
+              <a:t> erfolgreich umgesetzt</a:t>
+            </a:r>
           </a:p>
           <a:p>
             <a:pPr>
@@ -11659,7 +10715,7 @@
     </p:spTree>
     <p:extLst>
       <p:ext uri="{BB962C8B-B14F-4D97-AF65-F5344CB8AC3E}">
-        <p14:creationId xmlns:p14="http://schemas.microsoft.com/office/powerpoint/2010/main" val="3015326985"/>
+        <p14:creationId xmlns:p14="http://schemas.microsoft.com/office/powerpoint/2010/main" xmlns="" val="3015326985"/>
       </p:ext>
     </p:extLst>
   </p:cSld>
@@ -11706,7 +10762,7 @@
         <p:spPr>
           <a:xfrm>
             <a:off x="250824" y="933450"/>
-            <a:ext cx="8031164" cy="4495813"/>
+            <a:ext cx="8569648" cy="4495813"/>
           </a:xfrm>
         </p:spPr>
         <p:txBody>
@@ -11722,21 +10778,47 @@
             <a:pPr lvl="1"/>
             <a:r>
               <a:rPr lang="de-DE" dirty="0" smtClean="0"/>
-              <a:t>Zentrale verwaltung eines Modells</a:t>
-            </a:r>
+              <a:t>Zentrale </a:t>
+            </a:r>
+            <a:r>
+              <a:rPr lang="de-DE" dirty="0" smtClean="0"/>
+              <a:t>Verwaltung </a:t>
+            </a:r>
+            <a:r>
+              <a:rPr lang="de-DE" dirty="0" smtClean="0"/>
+              <a:t>eines </a:t>
+            </a:r>
+            <a:r>
+              <a:rPr lang="de-DE" dirty="0" smtClean="0"/>
+              <a:t>Models</a:t>
+            </a:r>
+            <a:endParaRPr lang="de-DE" dirty="0" smtClean="0"/>
           </a:p>
           <a:p>
             <a:pPr lvl="1"/>
             <a:r>
               <a:rPr lang="de-DE" dirty="0" smtClean="0"/>
-              <a:t>Alle Rollen arbeiten durch geeignete Viewpoints auf dassselbe Modell</a:t>
-            </a:r>
+              <a:t>Alle Rollen arbeiten durch geeignete Viewpoints auf </a:t>
+            </a:r>
+            <a:r>
+              <a:rPr lang="de-DE" dirty="0" smtClean="0"/>
+              <a:t>dem selben Model</a:t>
+            </a:r>
+            <a:endParaRPr lang="de-DE" dirty="0" smtClean="0"/>
           </a:p>
           <a:p>
             <a:pPr lvl="1"/>
             <a:r>
               <a:rPr lang="de-DE" dirty="0" smtClean="0"/>
-              <a:t>Konsistenz und kollaboration dadurch transparent möglich</a:t>
+              <a:t>Konsistenz und </a:t>
+            </a:r>
+            <a:r>
+              <a:rPr lang="de-DE" dirty="0" smtClean="0"/>
+              <a:t>Kollaboration </a:t>
+            </a:r>
+            <a:r>
+              <a:rPr lang="de-DE" dirty="0" smtClean="0"/>
+              <a:t>dadurch transparent möglich</a:t>
             </a:r>
           </a:p>
           <a:p>
@@ -11843,7 +10925,7 @@
     </p:spTree>
     <p:extLst>
       <p:ext uri="{BB962C8B-B14F-4D97-AF65-F5344CB8AC3E}">
-        <p14:creationId xmlns:p14="http://schemas.microsoft.com/office/powerpoint/2010/main" val="2204816514"/>
+        <p14:creationId xmlns:p14="http://schemas.microsoft.com/office/powerpoint/2010/main" xmlns="" val="2204816514"/>
       </p:ext>
     </p:extLst>
   </p:cSld>
@@ -12784,82 +11866,9 @@
         </p:xfrm>
         <a:graphic>
           <a:graphicData uri="http://schemas.openxmlformats.org/presentationml/2006/ole">
-            <mc:AlternateContent xmlns:mc="http://schemas.openxmlformats.org/markup-compatibility/2006">
-              <mc:Choice xmlns:v="urn:schemas-microsoft-com:vml" Requires="v">
-                <p:oleObj spid="_x0000_s3085" name="Visio" r:id="rId3" imgW="4867253" imgH="1609661" progId="Visio.Drawing.15">
-                  <p:embed/>
-                </p:oleObj>
-              </mc:Choice>
-              <mc:Fallback>
-                <p:oleObj name="Visio" r:id="rId3" imgW="4867253" imgH="1609661" progId="Visio.Drawing.15">
-                  <p:embed/>
-                  <p:pic>
-                    <p:nvPicPr>
-                      <p:cNvPr id="0" name="Picture 11"/>
-                      <p:cNvPicPr>
-                        <a:picLocks noChangeAspect="1" noChangeArrowheads="1"/>
-                      </p:cNvPicPr>
-                      <p:nvPr/>
-                    </p:nvPicPr>
-                    <p:blipFill>
-                      <a:blip r:embed="rId4">
-                        <a:extLst>
-                          <a:ext uri="{28A0092B-C50C-407E-A947-70E740481C1C}">
-                            <a14:useLocalDpi xmlns:a14="http://schemas.microsoft.com/office/drawing/2010/main" val="0"/>
-                          </a:ext>
-                        </a:extLst>
-                      </a:blip>
-                      <a:srcRect/>
-                      <a:stretch>
-                        <a:fillRect/>
-                      </a:stretch>
-                    </p:blipFill>
-                    <p:spPr bwMode="auto">
-                      <a:xfrm>
-                        <a:off x="1428728" y="928670"/>
-                        <a:ext cx="6379312" cy="2109792"/>
-                      </a:xfrm>
-                      <a:prstGeom prst="rect">
-                        <a:avLst/>
-                      </a:prstGeom>
-                      <a:noFill/>
-                      <a:ln>
-                        <a:noFill/>
-                      </a:ln>
-                      <a:effectLst/>
-                      <a:extLst>
-                        <a:ext uri="{909E8E84-426E-40DD-AFC4-6F175D3DCCD1}">
-                          <a14:hiddenFill xmlns:a14="http://schemas.microsoft.com/office/drawing/2010/main">
-                            <a:solidFill>
-                              <a:schemeClr val="accent1"/>
-                            </a:solidFill>
-                          </a14:hiddenFill>
-                        </a:ext>
-                        <a:ext uri="{91240B29-F687-4F45-9708-019B960494DF}">
-                          <a14:hiddenLine xmlns:a14="http://schemas.microsoft.com/office/drawing/2010/main" w="9525">
-                            <a:solidFill>
-                              <a:schemeClr val="tx1"/>
-                            </a:solidFill>
-                            <a:miter lim="800000"/>
-                            <a:headEnd/>
-                            <a:tailEnd/>
-                          </a14:hiddenLine>
-                        </a:ext>
-                        <a:ext uri="{AF507438-7753-43E0-B8FC-AC1667EBCBE1}">
-                          <a14:hiddenEffects xmlns:a14="http://schemas.microsoft.com/office/drawing/2010/main">
-                            <a:effectLst>
-                              <a:outerShdw dist="35921" dir="2700000" algn="ctr" rotWithShape="0">
-                                <a:schemeClr val="bg2"/>
-                              </a:outerShdw>
-                            </a:effectLst>
-                          </a14:hiddenEffects>
-                        </a:ext>
-                      </a:extLst>
-                    </p:spPr>
-                  </p:pic>
-                </p:oleObj>
-              </mc:Fallback>
-            </mc:AlternateContent>
+            <p:oleObj spid="_x0000_s3085" name="Visio" r:id="rId3" imgW="4867253" imgH="1609661" progId="Visio.Drawing.15">
+              <p:embed/>
+            </p:oleObj>
           </a:graphicData>
         </a:graphic>
       </p:graphicFrame>
@@ -12998,82 +12007,9 @@
         </p:xfrm>
         <a:graphic>
           <a:graphicData uri="http://schemas.openxmlformats.org/presentationml/2006/ole">
-            <mc:AlternateContent xmlns:mc="http://schemas.openxmlformats.org/markup-compatibility/2006">
-              <mc:Choice xmlns:v="urn:schemas-microsoft-com:vml" Requires="v">
-                <p:oleObj spid="_x0000_s21512" name="Visio" r:id="rId3" imgW="6286384" imgH="2038363" progId="Visio.Drawing.15">
-                  <p:embed/>
-                </p:oleObj>
-              </mc:Choice>
-              <mc:Fallback>
-                <p:oleObj name="Visio" r:id="rId3" imgW="6286384" imgH="2038363" progId="Visio.Drawing.15">
-                  <p:embed/>
-                  <p:pic>
-                    <p:nvPicPr>
-                      <p:cNvPr id="0" name="Picture 6"/>
-                      <p:cNvPicPr>
-                        <a:picLocks noChangeAspect="1" noChangeArrowheads="1"/>
-                      </p:cNvPicPr>
-                      <p:nvPr/>
-                    </p:nvPicPr>
-                    <p:blipFill>
-                      <a:blip r:embed="rId4">
-                        <a:extLst>
-                          <a:ext uri="{28A0092B-C50C-407E-A947-70E740481C1C}">
-                            <a14:useLocalDpi xmlns:a14="http://schemas.microsoft.com/office/drawing/2010/main" val="0"/>
-                          </a:ext>
-                        </a:extLst>
-                      </a:blip>
-                      <a:srcRect/>
-                      <a:stretch>
-                        <a:fillRect/>
-                      </a:stretch>
-                    </p:blipFill>
-                    <p:spPr bwMode="auto">
-                      <a:xfrm>
-                        <a:off x="785786" y="714356"/>
-                        <a:ext cx="7711298" cy="2500330"/>
-                      </a:xfrm>
-                      <a:prstGeom prst="rect">
-                        <a:avLst/>
-                      </a:prstGeom>
-                      <a:noFill/>
-                      <a:ln>
-                        <a:noFill/>
-                      </a:ln>
-                      <a:effectLst/>
-                      <a:extLst>
-                        <a:ext uri="{909E8E84-426E-40DD-AFC4-6F175D3DCCD1}">
-                          <a14:hiddenFill xmlns:a14="http://schemas.microsoft.com/office/drawing/2010/main">
-                            <a:solidFill>
-                              <a:schemeClr val="accent1"/>
-                            </a:solidFill>
-                          </a14:hiddenFill>
-                        </a:ext>
-                        <a:ext uri="{91240B29-F687-4F45-9708-019B960494DF}">
-                          <a14:hiddenLine xmlns:a14="http://schemas.microsoft.com/office/drawing/2010/main" w="9525">
-                            <a:solidFill>
-                              <a:schemeClr val="tx1"/>
-                            </a:solidFill>
-                            <a:miter lim="800000"/>
-                            <a:headEnd/>
-                            <a:tailEnd/>
-                          </a14:hiddenLine>
-                        </a:ext>
-                        <a:ext uri="{AF507438-7753-43E0-B8FC-AC1667EBCBE1}">
-                          <a14:hiddenEffects xmlns:a14="http://schemas.microsoft.com/office/drawing/2010/main">
-                            <a:effectLst>
-                              <a:outerShdw dist="35921" dir="2700000" algn="ctr" rotWithShape="0">
-                                <a:schemeClr val="bg2"/>
-                              </a:outerShdw>
-                            </a:effectLst>
-                          </a14:hiddenEffects>
-                        </a:ext>
-                      </a:extLst>
-                    </p:spPr>
-                  </p:pic>
-                </p:oleObj>
-              </mc:Fallback>
-            </mc:AlternateContent>
+            <p:oleObj spid="_x0000_s21512" name="Visio" r:id="rId3" imgW="6286384" imgH="2038363" progId="Visio.Drawing.15">
+              <p:embed/>
+            </p:oleObj>
           </a:graphicData>
         </a:graphic>
       </p:graphicFrame>
@@ -13206,82 +12142,9 @@
         </p:xfrm>
         <a:graphic>
           <a:graphicData uri="http://schemas.openxmlformats.org/presentationml/2006/ole">
-            <mc:AlternateContent xmlns:mc="http://schemas.openxmlformats.org/markup-compatibility/2006">
-              <mc:Choice xmlns:v="urn:schemas-microsoft-com:vml" Requires="v">
-                <p:oleObj spid="_x0000_s4109" name="Visio" r:id="rId3" imgW="7496114" imgH="3209861" progId="Visio.Drawing.15">
-                  <p:embed/>
-                </p:oleObj>
-              </mc:Choice>
-              <mc:Fallback>
-                <p:oleObj name="Visio" r:id="rId3" imgW="7496114" imgH="3209861" progId="Visio.Drawing.15">
-                  <p:embed/>
-                  <p:pic>
-                    <p:nvPicPr>
-                      <p:cNvPr id="0" name="Picture 11"/>
-                      <p:cNvPicPr>
-                        <a:picLocks noChangeAspect="1" noChangeArrowheads="1"/>
-                      </p:cNvPicPr>
-                      <p:nvPr/>
-                    </p:nvPicPr>
-                    <p:blipFill>
-                      <a:blip r:embed="rId4">
-                        <a:extLst>
-                          <a:ext uri="{28A0092B-C50C-407E-A947-70E740481C1C}">
-                            <a14:useLocalDpi xmlns:a14="http://schemas.microsoft.com/office/drawing/2010/main" val="0"/>
-                          </a:ext>
-                        </a:extLst>
-                      </a:blip>
-                      <a:srcRect/>
-                      <a:stretch>
-                        <a:fillRect/>
-                      </a:stretch>
-                    </p:blipFill>
-                    <p:spPr bwMode="auto">
-                      <a:xfrm>
-                        <a:off x="785813" y="2786058"/>
-                        <a:ext cx="7496175" cy="3209925"/>
-                      </a:xfrm>
-                      <a:prstGeom prst="rect">
-                        <a:avLst/>
-                      </a:prstGeom>
-                      <a:noFill/>
-                      <a:ln>
-                        <a:noFill/>
-                      </a:ln>
-                      <a:effectLst/>
-                      <a:extLst>
-                        <a:ext uri="{909E8E84-426E-40DD-AFC4-6F175D3DCCD1}">
-                          <a14:hiddenFill xmlns:a14="http://schemas.microsoft.com/office/drawing/2010/main">
-                            <a:solidFill>
-                              <a:schemeClr val="accent1"/>
-                            </a:solidFill>
-                          </a14:hiddenFill>
-                        </a:ext>
-                        <a:ext uri="{91240B29-F687-4F45-9708-019B960494DF}">
-                          <a14:hiddenLine xmlns:a14="http://schemas.microsoft.com/office/drawing/2010/main" w="9525">
-                            <a:solidFill>
-                              <a:schemeClr val="tx1"/>
-                            </a:solidFill>
-                            <a:miter lim="800000"/>
-                            <a:headEnd/>
-                            <a:tailEnd/>
-                          </a14:hiddenLine>
-                        </a:ext>
-                        <a:ext uri="{AF507438-7753-43E0-B8FC-AC1667EBCBE1}">
-                          <a14:hiddenEffects xmlns:a14="http://schemas.microsoft.com/office/drawing/2010/main">
-                            <a:effectLst>
-                              <a:outerShdw dist="35921" dir="2700000" algn="ctr" rotWithShape="0">
-                                <a:schemeClr val="bg2"/>
-                              </a:outerShdw>
-                            </a:effectLst>
-                          </a14:hiddenEffects>
-                        </a:ext>
-                      </a:extLst>
-                    </p:spPr>
-                  </p:pic>
-                </p:oleObj>
-              </mc:Fallback>
-            </mc:AlternateContent>
+            <p:oleObj spid="_x0000_s4109" name="Visio" r:id="rId3" imgW="7496114" imgH="3209861" progId="Visio.Drawing.15">
+              <p:embed/>
+            </p:oleObj>
           </a:graphicData>
         </a:graphic>
       </p:graphicFrame>
